--- a/Quran_Similarities.pptx
+++ b/Quran_Similarities.pptx
@@ -5,18 +5,19 @@
     <p:sldMasterId id="2147483672" r:id="rId1"/>
   </p:sldMasterIdLst>
   <p:notesMasterIdLst>
-    <p:notesMasterId r:id="rId11"/>
+    <p:notesMasterId r:id="rId12"/>
   </p:notesMasterIdLst>
   <p:sldIdLst>
     <p:sldId id="266" r:id="rId2"/>
     <p:sldId id="268" r:id="rId3"/>
-    <p:sldId id="265" r:id="rId4"/>
-    <p:sldId id="262" r:id="rId5"/>
-    <p:sldId id="267" r:id="rId6"/>
-    <p:sldId id="264" r:id="rId7"/>
-    <p:sldId id="258" r:id="rId8"/>
-    <p:sldId id="259" r:id="rId9"/>
-    <p:sldId id="269" r:id="rId10"/>
+    <p:sldId id="270" r:id="rId4"/>
+    <p:sldId id="265" r:id="rId5"/>
+    <p:sldId id="262" r:id="rId6"/>
+    <p:sldId id="267" r:id="rId7"/>
+    <p:sldId id="264" r:id="rId8"/>
+    <p:sldId id="258" r:id="rId9"/>
+    <p:sldId id="259" r:id="rId10"/>
+    <p:sldId id="269" r:id="rId11"/>
   </p:sldIdLst>
   <p:sldSz cx="12192000" cy="6858000"/>
   <p:notesSz cx="6858000" cy="9144000"/>
@@ -778,7 +779,7 @@
     </p:spTree>
     <p:extLst>
       <p:ext uri="{BB962C8B-B14F-4D97-AF65-F5344CB8AC3E}">
-        <p14:creationId xmlns:p14="http://schemas.microsoft.com/office/powerpoint/2010/main" val="4246755735"/>
+        <p14:creationId xmlns:p14="http://schemas.microsoft.com/office/powerpoint/2010/main" val="1226527050"/>
       </p:ext>
     </p:extLst>
   </p:cSld>
@@ -883,7 +884,7 @@
     </p:spTree>
     <p:extLst>
       <p:ext uri="{BB962C8B-B14F-4D97-AF65-F5344CB8AC3E}">
-        <p14:creationId xmlns:p14="http://schemas.microsoft.com/office/powerpoint/2010/main" val="2643002352"/>
+        <p14:creationId xmlns:p14="http://schemas.microsoft.com/office/powerpoint/2010/main" val="4246755735"/>
       </p:ext>
     </p:extLst>
   </p:cSld>
@@ -988,7 +989,7 @@
     </p:spTree>
     <p:extLst>
       <p:ext uri="{BB962C8B-B14F-4D97-AF65-F5344CB8AC3E}">
-        <p14:creationId xmlns:p14="http://schemas.microsoft.com/office/powerpoint/2010/main" val="3282914459"/>
+        <p14:creationId xmlns:p14="http://schemas.microsoft.com/office/powerpoint/2010/main" val="2643002352"/>
       </p:ext>
     </p:extLst>
   </p:cSld>
@@ -999,189 +1000,6 @@
 </file>
 
 <file path=ppt/notesSlides/notesSlide6.xml><?xml version="1.0" encoding="utf-8"?>
-<p:notes xmlns:a="http://schemas.openxmlformats.org/drawingml/2006/main" xmlns:r="http://schemas.openxmlformats.org/officeDocument/2006/relationships" xmlns:p="http://schemas.openxmlformats.org/presentationml/2006/main">
-  <p:cSld>
-    <p:spTree>
-      <p:nvGrpSpPr>
-        <p:cNvPr id="1" name=""/>
-        <p:cNvGrpSpPr/>
-        <p:nvPr/>
-      </p:nvGrpSpPr>
-      <p:grpSpPr>
-        <a:xfrm>
-          <a:off x="0" y="0"/>
-          <a:ext cx="0" cy="0"/>
-          <a:chOff x="0" y="0"/>
-          <a:chExt cx="0" cy="0"/>
-        </a:xfrm>
-      </p:grpSpPr>
-      <p:sp>
-        <p:nvSpPr>
-          <p:cNvPr id="2" name="Slide Image Placeholder 1"/>
-          <p:cNvSpPr>
-            <a:spLocks noGrp="1" noRot="1" noChangeAspect="1"/>
-          </p:cNvSpPr>
-          <p:nvPr>
-            <p:ph type="sldImg"/>
-          </p:nvPr>
-        </p:nvSpPr>
-        <p:spPr>
-          <a:xfrm>
-            <a:off x="685800" y="1143000"/>
-            <a:ext cx="5486400" cy="3086100"/>
-          </a:xfrm>
-        </p:spPr>
-      </p:sp>
-      <p:sp>
-        <p:nvSpPr>
-          <p:cNvPr id="3" name="Notes Placeholder 2"/>
-          <p:cNvSpPr>
-            <a:spLocks noGrp="1"/>
-          </p:cNvSpPr>
-          <p:nvPr>
-            <p:ph type="body" idx="1"/>
-          </p:nvPr>
-        </p:nvSpPr>
-        <p:spPr/>
-        <p:txBody>
-          <a:bodyPr/>
-          <a:lstStyle/>
-          <a:p>
-            <a:pPr marL="0" algn="r" defTabSz="914400" rtl="1" eaLnBrk="1" latinLnBrk="0" hangingPunct="1"/>
-            <a:endParaRPr lang="ar-SA" dirty="0"/>
-          </a:p>
-        </p:txBody>
-      </p:sp>
-      <p:sp>
-        <p:nvSpPr>
-          <p:cNvPr id="4" name="Slide Number Placeholder 3"/>
-          <p:cNvSpPr>
-            <a:spLocks noGrp="1"/>
-          </p:cNvSpPr>
-          <p:nvPr>
-            <p:ph type="sldNum" sz="quarter" idx="5"/>
-          </p:nvPr>
-        </p:nvSpPr>
-        <p:spPr/>
-        <p:txBody>
-          <a:bodyPr/>
-          <a:lstStyle/>
-          <a:p>
-            <a:fld id="{0692D3F7-FCD5-A14E-9C11-336F5F8127B8}" type="slidenum">
-              <a:rPr lang="ar-SA" smtClean="0"/>
-              <a:t>6</a:t>
-            </a:fld>
-            <a:endParaRPr lang="ar-SA"/>
-          </a:p>
-        </p:txBody>
-      </p:sp>
-    </p:spTree>
-    <p:extLst>
-      <p:ext uri="{BB962C8B-B14F-4D97-AF65-F5344CB8AC3E}">
-        <p14:creationId xmlns:p14="http://schemas.microsoft.com/office/powerpoint/2010/main" val="3213354857"/>
-      </p:ext>
-    </p:extLst>
-  </p:cSld>
-  <p:clrMapOvr>
-    <a:masterClrMapping/>
-  </p:clrMapOvr>
-</p:notes>
-</file>
-
-<file path=ppt/notesSlides/notesSlide7.xml><?xml version="1.0" encoding="utf-8"?>
-<p:notes xmlns:a="http://schemas.openxmlformats.org/drawingml/2006/main" xmlns:r="http://schemas.openxmlformats.org/officeDocument/2006/relationships" xmlns:p="http://schemas.openxmlformats.org/presentationml/2006/main">
-  <p:cSld>
-    <p:spTree>
-      <p:nvGrpSpPr>
-        <p:cNvPr id="1" name=""/>
-        <p:cNvGrpSpPr/>
-        <p:nvPr/>
-      </p:nvGrpSpPr>
-      <p:grpSpPr>
-        <a:xfrm>
-          <a:off x="0" y="0"/>
-          <a:ext cx="0" cy="0"/>
-          <a:chOff x="0" y="0"/>
-          <a:chExt cx="0" cy="0"/>
-        </a:xfrm>
-      </p:grpSpPr>
-      <p:sp>
-        <p:nvSpPr>
-          <p:cNvPr id="2" name="Slide Image Placeholder 1"/>
-          <p:cNvSpPr>
-            <a:spLocks noGrp="1" noRot="1" noChangeAspect="1"/>
-          </p:cNvSpPr>
-          <p:nvPr>
-            <p:ph type="sldImg"/>
-          </p:nvPr>
-        </p:nvSpPr>
-        <p:spPr>
-          <a:xfrm>
-            <a:off x="685800" y="1143000"/>
-            <a:ext cx="5486400" cy="3086100"/>
-          </a:xfrm>
-        </p:spPr>
-      </p:sp>
-      <p:sp>
-        <p:nvSpPr>
-          <p:cNvPr id="3" name="Notes Placeholder 2"/>
-          <p:cNvSpPr>
-            <a:spLocks noGrp="1"/>
-          </p:cNvSpPr>
-          <p:nvPr>
-            <p:ph type="body" idx="1"/>
-          </p:nvPr>
-        </p:nvSpPr>
-        <p:spPr/>
-        <p:txBody>
-          <a:bodyPr/>
-          <a:lstStyle/>
-          <a:p>
-            <a:pPr marL="0" algn="r" defTabSz="914400" rtl="1" eaLnBrk="1" latinLnBrk="0" hangingPunct="1"/>
-            <a:r>
-              <a:rPr lang="ar-SA" dirty="0"/>
-              <a:t>النموذج الاولي </a:t>
-            </a:r>
-          </a:p>
-        </p:txBody>
-      </p:sp>
-      <p:sp>
-        <p:nvSpPr>
-          <p:cNvPr id="4" name="Slide Number Placeholder 3"/>
-          <p:cNvSpPr>
-            <a:spLocks noGrp="1"/>
-          </p:cNvSpPr>
-          <p:nvPr>
-            <p:ph type="sldNum" sz="quarter" idx="5"/>
-          </p:nvPr>
-        </p:nvSpPr>
-        <p:spPr/>
-        <p:txBody>
-          <a:bodyPr/>
-          <a:lstStyle/>
-          <a:p>
-            <a:fld id="{0692D3F7-FCD5-A14E-9C11-336F5F8127B8}" type="slidenum">
-              <a:rPr lang="ar-SA" smtClean="0"/>
-              <a:t>8</a:t>
-            </a:fld>
-            <a:endParaRPr lang="ar-SA"/>
-          </a:p>
-        </p:txBody>
-      </p:sp>
-    </p:spTree>
-    <p:extLst>
-      <p:ext uri="{BB962C8B-B14F-4D97-AF65-F5344CB8AC3E}">
-        <p14:creationId xmlns:p14="http://schemas.microsoft.com/office/powerpoint/2010/main" val="4185975224"/>
-      </p:ext>
-    </p:extLst>
-  </p:cSld>
-  <p:clrMapOvr>
-    <a:masterClrMapping/>
-  </p:clrMapOvr>
-</p:notes>
-</file>
-
-<file path=ppt/notesSlides/notesSlide8.xml><?xml version="1.0" encoding="utf-8"?>
 <p:notes xmlns:a="http://schemas.openxmlformats.org/drawingml/2006/main" xmlns:r="http://schemas.openxmlformats.org/officeDocument/2006/relationships" xmlns:p="http://schemas.openxmlformats.org/presentationml/2006/main">
   <p:cSld>
     <p:spTree>
@@ -1267,7 +1085,295 @@
           <a:p>
             <a:fld id="{0692D3F7-FCD5-A14E-9C11-336F5F8127B8}" type="slidenum">
               <a:rPr lang="ar-SA" smtClean="0"/>
+              <a:t>6</a:t>
+            </a:fld>
+            <a:endParaRPr lang="ar-SA"/>
+          </a:p>
+        </p:txBody>
+      </p:sp>
+    </p:spTree>
+    <p:extLst>
+      <p:ext uri="{BB962C8B-B14F-4D97-AF65-F5344CB8AC3E}">
+        <p14:creationId xmlns:p14="http://schemas.microsoft.com/office/powerpoint/2010/main" val="3282914459"/>
+      </p:ext>
+    </p:extLst>
+  </p:cSld>
+  <p:clrMapOvr>
+    <a:masterClrMapping/>
+  </p:clrMapOvr>
+</p:notes>
+</file>
+
+<file path=ppt/notesSlides/notesSlide7.xml><?xml version="1.0" encoding="utf-8"?>
+<p:notes xmlns:a="http://schemas.openxmlformats.org/drawingml/2006/main" xmlns:r="http://schemas.openxmlformats.org/officeDocument/2006/relationships" xmlns:p="http://schemas.openxmlformats.org/presentationml/2006/main">
+  <p:cSld>
+    <p:spTree>
+      <p:nvGrpSpPr>
+        <p:cNvPr id="1" name=""/>
+        <p:cNvGrpSpPr/>
+        <p:nvPr/>
+      </p:nvGrpSpPr>
+      <p:grpSpPr>
+        <a:xfrm>
+          <a:off x="0" y="0"/>
+          <a:ext cx="0" cy="0"/>
+          <a:chOff x="0" y="0"/>
+          <a:chExt cx="0" cy="0"/>
+        </a:xfrm>
+      </p:grpSpPr>
+      <p:sp>
+        <p:nvSpPr>
+          <p:cNvPr id="2" name="Slide Image Placeholder 1"/>
+          <p:cNvSpPr>
+            <a:spLocks noGrp="1" noRot="1" noChangeAspect="1"/>
+          </p:cNvSpPr>
+          <p:nvPr>
+            <p:ph type="sldImg"/>
+          </p:nvPr>
+        </p:nvSpPr>
+        <p:spPr>
+          <a:xfrm>
+            <a:off x="685800" y="1143000"/>
+            <a:ext cx="5486400" cy="3086100"/>
+          </a:xfrm>
+        </p:spPr>
+      </p:sp>
+      <p:sp>
+        <p:nvSpPr>
+          <p:cNvPr id="3" name="Notes Placeholder 2"/>
+          <p:cNvSpPr>
+            <a:spLocks noGrp="1"/>
+          </p:cNvSpPr>
+          <p:nvPr>
+            <p:ph type="body" idx="1"/>
+          </p:nvPr>
+        </p:nvSpPr>
+        <p:spPr/>
+        <p:txBody>
+          <a:bodyPr/>
+          <a:lstStyle/>
+          <a:p>
+            <a:pPr marL="0" algn="r" defTabSz="914400" rtl="1" eaLnBrk="1" latinLnBrk="0" hangingPunct="1"/>
+            <a:endParaRPr lang="ar-SA" dirty="0"/>
+          </a:p>
+        </p:txBody>
+      </p:sp>
+      <p:sp>
+        <p:nvSpPr>
+          <p:cNvPr id="4" name="Slide Number Placeholder 3"/>
+          <p:cNvSpPr>
+            <a:spLocks noGrp="1"/>
+          </p:cNvSpPr>
+          <p:nvPr>
+            <p:ph type="sldNum" sz="quarter" idx="5"/>
+          </p:nvPr>
+        </p:nvSpPr>
+        <p:spPr/>
+        <p:txBody>
+          <a:bodyPr/>
+          <a:lstStyle/>
+          <a:p>
+            <a:fld id="{0692D3F7-FCD5-A14E-9C11-336F5F8127B8}" type="slidenum">
+              <a:rPr lang="ar-SA" smtClean="0"/>
+              <a:t>7</a:t>
+            </a:fld>
+            <a:endParaRPr lang="ar-SA"/>
+          </a:p>
+        </p:txBody>
+      </p:sp>
+    </p:spTree>
+    <p:extLst>
+      <p:ext uri="{BB962C8B-B14F-4D97-AF65-F5344CB8AC3E}">
+        <p14:creationId xmlns:p14="http://schemas.microsoft.com/office/powerpoint/2010/main" val="3213354857"/>
+      </p:ext>
+    </p:extLst>
+  </p:cSld>
+  <p:clrMapOvr>
+    <a:masterClrMapping/>
+  </p:clrMapOvr>
+</p:notes>
+</file>
+
+<file path=ppt/notesSlides/notesSlide8.xml><?xml version="1.0" encoding="utf-8"?>
+<p:notes xmlns:a="http://schemas.openxmlformats.org/drawingml/2006/main" xmlns:r="http://schemas.openxmlformats.org/officeDocument/2006/relationships" xmlns:p="http://schemas.openxmlformats.org/presentationml/2006/main">
+  <p:cSld>
+    <p:spTree>
+      <p:nvGrpSpPr>
+        <p:cNvPr id="1" name=""/>
+        <p:cNvGrpSpPr/>
+        <p:nvPr/>
+      </p:nvGrpSpPr>
+      <p:grpSpPr>
+        <a:xfrm>
+          <a:off x="0" y="0"/>
+          <a:ext cx="0" cy="0"/>
+          <a:chOff x="0" y="0"/>
+          <a:chExt cx="0" cy="0"/>
+        </a:xfrm>
+      </p:grpSpPr>
+      <p:sp>
+        <p:nvSpPr>
+          <p:cNvPr id="2" name="Slide Image Placeholder 1"/>
+          <p:cNvSpPr>
+            <a:spLocks noGrp="1" noRot="1" noChangeAspect="1"/>
+          </p:cNvSpPr>
+          <p:nvPr>
+            <p:ph type="sldImg"/>
+          </p:nvPr>
+        </p:nvSpPr>
+        <p:spPr>
+          <a:xfrm>
+            <a:off x="685800" y="1143000"/>
+            <a:ext cx="5486400" cy="3086100"/>
+          </a:xfrm>
+        </p:spPr>
+      </p:sp>
+      <p:sp>
+        <p:nvSpPr>
+          <p:cNvPr id="3" name="Notes Placeholder 2"/>
+          <p:cNvSpPr>
+            <a:spLocks noGrp="1"/>
+          </p:cNvSpPr>
+          <p:nvPr>
+            <p:ph type="body" idx="1"/>
+          </p:nvPr>
+        </p:nvSpPr>
+        <p:spPr/>
+        <p:txBody>
+          <a:bodyPr/>
+          <a:lstStyle/>
+          <a:p>
+            <a:pPr marL="0" algn="r" defTabSz="914400" rtl="1" eaLnBrk="1" latinLnBrk="0" hangingPunct="1"/>
+            <a:r>
+              <a:rPr lang="ar-SA" dirty="0"/>
+              <a:t>النموذج الاولي </a:t>
+            </a:r>
+          </a:p>
+        </p:txBody>
+      </p:sp>
+      <p:sp>
+        <p:nvSpPr>
+          <p:cNvPr id="4" name="Slide Number Placeholder 3"/>
+          <p:cNvSpPr>
+            <a:spLocks noGrp="1"/>
+          </p:cNvSpPr>
+          <p:nvPr>
+            <p:ph type="sldNum" sz="quarter" idx="5"/>
+          </p:nvPr>
+        </p:nvSpPr>
+        <p:spPr/>
+        <p:txBody>
+          <a:bodyPr/>
+          <a:lstStyle/>
+          <a:p>
+            <a:fld id="{0692D3F7-FCD5-A14E-9C11-336F5F8127B8}" type="slidenum">
+              <a:rPr lang="ar-SA" smtClean="0"/>
               <a:t>9</a:t>
+            </a:fld>
+            <a:endParaRPr lang="ar-SA"/>
+          </a:p>
+        </p:txBody>
+      </p:sp>
+    </p:spTree>
+    <p:extLst>
+      <p:ext uri="{BB962C8B-B14F-4D97-AF65-F5344CB8AC3E}">
+        <p14:creationId xmlns:p14="http://schemas.microsoft.com/office/powerpoint/2010/main" val="4185975224"/>
+      </p:ext>
+    </p:extLst>
+  </p:cSld>
+  <p:clrMapOvr>
+    <a:masterClrMapping/>
+  </p:clrMapOvr>
+</p:notes>
+</file>
+
+<file path=ppt/notesSlides/notesSlide9.xml><?xml version="1.0" encoding="utf-8"?>
+<p:notes xmlns:a="http://schemas.openxmlformats.org/drawingml/2006/main" xmlns:r="http://schemas.openxmlformats.org/officeDocument/2006/relationships" xmlns:p="http://schemas.openxmlformats.org/presentationml/2006/main">
+  <p:cSld>
+    <p:spTree>
+      <p:nvGrpSpPr>
+        <p:cNvPr id="1" name=""/>
+        <p:cNvGrpSpPr/>
+        <p:nvPr/>
+      </p:nvGrpSpPr>
+      <p:grpSpPr>
+        <a:xfrm>
+          <a:off x="0" y="0"/>
+          <a:ext cx="0" cy="0"/>
+          <a:chOff x="0" y="0"/>
+          <a:chExt cx="0" cy="0"/>
+        </a:xfrm>
+      </p:grpSpPr>
+      <p:sp>
+        <p:nvSpPr>
+          <p:cNvPr id="2" name="Slide Image Placeholder 1"/>
+          <p:cNvSpPr>
+            <a:spLocks noGrp="1" noRot="1" noChangeAspect="1"/>
+          </p:cNvSpPr>
+          <p:nvPr>
+            <p:ph type="sldImg"/>
+          </p:nvPr>
+        </p:nvSpPr>
+        <p:spPr>
+          <a:xfrm>
+            <a:off x="685800" y="1143000"/>
+            <a:ext cx="5486400" cy="3086100"/>
+          </a:xfrm>
+        </p:spPr>
+      </p:sp>
+      <p:sp>
+        <p:nvSpPr>
+          <p:cNvPr id="3" name="Notes Placeholder 2"/>
+          <p:cNvSpPr>
+            <a:spLocks noGrp="1"/>
+          </p:cNvSpPr>
+          <p:nvPr>
+            <p:ph type="body" idx="1"/>
+          </p:nvPr>
+        </p:nvSpPr>
+        <p:spPr/>
+        <p:txBody>
+          <a:bodyPr/>
+          <a:lstStyle/>
+          <a:p>
+            <a:pPr marL="0" algn="r" defTabSz="914400" rtl="1" eaLnBrk="1" latinLnBrk="0" hangingPunct="1"/>
+            <a:r>
+              <a:rPr lang="ar-SA" dirty="0" err="1"/>
+              <a:t>ماهو</a:t>
+            </a:r>
+            <a:r>
+              <a:rPr lang="ar-SA" dirty="0"/>
+              <a:t> تطبيق </a:t>
+            </a:r>
+            <a:r>
+              <a:rPr lang="ar-SA" dirty="0" err="1"/>
+              <a:t>متشابة</a:t>
+            </a:r>
+            <a:r>
+              <a:rPr lang="ar-SA" dirty="0"/>
+              <a:t> القران </a:t>
+            </a:r>
+          </a:p>
+        </p:txBody>
+      </p:sp>
+      <p:sp>
+        <p:nvSpPr>
+          <p:cNvPr id="4" name="Slide Number Placeholder 3"/>
+          <p:cNvSpPr>
+            <a:spLocks noGrp="1"/>
+          </p:cNvSpPr>
+          <p:nvPr>
+            <p:ph type="sldNum" sz="quarter" idx="5"/>
+          </p:nvPr>
+        </p:nvSpPr>
+        <p:spPr/>
+        <p:txBody>
+          <a:bodyPr/>
+          <a:lstStyle/>
+          <a:p>
+            <a:fld id="{0692D3F7-FCD5-A14E-9C11-336F5F8127B8}" type="slidenum">
+              <a:rPr lang="ar-SA" smtClean="0"/>
+              <a:t>10</a:t>
             </a:fld>
             <a:endParaRPr lang="ar-SA"/>
           </a:p>
@@ -5254,6 +5360,1175 @@
 </p:sld>
 </file>
 
+<file path=ppt/slides/slide10.xml><?xml version="1.0" encoding="utf-8"?>
+<p:sld xmlns:a="http://schemas.openxmlformats.org/drawingml/2006/main" xmlns:r="http://schemas.openxmlformats.org/officeDocument/2006/relationships" xmlns:p="http://schemas.openxmlformats.org/presentationml/2006/main">
+  <p:cSld>
+    <p:bg>
+      <p:bgPr>
+        <a:solidFill>
+          <a:schemeClr val="bg1">
+            <a:lumMod val="85000"/>
+          </a:schemeClr>
+        </a:solidFill>
+        <a:effectLst/>
+      </p:bgPr>
+    </p:bg>
+    <p:spTree>
+      <p:nvGrpSpPr>
+        <p:cNvPr id="1" name=""/>
+        <p:cNvGrpSpPr/>
+        <p:nvPr/>
+      </p:nvGrpSpPr>
+      <p:grpSpPr>
+        <a:xfrm>
+          <a:off x="0" y="0"/>
+          <a:ext cx="0" cy="0"/>
+          <a:chOff x="0" y="0"/>
+          <a:chExt cx="0" cy="0"/>
+        </a:xfrm>
+      </p:grpSpPr>
+      <p:sp>
+        <p:nvSpPr>
+          <p:cNvPr id="11" name="Freeform 40">
+            <a:extLst>
+              <a:ext uri="{FF2B5EF4-FFF2-40B4-BE49-F238E27FC236}">
+                <a16:creationId xmlns:a16="http://schemas.microsoft.com/office/drawing/2014/main" id="{88A17AD2-2BAB-4530-86E7-D72AB6E50713}"/>
+              </a:ext>
+            </a:extLst>
+          </p:cNvPr>
+          <p:cNvSpPr>
+            <a:spLocks noChangeArrowheads="1"/>
+          </p:cNvSpPr>
+          <p:nvPr/>
+        </p:nvSpPr>
+        <p:spPr bwMode="auto">
+          <a:xfrm rot="11825610">
+            <a:off x="-4873768" y="-208990"/>
+            <a:ext cx="11767008" cy="5664104"/>
+          </a:xfrm>
+          <a:custGeom>
+            <a:avLst/>
+            <a:gdLst>
+              <a:gd name="connsiteX0" fmla="*/ 11264585 w 23534016"/>
+              <a:gd name="connsiteY0" fmla="*/ 9912566 h 11328207"/>
+              <a:gd name="connsiteX1" fmla="*/ 11605793 w 23534016"/>
+              <a:gd name="connsiteY1" fmla="*/ 10554301 h 11328207"/>
+              <a:gd name="connsiteX2" fmla="*/ 10831887 w 23534016"/>
+              <a:gd name="connsiteY2" fmla="*/ 11328207 h 11328207"/>
+              <a:gd name="connsiteX3" fmla="*/ 10736635 w 23534016"/>
+              <a:gd name="connsiteY3" fmla="*/ 11328207 h 11328207"/>
+              <a:gd name="connsiteX4" fmla="*/ 9962731 w 23534016"/>
+              <a:gd name="connsiteY4" fmla="*/ 10554301 h 11328207"/>
+              <a:gd name="connsiteX5" fmla="*/ 10736635 w 23534016"/>
+              <a:gd name="connsiteY5" fmla="*/ 9780395 h 11328207"/>
+              <a:gd name="connsiteX6" fmla="*/ 10831887 w 23534016"/>
+              <a:gd name="connsiteY6" fmla="*/ 9780395 h 11328207"/>
+              <a:gd name="connsiteX7" fmla="*/ 11264585 w 23534016"/>
+              <a:gd name="connsiteY7" fmla="*/ 9912566 h 11328207"/>
+              <a:gd name="connsiteX8" fmla="*/ 1179542 w 23534016"/>
+              <a:gd name="connsiteY8" fmla="*/ 3328153 h 11328207"/>
+              <a:gd name="connsiteX9" fmla="*/ 1401765 w 23534016"/>
+              <a:gd name="connsiteY9" fmla="*/ 3746104 h 11328207"/>
+              <a:gd name="connsiteX10" fmla="*/ 1401764 w 23534016"/>
+              <a:gd name="connsiteY10" fmla="*/ 3746104 h 11328207"/>
+              <a:gd name="connsiteX11" fmla="*/ 897732 w 23534016"/>
+              <a:gd name="connsiteY11" fmla="*/ 4250136 h 11328207"/>
+              <a:gd name="connsiteX12" fmla="*/ 504033 w 23534016"/>
+              <a:gd name="connsiteY12" fmla="*/ 4250135 h 11328207"/>
+              <a:gd name="connsiteX13" fmla="*/ 1 w 23534016"/>
+              <a:gd name="connsiteY13" fmla="*/ 3746103 h 11328207"/>
+              <a:gd name="connsiteX14" fmla="*/ 0 w 23534016"/>
+              <a:gd name="connsiteY14" fmla="*/ 3746103 h 11328207"/>
+              <a:gd name="connsiteX15" fmla="*/ 504032 w 23534016"/>
+              <a:gd name="connsiteY15" fmla="*/ 3242072 h 11328207"/>
+              <a:gd name="connsiteX16" fmla="*/ 897733 w 23534016"/>
+              <a:gd name="connsiteY16" fmla="*/ 3242072 h 11328207"/>
+              <a:gd name="connsiteX17" fmla="*/ 1179542 w 23534016"/>
+              <a:gd name="connsiteY17" fmla="*/ 3328153 h 11328207"/>
+              <a:gd name="connsiteX18" fmla="*/ 9733515 w 23534016"/>
+              <a:gd name="connsiteY18" fmla="*/ 6613367 h 11328207"/>
+              <a:gd name="connsiteX19" fmla="*/ 9955739 w 23534016"/>
+              <a:gd name="connsiteY19" fmla="*/ 7031319 h 11328207"/>
+              <a:gd name="connsiteX20" fmla="*/ 9955739 w 23534016"/>
+              <a:gd name="connsiteY20" fmla="*/ 7031319 h 11328207"/>
+              <a:gd name="connsiteX21" fmla="*/ 9451707 w 23534016"/>
+              <a:gd name="connsiteY21" fmla="*/ 7535351 h 11328207"/>
+              <a:gd name="connsiteX22" fmla="*/ 9058008 w 23534016"/>
+              <a:gd name="connsiteY22" fmla="*/ 7535350 h 11328207"/>
+              <a:gd name="connsiteX23" fmla="*/ 8553975 w 23534016"/>
+              <a:gd name="connsiteY23" fmla="*/ 7031318 h 11328207"/>
+              <a:gd name="connsiteX24" fmla="*/ 8553975 w 23534016"/>
+              <a:gd name="connsiteY24" fmla="*/ 7031318 h 11328207"/>
+              <a:gd name="connsiteX25" fmla="*/ 9058007 w 23534016"/>
+              <a:gd name="connsiteY25" fmla="*/ 6527286 h 11328207"/>
+              <a:gd name="connsiteX26" fmla="*/ 9451706 w 23534016"/>
+              <a:gd name="connsiteY26" fmla="*/ 6527286 h 11328207"/>
+              <a:gd name="connsiteX27" fmla="*/ 9733515 w 23534016"/>
+              <a:gd name="connsiteY27" fmla="*/ 6613367 h 11328207"/>
+              <a:gd name="connsiteX28" fmla="*/ 8928022 w 23534016"/>
+              <a:gd name="connsiteY28" fmla="*/ 3340367 h 11328207"/>
+              <a:gd name="connsiteX29" fmla="*/ 9150244 w 23534016"/>
+              <a:gd name="connsiteY29" fmla="*/ 3758318 h 11328207"/>
+              <a:gd name="connsiteX30" fmla="*/ 9150244 w 23534016"/>
+              <a:gd name="connsiteY30" fmla="*/ 3758318 h 11328207"/>
+              <a:gd name="connsiteX31" fmla="*/ 8646212 w 23534016"/>
+              <a:gd name="connsiteY31" fmla="*/ 4262350 h 11328207"/>
+              <a:gd name="connsiteX32" fmla="*/ 2350189 w 23534016"/>
+              <a:gd name="connsiteY32" fmla="*/ 4262349 h 11328207"/>
+              <a:gd name="connsiteX33" fmla="*/ 1846156 w 23534016"/>
+              <a:gd name="connsiteY33" fmla="*/ 3758316 h 11328207"/>
+              <a:gd name="connsiteX34" fmla="*/ 1846157 w 23534016"/>
+              <a:gd name="connsiteY34" fmla="*/ 3758317 h 11328207"/>
+              <a:gd name="connsiteX35" fmla="*/ 2350189 w 23534016"/>
+              <a:gd name="connsiteY35" fmla="*/ 3254285 h 11328207"/>
+              <a:gd name="connsiteX36" fmla="*/ 8646213 w 23534016"/>
+              <a:gd name="connsiteY36" fmla="*/ 3254286 h 11328207"/>
+              <a:gd name="connsiteX37" fmla="*/ 8928022 w 23534016"/>
+              <a:gd name="connsiteY37" fmla="*/ 3340367 h 11328207"/>
+              <a:gd name="connsiteX38" fmla="*/ 15324339 w 23534016"/>
+              <a:gd name="connsiteY38" fmla="*/ 6624950 h 11328207"/>
+              <a:gd name="connsiteX39" fmla="*/ 15546562 w 23534016"/>
+              <a:gd name="connsiteY39" fmla="*/ 7042900 h 11328207"/>
+              <a:gd name="connsiteX40" fmla="*/ 15042530 w 23534016"/>
+              <a:gd name="connsiteY40" fmla="*/ 7546931 h 11328207"/>
+              <a:gd name="connsiteX41" fmla="*/ 10905505 w 23534016"/>
+              <a:gd name="connsiteY41" fmla="*/ 7546930 h 11328207"/>
+              <a:gd name="connsiteX42" fmla="*/ 10401474 w 23534016"/>
+              <a:gd name="connsiteY42" fmla="*/ 7042899 h 11328207"/>
+              <a:gd name="connsiteX43" fmla="*/ 10905505 w 23534016"/>
+              <a:gd name="connsiteY43" fmla="*/ 6538868 h 11328207"/>
+              <a:gd name="connsiteX44" fmla="*/ 15042530 w 23534016"/>
+              <a:gd name="connsiteY44" fmla="*/ 6538869 h 11328207"/>
+              <a:gd name="connsiteX45" fmla="*/ 15324339 w 23534016"/>
+              <a:gd name="connsiteY45" fmla="*/ 6624950 h 11328207"/>
+              <a:gd name="connsiteX46" fmla="*/ 23192458 w 23534016"/>
+              <a:gd name="connsiteY46" fmla="*/ 8064785 h 11328207"/>
+              <a:gd name="connsiteX47" fmla="*/ 23534016 w 23534016"/>
+              <a:gd name="connsiteY47" fmla="*/ 8707179 h 11328207"/>
+              <a:gd name="connsiteX48" fmla="*/ 22759316 w 23534016"/>
+              <a:gd name="connsiteY48" fmla="*/ 9481878 h 11328207"/>
+              <a:gd name="connsiteX49" fmla="*/ 8228929 w 23534016"/>
+              <a:gd name="connsiteY49" fmla="*/ 9481877 h 11328207"/>
+              <a:gd name="connsiteX50" fmla="*/ 7454228 w 23534016"/>
+              <a:gd name="connsiteY50" fmla="*/ 8707176 h 11328207"/>
+              <a:gd name="connsiteX51" fmla="*/ 8228928 w 23534016"/>
+              <a:gd name="connsiteY51" fmla="*/ 7932477 h 11328207"/>
+              <a:gd name="connsiteX52" fmla="*/ 22759315 w 23534016"/>
+              <a:gd name="connsiteY52" fmla="*/ 7932478 h 11328207"/>
+              <a:gd name="connsiteX53" fmla="*/ 23192458 w 23534016"/>
+              <a:gd name="connsiteY53" fmla="*/ 8064785 h 11328207"/>
+              <a:gd name="connsiteX54" fmla="*/ 9947589 w 23534016"/>
+              <a:gd name="connsiteY54" fmla="*/ 86081 h 11328207"/>
+              <a:gd name="connsiteX55" fmla="*/ 10169812 w 23534016"/>
+              <a:gd name="connsiteY55" fmla="*/ 504032 h 11328207"/>
+              <a:gd name="connsiteX56" fmla="*/ 10169811 w 23534016"/>
+              <a:gd name="connsiteY56" fmla="*/ 504032 h 11328207"/>
+              <a:gd name="connsiteX57" fmla="*/ 9665779 w 23534016"/>
+              <a:gd name="connsiteY57" fmla="*/ 1008064 h 11328207"/>
+              <a:gd name="connsiteX58" fmla="*/ 2447418 w 23534016"/>
+              <a:gd name="connsiteY58" fmla="*/ 1008063 h 11328207"/>
+              <a:gd name="connsiteX59" fmla="*/ 1943386 w 23534016"/>
+              <a:gd name="connsiteY59" fmla="*/ 504031 h 11328207"/>
+              <a:gd name="connsiteX60" fmla="*/ 1943385 w 23534016"/>
+              <a:gd name="connsiteY60" fmla="*/ 504031 h 11328207"/>
+              <a:gd name="connsiteX61" fmla="*/ 2447417 w 23534016"/>
+              <a:gd name="connsiteY61" fmla="*/ 0 h 11328207"/>
+              <a:gd name="connsiteX62" fmla="*/ 9665780 w 23534016"/>
+              <a:gd name="connsiteY62" fmla="*/ 0 h 11328207"/>
+              <a:gd name="connsiteX63" fmla="*/ 9947589 w 23534016"/>
+              <a:gd name="connsiteY63" fmla="*/ 86081 h 11328207"/>
+              <a:gd name="connsiteX64" fmla="*/ 16576520 w 23534016"/>
+              <a:gd name="connsiteY64" fmla="*/ 3400992 h 11328207"/>
+              <a:gd name="connsiteX65" fmla="*/ 16798742 w 23534016"/>
+              <a:gd name="connsiteY65" fmla="*/ 3818943 h 11328207"/>
+              <a:gd name="connsiteX66" fmla="*/ 16798742 w 23534016"/>
+              <a:gd name="connsiteY66" fmla="*/ 3818943 h 11328207"/>
+              <a:gd name="connsiteX67" fmla="*/ 16294710 w 23534016"/>
+              <a:gd name="connsiteY67" fmla="*/ 4322975 h 11328207"/>
+              <a:gd name="connsiteX68" fmla="*/ 9998686 w 23534016"/>
+              <a:gd name="connsiteY68" fmla="*/ 4322974 h 11328207"/>
+              <a:gd name="connsiteX69" fmla="*/ 9494655 w 23534016"/>
+              <a:gd name="connsiteY69" fmla="*/ 3818942 h 11328207"/>
+              <a:gd name="connsiteX70" fmla="*/ 9494655 w 23534016"/>
+              <a:gd name="connsiteY70" fmla="*/ 3818943 h 11328207"/>
+              <a:gd name="connsiteX71" fmla="*/ 9998687 w 23534016"/>
+              <a:gd name="connsiteY71" fmla="*/ 3314911 h 11328207"/>
+              <a:gd name="connsiteX72" fmla="*/ 16294711 w 23534016"/>
+              <a:gd name="connsiteY72" fmla="*/ 3314911 h 11328207"/>
+              <a:gd name="connsiteX73" fmla="*/ 16576520 w 23534016"/>
+              <a:gd name="connsiteY73" fmla="*/ 3400992 h 11328207"/>
+              <a:gd name="connsiteX74" fmla="*/ 20515471 w 23534016"/>
+              <a:gd name="connsiteY74" fmla="*/ 4777198 h 11328207"/>
+              <a:gd name="connsiteX75" fmla="*/ 20856681 w 23534016"/>
+              <a:gd name="connsiteY75" fmla="*/ 5418935 h 11328207"/>
+              <a:gd name="connsiteX76" fmla="*/ 20856679 w 23534016"/>
+              <a:gd name="connsiteY76" fmla="*/ 5418934 h 11328207"/>
+              <a:gd name="connsiteX77" fmla="*/ 20082773 w 23534016"/>
+              <a:gd name="connsiteY77" fmla="*/ 6192842 h 11328207"/>
+              <a:gd name="connsiteX78" fmla="*/ 3780736 w 23534016"/>
+              <a:gd name="connsiteY78" fmla="*/ 6192840 h 11328207"/>
+              <a:gd name="connsiteX79" fmla="*/ 3006829 w 23534016"/>
+              <a:gd name="connsiteY79" fmla="*/ 5418932 h 11328207"/>
+              <a:gd name="connsiteX80" fmla="*/ 3006829 w 23534016"/>
+              <a:gd name="connsiteY80" fmla="*/ 5418933 h 11328207"/>
+              <a:gd name="connsiteX81" fmla="*/ 3780735 w 23534016"/>
+              <a:gd name="connsiteY81" fmla="*/ 4645026 h 11328207"/>
+              <a:gd name="connsiteX82" fmla="*/ 20082772 w 23534016"/>
+              <a:gd name="connsiteY82" fmla="*/ 4645027 h 11328207"/>
+              <a:gd name="connsiteX83" fmla="*/ 20515471 w 23534016"/>
+              <a:gd name="connsiteY83" fmla="*/ 4777198 h 11328207"/>
+              <a:gd name="connsiteX84" fmla="*/ 15080250 w 23534016"/>
+              <a:gd name="connsiteY84" fmla="*/ 1483266 h 11328207"/>
+              <a:gd name="connsiteX85" fmla="*/ 15421458 w 23534016"/>
+              <a:gd name="connsiteY85" fmla="*/ 2125002 h 11328207"/>
+              <a:gd name="connsiteX86" fmla="*/ 15421458 w 23534016"/>
+              <a:gd name="connsiteY86" fmla="*/ 2125003 h 11328207"/>
+              <a:gd name="connsiteX87" fmla="*/ 14647550 w 23534016"/>
+              <a:gd name="connsiteY87" fmla="*/ 2898909 h 11328207"/>
+              <a:gd name="connsiteX88" fmla="*/ 5471802 w 23534016"/>
+              <a:gd name="connsiteY88" fmla="*/ 2898908 h 11328207"/>
+              <a:gd name="connsiteX89" fmla="*/ 4697895 w 23534016"/>
+              <a:gd name="connsiteY89" fmla="*/ 2125001 h 11328207"/>
+              <a:gd name="connsiteX90" fmla="*/ 4697895 w 23534016"/>
+              <a:gd name="connsiteY90" fmla="*/ 2125002 h 11328207"/>
+              <a:gd name="connsiteX91" fmla="*/ 5471802 w 23534016"/>
+              <a:gd name="connsiteY91" fmla="*/ 1351096 h 11328207"/>
+              <a:gd name="connsiteX92" fmla="*/ 14647551 w 23534016"/>
+              <a:gd name="connsiteY92" fmla="*/ 1351096 h 11328207"/>
+              <a:gd name="connsiteX93" fmla="*/ 15080250 w 23534016"/>
+              <a:gd name="connsiteY93" fmla="*/ 1483266 h 11328207"/>
+            </a:gdLst>
+            <a:ahLst/>
+            <a:cxnLst>
+              <a:cxn ang="0">
+                <a:pos x="connsiteX0" y="connsiteY0"/>
+              </a:cxn>
+              <a:cxn ang="0">
+                <a:pos x="connsiteX1" y="connsiteY1"/>
+              </a:cxn>
+              <a:cxn ang="0">
+                <a:pos x="connsiteX2" y="connsiteY2"/>
+              </a:cxn>
+              <a:cxn ang="0">
+                <a:pos x="connsiteX3" y="connsiteY3"/>
+              </a:cxn>
+              <a:cxn ang="0">
+                <a:pos x="connsiteX4" y="connsiteY4"/>
+              </a:cxn>
+              <a:cxn ang="0">
+                <a:pos x="connsiteX5" y="connsiteY5"/>
+              </a:cxn>
+              <a:cxn ang="0">
+                <a:pos x="connsiteX6" y="connsiteY6"/>
+              </a:cxn>
+              <a:cxn ang="0">
+                <a:pos x="connsiteX7" y="connsiteY7"/>
+              </a:cxn>
+              <a:cxn ang="0">
+                <a:pos x="connsiteX8" y="connsiteY8"/>
+              </a:cxn>
+              <a:cxn ang="0">
+                <a:pos x="connsiteX9" y="connsiteY9"/>
+              </a:cxn>
+              <a:cxn ang="0">
+                <a:pos x="connsiteX10" y="connsiteY10"/>
+              </a:cxn>
+              <a:cxn ang="0">
+                <a:pos x="connsiteX11" y="connsiteY11"/>
+              </a:cxn>
+              <a:cxn ang="0">
+                <a:pos x="connsiteX12" y="connsiteY12"/>
+              </a:cxn>
+              <a:cxn ang="0">
+                <a:pos x="connsiteX13" y="connsiteY13"/>
+              </a:cxn>
+              <a:cxn ang="0">
+                <a:pos x="connsiteX14" y="connsiteY14"/>
+              </a:cxn>
+              <a:cxn ang="0">
+                <a:pos x="connsiteX15" y="connsiteY15"/>
+              </a:cxn>
+              <a:cxn ang="0">
+                <a:pos x="connsiteX16" y="connsiteY16"/>
+              </a:cxn>
+              <a:cxn ang="0">
+                <a:pos x="connsiteX17" y="connsiteY17"/>
+              </a:cxn>
+              <a:cxn ang="0">
+                <a:pos x="connsiteX18" y="connsiteY18"/>
+              </a:cxn>
+              <a:cxn ang="0">
+                <a:pos x="connsiteX19" y="connsiteY19"/>
+              </a:cxn>
+              <a:cxn ang="0">
+                <a:pos x="connsiteX20" y="connsiteY20"/>
+              </a:cxn>
+              <a:cxn ang="0">
+                <a:pos x="connsiteX21" y="connsiteY21"/>
+              </a:cxn>
+              <a:cxn ang="0">
+                <a:pos x="connsiteX22" y="connsiteY22"/>
+              </a:cxn>
+              <a:cxn ang="0">
+                <a:pos x="connsiteX23" y="connsiteY23"/>
+              </a:cxn>
+              <a:cxn ang="0">
+                <a:pos x="connsiteX24" y="connsiteY24"/>
+              </a:cxn>
+              <a:cxn ang="0">
+                <a:pos x="connsiteX25" y="connsiteY25"/>
+              </a:cxn>
+              <a:cxn ang="0">
+                <a:pos x="connsiteX26" y="connsiteY26"/>
+              </a:cxn>
+              <a:cxn ang="0">
+                <a:pos x="connsiteX27" y="connsiteY27"/>
+              </a:cxn>
+              <a:cxn ang="0">
+                <a:pos x="connsiteX28" y="connsiteY28"/>
+              </a:cxn>
+              <a:cxn ang="0">
+                <a:pos x="connsiteX29" y="connsiteY29"/>
+              </a:cxn>
+              <a:cxn ang="0">
+                <a:pos x="connsiteX30" y="connsiteY30"/>
+              </a:cxn>
+              <a:cxn ang="0">
+                <a:pos x="connsiteX31" y="connsiteY31"/>
+              </a:cxn>
+              <a:cxn ang="0">
+                <a:pos x="connsiteX32" y="connsiteY32"/>
+              </a:cxn>
+              <a:cxn ang="0">
+                <a:pos x="connsiteX33" y="connsiteY33"/>
+              </a:cxn>
+              <a:cxn ang="0">
+                <a:pos x="connsiteX34" y="connsiteY34"/>
+              </a:cxn>
+              <a:cxn ang="0">
+                <a:pos x="connsiteX35" y="connsiteY35"/>
+              </a:cxn>
+              <a:cxn ang="0">
+                <a:pos x="connsiteX36" y="connsiteY36"/>
+              </a:cxn>
+              <a:cxn ang="0">
+                <a:pos x="connsiteX37" y="connsiteY37"/>
+              </a:cxn>
+              <a:cxn ang="0">
+                <a:pos x="connsiteX38" y="connsiteY38"/>
+              </a:cxn>
+              <a:cxn ang="0">
+                <a:pos x="connsiteX39" y="connsiteY39"/>
+              </a:cxn>
+              <a:cxn ang="0">
+                <a:pos x="connsiteX40" y="connsiteY40"/>
+              </a:cxn>
+              <a:cxn ang="0">
+                <a:pos x="connsiteX41" y="connsiteY41"/>
+              </a:cxn>
+              <a:cxn ang="0">
+                <a:pos x="connsiteX42" y="connsiteY42"/>
+              </a:cxn>
+              <a:cxn ang="0">
+                <a:pos x="connsiteX43" y="connsiteY43"/>
+              </a:cxn>
+              <a:cxn ang="0">
+                <a:pos x="connsiteX44" y="connsiteY44"/>
+              </a:cxn>
+              <a:cxn ang="0">
+                <a:pos x="connsiteX45" y="connsiteY45"/>
+              </a:cxn>
+              <a:cxn ang="0">
+                <a:pos x="connsiteX46" y="connsiteY46"/>
+              </a:cxn>
+              <a:cxn ang="0">
+                <a:pos x="connsiteX47" y="connsiteY47"/>
+              </a:cxn>
+              <a:cxn ang="0">
+                <a:pos x="connsiteX48" y="connsiteY48"/>
+              </a:cxn>
+              <a:cxn ang="0">
+                <a:pos x="connsiteX49" y="connsiteY49"/>
+              </a:cxn>
+              <a:cxn ang="0">
+                <a:pos x="connsiteX50" y="connsiteY50"/>
+              </a:cxn>
+              <a:cxn ang="0">
+                <a:pos x="connsiteX51" y="connsiteY51"/>
+              </a:cxn>
+              <a:cxn ang="0">
+                <a:pos x="connsiteX52" y="connsiteY52"/>
+              </a:cxn>
+              <a:cxn ang="0">
+                <a:pos x="connsiteX53" y="connsiteY53"/>
+              </a:cxn>
+              <a:cxn ang="0">
+                <a:pos x="connsiteX54" y="connsiteY54"/>
+              </a:cxn>
+              <a:cxn ang="0">
+                <a:pos x="connsiteX55" y="connsiteY55"/>
+              </a:cxn>
+              <a:cxn ang="0">
+                <a:pos x="connsiteX56" y="connsiteY56"/>
+              </a:cxn>
+              <a:cxn ang="0">
+                <a:pos x="connsiteX57" y="connsiteY57"/>
+              </a:cxn>
+              <a:cxn ang="0">
+                <a:pos x="connsiteX58" y="connsiteY58"/>
+              </a:cxn>
+              <a:cxn ang="0">
+                <a:pos x="connsiteX59" y="connsiteY59"/>
+              </a:cxn>
+              <a:cxn ang="0">
+                <a:pos x="connsiteX60" y="connsiteY60"/>
+              </a:cxn>
+              <a:cxn ang="0">
+                <a:pos x="connsiteX61" y="connsiteY61"/>
+              </a:cxn>
+              <a:cxn ang="0">
+                <a:pos x="connsiteX62" y="connsiteY62"/>
+              </a:cxn>
+              <a:cxn ang="0">
+                <a:pos x="connsiteX63" y="connsiteY63"/>
+              </a:cxn>
+              <a:cxn ang="0">
+                <a:pos x="connsiteX64" y="connsiteY64"/>
+              </a:cxn>
+              <a:cxn ang="0">
+                <a:pos x="connsiteX65" y="connsiteY65"/>
+              </a:cxn>
+              <a:cxn ang="0">
+                <a:pos x="connsiteX66" y="connsiteY66"/>
+              </a:cxn>
+              <a:cxn ang="0">
+                <a:pos x="connsiteX67" y="connsiteY67"/>
+              </a:cxn>
+              <a:cxn ang="0">
+                <a:pos x="connsiteX68" y="connsiteY68"/>
+              </a:cxn>
+              <a:cxn ang="0">
+                <a:pos x="connsiteX69" y="connsiteY69"/>
+              </a:cxn>
+              <a:cxn ang="0">
+                <a:pos x="connsiteX70" y="connsiteY70"/>
+              </a:cxn>
+              <a:cxn ang="0">
+                <a:pos x="connsiteX71" y="connsiteY71"/>
+              </a:cxn>
+              <a:cxn ang="0">
+                <a:pos x="connsiteX72" y="connsiteY72"/>
+              </a:cxn>
+              <a:cxn ang="0">
+                <a:pos x="connsiteX73" y="connsiteY73"/>
+              </a:cxn>
+              <a:cxn ang="0">
+                <a:pos x="connsiteX74" y="connsiteY74"/>
+              </a:cxn>
+              <a:cxn ang="0">
+                <a:pos x="connsiteX75" y="connsiteY75"/>
+              </a:cxn>
+              <a:cxn ang="0">
+                <a:pos x="connsiteX76" y="connsiteY76"/>
+              </a:cxn>
+              <a:cxn ang="0">
+                <a:pos x="connsiteX77" y="connsiteY77"/>
+              </a:cxn>
+              <a:cxn ang="0">
+                <a:pos x="connsiteX78" y="connsiteY78"/>
+              </a:cxn>
+              <a:cxn ang="0">
+                <a:pos x="connsiteX79" y="connsiteY79"/>
+              </a:cxn>
+              <a:cxn ang="0">
+                <a:pos x="connsiteX80" y="connsiteY80"/>
+              </a:cxn>
+              <a:cxn ang="0">
+                <a:pos x="connsiteX81" y="connsiteY81"/>
+              </a:cxn>
+              <a:cxn ang="0">
+                <a:pos x="connsiteX82" y="connsiteY82"/>
+              </a:cxn>
+              <a:cxn ang="0">
+                <a:pos x="connsiteX83" y="connsiteY83"/>
+              </a:cxn>
+              <a:cxn ang="0">
+                <a:pos x="connsiteX84" y="connsiteY84"/>
+              </a:cxn>
+              <a:cxn ang="0">
+                <a:pos x="connsiteX85" y="connsiteY85"/>
+              </a:cxn>
+              <a:cxn ang="0">
+                <a:pos x="connsiteX86" y="connsiteY86"/>
+              </a:cxn>
+              <a:cxn ang="0">
+                <a:pos x="connsiteX87" y="connsiteY87"/>
+              </a:cxn>
+              <a:cxn ang="0">
+                <a:pos x="connsiteX88" y="connsiteY88"/>
+              </a:cxn>
+              <a:cxn ang="0">
+                <a:pos x="connsiteX89" y="connsiteY89"/>
+              </a:cxn>
+              <a:cxn ang="0">
+                <a:pos x="connsiteX90" y="connsiteY90"/>
+              </a:cxn>
+              <a:cxn ang="0">
+                <a:pos x="connsiteX91" y="connsiteY91"/>
+              </a:cxn>
+              <a:cxn ang="0">
+                <a:pos x="connsiteX92" y="connsiteY92"/>
+              </a:cxn>
+              <a:cxn ang="0">
+                <a:pos x="connsiteX93" y="connsiteY93"/>
+              </a:cxn>
+            </a:cxnLst>
+            <a:rect l="l" t="t" r="r" b="b"/>
+            <a:pathLst>
+              <a:path w="23534016" h="11328207">
+                <a:moveTo>
+                  <a:pt x="11264585" y="9912566"/>
+                </a:moveTo>
+                <a:cubicBezTo>
+                  <a:pt x="11470444" y="10051642"/>
+                  <a:pt x="11605793" y="10287166"/>
+                  <a:pt x="11605793" y="10554301"/>
+                </a:cubicBezTo>
+                <a:cubicBezTo>
+                  <a:pt x="11605792" y="10981717"/>
+                  <a:pt x="11259303" y="11328207"/>
+                  <a:pt x="10831887" y="11328207"/>
+                </a:cubicBezTo>
+                <a:lnTo>
+                  <a:pt x="10736635" y="11328207"/>
+                </a:lnTo>
+                <a:cubicBezTo>
+                  <a:pt x="10309219" y="11328207"/>
+                  <a:pt x="9962730" y="10981717"/>
+                  <a:pt x="9962731" y="10554301"/>
+                </a:cubicBezTo>
+                <a:cubicBezTo>
+                  <a:pt x="9962730" y="10126885"/>
+                  <a:pt x="10309219" y="9780395"/>
+                  <a:pt x="10736635" y="9780395"/>
+                </a:cubicBezTo>
+                <a:lnTo>
+                  <a:pt x="10831887" y="9780395"/>
+                </a:lnTo>
+                <a:cubicBezTo>
+                  <a:pt x="10992167" y="9780394"/>
+                  <a:pt x="11141068" y="9829120"/>
+                  <a:pt x="11264585" y="9912566"/>
+                </a:cubicBezTo>
+                <a:close/>
+                <a:moveTo>
+                  <a:pt x="1179542" y="3328153"/>
+                </a:moveTo>
+                <a:cubicBezTo>
+                  <a:pt x="1313615" y="3418731"/>
+                  <a:pt x="1401765" y="3572123"/>
+                  <a:pt x="1401765" y="3746104"/>
+                </a:cubicBezTo>
+                <a:lnTo>
+                  <a:pt x="1401764" y="3746104"/>
+                </a:lnTo>
+                <a:cubicBezTo>
+                  <a:pt x="1401764" y="4024473"/>
+                  <a:pt x="1176101" y="4250136"/>
+                  <a:pt x="897732" y="4250136"/>
+                </a:cubicBezTo>
+                <a:lnTo>
+                  <a:pt x="504033" y="4250135"/>
+                </a:lnTo>
+                <a:cubicBezTo>
+                  <a:pt x="225664" y="4250135"/>
+                  <a:pt x="1" y="4024472"/>
+                  <a:pt x="1" y="3746103"/>
+                </a:cubicBezTo>
+                <a:lnTo>
+                  <a:pt x="0" y="3746103"/>
+                </a:lnTo>
+                <a:cubicBezTo>
+                  <a:pt x="1" y="3467734"/>
+                  <a:pt x="225664" y="3242072"/>
+                  <a:pt x="504032" y="3242072"/>
+                </a:cubicBezTo>
+                <a:lnTo>
+                  <a:pt x="897733" y="3242072"/>
+                </a:lnTo>
+                <a:cubicBezTo>
+                  <a:pt x="1002122" y="3242072"/>
+                  <a:pt x="1099098" y="3273806"/>
+                  <a:pt x="1179542" y="3328153"/>
+                </a:cubicBezTo>
+                <a:close/>
+                <a:moveTo>
+                  <a:pt x="9733515" y="6613367"/>
+                </a:moveTo>
+                <a:cubicBezTo>
+                  <a:pt x="9867590" y="6703946"/>
+                  <a:pt x="9955739" y="6857338"/>
+                  <a:pt x="9955739" y="7031319"/>
+                </a:cubicBezTo>
+                <a:lnTo>
+                  <a:pt x="9955739" y="7031319"/>
+                </a:lnTo>
+                <a:cubicBezTo>
+                  <a:pt x="9955739" y="7309688"/>
+                  <a:pt x="9730075" y="7535351"/>
+                  <a:pt x="9451707" y="7535351"/>
+                </a:cubicBezTo>
+                <a:lnTo>
+                  <a:pt x="9058008" y="7535350"/>
+                </a:lnTo>
+                <a:cubicBezTo>
+                  <a:pt x="8779637" y="7535349"/>
+                  <a:pt x="8553975" y="7309687"/>
+                  <a:pt x="8553975" y="7031318"/>
+                </a:cubicBezTo>
+                <a:lnTo>
+                  <a:pt x="8553975" y="7031318"/>
+                </a:lnTo>
+                <a:cubicBezTo>
+                  <a:pt x="8553975" y="6752949"/>
+                  <a:pt x="8779638" y="6527287"/>
+                  <a:pt x="9058007" y="6527286"/>
+                </a:cubicBezTo>
+                <a:lnTo>
+                  <a:pt x="9451706" y="6527286"/>
+                </a:lnTo>
+                <a:cubicBezTo>
+                  <a:pt x="9556095" y="6527286"/>
+                  <a:pt x="9653072" y="6559021"/>
+                  <a:pt x="9733515" y="6613367"/>
+                </a:cubicBezTo>
+                <a:close/>
+                <a:moveTo>
+                  <a:pt x="8928022" y="3340367"/>
+                </a:moveTo>
+                <a:cubicBezTo>
+                  <a:pt x="9062095" y="3430945"/>
+                  <a:pt x="9150244" y="3584337"/>
+                  <a:pt x="9150244" y="3758318"/>
+                </a:cubicBezTo>
+                <a:lnTo>
+                  <a:pt x="9150244" y="3758318"/>
+                </a:lnTo>
+                <a:cubicBezTo>
+                  <a:pt x="9150244" y="4036688"/>
+                  <a:pt x="8924581" y="4262349"/>
+                  <a:pt x="8646212" y="4262350"/>
+                </a:cubicBezTo>
+                <a:lnTo>
+                  <a:pt x="2350189" y="4262349"/>
+                </a:lnTo>
+                <a:cubicBezTo>
+                  <a:pt x="2071819" y="4262349"/>
+                  <a:pt x="1846156" y="4036685"/>
+                  <a:pt x="1846156" y="3758316"/>
+                </a:cubicBezTo>
+                <a:lnTo>
+                  <a:pt x="1846157" y="3758317"/>
+                </a:lnTo>
+                <a:cubicBezTo>
+                  <a:pt x="1846157" y="3479948"/>
+                  <a:pt x="2071820" y="3254286"/>
+                  <a:pt x="2350189" y="3254285"/>
+                </a:cubicBezTo>
+                <a:lnTo>
+                  <a:pt x="8646213" y="3254286"/>
+                </a:lnTo>
+                <a:cubicBezTo>
+                  <a:pt x="8750602" y="3254287"/>
+                  <a:pt x="8847579" y="3286021"/>
+                  <a:pt x="8928022" y="3340367"/>
+                </a:cubicBezTo>
+                <a:close/>
+                <a:moveTo>
+                  <a:pt x="15324339" y="6624950"/>
+                </a:moveTo>
+                <a:cubicBezTo>
+                  <a:pt x="15458413" y="6715527"/>
+                  <a:pt x="15546561" y="6868919"/>
+                  <a:pt x="15546562" y="7042900"/>
+                </a:cubicBezTo>
+                <a:cubicBezTo>
+                  <a:pt x="15546561" y="7321269"/>
+                  <a:pt x="15320899" y="7546930"/>
+                  <a:pt x="15042530" y="7546931"/>
+                </a:cubicBezTo>
+                <a:lnTo>
+                  <a:pt x="10905505" y="7546930"/>
+                </a:lnTo>
+                <a:cubicBezTo>
+                  <a:pt x="10627136" y="7546930"/>
+                  <a:pt x="10401474" y="7321268"/>
+                  <a:pt x="10401474" y="7042899"/>
+                </a:cubicBezTo>
+                <a:cubicBezTo>
+                  <a:pt x="10401474" y="6764530"/>
+                  <a:pt x="10627137" y="6538868"/>
+                  <a:pt x="10905505" y="6538868"/>
+                </a:cubicBezTo>
+                <a:lnTo>
+                  <a:pt x="15042530" y="6538869"/>
+                </a:lnTo>
+                <a:cubicBezTo>
+                  <a:pt x="15146919" y="6538869"/>
+                  <a:pt x="15243896" y="6570603"/>
+                  <a:pt x="15324339" y="6624950"/>
+                </a:cubicBezTo>
+                <a:close/>
+                <a:moveTo>
+                  <a:pt x="23192458" y="8064785"/>
+                </a:moveTo>
+                <a:cubicBezTo>
+                  <a:pt x="23398529" y="8204003"/>
+                  <a:pt x="23534016" y="8439769"/>
+                  <a:pt x="23534016" y="8707179"/>
+                </a:cubicBezTo>
+                <a:cubicBezTo>
+                  <a:pt x="23534016" y="9135034"/>
+                  <a:pt x="23187171" y="9481878"/>
+                  <a:pt x="22759316" y="9481878"/>
+                </a:cubicBezTo>
+                <a:lnTo>
+                  <a:pt x="8228929" y="9481877"/>
+                </a:lnTo>
+                <a:cubicBezTo>
+                  <a:pt x="7801074" y="9481877"/>
+                  <a:pt x="7454229" y="9135032"/>
+                  <a:pt x="7454228" y="8707176"/>
+                </a:cubicBezTo>
+                <a:cubicBezTo>
+                  <a:pt x="7454228" y="8279322"/>
+                  <a:pt x="7801073" y="7932477"/>
+                  <a:pt x="8228928" y="7932477"/>
+                </a:cubicBezTo>
+                <a:lnTo>
+                  <a:pt x="22759315" y="7932478"/>
+                </a:lnTo>
+                <a:cubicBezTo>
+                  <a:pt x="22919760" y="7932478"/>
+                  <a:pt x="23068815" y="7981253"/>
+                  <a:pt x="23192458" y="8064785"/>
+                </a:cubicBezTo>
+                <a:close/>
+                <a:moveTo>
+                  <a:pt x="9947589" y="86081"/>
+                </a:moveTo>
+                <a:cubicBezTo>
+                  <a:pt x="10081663" y="176659"/>
+                  <a:pt x="10169811" y="330051"/>
+                  <a:pt x="10169812" y="504032"/>
+                </a:cubicBezTo>
+                <a:lnTo>
+                  <a:pt x="10169811" y="504032"/>
+                </a:lnTo>
+                <a:cubicBezTo>
+                  <a:pt x="10169811" y="782401"/>
+                  <a:pt x="9944148" y="1008064"/>
+                  <a:pt x="9665779" y="1008064"/>
+                </a:cubicBezTo>
+                <a:lnTo>
+                  <a:pt x="2447418" y="1008063"/>
+                </a:lnTo>
+                <a:cubicBezTo>
+                  <a:pt x="2169048" y="1008062"/>
+                  <a:pt x="1943386" y="782400"/>
+                  <a:pt x="1943386" y="504031"/>
+                </a:cubicBezTo>
+                <a:lnTo>
+                  <a:pt x="1943385" y="504031"/>
+                </a:lnTo>
+                <a:cubicBezTo>
+                  <a:pt x="1943386" y="225663"/>
+                  <a:pt x="2169048" y="0"/>
+                  <a:pt x="2447417" y="0"/>
+                </a:cubicBezTo>
+                <a:lnTo>
+                  <a:pt x="9665780" y="0"/>
+                </a:lnTo>
+                <a:cubicBezTo>
+                  <a:pt x="9770169" y="0"/>
+                  <a:pt x="9867145" y="31734"/>
+                  <a:pt x="9947589" y="86081"/>
+                </a:cubicBezTo>
+                <a:close/>
+                <a:moveTo>
+                  <a:pt x="16576520" y="3400992"/>
+                </a:moveTo>
+                <a:cubicBezTo>
+                  <a:pt x="16710593" y="3491570"/>
+                  <a:pt x="16798742" y="3644962"/>
+                  <a:pt x="16798742" y="3818943"/>
+                </a:cubicBezTo>
+                <a:lnTo>
+                  <a:pt x="16798742" y="3818943"/>
+                </a:lnTo>
+                <a:cubicBezTo>
+                  <a:pt x="16798742" y="4097312"/>
+                  <a:pt x="16573079" y="4322975"/>
+                  <a:pt x="16294710" y="4322975"/>
+                </a:cubicBezTo>
+                <a:lnTo>
+                  <a:pt x="9998686" y="4322974"/>
+                </a:lnTo>
+                <a:cubicBezTo>
+                  <a:pt x="9720318" y="4322974"/>
+                  <a:pt x="9494655" y="4097311"/>
+                  <a:pt x="9494655" y="3818942"/>
+                </a:cubicBezTo>
+                <a:lnTo>
+                  <a:pt x="9494655" y="3818943"/>
+                </a:lnTo>
+                <a:cubicBezTo>
+                  <a:pt x="9494654" y="3540574"/>
+                  <a:pt x="9720318" y="3314911"/>
+                  <a:pt x="9998687" y="3314911"/>
+                </a:cubicBezTo>
+                <a:lnTo>
+                  <a:pt x="16294711" y="3314911"/>
+                </a:lnTo>
+                <a:cubicBezTo>
+                  <a:pt x="16399100" y="3314912"/>
+                  <a:pt x="16496075" y="3346645"/>
+                  <a:pt x="16576520" y="3400992"/>
+                </a:cubicBezTo>
+                <a:close/>
+                <a:moveTo>
+                  <a:pt x="20515471" y="4777198"/>
+                </a:moveTo>
+                <a:cubicBezTo>
+                  <a:pt x="20721332" y="4916275"/>
+                  <a:pt x="20856681" y="5151799"/>
+                  <a:pt x="20856681" y="5418935"/>
+                </a:cubicBezTo>
+                <a:lnTo>
+                  <a:pt x="20856679" y="5418934"/>
+                </a:lnTo>
+                <a:cubicBezTo>
+                  <a:pt x="20856679" y="5846352"/>
+                  <a:pt x="20510189" y="6192842"/>
+                  <a:pt x="20082773" y="6192842"/>
+                </a:cubicBezTo>
+                <a:lnTo>
+                  <a:pt x="3780736" y="6192840"/>
+                </a:lnTo>
+                <a:cubicBezTo>
+                  <a:pt x="3353319" y="6192840"/>
+                  <a:pt x="3006829" y="5846350"/>
+                  <a:pt x="3006829" y="5418932"/>
+                </a:cubicBezTo>
+                <a:lnTo>
+                  <a:pt x="3006829" y="5418933"/>
+                </a:lnTo>
+                <a:cubicBezTo>
+                  <a:pt x="3006829" y="4991516"/>
+                  <a:pt x="3353318" y="4645026"/>
+                  <a:pt x="3780735" y="4645026"/>
+                </a:cubicBezTo>
+                <a:lnTo>
+                  <a:pt x="20082772" y="4645027"/>
+                </a:lnTo>
+                <a:cubicBezTo>
+                  <a:pt x="20243053" y="4645027"/>
+                  <a:pt x="20391954" y="4693752"/>
+                  <a:pt x="20515471" y="4777198"/>
+                </a:cubicBezTo>
+                <a:close/>
+                <a:moveTo>
+                  <a:pt x="15080250" y="1483266"/>
+                </a:moveTo>
+                <a:cubicBezTo>
+                  <a:pt x="15286109" y="1622342"/>
+                  <a:pt x="15421458" y="1857867"/>
+                  <a:pt x="15421458" y="2125002"/>
+                </a:cubicBezTo>
+                <a:lnTo>
+                  <a:pt x="15421458" y="2125003"/>
+                </a:lnTo>
+                <a:cubicBezTo>
+                  <a:pt x="15421458" y="2552420"/>
+                  <a:pt x="15074966" y="2898909"/>
+                  <a:pt x="14647550" y="2898909"/>
+                </a:cubicBezTo>
+                <a:lnTo>
+                  <a:pt x="5471802" y="2898908"/>
+                </a:lnTo>
+                <a:cubicBezTo>
+                  <a:pt x="5044384" y="2898908"/>
+                  <a:pt x="4697895" y="2552418"/>
+                  <a:pt x="4697895" y="2125001"/>
+                </a:cubicBezTo>
+                <a:lnTo>
+                  <a:pt x="4697895" y="2125002"/>
+                </a:lnTo>
+                <a:cubicBezTo>
+                  <a:pt x="4697894" y="1697585"/>
+                  <a:pt x="5044385" y="1351096"/>
+                  <a:pt x="5471802" y="1351096"/>
+                </a:cubicBezTo>
+                <a:lnTo>
+                  <a:pt x="14647551" y="1351096"/>
+                </a:lnTo>
+                <a:cubicBezTo>
+                  <a:pt x="14807834" y="1351096"/>
+                  <a:pt x="14956733" y="1399820"/>
+                  <a:pt x="15080250" y="1483266"/>
+                </a:cubicBezTo>
+                <a:close/>
+              </a:path>
+            </a:pathLst>
+          </a:custGeom>
+          <a:gradFill flip="none" rotWithShape="1">
+            <a:gsLst>
+              <a:gs pos="0">
+                <a:schemeClr val="accent2">
+                  <a:alpha val="27000"/>
+                  <a:lumMod val="0"/>
+                  <a:lumOff val="100000"/>
+                </a:schemeClr>
+              </a:gs>
+              <a:gs pos="100000">
+                <a:schemeClr val="accent2">
+                  <a:lumMod val="52000"/>
+                  <a:lumOff val="48000"/>
+                </a:schemeClr>
+              </a:gs>
+              <a:gs pos="100000">
+                <a:schemeClr val="accent2">
+                  <a:lumMod val="60000"/>
+                </a:schemeClr>
+              </a:gs>
+            </a:gsLst>
+            <a:path path="circle">
+              <a:fillToRect l="50000" t="130000" r="50000" b="-30000"/>
+            </a:path>
+            <a:tileRect/>
+          </a:gradFill>
+          <a:ln>
+            <a:noFill/>
+          </a:ln>
+        </p:spPr>
+        <p:txBody>
+          <a:bodyPr wrap="square" lIns="19050" tIns="19050" rIns="19050" bIns="19050" anchor="ctr">
+            <a:noAutofit/>
+          </a:bodyPr>
+          <a:lstStyle/>
+          <a:p>
+            <a:pPr eaLnBrk="1"/>
+            <a:endParaRPr lang="en-US" altLang="x-none" sz="900"/>
+          </a:p>
+        </p:txBody>
+      </p:sp>
+      <p:pic>
+        <p:nvPicPr>
+          <p:cNvPr id="5" name="Picture 4" descr="A picture containing text, plant&#10;&#10;Description automatically generated">
+            <a:extLst>
+              <a:ext uri="{FF2B5EF4-FFF2-40B4-BE49-F238E27FC236}">
+                <a16:creationId xmlns:a16="http://schemas.microsoft.com/office/drawing/2014/main" id="{A44A87EA-1C77-43C4-A109-29C3BB887850}"/>
+              </a:ext>
+            </a:extLst>
+          </p:cNvPr>
+          <p:cNvPicPr>
+            <a:picLocks noChangeAspect="1"/>
+          </p:cNvPicPr>
+          <p:nvPr/>
+        </p:nvPicPr>
+        <p:blipFill rotWithShape="1">
+          <a:blip r:embed="rId3"/>
+          <a:srcRect l="24963" t="11704" r="24518" b="15407"/>
+          <a:stretch/>
+        </p:blipFill>
+        <p:spPr>
+          <a:xfrm>
+            <a:off x="4363720" y="158542"/>
+            <a:ext cx="3464561" cy="4998720"/>
+          </a:xfrm>
+          <a:prstGeom prst="rect">
+            <a:avLst/>
+          </a:prstGeom>
+        </p:spPr>
+      </p:pic>
+      <p:sp>
+        <p:nvSpPr>
+          <p:cNvPr id="2" name="TextBox 1">
+            <a:extLst>
+              <a:ext uri="{FF2B5EF4-FFF2-40B4-BE49-F238E27FC236}">
+                <a16:creationId xmlns:a16="http://schemas.microsoft.com/office/drawing/2014/main" id="{23077B6D-8389-435B-A83F-5C0CC0C3169E}"/>
+              </a:ext>
+            </a:extLst>
+          </p:cNvPr>
+          <p:cNvSpPr txBox="1"/>
+          <p:nvPr/>
+        </p:nvSpPr>
+        <p:spPr>
+          <a:xfrm>
+            <a:off x="4668519" y="5315804"/>
+            <a:ext cx="2854960" cy="830997"/>
+          </a:xfrm>
+          <a:prstGeom prst="rect">
+            <a:avLst/>
+          </a:prstGeom>
+          <a:noFill/>
+        </p:spPr>
+        <p:txBody>
+          <a:bodyPr wrap="square" rtlCol="0">
+            <a:spAutoFit/>
+          </a:bodyPr>
+          <a:lstStyle/>
+          <a:p>
+            <a:pPr algn="ctr"/>
+            <a:r>
+              <a:rPr lang="ar-SA" sz="4800" dirty="0">
+                <a:latin typeface="GE SS Text Light" panose="020A0503020102020204" pitchFamily="18" charset="-78"/>
+                <a:ea typeface="GE SS Text Light" panose="020A0503020102020204" pitchFamily="18" charset="-78"/>
+                <a:cs typeface="GE SS Text Light" panose="020A0503020102020204" pitchFamily="18" charset="-78"/>
+              </a:rPr>
+              <a:t>شكرا لكم </a:t>
+            </a:r>
+            <a:endParaRPr lang="en-US" sz="4800" dirty="0">
+              <a:latin typeface="GE SS Text Light" panose="020A0503020102020204" pitchFamily="18" charset="-78"/>
+              <a:ea typeface="GE SS Text Light" panose="020A0503020102020204" pitchFamily="18" charset="-78"/>
+              <a:cs typeface="GE SS Text Light" panose="020A0503020102020204" pitchFamily="18" charset="-78"/>
+            </a:endParaRPr>
+          </a:p>
+        </p:txBody>
+      </p:sp>
+      <p:pic>
+        <p:nvPicPr>
+          <p:cNvPr id="12" name="Picture 11" descr="Shape&#10;&#10;Description automatically generated">
+            <a:hlinkClick r:id="rId4"/>
+            <a:extLst>
+              <a:ext uri="{FF2B5EF4-FFF2-40B4-BE49-F238E27FC236}">
+                <a16:creationId xmlns:a16="http://schemas.microsoft.com/office/drawing/2014/main" id="{2B82D8A6-03D6-4EB7-8BF4-F7AAB90DE64A}"/>
+              </a:ext>
+            </a:extLst>
+          </p:cNvPr>
+          <p:cNvPicPr>
+            <a:picLocks noChangeAspect="1"/>
+          </p:cNvPicPr>
+          <p:nvPr/>
+        </p:nvPicPr>
+        <p:blipFill>
+          <a:blip r:embed="rId5"/>
+          <a:stretch>
+            <a:fillRect/>
+          </a:stretch>
+        </p:blipFill>
+        <p:spPr>
+          <a:xfrm>
+            <a:off x="11053116" y="5718127"/>
+            <a:ext cx="711200" cy="711200"/>
+          </a:xfrm>
+          <a:prstGeom prst="rect">
+            <a:avLst/>
+          </a:prstGeom>
+        </p:spPr>
+      </p:pic>
+      <p:pic>
+        <p:nvPicPr>
+          <p:cNvPr id="14" name="Picture 13" descr="Logo, company name&#10;&#10;Description automatically generated">
+            <a:extLst>
+              <a:ext uri="{FF2B5EF4-FFF2-40B4-BE49-F238E27FC236}">
+                <a16:creationId xmlns:a16="http://schemas.microsoft.com/office/drawing/2014/main" id="{A6B0E2AE-41C4-4381-876C-F615EBB1372F}"/>
+              </a:ext>
+            </a:extLst>
+          </p:cNvPr>
+          <p:cNvPicPr>
+            <a:picLocks noChangeAspect="1"/>
+          </p:cNvPicPr>
+          <p:nvPr/>
+        </p:nvPicPr>
+        <p:blipFill>
+          <a:blip r:embed="rId6"/>
+          <a:stretch>
+            <a:fillRect/>
+          </a:stretch>
+        </p:blipFill>
+        <p:spPr>
+          <a:xfrm>
+            <a:off x="10959858" y="2100631"/>
+            <a:ext cx="897716" cy="897716"/>
+          </a:xfrm>
+          <a:prstGeom prst="rect">
+            <a:avLst/>
+          </a:prstGeom>
+        </p:spPr>
+      </p:pic>
+      <p:pic>
+        <p:nvPicPr>
+          <p:cNvPr id="19" name="Picture 18" descr="Logo&#10;&#10;Description automatically generated">
+            <a:extLst>
+              <a:ext uri="{FF2B5EF4-FFF2-40B4-BE49-F238E27FC236}">
+                <a16:creationId xmlns:a16="http://schemas.microsoft.com/office/drawing/2014/main" id="{CAE490E6-454B-4B2C-83FB-A13FA0C9295C}"/>
+              </a:ext>
+            </a:extLst>
+          </p:cNvPr>
+          <p:cNvPicPr>
+            <a:picLocks noChangeAspect="1"/>
+          </p:cNvPicPr>
+          <p:nvPr/>
+        </p:nvPicPr>
+        <p:blipFill>
+          <a:blip r:embed="rId7"/>
+          <a:stretch>
+            <a:fillRect/>
+          </a:stretch>
+        </p:blipFill>
+        <p:spPr>
+          <a:xfrm>
+            <a:off x="11055958" y="385312"/>
+            <a:ext cx="705516" cy="897716"/>
+          </a:xfrm>
+          <a:prstGeom prst="rect">
+            <a:avLst/>
+          </a:prstGeom>
+        </p:spPr>
+      </p:pic>
+      <p:pic>
+        <p:nvPicPr>
+          <p:cNvPr id="21" name="Picture 20" descr="Logo&#10;&#10;Description automatically generated">
+            <a:extLst>
+              <a:ext uri="{FF2B5EF4-FFF2-40B4-BE49-F238E27FC236}">
+                <a16:creationId xmlns:a16="http://schemas.microsoft.com/office/drawing/2014/main" id="{791607DF-E61F-4703-B02D-9FA680D2714B}"/>
+              </a:ext>
+            </a:extLst>
+          </p:cNvPr>
+          <p:cNvPicPr>
+            <a:picLocks noChangeAspect="1"/>
+          </p:cNvPicPr>
+          <p:nvPr/>
+        </p:nvPicPr>
+        <p:blipFill rotWithShape="1">
+          <a:blip r:embed="rId8"/>
+          <a:srcRect l="9468" t="10171" r="10072" b="16940"/>
+          <a:stretch/>
+        </p:blipFill>
+        <p:spPr>
+          <a:xfrm>
+            <a:off x="10810102" y="3815950"/>
+            <a:ext cx="1197228" cy="1084574"/>
+          </a:xfrm>
+          <a:prstGeom prst="rect">
+            <a:avLst/>
+          </a:prstGeom>
+        </p:spPr>
+      </p:pic>
+    </p:spTree>
+    <p:extLst>
+      <p:ext uri="{BB962C8B-B14F-4D97-AF65-F5344CB8AC3E}">
+        <p14:creationId xmlns:p14="http://schemas.microsoft.com/office/powerpoint/2010/main" val="3462565200"/>
+      </p:ext>
+    </p:extLst>
+  </p:cSld>
+  <p:clrMapOvr>
+    <a:masterClrMapping/>
+  </p:clrMapOvr>
+</p:sld>
+</file>
+
 <file path=ppt/slides/slide2.xml><?xml version="1.0" encoding="utf-8"?>
 <p:sld xmlns:a="http://schemas.openxmlformats.org/drawingml/2006/main" xmlns:r="http://schemas.openxmlformats.org/officeDocument/2006/relationships" xmlns:p="http://schemas.openxmlformats.org/presentationml/2006/main">
   <p:cSld>
@@ -6355,6 +7630,1399 @@
           </a:p>
         </p:txBody>
       </p:sp>
+      <p:pic>
+        <p:nvPicPr>
+          <p:cNvPr id="22" name="Picture 21" descr="Shape&#10;&#10;Description automatically generated">
+            <a:hlinkClick r:id="rId3"/>
+            <a:extLst>
+              <a:ext uri="{FF2B5EF4-FFF2-40B4-BE49-F238E27FC236}">
+                <a16:creationId xmlns:a16="http://schemas.microsoft.com/office/drawing/2014/main" id="{BE300DF1-8967-4035-AEA8-6FD8E9478823}"/>
+              </a:ext>
+            </a:extLst>
+          </p:cNvPr>
+          <p:cNvPicPr>
+            <a:picLocks noChangeAspect="1"/>
+          </p:cNvPicPr>
+          <p:nvPr/>
+        </p:nvPicPr>
+        <p:blipFill>
+          <a:blip r:embed="rId4"/>
+          <a:stretch>
+            <a:fillRect/>
+          </a:stretch>
+        </p:blipFill>
+        <p:spPr>
+          <a:xfrm>
+            <a:off x="11053116" y="5718127"/>
+            <a:ext cx="711200" cy="711200"/>
+          </a:xfrm>
+          <a:prstGeom prst="rect">
+            <a:avLst/>
+          </a:prstGeom>
+        </p:spPr>
+      </p:pic>
+      <p:pic>
+        <p:nvPicPr>
+          <p:cNvPr id="23" name="Picture 22" descr="Logo, company name&#10;&#10;Description automatically generated">
+            <a:extLst>
+              <a:ext uri="{FF2B5EF4-FFF2-40B4-BE49-F238E27FC236}">
+                <a16:creationId xmlns:a16="http://schemas.microsoft.com/office/drawing/2014/main" id="{B0BCBD49-7A16-49E6-AE4E-1F63C07E1D48}"/>
+              </a:ext>
+            </a:extLst>
+          </p:cNvPr>
+          <p:cNvPicPr>
+            <a:picLocks noChangeAspect="1"/>
+          </p:cNvPicPr>
+          <p:nvPr/>
+        </p:nvPicPr>
+        <p:blipFill>
+          <a:blip r:embed="rId5"/>
+          <a:stretch>
+            <a:fillRect/>
+          </a:stretch>
+        </p:blipFill>
+        <p:spPr>
+          <a:xfrm>
+            <a:off x="10959858" y="2100631"/>
+            <a:ext cx="897716" cy="897716"/>
+          </a:xfrm>
+          <a:prstGeom prst="rect">
+            <a:avLst/>
+          </a:prstGeom>
+        </p:spPr>
+      </p:pic>
+      <p:pic>
+        <p:nvPicPr>
+          <p:cNvPr id="24" name="Picture 23" descr="Logo&#10;&#10;Description automatically generated">
+            <a:extLst>
+              <a:ext uri="{FF2B5EF4-FFF2-40B4-BE49-F238E27FC236}">
+                <a16:creationId xmlns:a16="http://schemas.microsoft.com/office/drawing/2014/main" id="{877270C0-5140-4011-AF31-8D282D374EF9}"/>
+              </a:ext>
+            </a:extLst>
+          </p:cNvPr>
+          <p:cNvPicPr>
+            <a:picLocks noChangeAspect="1"/>
+          </p:cNvPicPr>
+          <p:nvPr/>
+        </p:nvPicPr>
+        <p:blipFill>
+          <a:blip r:embed="rId6"/>
+          <a:stretch>
+            <a:fillRect/>
+          </a:stretch>
+        </p:blipFill>
+        <p:spPr>
+          <a:xfrm>
+            <a:off x="11055958" y="385312"/>
+            <a:ext cx="705516" cy="897716"/>
+          </a:xfrm>
+          <a:prstGeom prst="rect">
+            <a:avLst/>
+          </a:prstGeom>
+        </p:spPr>
+      </p:pic>
+      <p:pic>
+        <p:nvPicPr>
+          <p:cNvPr id="25" name="Picture 24" descr="Logo&#10;&#10;Description automatically generated">
+            <a:extLst>
+              <a:ext uri="{FF2B5EF4-FFF2-40B4-BE49-F238E27FC236}">
+                <a16:creationId xmlns:a16="http://schemas.microsoft.com/office/drawing/2014/main" id="{9896B85A-0178-4BA4-8993-E4B7974E631E}"/>
+              </a:ext>
+            </a:extLst>
+          </p:cNvPr>
+          <p:cNvPicPr>
+            <a:picLocks noChangeAspect="1"/>
+          </p:cNvPicPr>
+          <p:nvPr/>
+        </p:nvPicPr>
+        <p:blipFill rotWithShape="1">
+          <a:blip r:embed="rId7"/>
+          <a:srcRect l="9468" t="10171" r="10072" b="16940"/>
+          <a:stretch/>
+        </p:blipFill>
+        <p:spPr>
+          <a:xfrm>
+            <a:off x="10810102" y="3815950"/>
+            <a:ext cx="1197228" cy="1084574"/>
+          </a:xfrm>
+          <a:prstGeom prst="rect">
+            <a:avLst/>
+          </a:prstGeom>
+        </p:spPr>
+      </p:pic>
+      <p:sp>
+        <p:nvSpPr>
+          <p:cNvPr id="26" name="Rectangle 25">
+            <a:extLst>
+              <a:ext uri="{FF2B5EF4-FFF2-40B4-BE49-F238E27FC236}">
+                <a16:creationId xmlns:a16="http://schemas.microsoft.com/office/drawing/2014/main" id="{26DD3226-586A-4700-8A7E-8533B8F846CF}"/>
+              </a:ext>
+            </a:extLst>
+          </p:cNvPr>
+          <p:cNvSpPr/>
+          <p:nvPr/>
+        </p:nvSpPr>
+        <p:spPr>
+          <a:xfrm>
+            <a:off x="2676016" y="385312"/>
+            <a:ext cx="6590916" cy="897716"/>
+          </a:xfrm>
+          <a:prstGeom prst="rect">
+            <a:avLst/>
+          </a:prstGeom>
+          <a:noFill/>
+          <a:ln>
+            <a:noFill/>
+          </a:ln>
+        </p:spPr>
+        <p:style>
+          <a:lnRef idx="2">
+            <a:schemeClr val="accent1">
+              <a:shade val="50000"/>
+            </a:schemeClr>
+          </a:lnRef>
+          <a:fillRef idx="1">
+            <a:schemeClr val="accent1"/>
+          </a:fillRef>
+          <a:effectRef idx="0">
+            <a:schemeClr val="accent1"/>
+          </a:effectRef>
+          <a:fontRef idx="minor">
+            <a:schemeClr val="lt1"/>
+          </a:fontRef>
+        </p:style>
+        <p:txBody>
+          <a:bodyPr rtlCol="0" anchor="ctr"/>
+          <a:lstStyle/>
+          <a:p>
+            <a:pPr algn="ctr" rtl="1"/>
+            <a:r>
+              <a:rPr lang="ar-SA" sz="6000" dirty="0">
+                <a:solidFill>
+                  <a:schemeClr val="tx1"/>
+                </a:solidFill>
+                <a:latin typeface="GE SS Text Light" panose="020A0503020102020204" pitchFamily="18" charset="-78"/>
+                <a:ea typeface="GE SS Text Light" panose="020A0503020102020204" pitchFamily="18" charset="-78"/>
+                <a:cs typeface="GE SS Text Light" panose="020A0503020102020204" pitchFamily="18" charset="-78"/>
+              </a:rPr>
+              <a:t>نظام متشابه القران </a:t>
+            </a:r>
+          </a:p>
+        </p:txBody>
+      </p:sp>
+      <p:cxnSp>
+        <p:nvCxnSpPr>
+          <p:cNvPr id="27" name="Straight Connector 26">
+            <a:extLst>
+              <a:ext uri="{FF2B5EF4-FFF2-40B4-BE49-F238E27FC236}">
+                <a16:creationId xmlns:a16="http://schemas.microsoft.com/office/drawing/2014/main" id="{F34E47CE-0F3B-4C25-8E7B-8FE19492280D}"/>
+              </a:ext>
+            </a:extLst>
+          </p:cNvPr>
+          <p:cNvCxnSpPr/>
+          <p:nvPr/>
+        </p:nvCxnSpPr>
+        <p:spPr>
+          <a:xfrm flipH="1">
+            <a:off x="4064175" y="1394775"/>
+            <a:ext cx="4213992" cy="0"/>
+          </a:xfrm>
+          <a:prstGeom prst="line">
+            <a:avLst/>
+          </a:prstGeom>
+          <a:ln w="38100"/>
+        </p:spPr>
+        <p:style>
+          <a:lnRef idx="1">
+            <a:schemeClr val="dk1"/>
+          </a:lnRef>
+          <a:fillRef idx="0">
+            <a:schemeClr val="dk1"/>
+          </a:fillRef>
+          <a:effectRef idx="0">
+            <a:schemeClr val="dk1"/>
+          </a:effectRef>
+          <a:fontRef idx="minor">
+            <a:schemeClr val="tx1"/>
+          </a:fontRef>
+        </p:style>
+      </p:cxnSp>
+    </p:spTree>
+    <p:extLst>
+      <p:ext uri="{BB962C8B-B14F-4D97-AF65-F5344CB8AC3E}">
+        <p14:creationId xmlns:p14="http://schemas.microsoft.com/office/powerpoint/2010/main" val="2062984354"/>
+      </p:ext>
+    </p:extLst>
+  </p:cSld>
+  <p:clrMapOvr>
+    <a:masterClrMapping/>
+  </p:clrMapOvr>
+</p:sld>
+</file>
+
+<file path=ppt/slides/slide3.xml><?xml version="1.0" encoding="utf-8"?>
+<p:sld xmlns:a="http://schemas.openxmlformats.org/drawingml/2006/main" xmlns:r="http://schemas.openxmlformats.org/officeDocument/2006/relationships" xmlns:p="http://schemas.openxmlformats.org/presentationml/2006/main">
+  <p:cSld>
+    <p:bg>
+      <p:bgPr>
+        <a:solidFill>
+          <a:schemeClr val="bg1">
+            <a:lumMod val="85000"/>
+          </a:schemeClr>
+        </a:solidFill>
+        <a:effectLst/>
+      </p:bgPr>
+    </p:bg>
+    <p:spTree>
+      <p:nvGrpSpPr>
+        <p:cNvPr id="1" name=""/>
+        <p:cNvGrpSpPr/>
+        <p:nvPr/>
+      </p:nvGrpSpPr>
+      <p:grpSpPr>
+        <a:xfrm>
+          <a:off x="0" y="0"/>
+          <a:ext cx="0" cy="0"/>
+          <a:chOff x="0" y="0"/>
+          <a:chExt cx="0" cy="0"/>
+        </a:xfrm>
+      </p:grpSpPr>
+      <p:sp>
+        <p:nvSpPr>
+          <p:cNvPr id="21" name="Freeform 40">
+            <a:extLst>
+              <a:ext uri="{FF2B5EF4-FFF2-40B4-BE49-F238E27FC236}">
+                <a16:creationId xmlns:a16="http://schemas.microsoft.com/office/drawing/2014/main" id="{4E4ED890-91B0-40E2-AA89-6B33845651E5}"/>
+              </a:ext>
+            </a:extLst>
+          </p:cNvPr>
+          <p:cNvSpPr>
+            <a:spLocks noChangeArrowheads="1"/>
+          </p:cNvSpPr>
+          <p:nvPr/>
+        </p:nvSpPr>
+        <p:spPr bwMode="auto">
+          <a:xfrm rot="11825610">
+            <a:off x="-4873768" y="-208990"/>
+            <a:ext cx="11767008" cy="5664104"/>
+          </a:xfrm>
+          <a:custGeom>
+            <a:avLst/>
+            <a:gdLst>
+              <a:gd name="connsiteX0" fmla="*/ 11264585 w 23534016"/>
+              <a:gd name="connsiteY0" fmla="*/ 9912566 h 11328207"/>
+              <a:gd name="connsiteX1" fmla="*/ 11605793 w 23534016"/>
+              <a:gd name="connsiteY1" fmla="*/ 10554301 h 11328207"/>
+              <a:gd name="connsiteX2" fmla="*/ 10831887 w 23534016"/>
+              <a:gd name="connsiteY2" fmla="*/ 11328207 h 11328207"/>
+              <a:gd name="connsiteX3" fmla="*/ 10736635 w 23534016"/>
+              <a:gd name="connsiteY3" fmla="*/ 11328207 h 11328207"/>
+              <a:gd name="connsiteX4" fmla="*/ 9962731 w 23534016"/>
+              <a:gd name="connsiteY4" fmla="*/ 10554301 h 11328207"/>
+              <a:gd name="connsiteX5" fmla="*/ 10736635 w 23534016"/>
+              <a:gd name="connsiteY5" fmla="*/ 9780395 h 11328207"/>
+              <a:gd name="connsiteX6" fmla="*/ 10831887 w 23534016"/>
+              <a:gd name="connsiteY6" fmla="*/ 9780395 h 11328207"/>
+              <a:gd name="connsiteX7" fmla="*/ 11264585 w 23534016"/>
+              <a:gd name="connsiteY7" fmla="*/ 9912566 h 11328207"/>
+              <a:gd name="connsiteX8" fmla="*/ 1179542 w 23534016"/>
+              <a:gd name="connsiteY8" fmla="*/ 3328153 h 11328207"/>
+              <a:gd name="connsiteX9" fmla="*/ 1401765 w 23534016"/>
+              <a:gd name="connsiteY9" fmla="*/ 3746104 h 11328207"/>
+              <a:gd name="connsiteX10" fmla="*/ 1401764 w 23534016"/>
+              <a:gd name="connsiteY10" fmla="*/ 3746104 h 11328207"/>
+              <a:gd name="connsiteX11" fmla="*/ 897732 w 23534016"/>
+              <a:gd name="connsiteY11" fmla="*/ 4250136 h 11328207"/>
+              <a:gd name="connsiteX12" fmla="*/ 504033 w 23534016"/>
+              <a:gd name="connsiteY12" fmla="*/ 4250135 h 11328207"/>
+              <a:gd name="connsiteX13" fmla="*/ 1 w 23534016"/>
+              <a:gd name="connsiteY13" fmla="*/ 3746103 h 11328207"/>
+              <a:gd name="connsiteX14" fmla="*/ 0 w 23534016"/>
+              <a:gd name="connsiteY14" fmla="*/ 3746103 h 11328207"/>
+              <a:gd name="connsiteX15" fmla="*/ 504032 w 23534016"/>
+              <a:gd name="connsiteY15" fmla="*/ 3242072 h 11328207"/>
+              <a:gd name="connsiteX16" fmla="*/ 897733 w 23534016"/>
+              <a:gd name="connsiteY16" fmla="*/ 3242072 h 11328207"/>
+              <a:gd name="connsiteX17" fmla="*/ 1179542 w 23534016"/>
+              <a:gd name="connsiteY17" fmla="*/ 3328153 h 11328207"/>
+              <a:gd name="connsiteX18" fmla="*/ 9733515 w 23534016"/>
+              <a:gd name="connsiteY18" fmla="*/ 6613367 h 11328207"/>
+              <a:gd name="connsiteX19" fmla="*/ 9955739 w 23534016"/>
+              <a:gd name="connsiteY19" fmla="*/ 7031319 h 11328207"/>
+              <a:gd name="connsiteX20" fmla="*/ 9955739 w 23534016"/>
+              <a:gd name="connsiteY20" fmla="*/ 7031319 h 11328207"/>
+              <a:gd name="connsiteX21" fmla="*/ 9451707 w 23534016"/>
+              <a:gd name="connsiteY21" fmla="*/ 7535351 h 11328207"/>
+              <a:gd name="connsiteX22" fmla="*/ 9058008 w 23534016"/>
+              <a:gd name="connsiteY22" fmla="*/ 7535350 h 11328207"/>
+              <a:gd name="connsiteX23" fmla="*/ 8553975 w 23534016"/>
+              <a:gd name="connsiteY23" fmla="*/ 7031318 h 11328207"/>
+              <a:gd name="connsiteX24" fmla="*/ 8553975 w 23534016"/>
+              <a:gd name="connsiteY24" fmla="*/ 7031318 h 11328207"/>
+              <a:gd name="connsiteX25" fmla="*/ 9058007 w 23534016"/>
+              <a:gd name="connsiteY25" fmla="*/ 6527286 h 11328207"/>
+              <a:gd name="connsiteX26" fmla="*/ 9451706 w 23534016"/>
+              <a:gd name="connsiteY26" fmla="*/ 6527286 h 11328207"/>
+              <a:gd name="connsiteX27" fmla="*/ 9733515 w 23534016"/>
+              <a:gd name="connsiteY27" fmla="*/ 6613367 h 11328207"/>
+              <a:gd name="connsiteX28" fmla="*/ 8928022 w 23534016"/>
+              <a:gd name="connsiteY28" fmla="*/ 3340367 h 11328207"/>
+              <a:gd name="connsiteX29" fmla="*/ 9150244 w 23534016"/>
+              <a:gd name="connsiteY29" fmla="*/ 3758318 h 11328207"/>
+              <a:gd name="connsiteX30" fmla="*/ 9150244 w 23534016"/>
+              <a:gd name="connsiteY30" fmla="*/ 3758318 h 11328207"/>
+              <a:gd name="connsiteX31" fmla="*/ 8646212 w 23534016"/>
+              <a:gd name="connsiteY31" fmla="*/ 4262350 h 11328207"/>
+              <a:gd name="connsiteX32" fmla="*/ 2350189 w 23534016"/>
+              <a:gd name="connsiteY32" fmla="*/ 4262349 h 11328207"/>
+              <a:gd name="connsiteX33" fmla="*/ 1846156 w 23534016"/>
+              <a:gd name="connsiteY33" fmla="*/ 3758316 h 11328207"/>
+              <a:gd name="connsiteX34" fmla="*/ 1846157 w 23534016"/>
+              <a:gd name="connsiteY34" fmla="*/ 3758317 h 11328207"/>
+              <a:gd name="connsiteX35" fmla="*/ 2350189 w 23534016"/>
+              <a:gd name="connsiteY35" fmla="*/ 3254285 h 11328207"/>
+              <a:gd name="connsiteX36" fmla="*/ 8646213 w 23534016"/>
+              <a:gd name="connsiteY36" fmla="*/ 3254286 h 11328207"/>
+              <a:gd name="connsiteX37" fmla="*/ 8928022 w 23534016"/>
+              <a:gd name="connsiteY37" fmla="*/ 3340367 h 11328207"/>
+              <a:gd name="connsiteX38" fmla="*/ 15324339 w 23534016"/>
+              <a:gd name="connsiteY38" fmla="*/ 6624950 h 11328207"/>
+              <a:gd name="connsiteX39" fmla="*/ 15546562 w 23534016"/>
+              <a:gd name="connsiteY39" fmla="*/ 7042900 h 11328207"/>
+              <a:gd name="connsiteX40" fmla="*/ 15042530 w 23534016"/>
+              <a:gd name="connsiteY40" fmla="*/ 7546931 h 11328207"/>
+              <a:gd name="connsiteX41" fmla="*/ 10905505 w 23534016"/>
+              <a:gd name="connsiteY41" fmla="*/ 7546930 h 11328207"/>
+              <a:gd name="connsiteX42" fmla="*/ 10401474 w 23534016"/>
+              <a:gd name="connsiteY42" fmla="*/ 7042899 h 11328207"/>
+              <a:gd name="connsiteX43" fmla="*/ 10905505 w 23534016"/>
+              <a:gd name="connsiteY43" fmla="*/ 6538868 h 11328207"/>
+              <a:gd name="connsiteX44" fmla="*/ 15042530 w 23534016"/>
+              <a:gd name="connsiteY44" fmla="*/ 6538869 h 11328207"/>
+              <a:gd name="connsiteX45" fmla="*/ 15324339 w 23534016"/>
+              <a:gd name="connsiteY45" fmla="*/ 6624950 h 11328207"/>
+              <a:gd name="connsiteX46" fmla="*/ 23192458 w 23534016"/>
+              <a:gd name="connsiteY46" fmla="*/ 8064785 h 11328207"/>
+              <a:gd name="connsiteX47" fmla="*/ 23534016 w 23534016"/>
+              <a:gd name="connsiteY47" fmla="*/ 8707179 h 11328207"/>
+              <a:gd name="connsiteX48" fmla="*/ 22759316 w 23534016"/>
+              <a:gd name="connsiteY48" fmla="*/ 9481878 h 11328207"/>
+              <a:gd name="connsiteX49" fmla="*/ 8228929 w 23534016"/>
+              <a:gd name="connsiteY49" fmla="*/ 9481877 h 11328207"/>
+              <a:gd name="connsiteX50" fmla="*/ 7454228 w 23534016"/>
+              <a:gd name="connsiteY50" fmla="*/ 8707176 h 11328207"/>
+              <a:gd name="connsiteX51" fmla="*/ 8228928 w 23534016"/>
+              <a:gd name="connsiteY51" fmla="*/ 7932477 h 11328207"/>
+              <a:gd name="connsiteX52" fmla="*/ 22759315 w 23534016"/>
+              <a:gd name="connsiteY52" fmla="*/ 7932478 h 11328207"/>
+              <a:gd name="connsiteX53" fmla="*/ 23192458 w 23534016"/>
+              <a:gd name="connsiteY53" fmla="*/ 8064785 h 11328207"/>
+              <a:gd name="connsiteX54" fmla="*/ 9947589 w 23534016"/>
+              <a:gd name="connsiteY54" fmla="*/ 86081 h 11328207"/>
+              <a:gd name="connsiteX55" fmla="*/ 10169812 w 23534016"/>
+              <a:gd name="connsiteY55" fmla="*/ 504032 h 11328207"/>
+              <a:gd name="connsiteX56" fmla="*/ 10169811 w 23534016"/>
+              <a:gd name="connsiteY56" fmla="*/ 504032 h 11328207"/>
+              <a:gd name="connsiteX57" fmla="*/ 9665779 w 23534016"/>
+              <a:gd name="connsiteY57" fmla="*/ 1008064 h 11328207"/>
+              <a:gd name="connsiteX58" fmla="*/ 2447418 w 23534016"/>
+              <a:gd name="connsiteY58" fmla="*/ 1008063 h 11328207"/>
+              <a:gd name="connsiteX59" fmla="*/ 1943386 w 23534016"/>
+              <a:gd name="connsiteY59" fmla="*/ 504031 h 11328207"/>
+              <a:gd name="connsiteX60" fmla="*/ 1943385 w 23534016"/>
+              <a:gd name="connsiteY60" fmla="*/ 504031 h 11328207"/>
+              <a:gd name="connsiteX61" fmla="*/ 2447417 w 23534016"/>
+              <a:gd name="connsiteY61" fmla="*/ 0 h 11328207"/>
+              <a:gd name="connsiteX62" fmla="*/ 9665780 w 23534016"/>
+              <a:gd name="connsiteY62" fmla="*/ 0 h 11328207"/>
+              <a:gd name="connsiteX63" fmla="*/ 9947589 w 23534016"/>
+              <a:gd name="connsiteY63" fmla="*/ 86081 h 11328207"/>
+              <a:gd name="connsiteX64" fmla="*/ 16576520 w 23534016"/>
+              <a:gd name="connsiteY64" fmla="*/ 3400992 h 11328207"/>
+              <a:gd name="connsiteX65" fmla="*/ 16798742 w 23534016"/>
+              <a:gd name="connsiteY65" fmla="*/ 3818943 h 11328207"/>
+              <a:gd name="connsiteX66" fmla="*/ 16798742 w 23534016"/>
+              <a:gd name="connsiteY66" fmla="*/ 3818943 h 11328207"/>
+              <a:gd name="connsiteX67" fmla="*/ 16294710 w 23534016"/>
+              <a:gd name="connsiteY67" fmla="*/ 4322975 h 11328207"/>
+              <a:gd name="connsiteX68" fmla="*/ 9998686 w 23534016"/>
+              <a:gd name="connsiteY68" fmla="*/ 4322974 h 11328207"/>
+              <a:gd name="connsiteX69" fmla="*/ 9494655 w 23534016"/>
+              <a:gd name="connsiteY69" fmla="*/ 3818942 h 11328207"/>
+              <a:gd name="connsiteX70" fmla="*/ 9494655 w 23534016"/>
+              <a:gd name="connsiteY70" fmla="*/ 3818943 h 11328207"/>
+              <a:gd name="connsiteX71" fmla="*/ 9998687 w 23534016"/>
+              <a:gd name="connsiteY71" fmla="*/ 3314911 h 11328207"/>
+              <a:gd name="connsiteX72" fmla="*/ 16294711 w 23534016"/>
+              <a:gd name="connsiteY72" fmla="*/ 3314911 h 11328207"/>
+              <a:gd name="connsiteX73" fmla="*/ 16576520 w 23534016"/>
+              <a:gd name="connsiteY73" fmla="*/ 3400992 h 11328207"/>
+              <a:gd name="connsiteX74" fmla="*/ 20515471 w 23534016"/>
+              <a:gd name="connsiteY74" fmla="*/ 4777198 h 11328207"/>
+              <a:gd name="connsiteX75" fmla="*/ 20856681 w 23534016"/>
+              <a:gd name="connsiteY75" fmla="*/ 5418935 h 11328207"/>
+              <a:gd name="connsiteX76" fmla="*/ 20856679 w 23534016"/>
+              <a:gd name="connsiteY76" fmla="*/ 5418934 h 11328207"/>
+              <a:gd name="connsiteX77" fmla="*/ 20082773 w 23534016"/>
+              <a:gd name="connsiteY77" fmla="*/ 6192842 h 11328207"/>
+              <a:gd name="connsiteX78" fmla="*/ 3780736 w 23534016"/>
+              <a:gd name="connsiteY78" fmla="*/ 6192840 h 11328207"/>
+              <a:gd name="connsiteX79" fmla="*/ 3006829 w 23534016"/>
+              <a:gd name="connsiteY79" fmla="*/ 5418932 h 11328207"/>
+              <a:gd name="connsiteX80" fmla="*/ 3006829 w 23534016"/>
+              <a:gd name="connsiteY80" fmla="*/ 5418933 h 11328207"/>
+              <a:gd name="connsiteX81" fmla="*/ 3780735 w 23534016"/>
+              <a:gd name="connsiteY81" fmla="*/ 4645026 h 11328207"/>
+              <a:gd name="connsiteX82" fmla="*/ 20082772 w 23534016"/>
+              <a:gd name="connsiteY82" fmla="*/ 4645027 h 11328207"/>
+              <a:gd name="connsiteX83" fmla="*/ 20515471 w 23534016"/>
+              <a:gd name="connsiteY83" fmla="*/ 4777198 h 11328207"/>
+              <a:gd name="connsiteX84" fmla="*/ 15080250 w 23534016"/>
+              <a:gd name="connsiteY84" fmla="*/ 1483266 h 11328207"/>
+              <a:gd name="connsiteX85" fmla="*/ 15421458 w 23534016"/>
+              <a:gd name="connsiteY85" fmla="*/ 2125002 h 11328207"/>
+              <a:gd name="connsiteX86" fmla="*/ 15421458 w 23534016"/>
+              <a:gd name="connsiteY86" fmla="*/ 2125003 h 11328207"/>
+              <a:gd name="connsiteX87" fmla="*/ 14647550 w 23534016"/>
+              <a:gd name="connsiteY87" fmla="*/ 2898909 h 11328207"/>
+              <a:gd name="connsiteX88" fmla="*/ 5471802 w 23534016"/>
+              <a:gd name="connsiteY88" fmla="*/ 2898908 h 11328207"/>
+              <a:gd name="connsiteX89" fmla="*/ 4697895 w 23534016"/>
+              <a:gd name="connsiteY89" fmla="*/ 2125001 h 11328207"/>
+              <a:gd name="connsiteX90" fmla="*/ 4697895 w 23534016"/>
+              <a:gd name="connsiteY90" fmla="*/ 2125002 h 11328207"/>
+              <a:gd name="connsiteX91" fmla="*/ 5471802 w 23534016"/>
+              <a:gd name="connsiteY91" fmla="*/ 1351096 h 11328207"/>
+              <a:gd name="connsiteX92" fmla="*/ 14647551 w 23534016"/>
+              <a:gd name="connsiteY92" fmla="*/ 1351096 h 11328207"/>
+              <a:gd name="connsiteX93" fmla="*/ 15080250 w 23534016"/>
+              <a:gd name="connsiteY93" fmla="*/ 1483266 h 11328207"/>
+            </a:gdLst>
+            <a:ahLst/>
+            <a:cxnLst>
+              <a:cxn ang="0">
+                <a:pos x="connsiteX0" y="connsiteY0"/>
+              </a:cxn>
+              <a:cxn ang="0">
+                <a:pos x="connsiteX1" y="connsiteY1"/>
+              </a:cxn>
+              <a:cxn ang="0">
+                <a:pos x="connsiteX2" y="connsiteY2"/>
+              </a:cxn>
+              <a:cxn ang="0">
+                <a:pos x="connsiteX3" y="connsiteY3"/>
+              </a:cxn>
+              <a:cxn ang="0">
+                <a:pos x="connsiteX4" y="connsiteY4"/>
+              </a:cxn>
+              <a:cxn ang="0">
+                <a:pos x="connsiteX5" y="connsiteY5"/>
+              </a:cxn>
+              <a:cxn ang="0">
+                <a:pos x="connsiteX6" y="connsiteY6"/>
+              </a:cxn>
+              <a:cxn ang="0">
+                <a:pos x="connsiteX7" y="connsiteY7"/>
+              </a:cxn>
+              <a:cxn ang="0">
+                <a:pos x="connsiteX8" y="connsiteY8"/>
+              </a:cxn>
+              <a:cxn ang="0">
+                <a:pos x="connsiteX9" y="connsiteY9"/>
+              </a:cxn>
+              <a:cxn ang="0">
+                <a:pos x="connsiteX10" y="connsiteY10"/>
+              </a:cxn>
+              <a:cxn ang="0">
+                <a:pos x="connsiteX11" y="connsiteY11"/>
+              </a:cxn>
+              <a:cxn ang="0">
+                <a:pos x="connsiteX12" y="connsiteY12"/>
+              </a:cxn>
+              <a:cxn ang="0">
+                <a:pos x="connsiteX13" y="connsiteY13"/>
+              </a:cxn>
+              <a:cxn ang="0">
+                <a:pos x="connsiteX14" y="connsiteY14"/>
+              </a:cxn>
+              <a:cxn ang="0">
+                <a:pos x="connsiteX15" y="connsiteY15"/>
+              </a:cxn>
+              <a:cxn ang="0">
+                <a:pos x="connsiteX16" y="connsiteY16"/>
+              </a:cxn>
+              <a:cxn ang="0">
+                <a:pos x="connsiteX17" y="connsiteY17"/>
+              </a:cxn>
+              <a:cxn ang="0">
+                <a:pos x="connsiteX18" y="connsiteY18"/>
+              </a:cxn>
+              <a:cxn ang="0">
+                <a:pos x="connsiteX19" y="connsiteY19"/>
+              </a:cxn>
+              <a:cxn ang="0">
+                <a:pos x="connsiteX20" y="connsiteY20"/>
+              </a:cxn>
+              <a:cxn ang="0">
+                <a:pos x="connsiteX21" y="connsiteY21"/>
+              </a:cxn>
+              <a:cxn ang="0">
+                <a:pos x="connsiteX22" y="connsiteY22"/>
+              </a:cxn>
+              <a:cxn ang="0">
+                <a:pos x="connsiteX23" y="connsiteY23"/>
+              </a:cxn>
+              <a:cxn ang="0">
+                <a:pos x="connsiteX24" y="connsiteY24"/>
+              </a:cxn>
+              <a:cxn ang="0">
+                <a:pos x="connsiteX25" y="connsiteY25"/>
+              </a:cxn>
+              <a:cxn ang="0">
+                <a:pos x="connsiteX26" y="connsiteY26"/>
+              </a:cxn>
+              <a:cxn ang="0">
+                <a:pos x="connsiteX27" y="connsiteY27"/>
+              </a:cxn>
+              <a:cxn ang="0">
+                <a:pos x="connsiteX28" y="connsiteY28"/>
+              </a:cxn>
+              <a:cxn ang="0">
+                <a:pos x="connsiteX29" y="connsiteY29"/>
+              </a:cxn>
+              <a:cxn ang="0">
+                <a:pos x="connsiteX30" y="connsiteY30"/>
+              </a:cxn>
+              <a:cxn ang="0">
+                <a:pos x="connsiteX31" y="connsiteY31"/>
+              </a:cxn>
+              <a:cxn ang="0">
+                <a:pos x="connsiteX32" y="connsiteY32"/>
+              </a:cxn>
+              <a:cxn ang="0">
+                <a:pos x="connsiteX33" y="connsiteY33"/>
+              </a:cxn>
+              <a:cxn ang="0">
+                <a:pos x="connsiteX34" y="connsiteY34"/>
+              </a:cxn>
+              <a:cxn ang="0">
+                <a:pos x="connsiteX35" y="connsiteY35"/>
+              </a:cxn>
+              <a:cxn ang="0">
+                <a:pos x="connsiteX36" y="connsiteY36"/>
+              </a:cxn>
+              <a:cxn ang="0">
+                <a:pos x="connsiteX37" y="connsiteY37"/>
+              </a:cxn>
+              <a:cxn ang="0">
+                <a:pos x="connsiteX38" y="connsiteY38"/>
+              </a:cxn>
+              <a:cxn ang="0">
+                <a:pos x="connsiteX39" y="connsiteY39"/>
+              </a:cxn>
+              <a:cxn ang="0">
+                <a:pos x="connsiteX40" y="connsiteY40"/>
+              </a:cxn>
+              <a:cxn ang="0">
+                <a:pos x="connsiteX41" y="connsiteY41"/>
+              </a:cxn>
+              <a:cxn ang="0">
+                <a:pos x="connsiteX42" y="connsiteY42"/>
+              </a:cxn>
+              <a:cxn ang="0">
+                <a:pos x="connsiteX43" y="connsiteY43"/>
+              </a:cxn>
+              <a:cxn ang="0">
+                <a:pos x="connsiteX44" y="connsiteY44"/>
+              </a:cxn>
+              <a:cxn ang="0">
+                <a:pos x="connsiteX45" y="connsiteY45"/>
+              </a:cxn>
+              <a:cxn ang="0">
+                <a:pos x="connsiteX46" y="connsiteY46"/>
+              </a:cxn>
+              <a:cxn ang="0">
+                <a:pos x="connsiteX47" y="connsiteY47"/>
+              </a:cxn>
+              <a:cxn ang="0">
+                <a:pos x="connsiteX48" y="connsiteY48"/>
+              </a:cxn>
+              <a:cxn ang="0">
+                <a:pos x="connsiteX49" y="connsiteY49"/>
+              </a:cxn>
+              <a:cxn ang="0">
+                <a:pos x="connsiteX50" y="connsiteY50"/>
+              </a:cxn>
+              <a:cxn ang="0">
+                <a:pos x="connsiteX51" y="connsiteY51"/>
+              </a:cxn>
+              <a:cxn ang="0">
+                <a:pos x="connsiteX52" y="connsiteY52"/>
+              </a:cxn>
+              <a:cxn ang="0">
+                <a:pos x="connsiteX53" y="connsiteY53"/>
+              </a:cxn>
+              <a:cxn ang="0">
+                <a:pos x="connsiteX54" y="connsiteY54"/>
+              </a:cxn>
+              <a:cxn ang="0">
+                <a:pos x="connsiteX55" y="connsiteY55"/>
+              </a:cxn>
+              <a:cxn ang="0">
+                <a:pos x="connsiteX56" y="connsiteY56"/>
+              </a:cxn>
+              <a:cxn ang="0">
+                <a:pos x="connsiteX57" y="connsiteY57"/>
+              </a:cxn>
+              <a:cxn ang="0">
+                <a:pos x="connsiteX58" y="connsiteY58"/>
+              </a:cxn>
+              <a:cxn ang="0">
+                <a:pos x="connsiteX59" y="connsiteY59"/>
+              </a:cxn>
+              <a:cxn ang="0">
+                <a:pos x="connsiteX60" y="connsiteY60"/>
+              </a:cxn>
+              <a:cxn ang="0">
+                <a:pos x="connsiteX61" y="connsiteY61"/>
+              </a:cxn>
+              <a:cxn ang="0">
+                <a:pos x="connsiteX62" y="connsiteY62"/>
+              </a:cxn>
+              <a:cxn ang="0">
+                <a:pos x="connsiteX63" y="connsiteY63"/>
+              </a:cxn>
+              <a:cxn ang="0">
+                <a:pos x="connsiteX64" y="connsiteY64"/>
+              </a:cxn>
+              <a:cxn ang="0">
+                <a:pos x="connsiteX65" y="connsiteY65"/>
+              </a:cxn>
+              <a:cxn ang="0">
+                <a:pos x="connsiteX66" y="connsiteY66"/>
+              </a:cxn>
+              <a:cxn ang="0">
+                <a:pos x="connsiteX67" y="connsiteY67"/>
+              </a:cxn>
+              <a:cxn ang="0">
+                <a:pos x="connsiteX68" y="connsiteY68"/>
+              </a:cxn>
+              <a:cxn ang="0">
+                <a:pos x="connsiteX69" y="connsiteY69"/>
+              </a:cxn>
+              <a:cxn ang="0">
+                <a:pos x="connsiteX70" y="connsiteY70"/>
+              </a:cxn>
+              <a:cxn ang="0">
+                <a:pos x="connsiteX71" y="connsiteY71"/>
+              </a:cxn>
+              <a:cxn ang="0">
+                <a:pos x="connsiteX72" y="connsiteY72"/>
+              </a:cxn>
+              <a:cxn ang="0">
+                <a:pos x="connsiteX73" y="connsiteY73"/>
+              </a:cxn>
+              <a:cxn ang="0">
+                <a:pos x="connsiteX74" y="connsiteY74"/>
+              </a:cxn>
+              <a:cxn ang="0">
+                <a:pos x="connsiteX75" y="connsiteY75"/>
+              </a:cxn>
+              <a:cxn ang="0">
+                <a:pos x="connsiteX76" y="connsiteY76"/>
+              </a:cxn>
+              <a:cxn ang="0">
+                <a:pos x="connsiteX77" y="connsiteY77"/>
+              </a:cxn>
+              <a:cxn ang="0">
+                <a:pos x="connsiteX78" y="connsiteY78"/>
+              </a:cxn>
+              <a:cxn ang="0">
+                <a:pos x="connsiteX79" y="connsiteY79"/>
+              </a:cxn>
+              <a:cxn ang="0">
+                <a:pos x="connsiteX80" y="connsiteY80"/>
+              </a:cxn>
+              <a:cxn ang="0">
+                <a:pos x="connsiteX81" y="connsiteY81"/>
+              </a:cxn>
+              <a:cxn ang="0">
+                <a:pos x="connsiteX82" y="connsiteY82"/>
+              </a:cxn>
+              <a:cxn ang="0">
+                <a:pos x="connsiteX83" y="connsiteY83"/>
+              </a:cxn>
+              <a:cxn ang="0">
+                <a:pos x="connsiteX84" y="connsiteY84"/>
+              </a:cxn>
+              <a:cxn ang="0">
+                <a:pos x="connsiteX85" y="connsiteY85"/>
+              </a:cxn>
+              <a:cxn ang="0">
+                <a:pos x="connsiteX86" y="connsiteY86"/>
+              </a:cxn>
+              <a:cxn ang="0">
+                <a:pos x="connsiteX87" y="connsiteY87"/>
+              </a:cxn>
+              <a:cxn ang="0">
+                <a:pos x="connsiteX88" y="connsiteY88"/>
+              </a:cxn>
+              <a:cxn ang="0">
+                <a:pos x="connsiteX89" y="connsiteY89"/>
+              </a:cxn>
+              <a:cxn ang="0">
+                <a:pos x="connsiteX90" y="connsiteY90"/>
+              </a:cxn>
+              <a:cxn ang="0">
+                <a:pos x="connsiteX91" y="connsiteY91"/>
+              </a:cxn>
+              <a:cxn ang="0">
+                <a:pos x="connsiteX92" y="connsiteY92"/>
+              </a:cxn>
+              <a:cxn ang="0">
+                <a:pos x="connsiteX93" y="connsiteY93"/>
+              </a:cxn>
+            </a:cxnLst>
+            <a:rect l="l" t="t" r="r" b="b"/>
+            <a:pathLst>
+              <a:path w="23534016" h="11328207">
+                <a:moveTo>
+                  <a:pt x="11264585" y="9912566"/>
+                </a:moveTo>
+                <a:cubicBezTo>
+                  <a:pt x="11470444" y="10051642"/>
+                  <a:pt x="11605793" y="10287166"/>
+                  <a:pt x="11605793" y="10554301"/>
+                </a:cubicBezTo>
+                <a:cubicBezTo>
+                  <a:pt x="11605792" y="10981717"/>
+                  <a:pt x="11259303" y="11328207"/>
+                  <a:pt x="10831887" y="11328207"/>
+                </a:cubicBezTo>
+                <a:lnTo>
+                  <a:pt x="10736635" y="11328207"/>
+                </a:lnTo>
+                <a:cubicBezTo>
+                  <a:pt x="10309219" y="11328207"/>
+                  <a:pt x="9962730" y="10981717"/>
+                  <a:pt x="9962731" y="10554301"/>
+                </a:cubicBezTo>
+                <a:cubicBezTo>
+                  <a:pt x="9962730" y="10126885"/>
+                  <a:pt x="10309219" y="9780395"/>
+                  <a:pt x="10736635" y="9780395"/>
+                </a:cubicBezTo>
+                <a:lnTo>
+                  <a:pt x="10831887" y="9780395"/>
+                </a:lnTo>
+                <a:cubicBezTo>
+                  <a:pt x="10992167" y="9780394"/>
+                  <a:pt x="11141068" y="9829120"/>
+                  <a:pt x="11264585" y="9912566"/>
+                </a:cubicBezTo>
+                <a:close/>
+                <a:moveTo>
+                  <a:pt x="1179542" y="3328153"/>
+                </a:moveTo>
+                <a:cubicBezTo>
+                  <a:pt x="1313615" y="3418731"/>
+                  <a:pt x="1401765" y="3572123"/>
+                  <a:pt x="1401765" y="3746104"/>
+                </a:cubicBezTo>
+                <a:lnTo>
+                  <a:pt x="1401764" y="3746104"/>
+                </a:lnTo>
+                <a:cubicBezTo>
+                  <a:pt x="1401764" y="4024473"/>
+                  <a:pt x="1176101" y="4250136"/>
+                  <a:pt x="897732" y="4250136"/>
+                </a:cubicBezTo>
+                <a:lnTo>
+                  <a:pt x="504033" y="4250135"/>
+                </a:lnTo>
+                <a:cubicBezTo>
+                  <a:pt x="225664" y="4250135"/>
+                  <a:pt x="1" y="4024472"/>
+                  <a:pt x="1" y="3746103"/>
+                </a:cubicBezTo>
+                <a:lnTo>
+                  <a:pt x="0" y="3746103"/>
+                </a:lnTo>
+                <a:cubicBezTo>
+                  <a:pt x="1" y="3467734"/>
+                  <a:pt x="225664" y="3242072"/>
+                  <a:pt x="504032" y="3242072"/>
+                </a:cubicBezTo>
+                <a:lnTo>
+                  <a:pt x="897733" y="3242072"/>
+                </a:lnTo>
+                <a:cubicBezTo>
+                  <a:pt x="1002122" y="3242072"/>
+                  <a:pt x="1099098" y="3273806"/>
+                  <a:pt x="1179542" y="3328153"/>
+                </a:cubicBezTo>
+                <a:close/>
+                <a:moveTo>
+                  <a:pt x="9733515" y="6613367"/>
+                </a:moveTo>
+                <a:cubicBezTo>
+                  <a:pt x="9867590" y="6703946"/>
+                  <a:pt x="9955739" y="6857338"/>
+                  <a:pt x="9955739" y="7031319"/>
+                </a:cubicBezTo>
+                <a:lnTo>
+                  <a:pt x="9955739" y="7031319"/>
+                </a:lnTo>
+                <a:cubicBezTo>
+                  <a:pt x="9955739" y="7309688"/>
+                  <a:pt x="9730075" y="7535351"/>
+                  <a:pt x="9451707" y="7535351"/>
+                </a:cubicBezTo>
+                <a:lnTo>
+                  <a:pt x="9058008" y="7535350"/>
+                </a:lnTo>
+                <a:cubicBezTo>
+                  <a:pt x="8779637" y="7535349"/>
+                  <a:pt x="8553975" y="7309687"/>
+                  <a:pt x="8553975" y="7031318"/>
+                </a:cubicBezTo>
+                <a:lnTo>
+                  <a:pt x="8553975" y="7031318"/>
+                </a:lnTo>
+                <a:cubicBezTo>
+                  <a:pt x="8553975" y="6752949"/>
+                  <a:pt x="8779638" y="6527287"/>
+                  <a:pt x="9058007" y="6527286"/>
+                </a:cubicBezTo>
+                <a:lnTo>
+                  <a:pt x="9451706" y="6527286"/>
+                </a:lnTo>
+                <a:cubicBezTo>
+                  <a:pt x="9556095" y="6527286"/>
+                  <a:pt x="9653072" y="6559021"/>
+                  <a:pt x="9733515" y="6613367"/>
+                </a:cubicBezTo>
+                <a:close/>
+                <a:moveTo>
+                  <a:pt x="8928022" y="3340367"/>
+                </a:moveTo>
+                <a:cubicBezTo>
+                  <a:pt x="9062095" y="3430945"/>
+                  <a:pt x="9150244" y="3584337"/>
+                  <a:pt x="9150244" y="3758318"/>
+                </a:cubicBezTo>
+                <a:lnTo>
+                  <a:pt x="9150244" y="3758318"/>
+                </a:lnTo>
+                <a:cubicBezTo>
+                  <a:pt x="9150244" y="4036688"/>
+                  <a:pt x="8924581" y="4262349"/>
+                  <a:pt x="8646212" y="4262350"/>
+                </a:cubicBezTo>
+                <a:lnTo>
+                  <a:pt x="2350189" y="4262349"/>
+                </a:lnTo>
+                <a:cubicBezTo>
+                  <a:pt x="2071819" y="4262349"/>
+                  <a:pt x="1846156" y="4036685"/>
+                  <a:pt x="1846156" y="3758316"/>
+                </a:cubicBezTo>
+                <a:lnTo>
+                  <a:pt x="1846157" y="3758317"/>
+                </a:lnTo>
+                <a:cubicBezTo>
+                  <a:pt x="1846157" y="3479948"/>
+                  <a:pt x="2071820" y="3254286"/>
+                  <a:pt x="2350189" y="3254285"/>
+                </a:cubicBezTo>
+                <a:lnTo>
+                  <a:pt x="8646213" y="3254286"/>
+                </a:lnTo>
+                <a:cubicBezTo>
+                  <a:pt x="8750602" y="3254287"/>
+                  <a:pt x="8847579" y="3286021"/>
+                  <a:pt x="8928022" y="3340367"/>
+                </a:cubicBezTo>
+                <a:close/>
+                <a:moveTo>
+                  <a:pt x="15324339" y="6624950"/>
+                </a:moveTo>
+                <a:cubicBezTo>
+                  <a:pt x="15458413" y="6715527"/>
+                  <a:pt x="15546561" y="6868919"/>
+                  <a:pt x="15546562" y="7042900"/>
+                </a:cubicBezTo>
+                <a:cubicBezTo>
+                  <a:pt x="15546561" y="7321269"/>
+                  <a:pt x="15320899" y="7546930"/>
+                  <a:pt x="15042530" y="7546931"/>
+                </a:cubicBezTo>
+                <a:lnTo>
+                  <a:pt x="10905505" y="7546930"/>
+                </a:lnTo>
+                <a:cubicBezTo>
+                  <a:pt x="10627136" y="7546930"/>
+                  <a:pt x="10401474" y="7321268"/>
+                  <a:pt x="10401474" y="7042899"/>
+                </a:cubicBezTo>
+                <a:cubicBezTo>
+                  <a:pt x="10401474" y="6764530"/>
+                  <a:pt x="10627137" y="6538868"/>
+                  <a:pt x="10905505" y="6538868"/>
+                </a:cubicBezTo>
+                <a:lnTo>
+                  <a:pt x="15042530" y="6538869"/>
+                </a:lnTo>
+                <a:cubicBezTo>
+                  <a:pt x="15146919" y="6538869"/>
+                  <a:pt x="15243896" y="6570603"/>
+                  <a:pt x="15324339" y="6624950"/>
+                </a:cubicBezTo>
+                <a:close/>
+                <a:moveTo>
+                  <a:pt x="23192458" y="8064785"/>
+                </a:moveTo>
+                <a:cubicBezTo>
+                  <a:pt x="23398529" y="8204003"/>
+                  <a:pt x="23534016" y="8439769"/>
+                  <a:pt x="23534016" y="8707179"/>
+                </a:cubicBezTo>
+                <a:cubicBezTo>
+                  <a:pt x="23534016" y="9135034"/>
+                  <a:pt x="23187171" y="9481878"/>
+                  <a:pt x="22759316" y="9481878"/>
+                </a:cubicBezTo>
+                <a:lnTo>
+                  <a:pt x="8228929" y="9481877"/>
+                </a:lnTo>
+                <a:cubicBezTo>
+                  <a:pt x="7801074" y="9481877"/>
+                  <a:pt x="7454229" y="9135032"/>
+                  <a:pt x="7454228" y="8707176"/>
+                </a:cubicBezTo>
+                <a:cubicBezTo>
+                  <a:pt x="7454228" y="8279322"/>
+                  <a:pt x="7801073" y="7932477"/>
+                  <a:pt x="8228928" y="7932477"/>
+                </a:cubicBezTo>
+                <a:lnTo>
+                  <a:pt x="22759315" y="7932478"/>
+                </a:lnTo>
+                <a:cubicBezTo>
+                  <a:pt x="22919760" y="7932478"/>
+                  <a:pt x="23068815" y="7981253"/>
+                  <a:pt x="23192458" y="8064785"/>
+                </a:cubicBezTo>
+                <a:close/>
+                <a:moveTo>
+                  <a:pt x="9947589" y="86081"/>
+                </a:moveTo>
+                <a:cubicBezTo>
+                  <a:pt x="10081663" y="176659"/>
+                  <a:pt x="10169811" y="330051"/>
+                  <a:pt x="10169812" y="504032"/>
+                </a:cubicBezTo>
+                <a:lnTo>
+                  <a:pt x="10169811" y="504032"/>
+                </a:lnTo>
+                <a:cubicBezTo>
+                  <a:pt x="10169811" y="782401"/>
+                  <a:pt x="9944148" y="1008064"/>
+                  <a:pt x="9665779" y="1008064"/>
+                </a:cubicBezTo>
+                <a:lnTo>
+                  <a:pt x="2447418" y="1008063"/>
+                </a:lnTo>
+                <a:cubicBezTo>
+                  <a:pt x="2169048" y="1008062"/>
+                  <a:pt x="1943386" y="782400"/>
+                  <a:pt x="1943386" y="504031"/>
+                </a:cubicBezTo>
+                <a:lnTo>
+                  <a:pt x="1943385" y="504031"/>
+                </a:lnTo>
+                <a:cubicBezTo>
+                  <a:pt x="1943386" y="225663"/>
+                  <a:pt x="2169048" y="0"/>
+                  <a:pt x="2447417" y="0"/>
+                </a:cubicBezTo>
+                <a:lnTo>
+                  <a:pt x="9665780" y="0"/>
+                </a:lnTo>
+                <a:cubicBezTo>
+                  <a:pt x="9770169" y="0"/>
+                  <a:pt x="9867145" y="31734"/>
+                  <a:pt x="9947589" y="86081"/>
+                </a:cubicBezTo>
+                <a:close/>
+                <a:moveTo>
+                  <a:pt x="16576520" y="3400992"/>
+                </a:moveTo>
+                <a:cubicBezTo>
+                  <a:pt x="16710593" y="3491570"/>
+                  <a:pt x="16798742" y="3644962"/>
+                  <a:pt x="16798742" y="3818943"/>
+                </a:cubicBezTo>
+                <a:lnTo>
+                  <a:pt x="16798742" y="3818943"/>
+                </a:lnTo>
+                <a:cubicBezTo>
+                  <a:pt x="16798742" y="4097312"/>
+                  <a:pt x="16573079" y="4322975"/>
+                  <a:pt x="16294710" y="4322975"/>
+                </a:cubicBezTo>
+                <a:lnTo>
+                  <a:pt x="9998686" y="4322974"/>
+                </a:lnTo>
+                <a:cubicBezTo>
+                  <a:pt x="9720318" y="4322974"/>
+                  <a:pt x="9494655" y="4097311"/>
+                  <a:pt x="9494655" y="3818942"/>
+                </a:cubicBezTo>
+                <a:lnTo>
+                  <a:pt x="9494655" y="3818943"/>
+                </a:lnTo>
+                <a:cubicBezTo>
+                  <a:pt x="9494654" y="3540574"/>
+                  <a:pt x="9720318" y="3314911"/>
+                  <a:pt x="9998687" y="3314911"/>
+                </a:cubicBezTo>
+                <a:lnTo>
+                  <a:pt x="16294711" y="3314911"/>
+                </a:lnTo>
+                <a:cubicBezTo>
+                  <a:pt x="16399100" y="3314912"/>
+                  <a:pt x="16496075" y="3346645"/>
+                  <a:pt x="16576520" y="3400992"/>
+                </a:cubicBezTo>
+                <a:close/>
+                <a:moveTo>
+                  <a:pt x="20515471" y="4777198"/>
+                </a:moveTo>
+                <a:cubicBezTo>
+                  <a:pt x="20721332" y="4916275"/>
+                  <a:pt x="20856681" y="5151799"/>
+                  <a:pt x="20856681" y="5418935"/>
+                </a:cubicBezTo>
+                <a:lnTo>
+                  <a:pt x="20856679" y="5418934"/>
+                </a:lnTo>
+                <a:cubicBezTo>
+                  <a:pt x="20856679" y="5846352"/>
+                  <a:pt x="20510189" y="6192842"/>
+                  <a:pt x="20082773" y="6192842"/>
+                </a:cubicBezTo>
+                <a:lnTo>
+                  <a:pt x="3780736" y="6192840"/>
+                </a:lnTo>
+                <a:cubicBezTo>
+                  <a:pt x="3353319" y="6192840"/>
+                  <a:pt x="3006829" y="5846350"/>
+                  <a:pt x="3006829" y="5418932"/>
+                </a:cubicBezTo>
+                <a:lnTo>
+                  <a:pt x="3006829" y="5418933"/>
+                </a:lnTo>
+                <a:cubicBezTo>
+                  <a:pt x="3006829" y="4991516"/>
+                  <a:pt x="3353318" y="4645026"/>
+                  <a:pt x="3780735" y="4645026"/>
+                </a:cubicBezTo>
+                <a:lnTo>
+                  <a:pt x="20082772" y="4645027"/>
+                </a:lnTo>
+                <a:cubicBezTo>
+                  <a:pt x="20243053" y="4645027"/>
+                  <a:pt x="20391954" y="4693752"/>
+                  <a:pt x="20515471" y="4777198"/>
+                </a:cubicBezTo>
+                <a:close/>
+                <a:moveTo>
+                  <a:pt x="15080250" y="1483266"/>
+                </a:moveTo>
+                <a:cubicBezTo>
+                  <a:pt x="15286109" y="1622342"/>
+                  <a:pt x="15421458" y="1857867"/>
+                  <a:pt x="15421458" y="2125002"/>
+                </a:cubicBezTo>
+                <a:lnTo>
+                  <a:pt x="15421458" y="2125003"/>
+                </a:lnTo>
+                <a:cubicBezTo>
+                  <a:pt x="15421458" y="2552420"/>
+                  <a:pt x="15074966" y="2898909"/>
+                  <a:pt x="14647550" y="2898909"/>
+                </a:cubicBezTo>
+                <a:lnTo>
+                  <a:pt x="5471802" y="2898908"/>
+                </a:lnTo>
+                <a:cubicBezTo>
+                  <a:pt x="5044384" y="2898908"/>
+                  <a:pt x="4697895" y="2552418"/>
+                  <a:pt x="4697895" y="2125001"/>
+                </a:cubicBezTo>
+                <a:lnTo>
+                  <a:pt x="4697895" y="2125002"/>
+                </a:lnTo>
+                <a:cubicBezTo>
+                  <a:pt x="4697894" y="1697585"/>
+                  <a:pt x="5044385" y="1351096"/>
+                  <a:pt x="5471802" y="1351096"/>
+                </a:cubicBezTo>
+                <a:lnTo>
+                  <a:pt x="14647551" y="1351096"/>
+                </a:lnTo>
+                <a:cubicBezTo>
+                  <a:pt x="14807834" y="1351096"/>
+                  <a:pt x="14956733" y="1399820"/>
+                  <a:pt x="15080250" y="1483266"/>
+                </a:cubicBezTo>
+                <a:close/>
+              </a:path>
+            </a:pathLst>
+          </a:custGeom>
+          <a:gradFill flip="none" rotWithShape="1">
+            <a:gsLst>
+              <a:gs pos="0">
+                <a:schemeClr val="accent2">
+                  <a:alpha val="27000"/>
+                  <a:lumMod val="0"/>
+                  <a:lumOff val="100000"/>
+                </a:schemeClr>
+              </a:gs>
+              <a:gs pos="100000">
+                <a:schemeClr val="accent2">
+                  <a:lumMod val="52000"/>
+                  <a:lumOff val="48000"/>
+                </a:schemeClr>
+              </a:gs>
+              <a:gs pos="100000">
+                <a:schemeClr val="accent2">
+                  <a:lumMod val="60000"/>
+                </a:schemeClr>
+              </a:gs>
+            </a:gsLst>
+            <a:path path="circle">
+              <a:fillToRect l="50000" t="130000" r="50000" b="-30000"/>
+            </a:path>
+            <a:tileRect/>
+          </a:gradFill>
+          <a:ln>
+            <a:noFill/>
+          </a:ln>
+        </p:spPr>
+        <p:txBody>
+          <a:bodyPr wrap="square" lIns="19050" tIns="19050" rIns="19050" bIns="19050" anchor="ctr">
+            <a:noAutofit/>
+          </a:bodyPr>
+          <a:lstStyle/>
+          <a:p>
+            <a:pPr eaLnBrk="1"/>
+            <a:endParaRPr lang="en-US" altLang="x-none" sz="900"/>
+          </a:p>
+        </p:txBody>
+      </p:sp>
+      <p:sp>
+        <p:nvSpPr>
+          <p:cNvPr id="9" name="Rectangle 8">
+            <a:extLst>
+              <a:ext uri="{FF2B5EF4-FFF2-40B4-BE49-F238E27FC236}">
+                <a16:creationId xmlns:a16="http://schemas.microsoft.com/office/drawing/2014/main" id="{7A07C604-7812-4E42-B549-1375235E6F95}"/>
+              </a:ext>
+            </a:extLst>
+          </p:cNvPr>
+          <p:cNvSpPr/>
+          <p:nvPr/>
+        </p:nvSpPr>
+        <p:spPr>
+          <a:xfrm>
+            <a:off x="833304" y="2100631"/>
+            <a:ext cx="9969274" cy="3048125"/>
+          </a:xfrm>
+          <a:prstGeom prst="rect">
+            <a:avLst/>
+          </a:prstGeom>
+          <a:noFill/>
+          <a:ln>
+            <a:noFill/>
+          </a:ln>
+        </p:spPr>
+        <p:style>
+          <a:lnRef idx="2">
+            <a:schemeClr val="accent1">
+              <a:shade val="50000"/>
+            </a:schemeClr>
+          </a:lnRef>
+          <a:fillRef idx="1">
+            <a:schemeClr val="accent1"/>
+          </a:fillRef>
+          <a:effectRef idx="0">
+            <a:schemeClr val="accent1"/>
+          </a:effectRef>
+          <a:fontRef idx="minor">
+            <a:schemeClr val="lt1"/>
+          </a:fontRef>
+        </p:style>
+        <p:txBody>
+          <a:bodyPr rtlCol="0" anchor="ctr"/>
+          <a:lstStyle/>
+          <a:p>
+            <a:pPr algn="ctr" rtl="0"/>
+            <a:r>
+              <a:rPr lang="ar-SA" sz="2400" b="0" i="0" dirty="0">
+                <a:solidFill>
+                  <a:schemeClr val="accent3">
+                    <a:lumMod val="75000"/>
+                  </a:schemeClr>
+                </a:solidFill>
+                <a:effectLst/>
+                <a:latin typeface="Circular"/>
+              </a:rPr>
+              <a:t>ما الذي الهمك لعمل المشروع متشابه القرآن</a:t>
+            </a:r>
+            <a:br>
+              <a:rPr lang="ar-SA" sz="2400" b="0" i="0" dirty="0">
+                <a:solidFill>
+                  <a:schemeClr val="accent3">
+                    <a:lumMod val="75000"/>
+                  </a:schemeClr>
+                </a:solidFill>
+                <a:effectLst/>
+                <a:latin typeface="Circular"/>
+              </a:rPr>
+            </a:br>
+            <a:br>
+              <a:rPr lang="ar-SA" sz="2400" b="0" i="0" dirty="0">
+                <a:solidFill>
+                  <a:schemeClr val="accent3">
+                    <a:lumMod val="75000"/>
+                  </a:schemeClr>
+                </a:solidFill>
+                <a:effectLst/>
+                <a:latin typeface="Circular"/>
+              </a:rPr>
+            </a:br>
+            <a:r>
+              <a:rPr lang="ar-SA" sz="2400" b="0" i="0" dirty="0">
+                <a:solidFill>
+                  <a:schemeClr val="accent3">
+                    <a:lumMod val="75000"/>
+                  </a:schemeClr>
+                </a:solidFill>
+                <a:effectLst/>
+                <a:latin typeface="Circular"/>
+              </a:rPr>
+              <a:t> كان ولا زال من الإشكالات التي تواجه أيحافظ أيًّا كان عمره أو مستوى حفظه، ولم أرَ في حياتي حل تقني يساعد في حل تجاوز هذا الإشكال</a:t>
+            </a:r>
+            <a:br>
+              <a:rPr lang="ar-SA" sz="2400" b="0" i="0" dirty="0">
+                <a:solidFill>
+                  <a:schemeClr val="accent3">
+                    <a:lumMod val="75000"/>
+                  </a:schemeClr>
+                </a:solidFill>
+                <a:effectLst/>
+                <a:latin typeface="Circular"/>
+              </a:rPr>
+            </a:br>
+            <a:endParaRPr lang="ar-SA" sz="2400" b="0" i="0" dirty="0">
+              <a:solidFill>
+                <a:schemeClr val="accent3">
+                  <a:lumMod val="75000"/>
+                </a:schemeClr>
+              </a:solidFill>
+              <a:effectLst/>
+              <a:latin typeface="Circular"/>
+            </a:endParaRPr>
+          </a:p>
+          <a:p>
+            <a:pPr algn="ctr" rtl="0"/>
+            <a:r>
+              <a:rPr lang="en-US" sz="2400" b="0" i="0" dirty="0">
+                <a:solidFill>
+                  <a:schemeClr val="accent3">
+                    <a:lumMod val="75000"/>
+                  </a:schemeClr>
+                </a:solidFill>
+                <a:effectLst/>
+                <a:latin typeface="Circular"/>
+              </a:rPr>
+              <a:t>Similar verses in Quran are one of the biggest problems for the anyone who wants to memorize Quran. And I have not seen I technical solution for it.</a:t>
+            </a:r>
+          </a:p>
+        </p:txBody>
+      </p:sp>
+      <p:sp>
+        <p:nvSpPr>
+          <p:cNvPr id="19" name="Rectangle 18">
+            <a:extLst>
+              <a:ext uri="{FF2B5EF4-FFF2-40B4-BE49-F238E27FC236}">
+                <a16:creationId xmlns:a16="http://schemas.microsoft.com/office/drawing/2014/main" id="{9E756055-48DE-894C-A32E-582C46A6FE43}"/>
+              </a:ext>
+            </a:extLst>
+          </p:cNvPr>
+          <p:cNvSpPr/>
+          <p:nvPr/>
+        </p:nvSpPr>
+        <p:spPr>
+          <a:xfrm>
+            <a:off x="3679508" y="5175250"/>
+            <a:ext cx="3606800" cy="647700"/>
+          </a:xfrm>
+          <a:prstGeom prst="rect">
+            <a:avLst/>
+          </a:prstGeom>
+          <a:noFill/>
+          <a:ln>
+            <a:noFill/>
+          </a:ln>
+        </p:spPr>
+        <p:style>
+          <a:lnRef idx="2">
+            <a:schemeClr val="accent1">
+              <a:shade val="50000"/>
+            </a:schemeClr>
+          </a:lnRef>
+          <a:fillRef idx="1">
+            <a:schemeClr val="accent1"/>
+          </a:fillRef>
+          <a:effectRef idx="0">
+            <a:schemeClr val="accent1"/>
+          </a:effectRef>
+          <a:fontRef idx="minor">
+            <a:schemeClr val="lt1"/>
+          </a:fontRef>
+        </p:style>
+        <p:txBody>
+          <a:bodyPr rtlCol="0" anchor="ctr"/>
+          <a:lstStyle/>
+          <a:p>
+            <a:pPr algn="ctr" rtl="1"/>
+            <a:r>
+              <a:rPr lang="en-US" dirty="0">
+                <a:solidFill>
+                  <a:schemeClr val="tx1"/>
+                </a:solidFill>
+                <a:hlinkClick r:id="rId3"/>
+              </a:rPr>
+              <a:t>https://quranthon.demo4.dev/</a:t>
+            </a:r>
+            <a:endParaRPr lang="ar-SA" dirty="0">
+              <a:solidFill>
+                <a:schemeClr val="tx1"/>
+              </a:solidFill>
+            </a:endParaRPr>
+          </a:p>
+          <a:p>
+            <a:pPr algn="ctr" rtl="1"/>
+            <a:endParaRPr lang="ar-SA" dirty="0">
+              <a:solidFill>
+                <a:schemeClr val="tx1"/>
+              </a:solidFill>
+            </a:endParaRPr>
+          </a:p>
+        </p:txBody>
+      </p:sp>
       <p:sp>
         <p:nvSpPr>
           <p:cNvPr id="14" name="Rectangle 13">
@@ -6369,7 +9037,7 @@
         </p:nvSpPr>
         <p:spPr>
           <a:xfrm>
-            <a:off x="2522483" y="484360"/>
+            <a:off x="2676016" y="385312"/>
             <a:ext cx="6590916" cy="897716"/>
           </a:xfrm>
           <a:prstGeom prst="rect">
@@ -6429,7 +9097,7 @@
         </p:nvCxnSpPr>
         <p:spPr>
           <a:xfrm flipH="1">
-            <a:off x="3864478" y="1394775"/>
+            <a:off x="4064175" y="1394775"/>
             <a:ext cx="4213992" cy="0"/>
           </a:xfrm>
           <a:prstGeom prst="line">
@@ -6575,7 +9243,7 @@
     </p:spTree>
     <p:extLst>
       <p:ext uri="{BB962C8B-B14F-4D97-AF65-F5344CB8AC3E}">
-        <p14:creationId xmlns:p14="http://schemas.microsoft.com/office/powerpoint/2010/main" val="2062984354"/>
+        <p14:creationId xmlns:p14="http://schemas.microsoft.com/office/powerpoint/2010/main" val="3692517983"/>
       </p:ext>
     </p:extLst>
   </p:cSld>
@@ -6585,7 +9253,7 @@
 </p:sld>
 </file>
 
-<file path=ppt/slides/slide3.xml><?xml version="1.0" encoding="utf-8"?>
+<file path=ppt/slides/slide4.xml><?xml version="1.0" encoding="utf-8"?>
 <p:sld xmlns:a="http://schemas.openxmlformats.org/drawingml/2006/main" xmlns:r="http://schemas.openxmlformats.org/officeDocument/2006/relationships" xmlns:p="http://schemas.openxmlformats.org/presentationml/2006/main">
   <p:cSld>
     <p:bg>
@@ -8072,7 +10740,7 @@
 </p:sld>
 </file>
 
-<file path=ppt/slides/slide4.xml><?xml version="1.0" encoding="utf-8"?>
+<file path=ppt/slides/slide5.xml><?xml version="1.0" encoding="utf-8"?>
 <p:sld xmlns:a="http://schemas.openxmlformats.org/drawingml/2006/main" xmlns:r="http://schemas.openxmlformats.org/officeDocument/2006/relationships" xmlns:p="http://schemas.openxmlformats.org/presentationml/2006/main">
   <p:cSld>
     <p:bg>
@@ -9187,103 +11855,6 @@
           </a:p>
         </p:txBody>
       </p:sp>
-      <p:sp>
-        <p:nvSpPr>
-          <p:cNvPr id="14" name="Rectangle 13">
-            <a:extLst>
-              <a:ext uri="{FF2B5EF4-FFF2-40B4-BE49-F238E27FC236}">
-                <a16:creationId xmlns:a16="http://schemas.microsoft.com/office/drawing/2014/main" id="{0D097B9D-FE82-4A8B-9439-873AB9CFF6E9}"/>
-              </a:ext>
-            </a:extLst>
-          </p:cNvPr>
-          <p:cNvSpPr/>
-          <p:nvPr/>
-        </p:nvSpPr>
-        <p:spPr>
-          <a:xfrm>
-            <a:off x="2522483" y="484360"/>
-            <a:ext cx="6590916" cy="897716"/>
-          </a:xfrm>
-          <a:prstGeom prst="rect">
-            <a:avLst/>
-          </a:prstGeom>
-          <a:noFill/>
-          <a:ln>
-            <a:noFill/>
-          </a:ln>
-        </p:spPr>
-        <p:style>
-          <a:lnRef idx="2">
-            <a:schemeClr val="accent1">
-              <a:shade val="50000"/>
-            </a:schemeClr>
-          </a:lnRef>
-          <a:fillRef idx="1">
-            <a:schemeClr val="accent1"/>
-          </a:fillRef>
-          <a:effectRef idx="0">
-            <a:schemeClr val="accent1"/>
-          </a:effectRef>
-          <a:fontRef idx="minor">
-            <a:schemeClr val="lt1"/>
-          </a:fontRef>
-        </p:style>
-        <p:txBody>
-          <a:bodyPr rtlCol="0" anchor="ctr"/>
-          <a:lstStyle/>
-          <a:p>
-            <a:pPr algn="ctr" rtl="1"/>
-            <a:r>
-              <a:rPr lang="ar-SA" sz="6000" dirty="0">
-                <a:solidFill>
-                  <a:schemeClr val="tx1"/>
-                </a:solidFill>
-                <a:latin typeface="GE SS Text Light" panose="020A0503020102020204" pitchFamily="18" charset="-78"/>
-                <a:ea typeface="GE SS Text Light" panose="020A0503020102020204" pitchFamily="18" charset="-78"/>
-                <a:cs typeface="GE SS Text Light" panose="020A0503020102020204" pitchFamily="18" charset="-78"/>
-              </a:rPr>
-              <a:t>نظام متشابه القران </a:t>
-            </a:r>
-          </a:p>
-        </p:txBody>
-      </p:sp>
-      <p:cxnSp>
-        <p:nvCxnSpPr>
-          <p:cNvPr id="20" name="Straight Connector 19">
-            <a:extLst>
-              <a:ext uri="{FF2B5EF4-FFF2-40B4-BE49-F238E27FC236}">
-                <a16:creationId xmlns:a16="http://schemas.microsoft.com/office/drawing/2014/main" id="{AB6EE20A-9018-4DF1-B753-B3F467E0826E}"/>
-              </a:ext>
-            </a:extLst>
-          </p:cNvPr>
-          <p:cNvCxnSpPr/>
-          <p:nvPr/>
-        </p:nvCxnSpPr>
-        <p:spPr>
-          <a:xfrm flipH="1">
-            <a:off x="3864478" y="1394775"/>
-            <a:ext cx="4213992" cy="0"/>
-          </a:xfrm>
-          <a:prstGeom prst="line">
-            <a:avLst/>
-          </a:prstGeom>
-          <a:ln w="38100"/>
-        </p:spPr>
-        <p:style>
-          <a:lnRef idx="1">
-            <a:schemeClr val="dk1"/>
-          </a:lnRef>
-          <a:fillRef idx="0">
-            <a:schemeClr val="dk1"/>
-          </a:fillRef>
-          <a:effectRef idx="0">
-            <a:schemeClr val="dk1"/>
-          </a:effectRef>
-          <a:fontRef idx="minor">
-            <a:schemeClr val="tx1"/>
-          </a:fontRef>
-        </p:style>
-      </p:cxnSp>
       <p:pic>
         <p:nvPicPr>
           <p:cNvPr id="22" name="Picture 21" descr="Shape&#10;&#10;Description automatically generated">
@@ -9404,6 +11975,103 @@
           </a:prstGeom>
         </p:spPr>
       </p:pic>
+      <p:sp>
+        <p:nvSpPr>
+          <p:cNvPr id="26" name="Rectangle 25">
+            <a:extLst>
+              <a:ext uri="{FF2B5EF4-FFF2-40B4-BE49-F238E27FC236}">
+                <a16:creationId xmlns:a16="http://schemas.microsoft.com/office/drawing/2014/main" id="{0F726DDE-8B73-443E-9D17-F6C7D4EEC465}"/>
+              </a:ext>
+            </a:extLst>
+          </p:cNvPr>
+          <p:cNvSpPr/>
+          <p:nvPr/>
+        </p:nvSpPr>
+        <p:spPr>
+          <a:xfrm>
+            <a:off x="2676016" y="385312"/>
+            <a:ext cx="6590916" cy="897716"/>
+          </a:xfrm>
+          <a:prstGeom prst="rect">
+            <a:avLst/>
+          </a:prstGeom>
+          <a:noFill/>
+          <a:ln>
+            <a:noFill/>
+          </a:ln>
+        </p:spPr>
+        <p:style>
+          <a:lnRef idx="2">
+            <a:schemeClr val="accent1">
+              <a:shade val="50000"/>
+            </a:schemeClr>
+          </a:lnRef>
+          <a:fillRef idx="1">
+            <a:schemeClr val="accent1"/>
+          </a:fillRef>
+          <a:effectRef idx="0">
+            <a:schemeClr val="accent1"/>
+          </a:effectRef>
+          <a:fontRef idx="minor">
+            <a:schemeClr val="lt1"/>
+          </a:fontRef>
+        </p:style>
+        <p:txBody>
+          <a:bodyPr rtlCol="0" anchor="ctr"/>
+          <a:lstStyle/>
+          <a:p>
+            <a:pPr algn="ctr" rtl="1"/>
+            <a:r>
+              <a:rPr lang="ar-SA" sz="6000" dirty="0">
+                <a:solidFill>
+                  <a:schemeClr val="tx1"/>
+                </a:solidFill>
+                <a:latin typeface="GE SS Text Light" panose="020A0503020102020204" pitchFamily="18" charset="-78"/>
+                <a:ea typeface="GE SS Text Light" panose="020A0503020102020204" pitchFamily="18" charset="-78"/>
+                <a:cs typeface="GE SS Text Light" panose="020A0503020102020204" pitchFamily="18" charset="-78"/>
+              </a:rPr>
+              <a:t>نظام متشابه القران </a:t>
+            </a:r>
+          </a:p>
+        </p:txBody>
+      </p:sp>
+      <p:cxnSp>
+        <p:nvCxnSpPr>
+          <p:cNvPr id="27" name="Straight Connector 26">
+            <a:extLst>
+              <a:ext uri="{FF2B5EF4-FFF2-40B4-BE49-F238E27FC236}">
+                <a16:creationId xmlns:a16="http://schemas.microsoft.com/office/drawing/2014/main" id="{6B6F2A09-0D11-493D-9A79-3FF6FE13426F}"/>
+              </a:ext>
+            </a:extLst>
+          </p:cNvPr>
+          <p:cNvCxnSpPr/>
+          <p:nvPr/>
+        </p:nvCxnSpPr>
+        <p:spPr>
+          <a:xfrm flipH="1">
+            <a:off x="4064175" y="1394775"/>
+            <a:ext cx="4213992" cy="0"/>
+          </a:xfrm>
+          <a:prstGeom prst="line">
+            <a:avLst/>
+          </a:prstGeom>
+          <a:ln w="38100"/>
+        </p:spPr>
+        <p:style>
+          <a:lnRef idx="1">
+            <a:schemeClr val="dk1"/>
+          </a:lnRef>
+          <a:fillRef idx="0">
+            <a:schemeClr val="dk1"/>
+          </a:fillRef>
+          <a:effectRef idx="0">
+            <a:schemeClr val="dk1"/>
+          </a:effectRef>
+          <a:fontRef idx="minor">
+            <a:schemeClr val="tx1"/>
+          </a:fontRef>
+        </p:style>
+      </p:cxnSp>
     </p:spTree>
     <p:extLst>
       <p:ext uri="{BB962C8B-B14F-4D97-AF65-F5344CB8AC3E}">
@@ -9417,7 +12085,7 @@
 </p:sld>
 </file>
 
-<file path=ppt/slides/slide5.xml><?xml version="1.0" encoding="utf-8"?>
+<file path=ppt/slides/slide6.xml><?xml version="1.0" encoding="utf-8"?>
 <p:sld xmlns:a="http://schemas.openxmlformats.org/drawingml/2006/main" xmlns:r="http://schemas.openxmlformats.org/officeDocument/2006/relationships" xmlns:p="http://schemas.openxmlformats.org/presentationml/2006/main">
   <p:cSld>
     <p:bg>
@@ -10381,66 +13049,6 @@
       </p:sp>
       <p:sp>
         <p:nvSpPr>
-          <p:cNvPr id="2" name="Rectangle 1">
-            <a:extLst>
-              <a:ext uri="{FF2B5EF4-FFF2-40B4-BE49-F238E27FC236}">
-                <a16:creationId xmlns:a16="http://schemas.microsoft.com/office/drawing/2014/main" id="{DFB174C4-FD39-4F46-9096-C2FA076FF093}"/>
-              </a:ext>
-            </a:extLst>
-          </p:cNvPr>
-          <p:cNvSpPr/>
-          <p:nvPr/>
-        </p:nvSpPr>
-        <p:spPr>
-          <a:xfrm>
-            <a:off x="2522483" y="484360"/>
-            <a:ext cx="6590916" cy="897716"/>
-          </a:xfrm>
-          <a:prstGeom prst="rect">
-            <a:avLst/>
-          </a:prstGeom>
-          <a:noFill/>
-          <a:ln>
-            <a:noFill/>
-          </a:ln>
-        </p:spPr>
-        <p:style>
-          <a:lnRef idx="2">
-            <a:schemeClr val="accent1">
-              <a:shade val="50000"/>
-            </a:schemeClr>
-          </a:lnRef>
-          <a:fillRef idx="1">
-            <a:schemeClr val="accent1"/>
-          </a:fillRef>
-          <a:effectRef idx="0">
-            <a:schemeClr val="accent1"/>
-          </a:effectRef>
-          <a:fontRef idx="minor">
-            <a:schemeClr val="lt1"/>
-          </a:fontRef>
-        </p:style>
-        <p:txBody>
-          <a:bodyPr rtlCol="0" anchor="ctr"/>
-          <a:lstStyle/>
-          <a:p>
-            <a:pPr algn="ctr" rtl="1"/>
-            <a:r>
-              <a:rPr lang="ar-SA" sz="6000" dirty="0">
-                <a:solidFill>
-                  <a:schemeClr val="tx1"/>
-                </a:solidFill>
-                <a:latin typeface="GE SS Text Light" panose="020A0503020102020204" pitchFamily="18" charset="-78"/>
-                <a:ea typeface="GE SS Text Light" panose="020A0503020102020204" pitchFamily="18" charset="-78"/>
-                <a:cs typeface="GE SS Text Light" panose="020A0503020102020204" pitchFamily="18" charset="-78"/>
-              </a:rPr>
-              <a:t>نظام متشابه القران </a:t>
-            </a:r>
-          </a:p>
-        </p:txBody>
-      </p:sp>
-      <p:sp>
-        <p:nvSpPr>
           <p:cNvPr id="9" name="Rectangle 8">
             <a:extLst>
               <a:ext uri="{FF2B5EF4-FFF2-40B4-BE49-F238E27FC236}">
@@ -10453,8 +13061,8 @@
         </p:nvSpPr>
         <p:spPr>
           <a:xfrm>
-            <a:off x="2031168" y="1686561"/>
-            <a:ext cx="7344181" cy="4167155"/>
+            <a:off x="861848" y="1686561"/>
+            <a:ext cx="9948254" cy="4167155"/>
           </a:xfrm>
           <a:prstGeom prst="rect">
             <a:avLst/>
@@ -10616,43 +13224,6 @@
           </a:p>
         </p:txBody>
       </p:sp>
-      <p:cxnSp>
-        <p:nvCxnSpPr>
-          <p:cNvPr id="4" name="Straight Connector 3">
-            <a:extLst>
-              <a:ext uri="{FF2B5EF4-FFF2-40B4-BE49-F238E27FC236}">
-                <a16:creationId xmlns:a16="http://schemas.microsoft.com/office/drawing/2014/main" id="{3B2A0225-A2C0-054A-9D1D-74D3B09A83C6}"/>
-              </a:ext>
-            </a:extLst>
-          </p:cNvPr>
-          <p:cNvCxnSpPr/>
-          <p:nvPr/>
-        </p:nvCxnSpPr>
-        <p:spPr>
-          <a:xfrm flipH="1">
-            <a:off x="3864478" y="1394775"/>
-            <a:ext cx="4213992" cy="0"/>
-          </a:xfrm>
-          <a:prstGeom prst="line">
-            <a:avLst/>
-          </a:prstGeom>
-          <a:ln w="38100"/>
-        </p:spPr>
-        <p:style>
-          <a:lnRef idx="1">
-            <a:schemeClr val="dk1"/>
-          </a:lnRef>
-          <a:fillRef idx="0">
-            <a:schemeClr val="dk1"/>
-          </a:fillRef>
-          <a:effectRef idx="0">
-            <a:schemeClr val="dk1"/>
-          </a:effectRef>
-          <a:fontRef idx="minor">
-            <a:schemeClr val="tx1"/>
-          </a:fontRef>
-        </p:style>
-      </p:cxnSp>
       <p:sp>
         <p:nvSpPr>
           <p:cNvPr id="19" name="Rectangle 18">
@@ -10844,6 +13415,103 @@
           </a:prstGeom>
         </p:spPr>
       </p:pic>
+      <p:sp>
+        <p:nvSpPr>
+          <p:cNvPr id="24" name="Rectangle 23">
+            <a:extLst>
+              <a:ext uri="{FF2B5EF4-FFF2-40B4-BE49-F238E27FC236}">
+                <a16:creationId xmlns:a16="http://schemas.microsoft.com/office/drawing/2014/main" id="{CC0F4BDD-F1B9-4523-BC3E-29CB3ABAFD86}"/>
+              </a:ext>
+            </a:extLst>
+          </p:cNvPr>
+          <p:cNvSpPr/>
+          <p:nvPr/>
+        </p:nvSpPr>
+        <p:spPr>
+          <a:xfrm>
+            <a:off x="2676016" y="385312"/>
+            <a:ext cx="6590916" cy="897716"/>
+          </a:xfrm>
+          <a:prstGeom prst="rect">
+            <a:avLst/>
+          </a:prstGeom>
+          <a:noFill/>
+          <a:ln>
+            <a:noFill/>
+          </a:ln>
+        </p:spPr>
+        <p:style>
+          <a:lnRef idx="2">
+            <a:schemeClr val="accent1">
+              <a:shade val="50000"/>
+            </a:schemeClr>
+          </a:lnRef>
+          <a:fillRef idx="1">
+            <a:schemeClr val="accent1"/>
+          </a:fillRef>
+          <a:effectRef idx="0">
+            <a:schemeClr val="accent1"/>
+          </a:effectRef>
+          <a:fontRef idx="minor">
+            <a:schemeClr val="lt1"/>
+          </a:fontRef>
+        </p:style>
+        <p:txBody>
+          <a:bodyPr rtlCol="0" anchor="ctr"/>
+          <a:lstStyle/>
+          <a:p>
+            <a:pPr algn="ctr" rtl="1"/>
+            <a:r>
+              <a:rPr lang="ar-SA" sz="6000" dirty="0">
+                <a:solidFill>
+                  <a:schemeClr val="tx1"/>
+                </a:solidFill>
+                <a:latin typeface="GE SS Text Light" panose="020A0503020102020204" pitchFamily="18" charset="-78"/>
+                <a:ea typeface="GE SS Text Light" panose="020A0503020102020204" pitchFamily="18" charset="-78"/>
+                <a:cs typeface="GE SS Text Light" panose="020A0503020102020204" pitchFamily="18" charset="-78"/>
+              </a:rPr>
+              <a:t>نظام متشابه القران </a:t>
+            </a:r>
+          </a:p>
+        </p:txBody>
+      </p:sp>
+      <p:cxnSp>
+        <p:nvCxnSpPr>
+          <p:cNvPr id="25" name="Straight Connector 24">
+            <a:extLst>
+              <a:ext uri="{FF2B5EF4-FFF2-40B4-BE49-F238E27FC236}">
+                <a16:creationId xmlns:a16="http://schemas.microsoft.com/office/drawing/2014/main" id="{630D18BB-127C-4C44-A83C-7011014082D3}"/>
+              </a:ext>
+            </a:extLst>
+          </p:cNvPr>
+          <p:cNvCxnSpPr/>
+          <p:nvPr/>
+        </p:nvCxnSpPr>
+        <p:spPr>
+          <a:xfrm flipH="1">
+            <a:off x="4064175" y="1394775"/>
+            <a:ext cx="4213992" cy="0"/>
+          </a:xfrm>
+          <a:prstGeom prst="line">
+            <a:avLst/>
+          </a:prstGeom>
+          <a:ln w="38100"/>
+        </p:spPr>
+        <p:style>
+          <a:lnRef idx="1">
+            <a:schemeClr val="dk1"/>
+          </a:lnRef>
+          <a:fillRef idx="0">
+            <a:schemeClr val="dk1"/>
+          </a:fillRef>
+          <a:effectRef idx="0">
+            <a:schemeClr val="dk1"/>
+          </a:effectRef>
+          <a:fontRef idx="minor">
+            <a:schemeClr val="tx1"/>
+          </a:fontRef>
+        </p:style>
+      </p:cxnSp>
     </p:spTree>
     <p:extLst>
       <p:ext uri="{BB962C8B-B14F-4D97-AF65-F5344CB8AC3E}">
@@ -10857,7 +13525,7 @@
 </p:sld>
 </file>
 
-<file path=ppt/slides/slide6.xml><?xml version="1.0" encoding="utf-8"?>
+<file path=ppt/slides/slide7.xml><?xml version="1.0" encoding="utf-8"?>
 <p:sld xmlns:a="http://schemas.openxmlformats.org/drawingml/2006/main" xmlns:r="http://schemas.openxmlformats.org/officeDocument/2006/relationships" xmlns:p="http://schemas.openxmlformats.org/presentationml/2006/main">
   <p:cSld>
     <p:bg>
@@ -13224,7 +15892,7 @@
         </p:nvSpPr>
         <p:spPr>
           <a:xfrm>
-            <a:off x="3554315" y="-22987"/>
+            <a:off x="3917950" y="-117088"/>
             <a:ext cx="4356100" cy="1701800"/>
           </a:xfrm>
           <a:prstGeom prst="rect">
@@ -13403,7 +16071,7 @@
 </p:sld>
 </file>
 
-<file path=ppt/slides/slide7.xml><?xml version="1.0" encoding="utf-8"?>
+<file path=ppt/slides/slide8.xml><?xml version="1.0" encoding="utf-8"?>
 <p:sld xmlns:a="http://schemas.openxmlformats.org/drawingml/2006/main" xmlns:r="http://schemas.openxmlformats.org/officeDocument/2006/relationships" xmlns:p="http://schemas.openxmlformats.org/presentationml/2006/main">
   <p:cSld>
     <p:bg>
@@ -13430,6 +16098,941 @@
           <a:chExt cx="0" cy="0"/>
         </a:xfrm>
       </p:grpSpPr>
+      <p:sp>
+        <p:nvSpPr>
+          <p:cNvPr id="43" name="Freeform 40">
+            <a:extLst>
+              <a:ext uri="{FF2B5EF4-FFF2-40B4-BE49-F238E27FC236}">
+                <a16:creationId xmlns:a16="http://schemas.microsoft.com/office/drawing/2014/main" id="{9391B291-BA20-47C9-9007-2EF12089BA27}"/>
+              </a:ext>
+            </a:extLst>
+          </p:cNvPr>
+          <p:cNvSpPr>
+            <a:spLocks noChangeArrowheads="1"/>
+          </p:cNvSpPr>
+          <p:nvPr/>
+        </p:nvSpPr>
+        <p:spPr bwMode="auto">
+          <a:xfrm rot="11825610">
+            <a:off x="-4873768" y="-208990"/>
+            <a:ext cx="11767008" cy="5664104"/>
+          </a:xfrm>
+          <a:custGeom>
+            <a:avLst/>
+            <a:gdLst>
+              <a:gd name="connsiteX0" fmla="*/ 11264585 w 23534016"/>
+              <a:gd name="connsiteY0" fmla="*/ 9912566 h 11328207"/>
+              <a:gd name="connsiteX1" fmla="*/ 11605793 w 23534016"/>
+              <a:gd name="connsiteY1" fmla="*/ 10554301 h 11328207"/>
+              <a:gd name="connsiteX2" fmla="*/ 10831887 w 23534016"/>
+              <a:gd name="connsiteY2" fmla="*/ 11328207 h 11328207"/>
+              <a:gd name="connsiteX3" fmla="*/ 10736635 w 23534016"/>
+              <a:gd name="connsiteY3" fmla="*/ 11328207 h 11328207"/>
+              <a:gd name="connsiteX4" fmla="*/ 9962731 w 23534016"/>
+              <a:gd name="connsiteY4" fmla="*/ 10554301 h 11328207"/>
+              <a:gd name="connsiteX5" fmla="*/ 10736635 w 23534016"/>
+              <a:gd name="connsiteY5" fmla="*/ 9780395 h 11328207"/>
+              <a:gd name="connsiteX6" fmla="*/ 10831887 w 23534016"/>
+              <a:gd name="connsiteY6" fmla="*/ 9780395 h 11328207"/>
+              <a:gd name="connsiteX7" fmla="*/ 11264585 w 23534016"/>
+              <a:gd name="connsiteY7" fmla="*/ 9912566 h 11328207"/>
+              <a:gd name="connsiteX8" fmla="*/ 1179542 w 23534016"/>
+              <a:gd name="connsiteY8" fmla="*/ 3328153 h 11328207"/>
+              <a:gd name="connsiteX9" fmla="*/ 1401765 w 23534016"/>
+              <a:gd name="connsiteY9" fmla="*/ 3746104 h 11328207"/>
+              <a:gd name="connsiteX10" fmla="*/ 1401764 w 23534016"/>
+              <a:gd name="connsiteY10" fmla="*/ 3746104 h 11328207"/>
+              <a:gd name="connsiteX11" fmla="*/ 897732 w 23534016"/>
+              <a:gd name="connsiteY11" fmla="*/ 4250136 h 11328207"/>
+              <a:gd name="connsiteX12" fmla="*/ 504033 w 23534016"/>
+              <a:gd name="connsiteY12" fmla="*/ 4250135 h 11328207"/>
+              <a:gd name="connsiteX13" fmla="*/ 1 w 23534016"/>
+              <a:gd name="connsiteY13" fmla="*/ 3746103 h 11328207"/>
+              <a:gd name="connsiteX14" fmla="*/ 0 w 23534016"/>
+              <a:gd name="connsiteY14" fmla="*/ 3746103 h 11328207"/>
+              <a:gd name="connsiteX15" fmla="*/ 504032 w 23534016"/>
+              <a:gd name="connsiteY15" fmla="*/ 3242072 h 11328207"/>
+              <a:gd name="connsiteX16" fmla="*/ 897733 w 23534016"/>
+              <a:gd name="connsiteY16" fmla="*/ 3242072 h 11328207"/>
+              <a:gd name="connsiteX17" fmla="*/ 1179542 w 23534016"/>
+              <a:gd name="connsiteY17" fmla="*/ 3328153 h 11328207"/>
+              <a:gd name="connsiteX18" fmla="*/ 9733515 w 23534016"/>
+              <a:gd name="connsiteY18" fmla="*/ 6613367 h 11328207"/>
+              <a:gd name="connsiteX19" fmla="*/ 9955739 w 23534016"/>
+              <a:gd name="connsiteY19" fmla="*/ 7031319 h 11328207"/>
+              <a:gd name="connsiteX20" fmla="*/ 9955739 w 23534016"/>
+              <a:gd name="connsiteY20" fmla="*/ 7031319 h 11328207"/>
+              <a:gd name="connsiteX21" fmla="*/ 9451707 w 23534016"/>
+              <a:gd name="connsiteY21" fmla="*/ 7535351 h 11328207"/>
+              <a:gd name="connsiteX22" fmla="*/ 9058008 w 23534016"/>
+              <a:gd name="connsiteY22" fmla="*/ 7535350 h 11328207"/>
+              <a:gd name="connsiteX23" fmla="*/ 8553975 w 23534016"/>
+              <a:gd name="connsiteY23" fmla="*/ 7031318 h 11328207"/>
+              <a:gd name="connsiteX24" fmla="*/ 8553975 w 23534016"/>
+              <a:gd name="connsiteY24" fmla="*/ 7031318 h 11328207"/>
+              <a:gd name="connsiteX25" fmla="*/ 9058007 w 23534016"/>
+              <a:gd name="connsiteY25" fmla="*/ 6527286 h 11328207"/>
+              <a:gd name="connsiteX26" fmla="*/ 9451706 w 23534016"/>
+              <a:gd name="connsiteY26" fmla="*/ 6527286 h 11328207"/>
+              <a:gd name="connsiteX27" fmla="*/ 9733515 w 23534016"/>
+              <a:gd name="connsiteY27" fmla="*/ 6613367 h 11328207"/>
+              <a:gd name="connsiteX28" fmla="*/ 8928022 w 23534016"/>
+              <a:gd name="connsiteY28" fmla="*/ 3340367 h 11328207"/>
+              <a:gd name="connsiteX29" fmla="*/ 9150244 w 23534016"/>
+              <a:gd name="connsiteY29" fmla="*/ 3758318 h 11328207"/>
+              <a:gd name="connsiteX30" fmla="*/ 9150244 w 23534016"/>
+              <a:gd name="connsiteY30" fmla="*/ 3758318 h 11328207"/>
+              <a:gd name="connsiteX31" fmla="*/ 8646212 w 23534016"/>
+              <a:gd name="connsiteY31" fmla="*/ 4262350 h 11328207"/>
+              <a:gd name="connsiteX32" fmla="*/ 2350189 w 23534016"/>
+              <a:gd name="connsiteY32" fmla="*/ 4262349 h 11328207"/>
+              <a:gd name="connsiteX33" fmla="*/ 1846156 w 23534016"/>
+              <a:gd name="connsiteY33" fmla="*/ 3758316 h 11328207"/>
+              <a:gd name="connsiteX34" fmla="*/ 1846157 w 23534016"/>
+              <a:gd name="connsiteY34" fmla="*/ 3758317 h 11328207"/>
+              <a:gd name="connsiteX35" fmla="*/ 2350189 w 23534016"/>
+              <a:gd name="connsiteY35" fmla="*/ 3254285 h 11328207"/>
+              <a:gd name="connsiteX36" fmla="*/ 8646213 w 23534016"/>
+              <a:gd name="connsiteY36" fmla="*/ 3254286 h 11328207"/>
+              <a:gd name="connsiteX37" fmla="*/ 8928022 w 23534016"/>
+              <a:gd name="connsiteY37" fmla="*/ 3340367 h 11328207"/>
+              <a:gd name="connsiteX38" fmla="*/ 15324339 w 23534016"/>
+              <a:gd name="connsiteY38" fmla="*/ 6624950 h 11328207"/>
+              <a:gd name="connsiteX39" fmla="*/ 15546562 w 23534016"/>
+              <a:gd name="connsiteY39" fmla="*/ 7042900 h 11328207"/>
+              <a:gd name="connsiteX40" fmla="*/ 15042530 w 23534016"/>
+              <a:gd name="connsiteY40" fmla="*/ 7546931 h 11328207"/>
+              <a:gd name="connsiteX41" fmla="*/ 10905505 w 23534016"/>
+              <a:gd name="connsiteY41" fmla="*/ 7546930 h 11328207"/>
+              <a:gd name="connsiteX42" fmla="*/ 10401474 w 23534016"/>
+              <a:gd name="connsiteY42" fmla="*/ 7042899 h 11328207"/>
+              <a:gd name="connsiteX43" fmla="*/ 10905505 w 23534016"/>
+              <a:gd name="connsiteY43" fmla="*/ 6538868 h 11328207"/>
+              <a:gd name="connsiteX44" fmla="*/ 15042530 w 23534016"/>
+              <a:gd name="connsiteY44" fmla="*/ 6538869 h 11328207"/>
+              <a:gd name="connsiteX45" fmla="*/ 15324339 w 23534016"/>
+              <a:gd name="connsiteY45" fmla="*/ 6624950 h 11328207"/>
+              <a:gd name="connsiteX46" fmla="*/ 23192458 w 23534016"/>
+              <a:gd name="connsiteY46" fmla="*/ 8064785 h 11328207"/>
+              <a:gd name="connsiteX47" fmla="*/ 23534016 w 23534016"/>
+              <a:gd name="connsiteY47" fmla="*/ 8707179 h 11328207"/>
+              <a:gd name="connsiteX48" fmla="*/ 22759316 w 23534016"/>
+              <a:gd name="connsiteY48" fmla="*/ 9481878 h 11328207"/>
+              <a:gd name="connsiteX49" fmla="*/ 8228929 w 23534016"/>
+              <a:gd name="connsiteY49" fmla="*/ 9481877 h 11328207"/>
+              <a:gd name="connsiteX50" fmla="*/ 7454228 w 23534016"/>
+              <a:gd name="connsiteY50" fmla="*/ 8707176 h 11328207"/>
+              <a:gd name="connsiteX51" fmla="*/ 8228928 w 23534016"/>
+              <a:gd name="connsiteY51" fmla="*/ 7932477 h 11328207"/>
+              <a:gd name="connsiteX52" fmla="*/ 22759315 w 23534016"/>
+              <a:gd name="connsiteY52" fmla="*/ 7932478 h 11328207"/>
+              <a:gd name="connsiteX53" fmla="*/ 23192458 w 23534016"/>
+              <a:gd name="connsiteY53" fmla="*/ 8064785 h 11328207"/>
+              <a:gd name="connsiteX54" fmla="*/ 9947589 w 23534016"/>
+              <a:gd name="connsiteY54" fmla="*/ 86081 h 11328207"/>
+              <a:gd name="connsiteX55" fmla="*/ 10169812 w 23534016"/>
+              <a:gd name="connsiteY55" fmla="*/ 504032 h 11328207"/>
+              <a:gd name="connsiteX56" fmla="*/ 10169811 w 23534016"/>
+              <a:gd name="connsiteY56" fmla="*/ 504032 h 11328207"/>
+              <a:gd name="connsiteX57" fmla="*/ 9665779 w 23534016"/>
+              <a:gd name="connsiteY57" fmla="*/ 1008064 h 11328207"/>
+              <a:gd name="connsiteX58" fmla="*/ 2447418 w 23534016"/>
+              <a:gd name="connsiteY58" fmla="*/ 1008063 h 11328207"/>
+              <a:gd name="connsiteX59" fmla="*/ 1943386 w 23534016"/>
+              <a:gd name="connsiteY59" fmla="*/ 504031 h 11328207"/>
+              <a:gd name="connsiteX60" fmla="*/ 1943385 w 23534016"/>
+              <a:gd name="connsiteY60" fmla="*/ 504031 h 11328207"/>
+              <a:gd name="connsiteX61" fmla="*/ 2447417 w 23534016"/>
+              <a:gd name="connsiteY61" fmla="*/ 0 h 11328207"/>
+              <a:gd name="connsiteX62" fmla="*/ 9665780 w 23534016"/>
+              <a:gd name="connsiteY62" fmla="*/ 0 h 11328207"/>
+              <a:gd name="connsiteX63" fmla="*/ 9947589 w 23534016"/>
+              <a:gd name="connsiteY63" fmla="*/ 86081 h 11328207"/>
+              <a:gd name="connsiteX64" fmla="*/ 16576520 w 23534016"/>
+              <a:gd name="connsiteY64" fmla="*/ 3400992 h 11328207"/>
+              <a:gd name="connsiteX65" fmla="*/ 16798742 w 23534016"/>
+              <a:gd name="connsiteY65" fmla="*/ 3818943 h 11328207"/>
+              <a:gd name="connsiteX66" fmla="*/ 16798742 w 23534016"/>
+              <a:gd name="connsiteY66" fmla="*/ 3818943 h 11328207"/>
+              <a:gd name="connsiteX67" fmla="*/ 16294710 w 23534016"/>
+              <a:gd name="connsiteY67" fmla="*/ 4322975 h 11328207"/>
+              <a:gd name="connsiteX68" fmla="*/ 9998686 w 23534016"/>
+              <a:gd name="connsiteY68" fmla="*/ 4322974 h 11328207"/>
+              <a:gd name="connsiteX69" fmla="*/ 9494655 w 23534016"/>
+              <a:gd name="connsiteY69" fmla="*/ 3818942 h 11328207"/>
+              <a:gd name="connsiteX70" fmla="*/ 9494655 w 23534016"/>
+              <a:gd name="connsiteY70" fmla="*/ 3818943 h 11328207"/>
+              <a:gd name="connsiteX71" fmla="*/ 9998687 w 23534016"/>
+              <a:gd name="connsiteY71" fmla="*/ 3314911 h 11328207"/>
+              <a:gd name="connsiteX72" fmla="*/ 16294711 w 23534016"/>
+              <a:gd name="connsiteY72" fmla="*/ 3314911 h 11328207"/>
+              <a:gd name="connsiteX73" fmla="*/ 16576520 w 23534016"/>
+              <a:gd name="connsiteY73" fmla="*/ 3400992 h 11328207"/>
+              <a:gd name="connsiteX74" fmla="*/ 20515471 w 23534016"/>
+              <a:gd name="connsiteY74" fmla="*/ 4777198 h 11328207"/>
+              <a:gd name="connsiteX75" fmla="*/ 20856681 w 23534016"/>
+              <a:gd name="connsiteY75" fmla="*/ 5418935 h 11328207"/>
+              <a:gd name="connsiteX76" fmla="*/ 20856679 w 23534016"/>
+              <a:gd name="connsiteY76" fmla="*/ 5418934 h 11328207"/>
+              <a:gd name="connsiteX77" fmla="*/ 20082773 w 23534016"/>
+              <a:gd name="connsiteY77" fmla="*/ 6192842 h 11328207"/>
+              <a:gd name="connsiteX78" fmla="*/ 3780736 w 23534016"/>
+              <a:gd name="connsiteY78" fmla="*/ 6192840 h 11328207"/>
+              <a:gd name="connsiteX79" fmla="*/ 3006829 w 23534016"/>
+              <a:gd name="connsiteY79" fmla="*/ 5418932 h 11328207"/>
+              <a:gd name="connsiteX80" fmla="*/ 3006829 w 23534016"/>
+              <a:gd name="connsiteY80" fmla="*/ 5418933 h 11328207"/>
+              <a:gd name="connsiteX81" fmla="*/ 3780735 w 23534016"/>
+              <a:gd name="connsiteY81" fmla="*/ 4645026 h 11328207"/>
+              <a:gd name="connsiteX82" fmla="*/ 20082772 w 23534016"/>
+              <a:gd name="connsiteY82" fmla="*/ 4645027 h 11328207"/>
+              <a:gd name="connsiteX83" fmla="*/ 20515471 w 23534016"/>
+              <a:gd name="connsiteY83" fmla="*/ 4777198 h 11328207"/>
+              <a:gd name="connsiteX84" fmla="*/ 15080250 w 23534016"/>
+              <a:gd name="connsiteY84" fmla="*/ 1483266 h 11328207"/>
+              <a:gd name="connsiteX85" fmla="*/ 15421458 w 23534016"/>
+              <a:gd name="connsiteY85" fmla="*/ 2125002 h 11328207"/>
+              <a:gd name="connsiteX86" fmla="*/ 15421458 w 23534016"/>
+              <a:gd name="connsiteY86" fmla="*/ 2125003 h 11328207"/>
+              <a:gd name="connsiteX87" fmla="*/ 14647550 w 23534016"/>
+              <a:gd name="connsiteY87" fmla="*/ 2898909 h 11328207"/>
+              <a:gd name="connsiteX88" fmla="*/ 5471802 w 23534016"/>
+              <a:gd name="connsiteY88" fmla="*/ 2898908 h 11328207"/>
+              <a:gd name="connsiteX89" fmla="*/ 4697895 w 23534016"/>
+              <a:gd name="connsiteY89" fmla="*/ 2125001 h 11328207"/>
+              <a:gd name="connsiteX90" fmla="*/ 4697895 w 23534016"/>
+              <a:gd name="connsiteY90" fmla="*/ 2125002 h 11328207"/>
+              <a:gd name="connsiteX91" fmla="*/ 5471802 w 23534016"/>
+              <a:gd name="connsiteY91" fmla="*/ 1351096 h 11328207"/>
+              <a:gd name="connsiteX92" fmla="*/ 14647551 w 23534016"/>
+              <a:gd name="connsiteY92" fmla="*/ 1351096 h 11328207"/>
+              <a:gd name="connsiteX93" fmla="*/ 15080250 w 23534016"/>
+              <a:gd name="connsiteY93" fmla="*/ 1483266 h 11328207"/>
+            </a:gdLst>
+            <a:ahLst/>
+            <a:cxnLst>
+              <a:cxn ang="0">
+                <a:pos x="connsiteX0" y="connsiteY0"/>
+              </a:cxn>
+              <a:cxn ang="0">
+                <a:pos x="connsiteX1" y="connsiteY1"/>
+              </a:cxn>
+              <a:cxn ang="0">
+                <a:pos x="connsiteX2" y="connsiteY2"/>
+              </a:cxn>
+              <a:cxn ang="0">
+                <a:pos x="connsiteX3" y="connsiteY3"/>
+              </a:cxn>
+              <a:cxn ang="0">
+                <a:pos x="connsiteX4" y="connsiteY4"/>
+              </a:cxn>
+              <a:cxn ang="0">
+                <a:pos x="connsiteX5" y="connsiteY5"/>
+              </a:cxn>
+              <a:cxn ang="0">
+                <a:pos x="connsiteX6" y="connsiteY6"/>
+              </a:cxn>
+              <a:cxn ang="0">
+                <a:pos x="connsiteX7" y="connsiteY7"/>
+              </a:cxn>
+              <a:cxn ang="0">
+                <a:pos x="connsiteX8" y="connsiteY8"/>
+              </a:cxn>
+              <a:cxn ang="0">
+                <a:pos x="connsiteX9" y="connsiteY9"/>
+              </a:cxn>
+              <a:cxn ang="0">
+                <a:pos x="connsiteX10" y="connsiteY10"/>
+              </a:cxn>
+              <a:cxn ang="0">
+                <a:pos x="connsiteX11" y="connsiteY11"/>
+              </a:cxn>
+              <a:cxn ang="0">
+                <a:pos x="connsiteX12" y="connsiteY12"/>
+              </a:cxn>
+              <a:cxn ang="0">
+                <a:pos x="connsiteX13" y="connsiteY13"/>
+              </a:cxn>
+              <a:cxn ang="0">
+                <a:pos x="connsiteX14" y="connsiteY14"/>
+              </a:cxn>
+              <a:cxn ang="0">
+                <a:pos x="connsiteX15" y="connsiteY15"/>
+              </a:cxn>
+              <a:cxn ang="0">
+                <a:pos x="connsiteX16" y="connsiteY16"/>
+              </a:cxn>
+              <a:cxn ang="0">
+                <a:pos x="connsiteX17" y="connsiteY17"/>
+              </a:cxn>
+              <a:cxn ang="0">
+                <a:pos x="connsiteX18" y="connsiteY18"/>
+              </a:cxn>
+              <a:cxn ang="0">
+                <a:pos x="connsiteX19" y="connsiteY19"/>
+              </a:cxn>
+              <a:cxn ang="0">
+                <a:pos x="connsiteX20" y="connsiteY20"/>
+              </a:cxn>
+              <a:cxn ang="0">
+                <a:pos x="connsiteX21" y="connsiteY21"/>
+              </a:cxn>
+              <a:cxn ang="0">
+                <a:pos x="connsiteX22" y="connsiteY22"/>
+              </a:cxn>
+              <a:cxn ang="0">
+                <a:pos x="connsiteX23" y="connsiteY23"/>
+              </a:cxn>
+              <a:cxn ang="0">
+                <a:pos x="connsiteX24" y="connsiteY24"/>
+              </a:cxn>
+              <a:cxn ang="0">
+                <a:pos x="connsiteX25" y="connsiteY25"/>
+              </a:cxn>
+              <a:cxn ang="0">
+                <a:pos x="connsiteX26" y="connsiteY26"/>
+              </a:cxn>
+              <a:cxn ang="0">
+                <a:pos x="connsiteX27" y="connsiteY27"/>
+              </a:cxn>
+              <a:cxn ang="0">
+                <a:pos x="connsiteX28" y="connsiteY28"/>
+              </a:cxn>
+              <a:cxn ang="0">
+                <a:pos x="connsiteX29" y="connsiteY29"/>
+              </a:cxn>
+              <a:cxn ang="0">
+                <a:pos x="connsiteX30" y="connsiteY30"/>
+              </a:cxn>
+              <a:cxn ang="0">
+                <a:pos x="connsiteX31" y="connsiteY31"/>
+              </a:cxn>
+              <a:cxn ang="0">
+                <a:pos x="connsiteX32" y="connsiteY32"/>
+              </a:cxn>
+              <a:cxn ang="0">
+                <a:pos x="connsiteX33" y="connsiteY33"/>
+              </a:cxn>
+              <a:cxn ang="0">
+                <a:pos x="connsiteX34" y="connsiteY34"/>
+              </a:cxn>
+              <a:cxn ang="0">
+                <a:pos x="connsiteX35" y="connsiteY35"/>
+              </a:cxn>
+              <a:cxn ang="0">
+                <a:pos x="connsiteX36" y="connsiteY36"/>
+              </a:cxn>
+              <a:cxn ang="0">
+                <a:pos x="connsiteX37" y="connsiteY37"/>
+              </a:cxn>
+              <a:cxn ang="0">
+                <a:pos x="connsiteX38" y="connsiteY38"/>
+              </a:cxn>
+              <a:cxn ang="0">
+                <a:pos x="connsiteX39" y="connsiteY39"/>
+              </a:cxn>
+              <a:cxn ang="0">
+                <a:pos x="connsiteX40" y="connsiteY40"/>
+              </a:cxn>
+              <a:cxn ang="0">
+                <a:pos x="connsiteX41" y="connsiteY41"/>
+              </a:cxn>
+              <a:cxn ang="0">
+                <a:pos x="connsiteX42" y="connsiteY42"/>
+              </a:cxn>
+              <a:cxn ang="0">
+                <a:pos x="connsiteX43" y="connsiteY43"/>
+              </a:cxn>
+              <a:cxn ang="0">
+                <a:pos x="connsiteX44" y="connsiteY44"/>
+              </a:cxn>
+              <a:cxn ang="0">
+                <a:pos x="connsiteX45" y="connsiteY45"/>
+              </a:cxn>
+              <a:cxn ang="0">
+                <a:pos x="connsiteX46" y="connsiteY46"/>
+              </a:cxn>
+              <a:cxn ang="0">
+                <a:pos x="connsiteX47" y="connsiteY47"/>
+              </a:cxn>
+              <a:cxn ang="0">
+                <a:pos x="connsiteX48" y="connsiteY48"/>
+              </a:cxn>
+              <a:cxn ang="0">
+                <a:pos x="connsiteX49" y="connsiteY49"/>
+              </a:cxn>
+              <a:cxn ang="0">
+                <a:pos x="connsiteX50" y="connsiteY50"/>
+              </a:cxn>
+              <a:cxn ang="0">
+                <a:pos x="connsiteX51" y="connsiteY51"/>
+              </a:cxn>
+              <a:cxn ang="0">
+                <a:pos x="connsiteX52" y="connsiteY52"/>
+              </a:cxn>
+              <a:cxn ang="0">
+                <a:pos x="connsiteX53" y="connsiteY53"/>
+              </a:cxn>
+              <a:cxn ang="0">
+                <a:pos x="connsiteX54" y="connsiteY54"/>
+              </a:cxn>
+              <a:cxn ang="0">
+                <a:pos x="connsiteX55" y="connsiteY55"/>
+              </a:cxn>
+              <a:cxn ang="0">
+                <a:pos x="connsiteX56" y="connsiteY56"/>
+              </a:cxn>
+              <a:cxn ang="0">
+                <a:pos x="connsiteX57" y="connsiteY57"/>
+              </a:cxn>
+              <a:cxn ang="0">
+                <a:pos x="connsiteX58" y="connsiteY58"/>
+              </a:cxn>
+              <a:cxn ang="0">
+                <a:pos x="connsiteX59" y="connsiteY59"/>
+              </a:cxn>
+              <a:cxn ang="0">
+                <a:pos x="connsiteX60" y="connsiteY60"/>
+              </a:cxn>
+              <a:cxn ang="0">
+                <a:pos x="connsiteX61" y="connsiteY61"/>
+              </a:cxn>
+              <a:cxn ang="0">
+                <a:pos x="connsiteX62" y="connsiteY62"/>
+              </a:cxn>
+              <a:cxn ang="0">
+                <a:pos x="connsiteX63" y="connsiteY63"/>
+              </a:cxn>
+              <a:cxn ang="0">
+                <a:pos x="connsiteX64" y="connsiteY64"/>
+              </a:cxn>
+              <a:cxn ang="0">
+                <a:pos x="connsiteX65" y="connsiteY65"/>
+              </a:cxn>
+              <a:cxn ang="0">
+                <a:pos x="connsiteX66" y="connsiteY66"/>
+              </a:cxn>
+              <a:cxn ang="0">
+                <a:pos x="connsiteX67" y="connsiteY67"/>
+              </a:cxn>
+              <a:cxn ang="0">
+                <a:pos x="connsiteX68" y="connsiteY68"/>
+              </a:cxn>
+              <a:cxn ang="0">
+                <a:pos x="connsiteX69" y="connsiteY69"/>
+              </a:cxn>
+              <a:cxn ang="0">
+                <a:pos x="connsiteX70" y="connsiteY70"/>
+              </a:cxn>
+              <a:cxn ang="0">
+                <a:pos x="connsiteX71" y="connsiteY71"/>
+              </a:cxn>
+              <a:cxn ang="0">
+                <a:pos x="connsiteX72" y="connsiteY72"/>
+              </a:cxn>
+              <a:cxn ang="0">
+                <a:pos x="connsiteX73" y="connsiteY73"/>
+              </a:cxn>
+              <a:cxn ang="0">
+                <a:pos x="connsiteX74" y="connsiteY74"/>
+              </a:cxn>
+              <a:cxn ang="0">
+                <a:pos x="connsiteX75" y="connsiteY75"/>
+              </a:cxn>
+              <a:cxn ang="0">
+                <a:pos x="connsiteX76" y="connsiteY76"/>
+              </a:cxn>
+              <a:cxn ang="0">
+                <a:pos x="connsiteX77" y="connsiteY77"/>
+              </a:cxn>
+              <a:cxn ang="0">
+                <a:pos x="connsiteX78" y="connsiteY78"/>
+              </a:cxn>
+              <a:cxn ang="0">
+                <a:pos x="connsiteX79" y="connsiteY79"/>
+              </a:cxn>
+              <a:cxn ang="0">
+                <a:pos x="connsiteX80" y="connsiteY80"/>
+              </a:cxn>
+              <a:cxn ang="0">
+                <a:pos x="connsiteX81" y="connsiteY81"/>
+              </a:cxn>
+              <a:cxn ang="0">
+                <a:pos x="connsiteX82" y="connsiteY82"/>
+              </a:cxn>
+              <a:cxn ang="0">
+                <a:pos x="connsiteX83" y="connsiteY83"/>
+              </a:cxn>
+              <a:cxn ang="0">
+                <a:pos x="connsiteX84" y="connsiteY84"/>
+              </a:cxn>
+              <a:cxn ang="0">
+                <a:pos x="connsiteX85" y="connsiteY85"/>
+              </a:cxn>
+              <a:cxn ang="0">
+                <a:pos x="connsiteX86" y="connsiteY86"/>
+              </a:cxn>
+              <a:cxn ang="0">
+                <a:pos x="connsiteX87" y="connsiteY87"/>
+              </a:cxn>
+              <a:cxn ang="0">
+                <a:pos x="connsiteX88" y="connsiteY88"/>
+              </a:cxn>
+              <a:cxn ang="0">
+                <a:pos x="connsiteX89" y="connsiteY89"/>
+              </a:cxn>
+              <a:cxn ang="0">
+                <a:pos x="connsiteX90" y="connsiteY90"/>
+              </a:cxn>
+              <a:cxn ang="0">
+                <a:pos x="connsiteX91" y="connsiteY91"/>
+              </a:cxn>
+              <a:cxn ang="0">
+                <a:pos x="connsiteX92" y="connsiteY92"/>
+              </a:cxn>
+              <a:cxn ang="0">
+                <a:pos x="connsiteX93" y="connsiteY93"/>
+              </a:cxn>
+            </a:cxnLst>
+            <a:rect l="l" t="t" r="r" b="b"/>
+            <a:pathLst>
+              <a:path w="23534016" h="11328207">
+                <a:moveTo>
+                  <a:pt x="11264585" y="9912566"/>
+                </a:moveTo>
+                <a:cubicBezTo>
+                  <a:pt x="11470444" y="10051642"/>
+                  <a:pt x="11605793" y="10287166"/>
+                  <a:pt x="11605793" y="10554301"/>
+                </a:cubicBezTo>
+                <a:cubicBezTo>
+                  <a:pt x="11605792" y="10981717"/>
+                  <a:pt x="11259303" y="11328207"/>
+                  <a:pt x="10831887" y="11328207"/>
+                </a:cubicBezTo>
+                <a:lnTo>
+                  <a:pt x="10736635" y="11328207"/>
+                </a:lnTo>
+                <a:cubicBezTo>
+                  <a:pt x="10309219" y="11328207"/>
+                  <a:pt x="9962730" y="10981717"/>
+                  <a:pt x="9962731" y="10554301"/>
+                </a:cubicBezTo>
+                <a:cubicBezTo>
+                  <a:pt x="9962730" y="10126885"/>
+                  <a:pt x="10309219" y="9780395"/>
+                  <a:pt x="10736635" y="9780395"/>
+                </a:cubicBezTo>
+                <a:lnTo>
+                  <a:pt x="10831887" y="9780395"/>
+                </a:lnTo>
+                <a:cubicBezTo>
+                  <a:pt x="10992167" y="9780394"/>
+                  <a:pt x="11141068" y="9829120"/>
+                  <a:pt x="11264585" y="9912566"/>
+                </a:cubicBezTo>
+                <a:close/>
+                <a:moveTo>
+                  <a:pt x="1179542" y="3328153"/>
+                </a:moveTo>
+                <a:cubicBezTo>
+                  <a:pt x="1313615" y="3418731"/>
+                  <a:pt x="1401765" y="3572123"/>
+                  <a:pt x="1401765" y="3746104"/>
+                </a:cubicBezTo>
+                <a:lnTo>
+                  <a:pt x="1401764" y="3746104"/>
+                </a:lnTo>
+                <a:cubicBezTo>
+                  <a:pt x="1401764" y="4024473"/>
+                  <a:pt x="1176101" y="4250136"/>
+                  <a:pt x="897732" y="4250136"/>
+                </a:cubicBezTo>
+                <a:lnTo>
+                  <a:pt x="504033" y="4250135"/>
+                </a:lnTo>
+                <a:cubicBezTo>
+                  <a:pt x="225664" y="4250135"/>
+                  <a:pt x="1" y="4024472"/>
+                  <a:pt x="1" y="3746103"/>
+                </a:cubicBezTo>
+                <a:lnTo>
+                  <a:pt x="0" y="3746103"/>
+                </a:lnTo>
+                <a:cubicBezTo>
+                  <a:pt x="1" y="3467734"/>
+                  <a:pt x="225664" y="3242072"/>
+                  <a:pt x="504032" y="3242072"/>
+                </a:cubicBezTo>
+                <a:lnTo>
+                  <a:pt x="897733" y="3242072"/>
+                </a:lnTo>
+                <a:cubicBezTo>
+                  <a:pt x="1002122" y="3242072"/>
+                  <a:pt x="1099098" y="3273806"/>
+                  <a:pt x="1179542" y="3328153"/>
+                </a:cubicBezTo>
+                <a:close/>
+                <a:moveTo>
+                  <a:pt x="9733515" y="6613367"/>
+                </a:moveTo>
+                <a:cubicBezTo>
+                  <a:pt x="9867590" y="6703946"/>
+                  <a:pt x="9955739" y="6857338"/>
+                  <a:pt x="9955739" y="7031319"/>
+                </a:cubicBezTo>
+                <a:lnTo>
+                  <a:pt x="9955739" y="7031319"/>
+                </a:lnTo>
+                <a:cubicBezTo>
+                  <a:pt x="9955739" y="7309688"/>
+                  <a:pt x="9730075" y="7535351"/>
+                  <a:pt x="9451707" y="7535351"/>
+                </a:cubicBezTo>
+                <a:lnTo>
+                  <a:pt x="9058008" y="7535350"/>
+                </a:lnTo>
+                <a:cubicBezTo>
+                  <a:pt x="8779637" y="7535349"/>
+                  <a:pt x="8553975" y="7309687"/>
+                  <a:pt x="8553975" y="7031318"/>
+                </a:cubicBezTo>
+                <a:lnTo>
+                  <a:pt x="8553975" y="7031318"/>
+                </a:lnTo>
+                <a:cubicBezTo>
+                  <a:pt x="8553975" y="6752949"/>
+                  <a:pt x="8779638" y="6527287"/>
+                  <a:pt x="9058007" y="6527286"/>
+                </a:cubicBezTo>
+                <a:lnTo>
+                  <a:pt x="9451706" y="6527286"/>
+                </a:lnTo>
+                <a:cubicBezTo>
+                  <a:pt x="9556095" y="6527286"/>
+                  <a:pt x="9653072" y="6559021"/>
+                  <a:pt x="9733515" y="6613367"/>
+                </a:cubicBezTo>
+                <a:close/>
+                <a:moveTo>
+                  <a:pt x="8928022" y="3340367"/>
+                </a:moveTo>
+                <a:cubicBezTo>
+                  <a:pt x="9062095" y="3430945"/>
+                  <a:pt x="9150244" y="3584337"/>
+                  <a:pt x="9150244" y="3758318"/>
+                </a:cubicBezTo>
+                <a:lnTo>
+                  <a:pt x="9150244" y="3758318"/>
+                </a:lnTo>
+                <a:cubicBezTo>
+                  <a:pt x="9150244" y="4036688"/>
+                  <a:pt x="8924581" y="4262349"/>
+                  <a:pt x="8646212" y="4262350"/>
+                </a:cubicBezTo>
+                <a:lnTo>
+                  <a:pt x="2350189" y="4262349"/>
+                </a:lnTo>
+                <a:cubicBezTo>
+                  <a:pt x="2071819" y="4262349"/>
+                  <a:pt x="1846156" y="4036685"/>
+                  <a:pt x="1846156" y="3758316"/>
+                </a:cubicBezTo>
+                <a:lnTo>
+                  <a:pt x="1846157" y="3758317"/>
+                </a:lnTo>
+                <a:cubicBezTo>
+                  <a:pt x="1846157" y="3479948"/>
+                  <a:pt x="2071820" y="3254286"/>
+                  <a:pt x="2350189" y="3254285"/>
+                </a:cubicBezTo>
+                <a:lnTo>
+                  <a:pt x="8646213" y="3254286"/>
+                </a:lnTo>
+                <a:cubicBezTo>
+                  <a:pt x="8750602" y="3254287"/>
+                  <a:pt x="8847579" y="3286021"/>
+                  <a:pt x="8928022" y="3340367"/>
+                </a:cubicBezTo>
+                <a:close/>
+                <a:moveTo>
+                  <a:pt x="15324339" y="6624950"/>
+                </a:moveTo>
+                <a:cubicBezTo>
+                  <a:pt x="15458413" y="6715527"/>
+                  <a:pt x="15546561" y="6868919"/>
+                  <a:pt x="15546562" y="7042900"/>
+                </a:cubicBezTo>
+                <a:cubicBezTo>
+                  <a:pt x="15546561" y="7321269"/>
+                  <a:pt x="15320899" y="7546930"/>
+                  <a:pt x="15042530" y="7546931"/>
+                </a:cubicBezTo>
+                <a:lnTo>
+                  <a:pt x="10905505" y="7546930"/>
+                </a:lnTo>
+                <a:cubicBezTo>
+                  <a:pt x="10627136" y="7546930"/>
+                  <a:pt x="10401474" y="7321268"/>
+                  <a:pt x="10401474" y="7042899"/>
+                </a:cubicBezTo>
+                <a:cubicBezTo>
+                  <a:pt x="10401474" y="6764530"/>
+                  <a:pt x="10627137" y="6538868"/>
+                  <a:pt x="10905505" y="6538868"/>
+                </a:cubicBezTo>
+                <a:lnTo>
+                  <a:pt x="15042530" y="6538869"/>
+                </a:lnTo>
+                <a:cubicBezTo>
+                  <a:pt x="15146919" y="6538869"/>
+                  <a:pt x="15243896" y="6570603"/>
+                  <a:pt x="15324339" y="6624950"/>
+                </a:cubicBezTo>
+                <a:close/>
+                <a:moveTo>
+                  <a:pt x="23192458" y="8064785"/>
+                </a:moveTo>
+                <a:cubicBezTo>
+                  <a:pt x="23398529" y="8204003"/>
+                  <a:pt x="23534016" y="8439769"/>
+                  <a:pt x="23534016" y="8707179"/>
+                </a:cubicBezTo>
+                <a:cubicBezTo>
+                  <a:pt x="23534016" y="9135034"/>
+                  <a:pt x="23187171" y="9481878"/>
+                  <a:pt x="22759316" y="9481878"/>
+                </a:cubicBezTo>
+                <a:lnTo>
+                  <a:pt x="8228929" y="9481877"/>
+                </a:lnTo>
+                <a:cubicBezTo>
+                  <a:pt x="7801074" y="9481877"/>
+                  <a:pt x="7454229" y="9135032"/>
+                  <a:pt x="7454228" y="8707176"/>
+                </a:cubicBezTo>
+                <a:cubicBezTo>
+                  <a:pt x="7454228" y="8279322"/>
+                  <a:pt x="7801073" y="7932477"/>
+                  <a:pt x="8228928" y="7932477"/>
+                </a:cubicBezTo>
+                <a:lnTo>
+                  <a:pt x="22759315" y="7932478"/>
+                </a:lnTo>
+                <a:cubicBezTo>
+                  <a:pt x="22919760" y="7932478"/>
+                  <a:pt x="23068815" y="7981253"/>
+                  <a:pt x="23192458" y="8064785"/>
+                </a:cubicBezTo>
+                <a:close/>
+                <a:moveTo>
+                  <a:pt x="9947589" y="86081"/>
+                </a:moveTo>
+                <a:cubicBezTo>
+                  <a:pt x="10081663" y="176659"/>
+                  <a:pt x="10169811" y="330051"/>
+                  <a:pt x="10169812" y="504032"/>
+                </a:cubicBezTo>
+                <a:lnTo>
+                  <a:pt x="10169811" y="504032"/>
+                </a:lnTo>
+                <a:cubicBezTo>
+                  <a:pt x="10169811" y="782401"/>
+                  <a:pt x="9944148" y="1008064"/>
+                  <a:pt x="9665779" y="1008064"/>
+                </a:cubicBezTo>
+                <a:lnTo>
+                  <a:pt x="2447418" y="1008063"/>
+                </a:lnTo>
+                <a:cubicBezTo>
+                  <a:pt x="2169048" y="1008062"/>
+                  <a:pt x="1943386" y="782400"/>
+                  <a:pt x="1943386" y="504031"/>
+                </a:cubicBezTo>
+                <a:lnTo>
+                  <a:pt x="1943385" y="504031"/>
+                </a:lnTo>
+                <a:cubicBezTo>
+                  <a:pt x="1943386" y="225663"/>
+                  <a:pt x="2169048" y="0"/>
+                  <a:pt x="2447417" y="0"/>
+                </a:cubicBezTo>
+                <a:lnTo>
+                  <a:pt x="9665780" y="0"/>
+                </a:lnTo>
+                <a:cubicBezTo>
+                  <a:pt x="9770169" y="0"/>
+                  <a:pt x="9867145" y="31734"/>
+                  <a:pt x="9947589" y="86081"/>
+                </a:cubicBezTo>
+                <a:close/>
+                <a:moveTo>
+                  <a:pt x="16576520" y="3400992"/>
+                </a:moveTo>
+                <a:cubicBezTo>
+                  <a:pt x="16710593" y="3491570"/>
+                  <a:pt x="16798742" y="3644962"/>
+                  <a:pt x="16798742" y="3818943"/>
+                </a:cubicBezTo>
+                <a:lnTo>
+                  <a:pt x="16798742" y="3818943"/>
+                </a:lnTo>
+                <a:cubicBezTo>
+                  <a:pt x="16798742" y="4097312"/>
+                  <a:pt x="16573079" y="4322975"/>
+                  <a:pt x="16294710" y="4322975"/>
+                </a:cubicBezTo>
+                <a:lnTo>
+                  <a:pt x="9998686" y="4322974"/>
+                </a:lnTo>
+                <a:cubicBezTo>
+                  <a:pt x="9720318" y="4322974"/>
+                  <a:pt x="9494655" y="4097311"/>
+                  <a:pt x="9494655" y="3818942"/>
+                </a:cubicBezTo>
+                <a:lnTo>
+                  <a:pt x="9494655" y="3818943"/>
+                </a:lnTo>
+                <a:cubicBezTo>
+                  <a:pt x="9494654" y="3540574"/>
+                  <a:pt x="9720318" y="3314911"/>
+                  <a:pt x="9998687" y="3314911"/>
+                </a:cubicBezTo>
+                <a:lnTo>
+                  <a:pt x="16294711" y="3314911"/>
+                </a:lnTo>
+                <a:cubicBezTo>
+                  <a:pt x="16399100" y="3314912"/>
+                  <a:pt x="16496075" y="3346645"/>
+                  <a:pt x="16576520" y="3400992"/>
+                </a:cubicBezTo>
+                <a:close/>
+                <a:moveTo>
+                  <a:pt x="20515471" y="4777198"/>
+                </a:moveTo>
+                <a:cubicBezTo>
+                  <a:pt x="20721332" y="4916275"/>
+                  <a:pt x="20856681" y="5151799"/>
+                  <a:pt x="20856681" y="5418935"/>
+                </a:cubicBezTo>
+                <a:lnTo>
+                  <a:pt x="20856679" y="5418934"/>
+                </a:lnTo>
+                <a:cubicBezTo>
+                  <a:pt x="20856679" y="5846352"/>
+                  <a:pt x="20510189" y="6192842"/>
+                  <a:pt x="20082773" y="6192842"/>
+                </a:cubicBezTo>
+                <a:lnTo>
+                  <a:pt x="3780736" y="6192840"/>
+                </a:lnTo>
+                <a:cubicBezTo>
+                  <a:pt x="3353319" y="6192840"/>
+                  <a:pt x="3006829" y="5846350"/>
+                  <a:pt x="3006829" y="5418932"/>
+                </a:cubicBezTo>
+                <a:lnTo>
+                  <a:pt x="3006829" y="5418933"/>
+                </a:lnTo>
+                <a:cubicBezTo>
+                  <a:pt x="3006829" y="4991516"/>
+                  <a:pt x="3353318" y="4645026"/>
+                  <a:pt x="3780735" y="4645026"/>
+                </a:cubicBezTo>
+                <a:lnTo>
+                  <a:pt x="20082772" y="4645027"/>
+                </a:lnTo>
+                <a:cubicBezTo>
+                  <a:pt x="20243053" y="4645027"/>
+                  <a:pt x="20391954" y="4693752"/>
+                  <a:pt x="20515471" y="4777198"/>
+                </a:cubicBezTo>
+                <a:close/>
+                <a:moveTo>
+                  <a:pt x="15080250" y="1483266"/>
+                </a:moveTo>
+                <a:cubicBezTo>
+                  <a:pt x="15286109" y="1622342"/>
+                  <a:pt x="15421458" y="1857867"/>
+                  <a:pt x="15421458" y="2125002"/>
+                </a:cubicBezTo>
+                <a:lnTo>
+                  <a:pt x="15421458" y="2125003"/>
+                </a:lnTo>
+                <a:cubicBezTo>
+                  <a:pt x="15421458" y="2552420"/>
+                  <a:pt x="15074966" y="2898909"/>
+                  <a:pt x="14647550" y="2898909"/>
+                </a:cubicBezTo>
+                <a:lnTo>
+                  <a:pt x="5471802" y="2898908"/>
+                </a:lnTo>
+                <a:cubicBezTo>
+                  <a:pt x="5044384" y="2898908"/>
+                  <a:pt x="4697895" y="2552418"/>
+                  <a:pt x="4697895" y="2125001"/>
+                </a:cubicBezTo>
+                <a:lnTo>
+                  <a:pt x="4697895" y="2125002"/>
+                </a:lnTo>
+                <a:cubicBezTo>
+                  <a:pt x="4697894" y="1697585"/>
+                  <a:pt x="5044385" y="1351096"/>
+                  <a:pt x="5471802" y="1351096"/>
+                </a:cubicBezTo>
+                <a:lnTo>
+                  <a:pt x="14647551" y="1351096"/>
+                </a:lnTo>
+                <a:cubicBezTo>
+                  <a:pt x="14807834" y="1351096"/>
+                  <a:pt x="14956733" y="1399820"/>
+                  <a:pt x="15080250" y="1483266"/>
+                </a:cubicBezTo>
+                <a:close/>
+              </a:path>
+            </a:pathLst>
+          </a:custGeom>
+          <a:gradFill flip="none" rotWithShape="1">
+            <a:gsLst>
+              <a:gs pos="0">
+                <a:schemeClr val="accent2">
+                  <a:alpha val="27000"/>
+                  <a:lumMod val="0"/>
+                  <a:lumOff val="100000"/>
+                </a:schemeClr>
+              </a:gs>
+              <a:gs pos="100000">
+                <a:schemeClr val="accent2">
+                  <a:lumMod val="52000"/>
+                  <a:lumOff val="48000"/>
+                </a:schemeClr>
+              </a:gs>
+              <a:gs pos="100000">
+                <a:schemeClr val="accent2">
+                  <a:lumMod val="60000"/>
+                </a:schemeClr>
+              </a:gs>
+            </a:gsLst>
+            <a:path path="circle">
+              <a:fillToRect l="50000" t="130000" r="50000" b="-30000"/>
+            </a:path>
+            <a:tileRect/>
+          </a:gradFill>
+          <a:ln>
+            <a:noFill/>
+          </a:ln>
+        </p:spPr>
+        <p:txBody>
+          <a:bodyPr wrap="square" lIns="19050" tIns="19050" rIns="19050" bIns="19050" anchor="ctr">
+            <a:noAutofit/>
+          </a:bodyPr>
+          <a:lstStyle/>
+          <a:p>
+            <a:pPr eaLnBrk="1"/>
+            <a:endParaRPr lang="en-US" altLang="x-none" sz="900"/>
+          </a:p>
+        </p:txBody>
+      </p:sp>
       <p:pic>
         <p:nvPicPr>
           <p:cNvPr id="9" name="Picture 8" descr="A close-up of a machine&#10;&#10;Description automatically generated with low confidence">
@@ -14359,941 +17962,6 @@
           </a:p>
         </p:txBody>
       </p:sp>
-      <p:sp>
-        <p:nvSpPr>
-          <p:cNvPr id="43" name="Freeform 40">
-            <a:extLst>
-              <a:ext uri="{FF2B5EF4-FFF2-40B4-BE49-F238E27FC236}">
-                <a16:creationId xmlns:a16="http://schemas.microsoft.com/office/drawing/2014/main" id="{9391B291-BA20-47C9-9007-2EF12089BA27}"/>
-              </a:ext>
-            </a:extLst>
-          </p:cNvPr>
-          <p:cNvSpPr>
-            <a:spLocks noChangeArrowheads="1"/>
-          </p:cNvSpPr>
-          <p:nvPr/>
-        </p:nvSpPr>
-        <p:spPr bwMode="auto">
-          <a:xfrm rot="11825610">
-            <a:off x="-4873768" y="-208990"/>
-            <a:ext cx="11767008" cy="5664104"/>
-          </a:xfrm>
-          <a:custGeom>
-            <a:avLst/>
-            <a:gdLst>
-              <a:gd name="connsiteX0" fmla="*/ 11264585 w 23534016"/>
-              <a:gd name="connsiteY0" fmla="*/ 9912566 h 11328207"/>
-              <a:gd name="connsiteX1" fmla="*/ 11605793 w 23534016"/>
-              <a:gd name="connsiteY1" fmla="*/ 10554301 h 11328207"/>
-              <a:gd name="connsiteX2" fmla="*/ 10831887 w 23534016"/>
-              <a:gd name="connsiteY2" fmla="*/ 11328207 h 11328207"/>
-              <a:gd name="connsiteX3" fmla="*/ 10736635 w 23534016"/>
-              <a:gd name="connsiteY3" fmla="*/ 11328207 h 11328207"/>
-              <a:gd name="connsiteX4" fmla="*/ 9962731 w 23534016"/>
-              <a:gd name="connsiteY4" fmla="*/ 10554301 h 11328207"/>
-              <a:gd name="connsiteX5" fmla="*/ 10736635 w 23534016"/>
-              <a:gd name="connsiteY5" fmla="*/ 9780395 h 11328207"/>
-              <a:gd name="connsiteX6" fmla="*/ 10831887 w 23534016"/>
-              <a:gd name="connsiteY6" fmla="*/ 9780395 h 11328207"/>
-              <a:gd name="connsiteX7" fmla="*/ 11264585 w 23534016"/>
-              <a:gd name="connsiteY7" fmla="*/ 9912566 h 11328207"/>
-              <a:gd name="connsiteX8" fmla="*/ 1179542 w 23534016"/>
-              <a:gd name="connsiteY8" fmla="*/ 3328153 h 11328207"/>
-              <a:gd name="connsiteX9" fmla="*/ 1401765 w 23534016"/>
-              <a:gd name="connsiteY9" fmla="*/ 3746104 h 11328207"/>
-              <a:gd name="connsiteX10" fmla="*/ 1401764 w 23534016"/>
-              <a:gd name="connsiteY10" fmla="*/ 3746104 h 11328207"/>
-              <a:gd name="connsiteX11" fmla="*/ 897732 w 23534016"/>
-              <a:gd name="connsiteY11" fmla="*/ 4250136 h 11328207"/>
-              <a:gd name="connsiteX12" fmla="*/ 504033 w 23534016"/>
-              <a:gd name="connsiteY12" fmla="*/ 4250135 h 11328207"/>
-              <a:gd name="connsiteX13" fmla="*/ 1 w 23534016"/>
-              <a:gd name="connsiteY13" fmla="*/ 3746103 h 11328207"/>
-              <a:gd name="connsiteX14" fmla="*/ 0 w 23534016"/>
-              <a:gd name="connsiteY14" fmla="*/ 3746103 h 11328207"/>
-              <a:gd name="connsiteX15" fmla="*/ 504032 w 23534016"/>
-              <a:gd name="connsiteY15" fmla="*/ 3242072 h 11328207"/>
-              <a:gd name="connsiteX16" fmla="*/ 897733 w 23534016"/>
-              <a:gd name="connsiteY16" fmla="*/ 3242072 h 11328207"/>
-              <a:gd name="connsiteX17" fmla="*/ 1179542 w 23534016"/>
-              <a:gd name="connsiteY17" fmla="*/ 3328153 h 11328207"/>
-              <a:gd name="connsiteX18" fmla="*/ 9733515 w 23534016"/>
-              <a:gd name="connsiteY18" fmla="*/ 6613367 h 11328207"/>
-              <a:gd name="connsiteX19" fmla="*/ 9955739 w 23534016"/>
-              <a:gd name="connsiteY19" fmla="*/ 7031319 h 11328207"/>
-              <a:gd name="connsiteX20" fmla="*/ 9955739 w 23534016"/>
-              <a:gd name="connsiteY20" fmla="*/ 7031319 h 11328207"/>
-              <a:gd name="connsiteX21" fmla="*/ 9451707 w 23534016"/>
-              <a:gd name="connsiteY21" fmla="*/ 7535351 h 11328207"/>
-              <a:gd name="connsiteX22" fmla="*/ 9058008 w 23534016"/>
-              <a:gd name="connsiteY22" fmla="*/ 7535350 h 11328207"/>
-              <a:gd name="connsiteX23" fmla="*/ 8553975 w 23534016"/>
-              <a:gd name="connsiteY23" fmla="*/ 7031318 h 11328207"/>
-              <a:gd name="connsiteX24" fmla="*/ 8553975 w 23534016"/>
-              <a:gd name="connsiteY24" fmla="*/ 7031318 h 11328207"/>
-              <a:gd name="connsiteX25" fmla="*/ 9058007 w 23534016"/>
-              <a:gd name="connsiteY25" fmla="*/ 6527286 h 11328207"/>
-              <a:gd name="connsiteX26" fmla="*/ 9451706 w 23534016"/>
-              <a:gd name="connsiteY26" fmla="*/ 6527286 h 11328207"/>
-              <a:gd name="connsiteX27" fmla="*/ 9733515 w 23534016"/>
-              <a:gd name="connsiteY27" fmla="*/ 6613367 h 11328207"/>
-              <a:gd name="connsiteX28" fmla="*/ 8928022 w 23534016"/>
-              <a:gd name="connsiteY28" fmla="*/ 3340367 h 11328207"/>
-              <a:gd name="connsiteX29" fmla="*/ 9150244 w 23534016"/>
-              <a:gd name="connsiteY29" fmla="*/ 3758318 h 11328207"/>
-              <a:gd name="connsiteX30" fmla="*/ 9150244 w 23534016"/>
-              <a:gd name="connsiteY30" fmla="*/ 3758318 h 11328207"/>
-              <a:gd name="connsiteX31" fmla="*/ 8646212 w 23534016"/>
-              <a:gd name="connsiteY31" fmla="*/ 4262350 h 11328207"/>
-              <a:gd name="connsiteX32" fmla="*/ 2350189 w 23534016"/>
-              <a:gd name="connsiteY32" fmla="*/ 4262349 h 11328207"/>
-              <a:gd name="connsiteX33" fmla="*/ 1846156 w 23534016"/>
-              <a:gd name="connsiteY33" fmla="*/ 3758316 h 11328207"/>
-              <a:gd name="connsiteX34" fmla="*/ 1846157 w 23534016"/>
-              <a:gd name="connsiteY34" fmla="*/ 3758317 h 11328207"/>
-              <a:gd name="connsiteX35" fmla="*/ 2350189 w 23534016"/>
-              <a:gd name="connsiteY35" fmla="*/ 3254285 h 11328207"/>
-              <a:gd name="connsiteX36" fmla="*/ 8646213 w 23534016"/>
-              <a:gd name="connsiteY36" fmla="*/ 3254286 h 11328207"/>
-              <a:gd name="connsiteX37" fmla="*/ 8928022 w 23534016"/>
-              <a:gd name="connsiteY37" fmla="*/ 3340367 h 11328207"/>
-              <a:gd name="connsiteX38" fmla="*/ 15324339 w 23534016"/>
-              <a:gd name="connsiteY38" fmla="*/ 6624950 h 11328207"/>
-              <a:gd name="connsiteX39" fmla="*/ 15546562 w 23534016"/>
-              <a:gd name="connsiteY39" fmla="*/ 7042900 h 11328207"/>
-              <a:gd name="connsiteX40" fmla="*/ 15042530 w 23534016"/>
-              <a:gd name="connsiteY40" fmla="*/ 7546931 h 11328207"/>
-              <a:gd name="connsiteX41" fmla="*/ 10905505 w 23534016"/>
-              <a:gd name="connsiteY41" fmla="*/ 7546930 h 11328207"/>
-              <a:gd name="connsiteX42" fmla="*/ 10401474 w 23534016"/>
-              <a:gd name="connsiteY42" fmla="*/ 7042899 h 11328207"/>
-              <a:gd name="connsiteX43" fmla="*/ 10905505 w 23534016"/>
-              <a:gd name="connsiteY43" fmla="*/ 6538868 h 11328207"/>
-              <a:gd name="connsiteX44" fmla="*/ 15042530 w 23534016"/>
-              <a:gd name="connsiteY44" fmla="*/ 6538869 h 11328207"/>
-              <a:gd name="connsiteX45" fmla="*/ 15324339 w 23534016"/>
-              <a:gd name="connsiteY45" fmla="*/ 6624950 h 11328207"/>
-              <a:gd name="connsiteX46" fmla="*/ 23192458 w 23534016"/>
-              <a:gd name="connsiteY46" fmla="*/ 8064785 h 11328207"/>
-              <a:gd name="connsiteX47" fmla="*/ 23534016 w 23534016"/>
-              <a:gd name="connsiteY47" fmla="*/ 8707179 h 11328207"/>
-              <a:gd name="connsiteX48" fmla="*/ 22759316 w 23534016"/>
-              <a:gd name="connsiteY48" fmla="*/ 9481878 h 11328207"/>
-              <a:gd name="connsiteX49" fmla="*/ 8228929 w 23534016"/>
-              <a:gd name="connsiteY49" fmla="*/ 9481877 h 11328207"/>
-              <a:gd name="connsiteX50" fmla="*/ 7454228 w 23534016"/>
-              <a:gd name="connsiteY50" fmla="*/ 8707176 h 11328207"/>
-              <a:gd name="connsiteX51" fmla="*/ 8228928 w 23534016"/>
-              <a:gd name="connsiteY51" fmla="*/ 7932477 h 11328207"/>
-              <a:gd name="connsiteX52" fmla="*/ 22759315 w 23534016"/>
-              <a:gd name="connsiteY52" fmla="*/ 7932478 h 11328207"/>
-              <a:gd name="connsiteX53" fmla="*/ 23192458 w 23534016"/>
-              <a:gd name="connsiteY53" fmla="*/ 8064785 h 11328207"/>
-              <a:gd name="connsiteX54" fmla="*/ 9947589 w 23534016"/>
-              <a:gd name="connsiteY54" fmla="*/ 86081 h 11328207"/>
-              <a:gd name="connsiteX55" fmla="*/ 10169812 w 23534016"/>
-              <a:gd name="connsiteY55" fmla="*/ 504032 h 11328207"/>
-              <a:gd name="connsiteX56" fmla="*/ 10169811 w 23534016"/>
-              <a:gd name="connsiteY56" fmla="*/ 504032 h 11328207"/>
-              <a:gd name="connsiteX57" fmla="*/ 9665779 w 23534016"/>
-              <a:gd name="connsiteY57" fmla="*/ 1008064 h 11328207"/>
-              <a:gd name="connsiteX58" fmla="*/ 2447418 w 23534016"/>
-              <a:gd name="connsiteY58" fmla="*/ 1008063 h 11328207"/>
-              <a:gd name="connsiteX59" fmla="*/ 1943386 w 23534016"/>
-              <a:gd name="connsiteY59" fmla="*/ 504031 h 11328207"/>
-              <a:gd name="connsiteX60" fmla="*/ 1943385 w 23534016"/>
-              <a:gd name="connsiteY60" fmla="*/ 504031 h 11328207"/>
-              <a:gd name="connsiteX61" fmla="*/ 2447417 w 23534016"/>
-              <a:gd name="connsiteY61" fmla="*/ 0 h 11328207"/>
-              <a:gd name="connsiteX62" fmla="*/ 9665780 w 23534016"/>
-              <a:gd name="connsiteY62" fmla="*/ 0 h 11328207"/>
-              <a:gd name="connsiteX63" fmla="*/ 9947589 w 23534016"/>
-              <a:gd name="connsiteY63" fmla="*/ 86081 h 11328207"/>
-              <a:gd name="connsiteX64" fmla="*/ 16576520 w 23534016"/>
-              <a:gd name="connsiteY64" fmla="*/ 3400992 h 11328207"/>
-              <a:gd name="connsiteX65" fmla="*/ 16798742 w 23534016"/>
-              <a:gd name="connsiteY65" fmla="*/ 3818943 h 11328207"/>
-              <a:gd name="connsiteX66" fmla="*/ 16798742 w 23534016"/>
-              <a:gd name="connsiteY66" fmla="*/ 3818943 h 11328207"/>
-              <a:gd name="connsiteX67" fmla="*/ 16294710 w 23534016"/>
-              <a:gd name="connsiteY67" fmla="*/ 4322975 h 11328207"/>
-              <a:gd name="connsiteX68" fmla="*/ 9998686 w 23534016"/>
-              <a:gd name="connsiteY68" fmla="*/ 4322974 h 11328207"/>
-              <a:gd name="connsiteX69" fmla="*/ 9494655 w 23534016"/>
-              <a:gd name="connsiteY69" fmla="*/ 3818942 h 11328207"/>
-              <a:gd name="connsiteX70" fmla="*/ 9494655 w 23534016"/>
-              <a:gd name="connsiteY70" fmla="*/ 3818943 h 11328207"/>
-              <a:gd name="connsiteX71" fmla="*/ 9998687 w 23534016"/>
-              <a:gd name="connsiteY71" fmla="*/ 3314911 h 11328207"/>
-              <a:gd name="connsiteX72" fmla="*/ 16294711 w 23534016"/>
-              <a:gd name="connsiteY72" fmla="*/ 3314911 h 11328207"/>
-              <a:gd name="connsiteX73" fmla="*/ 16576520 w 23534016"/>
-              <a:gd name="connsiteY73" fmla="*/ 3400992 h 11328207"/>
-              <a:gd name="connsiteX74" fmla="*/ 20515471 w 23534016"/>
-              <a:gd name="connsiteY74" fmla="*/ 4777198 h 11328207"/>
-              <a:gd name="connsiteX75" fmla="*/ 20856681 w 23534016"/>
-              <a:gd name="connsiteY75" fmla="*/ 5418935 h 11328207"/>
-              <a:gd name="connsiteX76" fmla="*/ 20856679 w 23534016"/>
-              <a:gd name="connsiteY76" fmla="*/ 5418934 h 11328207"/>
-              <a:gd name="connsiteX77" fmla="*/ 20082773 w 23534016"/>
-              <a:gd name="connsiteY77" fmla="*/ 6192842 h 11328207"/>
-              <a:gd name="connsiteX78" fmla="*/ 3780736 w 23534016"/>
-              <a:gd name="connsiteY78" fmla="*/ 6192840 h 11328207"/>
-              <a:gd name="connsiteX79" fmla="*/ 3006829 w 23534016"/>
-              <a:gd name="connsiteY79" fmla="*/ 5418932 h 11328207"/>
-              <a:gd name="connsiteX80" fmla="*/ 3006829 w 23534016"/>
-              <a:gd name="connsiteY80" fmla="*/ 5418933 h 11328207"/>
-              <a:gd name="connsiteX81" fmla="*/ 3780735 w 23534016"/>
-              <a:gd name="connsiteY81" fmla="*/ 4645026 h 11328207"/>
-              <a:gd name="connsiteX82" fmla="*/ 20082772 w 23534016"/>
-              <a:gd name="connsiteY82" fmla="*/ 4645027 h 11328207"/>
-              <a:gd name="connsiteX83" fmla="*/ 20515471 w 23534016"/>
-              <a:gd name="connsiteY83" fmla="*/ 4777198 h 11328207"/>
-              <a:gd name="connsiteX84" fmla="*/ 15080250 w 23534016"/>
-              <a:gd name="connsiteY84" fmla="*/ 1483266 h 11328207"/>
-              <a:gd name="connsiteX85" fmla="*/ 15421458 w 23534016"/>
-              <a:gd name="connsiteY85" fmla="*/ 2125002 h 11328207"/>
-              <a:gd name="connsiteX86" fmla="*/ 15421458 w 23534016"/>
-              <a:gd name="connsiteY86" fmla="*/ 2125003 h 11328207"/>
-              <a:gd name="connsiteX87" fmla="*/ 14647550 w 23534016"/>
-              <a:gd name="connsiteY87" fmla="*/ 2898909 h 11328207"/>
-              <a:gd name="connsiteX88" fmla="*/ 5471802 w 23534016"/>
-              <a:gd name="connsiteY88" fmla="*/ 2898908 h 11328207"/>
-              <a:gd name="connsiteX89" fmla="*/ 4697895 w 23534016"/>
-              <a:gd name="connsiteY89" fmla="*/ 2125001 h 11328207"/>
-              <a:gd name="connsiteX90" fmla="*/ 4697895 w 23534016"/>
-              <a:gd name="connsiteY90" fmla="*/ 2125002 h 11328207"/>
-              <a:gd name="connsiteX91" fmla="*/ 5471802 w 23534016"/>
-              <a:gd name="connsiteY91" fmla="*/ 1351096 h 11328207"/>
-              <a:gd name="connsiteX92" fmla="*/ 14647551 w 23534016"/>
-              <a:gd name="connsiteY92" fmla="*/ 1351096 h 11328207"/>
-              <a:gd name="connsiteX93" fmla="*/ 15080250 w 23534016"/>
-              <a:gd name="connsiteY93" fmla="*/ 1483266 h 11328207"/>
-            </a:gdLst>
-            <a:ahLst/>
-            <a:cxnLst>
-              <a:cxn ang="0">
-                <a:pos x="connsiteX0" y="connsiteY0"/>
-              </a:cxn>
-              <a:cxn ang="0">
-                <a:pos x="connsiteX1" y="connsiteY1"/>
-              </a:cxn>
-              <a:cxn ang="0">
-                <a:pos x="connsiteX2" y="connsiteY2"/>
-              </a:cxn>
-              <a:cxn ang="0">
-                <a:pos x="connsiteX3" y="connsiteY3"/>
-              </a:cxn>
-              <a:cxn ang="0">
-                <a:pos x="connsiteX4" y="connsiteY4"/>
-              </a:cxn>
-              <a:cxn ang="0">
-                <a:pos x="connsiteX5" y="connsiteY5"/>
-              </a:cxn>
-              <a:cxn ang="0">
-                <a:pos x="connsiteX6" y="connsiteY6"/>
-              </a:cxn>
-              <a:cxn ang="0">
-                <a:pos x="connsiteX7" y="connsiteY7"/>
-              </a:cxn>
-              <a:cxn ang="0">
-                <a:pos x="connsiteX8" y="connsiteY8"/>
-              </a:cxn>
-              <a:cxn ang="0">
-                <a:pos x="connsiteX9" y="connsiteY9"/>
-              </a:cxn>
-              <a:cxn ang="0">
-                <a:pos x="connsiteX10" y="connsiteY10"/>
-              </a:cxn>
-              <a:cxn ang="0">
-                <a:pos x="connsiteX11" y="connsiteY11"/>
-              </a:cxn>
-              <a:cxn ang="0">
-                <a:pos x="connsiteX12" y="connsiteY12"/>
-              </a:cxn>
-              <a:cxn ang="0">
-                <a:pos x="connsiteX13" y="connsiteY13"/>
-              </a:cxn>
-              <a:cxn ang="0">
-                <a:pos x="connsiteX14" y="connsiteY14"/>
-              </a:cxn>
-              <a:cxn ang="0">
-                <a:pos x="connsiteX15" y="connsiteY15"/>
-              </a:cxn>
-              <a:cxn ang="0">
-                <a:pos x="connsiteX16" y="connsiteY16"/>
-              </a:cxn>
-              <a:cxn ang="0">
-                <a:pos x="connsiteX17" y="connsiteY17"/>
-              </a:cxn>
-              <a:cxn ang="0">
-                <a:pos x="connsiteX18" y="connsiteY18"/>
-              </a:cxn>
-              <a:cxn ang="0">
-                <a:pos x="connsiteX19" y="connsiteY19"/>
-              </a:cxn>
-              <a:cxn ang="0">
-                <a:pos x="connsiteX20" y="connsiteY20"/>
-              </a:cxn>
-              <a:cxn ang="0">
-                <a:pos x="connsiteX21" y="connsiteY21"/>
-              </a:cxn>
-              <a:cxn ang="0">
-                <a:pos x="connsiteX22" y="connsiteY22"/>
-              </a:cxn>
-              <a:cxn ang="0">
-                <a:pos x="connsiteX23" y="connsiteY23"/>
-              </a:cxn>
-              <a:cxn ang="0">
-                <a:pos x="connsiteX24" y="connsiteY24"/>
-              </a:cxn>
-              <a:cxn ang="0">
-                <a:pos x="connsiteX25" y="connsiteY25"/>
-              </a:cxn>
-              <a:cxn ang="0">
-                <a:pos x="connsiteX26" y="connsiteY26"/>
-              </a:cxn>
-              <a:cxn ang="0">
-                <a:pos x="connsiteX27" y="connsiteY27"/>
-              </a:cxn>
-              <a:cxn ang="0">
-                <a:pos x="connsiteX28" y="connsiteY28"/>
-              </a:cxn>
-              <a:cxn ang="0">
-                <a:pos x="connsiteX29" y="connsiteY29"/>
-              </a:cxn>
-              <a:cxn ang="0">
-                <a:pos x="connsiteX30" y="connsiteY30"/>
-              </a:cxn>
-              <a:cxn ang="0">
-                <a:pos x="connsiteX31" y="connsiteY31"/>
-              </a:cxn>
-              <a:cxn ang="0">
-                <a:pos x="connsiteX32" y="connsiteY32"/>
-              </a:cxn>
-              <a:cxn ang="0">
-                <a:pos x="connsiteX33" y="connsiteY33"/>
-              </a:cxn>
-              <a:cxn ang="0">
-                <a:pos x="connsiteX34" y="connsiteY34"/>
-              </a:cxn>
-              <a:cxn ang="0">
-                <a:pos x="connsiteX35" y="connsiteY35"/>
-              </a:cxn>
-              <a:cxn ang="0">
-                <a:pos x="connsiteX36" y="connsiteY36"/>
-              </a:cxn>
-              <a:cxn ang="0">
-                <a:pos x="connsiteX37" y="connsiteY37"/>
-              </a:cxn>
-              <a:cxn ang="0">
-                <a:pos x="connsiteX38" y="connsiteY38"/>
-              </a:cxn>
-              <a:cxn ang="0">
-                <a:pos x="connsiteX39" y="connsiteY39"/>
-              </a:cxn>
-              <a:cxn ang="0">
-                <a:pos x="connsiteX40" y="connsiteY40"/>
-              </a:cxn>
-              <a:cxn ang="0">
-                <a:pos x="connsiteX41" y="connsiteY41"/>
-              </a:cxn>
-              <a:cxn ang="0">
-                <a:pos x="connsiteX42" y="connsiteY42"/>
-              </a:cxn>
-              <a:cxn ang="0">
-                <a:pos x="connsiteX43" y="connsiteY43"/>
-              </a:cxn>
-              <a:cxn ang="0">
-                <a:pos x="connsiteX44" y="connsiteY44"/>
-              </a:cxn>
-              <a:cxn ang="0">
-                <a:pos x="connsiteX45" y="connsiteY45"/>
-              </a:cxn>
-              <a:cxn ang="0">
-                <a:pos x="connsiteX46" y="connsiteY46"/>
-              </a:cxn>
-              <a:cxn ang="0">
-                <a:pos x="connsiteX47" y="connsiteY47"/>
-              </a:cxn>
-              <a:cxn ang="0">
-                <a:pos x="connsiteX48" y="connsiteY48"/>
-              </a:cxn>
-              <a:cxn ang="0">
-                <a:pos x="connsiteX49" y="connsiteY49"/>
-              </a:cxn>
-              <a:cxn ang="0">
-                <a:pos x="connsiteX50" y="connsiteY50"/>
-              </a:cxn>
-              <a:cxn ang="0">
-                <a:pos x="connsiteX51" y="connsiteY51"/>
-              </a:cxn>
-              <a:cxn ang="0">
-                <a:pos x="connsiteX52" y="connsiteY52"/>
-              </a:cxn>
-              <a:cxn ang="0">
-                <a:pos x="connsiteX53" y="connsiteY53"/>
-              </a:cxn>
-              <a:cxn ang="0">
-                <a:pos x="connsiteX54" y="connsiteY54"/>
-              </a:cxn>
-              <a:cxn ang="0">
-                <a:pos x="connsiteX55" y="connsiteY55"/>
-              </a:cxn>
-              <a:cxn ang="0">
-                <a:pos x="connsiteX56" y="connsiteY56"/>
-              </a:cxn>
-              <a:cxn ang="0">
-                <a:pos x="connsiteX57" y="connsiteY57"/>
-              </a:cxn>
-              <a:cxn ang="0">
-                <a:pos x="connsiteX58" y="connsiteY58"/>
-              </a:cxn>
-              <a:cxn ang="0">
-                <a:pos x="connsiteX59" y="connsiteY59"/>
-              </a:cxn>
-              <a:cxn ang="0">
-                <a:pos x="connsiteX60" y="connsiteY60"/>
-              </a:cxn>
-              <a:cxn ang="0">
-                <a:pos x="connsiteX61" y="connsiteY61"/>
-              </a:cxn>
-              <a:cxn ang="0">
-                <a:pos x="connsiteX62" y="connsiteY62"/>
-              </a:cxn>
-              <a:cxn ang="0">
-                <a:pos x="connsiteX63" y="connsiteY63"/>
-              </a:cxn>
-              <a:cxn ang="0">
-                <a:pos x="connsiteX64" y="connsiteY64"/>
-              </a:cxn>
-              <a:cxn ang="0">
-                <a:pos x="connsiteX65" y="connsiteY65"/>
-              </a:cxn>
-              <a:cxn ang="0">
-                <a:pos x="connsiteX66" y="connsiteY66"/>
-              </a:cxn>
-              <a:cxn ang="0">
-                <a:pos x="connsiteX67" y="connsiteY67"/>
-              </a:cxn>
-              <a:cxn ang="0">
-                <a:pos x="connsiteX68" y="connsiteY68"/>
-              </a:cxn>
-              <a:cxn ang="0">
-                <a:pos x="connsiteX69" y="connsiteY69"/>
-              </a:cxn>
-              <a:cxn ang="0">
-                <a:pos x="connsiteX70" y="connsiteY70"/>
-              </a:cxn>
-              <a:cxn ang="0">
-                <a:pos x="connsiteX71" y="connsiteY71"/>
-              </a:cxn>
-              <a:cxn ang="0">
-                <a:pos x="connsiteX72" y="connsiteY72"/>
-              </a:cxn>
-              <a:cxn ang="0">
-                <a:pos x="connsiteX73" y="connsiteY73"/>
-              </a:cxn>
-              <a:cxn ang="0">
-                <a:pos x="connsiteX74" y="connsiteY74"/>
-              </a:cxn>
-              <a:cxn ang="0">
-                <a:pos x="connsiteX75" y="connsiteY75"/>
-              </a:cxn>
-              <a:cxn ang="0">
-                <a:pos x="connsiteX76" y="connsiteY76"/>
-              </a:cxn>
-              <a:cxn ang="0">
-                <a:pos x="connsiteX77" y="connsiteY77"/>
-              </a:cxn>
-              <a:cxn ang="0">
-                <a:pos x="connsiteX78" y="connsiteY78"/>
-              </a:cxn>
-              <a:cxn ang="0">
-                <a:pos x="connsiteX79" y="connsiteY79"/>
-              </a:cxn>
-              <a:cxn ang="0">
-                <a:pos x="connsiteX80" y="connsiteY80"/>
-              </a:cxn>
-              <a:cxn ang="0">
-                <a:pos x="connsiteX81" y="connsiteY81"/>
-              </a:cxn>
-              <a:cxn ang="0">
-                <a:pos x="connsiteX82" y="connsiteY82"/>
-              </a:cxn>
-              <a:cxn ang="0">
-                <a:pos x="connsiteX83" y="connsiteY83"/>
-              </a:cxn>
-              <a:cxn ang="0">
-                <a:pos x="connsiteX84" y="connsiteY84"/>
-              </a:cxn>
-              <a:cxn ang="0">
-                <a:pos x="connsiteX85" y="connsiteY85"/>
-              </a:cxn>
-              <a:cxn ang="0">
-                <a:pos x="connsiteX86" y="connsiteY86"/>
-              </a:cxn>
-              <a:cxn ang="0">
-                <a:pos x="connsiteX87" y="connsiteY87"/>
-              </a:cxn>
-              <a:cxn ang="0">
-                <a:pos x="connsiteX88" y="connsiteY88"/>
-              </a:cxn>
-              <a:cxn ang="0">
-                <a:pos x="connsiteX89" y="connsiteY89"/>
-              </a:cxn>
-              <a:cxn ang="0">
-                <a:pos x="connsiteX90" y="connsiteY90"/>
-              </a:cxn>
-              <a:cxn ang="0">
-                <a:pos x="connsiteX91" y="connsiteY91"/>
-              </a:cxn>
-              <a:cxn ang="0">
-                <a:pos x="connsiteX92" y="connsiteY92"/>
-              </a:cxn>
-              <a:cxn ang="0">
-                <a:pos x="connsiteX93" y="connsiteY93"/>
-              </a:cxn>
-            </a:cxnLst>
-            <a:rect l="l" t="t" r="r" b="b"/>
-            <a:pathLst>
-              <a:path w="23534016" h="11328207">
-                <a:moveTo>
-                  <a:pt x="11264585" y="9912566"/>
-                </a:moveTo>
-                <a:cubicBezTo>
-                  <a:pt x="11470444" y="10051642"/>
-                  <a:pt x="11605793" y="10287166"/>
-                  <a:pt x="11605793" y="10554301"/>
-                </a:cubicBezTo>
-                <a:cubicBezTo>
-                  <a:pt x="11605792" y="10981717"/>
-                  <a:pt x="11259303" y="11328207"/>
-                  <a:pt x="10831887" y="11328207"/>
-                </a:cubicBezTo>
-                <a:lnTo>
-                  <a:pt x="10736635" y="11328207"/>
-                </a:lnTo>
-                <a:cubicBezTo>
-                  <a:pt x="10309219" y="11328207"/>
-                  <a:pt x="9962730" y="10981717"/>
-                  <a:pt x="9962731" y="10554301"/>
-                </a:cubicBezTo>
-                <a:cubicBezTo>
-                  <a:pt x="9962730" y="10126885"/>
-                  <a:pt x="10309219" y="9780395"/>
-                  <a:pt x="10736635" y="9780395"/>
-                </a:cubicBezTo>
-                <a:lnTo>
-                  <a:pt x="10831887" y="9780395"/>
-                </a:lnTo>
-                <a:cubicBezTo>
-                  <a:pt x="10992167" y="9780394"/>
-                  <a:pt x="11141068" y="9829120"/>
-                  <a:pt x="11264585" y="9912566"/>
-                </a:cubicBezTo>
-                <a:close/>
-                <a:moveTo>
-                  <a:pt x="1179542" y="3328153"/>
-                </a:moveTo>
-                <a:cubicBezTo>
-                  <a:pt x="1313615" y="3418731"/>
-                  <a:pt x="1401765" y="3572123"/>
-                  <a:pt x="1401765" y="3746104"/>
-                </a:cubicBezTo>
-                <a:lnTo>
-                  <a:pt x="1401764" y="3746104"/>
-                </a:lnTo>
-                <a:cubicBezTo>
-                  <a:pt x="1401764" y="4024473"/>
-                  <a:pt x="1176101" y="4250136"/>
-                  <a:pt x="897732" y="4250136"/>
-                </a:cubicBezTo>
-                <a:lnTo>
-                  <a:pt x="504033" y="4250135"/>
-                </a:lnTo>
-                <a:cubicBezTo>
-                  <a:pt x="225664" y="4250135"/>
-                  <a:pt x="1" y="4024472"/>
-                  <a:pt x="1" y="3746103"/>
-                </a:cubicBezTo>
-                <a:lnTo>
-                  <a:pt x="0" y="3746103"/>
-                </a:lnTo>
-                <a:cubicBezTo>
-                  <a:pt x="1" y="3467734"/>
-                  <a:pt x="225664" y="3242072"/>
-                  <a:pt x="504032" y="3242072"/>
-                </a:cubicBezTo>
-                <a:lnTo>
-                  <a:pt x="897733" y="3242072"/>
-                </a:lnTo>
-                <a:cubicBezTo>
-                  <a:pt x="1002122" y="3242072"/>
-                  <a:pt x="1099098" y="3273806"/>
-                  <a:pt x="1179542" y="3328153"/>
-                </a:cubicBezTo>
-                <a:close/>
-                <a:moveTo>
-                  <a:pt x="9733515" y="6613367"/>
-                </a:moveTo>
-                <a:cubicBezTo>
-                  <a:pt x="9867590" y="6703946"/>
-                  <a:pt x="9955739" y="6857338"/>
-                  <a:pt x="9955739" y="7031319"/>
-                </a:cubicBezTo>
-                <a:lnTo>
-                  <a:pt x="9955739" y="7031319"/>
-                </a:lnTo>
-                <a:cubicBezTo>
-                  <a:pt x="9955739" y="7309688"/>
-                  <a:pt x="9730075" y="7535351"/>
-                  <a:pt x="9451707" y="7535351"/>
-                </a:cubicBezTo>
-                <a:lnTo>
-                  <a:pt x="9058008" y="7535350"/>
-                </a:lnTo>
-                <a:cubicBezTo>
-                  <a:pt x="8779637" y="7535349"/>
-                  <a:pt x="8553975" y="7309687"/>
-                  <a:pt x="8553975" y="7031318"/>
-                </a:cubicBezTo>
-                <a:lnTo>
-                  <a:pt x="8553975" y="7031318"/>
-                </a:lnTo>
-                <a:cubicBezTo>
-                  <a:pt x="8553975" y="6752949"/>
-                  <a:pt x="8779638" y="6527287"/>
-                  <a:pt x="9058007" y="6527286"/>
-                </a:cubicBezTo>
-                <a:lnTo>
-                  <a:pt x="9451706" y="6527286"/>
-                </a:lnTo>
-                <a:cubicBezTo>
-                  <a:pt x="9556095" y="6527286"/>
-                  <a:pt x="9653072" y="6559021"/>
-                  <a:pt x="9733515" y="6613367"/>
-                </a:cubicBezTo>
-                <a:close/>
-                <a:moveTo>
-                  <a:pt x="8928022" y="3340367"/>
-                </a:moveTo>
-                <a:cubicBezTo>
-                  <a:pt x="9062095" y="3430945"/>
-                  <a:pt x="9150244" y="3584337"/>
-                  <a:pt x="9150244" y="3758318"/>
-                </a:cubicBezTo>
-                <a:lnTo>
-                  <a:pt x="9150244" y="3758318"/>
-                </a:lnTo>
-                <a:cubicBezTo>
-                  <a:pt x="9150244" y="4036688"/>
-                  <a:pt x="8924581" y="4262349"/>
-                  <a:pt x="8646212" y="4262350"/>
-                </a:cubicBezTo>
-                <a:lnTo>
-                  <a:pt x="2350189" y="4262349"/>
-                </a:lnTo>
-                <a:cubicBezTo>
-                  <a:pt x="2071819" y="4262349"/>
-                  <a:pt x="1846156" y="4036685"/>
-                  <a:pt x="1846156" y="3758316"/>
-                </a:cubicBezTo>
-                <a:lnTo>
-                  <a:pt x="1846157" y="3758317"/>
-                </a:lnTo>
-                <a:cubicBezTo>
-                  <a:pt x="1846157" y="3479948"/>
-                  <a:pt x="2071820" y="3254286"/>
-                  <a:pt x="2350189" y="3254285"/>
-                </a:cubicBezTo>
-                <a:lnTo>
-                  <a:pt x="8646213" y="3254286"/>
-                </a:lnTo>
-                <a:cubicBezTo>
-                  <a:pt x="8750602" y="3254287"/>
-                  <a:pt x="8847579" y="3286021"/>
-                  <a:pt x="8928022" y="3340367"/>
-                </a:cubicBezTo>
-                <a:close/>
-                <a:moveTo>
-                  <a:pt x="15324339" y="6624950"/>
-                </a:moveTo>
-                <a:cubicBezTo>
-                  <a:pt x="15458413" y="6715527"/>
-                  <a:pt x="15546561" y="6868919"/>
-                  <a:pt x="15546562" y="7042900"/>
-                </a:cubicBezTo>
-                <a:cubicBezTo>
-                  <a:pt x="15546561" y="7321269"/>
-                  <a:pt x="15320899" y="7546930"/>
-                  <a:pt x="15042530" y="7546931"/>
-                </a:cubicBezTo>
-                <a:lnTo>
-                  <a:pt x="10905505" y="7546930"/>
-                </a:lnTo>
-                <a:cubicBezTo>
-                  <a:pt x="10627136" y="7546930"/>
-                  <a:pt x="10401474" y="7321268"/>
-                  <a:pt x="10401474" y="7042899"/>
-                </a:cubicBezTo>
-                <a:cubicBezTo>
-                  <a:pt x="10401474" y="6764530"/>
-                  <a:pt x="10627137" y="6538868"/>
-                  <a:pt x="10905505" y="6538868"/>
-                </a:cubicBezTo>
-                <a:lnTo>
-                  <a:pt x="15042530" y="6538869"/>
-                </a:lnTo>
-                <a:cubicBezTo>
-                  <a:pt x="15146919" y="6538869"/>
-                  <a:pt x="15243896" y="6570603"/>
-                  <a:pt x="15324339" y="6624950"/>
-                </a:cubicBezTo>
-                <a:close/>
-                <a:moveTo>
-                  <a:pt x="23192458" y="8064785"/>
-                </a:moveTo>
-                <a:cubicBezTo>
-                  <a:pt x="23398529" y="8204003"/>
-                  <a:pt x="23534016" y="8439769"/>
-                  <a:pt x="23534016" y="8707179"/>
-                </a:cubicBezTo>
-                <a:cubicBezTo>
-                  <a:pt x="23534016" y="9135034"/>
-                  <a:pt x="23187171" y="9481878"/>
-                  <a:pt x="22759316" y="9481878"/>
-                </a:cubicBezTo>
-                <a:lnTo>
-                  <a:pt x="8228929" y="9481877"/>
-                </a:lnTo>
-                <a:cubicBezTo>
-                  <a:pt x="7801074" y="9481877"/>
-                  <a:pt x="7454229" y="9135032"/>
-                  <a:pt x="7454228" y="8707176"/>
-                </a:cubicBezTo>
-                <a:cubicBezTo>
-                  <a:pt x="7454228" y="8279322"/>
-                  <a:pt x="7801073" y="7932477"/>
-                  <a:pt x="8228928" y="7932477"/>
-                </a:cubicBezTo>
-                <a:lnTo>
-                  <a:pt x="22759315" y="7932478"/>
-                </a:lnTo>
-                <a:cubicBezTo>
-                  <a:pt x="22919760" y="7932478"/>
-                  <a:pt x="23068815" y="7981253"/>
-                  <a:pt x="23192458" y="8064785"/>
-                </a:cubicBezTo>
-                <a:close/>
-                <a:moveTo>
-                  <a:pt x="9947589" y="86081"/>
-                </a:moveTo>
-                <a:cubicBezTo>
-                  <a:pt x="10081663" y="176659"/>
-                  <a:pt x="10169811" y="330051"/>
-                  <a:pt x="10169812" y="504032"/>
-                </a:cubicBezTo>
-                <a:lnTo>
-                  <a:pt x="10169811" y="504032"/>
-                </a:lnTo>
-                <a:cubicBezTo>
-                  <a:pt x="10169811" y="782401"/>
-                  <a:pt x="9944148" y="1008064"/>
-                  <a:pt x="9665779" y="1008064"/>
-                </a:cubicBezTo>
-                <a:lnTo>
-                  <a:pt x="2447418" y="1008063"/>
-                </a:lnTo>
-                <a:cubicBezTo>
-                  <a:pt x="2169048" y="1008062"/>
-                  <a:pt x="1943386" y="782400"/>
-                  <a:pt x="1943386" y="504031"/>
-                </a:cubicBezTo>
-                <a:lnTo>
-                  <a:pt x="1943385" y="504031"/>
-                </a:lnTo>
-                <a:cubicBezTo>
-                  <a:pt x="1943386" y="225663"/>
-                  <a:pt x="2169048" y="0"/>
-                  <a:pt x="2447417" y="0"/>
-                </a:cubicBezTo>
-                <a:lnTo>
-                  <a:pt x="9665780" y="0"/>
-                </a:lnTo>
-                <a:cubicBezTo>
-                  <a:pt x="9770169" y="0"/>
-                  <a:pt x="9867145" y="31734"/>
-                  <a:pt x="9947589" y="86081"/>
-                </a:cubicBezTo>
-                <a:close/>
-                <a:moveTo>
-                  <a:pt x="16576520" y="3400992"/>
-                </a:moveTo>
-                <a:cubicBezTo>
-                  <a:pt x="16710593" y="3491570"/>
-                  <a:pt x="16798742" y="3644962"/>
-                  <a:pt x="16798742" y="3818943"/>
-                </a:cubicBezTo>
-                <a:lnTo>
-                  <a:pt x="16798742" y="3818943"/>
-                </a:lnTo>
-                <a:cubicBezTo>
-                  <a:pt x="16798742" y="4097312"/>
-                  <a:pt x="16573079" y="4322975"/>
-                  <a:pt x="16294710" y="4322975"/>
-                </a:cubicBezTo>
-                <a:lnTo>
-                  <a:pt x="9998686" y="4322974"/>
-                </a:lnTo>
-                <a:cubicBezTo>
-                  <a:pt x="9720318" y="4322974"/>
-                  <a:pt x="9494655" y="4097311"/>
-                  <a:pt x="9494655" y="3818942"/>
-                </a:cubicBezTo>
-                <a:lnTo>
-                  <a:pt x="9494655" y="3818943"/>
-                </a:lnTo>
-                <a:cubicBezTo>
-                  <a:pt x="9494654" y="3540574"/>
-                  <a:pt x="9720318" y="3314911"/>
-                  <a:pt x="9998687" y="3314911"/>
-                </a:cubicBezTo>
-                <a:lnTo>
-                  <a:pt x="16294711" y="3314911"/>
-                </a:lnTo>
-                <a:cubicBezTo>
-                  <a:pt x="16399100" y="3314912"/>
-                  <a:pt x="16496075" y="3346645"/>
-                  <a:pt x="16576520" y="3400992"/>
-                </a:cubicBezTo>
-                <a:close/>
-                <a:moveTo>
-                  <a:pt x="20515471" y="4777198"/>
-                </a:moveTo>
-                <a:cubicBezTo>
-                  <a:pt x="20721332" y="4916275"/>
-                  <a:pt x="20856681" y="5151799"/>
-                  <a:pt x="20856681" y="5418935"/>
-                </a:cubicBezTo>
-                <a:lnTo>
-                  <a:pt x="20856679" y="5418934"/>
-                </a:lnTo>
-                <a:cubicBezTo>
-                  <a:pt x="20856679" y="5846352"/>
-                  <a:pt x="20510189" y="6192842"/>
-                  <a:pt x="20082773" y="6192842"/>
-                </a:cubicBezTo>
-                <a:lnTo>
-                  <a:pt x="3780736" y="6192840"/>
-                </a:lnTo>
-                <a:cubicBezTo>
-                  <a:pt x="3353319" y="6192840"/>
-                  <a:pt x="3006829" y="5846350"/>
-                  <a:pt x="3006829" y="5418932"/>
-                </a:cubicBezTo>
-                <a:lnTo>
-                  <a:pt x="3006829" y="5418933"/>
-                </a:lnTo>
-                <a:cubicBezTo>
-                  <a:pt x="3006829" y="4991516"/>
-                  <a:pt x="3353318" y="4645026"/>
-                  <a:pt x="3780735" y="4645026"/>
-                </a:cubicBezTo>
-                <a:lnTo>
-                  <a:pt x="20082772" y="4645027"/>
-                </a:lnTo>
-                <a:cubicBezTo>
-                  <a:pt x="20243053" y="4645027"/>
-                  <a:pt x="20391954" y="4693752"/>
-                  <a:pt x="20515471" y="4777198"/>
-                </a:cubicBezTo>
-                <a:close/>
-                <a:moveTo>
-                  <a:pt x="15080250" y="1483266"/>
-                </a:moveTo>
-                <a:cubicBezTo>
-                  <a:pt x="15286109" y="1622342"/>
-                  <a:pt x="15421458" y="1857867"/>
-                  <a:pt x="15421458" y="2125002"/>
-                </a:cubicBezTo>
-                <a:lnTo>
-                  <a:pt x="15421458" y="2125003"/>
-                </a:lnTo>
-                <a:cubicBezTo>
-                  <a:pt x="15421458" y="2552420"/>
-                  <a:pt x="15074966" y="2898909"/>
-                  <a:pt x="14647550" y="2898909"/>
-                </a:cubicBezTo>
-                <a:lnTo>
-                  <a:pt x="5471802" y="2898908"/>
-                </a:lnTo>
-                <a:cubicBezTo>
-                  <a:pt x="5044384" y="2898908"/>
-                  <a:pt x="4697895" y="2552418"/>
-                  <a:pt x="4697895" y="2125001"/>
-                </a:cubicBezTo>
-                <a:lnTo>
-                  <a:pt x="4697895" y="2125002"/>
-                </a:lnTo>
-                <a:cubicBezTo>
-                  <a:pt x="4697894" y="1697585"/>
-                  <a:pt x="5044385" y="1351096"/>
-                  <a:pt x="5471802" y="1351096"/>
-                </a:cubicBezTo>
-                <a:lnTo>
-                  <a:pt x="14647551" y="1351096"/>
-                </a:lnTo>
-                <a:cubicBezTo>
-                  <a:pt x="14807834" y="1351096"/>
-                  <a:pt x="14956733" y="1399820"/>
-                  <a:pt x="15080250" y="1483266"/>
-                </a:cubicBezTo>
-                <a:close/>
-              </a:path>
-            </a:pathLst>
-          </a:custGeom>
-          <a:gradFill flip="none" rotWithShape="1">
-            <a:gsLst>
-              <a:gs pos="0">
-                <a:schemeClr val="accent2">
-                  <a:alpha val="27000"/>
-                  <a:lumMod val="0"/>
-                  <a:lumOff val="100000"/>
-                </a:schemeClr>
-              </a:gs>
-              <a:gs pos="100000">
-                <a:schemeClr val="accent2">
-                  <a:lumMod val="52000"/>
-                  <a:lumOff val="48000"/>
-                </a:schemeClr>
-              </a:gs>
-              <a:gs pos="100000">
-                <a:schemeClr val="accent2">
-                  <a:lumMod val="60000"/>
-                </a:schemeClr>
-              </a:gs>
-            </a:gsLst>
-            <a:path path="circle">
-              <a:fillToRect l="50000" t="130000" r="50000" b="-30000"/>
-            </a:path>
-            <a:tileRect/>
-          </a:gradFill>
-          <a:ln>
-            <a:noFill/>
-          </a:ln>
-        </p:spPr>
-        <p:txBody>
-          <a:bodyPr wrap="square" lIns="19050" tIns="19050" rIns="19050" bIns="19050" anchor="ctr">
-            <a:noAutofit/>
-          </a:bodyPr>
-          <a:lstStyle/>
-          <a:p>
-            <a:pPr eaLnBrk="1"/>
-            <a:endParaRPr lang="en-US" altLang="x-none" sz="900"/>
-          </a:p>
-        </p:txBody>
-      </p:sp>
       <p:pic>
         <p:nvPicPr>
           <p:cNvPr id="44" name="Picture 43" descr="Shape&#10;&#10;Description automatically generated">
@@ -15427,7 +18095,7 @@
 </p:sld>
 </file>
 
-<file path=ppt/slides/slide8.xml><?xml version="1.0" encoding="utf-8"?>
+<file path=ppt/slides/slide9.xml><?xml version="1.0" encoding="utf-8"?>
 <p:sld xmlns:a="http://schemas.openxmlformats.org/drawingml/2006/main" xmlns:r="http://schemas.openxmlformats.org/officeDocument/2006/relationships" xmlns:p="http://schemas.openxmlformats.org/presentationml/2006/main">
   <p:cSld>
     <p:bg>
@@ -17044,1175 +19712,6 @@
 </p:sld>
 </file>
 
-<file path=ppt/slides/slide9.xml><?xml version="1.0" encoding="utf-8"?>
-<p:sld xmlns:a="http://schemas.openxmlformats.org/drawingml/2006/main" xmlns:r="http://schemas.openxmlformats.org/officeDocument/2006/relationships" xmlns:p="http://schemas.openxmlformats.org/presentationml/2006/main">
-  <p:cSld>
-    <p:bg>
-      <p:bgPr>
-        <a:solidFill>
-          <a:schemeClr val="bg1">
-            <a:lumMod val="85000"/>
-          </a:schemeClr>
-        </a:solidFill>
-        <a:effectLst/>
-      </p:bgPr>
-    </p:bg>
-    <p:spTree>
-      <p:nvGrpSpPr>
-        <p:cNvPr id="1" name=""/>
-        <p:cNvGrpSpPr/>
-        <p:nvPr/>
-      </p:nvGrpSpPr>
-      <p:grpSpPr>
-        <a:xfrm>
-          <a:off x="0" y="0"/>
-          <a:ext cx="0" cy="0"/>
-          <a:chOff x="0" y="0"/>
-          <a:chExt cx="0" cy="0"/>
-        </a:xfrm>
-      </p:grpSpPr>
-      <p:sp>
-        <p:nvSpPr>
-          <p:cNvPr id="11" name="Freeform 40">
-            <a:extLst>
-              <a:ext uri="{FF2B5EF4-FFF2-40B4-BE49-F238E27FC236}">
-                <a16:creationId xmlns:a16="http://schemas.microsoft.com/office/drawing/2014/main" id="{88A17AD2-2BAB-4530-86E7-D72AB6E50713}"/>
-              </a:ext>
-            </a:extLst>
-          </p:cNvPr>
-          <p:cNvSpPr>
-            <a:spLocks noChangeArrowheads="1"/>
-          </p:cNvSpPr>
-          <p:nvPr/>
-        </p:nvSpPr>
-        <p:spPr bwMode="auto">
-          <a:xfrm rot="11825610">
-            <a:off x="-4873768" y="-208990"/>
-            <a:ext cx="11767008" cy="5664104"/>
-          </a:xfrm>
-          <a:custGeom>
-            <a:avLst/>
-            <a:gdLst>
-              <a:gd name="connsiteX0" fmla="*/ 11264585 w 23534016"/>
-              <a:gd name="connsiteY0" fmla="*/ 9912566 h 11328207"/>
-              <a:gd name="connsiteX1" fmla="*/ 11605793 w 23534016"/>
-              <a:gd name="connsiteY1" fmla="*/ 10554301 h 11328207"/>
-              <a:gd name="connsiteX2" fmla="*/ 10831887 w 23534016"/>
-              <a:gd name="connsiteY2" fmla="*/ 11328207 h 11328207"/>
-              <a:gd name="connsiteX3" fmla="*/ 10736635 w 23534016"/>
-              <a:gd name="connsiteY3" fmla="*/ 11328207 h 11328207"/>
-              <a:gd name="connsiteX4" fmla="*/ 9962731 w 23534016"/>
-              <a:gd name="connsiteY4" fmla="*/ 10554301 h 11328207"/>
-              <a:gd name="connsiteX5" fmla="*/ 10736635 w 23534016"/>
-              <a:gd name="connsiteY5" fmla="*/ 9780395 h 11328207"/>
-              <a:gd name="connsiteX6" fmla="*/ 10831887 w 23534016"/>
-              <a:gd name="connsiteY6" fmla="*/ 9780395 h 11328207"/>
-              <a:gd name="connsiteX7" fmla="*/ 11264585 w 23534016"/>
-              <a:gd name="connsiteY7" fmla="*/ 9912566 h 11328207"/>
-              <a:gd name="connsiteX8" fmla="*/ 1179542 w 23534016"/>
-              <a:gd name="connsiteY8" fmla="*/ 3328153 h 11328207"/>
-              <a:gd name="connsiteX9" fmla="*/ 1401765 w 23534016"/>
-              <a:gd name="connsiteY9" fmla="*/ 3746104 h 11328207"/>
-              <a:gd name="connsiteX10" fmla="*/ 1401764 w 23534016"/>
-              <a:gd name="connsiteY10" fmla="*/ 3746104 h 11328207"/>
-              <a:gd name="connsiteX11" fmla="*/ 897732 w 23534016"/>
-              <a:gd name="connsiteY11" fmla="*/ 4250136 h 11328207"/>
-              <a:gd name="connsiteX12" fmla="*/ 504033 w 23534016"/>
-              <a:gd name="connsiteY12" fmla="*/ 4250135 h 11328207"/>
-              <a:gd name="connsiteX13" fmla="*/ 1 w 23534016"/>
-              <a:gd name="connsiteY13" fmla="*/ 3746103 h 11328207"/>
-              <a:gd name="connsiteX14" fmla="*/ 0 w 23534016"/>
-              <a:gd name="connsiteY14" fmla="*/ 3746103 h 11328207"/>
-              <a:gd name="connsiteX15" fmla="*/ 504032 w 23534016"/>
-              <a:gd name="connsiteY15" fmla="*/ 3242072 h 11328207"/>
-              <a:gd name="connsiteX16" fmla="*/ 897733 w 23534016"/>
-              <a:gd name="connsiteY16" fmla="*/ 3242072 h 11328207"/>
-              <a:gd name="connsiteX17" fmla="*/ 1179542 w 23534016"/>
-              <a:gd name="connsiteY17" fmla="*/ 3328153 h 11328207"/>
-              <a:gd name="connsiteX18" fmla="*/ 9733515 w 23534016"/>
-              <a:gd name="connsiteY18" fmla="*/ 6613367 h 11328207"/>
-              <a:gd name="connsiteX19" fmla="*/ 9955739 w 23534016"/>
-              <a:gd name="connsiteY19" fmla="*/ 7031319 h 11328207"/>
-              <a:gd name="connsiteX20" fmla="*/ 9955739 w 23534016"/>
-              <a:gd name="connsiteY20" fmla="*/ 7031319 h 11328207"/>
-              <a:gd name="connsiteX21" fmla="*/ 9451707 w 23534016"/>
-              <a:gd name="connsiteY21" fmla="*/ 7535351 h 11328207"/>
-              <a:gd name="connsiteX22" fmla="*/ 9058008 w 23534016"/>
-              <a:gd name="connsiteY22" fmla="*/ 7535350 h 11328207"/>
-              <a:gd name="connsiteX23" fmla="*/ 8553975 w 23534016"/>
-              <a:gd name="connsiteY23" fmla="*/ 7031318 h 11328207"/>
-              <a:gd name="connsiteX24" fmla="*/ 8553975 w 23534016"/>
-              <a:gd name="connsiteY24" fmla="*/ 7031318 h 11328207"/>
-              <a:gd name="connsiteX25" fmla="*/ 9058007 w 23534016"/>
-              <a:gd name="connsiteY25" fmla="*/ 6527286 h 11328207"/>
-              <a:gd name="connsiteX26" fmla="*/ 9451706 w 23534016"/>
-              <a:gd name="connsiteY26" fmla="*/ 6527286 h 11328207"/>
-              <a:gd name="connsiteX27" fmla="*/ 9733515 w 23534016"/>
-              <a:gd name="connsiteY27" fmla="*/ 6613367 h 11328207"/>
-              <a:gd name="connsiteX28" fmla="*/ 8928022 w 23534016"/>
-              <a:gd name="connsiteY28" fmla="*/ 3340367 h 11328207"/>
-              <a:gd name="connsiteX29" fmla="*/ 9150244 w 23534016"/>
-              <a:gd name="connsiteY29" fmla="*/ 3758318 h 11328207"/>
-              <a:gd name="connsiteX30" fmla="*/ 9150244 w 23534016"/>
-              <a:gd name="connsiteY30" fmla="*/ 3758318 h 11328207"/>
-              <a:gd name="connsiteX31" fmla="*/ 8646212 w 23534016"/>
-              <a:gd name="connsiteY31" fmla="*/ 4262350 h 11328207"/>
-              <a:gd name="connsiteX32" fmla="*/ 2350189 w 23534016"/>
-              <a:gd name="connsiteY32" fmla="*/ 4262349 h 11328207"/>
-              <a:gd name="connsiteX33" fmla="*/ 1846156 w 23534016"/>
-              <a:gd name="connsiteY33" fmla="*/ 3758316 h 11328207"/>
-              <a:gd name="connsiteX34" fmla="*/ 1846157 w 23534016"/>
-              <a:gd name="connsiteY34" fmla="*/ 3758317 h 11328207"/>
-              <a:gd name="connsiteX35" fmla="*/ 2350189 w 23534016"/>
-              <a:gd name="connsiteY35" fmla="*/ 3254285 h 11328207"/>
-              <a:gd name="connsiteX36" fmla="*/ 8646213 w 23534016"/>
-              <a:gd name="connsiteY36" fmla="*/ 3254286 h 11328207"/>
-              <a:gd name="connsiteX37" fmla="*/ 8928022 w 23534016"/>
-              <a:gd name="connsiteY37" fmla="*/ 3340367 h 11328207"/>
-              <a:gd name="connsiteX38" fmla="*/ 15324339 w 23534016"/>
-              <a:gd name="connsiteY38" fmla="*/ 6624950 h 11328207"/>
-              <a:gd name="connsiteX39" fmla="*/ 15546562 w 23534016"/>
-              <a:gd name="connsiteY39" fmla="*/ 7042900 h 11328207"/>
-              <a:gd name="connsiteX40" fmla="*/ 15042530 w 23534016"/>
-              <a:gd name="connsiteY40" fmla="*/ 7546931 h 11328207"/>
-              <a:gd name="connsiteX41" fmla="*/ 10905505 w 23534016"/>
-              <a:gd name="connsiteY41" fmla="*/ 7546930 h 11328207"/>
-              <a:gd name="connsiteX42" fmla="*/ 10401474 w 23534016"/>
-              <a:gd name="connsiteY42" fmla="*/ 7042899 h 11328207"/>
-              <a:gd name="connsiteX43" fmla="*/ 10905505 w 23534016"/>
-              <a:gd name="connsiteY43" fmla="*/ 6538868 h 11328207"/>
-              <a:gd name="connsiteX44" fmla="*/ 15042530 w 23534016"/>
-              <a:gd name="connsiteY44" fmla="*/ 6538869 h 11328207"/>
-              <a:gd name="connsiteX45" fmla="*/ 15324339 w 23534016"/>
-              <a:gd name="connsiteY45" fmla="*/ 6624950 h 11328207"/>
-              <a:gd name="connsiteX46" fmla="*/ 23192458 w 23534016"/>
-              <a:gd name="connsiteY46" fmla="*/ 8064785 h 11328207"/>
-              <a:gd name="connsiteX47" fmla="*/ 23534016 w 23534016"/>
-              <a:gd name="connsiteY47" fmla="*/ 8707179 h 11328207"/>
-              <a:gd name="connsiteX48" fmla="*/ 22759316 w 23534016"/>
-              <a:gd name="connsiteY48" fmla="*/ 9481878 h 11328207"/>
-              <a:gd name="connsiteX49" fmla="*/ 8228929 w 23534016"/>
-              <a:gd name="connsiteY49" fmla="*/ 9481877 h 11328207"/>
-              <a:gd name="connsiteX50" fmla="*/ 7454228 w 23534016"/>
-              <a:gd name="connsiteY50" fmla="*/ 8707176 h 11328207"/>
-              <a:gd name="connsiteX51" fmla="*/ 8228928 w 23534016"/>
-              <a:gd name="connsiteY51" fmla="*/ 7932477 h 11328207"/>
-              <a:gd name="connsiteX52" fmla="*/ 22759315 w 23534016"/>
-              <a:gd name="connsiteY52" fmla="*/ 7932478 h 11328207"/>
-              <a:gd name="connsiteX53" fmla="*/ 23192458 w 23534016"/>
-              <a:gd name="connsiteY53" fmla="*/ 8064785 h 11328207"/>
-              <a:gd name="connsiteX54" fmla="*/ 9947589 w 23534016"/>
-              <a:gd name="connsiteY54" fmla="*/ 86081 h 11328207"/>
-              <a:gd name="connsiteX55" fmla="*/ 10169812 w 23534016"/>
-              <a:gd name="connsiteY55" fmla="*/ 504032 h 11328207"/>
-              <a:gd name="connsiteX56" fmla="*/ 10169811 w 23534016"/>
-              <a:gd name="connsiteY56" fmla="*/ 504032 h 11328207"/>
-              <a:gd name="connsiteX57" fmla="*/ 9665779 w 23534016"/>
-              <a:gd name="connsiteY57" fmla="*/ 1008064 h 11328207"/>
-              <a:gd name="connsiteX58" fmla="*/ 2447418 w 23534016"/>
-              <a:gd name="connsiteY58" fmla="*/ 1008063 h 11328207"/>
-              <a:gd name="connsiteX59" fmla="*/ 1943386 w 23534016"/>
-              <a:gd name="connsiteY59" fmla="*/ 504031 h 11328207"/>
-              <a:gd name="connsiteX60" fmla="*/ 1943385 w 23534016"/>
-              <a:gd name="connsiteY60" fmla="*/ 504031 h 11328207"/>
-              <a:gd name="connsiteX61" fmla="*/ 2447417 w 23534016"/>
-              <a:gd name="connsiteY61" fmla="*/ 0 h 11328207"/>
-              <a:gd name="connsiteX62" fmla="*/ 9665780 w 23534016"/>
-              <a:gd name="connsiteY62" fmla="*/ 0 h 11328207"/>
-              <a:gd name="connsiteX63" fmla="*/ 9947589 w 23534016"/>
-              <a:gd name="connsiteY63" fmla="*/ 86081 h 11328207"/>
-              <a:gd name="connsiteX64" fmla="*/ 16576520 w 23534016"/>
-              <a:gd name="connsiteY64" fmla="*/ 3400992 h 11328207"/>
-              <a:gd name="connsiteX65" fmla="*/ 16798742 w 23534016"/>
-              <a:gd name="connsiteY65" fmla="*/ 3818943 h 11328207"/>
-              <a:gd name="connsiteX66" fmla="*/ 16798742 w 23534016"/>
-              <a:gd name="connsiteY66" fmla="*/ 3818943 h 11328207"/>
-              <a:gd name="connsiteX67" fmla="*/ 16294710 w 23534016"/>
-              <a:gd name="connsiteY67" fmla="*/ 4322975 h 11328207"/>
-              <a:gd name="connsiteX68" fmla="*/ 9998686 w 23534016"/>
-              <a:gd name="connsiteY68" fmla="*/ 4322974 h 11328207"/>
-              <a:gd name="connsiteX69" fmla="*/ 9494655 w 23534016"/>
-              <a:gd name="connsiteY69" fmla="*/ 3818942 h 11328207"/>
-              <a:gd name="connsiteX70" fmla="*/ 9494655 w 23534016"/>
-              <a:gd name="connsiteY70" fmla="*/ 3818943 h 11328207"/>
-              <a:gd name="connsiteX71" fmla="*/ 9998687 w 23534016"/>
-              <a:gd name="connsiteY71" fmla="*/ 3314911 h 11328207"/>
-              <a:gd name="connsiteX72" fmla="*/ 16294711 w 23534016"/>
-              <a:gd name="connsiteY72" fmla="*/ 3314911 h 11328207"/>
-              <a:gd name="connsiteX73" fmla="*/ 16576520 w 23534016"/>
-              <a:gd name="connsiteY73" fmla="*/ 3400992 h 11328207"/>
-              <a:gd name="connsiteX74" fmla="*/ 20515471 w 23534016"/>
-              <a:gd name="connsiteY74" fmla="*/ 4777198 h 11328207"/>
-              <a:gd name="connsiteX75" fmla="*/ 20856681 w 23534016"/>
-              <a:gd name="connsiteY75" fmla="*/ 5418935 h 11328207"/>
-              <a:gd name="connsiteX76" fmla="*/ 20856679 w 23534016"/>
-              <a:gd name="connsiteY76" fmla="*/ 5418934 h 11328207"/>
-              <a:gd name="connsiteX77" fmla="*/ 20082773 w 23534016"/>
-              <a:gd name="connsiteY77" fmla="*/ 6192842 h 11328207"/>
-              <a:gd name="connsiteX78" fmla="*/ 3780736 w 23534016"/>
-              <a:gd name="connsiteY78" fmla="*/ 6192840 h 11328207"/>
-              <a:gd name="connsiteX79" fmla="*/ 3006829 w 23534016"/>
-              <a:gd name="connsiteY79" fmla="*/ 5418932 h 11328207"/>
-              <a:gd name="connsiteX80" fmla="*/ 3006829 w 23534016"/>
-              <a:gd name="connsiteY80" fmla="*/ 5418933 h 11328207"/>
-              <a:gd name="connsiteX81" fmla="*/ 3780735 w 23534016"/>
-              <a:gd name="connsiteY81" fmla="*/ 4645026 h 11328207"/>
-              <a:gd name="connsiteX82" fmla="*/ 20082772 w 23534016"/>
-              <a:gd name="connsiteY82" fmla="*/ 4645027 h 11328207"/>
-              <a:gd name="connsiteX83" fmla="*/ 20515471 w 23534016"/>
-              <a:gd name="connsiteY83" fmla="*/ 4777198 h 11328207"/>
-              <a:gd name="connsiteX84" fmla="*/ 15080250 w 23534016"/>
-              <a:gd name="connsiteY84" fmla="*/ 1483266 h 11328207"/>
-              <a:gd name="connsiteX85" fmla="*/ 15421458 w 23534016"/>
-              <a:gd name="connsiteY85" fmla="*/ 2125002 h 11328207"/>
-              <a:gd name="connsiteX86" fmla="*/ 15421458 w 23534016"/>
-              <a:gd name="connsiteY86" fmla="*/ 2125003 h 11328207"/>
-              <a:gd name="connsiteX87" fmla="*/ 14647550 w 23534016"/>
-              <a:gd name="connsiteY87" fmla="*/ 2898909 h 11328207"/>
-              <a:gd name="connsiteX88" fmla="*/ 5471802 w 23534016"/>
-              <a:gd name="connsiteY88" fmla="*/ 2898908 h 11328207"/>
-              <a:gd name="connsiteX89" fmla="*/ 4697895 w 23534016"/>
-              <a:gd name="connsiteY89" fmla="*/ 2125001 h 11328207"/>
-              <a:gd name="connsiteX90" fmla="*/ 4697895 w 23534016"/>
-              <a:gd name="connsiteY90" fmla="*/ 2125002 h 11328207"/>
-              <a:gd name="connsiteX91" fmla="*/ 5471802 w 23534016"/>
-              <a:gd name="connsiteY91" fmla="*/ 1351096 h 11328207"/>
-              <a:gd name="connsiteX92" fmla="*/ 14647551 w 23534016"/>
-              <a:gd name="connsiteY92" fmla="*/ 1351096 h 11328207"/>
-              <a:gd name="connsiteX93" fmla="*/ 15080250 w 23534016"/>
-              <a:gd name="connsiteY93" fmla="*/ 1483266 h 11328207"/>
-            </a:gdLst>
-            <a:ahLst/>
-            <a:cxnLst>
-              <a:cxn ang="0">
-                <a:pos x="connsiteX0" y="connsiteY0"/>
-              </a:cxn>
-              <a:cxn ang="0">
-                <a:pos x="connsiteX1" y="connsiteY1"/>
-              </a:cxn>
-              <a:cxn ang="0">
-                <a:pos x="connsiteX2" y="connsiteY2"/>
-              </a:cxn>
-              <a:cxn ang="0">
-                <a:pos x="connsiteX3" y="connsiteY3"/>
-              </a:cxn>
-              <a:cxn ang="0">
-                <a:pos x="connsiteX4" y="connsiteY4"/>
-              </a:cxn>
-              <a:cxn ang="0">
-                <a:pos x="connsiteX5" y="connsiteY5"/>
-              </a:cxn>
-              <a:cxn ang="0">
-                <a:pos x="connsiteX6" y="connsiteY6"/>
-              </a:cxn>
-              <a:cxn ang="0">
-                <a:pos x="connsiteX7" y="connsiteY7"/>
-              </a:cxn>
-              <a:cxn ang="0">
-                <a:pos x="connsiteX8" y="connsiteY8"/>
-              </a:cxn>
-              <a:cxn ang="0">
-                <a:pos x="connsiteX9" y="connsiteY9"/>
-              </a:cxn>
-              <a:cxn ang="0">
-                <a:pos x="connsiteX10" y="connsiteY10"/>
-              </a:cxn>
-              <a:cxn ang="0">
-                <a:pos x="connsiteX11" y="connsiteY11"/>
-              </a:cxn>
-              <a:cxn ang="0">
-                <a:pos x="connsiteX12" y="connsiteY12"/>
-              </a:cxn>
-              <a:cxn ang="0">
-                <a:pos x="connsiteX13" y="connsiteY13"/>
-              </a:cxn>
-              <a:cxn ang="0">
-                <a:pos x="connsiteX14" y="connsiteY14"/>
-              </a:cxn>
-              <a:cxn ang="0">
-                <a:pos x="connsiteX15" y="connsiteY15"/>
-              </a:cxn>
-              <a:cxn ang="0">
-                <a:pos x="connsiteX16" y="connsiteY16"/>
-              </a:cxn>
-              <a:cxn ang="0">
-                <a:pos x="connsiteX17" y="connsiteY17"/>
-              </a:cxn>
-              <a:cxn ang="0">
-                <a:pos x="connsiteX18" y="connsiteY18"/>
-              </a:cxn>
-              <a:cxn ang="0">
-                <a:pos x="connsiteX19" y="connsiteY19"/>
-              </a:cxn>
-              <a:cxn ang="0">
-                <a:pos x="connsiteX20" y="connsiteY20"/>
-              </a:cxn>
-              <a:cxn ang="0">
-                <a:pos x="connsiteX21" y="connsiteY21"/>
-              </a:cxn>
-              <a:cxn ang="0">
-                <a:pos x="connsiteX22" y="connsiteY22"/>
-              </a:cxn>
-              <a:cxn ang="0">
-                <a:pos x="connsiteX23" y="connsiteY23"/>
-              </a:cxn>
-              <a:cxn ang="0">
-                <a:pos x="connsiteX24" y="connsiteY24"/>
-              </a:cxn>
-              <a:cxn ang="0">
-                <a:pos x="connsiteX25" y="connsiteY25"/>
-              </a:cxn>
-              <a:cxn ang="0">
-                <a:pos x="connsiteX26" y="connsiteY26"/>
-              </a:cxn>
-              <a:cxn ang="0">
-                <a:pos x="connsiteX27" y="connsiteY27"/>
-              </a:cxn>
-              <a:cxn ang="0">
-                <a:pos x="connsiteX28" y="connsiteY28"/>
-              </a:cxn>
-              <a:cxn ang="0">
-                <a:pos x="connsiteX29" y="connsiteY29"/>
-              </a:cxn>
-              <a:cxn ang="0">
-                <a:pos x="connsiteX30" y="connsiteY30"/>
-              </a:cxn>
-              <a:cxn ang="0">
-                <a:pos x="connsiteX31" y="connsiteY31"/>
-              </a:cxn>
-              <a:cxn ang="0">
-                <a:pos x="connsiteX32" y="connsiteY32"/>
-              </a:cxn>
-              <a:cxn ang="0">
-                <a:pos x="connsiteX33" y="connsiteY33"/>
-              </a:cxn>
-              <a:cxn ang="0">
-                <a:pos x="connsiteX34" y="connsiteY34"/>
-              </a:cxn>
-              <a:cxn ang="0">
-                <a:pos x="connsiteX35" y="connsiteY35"/>
-              </a:cxn>
-              <a:cxn ang="0">
-                <a:pos x="connsiteX36" y="connsiteY36"/>
-              </a:cxn>
-              <a:cxn ang="0">
-                <a:pos x="connsiteX37" y="connsiteY37"/>
-              </a:cxn>
-              <a:cxn ang="0">
-                <a:pos x="connsiteX38" y="connsiteY38"/>
-              </a:cxn>
-              <a:cxn ang="0">
-                <a:pos x="connsiteX39" y="connsiteY39"/>
-              </a:cxn>
-              <a:cxn ang="0">
-                <a:pos x="connsiteX40" y="connsiteY40"/>
-              </a:cxn>
-              <a:cxn ang="0">
-                <a:pos x="connsiteX41" y="connsiteY41"/>
-              </a:cxn>
-              <a:cxn ang="0">
-                <a:pos x="connsiteX42" y="connsiteY42"/>
-              </a:cxn>
-              <a:cxn ang="0">
-                <a:pos x="connsiteX43" y="connsiteY43"/>
-              </a:cxn>
-              <a:cxn ang="0">
-                <a:pos x="connsiteX44" y="connsiteY44"/>
-              </a:cxn>
-              <a:cxn ang="0">
-                <a:pos x="connsiteX45" y="connsiteY45"/>
-              </a:cxn>
-              <a:cxn ang="0">
-                <a:pos x="connsiteX46" y="connsiteY46"/>
-              </a:cxn>
-              <a:cxn ang="0">
-                <a:pos x="connsiteX47" y="connsiteY47"/>
-              </a:cxn>
-              <a:cxn ang="0">
-                <a:pos x="connsiteX48" y="connsiteY48"/>
-              </a:cxn>
-              <a:cxn ang="0">
-                <a:pos x="connsiteX49" y="connsiteY49"/>
-              </a:cxn>
-              <a:cxn ang="0">
-                <a:pos x="connsiteX50" y="connsiteY50"/>
-              </a:cxn>
-              <a:cxn ang="0">
-                <a:pos x="connsiteX51" y="connsiteY51"/>
-              </a:cxn>
-              <a:cxn ang="0">
-                <a:pos x="connsiteX52" y="connsiteY52"/>
-              </a:cxn>
-              <a:cxn ang="0">
-                <a:pos x="connsiteX53" y="connsiteY53"/>
-              </a:cxn>
-              <a:cxn ang="0">
-                <a:pos x="connsiteX54" y="connsiteY54"/>
-              </a:cxn>
-              <a:cxn ang="0">
-                <a:pos x="connsiteX55" y="connsiteY55"/>
-              </a:cxn>
-              <a:cxn ang="0">
-                <a:pos x="connsiteX56" y="connsiteY56"/>
-              </a:cxn>
-              <a:cxn ang="0">
-                <a:pos x="connsiteX57" y="connsiteY57"/>
-              </a:cxn>
-              <a:cxn ang="0">
-                <a:pos x="connsiteX58" y="connsiteY58"/>
-              </a:cxn>
-              <a:cxn ang="0">
-                <a:pos x="connsiteX59" y="connsiteY59"/>
-              </a:cxn>
-              <a:cxn ang="0">
-                <a:pos x="connsiteX60" y="connsiteY60"/>
-              </a:cxn>
-              <a:cxn ang="0">
-                <a:pos x="connsiteX61" y="connsiteY61"/>
-              </a:cxn>
-              <a:cxn ang="0">
-                <a:pos x="connsiteX62" y="connsiteY62"/>
-              </a:cxn>
-              <a:cxn ang="0">
-                <a:pos x="connsiteX63" y="connsiteY63"/>
-              </a:cxn>
-              <a:cxn ang="0">
-                <a:pos x="connsiteX64" y="connsiteY64"/>
-              </a:cxn>
-              <a:cxn ang="0">
-                <a:pos x="connsiteX65" y="connsiteY65"/>
-              </a:cxn>
-              <a:cxn ang="0">
-                <a:pos x="connsiteX66" y="connsiteY66"/>
-              </a:cxn>
-              <a:cxn ang="0">
-                <a:pos x="connsiteX67" y="connsiteY67"/>
-              </a:cxn>
-              <a:cxn ang="0">
-                <a:pos x="connsiteX68" y="connsiteY68"/>
-              </a:cxn>
-              <a:cxn ang="0">
-                <a:pos x="connsiteX69" y="connsiteY69"/>
-              </a:cxn>
-              <a:cxn ang="0">
-                <a:pos x="connsiteX70" y="connsiteY70"/>
-              </a:cxn>
-              <a:cxn ang="0">
-                <a:pos x="connsiteX71" y="connsiteY71"/>
-              </a:cxn>
-              <a:cxn ang="0">
-                <a:pos x="connsiteX72" y="connsiteY72"/>
-              </a:cxn>
-              <a:cxn ang="0">
-                <a:pos x="connsiteX73" y="connsiteY73"/>
-              </a:cxn>
-              <a:cxn ang="0">
-                <a:pos x="connsiteX74" y="connsiteY74"/>
-              </a:cxn>
-              <a:cxn ang="0">
-                <a:pos x="connsiteX75" y="connsiteY75"/>
-              </a:cxn>
-              <a:cxn ang="0">
-                <a:pos x="connsiteX76" y="connsiteY76"/>
-              </a:cxn>
-              <a:cxn ang="0">
-                <a:pos x="connsiteX77" y="connsiteY77"/>
-              </a:cxn>
-              <a:cxn ang="0">
-                <a:pos x="connsiteX78" y="connsiteY78"/>
-              </a:cxn>
-              <a:cxn ang="0">
-                <a:pos x="connsiteX79" y="connsiteY79"/>
-              </a:cxn>
-              <a:cxn ang="0">
-                <a:pos x="connsiteX80" y="connsiteY80"/>
-              </a:cxn>
-              <a:cxn ang="0">
-                <a:pos x="connsiteX81" y="connsiteY81"/>
-              </a:cxn>
-              <a:cxn ang="0">
-                <a:pos x="connsiteX82" y="connsiteY82"/>
-              </a:cxn>
-              <a:cxn ang="0">
-                <a:pos x="connsiteX83" y="connsiteY83"/>
-              </a:cxn>
-              <a:cxn ang="0">
-                <a:pos x="connsiteX84" y="connsiteY84"/>
-              </a:cxn>
-              <a:cxn ang="0">
-                <a:pos x="connsiteX85" y="connsiteY85"/>
-              </a:cxn>
-              <a:cxn ang="0">
-                <a:pos x="connsiteX86" y="connsiteY86"/>
-              </a:cxn>
-              <a:cxn ang="0">
-                <a:pos x="connsiteX87" y="connsiteY87"/>
-              </a:cxn>
-              <a:cxn ang="0">
-                <a:pos x="connsiteX88" y="connsiteY88"/>
-              </a:cxn>
-              <a:cxn ang="0">
-                <a:pos x="connsiteX89" y="connsiteY89"/>
-              </a:cxn>
-              <a:cxn ang="0">
-                <a:pos x="connsiteX90" y="connsiteY90"/>
-              </a:cxn>
-              <a:cxn ang="0">
-                <a:pos x="connsiteX91" y="connsiteY91"/>
-              </a:cxn>
-              <a:cxn ang="0">
-                <a:pos x="connsiteX92" y="connsiteY92"/>
-              </a:cxn>
-              <a:cxn ang="0">
-                <a:pos x="connsiteX93" y="connsiteY93"/>
-              </a:cxn>
-            </a:cxnLst>
-            <a:rect l="l" t="t" r="r" b="b"/>
-            <a:pathLst>
-              <a:path w="23534016" h="11328207">
-                <a:moveTo>
-                  <a:pt x="11264585" y="9912566"/>
-                </a:moveTo>
-                <a:cubicBezTo>
-                  <a:pt x="11470444" y="10051642"/>
-                  <a:pt x="11605793" y="10287166"/>
-                  <a:pt x="11605793" y="10554301"/>
-                </a:cubicBezTo>
-                <a:cubicBezTo>
-                  <a:pt x="11605792" y="10981717"/>
-                  <a:pt x="11259303" y="11328207"/>
-                  <a:pt x="10831887" y="11328207"/>
-                </a:cubicBezTo>
-                <a:lnTo>
-                  <a:pt x="10736635" y="11328207"/>
-                </a:lnTo>
-                <a:cubicBezTo>
-                  <a:pt x="10309219" y="11328207"/>
-                  <a:pt x="9962730" y="10981717"/>
-                  <a:pt x="9962731" y="10554301"/>
-                </a:cubicBezTo>
-                <a:cubicBezTo>
-                  <a:pt x="9962730" y="10126885"/>
-                  <a:pt x="10309219" y="9780395"/>
-                  <a:pt x="10736635" y="9780395"/>
-                </a:cubicBezTo>
-                <a:lnTo>
-                  <a:pt x="10831887" y="9780395"/>
-                </a:lnTo>
-                <a:cubicBezTo>
-                  <a:pt x="10992167" y="9780394"/>
-                  <a:pt x="11141068" y="9829120"/>
-                  <a:pt x="11264585" y="9912566"/>
-                </a:cubicBezTo>
-                <a:close/>
-                <a:moveTo>
-                  <a:pt x="1179542" y="3328153"/>
-                </a:moveTo>
-                <a:cubicBezTo>
-                  <a:pt x="1313615" y="3418731"/>
-                  <a:pt x="1401765" y="3572123"/>
-                  <a:pt x="1401765" y="3746104"/>
-                </a:cubicBezTo>
-                <a:lnTo>
-                  <a:pt x="1401764" y="3746104"/>
-                </a:lnTo>
-                <a:cubicBezTo>
-                  <a:pt x="1401764" y="4024473"/>
-                  <a:pt x="1176101" y="4250136"/>
-                  <a:pt x="897732" y="4250136"/>
-                </a:cubicBezTo>
-                <a:lnTo>
-                  <a:pt x="504033" y="4250135"/>
-                </a:lnTo>
-                <a:cubicBezTo>
-                  <a:pt x="225664" y="4250135"/>
-                  <a:pt x="1" y="4024472"/>
-                  <a:pt x="1" y="3746103"/>
-                </a:cubicBezTo>
-                <a:lnTo>
-                  <a:pt x="0" y="3746103"/>
-                </a:lnTo>
-                <a:cubicBezTo>
-                  <a:pt x="1" y="3467734"/>
-                  <a:pt x="225664" y="3242072"/>
-                  <a:pt x="504032" y="3242072"/>
-                </a:cubicBezTo>
-                <a:lnTo>
-                  <a:pt x="897733" y="3242072"/>
-                </a:lnTo>
-                <a:cubicBezTo>
-                  <a:pt x="1002122" y="3242072"/>
-                  <a:pt x="1099098" y="3273806"/>
-                  <a:pt x="1179542" y="3328153"/>
-                </a:cubicBezTo>
-                <a:close/>
-                <a:moveTo>
-                  <a:pt x="9733515" y="6613367"/>
-                </a:moveTo>
-                <a:cubicBezTo>
-                  <a:pt x="9867590" y="6703946"/>
-                  <a:pt x="9955739" y="6857338"/>
-                  <a:pt x="9955739" y="7031319"/>
-                </a:cubicBezTo>
-                <a:lnTo>
-                  <a:pt x="9955739" y="7031319"/>
-                </a:lnTo>
-                <a:cubicBezTo>
-                  <a:pt x="9955739" y="7309688"/>
-                  <a:pt x="9730075" y="7535351"/>
-                  <a:pt x="9451707" y="7535351"/>
-                </a:cubicBezTo>
-                <a:lnTo>
-                  <a:pt x="9058008" y="7535350"/>
-                </a:lnTo>
-                <a:cubicBezTo>
-                  <a:pt x="8779637" y="7535349"/>
-                  <a:pt x="8553975" y="7309687"/>
-                  <a:pt x="8553975" y="7031318"/>
-                </a:cubicBezTo>
-                <a:lnTo>
-                  <a:pt x="8553975" y="7031318"/>
-                </a:lnTo>
-                <a:cubicBezTo>
-                  <a:pt x="8553975" y="6752949"/>
-                  <a:pt x="8779638" y="6527287"/>
-                  <a:pt x="9058007" y="6527286"/>
-                </a:cubicBezTo>
-                <a:lnTo>
-                  <a:pt x="9451706" y="6527286"/>
-                </a:lnTo>
-                <a:cubicBezTo>
-                  <a:pt x="9556095" y="6527286"/>
-                  <a:pt x="9653072" y="6559021"/>
-                  <a:pt x="9733515" y="6613367"/>
-                </a:cubicBezTo>
-                <a:close/>
-                <a:moveTo>
-                  <a:pt x="8928022" y="3340367"/>
-                </a:moveTo>
-                <a:cubicBezTo>
-                  <a:pt x="9062095" y="3430945"/>
-                  <a:pt x="9150244" y="3584337"/>
-                  <a:pt x="9150244" y="3758318"/>
-                </a:cubicBezTo>
-                <a:lnTo>
-                  <a:pt x="9150244" y="3758318"/>
-                </a:lnTo>
-                <a:cubicBezTo>
-                  <a:pt x="9150244" y="4036688"/>
-                  <a:pt x="8924581" y="4262349"/>
-                  <a:pt x="8646212" y="4262350"/>
-                </a:cubicBezTo>
-                <a:lnTo>
-                  <a:pt x="2350189" y="4262349"/>
-                </a:lnTo>
-                <a:cubicBezTo>
-                  <a:pt x="2071819" y="4262349"/>
-                  <a:pt x="1846156" y="4036685"/>
-                  <a:pt x="1846156" y="3758316"/>
-                </a:cubicBezTo>
-                <a:lnTo>
-                  <a:pt x="1846157" y="3758317"/>
-                </a:lnTo>
-                <a:cubicBezTo>
-                  <a:pt x="1846157" y="3479948"/>
-                  <a:pt x="2071820" y="3254286"/>
-                  <a:pt x="2350189" y="3254285"/>
-                </a:cubicBezTo>
-                <a:lnTo>
-                  <a:pt x="8646213" y="3254286"/>
-                </a:lnTo>
-                <a:cubicBezTo>
-                  <a:pt x="8750602" y="3254287"/>
-                  <a:pt x="8847579" y="3286021"/>
-                  <a:pt x="8928022" y="3340367"/>
-                </a:cubicBezTo>
-                <a:close/>
-                <a:moveTo>
-                  <a:pt x="15324339" y="6624950"/>
-                </a:moveTo>
-                <a:cubicBezTo>
-                  <a:pt x="15458413" y="6715527"/>
-                  <a:pt x="15546561" y="6868919"/>
-                  <a:pt x="15546562" y="7042900"/>
-                </a:cubicBezTo>
-                <a:cubicBezTo>
-                  <a:pt x="15546561" y="7321269"/>
-                  <a:pt x="15320899" y="7546930"/>
-                  <a:pt x="15042530" y="7546931"/>
-                </a:cubicBezTo>
-                <a:lnTo>
-                  <a:pt x="10905505" y="7546930"/>
-                </a:lnTo>
-                <a:cubicBezTo>
-                  <a:pt x="10627136" y="7546930"/>
-                  <a:pt x="10401474" y="7321268"/>
-                  <a:pt x="10401474" y="7042899"/>
-                </a:cubicBezTo>
-                <a:cubicBezTo>
-                  <a:pt x="10401474" y="6764530"/>
-                  <a:pt x="10627137" y="6538868"/>
-                  <a:pt x="10905505" y="6538868"/>
-                </a:cubicBezTo>
-                <a:lnTo>
-                  <a:pt x="15042530" y="6538869"/>
-                </a:lnTo>
-                <a:cubicBezTo>
-                  <a:pt x="15146919" y="6538869"/>
-                  <a:pt x="15243896" y="6570603"/>
-                  <a:pt x="15324339" y="6624950"/>
-                </a:cubicBezTo>
-                <a:close/>
-                <a:moveTo>
-                  <a:pt x="23192458" y="8064785"/>
-                </a:moveTo>
-                <a:cubicBezTo>
-                  <a:pt x="23398529" y="8204003"/>
-                  <a:pt x="23534016" y="8439769"/>
-                  <a:pt x="23534016" y="8707179"/>
-                </a:cubicBezTo>
-                <a:cubicBezTo>
-                  <a:pt x="23534016" y="9135034"/>
-                  <a:pt x="23187171" y="9481878"/>
-                  <a:pt x="22759316" y="9481878"/>
-                </a:cubicBezTo>
-                <a:lnTo>
-                  <a:pt x="8228929" y="9481877"/>
-                </a:lnTo>
-                <a:cubicBezTo>
-                  <a:pt x="7801074" y="9481877"/>
-                  <a:pt x="7454229" y="9135032"/>
-                  <a:pt x="7454228" y="8707176"/>
-                </a:cubicBezTo>
-                <a:cubicBezTo>
-                  <a:pt x="7454228" y="8279322"/>
-                  <a:pt x="7801073" y="7932477"/>
-                  <a:pt x="8228928" y="7932477"/>
-                </a:cubicBezTo>
-                <a:lnTo>
-                  <a:pt x="22759315" y="7932478"/>
-                </a:lnTo>
-                <a:cubicBezTo>
-                  <a:pt x="22919760" y="7932478"/>
-                  <a:pt x="23068815" y="7981253"/>
-                  <a:pt x="23192458" y="8064785"/>
-                </a:cubicBezTo>
-                <a:close/>
-                <a:moveTo>
-                  <a:pt x="9947589" y="86081"/>
-                </a:moveTo>
-                <a:cubicBezTo>
-                  <a:pt x="10081663" y="176659"/>
-                  <a:pt x="10169811" y="330051"/>
-                  <a:pt x="10169812" y="504032"/>
-                </a:cubicBezTo>
-                <a:lnTo>
-                  <a:pt x="10169811" y="504032"/>
-                </a:lnTo>
-                <a:cubicBezTo>
-                  <a:pt x="10169811" y="782401"/>
-                  <a:pt x="9944148" y="1008064"/>
-                  <a:pt x="9665779" y="1008064"/>
-                </a:cubicBezTo>
-                <a:lnTo>
-                  <a:pt x="2447418" y="1008063"/>
-                </a:lnTo>
-                <a:cubicBezTo>
-                  <a:pt x="2169048" y="1008062"/>
-                  <a:pt x="1943386" y="782400"/>
-                  <a:pt x="1943386" y="504031"/>
-                </a:cubicBezTo>
-                <a:lnTo>
-                  <a:pt x="1943385" y="504031"/>
-                </a:lnTo>
-                <a:cubicBezTo>
-                  <a:pt x="1943386" y="225663"/>
-                  <a:pt x="2169048" y="0"/>
-                  <a:pt x="2447417" y="0"/>
-                </a:cubicBezTo>
-                <a:lnTo>
-                  <a:pt x="9665780" y="0"/>
-                </a:lnTo>
-                <a:cubicBezTo>
-                  <a:pt x="9770169" y="0"/>
-                  <a:pt x="9867145" y="31734"/>
-                  <a:pt x="9947589" y="86081"/>
-                </a:cubicBezTo>
-                <a:close/>
-                <a:moveTo>
-                  <a:pt x="16576520" y="3400992"/>
-                </a:moveTo>
-                <a:cubicBezTo>
-                  <a:pt x="16710593" y="3491570"/>
-                  <a:pt x="16798742" y="3644962"/>
-                  <a:pt x="16798742" y="3818943"/>
-                </a:cubicBezTo>
-                <a:lnTo>
-                  <a:pt x="16798742" y="3818943"/>
-                </a:lnTo>
-                <a:cubicBezTo>
-                  <a:pt x="16798742" y="4097312"/>
-                  <a:pt x="16573079" y="4322975"/>
-                  <a:pt x="16294710" y="4322975"/>
-                </a:cubicBezTo>
-                <a:lnTo>
-                  <a:pt x="9998686" y="4322974"/>
-                </a:lnTo>
-                <a:cubicBezTo>
-                  <a:pt x="9720318" y="4322974"/>
-                  <a:pt x="9494655" y="4097311"/>
-                  <a:pt x="9494655" y="3818942"/>
-                </a:cubicBezTo>
-                <a:lnTo>
-                  <a:pt x="9494655" y="3818943"/>
-                </a:lnTo>
-                <a:cubicBezTo>
-                  <a:pt x="9494654" y="3540574"/>
-                  <a:pt x="9720318" y="3314911"/>
-                  <a:pt x="9998687" y="3314911"/>
-                </a:cubicBezTo>
-                <a:lnTo>
-                  <a:pt x="16294711" y="3314911"/>
-                </a:lnTo>
-                <a:cubicBezTo>
-                  <a:pt x="16399100" y="3314912"/>
-                  <a:pt x="16496075" y="3346645"/>
-                  <a:pt x="16576520" y="3400992"/>
-                </a:cubicBezTo>
-                <a:close/>
-                <a:moveTo>
-                  <a:pt x="20515471" y="4777198"/>
-                </a:moveTo>
-                <a:cubicBezTo>
-                  <a:pt x="20721332" y="4916275"/>
-                  <a:pt x="20856681" y="5151799"/>
-                  <a:pt x="20856681" y="5418935"/>
-                </a:cubicBezTo>
-                <a:lnTo>
-                  <a:pt x="20856679" y="5418934"/>
-                </a:lnTo>
-                <a:cubicBezTo>
-                  <a:pt x="20856679" y="5846352"/>
-                  <a:pt x="20510189" y="6192842"/>
-                  <a:pt x="20082773" y="6192842"/>
-                </a:cubicBezTo>
-                <a:lnTo>
-                  <a:pt x="3780736" y="6192840"/>
-                </a:lnTo>
-                <a:cubicBezTo>
-                  <a:pt x="3353319" y="6192840"/>
-                  <a:pt x="3006829" y="5846350"/>
-                  <a:pt x="3006829" y="5418932"/>
-                </a:cubicBezTo>
-                <a:lnTo>
-                  <a:pt x="3006829" y="5418933"/>
-                </a:lnTo>
-                <a:cubicBezTo>
-                  <a:pt x="3006829" y="4991516"/>
-                  <a:pt x="3353318" y="4645026"/>
-                  <a:pt x="3780735" y="4645026"/>
-                </a:cubicBezTo>
-                <a:lnTo>
-                  <a:pt x="20082772" y="4645027"/>
-                </a:lnTo>
-                <a:cubicBezTo>
-                  <a:pt x="20243053" y="4645027"/>
-                  <a:pt x="20391954" y="4693752"/>
-                  <a:pt x="20515471" y="4777198"/>
-                </a:cubicBezTo>
-                <a:close/>
-                <a:moveTo>
-                  <a:pt x="15080250" y="1483266"/>
-                </a:moveTo>
-                <a:cubicBezTo>
-                  <a:pt x="15286109" y="1622342"/>
-                  <a:pt x="15421458" y="1857867"/>
-                  <a:pt x="15421458" y="2125002"/>
-                </a:cubicBezTo>
-                <a:lnTo>
-                  <a:pt x="15421458" y="2125003"/>
-                </a:lnTo>
-                <a:cubicBezTo>
-                  <a:pt x="15421458" y="2552420"/>
-                  <a:pt x="15074966" y="2898909"/>
-                  <a:pt x="14647550" y="2898909"/>
-                </a:cubicBezTo>
-                <a:lnTo>
-                  <a:pt x="5471802" y="2898908"/>
-                </a:lnTo>
-                <a:cubicBezTo>
-                  <a:pt x="5044384" y="2898908"/>
-                  <a:pt x="4697895" y="2552418"/>
-                  <a:pt x="4697895" y="2125001"/>
-                </a:cubicBezTo>
-                <a:lnTo>
-                  <a:pt x="4697895" y="2125002"/>
-                </a:lnTo>
-                <a:cubicBezTo>
-                  <a:pt x="4697894" y="1697585"/>
-                  <a:pt x="5044385" y="1351096"/>
-                  <a:pt x="5471802" y="1351096"/>
-                </a:cubicBezTo>
-                <a:lnTo>
-                  <a:pt x="14647551" y="1351096"/>
-                </a:lnTo>
-                <a:cubicBezTo>
-                  <a:pt x="14807834" y="1351096"/>
-                  <a:pt x="14956733" y="1399820"/>
-                  <a:pt x="15080250" y="1483266"/>
-                </a:cubicBezTo>
-                <a:close/>
-              </a:path>
-            </a:pathLst>
-          </a:custGeom>
-          <a:gradFill flip="none" rotWithShape="1">
-            <a:gsLst>
-              <a:gs pos="0">
-                <a:schemeClr val="accent2">
-                  <a:alpha val="27000"/>
-                  <a:lumMod val="0"/>
-                  <a:lumOff val="100000"/>
-                </a:schemeClr>
-              </a:gs>
-              <a:gs pos="100000">
-                <a:schemeClr val="accent2">
-                  <a:lumMod val="52000"/>
-                  <a:lumOff val="48000"/>
-                </a:schemeClr>
-              </a:gs>
-              <a:gs pos="100000">
-                <a:schemeClr val="accent2">
-                  <a:lumMod val="60000"/>
-                </a:schemeClr>
-              </a:gs>
-            </a:gsLst>
-            <a:path path="circle">
-              <a:fillToRect l="50000" t="130000" r="50000" b="-30000"/>
-            </a:path>
-            <a:tileRect/>
-          </a:gradFill>
-          <a:ln>
-            <a:noFill/>
-          </a:ln>
-        </p:spPr>
-        <p:txBody>
-          <a:bodyPr wrap="square" lIns="19050" tIns="19050" rIns="19050" bIns="19050" anchor="ctr">
-            <a:noAutofit/>
-          </a:bodyPr>
-          <a:lstStyle/>
-          <a:p>
-            <a:pPr eaLnBrk="1"/>
-            <a:endParaRPr lang="en-US" altLang="x-none" sz="900"/>
-          </a:p>
-        </p:txBody>
-      </p:sp>
-      <p:pic>
-        <p:nvPicPr>
-          <p:cNvPr id="5" name="Picture 4" descr="A picture containing text, plant&#10;&#10;Description automatically generated">
-            <a:extLst>
-              <a:ext uri="{FF2B5EF4-FFF2-40B4-BE49-F238E27FC236}">
-                <a16:creationId xmlns:a16="http://schemas.microsoft.com/office/drawing/2014/main" id="{A44A87EA-1C77-43C4-A109-29C3BB887850}"/>
-              </a:ext>
-            </a:extLst>
-          </p:cNvPr>
-          <p:cNvPicPr>
-            <a:picLocks noChangeAspect="1"/>
-          </p:cNvPicPr>
-          <p:nvPr/>
-        </p:nvPicPr>
-        <p:blipFill rotWithShape="1">
-          <a:blip r:embed="rId3"/>
-          <a:srcRect l="24963" t="11704" r="24518" b="15407"/>
-          <a:stretch/>
-        </p:blipFill>
-        <p:spPr>
-          <a:xfrm>
-            <a:off x="4363720" y="158542"/>
-            <a:ext cx="3464561" cy="4998720"/>
-          </a:xfrm>
-          <a:prstGeom prst="rect">
-            <a:avLst/>
-          </a:prstGeom>
-        </p:spPr>
-      </p:pic>
-      <p:sp>
-        <p:nvSpPr>
-          <p:cNvPr id="2" name="TextBox 1">
-            <a:extLst>
-              <a:ext uri="{FF2B5EF4-FFF2-40B4-BE49-F238E27FC236}">
-                <a16:creationId xmlns:a16="http://schemas.microsoft.com/office/drawing/2014/main" id="{23077B6D-8389-435B-A83F-5C0CC0C3169E}"/>
-              </a:ext>
-            </a:extLst>
-          </p:cNvPr>
-          <p:cNvSpPr txBox="1"/>
-          <p:nvPr/>
-        </p:nvSpPr>
-        <p:spPr>
-          <a:xfrm>
-            <a:off x="4668519" y="5315804"/>
-            <a:ext cx="2854960" cy="830997"/>
-          </a:xfrm>
-          <a:prstGeom prst="rect">
-            <a:avLst/>
-          </a:prstGeom>
-          <a:noFill/>
-        </p:spPr>
-        <p:txBody>
-          <a:bodyPr wrap="square" rtlCol="0">
-            <a:spAutoFit/>
-          </a:bodyPr>
-          <a:lstStyle/>
-          <a:p>
-            <a:pPr algn="ctr"/>
-            <a:r>
-              <a:rPr lang="ar-SA" sz="4800" dirty="0">
-                <a:latin typeface="GE SS Text Light" panose="020A0503020102020204" pitchFamily="18" charset="-78"/>
-                <a:ea typeface="GE SS Text Light" panose="020A0503020102020204" pitchFamily="18" charset="-78"/>
-                <a:cs typeface="GE SS Text Light" panose="020A0503020102020204" pitchFamily="18" charset="-78"/>
-              </a:rPr>
-              <a:t>شكرا لكم </a:t>
-            </a:r>
-            <a:endParaRPr lang="en-US" sz="4800" dirty="0">
-              <a:latin typeface="GE SS Text Light" panose="020A0503020102020204" pitchFamily="18" charset="-78"/>
-              <a:ea typeface="GE SS Text Light" panose="020A0503020102020204" pitchFamily="18" charset="-78"/>
-              <a:cs typeface="GE SS Text Light" panose="020A0503020102020204" pitchFamily="18" charset="-78"/>
-            </a:endParaRPr>
-          </a:p>
-        </p:txBody>
-      </p:sp>
-      <p:pic>
-        <p:nvPicPr>
-          <p:cNvPr id="12" name="Picture 11" descr="Shape&#10;&#10;Description automatically generated">
-            <a:hlinkClick r:id="rId4"/>
-            <a:extLst>
-              <a:ext uri="{FF2B5EF4-FFF2-40B4-BE49-F238E27FC236}">
-                <a16:creationId xmlns:a16="http://schemas.microsoft.com/office/drawing/2014/main" id="{2B82D8A6-03D6-4EB7-8BF4-F7AAB90DE64A}"/>
-              </a:ext>
-            </a:extLst>
-          </p:cNvPr>
-          <p:cNvPicPr>
-            <a:picLocks noChangeAspect="1"/>
-          </p:cNvPicPr>
-          <p:nvPr/>
-        </p:nvPicPr>
-        <p:blipFill>
-          <a:blip r:embed="rId5"/>
-          <a:stretch>
-            <a:fillRect/>
-          </a:stretch>
-        </p:blipFill>
-        <p:spPr>
-          <a:xfrm>
-            <a:off x="11053116" y="5718127"/>
-            <a:ext cx="711200" cy="711200"/>
-          </a:xfrm>
-          <a:prstGeom prst="rect">
-            <a:avLst/>
-          </a:prstGeom>
-        </p:spPr>
-      </p:pic>
-      <p:pic>
-        <p:nvPicPr>
-          <p:cNvPr id="14" name="Picture 13" descr="Logo, company name&#10;&#10;Description automatically generated">
-            <a:extLst>
-              <a:ext uri="{FF2B5EF4-FFF2-40B4-BE49-F238E27FC236}">
-                <a16:creationId xmlns:a16="http://schemas.microsoft.com/office/drawing/2014/main" id="{A6B0E2AE-41C4-4381-876C-F615EBB1372F}"/>
-              </a:ext>
-            </a:extLst>
-          </p:cNvPr>
-          <p:cNvPicPr>
-            <a:picLocks noChangeAspect="1"/>
-          </p:cNvPicPr>
-          <p:nvPr/>
-        </p:nvPicPr>
-        <p:blipFill>
-          <a:blip r:embed="rId6"/>
-          <a:stretch>
-            <a:fillRect/>
-          </a:stretch>
-        </p:blipFill>
-        <p:spPr>
-          <a:xfrm>
-            <a:off x="10959858" y="2100631"/>
-            <a:ext cx="897716" cy="897716"/>
-          </a:xfrm>
-          <a:prstGeom prst="rect">
-            <a:avLst/>
-          </a:prstGeom>
-        </p:spPr>
-      </p:pic>
-      <p:pic>
-        <p:nvPicPr>
-          <p:cNvPr id="19" name="Picture 18" descr="Logo&#10;&#10;Description automatically generated">
-            <a:extLst>
-              <a:ext uri="{FF2B5EF4-FFF2-40B4-BE49-F238E27FC236}">
-                <a16:creationId xmlns:a16="http://schemas.microsoft.com/office/drawing/2014/main" id="{CAE490E6-454B-4B2C-83FB-A13FA0C9295C}"/>
-              </a:ext>
-            </a:extLst>
-          </p:cNvPr>
-          <p:cNvPicPr>
-            <a:picLocks noChangeAspect="1"/>
-          </p:cNvPicPr>
-          <p:nvPr/>
-        </p:nvPicPr>
-        <p:blipFill>
-          <a:blip r:embed="rId7"/>
-          <a:stretch>
-            <a:fillRect/>
-          </a:stretch>
-        </p:blipFill>
-        <p:spPr>
-          <a:xfrm>
-            <a:off x="11055958" y="385312"/>
-            <a:ext cx="705516" cy="897716"/>
-          </a:xfrm>
-          <a:prstGeom prst="rect">
-            <a:avLst/>
-          </a:prstGeom>
-        </p:spPr>
-      </p:pic>
-      <p:pic>
-        <p:nvPicPr>
-          <p:cNvPr id="21" name="Picture 20" descr="Logo&#10;&#10;Description automatically generated">
-            <a:extLst>
-              <a:ext uri="{FF2B5EF4-FFF2-40B4-BE49-F238E27FC236}">
-                <a16:creationId xmlns:a16="http://schemas.microsoft.com/office/drawing/2014/main" id="{791607DF-E61F-4703-B02D-9FA680D2714B}"/>
-              </a:ext>
-            </a:extLst>
-          </p:cNvPr>
-          <p:cNvPicPr>
-            <a:picLocks noChangeAspect="1"/>
-          </p:cNvPicPr>
-          <p:nvPr/>
-        </p:nvPicPr>
-        <p:blipFill rotWithShape="1">
-          <a:blip r:embed="rId8"/>
-          <a:srcRect l="9468" t="10171" r="10072" b="16940"/>
-          <a:stretch/>
-        </p:blipFill>
-        <p:spPr>
-          <a:xfrm>
-            <a:off x="10810102" y="3815950"/>
-            <a:ext cx="1197228" cy="1084574"/>
-          </a:xfrm>
-          <a:prstGeom prst="rect">
-            <a:avLst/>
-          </a:prstGeom>
-        </p:spPr>
-      </p:pic>
-    </p:spTree>
-    <p:extLst>
-      <p:ext uri="{BB962C8B-B14F-4D97-AF65-F5344CB8AC3E}">
-        <p14:creationId xmlns:p14="http://schemas.microsoft.com/office/powerpoint/2010/main" val="3462565200"/>
-      </p:ext>
-    </p:extLst>
-  </p:cSld>
-  <p:clrMapOvr>
-    <a:masterClrMapping/>
-  </p:clrMapOvr>
-</p:sld>
-</file>
-
 <file path=ppt/theme/theme1.xml><?xml version="1.0" encoding="utf-8"?>
 <a:theme xmlns:a="http://schemas.openxmlformats.org/drawingml/2006/main" name="Office Theme">
   <a:themeElements>

--- a/Quran_Similarities.pptx
+++ b/Quran_Similarities.pptx
@@ -7505,8 +7505,8 @@
         </p:nvSpPr>
         <p:spPr>
           <a:xfrm>
-            <a:off x="2031168" y="2670003"/>
-            <a:ext cx="7344181" cy="2070100"/>
+            <a:off x="1877432" y="2446528"/>
+            <a:ext cx="8437135" cy="2070100"/>
           </a:xfrm>
           <a:prstGeom prst="rect">
             <a:avLst/>

--- a/Quran_Similarities.pptx
+++ b/Quran_Similarities.pptx
@@ -5,19 +5,20 @@
     <p:sldMasterId id="2147483672" r:id="rId1"/>
   </p:sldMasterIdLst>
   <p:notesMasterIdLst>
-    <p:notesMasterId r:id="rId12"/>
+    <p:notesMasterId r:id="rId13"/>
   </p:notesMasterIdLst>
   <p:sldIdLst>
     <p:sldId id="266" r:id="rId2"/>
     <p:sldId id="268" r:id="rId3"/>
-    <p:sldId id="270" r:id="rId4"/>
-    <p:sldId id="265" r:id="rId5"/>
-    <p:sldId id="262" r:id="rId6"/>
-    <p:sldId id="267" r:id="rId7"/>
-    <p:sldId id="264" r:id="rId8"/>
-    <p:sldId id="258" r:id="rId9"/>
-    <p:sldId id="259" r:id="rId10"/>
-    <p:sldId id="269" r:id="rId11"/>
+    <p:sldId id="265" r:id="rId4"/>
+    <p:sldId id="271" r:id="rId5"/>
+    <p:sldId id="270" r:id="rId6"/>
+    <p:sldId id="272" r:id="rId7"/>
+    <p:sldId id="267" r:id="rId8"/>
+    <p:sldId id="264" r:id="rId9"/>
+    <p:sldId id="258" r:id="rId10"/>
+    <p:sldId id="259" r:id="rId11"/>
+    <p:sldId id="269" r:id="rId12"/>
   </p:sldIdLst>
   <p:sldSz cx="12192000" cy="6858000"/>
   <p:notesSz cx="6858000" cy="9144000"/>
@@ -579,6 +580,111 @@
 </p:notes>
 </file>
 
+<file path=ppt/notesSlides/notesSlide10.xml><?xml version="1.0" encoding="utf-8"?>
+<p:notes xmlns:a="http://schemas.openxmlformats.org/drawingml/2006/main" xmlns:r="http://schemas.openxmlformats.org/officeDocument/2006/relationships" xmlns:p="http://schemas.openxmlformats.org/presentationml/2006/main">
+  <p:cSld>
+    <p:spTree>
+      <p:nvGrpSpPr>
+        <p:cNvPr id="1" name=""/>
+        <p:cNvGrpSpPr/>
+        <p:nvPr/>
+      </p:nvGrpSpPr>
+      <p:grpSpPr>
+        <a:xfrm>
+          <a:off x="0" y="0"/>
+          <a:ext cx="0" cy="0"/>
+          <a:chOff x="0" y="0"/>
+          <a:chExt cx="0" cy="0"/>
+        </a:xfrm>
+      </p:grpSpPr>
+      <p:sp>
+        <p:nvSpPr>
+          <p:cNvPr id="2" name="Slide Image Placeholder 1"/>
+          <p:cNvSpPr>
+            <a:spLocks noGrp="1" noRot="1" noChangeAspect="1"/>
+          </p:cNvSpPr>
+          <p:nvPr>
+            <p:ph type="sldImg"/>
+          </p:nvPr>
+        </p:nvSpPr>
+        <p:spPr>
+          <a:xfrm>
+            <a:off x="685800" y="1143000"/>
+            <a:ext cx="5486400" cy="3086100"/>
+          </a:xfrm>
+        </p:spPr>
+      </p:sp>
+      <p:sp>
+        <p:nvSpPr>
+          <p:cNvPr id="3" name="Notes Placeholder 2"/>
+          <p:cNvSpPr>
+            <a:spLocks noGrp="1"/>
+          </p:cNvSpPr>
+          <p:nvPr>
+            <p:ph type="body" idx="1"/>
+          </p:nvPr>
+        </p:nvSpPr>
+        <p:spPr/>
+        <p:txBody>
+          <a:bodyPr/>
+          <a:lstStyle/>
+          <a:p>
+            <a:pPr marL="0" algn="r" defTabSz="914400" rtl="1" eaLnBrk="1" latinLnBrk="0" hangingPunct="1"/>
+            <a:r>
+              <a:rPr lang="ar-SA" dirty="0" err="1"/>
+              <a:t>ماهو</a:t>
+            </a:r>
+            <a:r>
+              <a:rPr lang="ar-SA" dirty="0"/>
+              <a:t> تطبيق </a:t>
+            </a:r>
+            <a:r>
+              <a:rPr lang="ar-SA" dirty="0" err="1"/>
+              <a:t>متشابة</a:t>
+            </a:r>
+            <a:r>
+              <a:rPr lang="ar-SA" dirty="0"/>
+              <a:t> القران </a:t>
+            </a:r>
+          </a:p>
+        </p:txBody>
+      </p:sp>
+      <p:sp>
+        <p:nvSpPr>
+          <p:cNvPr id="4" name="Slide Number Placeholder 3"/>
+          <p:cNvSpPr>
+            <a:spLocks noGrp="1"/>
+          </p:cNvSpPr>
+          <p:nvPr>
+            <p:ph type="sldNum" sz="quarter" idx="5"/>
+          </p:nvPr>
+        </p:nvSpPr>
+        <p:spPr/>
+        <p:txBody>
+          <a:bodyPr/>
+          <a:lstStyle/>
+          <a:p>
+            <a:fld id="{0692D3F7-FCD5-A14E-9C11-336F5F8127B8}" type="slidenum">
+              <a:rPr lang="ar-SA" smtClean="0"/>
+              <a:t>11</a:t>
+            </a:fld>
+            <a:endParaRPr lang="ar-SA"/>
+          </a:p>
+        </p:txBody>
+      </p:sp>
+    </p:spTree>
+    <p:extLst>
+      <p:ext uri="{BB962C8B-B14F-4D97-AF65-F5344CB8AC3E}">
+        <p14:creationId xmlns:p14="http://schemas.microsoft.com/office/powerpoint/2010/main" val="3632340181"/>
+      </p:ext>
+    </p:extLst>
+  </p:cSld>
+  <p:clrMapOvr>
+    <a:masterClrMapping/>
+  </p:clrMapOvr>
+</p:notes>
+</file>
+
 <file path=ppt/notesSlides/notesSlide2.xml><?xml version="1.0" encoding="utf-8"?>
 <p:notes xmlns:a="http://schemas.openxmlformats.org/drawingml/2006/main" xmlns:r="http://schemas.openxmlformats.org/officeDocument/2006/relationships" xmlns:p="http://schemas.openxmlformats.org/presentationml/2006/main">
   <p:cSld>
@@ -779,7 +885,7 @@
     </p:spTree>
     <p:extLst>
       <p:ext uri="{BB962C8B-B14F-4D97-AF65-F5344CB8AC3E}">
-        <p14:creationId xmlns:p14="http://schemas.microsoft.com/office/powerpoint/2010/main" val="1226527050"/>
+        <p14:creationId xmlns:p14="http://schemas.microsoft.com/office/powerpoint/2010/main" val="4246755735"/>
       </p:ext>
     </p:extLst>
   </p:cSld>
@@ -884,7 +990,7 @@
     </p:spTree>
     <p:extLst>
       <p:ext uri="{BB962C8B-B14F-4D97-AF65-F5344CB8AC3E}">
-        <p14:creationId xmlns:p14="http://schemas.microsoft.com/office/powerpoint/2010/main" val="4246755735"/>
+        <p14:creationId xmlns:p14="http://schemas.microsoft.com/office/powerpoint/2010/main" val="524586927"/>
       </p:ext>
     </p:extLst>
   </p:cSld>
@@ -989,7 +1095,7 @@
     </p:spTree>
     <p:extLst>
       <p:ext uri="{BB962C8B-B14F-4D97-AF65-F5344CB8AC3E}">
-        <p14:creationId xmlns:p14="http://schemas.microsoft.com/office/powerpoint/2010/main" val="2643002352"/>
+        <p14:creationId xmlns:p14="http://schemas.microsoft.com/office/powerpoint/2010/main" val="1226527050"/>
       </p:ext>
     </p:extLst>
   </p:cSld>
@@ -1094,7 +1200,7 @@
     </p:spTree>
     <p:extLst>
       <p:ext uri="{BB962C8B-B14F-4D97-AF65-F5344CB8AC3E}">
-        <p14:creationId xmlns:p14="http://schemas.microsoft.com/office/powerpoint/2010/main" val="3282914459"/>
+        <p14:creationId xmlns:p14="http://schemas.microsoft.com/office/powerpoint/2010/main" val="2603857623"/>
       </p:ext>
     </p:extLst>
   </p:cSld>
@@ -1105,189 +1211,6 @@
 </file>
 
 <file path=ppt/notesSlides/notesSlide7.xml><?xml version="1.0" encoding="utf-8"?>
-<p:notes xmlns:a="http://schemas.openxmlformats.org/drawingml/2006/main" xmlns:r="http://schemas.openxmlformats.org/officeDocument/2006/relationships" xmlns:p="http://schemas.openxmlformats.org/presentationml/2006/main">
-  <p:cSld>
-    <p:spTree>
-      <p:nvGrpSpPr>
-        <p:cNvPr id="1" name=""/>
-        <p:cNvGrpSpPr/>
-        <p:nvPr/>
-      </p:nvGrpSpPr>
-      <p:grpSpPr>
-        <a:xfrm>
-          <a:off x="0" y="0"/>
-          <a:ext cx="0" cy="0"/>
-          <a:chOff x="0" y="0"/>
-          <a:chExt cx="0" cy="0"/>
-        </a:xfrm>
-      </p:grpSpPr>
-      <p:sp>
-        <p:nvSpPr>
-          <p:cNvPr id="2" name="Slide Image Placeholder 1"/>
-          <p:cNvSpPr>
-            <a:spLocks noGrp="1" noRot="1" noChangeAspect="1"/>
-          </p:cNvSpPr>
-          <p:nvPr>
-            <p:ph type="sldImg"/>
-          </p:nvPr>
-        </p:nvSpPr>
-        <p:spPr>
-          <a:xfrm>
-            <a:off x="685800" y="1143000"/>
-            <a:ext cx="5486400" cy="3086100"/>
-          </a:xfrm>
-        </p:spPr>
-      </p:sp>
-      <p:sp>
-        <p:nvSpPr>
-          <p:cNvPr id="3" name="Notes Placeholder 2"/>
-          <p:cNvSpPr>
-            <a:spLocks noGrp="1"/>
-          </p:cNvSpPr>
-          <p:nvPr>
-            <p:ph type="body" idx="1"/>
-          </p:nvPr>
-        </p:nvSpPr>
-        <p:spPr/>
-        <p:txBody>
-          <a:bodyPr/>
-          <a:lstStyle/>
-          <a:p>
-            <a:pPr marL="0" algn="r" defTabSz="914400" rtl="1" eaLnBrk="1" latinLnBrk="0" hangingPunct="1"/>
-            <a:endParaRPr lang="ar-SA" dirty="0"/>
-          </a:p>
-        </p:txBody>
-      </p:sp>
-      <p:sp>
-        <p:nvSpPr>
-          <p:cNvPr id="4" name="Slide Number Placeholder 3"/>
-          <p:cNvSpPr>
-            <a:spLocks noGrp="1"/>
-          </p:cNvSpPr>
-          <p:nvPr>
-            <p:ph type="sldNum" sz="quarter" idx="5"/>
-          </p:nvPr>
-        </p:nvSpPr>
-        <p:spPr/>
-        <p:txBody>
-          <a:bodyPr/>
-          <a:lstStyle/>
-          <a:p>
-            <a:fld id="{0692D3F7-FCD5-A14E-9C11-336F5F8127B8}" type="slidenum">
-              <a:rPr lang="ar-SA" smtClean="0"/>
-              <a:t>7</a:t>
-            </a:fld>
-            <a:endParaRPr lang="ar-SA"/>
-          </a:p>
-        </p:txBody>
-      </p:sp>
-    </p:spTree>
-    <p:extLst>
-      <p:ext uri="{BB962C8B-B14F-4D97-AF65-F5344CB8AC3E}">
-        <p14:creationId xmlns:p14="http://schemas.microsoft.com/office/powerpoint/2010/main" val="3213354857"/>
-      </p:ext>
-    </p:extLst>
-  </p:cSld>
-  <p:clrMapOvr>
-    <a:masterClrMapping/>
-  </p:clrMapOvr>
-</p:notes>
-</file>
-
-<file path=ppt/notesSlides/notesSlide8.xml><?xml version="1.0" encoding="utf-8"?>
-<p:notes xmlns:a="http://schemas.openxmlformats.org/drawingml/2006/main" xmlns:r="http://schemas.openxmlformats.org/officeDocument/2006/relationships" xmlns:p="http://schemas.openxmlformats.org/presentationml/2006/main">
-  <p:cSld>
-    <p:spTree>
-      <p:nvGrpSpPr>
-        <p:cNvPr id="1" name=""/>
-        <p:cNvGrpSpPr/>
-        <p:nvPr/>
-      </p:nvGrpSpPr>
-      <p:grpSpPr>
-        <a:xfrm>
-          <a:off x="0" y="0"/>
-          <a:ext cx="0" cy="0"/>
-          <a:chOff x="0" y="0"/>
-          <a:chExt cx="0" cy="0"/>
-        </a:xfrm>
-      </p:grpSpPr>
-      <p:sp>
-        <p:nvSpPr>
-          <p:cNvPr id="2" name="Slide Image Placeholder 1"/>
-          <p:cNvSpPr>
-            <a:spLocks noGrp="1" noRot="1" noChangeAspect="1"/>
-          </p:cNvSpPr>
-          <p:nvPr>
-            <p:ph type="sldImg"/>
-          </p:nvPr>
-        </p:nvSpPr>
-        <p:spPr>
-          <a:xfrm>
-            <a:off x="685800" y="1143000"/>
-            <a:ext cx="5486400" cy="3086100"/>
-          </a:xfrm>
-        </p:spPr>
-      </p:sp>
-      <p:sp>
-        <p:nvSpPr>
-          <p:cNvPr id="3" name="Notes Placeholder 2"/>
-          <p:cNvSpPr>
-            <a:spLocks noGrp="1"/>
-          </p:cNvSpPr>
-          <p:nvPr>
-            <p:ph type="body" idx="1"/>
-          </p:nvPr>
-        </p:nvSpPr>
-        <p:spPr/>
-        <p:txBody>
-          <a:bodyPr/>
-          <a:lstStyle/>
-          <a:p>
-            <a:pPr marL="0" algn="r" defTabSz="914400" rtl="1" eaLnBrk="1" latinLnBrk="0" hangingPunct="1"/>
-            <a:r>
-              <a:rPr lang="ar-SA" dirty="0"/>
-              <a:t>النموذج الاولي </a:t>
-            </a:r>
-          </a:p>
-        </p:txBody>
-      </p:sp>
-      <p:sp>
-        <p:nvSpPr>
-          <p:cNvPr id="4" name="Slide Number Placeholder 3"/>
-          <p:cNvSpPr>
-            <a:spLocks noGrp="1"/>
-          </p:cNvSpPr>
-          <p:nvPr>
-            <p:ph type="sldNum" sz="quarter" idx="5"/>
-          </p:nvPr>
-        </p:nvSpPr>
-        <p:spPr/>
-        <p:txBody>
-          <a:bodyPr/>
-          <a:lstStyle/>
-          <a:p>
-            <a:fld id="{0692D3F7-FCD5-A14E-9C11-336F5F8127B8}" type="slidenum">
-              <a:rPr lang="ar-SA" smtClean="0"/>
-              <a:t>9</a:t>
-            </a:fld>
-            <a:endParaRPr lang="ar-SA"/>
-          </a:p>
-        </p:txBody>
-      </p:sp>
-    </p:spTree>
-    <p:extLst>
-      <p:ext uri="{BB962C8B-B14F-4D97-AF65-F5344CB8AC3E}">
-        <p14:creationId xmlns:p14="http://schemas.microsoft.com/office/powerpoint/2010/main" val="4185975224"/>
-      </p:ext>
-    </p:extLst>
-  </p:cSld>
-  <p:clrMapOvr>
-    <a:masterClrMapping/>
-  </p:clrMapOvr>
-</p:notes>
-</file>
-
-<file path=ppt/notesSlides/notesSlide9.xml><?xml version="1.0" encoding="utf-8"?>
 <p:notes xmlns:a="http://schemas.openxmlformats.org/drawingml/2006/main" xmlns:r="http://schemas.openxmlformats.org/officeDocument/2006/relationships" xmlns:p="http://schemas.openxmlformats.org/presentationml/2006/main">
   <p:cSld>
     <p:spTree>
@@ -1373,6 +1296,189 @@
           <a:p>
             <a:fld id="{0692D3F7-FCD5-A14E-9C11-336F5F8127B8}" type="slidenum">
               <a:rPr lang="ar-SA" smtClean="0"/>
+              <a:t>7</a:t>
+            </a:fld>
+            <a:endParaRPr lang="ar-SA"/>
+          </a:p>
+        </p:txBody>
+      </p:sp>
+    </p:spTree>
+    <p:extLst>
+      <p:ext uri="{BB962C8B-B14F-4D97-AF65-F5344CB8AC3E}">
+        <p14:creationId xmlns:p14="http://schemas.microsoft.com/office/powerpoint/2010/main" val="3282914459"/>
+      </p:ext>
+    </p:extLst>
+  </p:cSld>
+  <p:clrMapOvr>
+    <a:masterClrMapping/>
+  </p:clrMapOvr>
+</p:notes>
+</file>
+
+<file path=ppt/notesSlides/notesSlide8.xml><?xml version="1.0" encoding="utf-8"?>
+<p:notes xmlns:a="http://schemas.openxmlformats.org/drawingml/2006/main" xmlns:r="http://schemas.openxmlformats.org/officeDocument/2006/relationships" xmlns:p="http://schemas.openxmlformats.org/presentationml/2006/main">
+  <p:cSld>
+    <p:spTree>
+      <p:nvGrpSpPr>
+        <p:cNvPr id="1" name=""/>
+        <p:cNvGrpSpPr/>
+        <p:nvPr/>
+      </p:nvGrpSpPr>
+      <p:grpSpPr>
+        <a:xfrm>
+          <a:off x="0" y="0"/>
+          <a:ext cx="0" cy="0"/>
+          <a:chOff x="0" y="0"/>
+          <a:chExt cx="0" cy="0"/>
+        </a:xfrm>
+      </p:grpSpPr>
+      <p:sp>
+        <p:nvSpPr>
+          <p:cNvPr id="2" name="Slide Image Placeholder 1"/>
+          <p:cNvSpPr>
+            <a:spLocks noGrp="1" noRot="1" noChangeAspect="1"/>
+          </p:cNvSpPr>
+          <p:nvPr>
+            <p:ph type="sldImg"/>
+          </p:nvPr>
+        </p:nvSpPr>
+        <p:spPr>
+          <a:xfrm>
+            <a:off x="685800" y="1143000"/>
+            <a:ext cx="5486400" cy="3086100"/>
+          </a:xfrm>
+        </p:spPr>
+      </p:sp>
+      <p:sp>
+        <p:nvSpPr>
+          <p:cNvPr id="3" name="Notes Placeholder 2"/>
+          <p:cNvSpPr>
+            <a:spLocks noGrp="1"/>
+          </p:cNvSpPr>
+          <p:nvPr>
+            <p:ph type="body" idx="1"/>
+          </p:nvPr>
+        </p:nvSpPr>
+        <p:spPr/>
+        <p:txBody>
+          <a:bodyPr/>
+          <a:lstStyle/>
+          <a:p>
+            <a:pPr marL="0" algn="r" defTabSz="914400" rtl="1" eaLnBrk="1" latinLnBrk="0" hangingPunct="1"/>
+            <a:endParaRPr lang="ar-SA" dirty="0"/>
+          </a:p>
+        </p:txBody>
+      </p:sp>
+      <p:sp>
+        <p:nvSpPr>
+          <p:cNvPr id="4" name="Slide Number Placeholder 3"/>
+          <p:cNvSpPr>
+            <a:spLocks noGrp="1"/>
+          </p:cNvSpPr>
+          <p:nvPr>
+            <p:ph type="sldNum" sz="quarter" idx="5"/>
+          </p:nvPr>
+        </p:nvSpPr>
+        <p:spPr/>
+        <p:txBody>
+          <a:bodyPr/>
+          <a:lstStyle/>
+          <a:p>
+            <a:fld id="{0692D3F7-FCD5-A14E-9C11-336F5F8127B8}" type="slidenum">
+              <a:rPr lang="ar-SA" smtClean="0"/>
+              <a:t>8</a:t>
+            </a:fld>
+            <a:endParaRPr lang="ar-SA"/>
+          </a:p>
+        </p:txBody>
+      </p:sp>
+    </p:spTree>
+    <p:extLst>
+      <p:ext uri="{BB962C8B-B14F-4D97-AF65-F5344CB8AC3E}">
+        <p14:creationId xmlns:p14="http://schemas.microsoft.com/office/powerpoint/2010/main" val="3213354857"/>
+      </p:ext>
+    </p:extLst>
+  </p:cSld>
+  <p:clrMapOvr>
+    <a:masterClrMapping/>
+  </p:clrMapOvr>
+</p:notes>
+</file>
+
+<file path=ppt/notesSlides/notesSlide9.xml><?xml version="1.0" encoding="utf-8"?>
+<p:notes xmlns:a="http://schemas.openxmlformats.org/drawingml/2006/main" xmlns:r="http://schemas.openxmlformats.org/officeDocument/2006/relationships" xmlns:p="http://schemas.openxmlformats.org/presentationml/2006/main">
+  <p:cSld>
+    <p:spTree>
+      <p:nvGrpSpPr>
+        <p:cNvPr id="1" name=""/>
+        <p:cNvGrpSpPr/>
+        <p:nvPr/>
+      </p:nvGrpSpPr>
+      <p:grpSpPr>
+        <a:xfrm>
+          <a:off x="0" y="0"/>
+          <a:ext cx="0" cy="0"/>
+          <a:chOff x="0" y="0"/>
+          <a:chExt cx="0" cy="0"/>
+        </a:xfrm>
+      </p:grpSpPr>
+      <p:sp>
+        <p:nvSpPr>
+          <p:cNvPr id="2" name="Slide Image Placeholder 1"/>
+          <p:cNvSpPr>
+            <a:spLocks noGrp="1" noRot="1" noChangeAspect="1"/>
+          </p:cNvSpPr>
+          <p:nvPr>
+            <p:ph type="sldImg"/>
+          </p:nvPr>
+        </p:nvSpPr>
+        <p:spPr>
+          <a:xfrm>
+            <a:off x="685800" y="1143000"/>
+            <a:ext cx="5486400" cy="3086100"/>
+          </a:xfrm>
+        </p:spPr>
+      </p:sp>
+      <p:sp>
+        <p:nvSpPr>
+          <p:cNvPr id="3" name="Notes Placeholder 2"/>
+          <p:cNvSpPr>
+            <a:spLocks noGrp="1"/>
+          </p:cNvSpPr>
+          <p:nvPr>
+            <p:ph type="body" idx="1"/>
+          </p:nvPr>
+        </p:nvSpPr>
+        <p:spPr/>
+        <p:txBody>
+          <a:bodyPr/>
+          <a:lstStyle/>
+          <a:p>
+            <a:pPr marL="0" algn="r" defTabSz="914400" rtl="1" eaLnBrk="1" latinLnBrk="0" hangingPunct="1"/>
+            <a:r>
+              <a:rPr lang="ar-SA" dirty="0"/>
+              <a:t>النموذج الاولي </a:t>
+            </a:r>
+          </a:p>
+        </p:txBody>
+      </p:sp>
+      <p:sp>
+        <p:nvSpPr>
+          <p:cNvPr id="4" name="Slide Number Placeholder 3"/>
+          <p:cNvSpPr>
+            <a:spLocks noGrp="1"/>
+          </p:cNvSpPr>
+          <p:nvPr>
+            <p:ph type="sldNum" sz="quarter" idx="5"/>
+          </p:nvPr>
+        </p:nvSpPr>
+        <p:spPr/>
+        <p:txBody>
+          <a:bodyPr/>
+          <a:lstStyle/>
+          <a:p>
+            <a:fld id="{0692D3F7-FCD5-A14E-9C11-336F5F8127B8}" type="slidenum">
+              <a:rPr lang="ar-SA" smtClean="0"/>
               <a:t>10</a:t>
             </a:fld>
             <a:endParaRPr lang="ar-SA"/>
@@ -1382,7 +1488,7 @@
     </p:spTree>
     <p:extLst>
       <p:ext uri="{BB962C8B-B14F-4D97-AF65-F5344CB8AC3E}">
-        <p14:creationId xmlns:p14="http://schemas.microsoft.com/office/powerpoint/2010/main" val="3632340181"/>
+        <p14:creationId xmlns:p14="http://schemas.microsoft.com/office/powerpoint/2010/main" val="4185975224"/>
       </p:ext>
     </p:extLst>
   </p:cSld>
@@ -5389,6 +5495,1623 @@
       </p:grpSpPr>
       <p:sp>
         <p:nvSpPr>
+          <p:cNvPr id="24" name="Freeform 40">
+            <a:extLst>
+              <a:ext uri="{FF2B5EF4-FFF2-40B4-BE49-F238E27FC236}">
+                <a16:creationId xmlns:a16="http://schemas.microsoft.com/office/drawing/2014/main" id="{6C004D75-AD95-4212-8D17-0F7CA6914C4A}"/>
+              </a:ext>
+            </a:extLst>
+          </p:cNvPr>
+          <p:cNvSpPr>
+            <a:spLocks noChangeArrowheads="1"/>
+          </p:cNvSpPr>
+          <p:nvPr/>
+        </p:nvSpPr>
+        <p:spPr bwMode="auto">
+          <a:xfrm rot="11825610">
+            <a:off x="-4873768" y="-208990"/>
+            <a:ext cx="11767008" cy="5664104"/>
+          </a:xfrm>
+          <a:custGeom>
+            <a:avLst/>
+            <a:gdLst>
+              <a:gd name="connsiteX0" fmla="*/ 11264585 w 23534016"/>
+              <a:gd name="connsiteY0" fmla="*/ 9912566 h 11328207"/>
+              <a:gd name="connsiteX1" fmla="*/ 11605793 w 23534016"/>
+              <a:gd name="connsiteY1" fmla="*/ 10554301 h 11328207"/>
+              <a:gd name="connsiteX2" fmla="*/ 10831887 w 23534016"/>
+              <a:gd name="connsiteY2" fmla="*/ 11328207 h 11328207"/>
+              <a:gd name="connsiteX3" fmla="*/ 10736635 w 23534016"/>
+              <a:gd name="connsiteY3" fmla="*/ 11328207 h 11328207"/>
+              <a:gd name="connsiteX4" fmla="*/ 9962731 w 23534016"/>
+              <a:gd name="connsiteY4" fmla="*/ 10554301 h 11328207"/>
+              <a:gd name="connsiteX5" fmla="*/ 10736635 w 23534016"/>
+              <a:gd name="connsiteY5" fmla="*/ 9780395 h 11328207"/>
+              <a:gd name="connsiteX6" fmla="*/ 10831887 w 23534016"/>
+              <a:gd name="connsiteY6" fmla="*/ 9780395 h 11328207"/>
+              <a:gd name="connsiteX7" fmla="*/ 11264585 w 23534016"/>
+              <a:gd name="connsiteY7" fmla="*/ 9912566 h 11328207"/>
+              <a:gd name="connsiteX8" fmla="*/ 1179542 w 23534016"/>
+              <a:gd name="connsiteY8" fmla="*/ 3328153 h 11328207"/>
+              <a:gd name="connsiteX9" fmla="*/ 1401765 w 23534016"/>
+              <a:gd name="connsiteY9" fmla="*/ 3746104 h 11328207"/>
+              <a:gd name="connsiteX10" fmla="*/ 1401764 w 23534016"/>
+              <a:gd name="connsiteY10" fmla="*/ 3746104 h 11328207"/>
+              <a:gd name="connsiteX11" fmla="*/ 897732 w 23534016"/>
+              <a:gd name="connsiteY11" fmla="*/ 4250136 h 11328207"/>
+              <a:gd name="connsiteX12" fmla="*/ 504033 w 23534016"/>
+              <a:gd name="connsiteY12" fmla="*/ 4250135 h 11328207"/>
+              <a:gd name="connsiteX13" fmla="*/ 1 w 23534016"/>
+              <a:gd name="connsiteY13" fmla="*/ 3746103 h 11328207"/>
+              <a:gd name="connsiteX14" fmla="*/ 0 w 23534016"/>
+              <a:gd name="connsiteY14" fmla="*/ 3746103 h 11328207"/>
+              <a:gd name="connsiteX15" fmla="*/ 504032 w 23534016"/>
+              <a:gd name="connsiteY15" fmla="*/ 3242072 h 11328207"/>
+              <a:gd name="connsiteX16" fmla="*/ 897733 w 23534016"/>
+              <a:gd name="connsiteY16" fmla="*/ 3242072 h 11328207"/>
+              <a:gd name="connsiteX17" fmla="*/ 1179542 w 23534016"/>
+              <a:gd name="connsiteY17" fmla="*/ 3328153 h 11328207"/>
+              <a:gd name="connsiteX18" fmla="*/ 9733515 w 23534016"/>
+              <a:gd name="connsiteY18" fmla="*/ 6613367 h 11328207"/>
+              <a:gd name="connsiteX19" fmla="*/ 9955739 w 23534016"/>
+              <a:gd name="connsiteY19" fmla="*/ 7031319 h 11328207"/>
+              <a:gd name="connsiteX20" fmla="*/ 9955739 w 23534016"/>
+              <a:gd name="connsiteY20" fmla="*/ 7031319 h 11328207"/>
+              <a:gd name="connsiteX21" fmla="*/ 9451707 w 23534016"/>
+              <a:gd name="connsiteY21" fmla="*/ 7535351 h 11328207"/>
+              <a:gd name="connsiteX22" fmla="*/ 9058008 w 23534016"/>
+              <a:gd name="connsiteY22" fmla="*/ 7535350 h 11328207"/>
+              <a:gd name="connsiteX23" fmla="*/ 8553975 w 23534016"/>
+              <a:gd name="connsiteY23" fmla="*/ 7031318 h 11328207"/>
+              <a:gd name="connsiteX24" fmla="*/ 8553975 w 23534016"/>
+              <a:gd name="connsiteY24" fmla="*/ 7031318 h 11328207"/>
+              <a:gd name="connsiteX25" fmla="*/ 9058007 w 23534016"/>
+              <a:gd name="connsiteY25" fmla="*/ 6527286 h 11328207"/>
+              <a:gd name="connsiteX26" fmla="*/ 9451706 w 23534016"/>
+              <a:gd name="connsiteY26" fmla="*/ 6527286 h 11328207"/>
+              <a:gd name="connsiteX27" fmla="*/ 9733515 w 23534016"/>
+              <a:gd name="connsiteY27" fmla="*/ 6613367 h 11328207"/>
+              <a:gd name="connsiteX28" fmla="*/ 8928022 w 23534016"/>
+              <a:gd name="connsiteY28" fmla="*/ 3340367 h 11328207"/>
+              <a:gd name="connsiteX29" fmla="*/ 9150244 w 23534016"/>
+              <a:gd name="connsiteY29" fmla="*/ 3758318 h 11328207"/>
+              <a:gd name="connsiteX30" fmla="*/ 9150244 w 23534016"/>
+              <a:gd name="connsiteY30" fmla="*/ 3758318 h 11328207"/>
+              <a:gd name="connsiteX31" fmla="*/ 8646212 w 23534016"/>
+              <a:gd name="connsiteY31" fmla="*/ 4262350 h 11328207"/>
+              <a:gd name="connsiteX32" fmla="*/ 2350189 w 23534016"/>
+              <a:gd name="connsiteY32" fmla="*/ 4262349 h 11328207"/>
+              <a:gd name="connsiteX33" fmla="*/ 1846156 w 23534016"/>
+              <a:gd name="connsiteY33" fmla="*/ 3758316 h 11328207"/>
+              <a:gd name="connsiteX34" fmla="*/ 1846157 w 23534016"/>
+              <a:gd name="connsiteY34" fmla="*/ 3758317 h 11328207"/>
+              <a:gd name="connsiteX35" fmla="*/ 2350189 w 23534016"/>
+              <a:gd name="connsiteY35" fmla="*/ 3254285 h 11328207"/>
+              <a:gd name="connsiteX36" fmla="*/ 8646213 w 23534016"/>
+              <a:gd name="connsiteY36" fmla="*/ 3254286 h 11328207"/>
+              <a:gd name="connsiteX37" fmla="*/ 8928022 w 23534016"/>
+              <a:gd name="connsiteY37" fmla="*/ 3340367 h 11328207"/>
+              <a:gd name="connsiteX38" fmla="*/ 15324339 w 23534016"/>
+              <a:gd name="connsiteY38" fmla="*/ 6624950 h 11328207"/>
+              <a:gd name="connsiteX39" fmla="*/ 15546562 w 23534016"/>
+              <a:gd name="connsiteY39" fmla="*/ 7042900 h 11328207"/>
+              <a:gd name="connsiteX40" fmla="*/ 15042530 w 23534016"/>
+              <a:gd name="connsiteY40" fmla="*/ 7546931 h 11328207"/>
+              <a:gd name="connsiteX41" fmla="*/ 10905505 w 23534016"/>
+              <a:gd name="connsiteY41" fmla="*/ 7546930 h 11328207"/>
+              <a:gd name="connsiteX42" fmla="*/ 10401474 w 23534016"/>
+              <a:gd name="connsiteY42" fmla="*/ 7042899 h 11328207"/>
+              <a:gd name="connsiteX43" fmla="*/ 10905505 w 23534016"/>
+              <a:gd name="connsiteY43" fmla="*/ 6538868 h 11328207"/>
+              <a:gd name="connsiteX44" fmla="*/ 15042530 w 23534016"/>
+              <a:gd name="connsiteY44" fmla="*/ 6538869 h 11328207"/>
+              <a:gd name="connsiteX45" fmla="*/ 15324339 w 23534016"/>
+              <a:gd name="connsiteY45" fmla="*/ 6624950 h 11328207"/>
+              <a:gd name="connsiteX46" fmla="*/ 23192458 w 23534016"/>
+              <a:gd name="connsiteY46" fmla="*/ 8064785 h 11328207"/>
+              <a:gd name="connsiteX47" fmla="*/ 23534016 w 23534016"/>
+              <a:gd name="connsiteY47" fmla="*/ 8707179 h 11328207"/>
+              <a:gd name="connsiteX48" fmla="*/ 22759316 w 23534016"/>
+              <a:gd name="connsiteY48" fmla="*/ 9481878 h 11328207"/>
+              <a:gd name="connsiteX49" fmla="*/ 8228929 w 23534016"/>
+              <a:gd name="connsiteY49" fmla="*/ 9481877 h 11328207"/>
+              <a:gd name="connsiteX50" fmla="*/ 7454228 w 23534016"/>
+              <a:gd name="connsiteY50" fmla="*/ 8707176 h 11328207"/>
+              <a:gd name="connsiteX51" fmla="*/ 8228928 w 23534016"/>
+              <a:gd name="connsiteY51" fmla="*/ 7932477 h 11328207"/>
+              <a:gd name="connsiteX52" fmla="*/ 22759315 w 23534016"/>
+              <a:gd name="connsiteY52" fmla="*/ 7932478 h 11328207"/>
+              <a:gd name="connsiteX53" fmla="*/ 23192458 w 23534016"/>
+              <a:gd name="connsiteY53" fmla="*/ 8064785 h 11328207"/>
+              <a:gd name="connsiteX54" fmla="*/ 9947589 w 23534016"/>
+              <a:gd name="connsiteY54" fmla="*/ 86081 h 11328207"/>
+              <a:gd name="connsiteX55" fmla="*/ 10169812 w 23534016"/>
+              <a:gd name="connsiteY55" fmla="*/ 504032 h 11328207"/>
+              <a:gd name="connsiteX56" fmla="*/ 10169811 w 23534016"/>
+              <a:gd name="connsiteY56" fmla="*/ 504032 h 11328207"/>
+              <a:gd name="connsiteX57" fmla="*/ 9665779 w 23534016"/>
+              <a:gd name="connsiteY57" fmla="*/ 1008064 h 11328207"/>
+              <a:gd name="connsiteX58" fmla="*/ 2447418 w 23534016"/>
+              <a:gd name="connsiteY58" fmla="*/ 1008063 h 11328207"/>
+              <a:gd name="connsiteX59" fmla="*/ 1943386 w 23534016"/>
+              <a:gd name="connsiteY59" fmla="*/ 504031 h 11328207"/>
+              <a:gd name="connsiteX60" fmla="*/ 1943385 w 23534016"/>
+              <a:gd name="connsiteY60" fmla="*/ 504031 h 11328207"/>
+              <a:gd name="connsiteX61" fmla="*/ 2447417 w 23534016"/>
+              <a:gd name="connsiteY61" fmla="*/ 0 h 11328207"/>
+              <a:gd name="connsiteX62" fmla="*/ 9665780 w 23534016"/>
+              <a:gd name="connsiteY62" fmla="*/ 0 h 11328207"/>
+              <a:gd name="connsiteX63" fmla="*/ 9947589 w 23534016"/>
+              <a:gd name="connsiteY63" fmla="*/ 86081 h 11328207"/>
+              <a:gd name="connsiteX64" fmla="*/ 16576520 w 23534016"/>
+              <a:gd name="connsiteY64" fmla="*/ 3400992 h 11328207"/>
+              <a:gd name="connsiteX65" fmla="*/ 16798742 w 23534016"/>
+              <a:gd name="connsiteY65" fmla="*/ 3818943 h 11328207"/>
+              <a:gd name="connsiteX66" fmla="*/ 16798742 w 23534016"/>
+              <a:gd name="connsiteY66" fmla="*/ 3818943 h 11328207"/>
+              <a:gd name="connsiteX67" fmla="*/ 16294710 w 23534016"/>
+              <a:gd name="connsiteY67" fmla="*/ 4322975 h 11328207"/>
+              <a:gd name="connsiteX68" fmla="*/ 9998686 w 23534016"/>
+              <a:gd name="connsiteY68" fmla="*/ 4322974 h 11328207"/>
+              <a:gd name="connsiteX69" fmla="*/ 9494655 w 23534016"/>
+              <a:gd name="connsiteY69" fmla="*/ 3818942 h 11328207"/>
+              <a:gd name="connsiteX70" fmla="*/ 9494655 w 23534016"/>
+              <a:gd name="connsiteY70" fmla="*/ 3818943 h 11328207"/>
+              <a:gd name="connsiteX71" fmla="*/ 9998687 w 23534016"/>
+              <a:gd name="connsiteY71" fmla="*/ 3314911 h 11328207"/>
+              <a:gd name="connsiteX72" fmla="*/ 16294711 w 23534016"/>
+              <a:gd name="connsiteY72" fmla="*/ 3314911 h 11328207"/>
+              <a:gd name="connsiteX73" fmla="*/ 16576520 w 23534016"/>
+              <a:gd name="connsiteY73" fmla="*/ 3400992 h 11328207"/>
+              <a:gd name="connsiteX74" fmla="*/ 20515471 w 23534016"/>
+              <a:gd name="connsiteY74" fmla="*/ 4777198 h 11328207"/>
+              <a:gd name="connsiteX75" fmla="*/ 20856681 w 23534016"/>
+              <a:gd name="connsiteY75" fmla="*/ 5418935 h 11328207"/>
+              <a:gd name="connsiteX76" fmla="*/ 20856679 w 23534016"/>
+              <a:gd name="connsiteY76" fmla="*/ 5418934 h 11328207"/>
+              <a:gd name="connsiteX77" fmla="*/ 20082773 w 23534016"/>
+              <a:gd name="connsiteY77" fmla="*/ 6192842 h 11328207"/>
+              <a:gd name="connsiteX78" fmla="*/ 3780736 w 23534016"/>
+              <a:gd name="connsiteY78" fmla="*/ 6192840 h 11328207"/>
+              <a:gd name="connsiteX79" fmla="*/ 3006829 w 23534016"/>
+              <a:gd name="connsiteY79" fmla="*/ 5418932 h 11328207"/>
+              <a:gd name="connsiteX80" fmla="*/ 3006829 w 23534016"/>
+              <a:gd name="connsiteY80" fmla="*/ 5418933 h 11328207"/>
+              <a:gd name="connsiteX81" fmla="*/ 3780735 w 23534016"/>
+              <a:gd name="connsiteY81" fmla="*/ 4645026 h 11328207"/>
+              <a:gd name="connsiteX82" fmla="*/ 20082772 w 23534016"/>
+              <a:gd name="connsiteY82" fmla="*/ 4645027 h 11328207"/>
+              <a:gd name="connsiteX83" fmla="*/ 20515471 w 23534016"/>
+              <a:gd name="connsiteY83" fmla="*/ 4777198 h 11328207"/>
+              <a:gd name="connsiteX84" fmla="*/ 15080250 w 23534016"/>
+              <a:gd name="connsiteY84" fmla="*/ 1483266 h 11328207"/>
+              <a:gd name="connsiteX85" fmla="*/ 15421458 w 23534016"/>
+              <a:gd name="connsiteY85" fmla="*/ 2125002 h 11328207"/>
+              <a:gd name="connsiteX86" fmla="*/ 15421458 w 23534016"/>
+              <a:gd name="connsiteY86" fmla="*/ 2125003 h 11328207"/>
+              <a:gd name="connsiteX87" fmla="*/ 14647550 w 23534016"/>
+              <a:gd name="connsiteY87" fmla="*/ 2898909 h 11328207"/>
+              <a:gd name="connsiteX88" fmla="*/ 5471802 w 23534016"/>
+              <a:gd name="connsiteY88" fmla="*/ 2898908 h 11328207"/>
+              <a:gd name="connsiteX89" fmla="*/ 4697895 w 23534016"/>
+              <a:gd name="connsiteY89" fmla="*/ 2125001 h 11328207"/>
+              <a:gd name="connsiteX90" fmla="*/ 4697895 w 23534016"/>
+              <a:gd name="connsiteY90" fmla="*/ 2125002 h 11328207"/>
+              <a:gd name="connsiteX91" fmla="*/ 5471802 w 23534016"/>
+              <a:gd name="connsiteY91" fmla="*/ 1351096 h 11328207"/>
+              <a:gd name="connsiteX92" fmla="*/ 14647551 w 23534016"/>
+              <a:gd name="connsiteY92" fmla="*/ 1351096 h 11328207"/>
+              <a:gd name="connsiteX93" fmla="*/ 15080250 w 23534016"/>
+              <a:gd name="connsiteY93" fmla="*/ 1483266 h 11328207"/>
+            </a:gdLst>
+            <a:ahLst/>
+            <a:cxnLst>
+              <a:cxn ang="0">
+                <a:pos x="connsiteX0" y="connsiteY0"/>
+              </a:cxn>
+              <a:cxn ang="0">
+                <a:pos x="connsiteX1" y="connsiteY1"/>
+              </a:cxn>
+              <a:cxn ang="0">
+                <a:pos x="connsiteX2" y="connsiteY2"/>
+              </a:cxn>
+              <a:cxn ang="0">
+                <a:pos x="connsiteX3" y="connsiteY3"/>
+              </a:cxn>
+              <a:cxn ang="0">
+                <a:pos x="connsiteX4" y="connsiteY4"/>
+              </a:cxn>
+              <a:cxn ang="0">
+                <a:pos x="connsiteX5" y="connsiteY5"/>
+              </a:cxn>
+              <a:cxn ang="0">
+                <a:pos x="connsiteX6" y="connsiteY6"/>
+              </a:cxn>
+              <a:cxn ang="0">
+                <a:pos x="connsiteX7" y="connsiteY7"/>
+              </a:cxn>
+              <a:cxn ang="0">
+                <a:pos x="connsiteX8" y="connsiteY8"/>
+              </a:cxn>
+              <a:cxn ang="0">
+                <a:pos x="connsiteX9" y="connsiteY9"/>
+              </a:cxn>
+              <a:cxn ang="0">
+                <a:pos x="connsiteX10" y="connsiteY10"/>
+              </a:cxn>
+              <a:cxn ang="0">
+                <a:pos x="connsiteX11" y="connsiteY11"/>
+              </a:cxn>
+              <a:cxn ang="0">
+                <a:pos x="connsiteX12" y="connsiteY12"/>
+              </a:cxn>
+              <a:cxn ang="0">
+                <a:pos x="connsiteX13" y="connsiteY13"/>
+              </a:cxn>
+              <a:cxn ang="0">
+                <a:pos x="connsiteX14" y="connsiteY14"/>
+              </a:cxn>
+              <a:cxn ang="0">
+                <a:pos x="connsiteX15" y="connsiteY15"/>
+              </a:cxn>
+              <a:cxn ang="0">
+                <a:pos x="connsiteX16" y="connsiteY16"/>
+              </a:cxn>
+              <a:cxn ang="0">
+                <a:pos x="connsiteX17" y="connsiteY17"/>
+              </a:cxn>
+              <a:cxn ang="0">
+                <a:pos x="connsiteX18" y="connsiteY18"/>
+              </a:cxn>
+              <a:cxn ang="0">
+                <a:pos x="connsiteX19" y="connsiteY19"/>
+              </a:cxn>
+              <a:cxn ang="0">
+                <a:pos x="connsiteX20" y="connsiteY20"/>
+              </a:cxn>
+              <a:cxn ang="0">
+                <a:pos x="connsiteX21" y="connsiteY21"/>
+              </a:cxn>
+              <a:cxn ang="0">
+                <a:pos x="connsiteX22" y="connsiteY22"/>
+              </a:cxn>
+              <a:cxn ang="0">
+                <a:pos x="connsiteX23" y="connsiteY23"/>
+              </a:cxn>
+              <a:cxn ang="0">
+                <a:pos x="connsiteX24" y="connsiteY24"/>
+              </a:cxn>
+              <a:cxn ang="0">
+                <a:pos x="connsiteX25" y="connsiteY25"/>
+              </a:cxn>
+              <a:cxn ang="0">
+                <a:pos x="connsiteX26" y="connsiteY26"/>
+              </a:cxn>
+              <a:cxn ang="0">
+                <a:pos x="connsiteX27" y="connsiteY27"/>
+              </a:cxn>
+              <a:cxn ang="0">
+                <a:pos x="connsiteX28" y="connsiteY28"/>
+              </a:cxn>
+              <a:cxn ang="0">
+                <a:pos x="connsiteX29" y="connsiteY29"/>
+              </a:cxn>
+              <a:cxn ang="0">
+                <a:pos x="connsiteX30" y="connsiteY30"/>
+              </a:cxn>
+              <a:cxn ang="0">
+                <a:pos x="connsiteX31" y="connsiteY31"/>
+              </a:cxn>
+              <a:cxn ang="0">
+                <a:pos x="connsiteX32" y="connsiteY32"/>
+              </a:cxn>
+              <a:cxn ang="0">
+                <a:pos x="connsiteX33" y="connsiteY33"/>
+              </a:cxn>
+              <a:cxn ang="0">
+                <a:pos x="connsiteX34" y="connsiteY34"/>
+              </a:cxn>
+              <a:cxn ang="0">
+                <a:pos x="connsiteX35" y="connsiteY35"/>
+              </a:cxn>
+              <a:cxn ang="0">
+                <a:pos x="connsiteX36" y="connsiteY36"/>
+              </a:cxn>
+              <a:cxn ang="0">
+                <a:pos x="connsiteX37" y="connsiteY37"/>
+              </a:cxn>
+              <a:cxn ang="0">
+                <a:pos x="connsiteX38" y="connsiteY38"/>
+              </a:cxn>
+              <a:cxn ang="0">
+                <a:pos x="connsiteX39" y="connsiteY39"/>
+              </a:cxn>
+              <a:cxn ang="0">
+                <a:pos x="connsiteX40" y="connsiteY40"/>
+              </a:cxn>
+              <a:cxn ang="0">
+                <a:pos x="connsiteX41" y="connsiteY41"/>
+              </a:cxn>
+              <a:cxn ang="0">
+                <a:pos x="connsiteX42" y="connsiteY42"/>
+              </a:cxn>
+              <a:cxn ang="0">
+                <a:pos x="connsiteX43" y="connsiteY43"/>
+              </a:cxn>
+              <a:cxn ang="0">
+                <a:pos x="connsiteX44" y="connsiteY44"/>
+              </a:cxn>
+              <a:cxn ang="0">
+                <a:pos x="connsiteX45" y="connsiteY45"/>
+              </a:cxn>
+              <a:cxn ang="0">
+                <a:pos x="connsiteX46" y="connsiteY46"/>
+              </a:cxn>
+              <a:cxn ang="0">
+                <a:pos x="connsiteX47" y="connsiteY47"/>
+              </a:cxn>
+              <a:cxn ang="0">
+                <a:pos x="connsiteX48" y="connsiteY48"/>
+              </a:cxn>
+              <a:cxn ang="0">
+                <a:pos x="connsiteX49" y="connsiteY49"/>
+              </a:cxn>
+              <a:cxn ang="0">
+                <a:pos x="connsiteX50" y="connsiteY50"/>
+              </a:cxn>
+              <a:cxn ang="0">
+                <a:pos x="connsiteX51" y="connsiteY51"/>
+              </a:cxn>
+              <a:cxn ang="0">
+                <a:pos x="connsiteX52" y="connsiteY52"/>
+              </a:cxn>
+              <a:cxn ang="0">
+                <a:pos x="connsiteX53" y="connsiteY53"/>
+              </a:cxn>
+              <a:cxn ang="0">
+                <a:pos x="connsiteX54" y="connsiteY54"/>
+              </a:cxn>
+              <a:cxn ang="0">
+                <a:pos x="connsiteX55" y="connsiteY55"/>
+              </a:cxn>
+              <a:cxn ang="0">
+                <a:pos x="connsiteX56" y="connsiteY56"/>
+              </a:cxn>
+              <a:cxn ang="0">
+                <a:pos x="connsiteX57" y="connsiteY57"/>
+              </a:cxn>
+              <a:cxn ang="0">
+                <a:pos x="connsiteX58" y="connsiteY58"/>
+              </a:cxn>
+              <a:cxn ang="0">
+                <a:pos x="connsiteX59" y="connsiteY59"/>
+              </a:cxn>
+              <a:cxn ang="0">
+                <a:pos x="connsiteX60" y="connsiteY60"/>
+              </a:cxn>
+              <a:cxn ang="0">
+                <a:pos x="connsiteX61" y="connsiteY61"/>
+              </a:cxn>
+              <a:cxn ang="0">
+                <a:pos x="connsiteX62" y="connsiteY62"/>
+              </a:cxn>
+              <a:cxn ang="0">
+                <a:pos x="connsiteX63" y="connsiteY63"/>
+              </a:cxn>
+              <a:cxn ang="0">
+                <a:pos x="connsiteX64" y="connsiteY64"/>
+              </a:cxn>
+              <a:cxn ang="0">
+                <a:pos x="connsiteX65" y="connsiteY65"/>
+              </a:cxn>
+              <a:cxn ang="0">
+                <a:pos x="connsiteX66" y="connsiteY66"/>
+              </a:cxn>
+              <a:cxn ang="0">
+                <a:pos x="connsiteX67" y="connsiteY67"/>
+              </a:cxn>
+              <a:cxn ang="0">
+                <a:pos x="connsiteX68" y="connsiteY68"/>
+              </a:cxn>
+              <a:cxn ang="0">
+                <a:pos x="connsiteX69" y="connsiteY69"/>
+              </a:cxn>
+              <a:cxn ang="0">
+                <a:pos x="connsiteX70" y="connsiteY70"/>
+              </a:cxn>
+              <a:cxn ang="0">
+                <a:pos x="connsiteX71" y="connsiteY71"/>
+              </a:cxn>
+              <a:cxn ang="0">
+                <a:pos x="connsiteX72" y="connsiteY72"/>
+              </a:cxn>
+              <a:cxn ang="0">
+                <a:pos x="connsiteX73" y="connsiteY73"/>
+              </a:cxn>
+              <a:cxn ang="0">
+                <a:pos x="connsiteX74" y="connsiteY74"/>
+              </a:cxn>
+              <a:cxn ang="0">
+                <a:pos x="connsiteX75" y="connsiteY75"/>
+              </a:cxn>
+              <a:cxn ang="0">
+                <a:pos x="connsiteX76" y="connsiteY76"/>
+              </a:cxn>
+              <a:cxn ang="0">
+                <a:pos x="connsiteX77" y="connsiteY77"/>
+              </a:cxn>
+              <a:cxn ang="0">
+                <a:pos x="connsiteX78" y="connsiteY78"/>
+              </a:cxn>
+              <a:cxn ang="0">
+                <a:pos x="connsiteX79" y="connsiteY79"/>
+              </a:cxn>
+              <a:cxn ang="0">
+                <a:pos x="connsiteX80" y="connsiteY80"/>
+              </a:cxn>
+              <a:cxn ang="0">
+                <a:pos x="connsiteX81" y="connsiteY81"/>
+              </a:cxn>
+              <a:cxn ang="0">
+                <a:pos x="connsiteX82" y="connsiteY82"/>
+              </a:cxn>
+              <a:cxn ang="0">
+                <a:pos x="connsiteX83" y="connsiteY83"/>
+              </a:cxn>
+              <a:cxn ang="0">
+                <a:pos x="connsiteX84" y="connsiteY84"/>
+              </a:cxn>
+              <a:cxn ang="0">
+                <a:pos x="connsiteX85" y="connsiteY85"/>
+              </a:cxn>
+              <a:cxn ang="0">
+                <a:pos x="connsiteX86" y="connsiteY86"/>
+              </a:cxn>
+              <a:cxn ang="0">
+                <a:pos x="connsiteX87" y="connsiteY87"/>
+              </a:cxn>
+              <a:cxn ang="0">
+                <a:pos x="connsiteX88" y="connsiteY88"/>
+              </a:cxn>
+              <a:cxn ang="0">
+                <a:pos x="connsiteX89" y="connsiteY89"/>
+              </a:cxn>
+              <a:cxn ang="0">
+                <a:pos x="connsiteX90" y="connsiteY90"/>
+              </a:cxn>
+              <a:cxn ang="0">
+                <a:pos x="connsiteX91" y="connsiteY91"/>
+              </a:cxn>
+              <a:cxn ang="0">
+                <a:pos x="connsiteX92" y="connsiteY92"/>
+              </a:cxn>
+              <a:cxn ang="0">
+                <a:pos x="connsiteX93" y="connsiteY93"/>
+              </a:cxn>
+            </a:cxnLst>
+            <a:rect l="l" t="t" r="r" b="b"/>
+            <a:pathLst>
+              <a:path w="23534016" h="11328207">
+                <a:moveTo>
+                  <a:pt x="11264585" y="9912566"/>
+                </a:moveTo>
+                <a:cubicBezTo>
+                  <a:pt x="11470444" y="10051642"/>
+                  <a:pt x="11605793" y="10287166"/>
+                  <a:pt x="11605793" y="10554301"/>
+                </a:cubicBezTo>
+                <a:cubicBezTo>
+                  <a:pt x="11605792" y="10981717"/>
+                  <a:pt x="11259303" y="11328207"/>
+                  <a:pt x="10831887" y="11328207"/>
+                </a:cubicBezTo>
+                <a:lnTo>
+                  <a:pt x="10736635" y="11328207"/>
+                </a:lnTo>
+                <a:cubicBezTo>
+                  <a:pt x="10309219" y="11328207"/>
+                  <a:pt x="9962730" y="10981717"/>
+                  <a:pt x="9962731" y="10554301"/>
+                </a:cubicBezTo>
+                <a:cubicBezTo>
+                  <a:pt x="9962730" y="10126885"/>
+                  <a:pt x="10309219" y="9780395"/>
+                  <a:pt x="10736635" y="9780395"/>
+                </a:cubicBezTo>
+                <a:lnTo>
+                  <a:pt x="10831887" y="9780395"/>
+                </a:lnTo>
+                <a:cubicBezTo>
+                  <a:pt x="10992167" y="9780394"/>
+                  <a:pt x="11141068" y="9829120"/>
+                  <a:pt x="11264585" y="9912566"/>
+                </a:cubicBezTo>
+                <a:close/>
+                <a:moveTo>
+                  <a:pt x="1179542" y="3328153"/>
+                </a:moveTo>
+                <a:cubicBezTo>
+                  <a:pt x="1313615" y="3418731"/>
+                  <a:pt x="1401765" y="3572123"/>
+                  <a:pt x="1401765" y="3746104"/>
+                </a:cubicBezTo>
+                <a:lnTo>
+                  <a:pt x="1401764" y="3746104"/>
+                </a:lnTo>
+                <a:cubicBezTo>
+                  <a:pt x="1401764" y="4024473"/>
+                  <a:pt x="1176101" y="4250136"/>
+                  <a:pt x="897732" y="4250136"/>
+                </a:cubicBezTo>
+                <a:lnTo>
+                  <a:pt x="504033" y="4250135"/>
+                </a:lnTo>
+                <a:cubicBezTo>
+                  <a:pt x="225664" y="4250135"/>
+                  <a:pt x="1" y="4024472"/>
+                  <a:pt x="1" y="3746103"/>
+                </a:cubicBezTo>
+                <a:lnTo>
+                  <a:pt x="0" y="3746103"/>
+                </a:lnTo>
+                <a:cubicBezTo>
+                  <a:pt x="1" y="3467734"/>
+                  <a:pt x="225664" y="3242072"/>
+                  <a:pt x="504032" y="3242072"/>
+                </a:cubicBezTo>
+                <a:lnTo>
+                  <a:pt x="897733" y="3242072"/>
+                </a:lnTo>
+                <a:cubicBezTo>
+                  <a:pt x="1002122" y="3242072"/>
+                  <a:pt x="1099098" y="3273806"/>
+                  <a:pt x="1179542" y="3328153"/>
+                </a:cubicBezTo>
+                <a:close/>
+                <a:moveTo>
+                  <a:pt x="9733515" y="6613367"/>
+                </a:moveTo>
+                <a:cubicBezTo>
+                  <a:pt x="9867590" y="6703946"/>
+                  <a:pt x="9955739" y="6857338"/>
+                  <a:pt x="9955739" y="7031319"/>
+                </a:cubicBezTo>
+                <a:lnTo>
+                  <a:pt x="9955739" y="7031319"/>
+                </a:lnTo>
+                <a:cubicBezTo>
+                  <a:pt x="9955739" y="7309688"/>
+                  <a:pt x="9730075" y="7535351"/>
+                  <a:pt x="9451707" y="7535351"/>
+                </a:cubicBezTo>
+                <a:lnTo>
+                  <a:pt x="9058008" y="7535350"/>
+                </a:lnTo>
+                <a:cubicBezTo>
+                  <a:pt x="8779637" y="7535349"/>
+                  <a:pt x="8553975" y="7309687"/>
+                  <a:pt x="8553975" y="7031318"/>
+                </a:cubicBezTo>
+                <a:lnTo>
+                  <a:pt x="8553975" y="7031318"/>
+                </a:lnTo>
+                <a:cubicBezTo>
+                  <a:pt x="8553975" y="6752949"/>
+                  <a:pt x="8779638" y="6527287"/>
+                  <a:pt x="9058007" y="6527286"/>
+                </a:cubicBezTo>
+                <a:lnTo>
+                  <a:pt x="9451706" y="6527286"/>
+                </a:lnTo>
+                <a:cubicBezTo>
+                  <a:pt x="9556095" y="6527286"/>
+                  <a:pt x="9653072" y="6559021"/>
+                  <a:pt x="9733515" y="6613367"/>
+                </a:cubicBezTo>
+                <a:close/>
+                <a:moveTo>
+                  <a:pt x="8928022" y="3340367"/>
+                </a:moveTo>
+                <a:cubicBezTo>
+                  <a:pt x="9062095" y="3430945"/>
+                  <a:pt x="9150244" y="3584337"/>
+                  <a:pt x="9150244" y="3758318"/>
+                </a:cubicBezTo>
+                <a:lnTo>
+                  <a:pt x="9150244" y="3758318"/>
+                </a:lnTo>
+                <a:cubicBezTo>
+                  <a:pt x="9150244" y="4036688"/>
+                  <a:pt x="8924581" y="4262349"/>
+                  <a:pt x="8646212" y="4262350"/>
+                </a:cubicBezTo>
+                <a:lnTo>
+                  <a:pt x="2350189" y="4262349"/>
+                </a:lnTo>
+                <a:cubicBezTo>
+                  <a:pt x="2071819" y="4262349"/>
+                  <a:pt x="1846156" y="4036685"/>
+                  <a:pt x="1846156" y="3758316"/>
+                </a:cubicBezTo>
+                <a:lnTo>
+                  <a:pt x="1846157" y="3758317"/>
+                </a:lnTo>
+                <a:cubicBezTo>
+                  <a:pt x="1846157" y="3479948"/>
+                  <a:pt x="2071820" y="3254286"/>
+                  <a:pt x="2350189" y="3254285"/>
+                </a:cubicBezTo>
+                <a:lnTo>
+                  <a:pt x="8646213" y="3254286"/>
+                </a:lnTo>
+                <a:cubicBezTo>
+                  <a:pt x="8750602" y="3254287"/>
+                  <a:pt x="8847579" y="3286021"/>
+                  <a:pt x="8928022" y="3340367"/>
+                </a:cubicBezTo>
+                <a:close/>
+                <a:moveTo>
+                  <a:pt x="15324339" y="6624950"/>
+                </a:moveTo>
+                <a:cubicBezTo>
+                  <a:pt x="15458413" y="6715527"/>
+                  <a:pt x="15546561" y="6868919"/>
+                  <a:pt x="15546562" y="7042900"/>
+                </a:cubicBezTo>
+                <a:cubicBezTo>
+                  <a:pt x="15546561" y="7321269"/>
+                  <a:pt x="15320899" y="7546930"/>
+                  <a:pt x="15042530" y="7546931"/>
+                </a:cubicBezTo>
+                <a:lnTo>
+                  <a:pt x="10905505" y="7546930"/>
+                </a:lnTo>
+                <a:cubicBezTo>
+                  <a:pt x="10627136" y="7546930"/>
+                  <a:pt x="10401474" y="7321268"/>
+                  <a:pt x="10401474" y="7042899"/>
+                </a:cubicBezTo>
+                <a:cubicBezTo>
+                  <a:pt x="10401474" y="6764530"/>
+                  <a:pt x="10627137" y="6538868"/>
+                  <a:pt x="10905505" y="6538868"/>
+                </a:cubicBezTo>
+                <a:lnTo>
+                  <a:pt x="15042530" y="6538869"/>
+                </a:lnTo>
+                <a:cubicBezTo>
+                  <a:pt x="15146919" y="6538869"/>
+                  <a:pt x="15243896" y="6570603"/>
+                  <a:pt x="15324339" y="6624950"/>
+                </a:cubicBezTo>
+                <a:close/>
+                <a:moveTo>
+                  <a:pt x="23192458" y="8064785"/>
+                </a:moveTo>
+                <a:cubicBezTo>
+                  <a:pt x="23398529" y="8204003"/>
+                  <a:pt x="23534016" y="8439769"/>
+                  <a:pt x="23534016" y="8707179"/>
+                </a:cubicBezTo>
+                <a:cubicBezTo>
+                  <a:pt x="23534016" y="9135034"/>
+                  <a:pt x="23187171" y="9481878"/>
+                  <a:pt x="22759316" y="9481878"/>
+                </a:cubicBezTo>
+                <a:lnTo>
+                  <a:pt x="8228929" y="9481877"/>
+                </a:lnTo>
+                <a:cubicBezTo>
+                  <a:pt x="7801074" y="9481877"/>
+                  <a:pt x="7454229" y="9135032"/>
+                  <a:pt x="7454228" y="8707176"/>
+                </a:cubicBezTo>
+                <a:cubicBezTo>
+                  <a:pt x="7454228" y="8279322"/>
+                  <a:pt x="7801073" y="7932477"/>
+                  <a:pt x="8228928" y="7932477"/>
+                </a:cubicBezTo>
+                <a:lnTo>
+                  <a:pt x="22759315" y="7932478"/>
+                </a:lnTo>
+                <a:cubicBezTo>
+                  <a:pt x="22919760" y="7932478"/>
+                  <a:pt x="23068815" y="7981253"/>
+                  <a:pt x="23192458" y="8064785"/>
+                </a:cubicBezTo>
+                <a:close/>
+                <a:moveTo>
+                  <a:pt x="9947589" y="86081"/>
+                </a:moveTo>
+                <a:cubicBezTo>
+                  <a:pt x="10081663" y="176659"/>
+                  <a:pt x="10169811" y="330051"/>
+                  <a:pt x="10169812" y="504032"/>
+                </a:cubicBezTo>
+                <a:lnTo>
+                  <a:pt x="10169811" y="504032"/>
+                </a:lnTo>
+                <a:cubicBezTo>
+                  <a:pt x="10169811" y="782401"/>
+                  <a:pt x="9944148" y="1008064"/>
+                  <a:pt x="9665779" y="1008064"/>
+                </a:cubicBezTo>
+                <a:lnTo>
+                  <a:pt x="2447418" y="1008063"/>
+                </a:lnTo>
+                <a:cubicBezTo>
+                  <a:pt x="2169048" y="1008062"/>
+                  <a:pt x="1943386" y="782400"/>
+                  <a:pt x="1943386" y="504031"/>
+                </a:cubicBezTo>
+                <a:lnTo>
+                  <a:pt x="1943385" y="504031"/>
+                </a:lnTo>
+                <a:cubicBezTo>
+                  <a:pt x="1943386" y="225663"/>
+                  <a:pt x="2169048" y="0"/>
+                  <a:pt x="2447417" y="0"/>
+                </a:cubicBezTo>
+                <a:lnTo>
+                  <a:pt x="9665780" y="0"/>
+                </a:lnTo>
+                <a:cubicBezTo>
+                  <a:pt x="9770169" y="0"/>
+                  <a:pt x="9867145" y="31734"/>
+                  <a:pt x="9947589" y="86081"/>
+                </a:cubicBezTo>
+                <a:close/>
+                <a:moveTo>
+                  <a:pt x="16576520" y="3400992"/>
+                </a:moveTo>
+                <a:cubicBezTo>
+                  <a:pt x="16710593" y="3491570"/>
+                  <a:pt x="16798742" y="3644962"/>
+                  <a:pt x="16798742" y="3818943"/>
+                </a:cubicBezTo>
+                <a:lnTo>
+                  <a:pt x="16798742" y="3818943"/>
+                </a:lnTo>
+                <a:cubicBezTo>
+                  <a:pt x="16798742" y="4097312"/>
+                  <a:pt x="16573079" y="4322975"/>
+                  <a:pt x="16294710" y="4322975"/>
+                </a:cubicBezTo>
+                <a:lnTo>
+                  <a:pt x="9998686" y="4322974"/>
+                </a:lnTo>
+                <a:cubicBezTo>
+                  <a:pt x="9720318" y="4322974"/>
+                  <a:pt x="9494655" y="4097311"/>
+                  <a:pt x="9494655" y="3818942"/>
+                </a:cubicBezTo>
+                <a:lnTo>
+                  <a:pt x="9494655" y="3818943"/>
+                </a:lnTo>
+                <a:cubicBezTo>
+                  <a:pt x="9494654" y="3540574"/>
+                  <a:pt x="9720318" y="3314911"/>
+                  <a:pt x="9998687" y="3314911"/>
+                </a:cubicBezTo>
+                <a:lnTo>
+                  <a:pt x="16294711" y="3314911"/>
+                </a:lnTo>
+                <a:cubicBezTo>
+                  <a:pt x="16399100" y="3314912"/>
+                  <a:pt x="16496075" y="3346645"/>
+                  <a:pt x="16576520" y="3400992"/>
+                </a:cubicBezTo>
+                <a:close/>
+                <a:moveTo>
+                  <a:pt x="20515471" y="4777198"/>
+                </a:moveTo>
+                <a:cubicBezTo>
+                  <a:pt x="20721332" y="4916275"/>
+                  <a:pt x="20856681" y="5151799"/>
+                  <a:pt x="20856681" y="5418935"/>
+                </a:cubicBezTo>
+                <a:lnTo>
+                  <a:pt x="20856679" y="5418934"/>
+                </a:lnTo>
+                <a:cubicBezTo>
+                  <a:pt x="20856679" y="5846352"/>
+                  <a:pt x="20510189" y="6192842"/>
+                  <a:pt x="20082773" y="6192842"/>
+                </a:cubicBezTo>
+                <a:lnTo>
+                  <a:pt x="3780736" y="6192840"/>
+                </a:lnTo>
+                <a:cubicBezTo>
+                  <a:pt x="3353319" y="6192840"/>
+                  <a:pt x="3006829" y="5846350"/>
+                  <a:pt x="3006829" y="5418932"/>
+                </a:cubicBezTo>
+                <a:lnTo>
+                  <a:pt x="3006829" y="5418933"/>
+                </a:lnTo>
+                <a:cubicBezTo>
+                  <a:pt x="3006829" y="4991516"/>
+                  <a:pt x="3353318" y="4645026"/>
+                  <a:pt x="3780735" y="4645026"/>
+                </a:cubicBezTo>
+                <a:lnTo>
+                  <a:pt x="20082772" y="4645027"/>
+                </a:lnTo>
+                <a:cubicBezTo>
+                  <a:pt x="20243053" y="4645027"/>
+                  <a:pt x="20391954" y="4693752"/>
+                  <a:pt x="20515471" y="4777198"/>
+                </a:cubicBezTo>
+                <a:close/>
+                <a:moveTo>
+                  <a:pt x="15080250" y="1483266"/>
+                </a:moveTo>
+                <a:cubicBezTo>
+                  <a:pt x="15286109" y="1622342"/>
+                  <a:pt x="15421458" y="1857867"/>
+                  <a:pt x="15421458" y="2125002"/>
+                </a:cubicBezTo>
+                <a:lnTo>
+                  <a:pt x="15421458" y="2125003"/>
+                </a:lnTo>
+                <a:cubicBezTo>
+                  <a:pt x="15421458" y="2552420"/>
+                  <a:pt x="15074966" y="2898909"/>
+                  <a:pt x="14647550" y="2898909"/>
+                </a:cubicBezTo>
+                <a:lnTo>
+                  <a:pt x="5471802" y="2898908"/>
+                </a:lnTo>
+                <a:cubicBezTo>
+                  <a:pt x="5044384" y="2898908"/>
+                  <a:pt x="4697895" y="2552418"/>
+                  <a:pt x="4697895" y="2125001"/>
+                </a:cubicBezTo>
+                <a:lnTo>
+                  <a:pt x="4697895" y="2125002"/>
+                </a:lnTo>
+                <a:cubicBezTo>
+                  <a:pt x="4697894" y="1697585"/>
+                  <a:pt x="5044385" y="1351096"/>
+                  <a:pt x="5471802" y="1351096"/>
+                </a:cubicBezTo>
+                <a:lnTo>
+                  <a:pt x="14647551" y="1351096"/>
+                </a:lnTo>
+                <a:cubicBezTo>
+                  <a:pt x="14807834" y="1351096"/>
+                  <a:pt x="14956733" y="1399820"/>
+                  <a:pt x="15080250" y="1483266"/>
+                </a:cubicBezTo>
+                <a:close/>
+              </a:path>
+            </a:pathLst>
+          </a:custGeom>
+          <a:gradFill flip="none" rotWithShape="1">
+            <a:gsLst>
+              <a:gs pos="0">
+                <a:schemeClr val="accent2">
+                  <a:alpha val="27000"/>
+                  <a:lumMod val="0"/>
+                  <a:lumOff val="100000"/>
+                </a:schemeClr>
+              </a:gs>
+              <a:gs pos="100000">
+                <a:schemeClr val="accent2">
+                  <a:lumMod val="52000"/>
+                  <a:lumOff val="48000"/>
+                </a:schemeClr>
+              </a:gs>
+              <a:gs pos="100000">
+                <a:schemeClr val="accent2">
+                  <a:lumMod val="60000"/>
+                </a:schemeClr>
+              </a:gs>
+            </a:gsLst>
+            <a:path path="circle">
+              <a:fillToRect l="50000" t="130000" r="50000" b="-30000"/>
+            </a:path>
+            <a:tileRect/>
+          </a:gradFill>
+          <a:ln>
+            <a:noFill/>
+          </a:ln>
+        </p:spPr>
+        <p:txBody>
+          <a:bodyPr wrap="square" lIns="19050" tIns="19050" rIns="19050" bIns="19050" anchor="ctr">
+            <a:noAutofit/>
+          </a:bodyPr>
+          <a:lstStyle/>
+          <a:p>
+            <a:pPr eaLnBrk="1"/>
+            <a:endParaRPr lang="en-US" altLang="x-none" sz="900"/>
+          </a:p>
+        </p:txBody>
+      </p:sp>
+      <p:sp>
+        <p:nvSpPr>
+          <p:cNvPr id="2" name="Rectangle 1">
+            <a:extLst>
+              <a:ext uri="{FF2B5EF4-FFF2-40B4-BE49-F238E27FC236}">
+                <a16:creationId xmlns:a16="http://schemas.microsoft.com/office/drawing/2014/main" id="{B381628A-A9B8-7344-961D-B6605A2C1300}"/>
+              </a:ext>
+            </a:extLst>
+          </p:cNvPr>
+          <p:cNvSpPr/>
+          <p:nvPr/>
+        </p:nvSpPr>
+        <p:spPr>
+          <a:xfrm>
+            <a:off x="4127500" y="-190624"/>
+            <a:ext cx="3937000" cy="1441163"/>
+          </a:xfrm>
+          <a:prstGeom prst="rect">
+            <a:avLst/>
+          </a:prstGeom>
+          <a:noFill/>
+          <a:ln>
+            <a:noFill/>
+          </a:ln>
+        </p:spPr>
+        <p:style>
+          <a:lnRef idx="2">
+            <a:schemeClr val="accent1">
+              <a:shade val="50000"/>
+            </a:schemeClr>
+          </a:lnRef>
+          <a:fillRef idx="1">
+            <a:schemeClr val="accent1"/>
+          </a:fillRef>
+          <a:effectRef idx="0">
+            <a:schemeClr val="accent1"/>
+          </a:effectRef>
+          <a:fontRef idx="minor">
+            <a:schemeClr val="lt1"/>
+          </a:fontRef>
+        </p:style>
+        <p:txBody>
+          <a:bodyPr rtlCol="0" anchor="ctr"/>
+          <a:lstStyle/>
+          <a:p>
+            <a:pPr algn="ctr" rtl="1"/>
+            <a:r>
+              <a:rPr lang="ar-SA" sz="4800" dirty="0">
+                <a:solidFill>
+                  <a:srgbClr val="218A3C"/>
+                </a:solidFill>
+                <a:latin typeface="GE SS Text Light" panose="020A0503020102020204" pitchFamily="18" charset="-78"/>
+                <a:ea typeface="GE SS Text Light" panose="020A0503020102020204" pitchFamily="18" charset="-78"/>
+                <a:cs typeface="GE SS Text Light" panose="020A0503020102020204" pitchFamily="18" charset="-78"/>
+              </a:rPr>
+              <a:t>فريق العمل </a:t>
+            </a:r>
+          </a:p>
+        </p:txBody>
+      </p:sp>
+      <p:pic>
+        <p:nvPicPr>
+          <p:cNvPr id="4" name="Graphic 3" descr="Female Profile with solid fill">
+            <a:extLst>
+              <a:ext uri="{FF2B5EF4-FFF2-40B4-BE49-F238E27FC236}">
+                <a16:creationId xmlns:a16="http://schemas.microsoft.com/office/drawing/2014/main" id="{D292C0FF-19F9-104B-8AB1-0E87AB3BDF3B}"/>
+              </a:ext>
+            </a:extLst>
+          </p:cNvPr>
+          <p:cNvPicPr>
+            <a:picLocks noChangeAspect="1"/>
+          </p:cNvPicPr>
+          <p:nvPr/>
+        </p:nvPicPr>
+        <p:blipFill>
+          <a:blip r:embed="rId3">
+            <a:extLst>
+              <a:ext uri="{96DAC541-7B7A-43D3-8B79-37D633B846F1}">
+                <asvg:svgBlip xmlns:asvg="http://schemas.microsoft.com/office/drawing/2016/SVG/main" r:embed="rId4"/>
+              </a:ext>
+            </a:extLst>
+          </a:blip>
+          <a:stretch>
+            <a:fillRect/>
+          </a:stretch>
+        </p:blipFill>
+        <p:spPr>
+          <a:xfrm>
+            <a:off x="8118473" y="5309743"/>
+            <a:ext cx="914400" cy="914400"/>
+          </a:xfrm>
+          <a:prstGeom prst="rect">
+            <a:avLst/>
+          </a:prstGeom>
+        </p:spPr>
+      </p:pic>
+      <p:pic>
+        <p:nvPicPr>
+          <p:cNvPr id="11" name="Graphic 10" descr="Female Profile with solid fill">
+            <a:extLst>
+              <a:ext uri="{FF2B5EF4-FFF2-40B4-BE49-F238E27FC236}">
+                <a16:creationId xmlns:a16="http://schemas.microsoft.com/office/drawing/2014/main" id="{DB599DA2-ECAE-C047-81AD-AF847F299E81}"/>
+              </a:ext>
+            </a:extLst>
+          </p:cNvPr>
+          <p:cNvPicPr>
+            <a:picLocks noChangeAspect="1"/>
+          </p:cNvPicPr>
+          <p:nvPr/>
+        </p:nvPicPr>
+        <p:blipFill>
+          <a:blip r:embed="rId3">
+            <a:extLst>
+              <a:ext uri="{96DAC541-7B7A-43D3-8B79-37D633B846F1}">
+                <asvg:svgBlip xmlns:asvg="http://schemas.microsoft.com/office/drawing/2016/SVG/main" r:embed="rId4"/>
+              </a:ext>
+            </a:extLst>
+          </a:blip>
+          <a:stretch>
+            <a:fillRect/>
+          </a:stretch>
+        </p:blipFill>
+        <p:spPr>
+          <a:xfrm>
+            <a:off x="8118473" y="3927496"/>
+            <a:ext cx="914400" cy="914400"/>
+          </a:xfrm>
+          <a:prstGeom prst="rect">
+            <a:avLst/>
+          </a:prstGeom>
+        </p:spPr>
+      </p:pic>
+      <p:pic>
+        <p:nvPicPr>
+          <p:cNvPr id="6" name="Graphic 5" descr="Male profile with solid fill">
+            <a:extLst>
+              <a:ext uri="{FF2B5EF4-FFF2-40B4-BE49-F238E27FC236}">
+                <a16:creationId xmlns:a16="http://schemas.microsoft.com/office/drawing/2014/main" id="{E63C1429-F3B0-BA42-8193-BD399FD9AB1D}"/>
+              </a:ext>
+            </a:extLst>
+          </p:cNvPr>
+          <p:cNvPicPr>
+            <a:picLocks noChangeAspect="1"/>
+          </p:cNvPicPr>
+          <p:nvPr/>
+        </p:nvPicPr>
+        <p:blipFill>
+          <a:blip r:embed="rId5">
+            <a:extLst>
+              <a:ext uri="{96DAC541-7B7A-43D3-8B79-37D633B846F1}">
+                <asvg:svgBlip xmlns:asvg="http://schemas.microsoft.com/office/drawing/2016/SVG/main" r:embed="rId6"/>
+              </a:ext>
+            </a:extLst>
+          </a:blip>
+          <a:stretch>
+            <a:fillRect/>
+          </a:stretch>
+        </p:blipFill>
+        <p:spPr>
+          <a:xfrm>
+            <a:off x="8118473" y="1163004"/>
+            <a:ext cx="914400" cy="914400"/>
+          </a:xfrm>
+          <a:prstGeom prst="rect">
+            <a:avLst/>
+          </a:prstGeom>
+        </p:spPr>
+      </p:pic>
+      <p:sp>
+        <p:nvSpPr>
+          <p:cNvPr id="8" name="Rectangle 7">
+            <a:extLst>
+              <a:ext uri="{FF2B5EF4-FFF2-40B4-BE49-F238E27FC236}">
+                <a16:creationId xmlns:a16="http://schemas.microsoft.com/office/drawing/2014/main" id="{3B626386-ADD5-7F4B-B084-32066E069146}"/>
+              </a:ext>
+            </a:extLst>
+          </p:cNvPr>
+          <p:cNvSpPr/>
+          <p:nvPr/>
+        </p:nvSpPr>
+        <p:spPr>
+          <a:xfrm>
+            <a:off x="3622808" y="1136850"/>
+            <a:ext cx="4381500" cy="1136293"/>
+          </a:xfrm>
+          <a:prstGeom prst="rect">
+            <a:avLst/>
+          </a:prstGeom>
+          <a:noFill/>
+          <a:ln>
+            <a:noFill/>
+          </a:ln>
+        </p:spPr>
+        <p:style>
+          <a:lnRef idx="2">
+            <a:schemeClr val="accent1">
+              <a:shade val="50000"/>
+            </a:schemeClr>
+          </a:lnRef>
+          <a:fillRef idx="1">
+            <a:schemeClr val="accent1"/>
+          </a:fillRef>
+          <a:effectRef idx="0">
+            <a:schemeClr val="accent1"/>
+          </a:effectRef>
+          <a:fontRef idx="minor">
+            <a:schemeClr val="lt1"/>
+          </a:fontRef>
+        </p:style>
+        <p:txBody>
+          <a:bodyPr rtlCol="0" anchor="ctr"/>
+          <a:lstStyle/>
+          <a:p>
+            <a:pPr algn="ctr" rtl="1"/>
+            <a:r>
+              <a:rPr lang="ar-SA" dirty="0">
+                <a:solidFill>
+                  <a:schemeClr val="tx1"/>
+                </a:solidFill>
+                <a:latin typeface="GE SS Text Light" panose="020A0503020102020204" pitchFamily="18" charset="-78"/>
+                <a:ea typeface="GE SS Text Light" panose="020A0503020102020204" pitchFamily="18" charset="-78"/>
+                <a:cs typeface="GE SS Text Light" panose="020A0503020102020204" pitchFamily="18" charset="-78"/>
+              </a:rPr>
+              <a:t>م. عبدالعزيز الصفدي</a:t>
+            </a:r>
+          </a:p>
+          <a:p>
+            <a:pPr algn="ctr" rtl="1"/>
+            <a:r>
+              <a:rPr lang="ar-SA" dirty="0">
+                <a:solidFill>
+                  <a:schemeClr val="tx1"/>
+                </a:solidFill>
+                <a:latin typeface="GE SS Text Light" panose="020A0503020102020204" pitchFamily="18" charset="-78"/>
+                <a:ea typeface="GE SS Text Light" panose="020A0503020102020204" pitchFamily="18" charset="-78"/>
+                <a:cs typeface="GE SS Text Light" panose="020A0503020102020204" pitchFamily="18" charset="-78"/>
+              </a:rPr>
+              <a:t>تقنية معلومات – مطور حلول وأنظمة</a:t>
+            </a:r>
+          </a:p>
+          <a:p>
+            <a:pPr algn="ctr" rtl="1"/>
+            <a:r>
+              <a:rPr lang="ar-SA" dirty="0">
+                <a:solidFill>
+                  <a:schemeClr val="tx1"/>
+                </a:solidFill>
+                <a:latin typeface="GE SS Text Light" panose="020A0503020102020204" pitchFamily="18" charset="-78"/>
+                <a:ea typeface="GE SS Text Light" panose="020A0503020102020204" pitchFamily="18" charset="-78"/>
+                <a:cs typeface="GE SS Text Light" panose="020A0503020102020204" pitchFamily="18" charset="-78"/>
+              </a:rPr>
+              <a:t>المؤسس/ تقنية</a:t>
+            </a:r>
+            <a:endParaRPr lang="en-US" dirty="0">
+              <a:solidFill>
+                <a:schemeClr val="tx1"/>
+              </a:solidFill>
+              <a:latin typeface="GE SS Text Light" panose="020A0503020102020204" pitchFamily="18" charset="-78"/>
+              <a:ea typeface="GE SS Text Light" panose="020A0503020102020204" pitchFamily="18" charset="-78"/>
+              <a:cs typeface="GE SS Text Light" panose="020A0503020102020204" pitchFamily="18" charset="-78"/>
+            </a:endParaRPr>
+          </a:p>
+        </p:txBody>
+      </p:sp>
+      <p:sp>
+        <p:nvSpPr>
+          <p:cNvPr id="18" name="Rectangle 17">
+            <a:extLst>
+              <a:ext uri="{FF2B5EF4-FFF2-40B4-BE49-F238E27FC236}">
+                <a16:creationId xmlns:a16="http://schemas.microsoft.com/office/drawing/2014/main" id="{822B1093-D0FE-E84B-98B6-D0AC1E479E73}"/>
+              </a:ext>
+            </a:extLst>
+          </p:cNvPr>
+          <p:cNvSpPr/>
+          <p:nvPr/>
+        </p:nvSpPr>
+        <p:spPr>
+          <a:xfrm>
+            <a:off x="3683000" y="5362507"/>
+            <a:ext cx="4381500" cy="808871"/>
+          </a:xfrm>
+          <a:prstGeom prst="rect">
+            <a:avLst/>
+          </a:prstGeom>
+          <a:noFill/>
+          <a:ln>
+            <a:noFill/>
+          </a:ln>
+        </p:spPr>
+        <p:style>
+          <a:lnRef idx="2">
+            <a:schemeClr val="accent1">
+              <a:shade val="50000"/>
+            </a:schemeClr>
+          </a:lnRef>
+          <a:fillRef idx="1">
+            <a:schemeClr val="accent1"/>
+          </a:fillRef>
+          <a:effectRef idx="0">
+            <a:schemeClr val="accent1"/>
+          </a:effectRef>
+          <a:fontRef idx="minor">
+            <a:schemeClr val="lt1"/>
+          </a:fontRef>
+        </p:style>
+        <p:txBody>
+          <a:bodyPr rtlCol="0" anchor="ctr"/>
+          <a:lstStyle/>
+          <a:p>
+            <a:pPr algn="ctr" rtl="1"/>
+            <a:r>
+              <a:rPr lang="ar-SA" dirty="0">
+                <a:solidFill>
+                  <a:schemeClr val="tx1"/>
+                </a:solidFill>
+                <a:latin typeface="GE SS Text Light" panose="020A0503020102020204" pitchFamily="18" charset="-78"/>
+                <a:ea typeface="GE SS Text Light" panose="020A0503020102020204" pitchFamily="18" charset="-78"/>
+                <a:cs typeface="GE SS Text Light" panose="020A0503020102020204" pitchFamily="18" charset="-78"/>
+              </a:rPr>
+              <a:t>سارة الخميس</a:t>
+            </a:r>
+          </a:p>
+          <a:p>
+            <a:pPr algn="ctr" rtl="1"/>
+            <a:r>
+              <a:rPr lang="ar-SA" dirty="0">
+                <a:solidFill>
+                  <a:schemeClr val="tx1"/>
+                </a:solidFill>
+                <a:latin typeface="GE SS Text Light" panose="020A0503020102020204" pitchFamily="18" charset="-78"/>
+                <a:ea typeface="GE SS Text Light" panose="020A0503020102020204" pitchFamily="18" charset="-78"/>
+                <a:cs typeface="GE SS Text Light" panose="020A0503020102020204" pitchFamily="18" charset="-78"/>
+              </a:rPr>
+              <a:t>شريك مؤسس/ التصميم " موشن جرافيك "  </a:t>
+            </a:r>
+          </a:p>
+        </p:txBody>
+      </p:sp>
+      <p:sp>
+        <p:nvSpPr>
+          <p:cNvPr id="19" name="Rectangle 18">
+            <a:extLst>
+              <a:ext uri="{FF2B5EF4-FFF2-40B4-BE49-F238E27FC236}">
+                <a16:creationId xmlns:a16="http://schemas.microsoft.com/office/drawing/2014/main" id="{AE0E7B3F-36EC-6649-8F75-EB73EE34F95E}"/>
+              </a:ext>
+            </a:extLst>
+          </p:cNvPr>
+          <p:cNvSpPr/>
+          <p:nvPr/>
+        </p:nvSpPr>
+        <p:spPr>
+          <a:xfrm>
+            <a:off x="3736973" y="4003914"/>
+            <a:ext cx="4381500" cy="808871"/>
+          </a:xfrm>
+          <a:prstGeom prst="rect">
+            <a:avLst/>
+          </a:prstGeom>
+          <a:noFill/>
+          <a:ln>
+            <a:noFill/>
+          </a:ln>
+        </p:spPr>
+        <p:style>
+          <a:lnRef idx="2">
+            <a:schemeClr val="accent1">
+              <a:shade val="50000"/>
+            </a:schemeClr>
+          </a:lnRef>
+          <a:fillRef idx="1">
+            <a:schemeClr val="accent1"/>
+          </a:fillRef>
+          <a:effectRef idx="0">
+            <a:schemeClr val="accent1"/>
+          </a:effectRef>
+          <a:fontRef idx="minor">
+            <a:schemeClr val="lt1"/>
+          </a:fontRef>
+        </p:style>
+        <p:txBody>
+          <a:bodyPr rtlCol="0" anchor="ctr"/>
+          <a:lstStyle/>
+          <a:p>
+            <a:pPr algn="ctr" rtl="1"/>
+            <a:r>
+              <a:rPr lang="ar-SA" dirty="0">
+                <a:solidFill>
+                  <a:schemeClr val="tx1"/>
+                </a:solidFill>
+                <a:latin typeface="GE SS Text Light" panose="020A0503020102020204" pitchFamily="18" charset="-78"/>
+                <a:ea typeface="GE SS Text Light" panose="020A0503020102020204" pitchFamily="18" charset="-78"/>
+                <a:cs typeface="GE SS Text Light" panose="020A0503020102020204" pitchFamily="18" charset="-78"/>
+              </a:rPr>
+              <a:t>خيريه إبراهيم </a:t>
+            </a:r>
+          </a:p>
+          <a:p>
+            <a:pPr algn="ctr" rtl="1"/>
+            <a:r>
+              <a:rPr lang="ar-SA" dirty="0">
+                <a:solidFill>
+                  <a:schemeClr val="tx1"/>
+                </a:solidFill>
+                <a:latin typeface="GE SS Text Light" panose="020A0503020102020204" pitchFamily="18" charset="-78"/>
+                <a:ea typeface="GE SS Text Light" panose="020A0503020102020204" pitchFamily="18" charset="-78"/>
+                <a:cs typeface="GE SS Text Light" panose="020A0503020102020204" pitchFamily="18" charset="-78"/>
+              </a:rPr>
+              <a:t>شريك مؤسس/ ريادة اعمال</a:t>
+            </a:r>
+          </a:p>
+        </p:txBody>
+      </p:sp>
+      <p:pic>
+        <p:nvPicPr>
+          <p:cNvPr id="25" name="Picture 24" descr="Shape&#10;&#10;Description automatically generated">
+            <a:hlinkClick r:id="rId7"/>
+            <a:extLst>
+              <a:ext uri="{FF2B5EF4-FFF2-40B4-BE49-F238E27FC236}">
+                <a16:creationId xmlns:a16="http://schemas.microsoft.com/office/drawing/2014/main" id="{1982952C-FB6A-4EC2-AC6F-961226B7C26E}"/>
+              </a:ext>
+            </a:extLst>
+          </p:cNvPr>
+          <p:cNvPicPr>
+            <a:picLocks noChangeAspect="1"/>
+          </p:cNvPicPr>
+          <p:nvPr/>
+        </p:nvPicPr>
+        <p:blipFill>
+          <a:blip r:embed="rId8"/>
+          <a:stretch>
+            <a:fillRect/>
+          </a:stretch>
+        </p:blipFill>
+        <p:spPr>
+          <a:xfrm>
+            <a:off x="11053116" y="5718127"/>
+            <a:ext cx="711200" cy="711200"/>
+          </a:xfrm>
+          <a:prstGeom prst="rect">
+            <a:avLst/>
+          </a:prstGeom>
+        </p:spPr>
+      </p:pic>
+      <p:pic>
+        <p:nvPicPr>
+          <p:cNvPr id="26" name="Picture 25" descr="Logo, company name&#10;&#10;Description automatically generated">
+            <a:extLst>
+              <a:ext uri="{FF2B5EF4-FFF2-40B4-BE49-F238E27FC236}">
+                <a16:creationId xmlns:a16="http://schemas.microsoft.com/office/drawing/2014/main" id="{91E33B0F-E38B-4625-A401-2FAAC740F81E}"/>
+              </a:ext>
+            </a:extLst>
+          </p:cNvPr>
+          <p:cNvPicPr>
+            <a:picLocks noChangeAspect="1"/>
+          </p:cNvPicPr>
+          <p:nvPr/>
+        </p:nvPicPr>
+        <p:blipFill>
+          <a:blip r:embed="rId9"/>
+          <a:stretch>
+            <a:fillRect/>
+          </a:stretch>
+        </p:blipFill>
+        <p:spPr>
+          <a:xfrm>
+            <a:off x="10959858" y="2100631"/>
+            <a:ext cx="897716" cy="897716"/>
+          </a:xfrm>
+          <a:prstGeom prst="rect">
+            <a:avLst/>
+          </a:prstGeom>
+        </p:spPr>
+      </p:pic>
+      <p:pic>
+        <p:nvPicPr>
+          <p:cNvPr id="27" name="Picture 26" descr="Logo&#10;&#10;Description automatically generated">
+            <a:extLst>
+              <a:ext uri="{FF2B5EF4-FFF2-40B4-BE49-F238E27FC236}">
+                <a16:creationId xmlns:a16="http://schemas.microsoft.com/office/drawing/2014/main" id="{72185245-AFD0-4F91-B3FA-E1F1E46D9276}"/>
+              </a:ext>
+            </a:extLst>
+          </p:cNvPr>
+          <p:cNvPicPr>
+            <a:picLocks noChangeAspect="1"/>
+          </p:cNvPicPr>
+          <p:nvPr/>
+        </p:nvPicPr>
+        <p:blipFill>
+          <a:blip r:embed="rId10"/>
+          <a:stretch>
+            <a:fillRect/>
+          </a:stretch>
+        </p:blipFill>
+        <p:spPr>
+          <a:xfrm>
+            <a:off x="11055958" y="385312"/>
+            <a:ext cx="705516" cy="897716"/>
+          </a:xfrm>
+          <a:prstGeom prst="rect">
+            <a:avLst/>
+          </a:prstGeom>
+        </p:spPr>
+      </p:pic>
+      <p:pic>
+        <p:nvPicPr>
+          <p:cNvPr id="28" name="Picture 27" descr="Logo&#10;&#10;Description automatically generated">
+            <a:extLst>
+              <a:ext uri="{FF2B5EF4-FFF2-40B4-BE49-F238E27FC236}">
+                <a16:creationId xmlns:a16="http://schemas.microsoft.com/office/drawing/2014/main" id="{D1B7951D-0375-49D1-98D7-B91F37F8FCA8}"/>
+              </a:ext>
+            </a:extLst>
+          </p:cNvPr>
+          <p:cNvPicPr>
+            <a:picLocks noChangeAspect="1"/>
+          </p:cNvPicPr>
+          <p:nvPr/>
+        </p:nvPicPr>
+        <p:blipFill rotWithShape="1">
+          <a:blip r:embed="rId11"/>
+          <a:srcRect l="9468" t="10171" r="10072" b="16940"/>
+          <a:stretch/>
+        </p:blipFill>
+        <p:spPr>
+          <a:xfrm>
+            <a:off x="10810102" y="3815950"/>
+            <a:ext cx="1197228" cy="1084574"/>
+          </a:xfrm>
+          <a:prstGeom prst="rect">
+            <a:avLst/>
+          </a:prstGeom>
+        </p:spPr>
+      </p:pic>
+      <p:sp>
+        <p:nvSpPr>
+          <p:cNvPr id="29" name="Rectangle 28">
+            <a:extLst>
+              <a:ext uri="{FF2B5EF4-FFF2-40B4-BE49-F238E27FC236}">
+                <a16:creationId xmlns:a16="http://schemas.microsoft.com/office/drawing/2014/main" id="{145C720C-3130-4A8C-9447-5018B426D5F5}"/>
+              </a:ext>
+            </a:extLst>
+          </p:cNvPr>
+          <p:cNvSpPr/>
+          <p:nvPr/>
+        </p:nvSpPr>
+        <p:spPr>
+          <a:xfrm>
+            <a:off x="3465806" y="2502146"/>
+            <a:ext cx="4381500" cy="1136293"/>
+          </a:xfrm>
+          <a:prstGeom prst="rect">
+            <a:avLst/>
+          </a:prstGeom>
+          <a:noFill/>
+          <a:ln>
+            <a:noFill/>
+          </a:ln>
+        </p:spPr>
+        <p:style>
+          <a:lnRef idx="2">
+            <a:schemeClr val="accent1">
+              <a:shade val="50000"/>
+            </a:schemeClr>
+          </a:lnRef>
+          <a:fillRef idx="1">
+            <a:schemeClr val="accent1"/>
+          </a:fillRef>
+          <a:effectRef idx="0">
+            <a:schemeClr val="accent1"/>
+          </a:effectRef>
+          <a:fontRef idx="minor">
+            <a:schemeClr val="lt1"/>
+          </a:fontRef>
+        </p:style>
+        <p:txBody>
+          <a:bodyPr rtlCol="0" anchor="ctr"/>
+          <a:lstStyle/>
+          <a:p>
+            <a:pPr algn="ctr" rtl="1"/>
+            <a:r>
+              <a:rPr lang="ar-SA" dirty="0">
+                <a:solidFill>
+                  <a:schemeClr val="tx1"/>
+                </a:solidFill>
+                <a:latin typeface="GE SS Text Light" panose="020A0503020102020204" pitchFamily="18" charset="-78"/>
+                <a:ea typeface="GE SS Text Light" panose="020A0503020102020204" pitchFamily="18" charset="-78"/>
+                <a:cs typeface="GE SS Text Light" panose="020A0503020102020204" pitchFamily="18" charset="-78"/>
+              </a:rPr>
+              <a:t>أ. سعيد علي الشهري</a:t>
+            </a:r>
+          </a:p>
+          <a:p>
+            <a:pPr algn="ctr" rtl="1"/>
+            <a:r>
+              <a:rPr lang="ar-SA" dirty="0">
+                <a:solidFill>
+                  <a:schemeClr val="tx1"/>
+                </a:solidFill>
+                <a:latin typeface="GE SS Text Light" panose="020A0503020102020204" pitchFamily="18" charset="-78"/>
+                <a:ea typeface="GE SS Text Light" panose="020A0503020102020204" pitchFamily="18" charset="-78"/>
+                <a:cs typeface="GE SS Text Light" panose="020A0503020102020204" pitchFamily="18" charset="-78"/>
+              </a:rPr>
+              <a:t>مترجم ومطور أعمال</a:t>
+            </a:r>
+          </a:p>
+        </p:txBody>
+      </p:sp>
+      <p:pic>
+        <p:nvPicPr>
+          <p:cNvPr id="30" name="Graphic 29" descr="Male profile with solid fill">
+            <a:extLst>
+              <a:ext uri="{FF2B5EF4-FFF2-40B4-BE49-F238E27FC236}">
+                <a16:creationId xmlns:a16="http://schemas.microsoft.com/office/drawing/2014/main" id="{8019F2E7-0A7D-489E-B88B-BABA1E8945A5}"/>
+              </a:ext>
+            </a:extLst>
+          </p:cNvPr>
+          <p:cNvPicPr>
+            <a:picLocks noChangeAspect="1"/>
+          </p:cNvPicPr>
+          <p:nvPr/>
+        </p:nvPicPr>
+        <p:blipFill>
+          <a:blip r:embed="rId5">
+            <a:extLst>
+              <a:ext uri="{96DAC541-7B7A-43D3-8B79-37D633B846F1}">
+                <asvg:svgBlip xmlns:asvg="http://schemas.microsoft.com/office/drawing/2016/SVG/main" r:embed="rId6"/>
+              </a:ext>
+            </a:extLst>
+          </a:blip>
+          <a:stretch>
+            <a:fillRect/>
+          </a:stretch>
+        </p:blipFill>
+        <p:spPr>
+          <a:xfrm>
+            <a:off x="8118473" y="2545250"/>
+            <a:ext cx="914400" cy="914400"/>
+          </a:xfrm>
+          <a:prstGeom prst="rect">
+            <a:avLst/>
+          </a:prstGeom>
+        </p:spPr>
+      </p:pic>
+    </p:spTree>
+    <p:extLst>
+      <p:ext uri="{BB962C8B-B14F-4D97-AF65-F5344CB8AC3E}">
+        <p14:creationId xmlns:p14="http://schemas.microsoft.com/office/powerpoint/2010/main" val="3598293439"/>
+      </p:ext>
+    </p:extLst>
+  </p:cSld>
+  <p:clrMapOvr>
+    <a:masterClrMapping/>
+  </p:clrMapOvr>
+</p:sld>
+</file>
+
+<file path=ppt/slides/slide11.xml><?xml version="1.0" encoding="utf-8"?>
+<p:sld xmlns:a="http://schemas.openxmlformats.org/drawingml/2006/main" xmlns:r="http://schemas.openxmlformats.org/officeDocument/2006/relationships" xmlns:p="http://schemas.openxmlformats.org/presentationml/2006/main">
+  <p:cSld>
+    <p:bg>
+      <p:bgPr>
+        <a:solidFill>
+          <a:schemeClr val="bg1">
+            <a:lumMod val="85000"/>
+          </a:schemeClr>
+        </a:solidFill>
+        <a:effectLst/>
+      </p:bgPr>
+    </p:bg>
+    <p:spTree>
+      <p:nvGrpSpPr>
+        <p:cNvPr id="1" name=""/>
+        <p:cNvGrpSpPr/>
+        <p:nvPr/>
+      </p:nvGrpSpPr>
+      <p:grpSpPr>
+        <a:xfrm>
+          <a:off x="0" y="0"/>
+          <a:ext cx="0" cy="0"/>
+          <a:chOff x="0" y="0"/>
+          <a:chExt cx="0" cy="0"/>
+        </a:xfrm>
+      </p:grpSpPr>
+      <p:sp>
+        <p:nvSpPr>
           <p:cNvPr id="11" name="Freeform 40">
             <a:extLst>
               <a:ext uri="{FF2B5EF4-FFF2-40B4-BE49-F238E27FC236}">
@@ -7536,7 +9259,7 @@
           <a:bodyPr rtlCol="0" anchor="ctr"/>
           <a:lstStyle/>
           <a:p>
-            <a:pPr algn="ctr" rtl="1"/>
+            <a:pPr marL="0" algn="ctr" defTabSz="457200" rtl="1" eaLnBrk="1" latinLnBrk="0" hangingPunct="1"/>
             <a:r>
               <a:rPr lang="en-US" sz="3600" dirty="0">
                 <a:solidFill>
@@ -7546,7 +9269,7 @@
                 <a:ea typeface="GE SS Text Light" panose="020A0503020102020204" pitchFamily="18" charset="-78"/>
                 <a:cs typeface="GE SS Text Light" panose="020A0503020102020204" pitchFamily="18" charset="-78"/>
               </a:rPr>
-              <a:t>A web system confine the Similarity of Quran Ayat or paragraphs</a:t>
+              <a:t>Similar Quran verses system</a:t>
             </a:r>
             <a:endParaRPr lang="ar-SA" sz="3600" dirty="0">
               <a:solidFill>
@@ -7861,6 +9584,2990 @@
 </file>
 
 <file path=ppt/slides/slide3.xml><?xml version="1.0" encoding="utf-8"?>
+<p:sld xmlns:a="http://schemas.openxmlformats.org/drawingml/2006/main" xmlns:r="http://schemas.openxmlformats.org/officeDocument/2006/relationships" xmlns:p="http://schemas.openxmlformats.org/presentationml/2006/main">
+  <p:cSld>
+    <p:bg>
+      <p:bgPr>
+        <a:solidFill>
+          <a:schemeClr val="bg1">
+            <a:lumMod val="85000"/>
+          </a:schemeClr>
+        </a:solidFill>
+        <a:effectLst/>
+      </p:bgPr>
+    </p:bg>
+    <p:spTree>
+      <p:nvGrpSpPr>
+        <p:cNvPr id="1" name=""/>
+        <p:cNvGrpSpPr/>
+        <p:nvPr/>
+      </p:nvGrpSpPr>
+      <p:grpSpPr>
+        <a:xfrm>
+          <a:off x="0" y="0"/>
+          <a:ext cx="0" cy="0"/>
+          <a:chOff x="0" y="0"/>
+          <a:chExt cx="0" cy="0"/>
+        </a:xfrm>
+      </p:grpSpPr>
+      <p:sp>
+        <p:nvSpPr>
+          <p:cNvPr id="25" name="Freeform 40">
+            <a:extLst>
+              <a:ext uri="{FF2B5EF4-FFF2-40B4-BE49-F238E27FC236}">
+                <a16:creationId xmlns:a16="http://schemas.microsoft.com/office/drawing/2014/main" id="{F5AD7A4C-616E-4848-A105-32B263BF3E35}"/>
+              </a:ext>
+            </a:extLst>
+          </p:cNvPr>
+          <p:cNvSpPr>
+            <a:spLocks noChangeArrowheads="1"/>
+          </p:cNvSpPr>
+          <p:nvPr/>
+        </p:nvSpPr>
+        <p:spPr bwMode="auto">
+          <a:xfrm rot="11825610">
+            <a:off x="-4873768" y="-208990"/>
+            <a:ext cx="11767008" cy="5664104"/>
+          </a:xfrm>
+          <a:custGeom>
+            <a:avLst/>
+            <a:gdLst>
+              <a:gd name="connsiteX0" fmla="*/ 11264585 w 23534016"/>
+              <a:gd name="connsiteY0" fmla="*/ 9912566 h 11328207"/>
+              <a:gd name="connsiteX1" fmla="*/ 11605793 w 23534016"/>
+              <a:gd name="connsiteY1" fmla="*/ 10554301 h 11328207"/>
+              <a:gd name="connsiteX2" fmla="*/ 10831887 w 23534016"/>
+              <a:gd name="connsiteY2" fmla="*/ 11328207 h 11328207"/>
+              <a:gd name="connsiteX3" fmla="*/ 10736635 w 23534016"/>
+              <a:gd name="connsiteY3" fmla="*/ 11328207 h 11328207"/>
+              <a:gd name="connsiteX4" fmla="*/ 9962731 w 23534016"/>
+              <a:gd name="connsiteY4" fmla="*/ 10554301 h 11328207"/>
+              <a:gd name="connsiteX5" fmla="*/ 10736635 w 23534016"/>
+              <a:gd name="connsiteY5" fmla="*/ 9780395 h 11328207"/>
+              <a:gd name="connsiteX6" fmla="*/ 10831887 w 23534016"/>
+              <a:gd name="connsiteY6" fmla="*/ 9780395 h 11328207"/>
+              <a:gd name="connsiteX7" fmla="*/ 11264585 w 23534016"/>
+              <a:gd name="connsiteY7" fmla="*/ 9912566 h 11328207"/>
+              <a:gd name="connsiteX8" fmla="*/ 1179542 w 23534016"/>
+              <a:gd name="connsiteY8" fmla="*/ 3328153 h 11328207"/>
+              <a:gd name="connsiteX9" fmla="*/ 1401765 w 23534016"/>
+              <a:gd name="connsiteY9" fmla="*/ 3746104 h 11328207"/>
+              <a:gd name="connsiteX10" fmla="*/ 1401764 w 23534016"/>
+              <a:gd name="connsiteY10" fmla="*/ 3746104 h 11328207"/>
+              <a:gd name="connsiteX11" fmla="*/ 897732 w 23534016"/>
+              <a:gd name="connsiteY11" fmla="*/ 4250136 h 11328207"/>
+              <a:gd name="connsiteX12" fmla="*/ 504033 w 23534016"/>
+              <a:gd name="connsiteY12" fmla="*/ 4250135 h 11328207"/>
+              <a:gd name="connsiteX13" fmla="*/ 1 w 23534016"/>
+              <a:gd name="connsiteY13" fmla="*/ 3746103 h 11328207"/>
+              <a:gd name="connsiteX14" fmla="*/ 0 w 23534016"/>
+              <a:gd name="connsiteY14" fmla="*/ 3746103 h 11328207"/>
+              <a:gd name="connsiteX15" fmla="*/ 504032 w 23534016"/>
+              <a:gd name="connsiteY15" fmla="*/ 3242072 h 11328207"/>
+              <a:gd name="connsiteX16" fmla="*/ 897733 w 23534016"/>
+              <a:gd name="connsiteY16" fmla="*/ 3242072 h 11328207"/>
+              <a:gd name="connsiteX17" fmla="*/ 1179542 w 23534016"/>
+              <a:gd name="connsiteY17" fmla="*/ 3328153 h 11328207"/>
+              <a:gd name="connsiteX18" fmla="*/ 9733515 w 23534016"/>
+              <a:gd name="connsiteY18" fmla="*/ 6613367 h 11328207"/>
+              <a:gd name="connsiteX19" fmla="*/ 9955739 w 23534016"/>
+              <a:gd name="connsiteY19" fmla="*/ 7031319 h 11328207"/>
+              <a:gd name="connsiteX20" fmla="*/ 9955739 w 23534016"/>
+              <a:gd name="connsiteY20" fmla="*/ 7031319 h 11328207"/>
+              <a:gd name="connsiteX21" fmla="*/ 9451707 w 23534016"/>
+              <a:gd name="connsiteY21" fmla="*/ 7535351 h 11328207"/>
+              <a:gd name="connsiteX22" fmla="*/ 9058008 w 23534016"/>
+              <a:gd name="connsiteY22" fmla="*/ 7535350 h 11328207"/>
+              <a:gd name="connsiteX23" fmla="*/ 8553975 w 23534016"/>
+              <a:gd name="connsiteY23" fmla="*/ 7031318 h 11328207"/>
+              <a:gd name="connsiteX24" fmla="*/ 8553975 w 23534016"/>
+              <a:gd name="connsiteY24" fmla="*/ 7031318 h 11328207"/>
+              <a:gd name="connsiteX25" fmla="*/ 9058007 w 23534016"/>
+              <a:gd name="connsiteY25" fmla="*/ 6527286 h 11328207"/>
+              <a:gd name="connsiteX26" fmla="*/ 9451706 w 23534016"/>
+              <a:gd name="connsiteY26" fmla="*/ 6527286 h 11328207"/>
+              <a:gd name="connsiteX27" fmla="*/ 9733515 w 23534016"/>
+              <a:gd name="connsiteY27" fmla="*/ 6613367 h 11328207"/>
+              <a:gd name="connsiteX28" fmla="*/ 8928022 w 23534016"/>
+              <a:gd name="connsiteY28" fmla="*/ 3340367 h 11328207"/>
+              <a:gd name="connsiteX29" fmla="*/ 9150244 w 23534016"/>
+              <a:gd name="connsiteY29" fmla="*/ 3758318 h 11328207"/>
+              <a:gd name="connsiteX30" fmla="*/ 9150244 w 23534016"/>
+              <a:gd name="connsiteY30" fmla="*/ 3758318 h 11328207"/>
+              <a:gd name="connsiteX31" fmla="*/ 8646212 w 23534016"/>
+              <a:gd name="connsiteY31" fmla="*/ 4262350 h 11328207"/>
+              <a:gd name="connsiteX32" fmla="*/ 2350189 w 23534016"/>
+              <a:gd name="connsiteY32" fmla="*/ 4262349 h 11328207"/>
+              <a:gd name="connsiteX33" fmla="*/ 1846156 w 23534016"/>
+              <a:gd name="connsiteY33" fmla="*/ 3758316 h 11328207"/>
+              <a:gd name="connsiteX34" fmla="*/ 1846157 w 23534016"/>
+              <a:gd name="connsiteY34" fmla="*/ 3758317 h 11328207"/>
+              <a:gd name="connsiteX35" fmla="*/ 2350189 w 23534016"/>
+              <a:gd name="connsiteY35" fmla="*/ 3254285 h 11328207"/>
+              <a:gd name="connsiteX36" fmla="*/ 8646213 w 23534016"/>
+              <a:gd name="connsiteY36" fmla="*/ 3254286 h 11328207"/>
+              <a:gd name="connsiteX37" fmla="*/ 8928022 w 23534016"/>
+              <a:gd name="connsiteY37" fmla="*/ 3340367 h 11328207"/>
+              <a:gd name="connsiteX38" fmla="*/ 15324339 w 23534016"/>
+              <a:gd name="connsiteY38" fmla="*/ 6624950 h 11328207"/>
+              <a:gd name="connsiteX39" fmla="*/ 15546562 w 23534016"/>
+              <a:gd name="connsiteY39" fmla="*/ 7042900 h 11328207"/>
+              <a:gd name="connsiteX40" fmla="*/ 15042530 w 23534016"/>
+              <a:gd name="connsiteY40" fmla="*/ 7546931 h 11328207"/>
+              <a:gd name="connsiteX41" fmla="*/ 10905505 w 23534016"/>
+              <a:gd name="connsiteY41" fmla="*/ 7546930 h 11328207"/>
+              <a:gd name="connsiteX42" fmla="*/ 10401474 w 23534016"/>
+              <a:gd name="connsiteY42" fmla="*/ 7042899 h 11328207"/>
+              <a:gd name="connsiteX43" fmla="*/ 10905505 w 23534016"/>
+              <a:gd name="connsiteY43" fmla="*/ 6538868 h 11328207"/>
+              <a:gd name="connsiteX44" fmla="*/ 15042530 w 23534016"/>
+              <a:gd name="connsiteY44" fmla="*/ 6538869 h 11328207"/>
+              <a:gd name="connsiteX45" fmla="*/ 15324339 w 23534016"/>
+              <a:gd name="connsiteY45" fmla="*/ 6624950 h 11328207"/>
+              <a:gd name="connsiteX46" fmla="*/ 23192458 w 23534016"/>
+              <a:gd name="connsiteY46" fmla="*/ 8064785 h 11328207"/>
+              <a:gd name="connsiteX47" fmla="*/ 23534016 w 23534016"/>
+              <a:gd name="connsiteY47" fmla="*/ 8707179 h 11328207"/>
+              <a:gd name="connsiteX48" fmla="*/ 22759316 w 23534016"/>
+              <a:gd name="connsiteY48" fmla="*/ 9481878 h 11328207"/>
+              <a:gd name="connsiteX49" fmla="*/ 8228929 w 23534016"/>
+              <a:gd name="connsiteY49" fmla="*/ 9481877 h 11328207"/>
+              <a:gd name="connsiteX50" fmla="*/ 7454228 w 23534016"/>
+              <a:gd name="connsiteY50" fmla="*/ 8707176 h 11328207"/>
+              <a:gd name="connsiteX51" fmla="*/ 8228928 w 23534016"/>
+              <a:gd name="connsiteY51" fmla="*/ 7932477 h 11328207"/>
+              <a:gd name="connsiteX52" fmla="*/ 22759315 w 23534016"/>
+              <a:gd name="connsiteY52" fmla="*/ 7932478 h 11328207"/>
+              <a:gd name="connsiteX53" fmla="*/ 23192458 w 23534016"/>
+              <a:gd name="connsiteY53" fmla="*/ 8064785 h 11328207"/>
+              <a:gd name="connsiteX54" fmla="*/ 9947589 w 23534016"/>
+              <a:gd name="connsiteY54" fmla="*/ 86081 h 11328207"/>
+              <a:gd name="connsiteX55" fmla="*/ 10169812 w 23534016"/>
+              <a:gd name="connsiteY55" fmla="*/ 504032 h 11328207"/>
+              <a:gd name="connsiteX56" fmla="*/ 10169811 w 23534016"/>
+              <a:gd name="connsiteY56" fmla="*/ 504032 h 11328207"/>
+              <a:gd name="connsiteX57" fmla="*/ 9665779 w 23534016"/>
+              <a:gd name="connsiteY57" fmla="*/ 1008064 h 11328207"/>
+              <a:gd name="connsiteX58" fmla="*/ 2447418 w 23534016"/>
+              <a:gd name="connsiteY58" fmla="*/ 1008063 h 11328207"/>
+              <a:gd name="connsiteX59" fmla="*/ 1943386 w 23534016"/>
+              <a:gd name="connsiteY59" fmla="*/ 504031 h 11328207"/>
+              <a:gd name="connsiteX60" fmla="*/ 1943385 w 23534016"/>
+              <a:gd name="connsiteY60" fmla="*/ 504031 h 11328207"/>
+              <a:gd name="connsiteX61" fmla="*/ 2447417 w 23534016"/>
+              <a:gd name="connsiteY61" fmla="*/ 0 h 11328207"/>
+              <a:gd name="connsiteX62" fmla="*/ 9665780 w 23534016"/>
+              <a:gd name="connsiteY62" fmla="*/ 0 h 11328207"/>
+              <a:gd name="connsiteX63" fmla="*/ 9947589 w 23534016"/>
+              <a:gd name="connsiteY63" fmla="*/ 86081 h 11328207"/>
+              <a:gd name="connsiteX64" fmla="*/ 16576520 w 23534016"/>
+              <a:gd name="connsiteY64" fmla="*/ 3400992 h 11328207"/>
+              <a:gd name="connsiteX65" fmla="*/ 16798742 w 23534016"/>
+              <a:gd name="connsiteY65" fmla="*/ 3818943 h 11328207"/>
+              <a:gd name="connsiteX66" fmla="*/ 16798742 w 23534016"/>
+              <a:gd name="connsiteY66" fmla="*/ 3818943 h 11328207"/>
+              <a:gd name="connsiteX67" fmla="*/ 16294710 w 23534016"/>
+              <a:gd name="connsiteY67" fmla="*/ 4322975 h 11328207"/>
+              <a:gd name="connsiteX68" fmla="*/ 9998686 w 23534016"/>
+              <a:gd name="connsiteY68" fmla="*/ 4322974 h 11328207"/>
+              <a:gd name="connsiteX69" fmla="*/ 9494655 w 23534016"/>
+              <a:gd name="connsiteY69" fmla="*/ 3818942 h 11328207"/>
+              <a:gd name="connsiteX70" fmla="*/ 9494655 w 23534016"/>
+              <a:gd name="connsiteY70" fmla="*/ 3818943 h 11328207"/>
+              <a:gd name="connsiteX71" fmla="*/ 9998687 w 23534016"/>
+              <a:gd name="connsiteY71" fmla="*/ 3314911 h 11328207"/>
+              <a:gd name="connsiteX72" fmla="*/ 16294711 w 23534016"/>
+              <a:gd name="connsiteY72" fmla="*/ 3314911 h 11328207"/>
+              <a:gd name="connsiteX73" fmla="*/ 16576520 w 23534016"/>
+              <a:gd name="connsiteY73" fmla="*/ 3400992 h 11328207"/>
+              <a:gd name="connsiteX74" fmla="*/ 20515471 w 23534016"/>
+              <a:gd name="connsiteY74" fmla="*/ 4777198 h 11328207"/>
+              <a:gd name="connsiteX75" fmla="*/ 20856681 w 23534016"/>
+              <a:gd name="connsiteY75" fmla="*/ 5418935 h 11328207"/>
+              <a:gd name="connsiteX76" fmla="*/ 20856679 w 23534016"/>
+              <a:gd name="connsiteY76" fmla="*/ 5418934 h 11328207"/>
+              <a:gd name="connsiteX77" fmla="*/ 20082773 w 23534016"/>
+              <a:gd name="connsiteY77" fmla="*/ 6192842 h 11328207"/>
+              <a:gd name="connsiteX78" fmla="*/ 3780736 w 23534016"/>
+              <a:gd name="connsiteY78" fmla="*/ 6192840 h 11328207"/>
+              <a:gd name="connsiteX79" fmla="*/ 3006829 w 23534016"/>
+              <a:gd name="connsiteY79" fmla="*/ 5418932 h 11328207"/>
+              <a:gd name="connsiteX80" fmla="*/ 3006829 w 23534016"/>
+              <a:gd name="connsiteY80" fmla="*/ 5418933 h 11328207"/>
+              <a:gd name="connsiteX81" fmla="*/ 3780735 w 23534016"/>
+              <a:gd name="connsiteY81" fmla="*/ 4645026 h 11328207"/>
+              <a:gd name="connsiteX82" fmla="*/ 20082772 w 23534016"/>
+              <a:gd name="connsiteY82" fmla="*/ 4645027 h 11328207"/>
+              <a:gd name="connsiteX83" fmla="*/ 20515471 w 23534016"/>
+              <a:gd name="connsiteY83" fmla="*/ 4777198 h 11328207"/>
+              <a:gd name="connsiteX84" fmla="*/ 15080250 w 23534016"/>
+              <a:gd name="connsiteY84" fmla="*/ 1483266 h 11328207"/>
+              <a:gd name="connsiteX85" fmla="*/ 15421458 w 23534016"/>
+              <a:gd name="connsiteY85" fmla="*/ 2125002 h 11328207"/>
+              <a:gd name="connsiteX86" fmla="*/ 15421458 w 23534016"/>
+              <a:gd name="connsiteY86" fmla="*/ 2125003 h 11328207"/>
+              <a:gd name="connsiteX87" fmla="*/ 14647550 w 23534016"/>
+              <a:gd name="connsiteY87" fmla="*/ 2898909 h 11328207"/>
+              <a:gd name="connsiteX88" fmla="*/ 5471802 w 23534016"/>
+              <a:gd name="connsiteY88" fmla="*/ 2898908 h 11328207"/>
+              <a:gd name="connsiteX89" fmla="*/ 4697895 w 23534016"/>
+              <a:gd name="connsiteY89" fmla="*/ 2125001 h 11328207"/>
+              <a:gd name="connsiteX90" fmla="*/ 4697895 w 23534016"/>
+              <a:gd name="connsiteY90" fmla="*/ 2125002 h 11328207"/>
+              <a:gd name="connsiteX91" fmla="*/ 5471802 w 23534016"/>
+              <a:gd name="connsiteY91" fmla="*/ 1351096 h 11328207"/>
+              <a:gd name="connsiteX92" fmla="*/ 14647551 w 23534016"/>
+              <a:gd name="connsiteY92" fmla="*/ 1351096 h 11328207"/>
+              <a:gd name="connsiteX93" fmla="*/ 15080250 w 23534016"/>
+              <a:gd name="connsiteY93" fmla="*/ 1483266 h 11328207"/>
+            </a:gdLst>
+            <a:ahLst/>
+            <a:cxnLst>
+              <a:cxn ang="0">
+                <a:pos x="connsiteX0" y="connsiteY0"/>
+              </a:cxn>
+              <a:cxn ang="0">
+                <a:pos x="connsiteX1" y="connsiteY1"/>
+              </a:cxn>
+              <a:cxn ang="0">
+                <a:pos x="connsiteX2" y="connsiteY2"/>
+              </a:cxn>
+              <a:cxn ang="0">
+                <a:pos x="connsiteX3" y="connsiteY3"/>
+              </a:cxn>
+              <a:cxn ang="0">
+                <a:pos x="connsiteX4" y="connsiteY4"/>
+              </a:cxn>
+              <a:cxn ang="0">
+                <a:pos x="connsiteX5" y="connsiteY5"/>
+              </a:cxn>
+              <a:cxn ang="0">
+                <a:pos x="connsiteX6" y="connsiteY6"/>
+              </a:cxn>
+              <a:cxn ang="0">
+                <a:pos x="connsiteX7" y="connsiteY7"/>
+              </a:cxn>
+              <a:cxn ang="0">
+                <a:pos x="connsiteX8" y="connsiteY8"/>
+              </a:cxn>
+              <a:cxn ang="0">
+                <a:pos x="connsiteX9" y="connsiteY9"/>
+              </a:cxn>
+              <a:cxn ang="0">
+                <a:pos x="connsiteX10" y="connsiteY10"/>
+              </a:cxn>
+              <a:cxn ang="0">
+                <a:pos x="connsiteX11" y="connsiteY11"/>
+              </a:cxn>
+              <a:cxn ang="0">
+                <a:pos x="connsiteX12" y="connsiteY12"/>
+              </a:cxn>
+              <a:cxn ang="0">
+                <a:pos x="connsiteX13" y="connsiteY13"/>
+              </a:cxn>
+              <a:cxn ang="0">
+                <a:pos x="connsiteX14" y="connsiteY14"/>
+              </a:cxn>
+              <a:cxn ang="0">
+                <a:pos x="connsiteX15" y="connsiteY15"/>
+              </a:cxn>
+              <a:cxn ang="0">
+                <a:pos x="connsiteX16" y="connsiteY16"/>
+              </a:cxn>
+              <a:cxn ang="0">
+                <a:pos x="connsiteX17" y="connsiteY17"/>
+              </a:cxn>
+              <a:cxn ang="0">
+                <a:pos x="connsiteX18" y="connsiteY18"/>
+              </a:cxn>
+              <a:cxn ang="0">
+                <a:pos x="connsiteX19" y="connsiteY19"/>
+              </a:cxn>
+              <a:cxn ang="0">
+                <a:pos x="connsiteX20" y="connsiteY20"/>
+              </a:cxn>
+              <a:cxn ang="0">
+                <a:pos x="connsiteX21" y="connsiteY21"/>
+              </a:cxn>
+              <a:cxn ang="0">
+                <a:pos x="connsiteX22" y="connsiteY22"/>
+              </a:cxn>
+              <a:cxn ang="0">
+                <a:pos x="connsiteX23" y="connsiteY23"/>
+              </a:cxn>
+              <a:cxn ang="0">
+                <a:pos x="connsiteX24" y="connsiteY24"/>
+              </a:cxn>
+              <a:cxn ang="0">
+                <a:pos x="connsiteX25" y="connsiteY25"/>
+              </a:cxn>
+              <a:cxn ang="0">
+                <a:pos x="connsiteX26" y="connsiteY26"/>
+              </a:cxn>
+              <a:cxn ang="0">
+                <a:pos x="connsiteX27" y="connsiteY27"/>
+              </a:cxn>
+              <a:cxn ang="0">
+                <a:pos x="connsiteX28" y="connsiteY28"/>
+              </a:cxn>
+              <a:cxn ang="0">
+                <a:pos x="connsiteX29" y="connsiteY29"/>
+              </a:cxn>
+              <a:cxn ang="0">
+                <a:pos x="connsiteX30" y="connsiteY30"/>
+              </a:cxn>
+              <a:cxn ang="0">
+                <a:pos x="connsiteX31" y="connsiteY31"/>
+              </a:cxn>
+              <a:cxn ang="0">
+                <a:pos x="connsiteX32" y="connsiteY32"/>
+              </a:cxn>
+              <a:cxn ang="0">
+                <a:pos x="connsiteX33" y="connsiteY33"/>
+              </a:cxn>
+              <a:cxn ang="0">
+                <a:pos x="connsiteX34" y="connsiteY34"/>
+              </a:cxn>
+              <a:cxn ang="0">
+                <a:pos x="connsiteX35" y="connsiteY35"/>
+              </a:cxn>
+              <a:cxn ang="0">
+                <a:pos x="connsiteX36" y="connsiteY36"/>
+              </a:cxn>
+              <a:cxn ang="0">
+                <a:pos x="connsiteX37" y="connsiteY37"/>
+              </a:cxn>
+              <a:cxn ang="0">
+                <a:pos x="connsiteX38" y="connsiteY38"/>
+              </a:cxn>
+              <a:cxn ang="0">
+                <a:pos x="connsiteX39" y="connsiteY39"/>
+              </a:cxn>
+              <a:cxn ang="0">
+                <a:pos x="connsiteX40" y="connsiteY40"/>
+              </a:cxn>
+              <a:cxn ang="0">
+                <a:pos x="connsiteX41" y="connsiteY41"/>
+              </a:cxn>
+              <a:cxn ang="0">
+                <a:pos x="connsiteX42" y="connsiteY42"/>
+              </a:cxn>
+              <a:cxn ang="0">
+                <a:pos x="connsiteX43" y="connsiteY43"/>
+              </a:cxn>
+              <a:cxn ang="0">
+                <a:pos x="connsiteX44" y="connsiteY44"/>
+              </a:cxn>
+              <a:cxn ang="0">
+                <a:pos x="connsiteX45" y="connsiteY45"/>
+              </a:cxn>
+              <a:cxn ang="0">
+                <a:pos x="connsiteX46" y="connsiteY46"/>
+              </a:cxn>
+              <a:cxn ang="0">
+                <a:pos x="connsiteX47" y="connsiteY47"/>
+              </a:cxn>
+              <a:cxn ang="0">
+                <a:pos x="connsiteX48" y="connsiteY48"/>
+              </a:cxn>
+              <a:cxn ang="0">
+                <a:pos x="connsiteX49" y="connsiteY49"/>
+              </a:cxn>
+              <a:cxn ang="0">
+                <a:pos x="connsiteX50" y="connsiteY50"/>
+              </a:cxn>
+              <a:cxn ang="0">
+                <a:pos x="connsiteX51" y="connsiteY51"/>
+              </a:cxn>
+              <a:cxn ang="0">
+                <a:pos x="connsiteX52" y="connsiteY52"/>
+              </a:cxn>
+              <a:cxn ang="0">
+                <a:pos x="connsiteX53" y="connsiteY53"/>
+              </a:cxn>
+              <a:cxn ang="0">
+                <a:pos x="connsiteX54" y="connsiteY54"/>
+              </a:cxn>
+              <a:cxn ang="0">
+                <a:pos x="connsiteX55" y="connsiteY55"/>
+              </a:cxn>
+              <a:cxn ang="0">
+                <a:pos x="connsiteX56" y="connsiteY56"/>
+              </a:cxn>
+              <a:cxn ang="0">
+                <a:pos x="connsiteX57" y="connsiteY57"/>
+              </a:cxn>
+              <a:cxn ang="0">
+                <a:pos x="connsiteX58" y="connsiteY58"/>
+              </a:cxn>
+              <a:cxn ang="0">
+                <a:pos x="connsiteX59" y="connsiteY59"/>
+              </a:cxn>
+              <a:cxn ang="0">
+                <a:pos x="connsiteX60" y="connsiteY60"/>
+              </a:cxn>
+              <a:cxn ang="0">
+                <a:pos x="connsiteX61" y="connsiteY61"/>
+              </a:cxn>
+              <a:cxn ang="0">
+                <a:pos x="connsiteX62" y="connsiteY62"/>
+              </a:cxn>
+              <a:cxn ang="0">
+                <a:pos x="connsiteX63" y="connsiteY63"/>
+              </a:cxn>
+              <a:cxn ang="0">
+                <a:pos x="connsiteX64" y="connsiteY64"/>
+              </a:cxn>
+              <a:cxn ang="0">
+                <a:pos x="connsiteX65" y="connsiteY65"/>
+              </a:cxn>
+              <a:cxn ang="0">
+                <a:pos x="connsiteX66" y="connsiteY66"/>
+              </a:cxn>
+              <a:cxn ang="0">
+                <a:pos x="connsiteX67" y="connsiteY67"/>
+              </a:cxn>
+              <a:cxn ang="0">
+                <a:pos x="connsiteX68" y="connsiteY68"/>
+              </a:cxn>
+              <a:cxn ang="0">
+                <a:pos x="connsiteX69" y="connsiteY69"/>
+              </a:cxn>
+              <a:cxn ang="0">
+                <a:pos x="connsiteX70" y="connsiteY70"/>
+              </a:cxn>
+              <a:cxn ang="0">
+                <a:pos x="connsiteX71" y="connsiteY71"/>
+              </a:cxn>
+              <a:cxn ang="0">
+                <a:pos x="connsiteX72" y="connsiteY72"/>
+              </a:cxn>
+              <a:cxn ang="0">
+                <a:pos x="connsiteX73" y="connsiteY73"/>
+              </a:cxn>
+              <a:cxn ang="0">
+                <a:pos x="connsiteX74" y="connsiteY74"/>
+              </a:cxn>
+              <a:cxn ang="0">
+                <a:pos x="connsiteX75" y="connsiteY75"/>
+              </a:cxn>
+              <a:cxn ang="0">
+                <a:pos x="connsiteX76" y="connsiteY76"/>
+              </a:cxn>
+              <a:cxn ang="0">
+                <a:pos x="connsiteX77" y="connsiteY77"/>
+              </a:cxn>
+              <a:cxn ang="0">
+                <a:pos x="connsiteX78" y="connsiteY78"/>
+              </a:cxn>
+              <a:cxn ang="0">
+                <a:pos x="connsiteX79" y="connsiteY79"/>
+              </a:cxn>
+              <a:cxn ang="0">
+                <a:pos x="connsiteX80" y="connsiteY80"/>
+              </a:cxn>
+              <a:cxn ang="0">
+                <a:pos x="connsiteX81" y="connsiteY81"/>
+              </a:cxn>
+              <a:cxn ang="0">
+                <a:pos x="connsiteX82" y="connsiteY82"/>
+              </a:cxn>
+              <a:cxn ang="0">
+                <a:pos x="connsiteX83" y="connsiteY83"/>
+              </a:cxn>
+              <a:cxn ang="0">
+                <a:pos x="connsiteX84" y="connsiteY84"/>
+              </a:cxn>
+              <a:cxn ang="0">
+                <a:pos x="connsiteX85" y="connsiteY85"/>
+              </a:cxn>
+              <a:cxn ang="0">
+                <a:pos x="connsiteX86" y="connsiteY86"/>
+              </a:cxn>
+              <a:cxn ang="0">
+                <a:pos x="connsiteX87" y="connsiteY87"/>
+              </a:cxn>
+              <a:cxn ang="0">
+                <a:pos x="connsiteX88" y="connsiteY88"/>
+              </a:cxn>
+              <a:cxn ang="0">
+                <a:pos x="connsiteX89" y="connsiteY89"/>
+              </a:cxn>
+              <a:cxn ang="0">
+                <a:pos x="connsiteX90" y="connsiteY90"/>
+              </a:cxn>
+              <a:cxn ang="0">
+                <a:pos x="connsiteX91" y="connsiteY91"/>
+              </a:cxn>
+              <a:cxn ang="0">
+                <a:pos x="connsiteX92" y="connsiteY92"/>
+              </a:cxn>
+              <a:cxn ang="0">
+                <a:pos x="connsiteX93" y="connsiteY93"/>
+              </a:cxn>
+            </a:cxnLst>
+            <a:rect l="l" t="t" r="r" b="b"/>
+            <a:pathLst>
+              <a:path w="23534016" h="11328207">
+                <a:moveTo>
+                  <a:pt x="11264585" y="9912566"/>
+                </a:moveTo>
+                <a:cubicBezTo>
+                  <a:pt x="11470444" y="10051642"/>
+                  <a:pt x="11605793" y="10287166"/>
+                  <a:pt x="11605793" y="10554301"/>
+                </a:cubicBezTo>
+                <a:cubicBezTo>
+                  <a:pt x="11605792" y="10981717"/>
+                  <a:pt x="11259303" y="11328207"/>
+                  <a:pt x="10831887" y="11328207"/>
+                </a:cubicBezTo>
+                <a:lnTo>
+                  <a:pt x="10736635" y="11328207"/>
+                </a:lnTo>
+                <a:cubicBezTo>
+                  <a:pt x="10309219" y="11328207"/>
+                  <a:pt x="9962730" y="10981717"/>
+                  <a:pt x="9962731" y="10554301"/>
+                </a:cubicBezTo>
+                <a:cubicBezTo>
+                  <a:pt x="9962730" y="10126885"/>
+                  <a:pt x="10309219" y="9780395"/>
+                  <a:pt x="10736635" y="9780395"/>
+                </a:cubicBezTo>
+                <a:lnTo>
+                  <a:pt x="10831887" y="9780395"/>
+                </a:lnTo>
+                <a:cubicBezTo>
+                  <a:pt x="10992167" y="9780394"/>
+                  <a:pt x="11141068" y="9829120"/>
+                  <a:pt x="11264585" y="9912566"/>
+                </a:cubicBezTo>
+                <a:close/>
+                <a:moveTo>
+                  <a:pt x="1179542" y="3328153"/>
+                </a:moveTo>
+                <a:cubicBezTo>
+                  <a:pt x="1313615" y="3418731"/>
+                  <a:pt x="1401765" y="3572123"/>
+                  <a:pt x="1401765" y="3746104"/>
+                </a:cubicBezTo>
+                <a:lnTo>
+                  <a:pt x="1401764" y="3746104"/>
+                </a:lnTo>
+                <a:cubicBezTo>
+                  <a:pt x="1401764" y="4024473"/>
+                  <a:pt x="1176101" y="4250136"/>
+                  <a:pt x="897732" y="4250136"/>
+                </a:cubicBezTo>
+                <a:lnTo>
+                  <a:pt x="504033" y="4250135"/>
+                </a:lnTo>
+                <a:cubicBezTo>
+                  <a:pt x="225664" y="4250135"/>
+                  <a:pt x="1" y="4024472"/>
+                  <a:pt x="1" y="3746103"/>
+                </a:cubicBezTo>
+                <a:lnTo>
+                  <a:pt x="0" y="3746103"/>
+                </a:lnTo>
+                <a:cubicBezTo>
+                  <a:pt x="1" y="3467734"/>
+                  <a:pt x="225664" y="3242072"/>
+                  <a:pt x="504032" y="3242072"/>
+                </a:cubicBezTo>
+                <a:lnTo>
+                  <a:pt x="897733" y="3242072"/>
+                </a:lnTo>
+                <a:cubicBezTo>
+                  <a:pt x="1002122" y="3242072"/>
+                  <a:pt x="1099098" y="3273806"/>
+                  <a:pt x="1179542" y="3328153"/>
+                </a:cubicBezTo>
+                <a:close/>
+                <a:moveTo>
+                  <a:pt x="9733515" y="6613367"/>
+                </a:moveTo>
+                <a:cubicBezTo>
+                  <a:pt x="9867590" y="6703946"/>
+                  <a:pt x="9955739" y="6857338"/>
+                  <a:pt x="9955739" y="7031319"/>
+                </a:cubicBezTo>
+                <a:lnTo>
+                  <a:pt x="9955739" y="7031319"/>
+                </a:lnTo>
+                <a:cubicBezTo>
+                  <a:pt x="9955739" y="7309688"/>
+                  <a:pt x="9730075" y="7535351"/>
+                  <a:pt x="9451707" y="7535351"/>
+                </a:cubicBezTo>
+                <a:lnTo>
+                  <a:pt x="9058008" y="7535350"/>
+                </a:lnTo>
+                <a:cubicBezTo>
+                  <a:pt x="8779637" y="7535349"/>
+                  <a:pt x="8553975" y="7309687"/>
+                  <a:pt x="8553975" y="7031318"/>
+                </a:cubicBezTo>
+                <a:lnTo>
+                  <a:pt x="8553975" y="7031318"/>
+                </a:lnTo>
+                <a:cubicBezTo>
+                  <a:pt x="8553975" y="6752949"/>
+                  <a:pt x="8779638" y="6527287"/>
+                  <a:pt x="9058007" y="6527286"/>
+                </a:cubicBezTo>
+                <a:lnTo>
+                  <a:pt x="9451706" y="6527286"/>
+                </a:lnTo>
+                <a:cubicBezTo>
+                  <a:pt x="9556095" y="6527286"/>
+                  <a:pt x="9653072" y="6559021"/>
+                  <a:pt x="9733515" y="6613367"/>
+                </a:cubicBezTo>
+                <a:close/>
+                <a:moveTo>
+                  <a:pt x="8928022" y="3340367"/>
+                </a:moveTo>
+                <a:cubicBezTo>
+                  <a:pt x="9062095" y="3430945"/>
+                  <a:pt x="9150244" y="3584337"/>
+                  <a:pt x="9150244" y="3758318"/>
+                </a:cubicBezTo>
+                <a:lnTo>
+                  <a:pt x="9150244" y="3758318"/>
+                </a:lnTo>
+                <a:cubicBezTo>
+                  <a:pt x="9150244" y="4036688"/>
+                  <a:pt x="8924581" y="4262349"/>
+                  <a:pt x="8646212" y="4262350"/>
+                </a:cubicBezTo>
+                <a:lnTo>
+                  <a:pt x="2350189" y="4262349"/>
+                </a:lnTo>
+                <a:cubicBezTo>
+                  <a:pt x="2071819" y="4262349"/>
+                  <a:pt x="1846156" y="4036685"/>
+                  <a:pt x="1846156" y="3758316"/>
+                </a:cubicBezTo>
+                <a:lnTo>
+                  <a:pt x="1846157" y="3758317"/>
+                </a:lnTo>
+                <a:cubicBezTo>
+                  <a:pt x="1846157" y="3479948"/>
+                  <a:pt x="2071820" y="3254286"/>
+                  <a:pt x="2350189" y="3254285"/>
+                </a:cubicBezTo>
+                <a:lnTo>
+                  <a:pt x="8646213" y="3254286"/>
+                </a:lnTo>
+                <a:cubicBezTo>
+                  <a:pt x="8750602" y="3254287"/>
+                  <a:pt x="8847579" y="3286021"/>
+                  <a:pt x="8928022" y="3340367"/>
+                </a:cubicBezTo>
+                <a:close/>
+                <a:moveTo>
+                  <a:pt x="15324339" y="6624950"/>
+                </a:moveTo>
+                <a:cubicBezTo>
+                  <a:pt x="15458413" y="6715527"/>
+                  <a:pt x="15546561" y="6868919"/>
+                  <a:pt x="15546562" y="7042900"/>
+                </a:cubicBezTo>
+                <a:cubicBezTo>
+                  <a:pt x="15546561" y="7321269"/>
+                  <a:pt x="15320899" y="7546930"/>
+                  <a:pt x="15042530" y="7546931"/>
+                </a:cubicBezTo>
+                <a:lnTo>
+                  <a:pt x="10905505" y="7546930"/>
+                </a:lnTo>
+                <a:cubicBezTo>
+                  <a:pt x="10627136" y="7546930"/>
+                  <a:pt x="10401474" y="7321268"/>
+                  <a:pt x="10401474" y="7042899"/>
+                </a:cubicBezTo>
+                <a:cubicBezTo>
+                  <a:pt x="10401474" y="6764530"/>
+                  <a:pt x="10627137" y="6538868"/>
+                  <a:pt x="10905505" y="6538868"/>
+                </a:cubicBezTo>
+                <a:lnTo>
+                  <a:pt x="15042530" y="6538869"/>
+                </a:lnTo>
+                <a:cubicBezTo>
+                  <a:pt x="15146919" y="6538869"/>
+                  <a:pt x="15243896" y="6570603"/>
+                  <a:pt x="15324339" y="6624950"/>
+                </a:cubicBezTo>
+                <a:close/>
+                <a:moveTo>
+                  <a:pt x="23192458" y="8064785"/>
+                </a:moveTo>
+                <a:cubicBezTo>
+                  <a:pt x="23398529" y="8204003"/>
+                  <a:pt x="23534016" y="8439769"/>
+                  <a:pt x="23534016" y="8707179"/>
+                </a:cubicBezTo>
+                <a:cubicBezTo>
+                  <a:pt x="23534016" y="9135034"/>
+                  <a:pt x="23187171" y="9481878"/>
+                  <a:pt x="22759316" y="9481878"/>
+                </a:cubicBezTo>
+                <a:lnTo>
+                  <a:pt x="8228929" y="9481877"/>
+                </a:lnTo>
+                <a:cubicBezTo>
+                  <a:pt x="7801074" y="9481877"/>
+                  <a:pt x="7454229" y="9135032"/>
+                  <a:pt x="7454228" y="8707176"/>
+                </a:cubicBezTo>
+                <a:cubicBezTo>
+                  <a:pt x="7454228" y="8279322"/>
+                  <a:pt x="7801073" y="7932477"/>
+                  <a:pt x="8228928" y="7932477"/>
+                </a:cubicBezTo>
+                <a:lnTo>
+                  <a:pt x="22759315" y="7932478"/>
+                </a:lnTo>
+                <a:cubicBezTo>
+                  <a:pt x="22919760" y="7932478"/>
+                  <a:pt x="23068815" y="7981253"/>
+                  <a:pt x="23192458" y="8064785"/>
+                </a:cubicBezTo>
+                <a:close/>
+                <a:moveTo>
+                  <a:pt x="9947589" y="86081"/>
+                </a:moveTo>
+                <a:cubicBezTo>
+                  <a:pt x="10081663" y="176659"/>
+                  <a:pt x="10169811" y="330051"/>
+                  <a:pt x="10169812" y="504032"/>
+                </a:cubicBezTo>
+                <a:lnTo>
+                  <a:pt x="10169811" y="504032"/>
+                </a:lnTo>
+                <a:cubicBezTo>
+                  <a:pt x="10169811" y="782401"/>
+                  <a:pt x="9944148" y="1008064"/>
+                  <a:pt x="9665779" y="1008064"/>
+                </a:cubicBezTo>
+                <a:lnTo>
+                  <a:pt x="2447418" y="1008063"/>
+                </a:lnTo>
+                <a:cubicBezTo>
+                  <a:pt x="2169048" y="1008062"/>
+                  <a:pt x="1943386" y="782400"/>
+                  <a:pt x="1943386" y="504031"/>
+                </a:cubicBezTo>
+                <a:lnTo>
+                  <a:pt x="1943385" y="504031"/>
+                </a:lnTo>
+                <a:cubicBezTo>
+                  <a:pt x="1943386" y="225663"/>
+                  <a:pt x="2169048" y="0"/>
+                  <a:pt x="2447417" y="0"/>
+                </a:cubicBezTo>
+                <a:lnTo>
+                  <a:pt x="9665780" y="0"/>
+                </a:lnTo>
+                <a:cubicBezTo>
+                  <a:pt x="9770169" y="0"/>
+                  <a:pt x="9867145" y="31734"/>
+                  <a:pt x="9947589" y="86081"/>
+                </a:cubicBezTo>
+                <a:close/>
+                <a:moveTo>
+                  <a:pt x="16576520" y="3400992"/>
+                </a:moveTo>
+                <a:cubicBezTo>
+                  <a:pt x="16710593" y="3491570"/>
+                  <a:pt x="16798742" y="3644962"/>
+                  <a:pt x="16798742" y="3818943"/>
+                </a:cubicBezTo>
+                <a:lnTo>
+                  <a:pt x="16798742" y="3818943"/>
+                </a:lnTo>
+                <a:cubicBezTo>
+                  <a:pt x="16798742" y="4097312"/>
+                  <a:pt x="16573079" y="4322975"/>
+                  <a:pt x="16294710" y="4322975"/>
+                </a:cubicBezTo>
+                <a:lnTo>
+                  <a:pt x="9998686" y="4322974"/>
+                </a:lnTo>
+                <a:cubicBezTo>
+                  <a:pt x="9720318" y="4322974"/>
+                  <a:pt x="9494655" y="4097311"/>
+                  <a:pt x="9494655" y="3818942"/>
+                </a:cubicBezTo>
+                <a:lnTo>
+                  <a:pt x="9494655" y="3818943"/>
+                </a:lnTo>
+                <a:cubicBezTo>
+                  <a:pt x="9494654" y="3540574"/>
+                  <a:pt x="9720318" y="3314911"/>
+                  <a:pt x="9998687" y="3314911"/>
+                </a:cubicBezTo>
+                <a:lnTo>
+                  <a:pt x="16294711" y="3314911"/>
+                </a:lnTo>
+                <a:cubicBezTo>
+                  <a:pt x="16399100" y="3314912"/>
+                  <a:pt x="16496075" y="3346645"/>
+                  <a:pt x="16576520" y="3400992"/>
+                </a:cubicBezTo>
+                <a:close/>
+                <a:moveTo>
+                  <a:pt x="20515471" y="4777198"/>
+                </a:moveTo>
+                <a:cubicBezTo>
+                  <a:pt x="20721332" y="4916275"/>
+                  <a:pt x="20856681" y="5151799"/>
+                  <a:pt x="20856681" y="5418935"/>
+                </a:cubicBezTo>
+                <a:lnTo>
+                  <a:pt x="20856679" y="5418934"/>
+                </a:lnTo>
+                <a:cubicBezTo>
+                  <a:pt x="20856679" y="5846352"/>
+                  <a:pt x="20510189" y="6192842"/>
+                  <a:pt x="20082773" y="6192842"/>
+                </a:cubicBezTo>
+                <a:lnTo>
+                  <a:pt x="3780736" y="6192840"/>
+                </a:lnTo>
+                <a:cubicBezTo>
+                  <a:pt x="3353319" y="6192840"/>
+                  <a:pt x="3006829" y="5846350"/>
+                  <a:pt x="3006829" y="5418932"/>
+                </a:cubicBezTo>
+                <a:lnTo>
+                  <a:pt x="3006829" y="5418933"/>
+                </a:lnTo>
+                <a:cubicBezTo>
+                  <a:pt x="3006829" y="4991516"/>
+                  <a:pt x="3353318" y="4645026"/>
+                  <a:pt x="3780735" y="4645026"/>
+                </a:cubicBezTo>
+                <a:lnTo>
+                  <a:pt x="20082772" y="4645027"/>
+                </a:lnTo>
+                <a:cubicBezTo>
+                  <a:pt x="20243053" y="4645027"/>
+                  <a:pt x="20391954" y="4693752"/>
+                  <a:pt x="20515471" y="4777198"/>
+                </a:cubicBezTo>
+                <a:close/>
+                <a:moveTo>
+                  <a:pt x="15080250" y="1483266"/>
+                </a:moveTo>
+                <a:cubicBezTo>
+                  <a:pt x="15286109" y="1622342"/>
+                  <a:pt x="15421458" y="1857867"/>
+                  <a:pt x="15421458" y="2125002"/>
+                </a:cubicBezTo>
+                <a:lnTo>
+                  <a:pt x="15421458" y="2125003"/>
+                </a:lnTo>
+                <a:cubicBezTo>
+                  <a:pt x="15421458" y="2552420"/>
+                  <a:pt x="15074966" y="2898909"/>
+                  <a:pt x="14647550" y="2898909"/>
+                </a:cubicBezTo>
+                <a:lnTo>
+                  <a:pt x="5471802" y="2898908"/>
+                </a:lnTo>
+                <a:cubicBezTo>
+                  <a:pt x="5044384" y="2898908"/>
+                  <a:pt x="4697895" y="2552418"/>
+                  <a:pt x="4697895" y="2125001"/>
+                </a:cubicBezTo>
+                <a:lnTo>
+                  <a:pt x="4697895" y="2125002"/>
+                </a:lnTo>
+                <a:cubicBezTo>
+                  <a:pt x="4697894" y="1697585"/>
+                  <a:pt x="5044385" y="1351096"/>
+                  <a:pt x="5471802" y="1351096"/>
+                </a:cubicBezTo>
+                <a:lnTo>
+                  <a:pt x="14647551" y="1351096"/>
+                </a:lnTo>
+                <a:cubicBezTo>
+                  <a:pt x="14807834" y="1351096"/>
+                  <a:pt x="14956733" y="1399820"/>
+                  <a:pt x="15080250" y="1483266"/>
+                </a:cubicBezTo>
+                <a:close/>
+              </a:path>
+            </a:pathLst>
+          </a:custGeom>
+          <a:gradFill flip="none" rotWithShape="1">
+            <a:gsLst>
+              <a:gs pos="0">
+                <a:schemeClr val="accent2">
+                  <a:alpha val="27000"/>
+                  <a:lumMod val="0"/>
+                  <a:lumOff val="100000"/>
+                </a:schemeClr>
+              </a:gs>
+              <a:gs pos="100000">
+                <a:schemeClr val="accent2">
+                  <a:lumMod val="52000"/>
+                  <a:lumOff val="48000"/>
+                </a:schemeClr>
+              </a:gs>
+              <a:gs pos="100000">
+                <a:schemeClr val="accent2">
+                  <a:lumMod val="60000"/>
+                </a:schemeClr>
+              </a:gs>
+            </a:gsLst>
+            <a:path path="circle">
+              <a:fillToRect l="50000" t="130000" r="50000" b="-30000"/>
+            </a:path>
+            <a:tileRect/>
+          </a:gradFill>
+          <a:ln>
+            <a:noFill/>
+          </a:ln>
+        </p:spPr>
+        <p:txBody>
+          <a:bodyPr wrap="square" lIns="19050" tIns="19050" rIns="19050" bIns="19050" anchor="ctr">
+            <a:noAutofit/>
+          </a:bodyPr>
+          <a:lstStyle/>
+          <a:p>
+            <a:pPr eaLnBrk="1"/>
+            <a:endParaRPr lang="en-US" altLang="x-none" sz="900"/>
+          </a:p>
+        </p:txBody>
+      </p:sp>
+      <p:sp>
+        <p:nvSpPr>
+          <p:cNvPr id="2" name="Rectangle 1">
+            <a:extLst>
+              <a:ext uri="{FF2B5EF4-FFF2-40B4-BE49-F238E27FC236}">
+                <a16:creationId xmlns:a16="http://schemas.microsoft.com/office/drawing/2014/main" id="{DFB174C4-FD39-4F46-9096-C2FA076FF093}"/>
+              </a:ext>
+            </a:extLst>
+          </p:cNvPr>
+          <p:cNvSpPr/>
+          <p:nvPr/>
+        </p:nvSpPr>
+        <p:spPr>
+          <a:xfrm>
+            <a:off x="3548698" y="257160"/>
+            <a:ext cx="4356100" cy="1106519"/>
+          </a:xfrm>
+          <a:prstGeom prst="rect">
+            <a:avLst/>
+          </a:prstGeom>
+          <a:noFill/>
+          <a:ln>
+            <a:noFill/>
+          </a:ln>
+        </p:spPr>
+        <p:style>
+          <a:lnRef idx="2">
+            <a:schemeClr val="accent1">
+              <a:shade val="50000"/>
+            </a:schemeClr>
+          </a:lnRef>
+          <a:fillRef idx="1">
+            <a:schemeClr val="accent1"/>
+          </a:fillRef>
+          <a:effectRef idx="0">
+            <a:schemeClr val="accent1"/>
+          </a:effectRef>
+          <a:fontRef idx="minor">
+            <a:schemeClr val="lt1"/>
+          </a:fontRef>
+        </p:style>
+        <p:txBody>
+          <a:bodyPr rtlCol="0" anchor="ctr"/>
+          <a:lstStyle/>
+          <a:p>
+            <a:pPr algn="ctr" rtl="1"/>
+            <a:r>
+              <a:rPr lang="ar-SA" sz="6000" dirty="0">
+                <a:solidFill>
+                  <a:schemeClr val="tx1"/>
+                </a:solidFill>
+                <a:latin typeface="GE SS Text Light" panose="020A0503020102020204" pitchFamily="18" charset="-78"/>
+                <a:ea typeface="GE SS Text Light" panose="020A0503020102020204" pitchFamily="18" charset="-78"/>
+                <a:cs typeface="GE SS Text Light" panose="020A0503020102020204" pitchFamily="18" charset="-78"/>
+              </a:rPr>
+              <a:t>المشكلة </a:t>
+            </a:r>
+          </a:p>
+        </p:txBody>
+      </p:sp>
+      <p:sp>
+        <p:nvSpPr>
+          <p:cNvPr id="9" name="Rectangle 8">
+            <a:extLst>
+              <a:ext uri="{FF2B5EF4-FFF2-40B4-BE49-F238E27FC236}">
+                <a16:creationId xmlns:a16="http://schemas.microsoft.com/office/drawing/2014/main" id="{7A07C604-7812-4E42-B549-1375235E6F95}"/>
+              </a:ext>
+            </a:extLst>
+          </p:cNvPr>
+          <p:cNvSpPr/>
+          <p:nvPr/>
+        </p:nvSpPr>
+        <p:spPr>
+          <a:xfrm>
+            <a:off x="2416721" y="825107"/>
+            <a:ext cx="6880091" cy="2329004"/>
+          </a:xfrm>
+          <a:prstGeom prst="rect">
+            <a:avLst/>
+          </a:prstGeom>
+          <a:noFill/>
+          <a:ln>
+            <a:noFill/>
+          </a:ln>
+        </p:spPr>
+        <p:style>
+          <a:lnRef idx="2">
+            <a:schemeClr val="accent1">
+              <a:shade val="50000"/>
+            </a:schemeClr>
+          </a:lnRef>
+          <a:fillRef idx="1">
+            <a:schemeClr val="accent1"/>
+          </a:fillRef>
+          <a:effectRef idx="0">
+            <a:schemeClr val="accent1"/>
+          </a:effectRef>
+          <a:fontRef idx="minor">
+            <a:schemeClr val="lt1"/>
+          </a:fontRef>
+        </p:style>
+        <p:txBody>
+          <a:bodyPr rtlCol="0" anchor="ctr"/>
+          <a:lstStyle/>
+          <a:p>
+            <a:pPr algn="ctr" rtl="1"/>
+            <a:r>
+              <a:rPr lang="ar-SA" sz="3600" dirty="0">
+                <a:solidFill>
+                  <a:srgbClr val="218A3C"/>
+                </a:solidFill>
+                <a:latin typeface="GE SS Text Light" panose="020A0503020102020204" pitchFamily="18" charset="-78"/>
+                <a:ea typeface="GE SS Text Light" panose="020A0503020102020204" pitchFamily="18" charset="-78"/>
+                <a:cs typeface="GE SS Text Light" panose="020A0503020102020204" pitchFamily="18" charset="-78"/>
+              </a:rPr>
+              <a:t>وجود لبس عند تسميع آيات لها آيات مشابهة في القران الكريم </a:t>
+            </a:r>
+          </a:p>
+        </p:txBody>
+      </p:sp>
+      <p:cxnSp>
+        <p:nvCxnSpPr>
+          <p:cNvPr id="4" name="Straight Connector 3">
+            <a:extLst>
+              <a:ext uri="{FF2B5EF4-FFF2-40B4-BE49-F238E27FC236}">
+                <a16:creationId xmlns:a16="http://schemas.microsoft.com/office/drawing/2014/main" id="{3B2A0225-A2C0-054A-9D1D-74D3B09A83C6}"/>
+              </a:ext>
+            </a:extLst>
+          </p:cNvPr>
+          <p:cNvCxnSpPr/>
+          <p:nvPr/>
+        </p:nvCxnSpPr>
+        <p:spPr>
+          <a:xfrm flipH="1">
+            <a:off x="3581652" y="1163551"/>
+            <a:ext cx="4213992" cy="0"/>
+          </a:xfrm>
+          <a:prstGeom prst="line">
+            <a:avLst/>
+          </a:prstGeom>
+          <a:ln w="38100"/>
+        </p:spPr>
+        <p:style>
+          <a:lnRef idx="1">
+            <a:schemeClr val="dk1"/>
+          </a:lnRef>
+          <a:fillRef idx="0">
+            <a:schemeClr val="dk1"/>
+          </a:fillRef>
+          <a:effectRef idx="0">
+            <a:schemeClr val="dk1"/>
+          </a:effectRef>
+          <a:fontRef idx="minor">
+            <a:schemeClr val="tx1"/>
+          </a:fontRef>
+        </p:style>
+      </p:cxnSp>
+      <p:sp>
+        <p:nvSpPr>
+          <p:cNvPr id="14" name="Rectangle 13">
+            <a:extLst>
+              <a:ext uri="{FF2B5EF4-FFF2-40B4-BE49-F238E27FC236}">
+                <a16:creationId xmlns:a16="http://schemas.microsoft.com/office/drawing/2014/main" id="{D9CE33BD-EC4A-8040-92FF-551F00E98212}"/>
+              </a:ext>
+            </a:extLst>
+          </p:cNvPr>
+          <p:cNvSpPr/>
+          <p:nvPr/>
+        </p:nvSpPr>
+        <p:spPr>
+          <a:xfrm>
+            <a:off x="3158825" y="3427551"/>
+            <a:ext cx="5420062" cy="972439"/>
+          </a:xfrm>
+          <a:prstGeom prst="rect">
+            <a:avLst/>
+          </a:prstGeom>
+          <a:noFill/>
+          <a:ln>
+            <a:noFill/>
+          </a:ln>
+        </p:spPr>
+        <p:style>
+          <a:lnRef idx="2">
+            <a:schemeClr val="accent1">
+              <a:shade val="50000"/>
+            </a:schemeClr>
+          </a:lnRef>
+          <a:fillRef idx="1">
+            <a:schemeClr val="accent1"/>
+          </a:fillRef>
+          <a:effectRef idx="0">
+            <a:schemeClr val="accent1"/>
+          </a:effectRef>
+          <a:fontRef idx="minor">
+            <a:schemeClr val="lt1"/>
+          </a:fontRef>
+        </p:style>
+        <p:txBody>
+          <a:bodyPr rtlCol="0" anchor="ctr"/>
+          <a:lstStyle/>
+          <a:p>
+            <a:pPr marL="0" algn="ctr" defTabSz="457200" rtl="1" eaLnBrk="1" latinLnBrk="0" hangingPunct="1"/>
+            <a:r>
+              <a:rPr lang="en-US" sz="6000" dirty="0">
+                <a:solidFill>
+                  <a:schemeClr val="tx1"/>
+                </a:solidFill>
+                <a:latin typeface="Arial" panose="020B0604020202020204" pitchFamily="34" charset="0"/>
+                <a:ea typeface="GE SS Text Light" panose="020A0503020102020204" pitchFamily="18" charset="-78"/>
+                <a:cs typeface="Arial" panose="020B0604020202020204" pitchFamily="34" charset="0"/>
+              </a:rPr>
+              <a:t>The problem</a:t>
+            </a:r>
+            <a:endParaRPr lang="ar-SA" sz="6000" dirty="0">
+              <a:solidFill>
+                <a:schemeClr val="tx1"/>
+              </a:solidFill>
+              <a:latin typeface="Arial" panose="020B0604020202020204" pitchFamily="34" charset="0"/>
+              <a:ea typeface="GE SS Text Light" panose="020A0503020102020204" pitchFamily="18" charset="-78"/>
+              <a:cs typeface="Arial" panose="020B0604020202020204" pitchFamily="34" charset="0"/>
+            </a:endParaRPr>
+          </a:p>
+        </p:txBody>
+      </p:sp>
+      <p:cxnSp>
+        <p:nvCxnSpPr>
+          <p:cNvPr id="20" name="Straight Connector 19">
+            <a:extLst>
+              <a:ext uri="{FF2B5EF4-FFF2-40B4-BE49-F238E27FC236}">
+                <a16:creationId xmlns:a16="http://schemas.microsoft.com/office/drawing/2014/main" id="{5BCEE6FF-D357-9847-9018-50797325B4AA}"/>
+              </a:ext>
+            </a:extLst>
+          </p:cNvPr>
+          <p:cNvCxnSpPr/>
+          <p:nvPr/>
+        </p:nvCxnSpPr>
+        <p:spPr>
+          <a:xfrm flipH="1">
+            <a:off x="3690806" y="4436944"/>
+            <a:ext cx="4213992" cy="0"/>
+          </a:xfrm>
+          <a:prstGeom prst="line">
+            <a:avLst/>
+          </a:prstGeom>
+          <a:ln w="38100"/>
+        </p:spPr>
+        <p:style>
+          <a:lnRef idx="1">
+            <a:schemeClr val="dk1"/>
+          </a:lnRef>
+          <a:fillRef idx="0">
+            <a:schemeClr val="dk1"/>
+          </a:fillRef>
+          <a:effectRef idx="0">
+            <a:schemeClr val="dk1"/>
+          </a:effectRef>
+          <a:fontRef idx="minor">
+            <a:schemeClr val="tx1"/>
+          </a:fontRef>
+        </p:style>
+      </p:cxnSp>
+      <p:sp>
+        <p:nvSpPr>
+          <p:cNvPr id="21" name="Rectangle 20">
+            <a:extLst>
+              <a:ext uri="{FF2B5EF4-FFF2-40B4-BE49-F238E27FC236}">
+                <a16:creationId xmlns:a16="http://schemas.microsoft.com/office/drawing/2014/main" id="{E850945D-78FA-8C4A-9C03-99A901B5EA8A}"/>
+              </a:ext>
+            </a:extLst>
+          </p:cNvPr>
+          <p:cNvSpPr/>
+          <p:nvPr/>
+        </p:nvSpPr>
+        <p:spPr>
+          <a:xfrm>
+            <a:off x="3690806" y="3708591"/>
+            <a:ext cx="4356100" cy="1701800"/>
+          </a:xfrm>
+          <a:prstGeom prst="rect">
+            <a:avLst/>
+          </a:prstGeom>
+          <a:noFill/>
+          <a:ln>
+            <a:noFill/>
+          </a:ln>
+        </p:spPr>
+        <p:style>
+          <a:lnRef idx="2">
+            <a:schemeClr val="accent1">
+              <a:shade val="50000"/>
+            </a:schemeClr>
+          </a:lnRef>
+          <a:fillRef idx="1">
+            <a:schemeClr val="accent1"/>
+          </a:fillRef>
+          <a:effectRef idx="0">
+            <a:schemeClr val="accent1"/>
+          </a:effectRef>
+          <a:fontRef idx="minor">
+            <a:schemeClr val="lt1"/>
+          </a:fontRef>
+        </p:style>
+        <p:txBody>
+          <a:bodyPr rtlCol="0" anchor="ctr"/>
+          <a:lstStyle/>
+          <a:p>
+            <a:pPr algn="ctr" rtl="1"/>
+            <a:endParaRPr lang="ar-SA" sz="3600" dirty="0">
+              <a:solidFill>
+                <a:srgbClr val="218A3C"/>
+              </a:solidFill>
+              <a:latin typeface="Khmer MN" pitchFamily="2" charset="0"/>
+              <a:ea typeface="Ayuthaya" pitchFamily="2" charset="-34"/>
+              <a:cs typeface="Mishafi Gold" pitchFamily="2" charset="-78"/>
+            </a:endParaRPr>
+          </a:p>
+        </p:txBody>
+      </p:sp>
+      <p:sp>
+        <p:nvSpPr>
+          <p:cNvPr id="22" name="Rectangle 21">
+            <a:extLst>
+              <a:ext uri="{FF2B5EF4-FFF2-40B4-BE49-F238E27FC236}">
+                <a16:creationId xmlns:a16="http://schemas.microsoft.com/office/drawing/2014/main" id="{6DD80118-F285-A648-AA07-8633C83B3776}"/>
+              </a:ext>
+            </a:extLst>
+          </p:cNvPr>
+          <p:cNvSpPr/>
+          <p:nvPr/>
+        </p:nvSpPr>
+        <p:spPr>
+          <a:xfrm>
+            <a:off x="2103120" y="4363036"/>
+            <a:ext cx="7272228" cy="2094711"/>
+          </a:xfrm>
+          <a:prstGeom prst="rect">
+            <a:avLst/>
+          </a:prstGeom>
+          <a:noFill/>
+          <a:ln>
+            <a:noFill/>
+          </a:ln>
+        </p:spPr>
+        <p:style>
+          <a:lnRef idx="2">
+            <a:schemeClr val="accent1">
+              <a:shade val="50000"/>
+            </a:schemeClr>
+          </a:lnRef>
+          <a:fillRef idx="1">
+            <a:schemeClr val="accent1"/>
+          </a:fillRef>
+          <a:effectRef idx="0">
+            <a:schemeClr val="accent1"/>
+          </a:effectRef>
+          <a:fontRef idx="minor">
+            <a:schemeClr val="lt1"/>
+          </a:fontRef>
+        </p:style>
+        <p:txBody>
+          <a:bodyPr rtlCol="0" anchor="ctr"/>
+          <a:lstStyle/>
+          <a:p>
+            <a:pPr marL="0" algn="ctr" defTabSz="457200" rtl="1" eaLnBrk="1" latinLnBrk="0" hangingPunct="1"/>
+            <a:r>
+              <a:rPr lang="en-US" sz="3600" dirty="0">
+                <a:solidFill>
+                  <a:srgbClr val="218A3C"/>
+                </a:solidFill>
+                <a:ea typeface="GE SS Text Light" panose="020A0503020102020204" pitchFamily="18" charset="-78"/>
+                <a:cs typeface="GE SS Text Light" panose="020A0503020102020204" pitchFamily="18" charset="-78"/>
+              </a:rPr>
+              <a:t>The confusion the Quran memorizers face when memorizing similar verses</a:t>
+            </a:r>
+            <a:endParaRPr lang="ar-SA" sz="3600" dirty="0">
+              <a:solidFill>
+                <a:srgbClr val="218A3C"/>
+              </a:solidFill>
+              <a:ea typeface="GE SS Text Light" panose="020A0503020102020204" pitchFamily="18" charset="-78"/>
+              <a:cs typeface="GE SS Text Light" panose="020A0503020102020204" pitchFamily="18" charset="-78"/>
+            </a:endParaRPr>
+          </a:p>
+        </p:txBody>
+      </p:sp>
+      <p:pic>
+        <p:nvPicPr>
+          <p:cNvPr id="26" name="Picture 25" descr="Shape&#10;&#10;Description automatically generated">
+            <a:hlinkClick r:id="rId3"/>
+            <a:extLst>
+              <a:ext uri="{FF2B5EF4-FFF2-40B4-BE49-F238E27FC236}">
+                <a16:creationId xmlns:a16="http://schemas.microsoft.com/office/drawing/2014/main" id="{EA275284-B834-4444-849C-7F8C8A57B791}"/>
+              </a:ext>
+            </a:extLst>
+          </p:cNvPr>
+          <p:cNvPicPr>
+            <a:picLocks noChangeAspect="1"/>
+          </p:cNvPicPr>
+          <p:nvPr/>
+        </p:nvPicPr>
+        <p:blipFill>
+          <a:blip r:embed="rId4"/>
+          <a:stretch>
+            <a:fillRect/>
+          </a:stretch>
+        </p:blipFill>
+        <p:spPr>
+          <a:xfrm>
+            <a:off x="11053116" y="5718127"/>
+            <a:ext cx="711200" cy="711200"/>
+          </a:xfrm>
+          <a:prstGeom prst="rect">
+            <a:avLst/>
+          </a:prstGeom>
+        </p:spPr>
+      </p:pic>
+      <p:pic>
+        <p:nvPicPr>
+          <p:cNvPr id="27" name="Picture 26" descr="Logo, company name&#10;&#10;Description automatically generated">
+            <a:extLst>
+              <a:ext uri="{FF2B5EF4-FFF2-40B4-BE49-F238E27FC236}">
+                <a16:creationId xmlns:a16="http://schemas.microsoft.com/office/drawing/2014/main" id="{03A0157B-5608-4C02-A735-65B2407B015C}"/>
+              </a:ext>
+            </a:extLst>
+          </p:cNvPr>
+          <p:cNvPicPr>
+            <a:picLocks noChangeAspect="1"/>
+          </p:cNvPicPr>
+          <p:nvPr/>
+        </p:nvPicPr>
+        <p:blipFill>
+          <a:blip r:embed="rId5"/>
+          <a:stretch>
+            <a:fillRect/>
+          </a:stretch>
+        </p:blipFill>
+        <p:spPr>
+          <a:xfrm>
+            <a:off x="10959858" y="2100631"/>
+            <a:ext cx="897716" cy="897716"/>
+          </a:xfrm>
+          <a:prstGeom prst="rect">
+            <a:avLst/>
+          </a:prstGeom>
+        </p:spPr>
+      </p:pic>
+      <p:pic>
+        <p:nvPicPr>
+          <p:cNvPr id="28" name="Picture 27" descr="Logo&#10;&#10;Description automatically generated">
+            <a:extLst>
+              <a:ext uri="{FF2B5EF4-FFF2-40B4-BE49-F238E27FC236}">
+                <a16:creationId xmlns:a16="http://schemas.microsoft.com/office/drawing/2014/main" id="{91BB94B3-3F3D-4F29-A143-FB2B1CC800ED}"/>
+              </a:ext>
+            </a:extLst>
+          </p:cNvPr>
+          <p:cNvPicPr>
+            <a:picLocks noChangeAspect="1"/>
+          </p:cNvPicPr>
+          <p:nvPr/>
+        </p:nvPicPr>
+        <p:blipFill>
+          <a:blip r:embed="rId6"/>
+          <a:stretch>
+            <a:fillRect/>
+          </a:stretch>
+        </p:blipFill>
+        <p:spPr>
+          <a:xfrm>
+            <a:off x="11055958" y="385312"/>
+            <a:ext cx="705516" cy="897716"/>
+          </a:xfrm>
+          <a:prstGeom prst="rect">
+            <a:avLst/>
+          </a:prstGeom>
+        </p:spPr>
+      </p:pic>
+      <p:pic>
+        <p:nvPicPr>
+          <p:cNvPr id="29" name="Picture 28" descr="Logo&#10;&#10;Description automatically generated">
+            <a:extLst>
+              <a:ext uri="{FF2B5EF4-FFF2-40B4-BE49-F238E27FC236}">
+                <a16:creationId xmlns:a16="http://schemas.microsoft.com/office/drawing/2014/main" id="{AF17C7A3-5E50-46BA-9B87-38A5B47EBC11}"/>
+              </a:ext>
+            </a:extLst>
+          </p:cNvPr>
+          <p:cNvPicPr>
+            <a:picLocks noChangeAspect="1"/>
+          </p:cNvPicPr>
+          <p:nvPr/>
+        </p:nvPicPr>
+        <p:blipFill rotWithShape="1">
+          <a:blip r:embed="rId7"/>
+          <a:srcRect l="9468" t="10171" r="10072" b="16940"/>
+          <a:stretch/>
+        </p:blipFill>
+        <p:spPr>
+          <a:xfrm>
+            <a:off x="10810102" y="3815950"/>
+            <a:ext cx="1197228" cy="1084574"/>
+          </a:xfrm>
+          <a:prstGeom prst="rect">
+            <a:avLst/>
+          </a:prstGeom>
+        </p:spPr>
+      </p:pic>
+    </p:spTree>
+    <p:extLst>
+      <p:ext uri="{BB962C8B-B14F-4D97-AF65-F5344CB8AC3E}">
+        <p14:creationId xmlns:p14="http://schemas.microsoft.com/office/powerpoint/2010/main" val="3010727736"/>
+      </p:ext>
+    </p:extLst>
+  </p:cSld>
+  <p:clrMapOvr>
+    <a:masterClrMapping/>
+  </p:clrMapOvr>
+</p:sld>
+</file>
+
+<file path=ppt/slides/slide4.xml><?xml version="1.0" encoding="utf-8"?>
+<p:sld xmlns:a="http://schemas.openxmlformats.org/drawingml/2006/main" xmlns:r="http://schemas.openxmlformats.org/officeDocument/2006/relationships" xmlns:p="http://schemas.openxmlformats.org/presentationml/2006/main">
+  <p:cSld>
+    <p:bg>
+      <p:bgPr>
+        <a:solidFill>
+          <a:schemeClr val="bg1">
+            <a:lumMod val="85000"/>
+          </a:schemeClr>
+        </a:solidFill>
+        <a:effectLst/>
+      </p:bgPr>
+    </p:bg>
+    <p:spTree>
+      <p:nvGrpSpPr>
+        <p:cNvPr id="1" name=""/>
+        <p:cNvGrpSpPr/>
+        <p:nvPr/>
+      </p:nvGrpSpPr>
+      <p:grpSpPr>
+        <a:xfrm>
+          <a:off x="0" y="0"/>
+          <a:ext cx="0" cy="0"/>
+          <a:chOff x="0" y="0"/>
+          <a:chExt cx="0" cy="0"/>
+        </a:xfrm>
+      </p:grpSpPr>
+      <p:sp>
+        <p:nvSpPr>
+          <p:cNvPr id="25" name="Freeform 40">
+            <a:extLst>
+              <a:ext uri="{FF2B5EF4-FFF2-40B4-BE49-F238E27FC236}">
+                <a16:creationId xmlns:a16="http://schemas.microsoft.com/office/drawing/2014/main" id="{F5AD7A4C-616E-4848-A105-32B263BF3E35}"/>
+              </a:ext>
+            </a:extLst>
+          </p:cNvPr>
+          <p:cNvSpPr>
+            <a:spLocks noChangeArrowheads="1"/>
+          </p:cNvSpPr>
+          <p:nvPr/>
+        </p:nvSpPr>
+        <p:spPr bwMode="auto">
+          <a:xfrm rot="11825610">
+            <a:off x="-4873768" y="-208990"/>
+            <a:ext cx="11767008" cy="5664104"/>
+          </a:xfrm>
+          <a:custGeom>
+            <a:avLst/>
+            <a:gdLst>
+              <a:gd name="connsiteX0" fmla="*/ 11264585 w 23534016"/>
+              <a:gd name="connsiteY0" fmla="*/ 9912566 h 11328207"/>
+              <a:gd name="connsiteX1" fmla="*/ 11605793 w 23534016"/>
+              <a:gd name="connsiteY1" fmla="*/ 10554301 h 11328207"/>
+              <a:gd name="connsiteX2" fmla="*/ 10831887 w 23534016"/>
+              <a:gd name="connsiteY2" fmla="*/ 11328207 h 11328207"/>
+              <a:gd name="connsiteX3" fmla="*/ 10736635 w 23534016"/>
+              <a:gd name="connsiteY3" fmla="*/ 11328207 h 11328207"/>
+              <a:gd name="connsiteX4" fmla="*/ 9962731 w 23534016"/>
+              <a:gd name="connsiteY4" fmla="*/ 10554301 h 11328207"/>
+              <a:gd name="connsiteX5" fmla="*/ 10736635 w 23534016"/>
+              <a:gd name="connsiteY5" fmla="*/ 9780395 h 11328207"/>
+              <a:gd name="connsiteX6" fmla="*/ 10831887 w 23534016"/>
+              <a:gd name="connsiteY6" fmla="*/ 9780395 h 11328207"/>
+              <a:gd name="connsiteX7" fmla="*/ 11264585 w 23534016"/>
+              <a:gd name="connsiteY7" fmla="*/ 9912566 h 11328207"/>
+              <a:gd name="connsiteX8" fmla="*/ 1179542 w 23534016"/>
+              <a:gd name="connsiteY8" fmla="*/ 3328153 h 11328207"/>
+              <a:gd name="connsiteX9" fmla="*/ 1401765 w 23534016"/>
+              <a:gd name="connsiteY9" fmla="*/ 3746104 h 11328207"/>
+              <a:gd name="connsiteX10" fmla="*/ 1401764 w 23534016"/>
+              <a:gd name="connsiteY10" fmla="*/ 3746104 h 11328207"/>
+              <a:gd name="connsiteX11" fmla="*/ 897732 w 23534016"/>
+              <a:gd name="connsiteY11" fmla="*/ 4250136 h 11328207"/>
+              <a:gd name="connsiteX12" fmla="*/ 504033 w 23534016"/>
+              <a:gd name="connsiteY12" fmla="*/ 4250135 h 11328207"/>
+              <a:gd name="connsiteX13" fmla="*/ 1 w 23534016"/>
+              <a:gd name="connsiteY13" fmla="*/ 3746103 h 11328207"/>
+              <a:gd name="connsiteX14" fmla="*/ 0 w 23534016"/>
+              <a:gd name="connsiteY14" fmla="*/ 3746103 h 11328207"/>
+              <a:gd name="connsiteX15" fmla="*/ 504032 w 23534016"/>
+              <a:gd name="connsiteY15" fmla="*/ 3242072 h 11328207"/>
+              <a:gd name="connsiteX16" fmla="*/ 897733 w 23534016"/>
+              <a:gd name="connsiteY16" fmla="*/ 3242072 h 11328207"/>
+              <a:gd name="connsiteX17" fmla="*/ 1179542 w 23534016"/>
+              <a:gd name="connsiteY17" fmla="*/ 3328153 h 11328207"/>
+              <a:gd name="connsiteX18" fmla="*/ 9733515 w 23534016"/>
+              <a:gd name="connsiteY18" fmla="*/ 6613367 h 11328207"/>
+              <a:gd name="connsiteX19" fmla="*/ 9955739 w 23534016"/>
+              <a:gd name="connsiteY19" fmla="*/ 7031319 h 11328207"/>
+              <a:gd name="connsiteX20" fmla="*/ 9955739 w 23534016"/>
+              <a:gd name="connsiteY20" fmla="*/ 7031319 h 11328207"/>
+              <a:gd name="connsiteX21" fmla="*/ 9451707 w 23534016"/>
+              <a:gd name="connsiteY21" fmla="*/ 7535351 h 11328207"/>
+              <a:gd name="connsiteX22" fmla="*/ 9058008 w 23534016"/>
+              <a:gd name="connsiteY22" fmla="*/ 7535350 h 11328207"/>
+              <a:gd name="connsiteX23" fmla="*/ 8553975 w 23534016"/>
+              <a:gd name="connsiteY23" fmla="*/ 7031318 h 11328207"/>
+              <a:gd name="connsiteX24" fmla="*/ 8553975 w 23534016"/>
+              <a:gd name="connsiteY24" fmla="*/ 7031318 h 11328207"/>
+              <a:gd name="connsiteX25" fmla="*/ 9058007 w 23534016"/>
+              <a:gd name="connsiteY25" fmla="*/ 6527286 h 11328207"/>
+              <a:gd name="connsiteX26" fmla="*/ 9451706 w 23534016"/>
+              <a:gd name="connsiteY26" fmla="*/ 6527286 h 11328207"/>
+              <a:gd name="connsiteX27" fmla="*/ 9733515 w 23534016"/>
+              <a:gd name="connsiteY27" fmla="*/ 6613367 h 11328207"/>
+              <a:gd name="connsiteX28" fmla="*/ 8928022 w 23534016"/>
+              <a:gd name="connsiteY28" fmla="*/ 3340367 h 11328207"/>
+              <a:gd name="connsiteX29" fmla="*/ 9150244 w 23534016"/>
+              <a:gd name="connsiteY29" fmla="*/ 3758318 h 11328207"/>
+              <a:gd name="connsiteX30" fmla="*/ 9150244 w 23534016"/>
+              <a:gd name="connsiteY30" fmla="*/ 3758318 h 11328207"/>
+              <a:gd name="connsiteX31" fmla="*/ 8646212 w 23534016"/>
+              <a:gd name="connsiteY31" fmla="*/ 4262350 h 11328207"/>
+              <a:gd name="connsiteX32" fmla="*/ 2350189 w 23534016"/>
+              <a:gd name="connsiteY32" fmla="*/ 4262349 h 11328207"/>
+              <a:gd name="connsiteX33" fmla="*/ 1846156 w 23534016"/>
+              <a:gd name="connsiteY33" fmla="*/ 3758316 h 11328207"/>
+              <a:gd name="connsiteX34" fmla="*/ 1846157 w 23534016"/>
+              <a:gd name="connsiteY34" fmla="*/ 3758317 h 11328207"/>
+              <a:gd name="connsiteX35" fmla="*/ 2350189 w 23534016"/>
+              <a:gd name="connsiteY35" fmla="*/ 3254285 h 11328207"/>
+              <a:gd name="connsiteX36" fmla="*/ 8646213 w 23534016"/>
+              <a:gd name="connsiteY36" fmla="*/ 3254286 h 11328207"/>
+              <a:gd name="connsiteX37" fmla="*/ 8928022 w 23534016"/>
+              <a:gd name="connsiteY37" fmla="*/ 3340367 h 11328207"/>
+              <a:gd name="connsiteX38" fmla="*/ 15324339 w 23534016"/>
+              <a:gd name="connsiteY38" fmla="*/ 6624950 h 11328207"/>
+              <a:gd name="connsiteX39" fmla="*/ 15546562 w 23534016"/>
+              <a:gd name="connsiteY39" fmla="*/ 7042900 h 11328207"/>
+              <a:gd name="connsiteX40" fmla="*/ 15042530 w 23534016"/>
+              <a:gd name="connsiteY40" fmla="*/ 7546931 h 11328207"/>
+              <a:gd name="connsiteX41" fmla="*/ 10905505 w 23534016"/>
+              <a:gd name="connsiteY41" fmla="*/ 7546930 h 11328207"/>
+              <a:gd name="connsiteX42" fmla="*/ 10401474 w 23534016"/>
+              <a:gd name="connsiteY42" fmla="*/ 7042899 h 11328207"/>
+              <a:gd name="connsiteX43" fmla="*/ 10905505 w 23534016"/>
+              <a:gd name="connsiteY43" fmla="*/ 6538868 h 11328207"/>
+              <a:gd name="connsiteX44" fmla="*/ 15042530 w 23534016"/>
+              <a:gd name="connsiteY44" fmla="*/ 6538869 h 11328207"/>
+              <a:gd name="connsiteX45" fmla="*/ 15324339 w 23534016"/>
+              <a:gd name="connsiteY45" fmla="*/ 6624950 h 11328207"/>
+              <a:gd name="connsiteX46" fmla="*/ 23192458 w 23534016"/>
+              <a:gd name="connsiteY46" fmla="*/ 8064785 h 11328207"/>
+              <a:gd name="connsiteX47" fmla="*/ 23534016 w 23534016"/>
+              <a:gd name="connsiteY47" fmla="*/ 8707179 h 11328207"/>
+              <a:gd name="connsiteX48" fmla="*/ 22759316 w 23534016"/>
+              <a:gd name="connsiteY48" fmla="*/ 9481878 h 11328207"/>
+              <a:gd name="connsiteX49" fmla="*/ 8228929 w 23534016"/>
+              <a:gd name="connsiteY49" fmla="*/ 9481877 h 11328207"/>
+              <a:gd name="connsiteX50" fmla="*/ 7454228 w 23534016"/>
+              <a:gd name="connsiteY50" fmla="*/ 8707176 h 11328207"/>
+              <a:gd name="connsiteX51" fmla="*/ 8228928 w 23534016"/>
+              <a:gd name="connsiteY51" fmla="*/ 7932477 h 11328207"/>
+              <a:gd name="connsiteX52" fmla="*/ 22759315 w 23534016"/>
+              <a:gd name="connsiteY52" fmla="*/ 7932478 h 11328207"/>
+              <a:gd name="connsiteX53" fmla="*/ 23192458 w 23534016"/>
+              <a:gd name="connsiteY53" fmla="*/ 8064785 h 11328207"/>
+              <a:gd name="connsiteX54" fmla="*/ 9947589 w 23534016"/>
+              <a:gd name="connsiteY54" fmla="*/ 86081 h 11328207"/>
+              <a:gd name="connsiteX55" fmla="*/ 10169812 w 23534016"/>
+              <a:gd name="connsiteY55" fmla="*/ 504032 h 11328207"/>
+              <a:gd name="connsiteX56" fmla="*/ 10169811 w 23534016"/>
+              <a:gd name="connsiteY56" fmla="*/ 504032 h 11328207"/>
+              <a:gd name="connsiteX57" fmla="*/ 9665779 w 23534016"/>
+              <a:gd name="connsiteY57" fmla="*/ 1008064 h 11328207"/>
+              <a:gd name="connsiteX58" fmla="*/ 2447418 w 23534016"/>
+              <a:gd name="connsiteY58" fmla="*/ 1008063 h 11328207"/>
+              <a:gd name="connsiteX59" fmla="*/ 1943386 w 23534016"/>
+              <a:gd name="connsiteY59" fmla="*/ 504031 h 11328207"/>
+              <a:gd name="connsiteX60" fmla="*/ 1943385 w 23534016"/>
+              <a:gd name="connsiteY60" fmla="*/ 504031 h 11328207"/>
+              <a:gd name="connsiteX61" fmla="*/ 2447417 w 23534016"/>
+              <a:gd name="connsiteY61" fmla="*/ 0 h 11328207"/>
+              <a:gd name="connsiteX62" fmla="*/ 9665780 w 23534016"/>
+              <a:gd name="connsiteY62" fmla="*/ 0 h 11328207"/>
+              <a:gd name="connsiteX63" fmla="*/ 9947589 w 23534016"/>
+              <a:gd name="connsiteY63" fmla="*/ 86081 h 11328207"/>
+              <a:gd name="connsiteX64" fmla="*/ 16576520 w 23534016"/>
+              <a:gd name="connsiteY64" fmla="*/ 3400992 h 11328207"/>
+              <a:gd name="connsiteX65" fmla="*/ 16798742 w 23534016"/>
+              <a:gd name="connsiteY65" fmla="*/ 3818943 h 11328207"/>
+              <a:gd name="connsiteX66" fmla="*/ 16798742 w 23534016"/>
+              <a:gd name="connsiteY66" fmla="*/ 3818943 h 11328207"/>
+              <a:gd name="connsiteX67" fmla="*/ 16294710 w 23534016"/>
+              <a:gd name="connsiteY67" fmla="*/ 4322975 h 11328207"/>
+              <a:gd name="connsiteX68" fmla="*/ 9998686 w 23534016"/>
+              <a:gd name="connsiteY68" fmla="*/ 4322974 h 11328207"/>
+              <a:gd name="connsiteX69" fmla="*/ 9494655 w 23534016"/>
+              <a:gd name="connsiteY69" fmla="*/ 3818942 h 11328207"/>
+              <a:gd name="connsiteX70" fmla="*/ 9494655 w 23534016"/>
+              <a:gd name="connsiteY70" fmla="*/ 3818943 h 11328207"/>
+              <a:gd name="connsiteX71" fmla="*/ 9998687 w 23534016"/>
+              <a:gd name="connsiteY71" fmla="*/ 3314911 h 11328207"/>
+              <a:gd name="connsiteX72" fmla="*/ 16294711 w 23534016"/>
+              <a:gd name="connsiteY72" fmla="*/ 3314911 h 11328207"/>
+              <a:gd name="connsiteX73" fmla="*/ 16576520 w 23534016"/>
+              <a:gd name="connsiteY73" fmla="*/ 3400992 h 11328207"/>
+              <a:gd name="connsiteX74" fmla="*/ 20515471 w 23534016"/>
+              <a:gd name="connsiteY74" fmla="*/ 4777198 h 11328207"/>
+              <a:gd name="connsiteX75" fmla="*/ 20856681 w 23534016"/>
+              <a:gd name="connsiteY75" fmla="*/ 5418935 h 11328207"/>
+              <a:gd name="connsiteX76" fmla="*/ 20856679 w 23534016"/>
+              <a:gd name="connsiteY76" fmla="*/ 5418934 h 11328207"/>
+              <a:gd name="connsiteX77" fmla="*/ 20082773 w 23534016"/>
+              <a:gd name="connsiteY77" fmla="*/ 6192842 h 11328207"/>
+              <a:gd name="connsiteX78" fmla="*/ 3780736 w 23534016"/>
+              <a:gd name="connsiteY78" fmla="*/ 6192840 h 11328207"/>
+              <a:gd name="connsiteX79" fmla="*/ 3006829 w 23534016"/>
+              <a:gd name="connsiteY79" fmla="*/ 5418932 h 11328207"/>
+              <a:gd name="connsiteX80" fmla="*/ 3006829 w 23534016"/>
+              <a:gd name="connsiteY80" fmla="*/ 5418933 h 11328207"/>
+              <a:gd name="connsiteX81" fmla="*/ 3780735 w 23534016"/>
+              <a:gd name="connsiteY81" fmla="*/ 4645026 h 11328207"/>
+              <a:gd name="connsiteX82" fmla="*/ 20082772 w 23534016"/>
+              <a:gd name="connsiteY82" fmla="*/ 4645027 h 11328207"/>
+              <a:gd name="connsiteX83" fmla="*/ 20515471 w 23534016"/>
+              <a:gd name="connsiteY83" fmla="*/ 4777198 h 11328207"/>
+              <a:gd name="connsiteX84" fmla="*/ 15080250 w 23534016"/>
+              <a:gd name="connsiteY84" fmla="*/ 1483266 h 11328207"/>
+              <a:gd name="connsiteX85" fmla="*/ 15421458 w 23534016"/>
+              <a:gd name="connsiteY85" fmla="*/ 2125002 h 11328207"/>
+              <a:gd name="connsiteX86" fmla="*/ 15421458 w 23534016"/>
+              <a:gd name="connsiteY86" fmla="*/ 2125003 h 11328207"/>
+              <a:gd name="connsiteX87" fmla="*/ 14647550 w 23534016"/>
+              <a:gd name="connsiteY87" fmla="*/ 2898909 h 11328207"/>
+              <a:gd name="connsiteX88" fmla="*/ 5471802 w 23534016"/>
+              <a:gd name="connsiteY88" fmla="*/ 2898908 h 11328207"/>
+              <a:gd name="connsiteX89" fmla="*/ 4697895 w 23534016"/>
+              <a:gd name="connsiteY89" fmla="*/ 2125001 h 11328207"/>
+              <a:gd name="connsiteX90" fmla="*/ 4697895 w 23534016"/>
+              <a:gd name="connsiteY90" fmla="*/ 2125002 h 11328207"/>
+              <a:gd name="connsiteX91" fmla="*/ 5471802 w 23534016"/>
+              <a:gd name="connsiteY91" fmla="*/ 1351096 h 11328207"/>
+              <a:gd name="connsiteX92" fmla="*/ 14647551 w 23534016"/>
+              <a:gd name="connsiteY92" fmla="*/ 1351096 h 11328207"/>
+              <a:gd name="connsiteX93" fmla="*/ 15080250 w 23534016"/>
+              <a:gd name="connsiteY93" fmla="*/ 1483266 h 11328207"/>
+            </a:gdLst>
+            <a:ahLst/>
+            <a:cxnLst>
+              <a:cxn ang="0">
+                <a:pos x="connsiteX0" y="connsiteY0"/>
+              </a:cxn>
+              <a:cxn ang="0">
+                <a:pos x="connsiteX1" y="connsiteY1"/>
+              </a:cxn>
+              <a:cxn ang="0">
+                <a:pos x="connsiteX2" y="connsiteY2"/>
+              </a:cxn>
+              <a:cxn ang="0">
+                <a:pos x="connsiteX3" y="connsiteY3"/>
+              </a:cxn>
+              <a:cxn ang="0">
+                <a:pos x="connsiteX4" y="connsiteY4"/>
+              </a:cxn>
+              <a:cxn ang="0">
+                <a:pos x="connsiteX5" y="connsiteY5"/>
+              </a:cxn>
+              <a:cxn ang="0">
+                <a:pos x="connsiteX6" y="connsiteY6"/>
+              </a:cxn>
+              <a:cxn ang="0">
+                <a:pos x="connsiteX7" y="connsiteY7"/>
+              </a:cxn>
+              <a:cxn ang="0">
+                <a:pos x="connsiteX8" y="connsiteY8"/>
+              </a:cxn>
+              <a:cxn ang="0">
+                <a:pos x="connsiteX9" y="connsiteY9"/>
+              </a:cxn>
+              <a:cxn ang="0">
+                <a:pos x="connsiteX10" y="connsiteY10"/>
+              </a:cxn>
+              <a:cxn ang="0">
+                <a:pos x="connsiteX11" y="connsiteY11"/>
+              </a:cxn>
+              <a:cxn ang="0">
+                <a:pos x="connsiteX12" y="connsiteY12"/>
+              </a:cxn>
+              <a:cxn ang="0">
+                <a:pos x="connsiteX13" y="connsiteY13"/>
+              </a:cxn>
+              <a:cxn ang="0">
+                <a:pos x="connsiteX14" y="connsiteY14"/>
+              </a:cxn>
+              <a:cxn ang="0">
+                <a:pos x="connsiteX15" y="connsiteY15"/>
+              </a:cxn>
+              <a:cxn ang="0">
+                <a:pos x="connsiteX16" y="connsiteY16"/>
+              </a:cxn>
+              <a:cxn ang="0">
+                <a:pos x="connsiteX17" y="connsiteY17"/>
+              </a:cxn>
+              <a:cxn ang="0">
+                <a:pos x="connsiteX18" y="connsiteY18"/>
+              </a:cxn>
+              <a:cxn ang="0">
+                <a:pos x="connsiteX19" y="connsiteY19"/>
+              </a:cxn>
+              <a:cxn ang="0">
+                <a:pos x="connsiteX20" y="connsiteY20"/>
+              </a:cxn>
+              <a:cxn ang="0">
+                <a:pos x="connsiteX21" y="connsiteY21"/>
+              </a:cxn>
+              <a:cxn ang="0">
+                <a:pos x="connsiteX22" y="connsiteY22"/>
+              </a:cxn>
+              <a:cxn ang="0">
+                <a:pos x="connsiteX23" y="connsiteY23"/>
+              </a:cxn>
+              <a:cxn ang="0">
+                <a:pos x="connsiteX24" y="connsiteY24"/>
+              </a:cxn>
+              <a:cxn ang="0">
+                <a:pos x="connsiteX25" y="connsiteY25"/>
+              </a:cxn>
+              <a:cxn ang="0">
+                <a:pos x="connsiteX26" y="connsiteY26"/>
+              </a:cxn>
+              <a:cxn ang="0">
+                <a:pos x="connsiteX27" y="connsiteY27"/>
+              </a:cxn>
+              <a:cxn ang="0">
+                <a:pos x="connsiteX28" y="connsiteY28"/>
+              </a:cxn>
+              <a:cxn ang="0">
+                <a:pos x="connsiteX29" y="connsiteY29"/>
+              </a:cxn>
+              <a:cxn ang="0">
+                <a:pos x="connsiteX30" y="connsiteY30"/>
+              </a:cxn>
+              <a:cxn ang="0">
+                <a:pos x="connsiteX31" y="connsiteY31"/>
+              </a:cxn>
+              <a:cxn ang="0">
+                <a:pos x="connsiteX32" y="connsiteY32"/>
+              </a:cxn>
+              <a:cxn ang="0">
+                <a:pos x="connsiteX33" y="connsiteY33"/>
+              </a:cxn>
+              <a:cxn ang="0">
+                <a:pos x="connsiteX34" y="connsiteY34"/>
+              </a:cxn>
+              <a:cxn ang="0">
+                <a:pos x="connsiteX35" y="connsiteY35"/>
+              </a:cxn>
+              <a:cxn ang="0">
+                <a:pos x="connsiteX36" y="connsiteY36"/>
+              </a:cxn>
+              <a:cxn ang="0">
+                <a:pos x="connsiteX37" y="connsiteY37"/>
+              </a:cxn>
+              <a:cxn ang="0">
+                <a:pos x="connsiteX38" y="connsiteY38"/>
+              </a:cxn>
+              <a:cxn ang="0">
+                <a:pos x="connsiteX39" y="connsiteY39"/>
+              </a:cxn>
+              <a:cxn ang="0">
+                <a:pos x="connsiteX40" y="connsiteY40"/>
+              </a:cxn>
+              <a:cxn ang="0">
+                <a:pos x="connsiteX41" y="connsiteY41"/>
+              </a:cxn>
+              <a:cxn ang="0">
+                <a:pos x="connsiteX42" y="connsiteY42"/>
+              </a:cxn>
+              <a:cxn ang="0">
+                <a:pos x="connsiteX43" y="connsiteY43"/>
+              </a:cxn>
+              <a:cxn ang="0">
+                <a:pos x="connsiteX44" y="connsiteY44"/>
+              </a:cxn>
+              <a:cxn ang="0">
+                <a:pos x="connsiteX45" y="connsiteY45"/>
+              </a:cxn>
+              <a:cxn ang="0">
+                <a:pos x="connsiteX46" y="connsiteY46"/>
+              </a:cxn>
+              <a:cxn ang="0">
+                <a:pos x="connsiteX47" y="connsiteY47"/>
+              </a:cxn>
+              <a:cxn ang="0">
+                <a:pos x="connsiteX48" y="connsiteY48"/>
+              </a:cxn>
+              <a:cxn ang="0">
+                <a:pos x="connsiteX49" y="connsiteY49"/>
+              </a:cxn>
+              <a:cxn ang="0">
+                <a:pos x="connsiteX50" y="connsiteY50"/>
+              </a:cxn>
+              <a:cxn ang="0">
+                <a:pos x="connsiteX51" y="connsiteY51"/>
+              </a:cxn>
+              <a:cxn ang="0">
+                <a:pos x="connsiteX52" y="connsiteY52"/>
+              </a:cxn>
+              <a:cxn ang="0">
+                <a:pos x="connsiteX53" y="connsiteY53"/>
+              </a:cxn>
+              <a:cxn ang="0">
+                <a:pos x="connsiteX54" y="connsiteY54"/>
+              </a:cxn>
+              <a:cxn ang="0">
+                <a:pos x="connsiteX55" y="connsiteY55"/>
+              </a:cxn>
+              <a:cxn ang="0">
+                <a:pos x="connsiteX56" y="connsiteY56"/>
+              </a:cxn>
+              <a:cxn ang="0">
+                <a:pos x="connsiteX57" y="connsiteY57"/>
+              </a:cxn>
+              <a:cxn ang="0">
+                <a:pos x="connsiteX58" y="connsiteY58"/>
+              </a:cxn>
+              <a:cxn ang="0">
+                <a:pos x="connsiteX59" y="connsiteY59"/>
+              </a:cxn>
+              <a:cxn ang="0">
+                <a:pos x="connsiteX60" y="connsiteY60"/>
+              </a:cxn>
+              <a:cxn ang="0">
+                <a:pos x="connsiteX61" y="connsiteY61"/>
+              </a:cxn>
+              <a:cxn ang="0">
+                <a:pos x="connsiteX62" y="connsiteY62"/>
+              </a:cxn>
+              <a:cxn ang="0">
+                <a:pos x="connsiteX63" y="connsiteY63"/>
+              </a:cxn>
+              <a:cxn ang="0">
+                <a:pos x="connsiteX64" y="connsiteY64"/>
+              </a:cxn>
+              <a:cxn ang="0">
+                <a:pos x="connsiteX65" y="connsiteY65"/>
+              </a:cxn>
+              <a:cxn ang="0">
+                <a:pos x="connsiteX66" y="connsiteY66"/>
+              </a:cxn>
+              <a:cxn ang="0">
+                <a:pos x="connsiteX67" y="connsiteY67"/>
+              </a:cxn>
+              <a:cxn ang="0">
+                <a:pos x="connsiteX68" y="connsiteY68"/>
+              </a:cxn>
+              <a:cxn ang="0">
+                <a:pos x="connsiteX69" y="connsiteY69"/>
+              </a:cxn>
+              <a:cxn ang="0">
+                <a:pos x="connsiteX70" y="connsiteY70"/>
+              </a:cxn>
+              <a:cxn ang="0">
+                <a:pos x="connsiteX71" y="connsiteY71"/>
+              </a:cxn>
+              <a:cxn ang="0">
+                <a:pos x="connsiteX72" y="connsiteY72"/>
+              </a:cxn>
+              <a:cxn ang="0">
+                <a:pos x="connsiteX73" y="connsiteY73"/>
+              </a:cxn>
+              <a:cxn ang="0">
+                <a:pos x="connsiteX74" y="connsiteY74"/>
+              </a:cxn>
+              <a:cxn ang="0">
+                <a:pos x="connsiteX75" y="connsiteY75"/>
+              </a:cxn>
+              <a:cxn ang="0">
+                <a:pos x="connsiteX76" y="connsiteY76"/>
+              </a:cxn>
+              <a:cxn ang="0">
+                <a:pos x="connsiteX77" y="connsiteY77"/>
+              </a:cxn>
+              <a:cxn ang="0">
+                <a:pos x="connsiteX78" y="connsiteY78"/>
+              </a:cxn>
+              <a:cxn ang="0">
+                <a:pos x="connsiteX79" y="connsiteY79"/>
+              </a:cxn>
+              <a:cxn ang="0">
+                <a:pos x="connsiteX80" y="connsiteY80"/>
+              </a:cxn>
+              <a:cxn ang="0">
+                <a:pos x="connsiteX81" y="connsiteY81"/>
+              </a:cxn>
+              <a:cxn ang="0">
+                <a:pos x="connsiteX82" y="connsiteY82"/>
+              </a:cxn>
+              <a:cxn ang="0">
+                <a:pos x="connsiteX83" y="connsiteY83"/>
+              </a:cxn>
+              <a:cxn ang="0">
+                <a:pos x="connsiteX84" y="connsiteY84"/>
+              </a:cxn>
+              <a:cxn ang="0">
+                <a:pos x="connsiteX85" y="connsiteY85"/>
+              </a:cxn>
+              <a:cxn ang="0">
+                <a:pos x="connsiteX86" y="connsiteY86"/>
+              </a:cxn>
+              <a:cxn ang="0">
+                <a:pos x="connsiteX87" y="connsiteY87"/>
+              </a:cxn>
+              <a:cxn ang="0">
+                <a:pos x="connsiteX88" y="connsiteY88"/>
+              </a:cxn>
+              <a:cxn ang="0">
+                <a:pos x="connsiteX89" y="connsiteY89"/>
+              </a:cxn>
+              <a:cxn ang="0">
+                <a:pos x="connsiteX90" y="connsiteY90"/>
+              </a:cxn>
+              <a:cxn ang="0">
+                <a:pos x="connsiteX91" y="connsiteY91"/>
+              </a:cxn>
+              <a:cxn ang="0">
+                <a:pos x="connsiteX92" y="connsiteY92"/>
+              </a:cxn>
+              <a:cxn ang="0">
+                <a:pos x="connsiteX93" y="connsiteY93"/>
+              </a:cxn>
+            </a:cxnLst>
+            <a:rect l="l" t="t" r="r" b="b"/>
+            <a:pathLst>
+              <a:path w="23534016" h="11328207">
+                <a:moveTo>
+                  <a:pt x="11264585" y="9912566"/>
+                </a:moveTo>
+                <a:cubicBezTo>
+                  <a:pt x="11470444" y="10051642"/>
+                  <a:pt x="11605793" y="10287166"/>
+                  <a:pt x="11605793" y="10554301"/>
+                </a:cubicBezTo>
+                <a:cubicBezTo>
+                  <a:pt x="11605792" y="10981717"/>
+                  <a:pt x="11259303" y="11328207"/>
+                  <a:pt x="10831887" y="11328207"/>
+                </a:cubicBezTo>
+                <a:lnTo>
+                  <a:pt x="10736635" y="11328207"/>
+                </a:lnTo>
+                <a:cubicBezTo>
+                  <a:pt x="10309219" y="11328207"/>
+                  <a:pt x="9962730" y="10981717"/>
+                  <a:pt x="9962731" y="10554301"/>
+                </a:cubicBezTo>
+                <a:cubicBezTo>
+                  <a:pt x="9962730" y="10126885"/>
+                  <a:pt x="10309219" y="9780395"/>
+                  <a:pt x="10736635" y="9780395"/>
+                </a:cubicBezTo>
+                <a:lnTo>
+                  <a:pt x="10831887" y="9780395"/>
+                </a:lnTo>
+                <a:cubicBezTo>
+                  <a:pt x="10992167" y="9780394"/>
+                  <a:pt x="11141068" y="9829120"/>
+                  <a:pt x="11264585" y="9912566"/>
+                </a:cubicBezTo>
+                <a:close/>
+                <a:moveTo>
+                  <a:pt x="1179542" y="3328153"/>
+                </a:moveTo>
+                <a:cubicBezTo>
+                  <a:pt x="1313615" y="3418731"/>
+                  <a:pt x="1401765" y="3572123"/>
+                  <a:pt x="1401765" y="3746104"/>
+                </a:cubicBezTo>
+                <a:lnTo>
+                  <a:pt x="1401764" y="3746104"/>
+                </a:lnTo>
+                <a:cubicBezTo>
+                  <a:pt x="1401764" y="4024473"/>
+                  <a:pt x="1176101" y="4250136"/>
+                  <a:pt x="897732" y="4250136"/>
+                </a:cubicBezTo>
+                <a:lnTo>
+                  <a:pt x="504033" y="4250135"/>
+                </a:lnTo>
+                <a:cubicBezTo>
+                  <a:pt x="225664" y="4250135"/>
+                  <a:pt x="1" y="4024472"/>
+                  <a:pt x="1" y="3746103"/>
+                </a:cubicBezTo>
+                <a:lnTo>
+                  <a:pt x="0" y="3746103"/>
+                </a:lnTo>
+                <a:cubicBezTo>
+                  <a:pt x="1" y="3467734"/>
+                  <a:pt x="225664" y="3242072"/>
+                  <a:pt x="504032" y="3242072"/>
+                </a:cubicBezTo>
+                <a:lnTo>
+                  <a:pt x="897733" y="3242072"/>
+                </a:lnTo>
+                <a:cubicBezTo>
+                  <a:pt x="1002122" y="3242072"/>
+                  <a:pt x="1099098" y="3273806"/>
+                  <a:pt x="1179542" y="3328153"/>
+                </a:cubicBezTo>
+                <a:close/>
+                <a:moveTo>
+                  <a:pt x="9733515" y="6613367"/>
+                </a:moveTo>
+                <a:cubicBezTo>
+                  <a:pt x="9867590" y="6703946"/>
+                  <a:pt x="9955739" y="6857338"/>
+                  <a:pt x="9955739" y="7031319"/>
+                </a:cubicBezTo>
+                <a:lnTo>
+                  <a:pt x="9955739" y="7031319"/>
+                </a:lnTo>
+                <a:cubicBezTo>
+                  <a:pt x="9955739" y="7309688"/>
+                  <a:pt x="9730075" y="7535351"/>
+                  <a:pt x="9451707" y="7535351"/>
+                </a:cubicBezTo>
+                <a:lnTo>
+                  <a:pt x="9058008" y="7535350"/>
+                </a:lnTo>
+                <a:cubicBezTo>
+                  <a:pt x="8779637" y="7535349"/>
+                  <a:pt x="8553975" y="7309687"/>
+                  <a:pt x="8553975" y="7031318"/>
+                </a:cubicBezTo>
+                <a:lnTo>
+                  <a:pt x="8553975" y="7031318"/>
+                </a:lnTo>
+                <a:cubicBezTo>
+                  <a:pt x="8553975" y="6752949"/>
+                  <a:pt x="8779638" y="6527287"/>
+                  <a:pt x="9058007" y="6527286"/>
+                </a:cubicBezTo>
+                <a:lnTo>
+                  <a:pt x="9451706" y="6527286"/>
+                </a:lnTo>
+                <a:cubicBezTo>
+                  <a:pt x="9556095" y="6527286"/>
+                  <a:pt x="9653072" y="6559021"/>
+                  <a:pt x="9733515" y="6613367"/>
+                </a:cubicBezTo>
+                <a:close/>
+                <a:moveTo>
+                  <a:pt x="8928022" y="3340367"/>
+                </a:moveTo>
+                <a:cubicBezTo>
+                  <a:pt x="9062095" y="3430945"/>
+                  <a:pt x="9150244" y="3584337"/>
+                  <a:pt x="9150244" y="3758318"/>
+                </a:cubicBezTo>
+                <a:lnTo>
+                  <a:pt x="9150244" y="3758318"/>
+                </a:lnTo>
+                <a:cubicBezTo>
+                  <a:pt x="9150244" y="4036688"/>
+                  <a:pt x="8924581" y="4262349"/>
+                  <a:pt x="8646212" y="4262350"/>
+                </a:cubicBezTo>
+                <a:lnTo>
+                  <a:pt x="2350189" y="4262349"/>
+                </a:lnTo>
+                <a:cubicBezTo>
+                  <a:pt x="2071819" y="4262349"/>
+                  <a:pt x="1846156" y="4036685"/>
+                  <a:pt x="1846156" y="3758316"/>
+                </a:cubicBezTo>
+                <a:lnTo>
+                  <a:pt x="1846157" y="3758317"/>
+                </a:lnTo>
+                <a:cubicBezTo>
+                  <a:pt x="1846157" y="3479948"/>
+                  <a:pt x="2071820" y="3254286"/>
+                  <a:pt x="2350189" y="3254285"/>
+                </a:cubicBezTo>
+                <a:lnTo>
+                  <a:pt x="8646213" y="3254286"/>
+                </a:lnTo>
+                <a:cubicBezTo>
+                  <a:pt x="8750602" y="3254287"/>
+                  <a:pt x="8847579" y="3286021"/>
+                  <a:pt x="8928022" y="3340367"/>
+                </a:cubicBezTo>
+                <a:close/>
+                <a:moveTo>
+                  <a:pt x="15324339" y="6624950"/>
+                </a:moveTo>
+                <a:cubicBezTo>
+                  <a:pt x="15458413" y="6715527"/>
+                  <a:pt x="15546561" y="6868919"/>
+                  <a:pt x="15546562" y="7042900"/>
+                </a:cubicBezTo>
+                <a:cubicBezTo>
+                  <a:pt x="15546561" y="7321269"/>
+                  <a:pt x="15320899" y="7546930"/>
+                  <a:pt x="15042530" y="7546931"/>
+                </a:cubicBezTo>
+                <a:lnTo>
+                  <a:pt x="10905505" y="7546930"/>
+                </a:lnTo>
+                <a:cubicBezTo>
+                  <a:pt x="10627136" y="7546930"/>
+                  <a:pt x="10401474" y="7321268"/>
+                  <a:pt x="10401474" y="7042899"/>
+                </a:cubicBezTo>
+                <a:cubicBezTo>
+                  <a:pt x="10401474" y="6764530"/>
+                  <a:pt x="10627137" y="6538868"/>
+                  <a:pt x="10905505" y="6538868"/>
+                </a:cubicBezTo>
+                <a:lnTo>
+                  <a:pt x="15042530" y="6538869"/>
+                </a:lnTo>
+                <a:cubicBezTo>
+                  <a:pt x="15146919" y="6538869"/>
+                  <a:pt x="15243896" y="6570603"/>
+                  <a:pt x="15324339" y="6624950"/>
+                </a:cubicBezTo>
+                <a:close/>
+                <a:moveTo>
+                  <a:pt x="23192458" y="8064785"/>
+                </a:moveTo>
+                <a:cubicBezTo>
+                  <a:pt x="23398529" y="8204003"/>
+                  <a:pt x="23534016" y="8439769"/>
+                  <a:pt x="23534016" y="8707179"/>
+                </a:cubicBezTo>
+                <a:cubicBezTo>
+                  <a:pt x="23534016" y="9135034"/>
+                  <a:pt x="23187171" y="9481878"/>
+                  <a:pt x="22759316" y="9481878"/>
+                </a:cubicBezTo>
+                <a:lnTo>
+                  <a:pt x="8228929" y="9481877"/>
+                </a:lnTo>
+                <a:cubicBezTo>
+                  <a:pt x="7801074" y="9481877"/>
+                  <a:pt x="7454229" y="9135032"/>
+                  <a:pt x="7454228" y="8707176"/>
+                </a:cubicBezTo>
+                <a:cubicBezTo>
+                  <a:pt x="7454228" y="8279322"/>
+                  <a:pt x="7801073" y="7932477"/>
+                  <a:pt x="8228928" y="7932477"/>
+                </a:cubicBezTo>
+                <a:lnTo>
+                  <a:pt x="22759315" y="7932478"/>
+                </a:lnTo>
+                <a:cubicBezTo>
+                  <a:pt x="22919760" y="7932478"/>
+                  <a:pt x="23068815" y="7981253"/>
+                  <a:pt x="23192458" y="8064785"/>
+                </a:cubicBezTo>
+                <a:close/>
+                <a:moveTo>
+                  <a:pt x="9947589" y="86081"/>
+                </a:moveTo>
+                <a:cubicBezTo>
+                  <a:pt x="10081663" y="176659"/>
+                  <a:pt x="10169811" y="330051"/>
+                  <a:pt x="10169812" y="504032"/>
+                </a:cubicBezTo>
+                <a:lnTo>
+                  <a:pt x="10169811" y="504032"/>
+                </a:lnTo>
+                <a:cubicBezTo>
+                  <a:pt x="10169811" y="782401"/>
+                  <a:pt x="9944148" y="1008064"/>
+                  <a:pt x="9665779" y="1008064"/>
+                </a:cubicBezTo>
+                <a:lnTo>
+                  <a:pt x="2447418" y="1008063"/>
+                </a:lnTo>
+                <a:cubicBezTo>
+                  <a:pt x="2169048" y="1008062"/>
+                  <a:pt x="1943386" y="782400"/>
+                  <a:pt x="1943386" y="504031"/>
+                </a:cubicBezTo>
+                <a:lnTo>
+                  <a:pt x="1943385" y="504031"/>
+                </a:lnTo>
+                <a:cubicBezTo>
+                  <a:pt x="1943386" y="225663"/>
+                  <a:pt x="2169048" y="0"/>
+                  <a:pt x="2447417" y="0"/>
+                </a:cubicBezTo>
+                <a:lnTo>
+                  <a:pt x="9665780" y="0"/>
+                </a:lnTo>
+                <a:cubicBezTo>
+                  <a:pt x="9770169" y="0"/>
+                  <a:pt x="9867145" y="31734"/>
+                  <a:pt x="9947589" y="86081"/>
+                </a:cubicBezTo>
+                <a:close/>
+                <a:moveTo>
+                  <a:pt x="16576520" y="3400992"/>
+                </a:moveTo>
+                <a:cubicBezTo>
+                  <a:pt x="16710593" y="3491570"/>
+                  <a:pt x="16798742" y="3644962"/>
+                  <a:pt x="16798742" y="3818943"/>
+                </a:cubicBezTo>
+                <a:lnTo>
+                  <a:pt x="16798742" y="3818943"/>
+                </a:lnTo>
+                <a:cubicBezTo>
+                  <a:pt x="16798742" y="4097312"/>
+                  <a:pt x="16573079" y="4322975"/>
+                  <a:pt x="16294710" y="4322975"/>
+                </a:cubicBezTo>
+                <a:lnTo>
+                  <a:pt x="9998686" y="4322974"/>
+                </a:lnTo>
+                <a:cubicBezTo>
+                  <a:pt x="9720318" y="4322974"/>
+                  <a:pt x="9494655" y="4097311"/>
+                  <a:pt x="9494655" y="3818942"/>
+                </a:cubicBezTo>
+                <a:lnTo>
+                  <a:pt x="9494655" y="3818943"/>
+                </a:lnTo>
+                <a:cubicBezTo>
+                  <a:pt x="9494654" y="3540574"/>
+                  <a:pt x="9720318" y="3314911"/>
+                  <a:pt x="9998687" y="3314911"/>
+                </a:cubicBezTo>
+                <a:lnTo>
+                  <a:pt x="16294711" y="3314911"/>
+                </a:lnTo>
+                <a:cubicBezTo>
+                  <a:pt x="16399100" y="3314912"/>
+                  <a:pt x="16496075" y="3346645"/>
+                  <a:pt x="16576520" y="3400992"/>
+                </a:cubicBezTo>
+                <a:close/>
+                <a:moveTo>
+                  <a:pt x="20515471" y="4777198"/>
+                </a:moveTo>
+                <a:cubicBezTo>
+                  <a:pt x="20721332" y="4916275"/>
+                  <a:pt x="20856681" y="5151799"/>
+                  <a:pt x="20856681" y="5418935"/>
+                </a:cubicBezTo>
+                <a:lnTo>
+                  <a:pt x="20856679" y="5418934"/>
+                </a:lnTo>
+                <a:cubicBezTo>
+                  <a:pt x="20856679" y="5846352"/>
+                  <a:pt x="20510189" y="6192842"/>
+                  <a:pt x="20082773" y="6192842"/>
+                </a:cubicBezTo>
+                <a:lnTo>
+                  <a:pt x="3780736" y="6192840"/>
+                </a:lnTo>
+                <a:cubicBezTo>
+                  <a:pt x="3353319" y="6192840"/>
+                  <a:pt x="3006829" y="5846350"/>
+                  <a:pt x="3006829" y="5418932"/>
+                </a:cubicBezTo>
+                <a:lnTo>
+                  <a:pt x="3006829" y="5418933"/>
+                </a:lnTo>
+                <a:cubicBezTo>
+                  <a:pt x="3006829" y="4991516"/>
+                  <a:pt x="3353318" y="4645026"/>
+                  <a:pt x="3780735" y="4645026"/>
+                </a:cubicBezTo>
+                <a:lnTo>
+                  <a:pt x="20082772" y="4645027"/>
+                </a:lnTo>
+                <a:cubicBezTo>
+                  <a:pt x="20243053" y="4645027"/>
+                  <a:pt x="20391954" y="4693752"/>
+                  <a:pt x="20515471" y="4777198"/>
+                </a:cubicBezTo>
+                <a:close/>
+                <a:moveTo>
+                  <a:pt x="15080250" y="1483266"/>
+                </a:moveTo>
+                <a:cubicBezTo>
+                  <a:pt x="15286109" y="1622342"/>
+                  <a:pt x="15421458" y="1857867"/>
+                  <a:pt x="15421458" y="2125002"/>
+                </a:cubicBezTo>
+                <a:lnTo>
+                  <a:pt x="15421458" y="2125003"/>
+                </a:lnTo>
+                <a:cubicBezTo>
+                  <a:pt x="15421458" y="2552420"/>
+                  <a:pt x="15074966" y="2898909"/>
+                  <a:pt x="14647550" y="2898909"/>
+                </a:cubicBezTo>
+                <a:lnTo>
+                  <a:pt x="5471802" y="2898908"/>
+                </a:lnTo>
+                <a:cubicBezTo>
+                  <a:pt x="5044384" y="2898908"/>
+                  <a:pt x="4697895" y="2552418"/>
+                  <a:pt x="4697895" y="2125001"/>
+                </a:cubicBezTo>
+                <a:lnTo>
+                  <a:pt x="4697895" y="2125002"/>
+                </a:lnTo>
+                <a:cubicBezTo>
+                  <a:pt x="4697894" y="1697585"/>
+                  <a:pt x="5044385" y="1351096"/>
+                  <a:pt x="5471802" y="1351096"/>
+                </a:cubicBezTo>
+                <a:lnTo>
+                  <a:pt x="14647551" y="1351096"/>
+                </a:lnTo>
+                <a:cubicBezTo>
+                  <a:pt x="14807834" y="1351096"/>
+                  <a:pt x="14956733" y="1399820"/>
+                  <a:pt x="15080250" y="1483266"/>
+                </a:cubicBezTo>
+                <a:close/>
+              </a:path>
+            </a:pathLst>
+          </a:custGeom>
+          <a:gradFill flip="none" rotWithShape="1">
+            <a:gsLst>
+              <a:gs pos="0">
+                <a:schemeClr val="accent2">
+                  <a:alpha val="27000"/>
+                  <a:lumMod val="0"/>
+                  <a:lumOff val="100000"/>
+                </a:schemeClr>
+              </a:gs>
+              <a:gs pos="100000">
+                <a:schemeClr val="accent2">
+                  <a:lumMod val="52000"/>
+                  <a:lumOff val="48000"/>
+                </a:schemeClr>
+              </a:gs>
+              <a:gs pos="100000">
+                <a:schemeClr val="accent2">
+                  <a:lumMod val="60000"/>
+                </a:schemeClr>
+              </a:gs>
+            </a:gsLst>
+            <a:path path="circle">
+              <a:fillToRect l="50000" t="130000" r="50000" b="-30000"/>
+            </a:path>
+            <a:tileRect/>
+          </a:gradFill>
+          <a:ln>
+            <a:noFill/>
+          </a:ln>
+        </p:spPr>
+        <p:txBody>
+          <a:bodyPr wrap="square" lIns="19050" tIns="19050" rIns="19050" bIns="19050" anchor="ctr">
+            <a:noAutofit/>
+          </a:bodyPr>
+          <a:lstStyle/>
+          <a:p>
+            <a:pPr eaLnBrk="1"/>
+            <a:endParaRPr lang="en-US" altLang="x-none" sz="900"/>
+          </a:p>
+        </p:txBody>
+      </p:sp>
+      <p:sp>
+        <p:nvSpPr>
+          <p:cNvPr id="2" name="Rectangle 1">
+            <a:extLst>
+              <a:ext uri="{FF2B5EF4-FFF2-40B4-BE49-F238E27FC236}">
+                <a16:creationId xmlns:a16="http://schemas.microsoft.com/office/drawing/2014/main" id="{DFB174C4-FD39-4F46-9096-C2FA076FF093}"/>
+              </a:ext>
+            </a:extLst>
+          </p:cNvPr>
+          <p:cNvSpPr/>
+          <p:nvPr/>
+        </p:nvSpPr>
+        <p:spPr>
+          <a:xfrm>
+            <a:off x="3619752" y="118651"/>
+            <a:ext cx="4356100" cy="1106519"/>
+          </a:xfrm>
+          <a:prstGeom prst="rect">
+            <a:avLst/>
+          </a:prstGeom>
+          <a:noFill/>
+          <a:ln>
+            <a:noFill/>
+          </a:ln>
+        </p:spPr>
+        <p:style>
+          <a:lnRef idx="2">
+            <a:schemeClr val="accent1">
+              <a:shade val="50000"/>
+            </a:schemeClr>
+          </a:lnRef>
+          <a:fillRef idx="1">
+            <a:schemeClr val="accent1"/>
+          </a:fillRef>
+          <a:effectRef idx="0">
+            <a:schemeClr val="accent1"/>
+          </a:effectRef>
+          <a:fontRef idx="minor">
+            <a:schemeClr val="lt1"/>
+          </a:fontRef>
+        </p:style>
+        <p:txBody>
+          <a:bodyPr rtlCol="0" anchor="ctr"/>
+          <a:lstStyle/>
+          <a:p>
+            <a:pPr algn="ctr" rtl="1"/>
+            <a:r>
+              <a:rPr lang="ar-SA" sz="6000" dirty="0">
+                <a:solidFill>
+                  <a:schemeClr val="tx1"/>
+                </a:solidFill>
+                <a:latin typeface="GE SS Text Light" panose="020A0503020102020204" pitchFamily="18" charset="-78"/>
+                <a:ea typeface="GE SS Text Light" panose="020A0503020102020204" pitchFamily="18" charset="-78"/>
+                <a:cs typeface="GE SS Text Light" panose="020A0503020102020204" pitchFamily="18" charset="-78"/>
+              </a:rPr>
+              <a:t>الحل  </a:t>
+            </a:r>
+          </a:p>
+        </p:txBody>
+      </p:sp>
+      <p:sp>
+        <p:nvSpPr>
+          <p:cNvPr id="9" name="Rectangle 8">
+            <a:extLst>
+              <a:ext uri="{FF2B5EF4-FFF2-40B4-BE49-F238E27FC236}">
+                <a16:creationId xmlns:a16="http://schemas.microsoft.com/office/drawing/2014/main" id="{7A07C604-7812-4E42-B549-1375235E6F95}"/>
+              </a:ext>
+            </a:extLst>
+          </p:cNvPr>
+          <p:cNvSpPr/>
+          <p:nvPr/>
+        </p:nvSpPr>
+        <p:spPr>
+          <a:xfrm>
+            <a:off x="1762904" y="1060642"/>
+            <a:ext cx="8666191" cy="2329004"/>
+          </a:xfrm>
+          <a:prstGeom prst="rect">
+            <a:avLst/>
+          </a:prstGeom>
+          <a:noFill/>
+          <a:ln>
+            <a:noFill/>
+          </a:ln>
+        </p:spPr>
+        <p:style>
+          <a:lnRef idx="2">
+            <a:schemeClr val="accent1">
+              <a:shade val="50000"/>
+            </a:schemeClr>
+          </a:lnRef>
+          <a:fillRef idx="1">
+            <a:schemeClr val="accent1"/>
+          </a:fillRef>
+          <a:effectRef idx="0">
+            <a:schemeClr val="accent1"/>
+          </a:effectRef>
+          <a:fontRef idx="minor">
+            <a:schemeClr val="lt1"/>
+          </a:fontRef>
+        </p:style>
+        <p:txBody>
+          <a:bodyPr rtlCol="0" anchor="ctr"/>
+          <a:lstStyle/>
+          <a:p>
+            <a:pPr algn="ctr" rtl="1"/>
+            <a:r>
+              <a:rPr lang="ar-SA" sz="3600" dirty="0">
+                <a:solidFill>
+                  <a:srgbClr val="218A3C"/>
+                </a:solidFill>
+                <a:latin typeface="GE SS Text Light" panose="020A0503020102020204" pitchFamily="18" charset="-78"/>
+                <a:ea typeface="GE SS Text Light" panose="020A0503020102020204" pitchFamily="18" charset="-78"/>
+                <a:cs typeface="GE SS Text Light" panose="020A0503020102020204" pitchFamily="18" charset="-78"/>
+              </a:rPr>
+              <a:t>حصر جميع المتشابهات في القرآن الكريم</a:t>
+            </a:r>
+            <a:br>
+              <a:rPr lang="ar-SA" sz="3600" dirty="0">
+                <a:solidFill>
+                  <a:srgbClr val="218A3C"/>
+                </a:solidFill>
+                <a:latin typeface="GE SS Text Light" panose="020A0503020102020204" pitchFamily="18" charset="-78"/>
+                <a:ea typeface="GE SS Text Light" panose="020A0503020102020204" pitchFamily="18" charset="-78"/>
+                <a:cs typeface="GE SS Text Light" panose="020A0503020102020204" pitchFamily="18" charset="-78"/>
+              </a:rPr>
+            </a:br>
+            <a:r>
+              <a:rPr lang="ar-SA" sz="3600" dirty="0">
+                <a:solidFill>
+                  <a:srgbClr val="218A3C"/>
+                </a:solidFill>
+                <a:latin typeface="GE SS Text Light" panose="020A0503020102020204" pitchFamily="18" charset="-78"/>
+                <a:ea typeface="GE SS Text Light" panose="020A0503020102020204" pitchFamily="18" charset="-78"/>
+                <a:cs typeface="GE SS Text Light" panose="020A0503020102020204" pitchFamily="18" charset="-78"/>
+              </a:rPr>
+              <a:t>بالذكاء الاصطناعي أو من خلال الحفاظ لمحاولة ضبطها</a:t>
+            </a:r>
+          </a:p>
+        </p:txBody>
+      </p:sp>
+      <p:cxnSp>
+        <p:nvCxnSpPr>
+          <p:cNvPr id="4" name="Straight Connector 3">
+            <a:extLst>
+              <a:ext uri="{FF2B5EF4-FFF2-40B4-BE49-F238E27FC236}">
+                <a16:creationId xmlns:a16="http://schemas.microsoft.com/office/drawing/2014/main" id="{3B2A0225-A2C0-054A-9D1D-74D3B09A83C6}"/>
+              </a:ext>
+            </a:extLst>
+          </p:cNvPr>
+          <p:cNvCxnSpPr/>
+          <p:nvPr/>
+        </p:nvCxnSpPr>
+        <p:spPr>
+          <a:xfrm flipH="1">
+            <a:off x="3581652" y="1163551"/>
+            <a:ext cx="4213992" cy="0"/>
+          </a:xfrm>
+          <a:prstGeom prst="line">
+            <a:avLst/>
+          </a:prstGeom>
+          <a:ln w="38100"/>
+        </p:spPr>
+        <p:style>
+          <a:lnRef idx="1">
+            <a:schemeClr val="dk1"/>
+          </a:lnRef>
+          <a:fillRef idx="0">
+            <a:schemeClr val="dk1"/>
+          </a:fillRef>
+          <a:effectRef idx="0">
+            <a:schemeClr val="dk1"/>
+          </a:effectRef>
+          <a:fontRef idx="minor">
+            <a:schemeClr val="tx1"/>
+          </a:fontRef>
+        </p:style>
+      </p:cxnSp>
+      <p:sp>
+        <p:nvSpPr>
+          <p:cNvPr id="14" name="Rectangle 13">
+            <a:extLst>
+              <a:ext uri="{FF2B5EF4-FFF2-40B4-BE49-F238E27FC236}">
+                <a16:creationId xmlns:a16="http://schemas.microsoft.com/office/drawing/2014/main" id="{D9CE33BD-EC4A-8040-92FF-551F00E98212}"/>
+              </a:ext>
+            </a:extLst>
+          </p:cNvPr>
+          <p:cNvSpPr/>
+          <p:nvPr/>
+        </p:nvSpPr>
+        <p:spPr>
+          <a:xfrm>
+            <a:off x="3628486" y="3495961"/>
+            <a:ext cx="4356100" cy="972439"/>
+          </a:xfrm>
+          <a:prstGeom prst="rect">
+            <a:avLst/>
+          </a:prstGeom>
+          <a:noFill/>
+          <a:ln>
+            <a:noFill/>
+          </a:ln>
+        </p:spPr>
+        <p:style>
+          <a:lnRef idx="2">
+            <a:schemeClr val="accent1">
+              <a:shade val="50000"/>
+            </a:schemeClr>
+          </a:lnRef>
+          <a:fillRef idx="1">
+            <a:schemeClr val="accent1"/>
+          </a:fillRef>
+          <a:effectRef idx="0">
+            <a:schemeClr val="accent1"/>
+          </a:effectRef>
+          <a:fontRef idx="minor">
+            <a:schemeClr val="lt1"/>
+          </a:fontRef>
+        </p:style>
+        <p:txBody>
+          <a:bodyPr rtlCol="0" anchor="ctr"/>
+          <a:lstStyle/>
+          <a:p>
+            <a:pPr algn="ctr" rtl="1"/>
+            <a:r>
+              <a:rPr lang="en-US" sz="5400" dirty="0">
+                <a:solidFill>
+                  <a:schemeClr val="tx1"/>
+                </a:solidFill>
+                <a:latin typeface="+mj-lt"/>
+                <a:ea typeface="GE SS Text Light" panose="020A0503020102020204" pitchFamily="18" charset="-78"/>
+              </a:rPr>
+              <a:t>The Solution </a:t>
+            </a:r>
+            <a:r>
+              <a:rPr lang="ar-SA" sz="5400" dirty="0">
+                <a:solidFill>
+                  <a:schemeClr val="tx1"/>
+                </a:solidFill>
+                <a:latin typeface="+mj-lt"/>
+                <a:ea typeface="GE SS Text Light" panose="020A0503020102020204" pitchFamily="18" charset="-78"/>
+              </a:rPr>
+              <a:t> </a:t>
+            </a:r>
+          </a:p>
+        </p:txBody>
+      </p:sp>
+      <p:cxnSp>
+        <p:nvCxnSpPr>
+          <p:cNvPr id="20" name="Straight Connector 19">
+            <a:extLst>
+              <a:ext uri="{FF2B5EF4-FFF2-40B4-BE49-F238E27FC236}">
+                <a16:creationId xmlns:a16="http://schemas.microsoft.com/office/drawing/2014/main" id="{5BCEE6FF-D357-9847-9018-50797325B4AA}"/>
+              </a:ext>
+            </a:extLst>
+          </p:cNvPr>
+          <p:cNvCxnSpPr/>
+          <p:nvPr/>
+        </p:nvCxnSpPr>
+        <p:spPr>
+          <a:xfrm flipH="1">
+            <a:off x="3690806" y="4436944"/>
+            <a:ext cx="4213992" cy="0"/>
+          </a:xfrm>
+          <a:prstGeom prst="line">
+            <a:avLst/>
+          </a:prstGeom>
+          <a:ln w="38100"/>
+        </p:spPr>
+        <p:style>
+          <a:lnRef idx="1">
+            <a:schemeClr val="dk1"/>
+          </a:lnRef>
+          <a:fillRef idx="0">
+            <a:schemeClr val="dk1"/>
+          </a:fillRef>
+          <a:effectRef idx="0">
+            <a:schemeClr val="dk1"/>
+          </a:effectRef>
+          <a:fontRef idx="minor">
+            <a:schemeClr val="tx1"/>
+          </a:fontRef>
+        </p:style>
+      </p:cxnSp>
+      <p:sp>
+        <p:nvSpPr>
+          <p:cNvPr id="21" name="Rectangle 20">
+            <a:extLst>
+              <a:ext uri="{FF2B5EF4-FFF2-40B4-BE49-F238E27FC236}">
+                <a16:creationId xmlns:a16="http://schemas.microsoft.com/office/drawing/2014/main" id="{E850945D-78FA-8C4A-9C03-99A901B5EA8A}"/>
+              </a:ext>
+            </a:extLst>
+          </p:cNvPr>
+          <p:cNvSpPr/>
+          <p:nvPr/>
+        </p:nvSpPr>
+        <p:spPr>
+          <a:xfrm>
+            <a:off x="3690806" y="3708591"/>
+            <a:ext cx="4356100" cy="1701800"/>
+          </a:xfrm>
+          <a:prstGeom prst="rect">
+            <a:avLst/>
+          </a:prstGeom>
+          <a:noFill/>
+          <a:ln>
+            <a:noFill/>
+          </a:ln>
+        </p:spPr>
+        <p:style>
+          <a:lnRef idx="2">
+            <a:schemeClr val="accent1">
+              <a:shade val="50000"/>
+            </a:schemeClr>
+          </a:lnRef>
+          <a:fillRef idx="1">
+            <a:schemeClr val="accent1"/>
+          </a:fillRef>
+          <a:effectRef idx="0">
+            <a:schemeClr val="accent1"/>
+          </a:effectRef>
+          <a:fontRef idx="minor">
+            <a:schemeClr val="lt1"/>
+          </a:fontRef>
+        </p:style>
+        <p:txBody>
+          <a:bodyPr rtlCol="0" anchor="ctr"/>
+          <a:lstStyle/>
+          <a:p>
+            <a:pPr algn="ctr" rtl="1"/>
+            <a:endParaRPr lang="ar-SA" sz="3600" dirty="0">
+              <a:solidFill>
+                <a:srgbClr val="218A3C"/>
+              </a:solidFill>
+              <a:latin typeface="Khmer MN" pitchFamily="2" charset="0"/>
+              <a:ea typeface="Ayuthaya" pitchFamily="2" charset="-34"/>
+              <a:cs typeface="Mishafi Gold" pitchFamily="2" charset="-78"/>
+            </a:endParaRPr>
+          </a:p>
+        </p:txBody>
+      </p:sp>
+      <p:sp>
+        <p:nvSpPr>
+          <p:cNvPr id="22" name="Rectangle 21">
+            <a:extLst>
+              <a:ext uri="{FF2B5EF4-FFF2-40B4-BE49-F238E27FC236}">
+                <a16:creationId xmlns:a16="http://schemas.microsoft.com/office/drawing/2014/main" id="{6DD80118-F285-A648-AA07-8633C83B3776}"/>
+              </a:ext>
+            </a:extLst>
+          </p:cNvPr>
+          <p:cNvSpPr/>
+          <p:nvPr/>
+        </p:nvSpPr>
+        <p:spPr>
+          <a:xfrm>
+            <a:off x="1135117" y="4363036"/>
+            <a:ext cx="9175531" cy="2216440"/>
+          </a:xfrm>
+          <a:prstGeom prst="rect">
+            <a:avLst/>
+          </a:prstGeom>
+          <a:noFill/>
+          <a:ln>
+            <a:noFill/>
+          </a:ln>
+        </p:spPr>
+        <p:style>
+          <a:lnRef idx="2">
+            <a:schemeClr val="accent1">
+              <a:shade val="50000"/>
+            </a:schemeClr>
+          </a:lnRef>
+          <a:fillRef idx="1">
+            <a:schemeClr val="accent1"/>
+          </a:fillRef>
+          <a:effectRef idx="0">
+            <a:schemeClr val="accent1"/>
+          </a:effectRef>
+          <a:fontRef idx="minor">
+            <a:schemeClr val="lt1"/>
+          </a:fontRef>
+        </p:style>
+        <p:txBody>
+          <a:bodyPr rtlCol="0" anchor="ctr"/>
+          <a:lstStyle/>
+          <a:p>
+            <a:pPr marL="0" algn="ctr" defTabSz="457200" rtl="1" eaLnBrk="1" latinLnBrk="0" hangingPunct="1"/>
+            <a:r>
+              <a:rPr lang="en-US" sz="3600" dirty="0">
+                <a:solidFill>
+                  <a:srgbClr val="218A3C"/>
+                </a:solidFill>
+                <a:latin typeface="Arial" panose="020B0604020202020204" pitchFamily="34" charset="0"/>
+                <a:ea typeface="GE SS Text Light" panose="020A0503020102020204" pitchFamily="18" charset="-78"/>
+                <a:cs typeface="Arial" panose="020B0604020202020204" pitchFamily="34" charset="0"/>
+              </a:rPr>
+              <a:t>Confining all the similarities in the Holy Quran with artificial intelligence or by Quran memorizers to try to achieve perfection</a:t>
+            </a:r>
+            <a:endParaRPr lang="ar-SA" sz="3600" dirty="0">
+              <a:solidFill>
+                <a:srgbClr val="218A3C"/>
+              </a:solidFill>
+              <a:latin typeface="Arial" panose="020B0604020202020204" pitchFamily="34" charset="0"/>
+              <a:ea typeface="GE SS Text Light" panose="020A0503020102020204" pitchFamily="18" charset="-78"/>
+              <a:cs typeface="Arial" panose="020B0604020202020204" pitchFamily="34" charset="0"/>
+            </a:endParaRPr>
+          </a:p>
+        </p:txBody>
+      </p:sp>
+      <p:pic>
+        <p:nvPicPr>
+          <p:cNvPr id="26" name="Picture 25" descr="Shape&#10;&#10;Description automatically generated">
+            <a:hlinkClick r:id="rId3"/>
+            <a:extLst>
+              <a:ext uri="{FF2B5EF4-FFF2-40B4-BE49-F238E27FC236}">
+                <a16:creationId xmlns:a16="http://schemas.microsoft.com/office/drawing/2014/main" id="{EA275284-B834-4444-849C-7F8C8A57B791}"/>
+              </a:ext>
+            </a:extLst>
+          </p:cNvPr>
+          <p:cNvPicPr>
+            <a:picLocks noChangeAspect="1"/>
+          </p:cNvPicPr>
+          <p:nvPr/>
+        </p:nvPicPr>
+        <p:blipFill>
+          <a:blip r:embed="rId4"/>
+          <a:stretch>
+            <a:fillRect/>
+          </a:stretch>
+        </p:blipFill>
+        <p:spPr>
+          <a:xfrm>
+            <a:off x="11053116" y="5718127"/>
+            <a:ext cx="711200" cy="711200"/>
+          </a:xfrm>
+          <a:prstGeom prst="rect">
+            <a:avLst/>
+          </a:prstGeom>
+        </p:spPr>
+      </p:pic>
+      <p:pic>
+        <p:nvPicPr>
+          <p:cNvPr id="27" name="Picture 26" descr="Logo, company name&#10;&#10;Description automatically generated">
+            <a:extLst>
+              <a:ext uri="{FF2B5EF4-FFF2-40B4-BE49-F238E27FC236}">
+                <a16:creationId xmlns:a16="http://schemas.microsoft.com/office/drawing/2014/main" id="{03A0157B-5608-4C02-A735-65B2407B015C}"/>
+              </a:ext>
+            </a:extLst>
+          </p:cNvPr>
+          <p:cNvPicPr>
+            <a:picLocks noChangeAspect="1"/>
+          </p:cNvPicPr>
+          <p:nvPr/>
+        </p:nvPicPr>
+        <p:blipFill>
+          <a:blip r:embed="rId5"/>
+          <a:stretch>
+            <a:fillRect/>
+          </a:stretch>
+        </p:blipFill>
+        <p:spPr>
+          <a:xfrm>
+            <a:off x="10959858" y="2100631"/>
+            <a:ext cx="897716" cy="897716"/>
+          </a:xfrm>
+          <a:prstGeom prst="rect">
+            <a:avLst/>
+          </a:prstGeom>
+        </p:spPr>
+      </p:pic>
+      <p:pic>
+        <p:nvPicPr>
+          <p:cNvPr id="28" name="Picture 27" descr="Logo&#10;&#10;Description automatically generated">
+            <a:extLst>
+              <a:ext uri="{FF2B5EF4-FFF2-40B4-BE49-F238E27FC236}">
+                <a16:creationId xmlns:a16="http://schemas.microsoft.com/office/drawing/2014/main" id="{91BB94B3-3F3D-4F29-A143-FB2B1CC800ED}"/>
+              </a:ext>
+            </a:extLst>
+          </p:cNvPr>
+          <p:cNvPicPr>
+            <a:picLocks noChangeAspect="1"/>
+          </p:cNvPicPr>
+          <p:nvPr/>
+        </p:nvPicPr>
+        <p:blipFill>
+          <a:blip r:embed="rId6"/>
+          <a:stretch>
+            <a:fillRect/>
+          </a:stretch>
+        </p:blipFill>
+        <p:spPr>
+          <a:xfrm>
+            <a:off x="11055958" y="385312"/>
+            <a:ext cx="705516" cy="897716"/>
+          </a:xfrm>
+          <a:prstGeom prst="rect">
+            <a:avLst/>
+          </a:prstGeom>
+        </p:spPr>
+      </p:pic>
+      <p:pic>
+        <p:nvPicPr>
+          <p:cNvPr id="29" name="Picture 28" descr="Logo&#10;&#10;Description automatically generated">
+            <a:extLst>
+              <a:ext uri="{FF2B5EF4-FFF2-40B4-BE49-F238E27FC236}">
+                <a16:creationId xmlns:a16="http://schemas.microsoft.com/office/drawing/2014/main" id="{AF17C7A3-5E50-46BA-9B87-38A5B47EBC11}"/>
+              </a:ext>
+            </a:extLst>
+          </p:cNvPr>
+          <p:cNvPicPr>
+            <a:picLocks noChangeAspect="1"/>
+          </p:cNvPicPr>
+          <p:nvPr/>
+        </p:nvPicPr>
+        <p:blipFill rotWithShape="1">
+          <a:blip r:embed="rId7"/>
+          <a:srcRect l="9468" t="10171" r="10072" b="16940"/>
+          <a:stretch/>
+        </p:blipFill>
+        <p:spPr>
+          <a:xfrm>
+            <a:off x="10810102" y="3815950"/>
+            <a:ext cx="1197228" cy="1084574"/>
+          </a:xfrm>
+          <a:prstGeom prst="rect">
+            <a:avLst/>
+          </a:prstGeom>
+        </p:spPr>
+      </p:pic>
+    </p:spTree>
+    <p:extLst>
+      <p:ext uri="{BB962C8B-B14F-4D97-AF65-F5344CB8AC3E}">
+        <p14:creationId xmlns:p14="http://schemas.microsoft.com/office/powerpoint/2010/main" val="2045445073"/>
+      </p:ext>
+    </p:extLst>
+  </p:cSld>
+  <p:clrMapOvr>
+    <a:masterClrMapping/>
+  </p:clrMapOvr>
+</p:sld>
+</file>
+
+<file path=ppt/slides/slide5.xml><?xml version="1.0" encoding="utf-8"?>
 <p:sld xmlns:a="http://schemas.openxmlformats.org/drawingml/2006/main" xmlns:r="http://schemas.openxmlformats.org/officeDocument/2006/relationships" xmlns:p="http://schemas.openxmlformats.org/presentationml/2006/main">
   <p:cSld>
     <p:bg>
@@ -9253,7 +13960,7 @@
 </p:sld>
 </file>
 
-<file path=ppt/slides/slide4.xml><?xml version="1.0" encoding="utf-8"?>
+<file path=ppt/slides/slide6.xml><?xml version="1.0" encoding="utf-8"?>
 <p:sld xmlns:a="http://schemas.openxmlformats.org/drawingml/2006/main" xmlns:r="http://schemas.openxmlformats.org/officeDocument/2006/relationships" xmlns:p="http://schemas.openxmlformats.org/presentationml/2006/main">
   <p:cSld>
     <p:bg>
@@ -9282,10 +13989,10 @@
       </p:grpSpPr>
       <p:sp>
         <p:nvSpPr>
-          <p:cNvPr id="25" name="Freeform 40">
+          <p:cNvPr id="21" name="Freeform 40">
             <a:extLst>
               <a:ext uri="{FF2B5EF4-FFF2-40B4-BE49-F238E27FC236}">
-                <a16:creationId xmlns:a16="http://schemas.microsoft.com/office/drawing/2014/main" id="{F5AD7A4C-616E-4848-A105-32B263BF3E35}"/>
+                <a16:creationId xmlns:a16="http://schemas.microsoft.com/office/drawing/2014/main" id="{4E4ED890-91B0-40E2-AA89-6B33845651E5}"/>
               </a:ext>
             </a:extLst>
           </p:cNvPr>
@@ -10217,10 +14924,10 @@
       </p:sp>
       <p:sp>
         <p:nvSpPr>
-          <p:cNvPr id="2" name="Rectangle 1">
+          <p:cNvPr id="9" name="Rectangle 8">
             <a:extLst>
               <a:ext uri="{FF2B5EF4-FFF2-40B4-BE49-F238E27FC236}">
-                <a16:creationId xmlns:a16="http://schemas.microsoft.com/office/drawing/2014/main" id="{DFB174C4-FD39-4F46-9096-C2FA076FF093}"/>
+                <a16:creationId xmlns:a16="http://schemas.microsoft.com/office/drawing/2014/main" id="{7A07C604-7812-4E42-B549-1375235E6F95}"/>
               </a:ext>
             </a:extLst>
           </p:cNvPr>
@@ -10229,8 +14936,82 @@
         </p:nvSpPr>
         <p:spPr>
           <a:xfrm>
-            <a:off x="3548698" y="257160"/>
-            <a:ext cx="4356100" cy="1106519"/>
+            <a:off x="1305778" y="2103057"/>
+            <a:ext cx="9257119" cy="2532006"/>
+          </a:xfrm>
+          <a:prstGeom prst="rect">
+            <a:avLst/>
+          </a:prstGeom>
+          <a:noFill/>
+          <a:ln>
+            <a:noFill/>
+          </a:ln>
+        </p:spPr>
+        <p:style>
+          <a:lnRef idx="2">
+            <a:schemeClr val="accent1">
+              <a:shade val="50000"/>
+            </a:schemeClr>
+          </a:lnRef>
+          <a:fillRef idx="1">
+            <a:schemeClr val="accent1"/>
+          </a:fillRef>
+          <a:effectRef idx="0">
+            <a:schemeClr val="accent1"/>
+          </a:effectRef>
+          <a:fontRef idx="minor">
+            <a:schemeClr val="lt1"/>
+          </a:fontRef>
+        </p:style>
+        <p:txBody>
+          <a:bodyPr rtlCol="0" anchor="ctr"/>
+          <a:lstStyle/>
+          <a:p>
+            <a:pPr marL="0" algn="ctr" defTabSz="457200" rtl="1" eaLnBrk="1" latinLnBrk="0" hangingPunct="1"/>
+            <a:r>
+              <a:rPr lang="ar-SA" sz="3600" dirty="0">
+                <a:solidFill>
+                  <a:srgbClr val="218A3C"/>
+                </a:solidFill>
+                <a:latin typeface="GE SS Text Light" panose="020A0503020102020204" pitchFamily="18" charset="-78"/>
+                <a:ea typeface="GE SS Text Light" panose="020A0503020102020204" pitchFamily="18" charset="-78"/>
+                <a:cs typeface="GE SS Text Light" panose="020A0503020102020204" pitchFamily="18" charset="-78"/>
+              </a:rPr>
+              <a:t>برنامج يستخدم منهجية تشابه الكلمات والجمل والآيات في القران ليسهل ضبط المتشابه لمساعدة حفاظ كتاب الله على الإتقان</a:t>
+            </a:r>
+          </a:p>
+          <a:p>
+            <a:pPr marL="0" algn="ctr" defTabSz="457200" rtl="1" eaLnBrk="1" latinLnBrk="0" hangingPunct="1"/>
+            <a:r>
+              <a:rPr lang="ar-SA" sz="3600" dirty="0">
+                <a:solidFill>
+                  <a:srgbClr val="218A3C"/>
+                </a:solidFill>
+                <a:latin typeface="GE SS Text Light" panose="020A0503020102020204" pitchFamily="18" charset="-78"/>
+                <a:ea typeface="GE SS Text Light" panose="020A0503020102020204" pitchFamily="18" charset="-78"/>
+                <a:cs typeface="GE SS Text Light" panose="020A0503020102020204" pitchFamily="18" charset="-78"/>
+              </a:rPr>
+              <a:t>من خلال واجهة تفاعلية تدعم عشر لغات</a:t>
+            </a:r>
+          </a:p>
+        </p:txBody>
+      </p:sp>
+      <p:sp>
+        <p:nvSpPr>
+          <p:cNvPr id="19" name="Rectangle 18">
+            <a:extLst>
+              <a:ext uri="{FF2B5EF4-FFF2-40B4-BE49-F238E27FC236}">
+                <a16:creationId xmlns:a16="http://schemas.microsoft.com/office/drawing/2014/main" id="{9E756055-48DE-894C-A32E-582C46A6FE43}"/>
+              </a:ext>
+            </a:extLst>
+          </p:cNvPr>
+          <p:cNvSpPr/>
+          <p:nvPr/>
+        </p:nvSpPr>
+        <p:spPr>
+          <a:xfrm>
+            <a:off x="3345278" y="5463225"/>
+            <a:ext cx="5501443" cy="647700"/>
           </a:xfrm>
           <a:prstGeom prst="rect">
             <a:avLst/>
@@ -10262,1576 +15043,7 @@
           <a:p>
             <a:pPr algn="ctr" rtl="1"/>
             <a:r>
-              <a:rPr lang="ar-SA" sz="6000" dirty="0">
-                <a:solidFill>
-                  <a:schemeClr val="tx1"/>
-                </a:solidFill>
-                <a:latin typeface="GE SS Text Light" panose="020A0503020102020204" pitchFamily="18" charset="-78"/>
-                <a:ea typeface="GE SS Text Light" panose="020A0503020102020204" pitchFamily="18" charset="-78"/>
-                <a:cs typeface="GE SS Text Light" panose="020A0503020102020204" pitchFamily="18" charset="-78"/>
-              </a:rPr>
-              <a:t>المشكلة </a:t>
-            </a:r>
-          </a:p>
-        </p:txBody>
-      </p:sp>
-      <p:sp>
-        <p:nvSpPr>
-          <p:cNvPr id="9" name="Rectangle 8">
-            <a:extLst>
-              <a:ext uri="{FF2B5EF4-FFF2-40B4-BE49-F238E27FC236}">
-                <a16:creationId xmlns:a16="http://schemas.microsoft.com/office/drawing/2014/main" id="{7A07C604-7812-4E42-B549-1375235E6F95}"/>
-              </a:ext>
-            </a:extLst>
-          </p:cNvPr>
-          <p:cNvSpPr/>
-          <p:nvPr/>
-        </p:nvSpPr>
-        <p:spPr>
-          <a:xfrm>
-            <a:off x="2416721" y="825107"/>
-            <a:ext cx="6880091" cy="2329004"/>
-          </a:xfrm>
-          <a:prstGeom prst="rect">
-            <a:avLst/>
-          </a:prstGeom>
-          <a:noFill/>
-          <a:ln>
-            <a:noFill/>
-          </a:ln>
-        </p:spPr>
-        <p:style>
-          <a:lnRef idx="2">
-            <a:schemeClr val="accent1">
-              <a:shade val="50000"/>
-            </a:schemeClr>
-          </a:lnRef>
-          <a:fillRef idx="1">
-            <a:schemeClr val="accent1"/>
-          </a:fillRef>
-          <a:effectRef idx="0">
-            <a:schemeClr val="accent1"/>
-          </a:effectRef>
-          <a:fontRef idx="minor">
-            <a:schemeClr val="lt1"/>
-          </a:fontRef>
-        </p:style>
-        <p:txBody>
-          <a:bodyPr rtlCol="0" anchor="ctr"/>
-          <a:lstStyle/>
-          <a:p>
-            <a:pPr algn="ctr" rtl="1"/>
-            <a:r>
-              <a:rPr lang="ar-SA" sz="3600" dirty="0">
-                <a:solidFill>
-                  <a:srgbClr val="218A3C"/>
-                </a:solidFill>
-                <a:latin typeface="GE SS Text Light" panose="020A0503020102020204" pitchFamily="18" charset="-78"/>
-                <a:ea typeface="GE SS Text Light" panose="020A0503020102020204" pitchFamily="18" charset="-78"/>
-                <a:cs typeface="GE SS Text Light" panose="020A0503020102020204" pitchFamily="18" charset="-78"/>
-              </a:rPr>
-              <a:t>وجود لبس عند تسميع آيات لها آيات مشابهة في القران الكريم </a:t>
-            </a:r>
-          </a:p>
-        </p:txBody>
-      </p:sp>
-      <p:cxnSp>
-        <p:nvCxnSpPr>
-          <p:cNvPr id="4" name="Straight Connector 3">
-            <a:extLst>
-              <a:ext uri="{FF2B5EF4-FFF2-40B4-BE49-F238E27FC236}">
-                <a16:creationId xmlns:a16="http://schemas.microsoft.com/office/drawing/2014/main" id="{3B2A0225-A2C0-054A-9D1D-74D3B09A83C6}"/>
-              </a:ext>
-            </a:extLst>
-          </p:cNvPr>
-          <p:cNvCxnSpPr/>
-          <p:nvPr/>
-        </p:nvCxnSpPr>
-        <p:spPr>
-          <a:xfrm flipH="1">
-            <a:off x="3581652" y="1163551"/>
-            <a:ext cx="4213992" cy="0"/>
-          </a:xfrm>
-          <a:prstGeom prst="line">
-            <a:avLst/>
-          </a:prstGeom>
-          <a:ln w="38100"/>
-        </p:spPr>
-        <p:style>
-          <a:lnRef idx="1">
-            <a:schemeClr val="dk1"/>
-          </a:lnRef>
-          <a:fillRef idx="0">
-            <a:schemeClr val="dk1"/>
-          </a:fillRef>
-          <a:effectRef idx="0">
-            <a:schemeClr val="dk1"/>
-          </a:effectRef>
-          <a:fontRef idx="minor">
-            <a:schemeClr val="tx1"/>
-          </a:fontRef>
-        </p:style>
-      </p:cxnSp>
-      <p:sp>
-        <p:nvSpPr>
-          <p:cNvPr id="14" name="Rectangle 13">
-            <a:extLst>
-              <a:ext uri="{FF2B5EF4-FFF2-40B4-BE49-F238E27FC236}">
-                <a16:creationId xmlns:a16="http://schemas.microsoft.com/office/drawing/2014/main" id="{D9CE33BD-EC4A-8040-92FF-551F00E98212}"/>
-              </a:ext>
-            </a:extLst>
-          </p:cNvPr>
-          <p:cNvSpPr/>
-          <p:nvPr/>
-        </p:nvSpPr>
-        <p:spPr>
-          <a:xfrm>
-            <a:off x="3628486" y="3495961"/>
-            <a:ext cx="4356100" cy="972439"/>
-          </a:xfrm>
-          <a:prstGeom prst="rect">
-            <a:avLst/>
-          </a:prstGeom>
-          <a:noFill/>
-          <a:ln>
-            <a:noFill/>
-          </a:ln>
-        </p:spPr>
-        <p:style>
-          <a:lnRef idx="2">
-            <a:schemeClr val="accent1">
-              <a:shade val="50000"/>
-            </a:schemeClr>
-          </a:lnRef>
-          <a:fillRef idx="1">
-            <a:schemeClr val="accent1"/>
-          </a:fillRef>
-          <a:effectRef idx="0">
-            <a:schemeClr val="accent1"/>
-          </a:effectRef>
-          <a:fontRef idx="minor">
-            <a:schemeClr val="lt1"/>
-          </a:fontRef>
-        </p:style>
-        <p:txBody>
-          <a:bodyPr rtlCol="0" anchor="ctr"/>
-          <a:lstStyle/>
-          <a:p>
-            <a:pPr algn="ctr" rtl="1"/>
-            <a:r>
-              <a:rPr lang="ar-SA" sz="6000" dirty="0">
-                <a:solidFill>
-                  <a:schemeClr val="tx1"/>
-                </a:solidFill>
-                <a:latin typeface="GE SS Text Light" panose="020A0503020102020204" pitchFamily="18" charset="-78"/>
-                <a:ea typeface="GE SS Text Light" panose="020A0503020102020204" pitchFamily="18" charset="-78"/>
-                <a:cs typeface="GE SS Text Light" panose="020A0503020102020204" pitchFamily="18" charset="-78"/>
-              </a:rPr>
-              <a:t>الحل </a:t>
-            </a:r>
-          </a:p>
-        </p:txBody>
-      </p:sp>
-      <p:cxnSp>
-        <p:nvCxnSpPr>
-          <p:cNvPr id="20" name="Straight Connector 19">
-            <a:extLst>
-              <a:ext uri="{FF2B5EF4-FFF2-40B4-BE49-F238E27FC236}">
-                <a16:creationId xmlns:a16="http://schemas.microsoft.com/office/drawing/2014/main" id="{5BCEE6FF-D357-9847-9018-50797325B4AA}"/>
-              </a:ext>
-            </a:extLst>
-          </p:cNvPr>
-          <p:cNvCxnSpPr/>
-          <p:nvPr/>
-        </p:nvCxnSpPr>
-        <p:spPr>
-          <a:xfrm flipH="1">
-            <a:off x="3690806" y="4436944"/>
-            <a:ext cx="4213992" cy="0"/>
-          </a:xfrm>
-          <a:prstGeom prst="line">
-            <a:avLst/>
-          </a:prstGeom>
-          <a:ln w="38100"/>
-        </p:spPr>
-        <p:style>
-          <a:lnRef idx="1">
-            <a:schemeClr val="dk1"/>
-          </a:lnRef>
-          <a:fillRef idx="0">
-            <a:schemeClr val="dk1"/>
-          </a:fillRef>
-          <a:effectRef idx="0">
-            <a:schemeClr val="dk1"/>
-          </a:effectRef>
-          <a:fontRef idx="minor">
-            <a:schemeClr val="tx1"/>
-          </a:fontRef>
-        </p:style>
-      </p:cxnSp>
-      <p:sp>
-        <p:nvSpPr>
-          <p:cNvPr id="21" name="Rectangle 20">
-            <a:extLst>
-              <a:ext uri="{FF2B5EF4-FFF2-40B4-BE49-F238E27FC236}">
-                <a16:creationId xmlns:a16="http://schemas.microsoft.com/office/drawing/2014/main" id="{E850945D-78FA-8C4A-9C03-99A901B5EA8A}"/>
-              </a:ext>
-            </a:extLst>
-          </p:cNvPr>
-          <p:cNvSpPr/>
-          <p:nvPr/>
-        </p:nvSpPr>
-        <p:spPr>
-          <a:xfrm>
-            <a:off x="3690806" y="3708591"/>
-            <a:ext cx="4356100" cy="1701800"/>
-          </a:xfrm>
-          <a:prstGeom prst="rect">
-            <a:avLst/>
-          </a:prstGeom>
-          <a:noFill/>
-          <a:ln>
-            <a:noFill/>
-          </a:ln>
-        </p:spPr>
-        <p:style>
-          <a:lnRef idx="2">
-            <a:schemeClr val="accent1">
-              <a:shade val="50000"/>
-            </a:schemeClr>
-          </a:lnRef>
-          <a:fillRef idx="1">
-            <a:schemeClr val="accent1"/>
-          </a:fillRef>
-          <a:effectRef idx="0">
-            <a:schemeClr val="accent1"/>
-          </a:effectRef>
-          <a:fontRef idx="minor">
-            <a:schemeClr val="lt1"/>
-          </a:fontRef>
-        </p:style>
-        <p:txBody>
-          <a:bodyPr rtlCol="0" anchor="ctr"/>
-          <a:lstStyle/>
-          <a:p>
-            <a:pPr algn="ctr" rtl="1"/>
-            <a:endParaRPr lang="ar-SA" sz="3600" dirty="0">
-              <a:solidFill>
-                <a:srgbClr val="218A3C"/>
-              </a:solidFill>
-              <a:latin typeface="Khmer MN" pitchFamily="2" charset="0"/>
-              <a:ea typeface="Ayuthaya" pitchFamily="2" charset="-34"/>
-              <a:cs typeface="Mishafi Gold" pitchFamily="2" charset="-78"/>
-            </a:endParaRPr>
-          </a:p>
-        </p:txBody>
-      </p:sp>
-      <p:sp>
-        <p:nvSpPr>
-          <p:cNvPr id="22" name="Rectangle 21">
-            <a:extLst>
-              <a:ext uri="{FF2B5EF4-FFF2-40B4-BE49-F238E27FC236}">
-                <a16:creationId xmlns:a16="http://schemas.microsoft.com/office/drawing/2014/main" id="{6DD80118-F285-A648-AA07-8633C83B3776}"/>
-              </a:ext>
-            </a:extLst>
-          </p:cNvPr>
-          <p:cNvSpPr/>
-          <p:nvPr/>
-        </p:nvSpPr>
-        <p:spPr>
-          <a:xfrm>
-            <a:off x="2103120" y="4363036"/>
-            <a:ext cx="7272228" cy="2094711"/>
-          </a:xfrm>
-          <a:prstGeom prst="rect">
-            <a:avLst/>
-          </a:prstGeom>
-          <a:noFill/>
-          <a:ln>
-            <a:noFill/>
-          </a:ln>
-        </p:spPr>
-        <p:style>
-          <a:lnRef idx="2">
-            <a:schemeClr val="accent1">
-              <a:shade val="50000"/>
-            </a:schemeClr>
-          </a:lnRef>
-          <a:fillRef idx="1">
-            <a:schemeClr val="accent1"/>
-          </a:fillRef>
-          <a:effectRef idx="0">
-            <a:schemeClr val="accent1"/>
-          </a:effectRef>
-          <a:fontRef idx="minor">
-            <a:schemeClr val="lt1"/>
-          </a:fontRef>
-        </p:style>
-        <p:txBody>
-          <a:bodyPr rtlCol="0" anchor="ctr"/>
-          <a:lstStyle/>
-          <a:p>
-            <a:pPr algn="ctr" rtl="1"/>
-            <a:r>
-              <a:rPr lang="ar-SA" sz="3600" dirty="0">
-                <a:solidFill>
-                  <a:srgbClr val="218A3C"/>
-                </a:solidFill>
-                <a:latin typeface="GE SS Text Light" panose="020A0503020102020204" pitchFamily="18" charset="-78"/>
-                <a:ea typeface="GE SS Text Light" panose="020A0503020102020204" pitchFamily="18" charset="-78"/>
-                <a:cs typeface="GE SS Text Light" panose="020A0503020102020204" pitchFamily="18" charset="-78"/>
-              </a:rPr>
-              <a:t>حصر جميع المتشابهات في القرآن الكريم</a:t>
-            </a:r>
-            <a:br>
-              <a:rPr lang="ar-SA" sz="3600" dirty="0">
-                <a:solidFill>
-                  <a:srgbClr val="218A3C"/>
-                </a:solidFill>
-                <a:latin typeface="GE SS Text Light" panose="020A0503020102020204" pitchFamily="18" charset="-78"/>
-                <a:ea typeface="GE SS Text Light" panose="020A0503020102020204" pitchFamily="18" charset="-78"/>
-                <a:cs typeface="GE SS Text Light" panose="020A0503020102020204" pitchFamily="18" charset="-78"/>
-              </a:rPr>
-            </a:br>
-            <a:r>
-              <a:rPr lang="ar-SA" sz="3600" dirty="0">
-                <a:solidFill>
-                  <a:srgbClr val="218A3C"/>
-                </a:solidFill>
-                <a:latin typeface="GE SS Text Light" panose="020A0503020102020204" pitchFamily="18" charset="-78"/>
-                <a:ea typeface="GE SS Text Light" panose="020A0503020102020204" pitchFamily="18" charset="-78"/>
-                <a:cs typeface="GE SS Text Light" panose="020A0503020102020204" pitchFamily="18" charset="-78"/>
-              </a:rPr>
-              <a:t>بالذكاء الاصطناعي أو من خلال الحفاظ لمحاولة ضبطها</a:t>
-            </a:r>
-          </a:p>
-        </p:txBody>
-      </p:sp>
-      <p:pic>
-        <p:nvPicPr>
-          <p:cNvPr id="26" name="Picture 25" descr="Shape&#10;&#10;Description automatically generated">
-            <a:hlinkClick r:id="rId3"/>
-            <a:extLst>
-              <a:ext uri="{FF2B5EF4-FFF2-40B4-BE49-F238E27FC236}">
-                <a16:creationId xmlns:a16="http://schemas.microsoft.com/office/drawing/2014/main" id="{EA275284-B834-4444-849C-7F8C8A57B791}"/>
-              </a:ext>
-            </a:extLst>
-          </p:cNvPr>
-          <p:cNvPicPr>
-            <a:picLocks noChangeAspect="1"/>
-          </p:cNvPicPr>
-          <p:nvPr/>
-        </p:nvPicPr>
-        <p:blipFill>
-          <a:blip r:embed="rId4"/>
-          <a:stretch>
-            <a:fillRect/>
-          </a:stretch>
-        </p:blipFill>
-        <p:spPr>
-          <a:xfrm>
-            <a:off x="11053116" y="5718127"/>
-            <a:ext cx="711200" cy="711200"/>
-          </a:xfrm>
-          <a:prstGeom prst="rect">
-            <a:avLst/>
-          </a:prstGeom>
-        </p:spPr>
-      </p:pic>
-      <p:pic>
-        <p:nvPicPr>
-          <p:cNvPr id="27" name="Picture 26" descr="Logo, company name&#10;&#10;Description automatically generated">
-            <a:extLst>
-              <a:ext uri="{FF2B5EF4-FFF2-40B4-BE49-F238E27FC236}">
-                <a16:creationId xmlns:a16="http://schemas.microsoft.com/office/drawing/2014/main" id="{03A0157B-5608-4C02-A735-65B2407B015C}"/>
-              </a:ext>
-            </a:extLst>
-          </p:cNvPr>
-          <p:cNvPicPr>
-            <a:picLocks noChangeAspect="1"/>
-          </p:cNvPicPr>
-          <p:nvPr/>
-        </p:nvPicPr>
-        <p:blipFill>
-          <a:blip r:embed="rId5"/>
-          <a:stretch>
-            <a:fillRect/>
-          </a:stretch>
-        </p:blipFill>
-        <p:spPr>
-          <a:xfrm>
-            <a:off x="10959858" y="2100631"/>
-            <a:ext cx="897716" cy="897716"/>
-          </a:xfrm>
-          <a:prstGeom prst="rect">
-            <a:avLst/>
-          </a:prstGeom>
-        </p:spPr>
-      </p:pic>
-      <p:pic>
-        <p:nvPicPr>
-          <p:cNvPr id="28" name="Picture 27" descr="Logo&#10;&#10;Description automatically generated">
-            <a:extLst>
-              <a:ext uri="{FF2B5EF4-FFF2-40B4-BE49-F238E27FC236}">
-                <a16:creationId xmlns:a16="http://schemas.microsoft.com/office/drawing/2014/main" id="{91BB94B3-3F3D-4F29-A143-FB2B1CC800ED}"/>
-              </a:ext>
-            </a:extLst>
-          </p:cNvPr>
-          <p:cNvPicPr>
-            <a:picLocks noChangeAspect="1"/>
-          </p:cNvPicPr>
-          <p:nvPr/>
-        </p:nvPicPr>
-        <p:blipFill>
-          <a:blip r:embed="rId6"/>
-          <a:stretch>
-            <a:fillRect/>
-          </a:stretch>
-        </p:blipFill>
-        <p:spPr>
-          <a:xfrm>
-            <a:off x="11055958" y="385312"/>
-            <a:ext cx="705516" cy="897716"/>
-          </a:xfrm>
-          <a:prstGeom prst="rect">
-            <a:avLst/>
-          </a:prstGeom>
-        </p:spPr>
-      </p:pic>
-      <p:pic>
-        <p:nvPicPr>
-          <p:cNvPr id="29" name="Picture 28" descr="Logo&#10;&#10;Description automatically generated">
-            <a:extLst>
-              <a:ext uri="{FF2B5EF4-FFF2-40B4-BE49-F238E27FC236}">
-                <a16:creationId xmlns:a16="http://schemas.microsoft.com/office/drawing/2014/main" id="{AF17C7A3-5E50-46BA-9B87-38A5B47EBC11}"/>
-              </a:ext>
-            </a:extLst>
-          </p:cNvPr>
-          <p:cNvPicPr>
-            <a:picLocks noChangeAspect="1"/>
-          </p:cNvPicPr>
-          <p:nvPr/>
-        </p:nvPicPr>
-        <p:blipFill rotWithShape="1">
-          <a:blip r:embed="rId7"/>
-          <a:srcRect l="9468" t="10171" r="10072" b="16940"/>
-          <a:stretch/>
-        </p:blipFill>
-        <p:spPr>
-          <a:xfrm>
-            <a:off x="10810102" y="3815950"/>
-            <a:ext cx="1197228" cy="1084574"/>
-          </a:xfrm>
-          <a:prstGeom prst="rect">
-            <a:avLst/>
-          </a:prstGeom>
-        </p:spPr>
-      </p:pic>
-    </p:spTree>
-    <p:extLst>
-      <p:ext uri="{BB962C8B-B14F-4D97-AF65-F5344CB8AC3E}">
-        <p14:creationId xmlns:p14="http://schemas.microsoft.com/office/powerpoint/2010/main" val="3010727736"/>
-      </p:ext>
-    </p:extLst>
-  </p:cSld>
-  <p:clrMapOvr>
-    <a:masterClrMapping/>
-  </p:clrMapOvr>
-</p:sld>
-</file>
-
-<file path=ppt/slides/slide5.xml><?xml version="1.0" encoding="utf-8"?>
-<p:sld xmlns:a="http://schemas.openxmlformats.org/drawingml/2006/main" xmlns:r="http://schemas.openxmlformats.org/officeDocument/2006/relationships" xmlns:p="http://schemas.openxmlformats.org/presentationml/2006/main">
-  <p:cSld>
-    <p:bg>
-      <p:bgPr>
-        <a:solidFill>
-          <a:schemeClr val="bg1">
-            <a:lumMod val="85000"/>
-          </a:schemeClr>
-        </a:solidFill>
-        <a:effectLst/>
-      </p:bgPr>
-    </p:bg>
-    <p:spTree>
-      <p:nvGrpSpPr>
-        <p:cNvPr id="1" name=""/>
-        <p:cNvGrpSpPr/>
-        <p:nvPr/>
-      </p:nvGrpSpPr>
-      <p:grpSpPr>
-        <a:xfrm>
-          <a:off x="0" y="0"/>
-          <a:ext cx="0" cy="0"/>
-          <a:chOff x="0" y="0"/>
-          <a:chExt cx="0" cy="0"/>
-        </a:xfrm>
-      </p:grpSpPr>
-      <p:sp>
-        <p:nvSpPr>
-          <p:cNvPr id="21" name="Freeform 40">
-            <a:extLst>
-              <a:ext uri="{FF2B5EF4-FFF2-40B4-BE49-F238E27FC236}">
-                <a16:creationId xmlns:a16="http://schemas.microsoft.com/office/drawing/2014/main" id="{6EF4FE6B-235A-41A3-98BE-C7F41C2ED78D}"/>
-              </a:ext>
-            </a:extLst>
-          </p:cNvPr>
-          <p:cNvSpPr>
-            <a:spLocks noChangeArrowheads="1"/>
-          </p:cNvSpPr>
-          <p:nvPr/>
-        </p:nvSpPr>
-        <p:spPr bwMode="auto">
-          <a:xfrm rot="11825610">
-            <a:off x="-4873768" y="-208990"/>
-            <a:ext cx="11767008" cy="5664104"/>
-          </a:xfrm>
-          <a:custGeom>
-            <a:avLst/>
-            <a:gdLst>
-              <a:gd name="connsiteX0" fmla="*/ 11264585 w 23534016"/>
-              <a:gd name="connsiteY0" fmla="*/ 9912566 h 11328207"/>
-              <a:gd name="connsiteX1" fmla="*/ 11605793 w 23534016"/>
-              <a:gd name="connsiteY1" fmla="*/ 10554301 h 11328207"/>
-              <a:gd name="connsiteX2" fmla="*/ 10831887 w 23534016"/>
-              <a:gd name="connsiteY2" fmla="*/ 11328207 h 11328207"/>
-              <a:gd name="connsiteX3" fmla="*/ 10736635 w 23534016"/>
-              <a:gd name="connsiteY3" fmla="*/ 11328207 h 11328207"/>
-              <a:gd name="connsiteX4" fmla="*/ 9962731 w 23534016"/>
-              <a:gd name="connsiteY4" fmla="*/ 10554301 h 11328207"/>
-              <a:gd name="connsiteX5" fmla="*/ 10736635 w 23534016"/>
-              <a:gd name="connsiteY5" fmla="*/ 9780395 h 11328207"/>
-              <a:gd name="connsiteX6" fmla="*/ 10831887 w 23534016"/>
-              <a:gd name="connsiteY6" fmla="*/ 9780395 h 11328207"/>
-              <a:gd name="connsiteX7" fmla="*/ 11264585 w 23534016"/>
-              <a:gd name="connsiteY7" fmla="*/ 9912566 h 11328207"/>
-              <a:gd name="connsiteX8" fmla="*/ 1179542 w 23534016"/>
-              <a:gd name="connsiteY8" fmla="*/ 3328153 h 11328207"/>
-              <a:gd name="connsiteX9" fmla="*/ 1401765 w 23534016"/>
-              <a:gd name="connsiteY9" fmla="*/ 3746104 h 11328207"/>
-              <a:gd name="connsiteX10" fmla="*/ 1401764 w 23534016"/>
-              <a:gd name="connsiteY10" fmla="*/ 3746104 h 11328207"/>
-              <a:gd name="connsiteX11" fmla="*/ 897732 w 23534016"/>
-              <a:gd name="connsiteY11" fmla="*/ 4250136 h 11328207"/>
-              <a:gd name="connsiteX12" fmla="*/ 504033 w 23534016"/>
-              <a:gd name="connsiteY12" fmla="*/ 4250135 h 11328207"/>
-              <a:gd name="connsiteX13" fmla="*/ 1 w 23534016"/>
-              <a:gd name="connsiteY13" fmla="*/ 3746103 h 11328207"/>
-              <a:gd name="connsiteX14" fmla="*/ 0 w 23534016"/>
-              <a:gd name="connsiteY14" fmla="*/ 3746103 h 11328207"/>
-              <a:gd name="connsiteX15" fmla="*/ 504032 w 23534016"/>
-              <a:gd name="connsiteY15" fmla="*/ 3242072 h 11328207"/>
-              <a:gd name="connsiteX16" fmla="*/ 897733 w 23534016"/>
-              <a:gd name="connsiteY16" fmla="*/ 3242072 h 11328207"/>
-              <a:gd name="connsiteX17" fmla="*/ 1179542 w 23534016"/>
-              <a:gd name="connsiteY17" fmla="*/ 3328153 h 11328207"/>
-              <a:gd name="connsiteX18" fmla="*/ 9733515 w 23534016"/>
-              <a:gd name="connsiteY18" fmla="*/ 6613367 h 11328207"/>
-              <a:gd name="connsiteX19" fmla="*/ 9955739 w 23534016"/>
-              <a:gd name="connsiteY19" fmla="*/ 7031319 h 11328207"/>
-              <a:gd name="connsiteX20" fmla="*/ 9955739 w 23534016"/>
-              <a:gd name="connsiteY20" fmla="*/ 7031319 h 11328207"/>
-              <a:gd name="connsiteX21" fmla="*/ 9451707 w 23534016"/>
-              <a:gd name="connsiteY21" fmla="*/ 7535351 h 11328207"/>
-              <a:gd name="connsiteX22" fmla="*/ 9058008 w 23534016"/>
-              <a:gd name="connsiteY22" fmla="*/ 7535350 h 11328207"/>
-              <a:gd name="connsiteX23" fmla="*/ 8553975 w 23534016"/>
-              <a:gd name="connsiteY23" fmla="*/ 7031318 h 11328207"/>
-              <a:gd name="connsiteX24" fmla="*/ 8553975 w 23534016"/>
-              <a:gd name="connsiteY24" fmla="*/ 7031318 h 11328207"/>
-              <a:gd name="connsiteX25" fmla="*/ 9058007 w 23534016"/>
-              <a:gd name="connsiteY25" fmla="*/ 6527286 h 11328207"/>
-              <a:gd name="connsiteX26" fmla="*/ 9451706 w 23534016"/>
-              <a:gd name="connsiteY26" fmla="*/ 6527286 h 11328207"/>
-              <a:gd name="connsiteX27" fmla="*/ 9733515 w 23534016"/>
-              <a:gd name="connsiteY27" fmla="*/ 6613367 h 11328207"/>
-              <a:gd name="connsiteX28" fmla="*/ 8928022 w 23534016"/>
-              <a:gd name="connsiteY28" fmla="*/ 3340367 h 11328207"/>
-              <a:gd name="connsiteX29" fmla="*/ 9150244 w 23534016"/>
-              <a:gd name="connsiteY29" fmla="*/ 3758318 h 11328207"/>
-              <a:gd name="connsiteX30" fmla="*/ 9150244 w 23534016"/>
-              <a:gd name="connsiteY30" fmla="*/ 3758318 h 11328207"/>
-              <a:gd name="connsiteX31" fmla="*/ 8646212 w 23534016"/>
-              <a:gd name="connsiteY31" fmla="*/ 4262350 h 11328207"/>
-              <a:gd name="connsiteX32" fmla="*/ 2350189 w 23534016"/>
-              <a:gd name="connsiteY32" fmla="*/ 4262349 h 11328207"/>
-              <a:gd name="connsiteX33" fmla="*/ 1846156 w 23534016"/>
-              <a:gd name="connsiteY33" fmla="*/ 3758316 h 11328207"/>
-              <a:gd name="connsiteX34" fmla="*/ 1846157 w 23534016"/>
-              <a:gd name="connsiteY34" fmla="*/ 3758317 h 11328207"/>
-              <a:gd name="connsiteX35" fmla="*/ 2350189 w 23534016"/>
-              <a:gd name="connsiteY35" fmla="*/ 3254285 h 11328207"/>
-              <a:gd name="connsiteX36" fmla="*/ 8646213 w 23534016"/>
-              <a:gd name="connsiteY36" fmla="*/ 3254286 h 11328207"/>
-              <a:gd name="connsiteX37" fmla="*/ 8928022 w 23534016"/>
-              <a:gd name="connsiteY37" fmla="*/ 3340367 h 11328207"/>
-              <a:gd name="connsiteX38" fmla="*/ 15324339 w 23534016"/>
-              <a:gd name="connsiteY38" fmla="*/ 6624950 h 11328207"/>
-              <a:gd name="connsiteX39" fmla="*/ 15546562 w 23534016"/>
-              <a:gd name="connsiteY39" fmla="*/ 7042900 h 11328207"/>
-              <a:gd name="connsiteX40" fmla="*/ 15042530 w 23534016"/>
-              <a:gd name="connsiteY40" fmla="*/ 7546931 h 11328207"/>
-              <a:gd name="connsiteX41" fmla="*/ 10905505 w 23534016"/>
-              <a:gd name="connsiteY41" fmla="*/ 7546930 h 11328207"/>
-              <a:gd name="connsiteX42" fmla="*/ 10401474 w 23534016"/>
-              <a:gd name="connsiteY42" fmla="*/ 7042899 h 11328207"/>
-              <a:gd name="connsiteX43" fmla="*/ 10905505 w 23534016"/>
-              <a:gd name="connsiteY43" fmla="*/ 6538868 h 11328207"/>
-              <a:gd name="connsiteX44" fmla="*/ 15042530 w 23534016"/>
-              <a:gd name="connsiteY44" fmla="*/ 6538869 h 11328207"/>
-              <a:gd name="connsiteX45" fmla="*/ 15324339 w 23534016"/>
-              <a:gd name="connsiteY45" fmla="*/ 6624950 h 11328207"/>
-              <a:gd name="connsiteX46" fmla="*/ 23192458 w 23534016"/>
-              <a:gd name="connsiteY46" fmla="*/ 8064785 h 11328207"/>
-              <a:gd name="connsiteX47" fmla="*/ 23534016 w 23534016"/>
-              <a:gd name="connsiteY47" fmla="*/ 8707179 h 11328207"/>
-              <a:gd name="connsiteX48" fmla="*/ 22759316 w 23534016"/>
-              <a:gd name="connsiteY48" fmla="*/ 9481878 h 11328207"/>
-              <a:gd name="connsiteX49" fmla="*/ 8228929 w 23534016"/>
-              <a:gd name="connsiteY49" fmla="*/ 9481877 h 11328207"/>
-              <a:gd name="connsiteX50" fmla="*/ 7454228 w 23534016"/>
-              <a:gd name="connsiteY50" fmla="*/ 8707176 h 11328207"/>
-              <a:gd name="connsiteX51" fmla="*/ 8228928 w 23534016"/>
-              <a:gd name="connsiteY51" fmla="*/ 7932477 h 11328207"/>
-              <a:gd name="connsiteX52" fmla="*/ 22759315 w 23534016"/>
-              <a:gd name="connsiteY52" fmla="*/ 7932478 h 11328207"/>
-              <a:gd name="connsiteX53" fmla="*/ 23192458 w 23534016"/>
-              <a:gd name="connsiteY53" fmla="*/ 8064785 h 11328207"/>
-              <a:gd name="connsiteX54" fmla="*/ 9947589 w 23534016"/>
-              <a:gd name="connsiteY54" fmla="*/ 86081 h 11328207"/>
-              <a:gd name="connsiteX55" fmla="*/ 10169812 w 23534016"/>
-              <a:gd name="connsiteY55" fmla="*/ 504032 h 11328207"/>
-              <a:gd name="connsiteX56" fmla="*/ 10169811 w 23534016"/>
-              <a:gd name="connsiteY56" fmla="*/ 504032 h 11328207"/>
-              <a:gd name="connsiteX57" fmla="*/ 9665779 w 23534016"/>
-              <a:gd name="connsiteY57" fmla="*/ 1008064 h 11328207"/>
-              <a:gd name="connsiteX58" fmla="*/ 2447418 w 23534016"/>
-              <a:gd name="connsiteY58" fmla="*/ 1008063 h 11328207"/>
-              <a:gd name="connsiteX59" fmla="*/ 1943386 w 23534016"/>
-              <a:gd name="connsiteY59" fmla="*/ 504031 h 11328207"/>
-              <a:gd name="connsiteX60" fmla="*/ 1943385 w 23534016"/>
-              <a:gd name="connsiteY60" fmla="*/ 504031 h 11328207"/>
-              <a:gd name="connsiteX61" fmla="*/ 2447417 w 23534016"/>
-              <a:gd name="connsiteY61" fmla="*/ 0 h 11328207"/>
-              <a:gd name="connsiteX62" fmla="*/ 9665780 w 23534016"/>
-              <a:gd name="connsiteY62" fmla="*/ 0 h 11328207"/>
-              <a:gd name="connsiteX63" fmla="*/ 9947589 w 23534016"/>
-              <a:gd name="connsiteY63" fmla="*/ 86081 h 11328207"/>
-              <a:gd name="connsiteX64" fmla="*/ 16576520 w 23534016"/>
-              <a:gd name="connsiteY64" fmla="*/ 3400992 h 11328207"/>
-              <a:gd name="connsiteX65" fmla="*/ 16798742 w 23534016"/>
-              <a:gd name="connsiteY65" fmla="*/ 3818943 h 11328207"/>
-              <a:gd name="connsiteX66" fmla="*/ 16798742 w 23534016"/>
-              <a:gd name="connsiteY66" fmla="*/ 3818943 h 11328207"/>
-              <a:gd name="connsiteX67" fmla="*/ 16294710 w 23534016"/>
-              <a:gd name="connsiteY67" fmla="*/ 4322975 h 11328207"/>
-              <a:gd name="connsiteX68" fmla="*/ 9998686 w 23534016"/>
-              <a:gd name="connsiteY68" fmla="*/ 4322974 h 11328207"/>
-              <a:gd name="connsiteX69" fmla="*/ 9494655 w 23534016"/>
-              <a:gd name="connsiteY69" fmla="*/ 3818942 h 11328207"/>
-              <a:gd name="connsiteX70" fmla="*/ 9494655 w 23534016"/>
-              <a:gd name="connsiteY70" fmla="*/ 3818943 h 11328207"/>
-              <a:gd name="connsiteX71" fmla="*/ 9998687 w 23534016"/>
-              <a:gd name="connsiteY71" fmla="*/ 3314911 h 11328207"/>
-              <a:gd name="connsiteX72" fmla="*/ 16294711 w 23534016"/>
-              <a:gd name="connsiteY72" fmla="*/ 3314911 h 11328207"/>
-              <a:gd name="connsiteX73" fmla="*/ 16576520 w 23534016"/>
-              <a:gd name="connsiteY73" fmla="*/ 3400992 h 11328207"/>
-              <a:gd name="connsiteX74" fmla="*/ 20515471 w 23534016"/>
-              <a:gd name="connsiteY74" fmla="*/ 4777198 h 11328207"/>
-              <a:gd name="connsiteX75" fmla="*/ 20856681 w 23534016"/>
-              <a:gd name="connsiteY75" fmla="*/ 5418935 h 11328207"/>
-              <a:gd name="connsiteX76" fmla="*/ 20856679 w 23534016"/>
-              <a:gd name="connsiteY76" fmla="*/ 5418934 h 11328207"/>
-              <a:gd name="connsiteX77" fmla="*/ 20082773 w 23534016"/>
-              <a:gd name="connsiteY77" fmla="*/ 6192842 h 11328207"/>
-              <a:gd name="connsiteX78" fmla="*/ 3780736 w 23534016"/>
-              <a:gd name="connsiteY78" fmla="*/ 6192840 h 11328207"/>
-              <a:gd name="connsiteX79" fmla="*/ 3006829 w 23534016"/>
-              <a:gd name="connsiteY79" fmla="*/ 5418932 h 11328207"/>
-              <a:gd name="connsiteX80" fmla="*/ 3006829 w 23534016"/>
-              <a:gd name="connsiteY80" fmla="*/ 5418933 h 11328207"/>
-              <a:gd name="connsiteX81" fmla="*/ 3780735 w 23534016"/>
-              <a:gd name="connsiteY81" fmla="*/ 4645026 h 11328207"/>
-              <a:gd name="connsiteX82" fmla="*/ 20082772 w 23534016"/>
-              <a:gd name="connsiteY82" fmla="*/ 4645027 h 11328207"/>
-              <a:gd name="connsiteX83" fmla="*/ 20515471 w 23534016"/>
-              <a:gd name="connsiteY83" fmla="*/ 4777198 h 11328207"/>
-              <a:gd name="connsiteX84" fmla="*/ 15080250 w 23534016"/>
-              <a:gd name="connsiteY84" fmla="*/ 1483266 h 11328207"/>
-              <a:gd name="connsiteX85" fmla="*/ 15421458 w 23534016"/>
-              <a:gd name="connsiteY85" fmla="*/ 2125002 h 11328207"/>
-              <a:gd name="connsiteX86" fmla="*/ 15421458 w 23534016"/>
-              <a:gd name="connsiteY86" fmla="*/ 2125003 h 11328207"/>
-              <a:gd name="connsiteX87" fmla="*/ 14647550 w 23534016"/>
-              <a:gd name="connsiteY87" fmla="*/ 2898909 h 11328207"/>
-              <a:gd name="connsiteX88" fmla="*/ 5471802 w 23534016"/>
-              <a:gd name="connsiteY88" fmla="*/ 2898908 h 11328207"/>
-              <a:gd name="connsiteX89" fmla="*/ 4697895 w 23534016"/>
-              <a:gd name="connsiteY89" fmla="*/ 2125001 h 11328207"/>
-              <a:gd name="connsiteX90" fmla="*/ 4697895 w 23534016"/>
-              <a:gd name="connsiteY90" fmla="*/ 2125002 h 11328207"/>
-              <a:gd name="connsiteX91" fmla="*/ 5471802 w 23534016"/>
-              <a:gd name="connsiteY91" fmla="*/ 1351096 h 11328207"/>
-              <a:gd name="connsiteX92" fmla="*/ 14647551 w 23534016"/>
-              <a:gd name="connsiteY92" fmla="*/ 1351096 h 11328207"/>
-              <a:gd name="connsiteX93" fmla="*/ 15080250 w 23534016"/>
-              <a:gd name="connsiteY93" fmla="*/ 1483266 h 11328207"/>
-            </a:gdLst>
-            <a:ahLst/>
-            <a:cxnLst>
-              <a:cxn ang="0">
-                <a:pos x="connsiteX0" y="connsiteY0"/>
-              </a:cxn>
-              <a:cxn ang="0">
-                <a:pos x="connsiteX1" y="connsiteY1"/>
-              </a:cxn>
-              <a:cxn ang="0">
-                <a:pos x="connsiteX2" y="connsiteY2"/>
-              </a:cxn>
-              <a:cxn ang="0">
-                <a:pos x="connsiteX3" y="connsiteY3"/>
-              </a:cxn>
-              <a:cxn ang="0">
-                <a:pos x="connsiteX4" y="connsiteY4"/>
-              </a:cxn>
-              <a:cxn ang="0">
-                <a:pos x="connsiteX5" y="connsiteY5"/>
-              </a:cxn>
-              <a:cxn ang="0">
-                <a:pos x="connsiteX6" y="connsiteY6"/>
-              </a:cxn>
-              <a:cxn ang="0">
-                <a:pos x="connsiteX7" y="connsiteY7"/>
-              </a:cxn>
-              <a:cxn ang="0">
-                <a:pos x="connsiteX8" y="connsiteY8"/>
-              </a:cxn>
-              <a:cxn ang="0">
-                <a:pos x="connsiteX9" y="connsiteY9"/>
-              </a:cxn>
-              <a:cxn ang="0">
-                <a:pos x="connsiteX10" y="connsiteY10"/>
-              </a:cxn>
-              <a:cxn ang="0">
-                <a:pos x="connsiteX11" y="connsiteY11"/>
-              </a:cxn>
-              <a:cxn ang="0">
-                <a:pos x="connsiteX12" y="connsiteY12"/>
-              </a:cxn>
-              <a:cxn ang="0">
-                <a:pos x="connsiteX13" y="connsiteY13"/>
-              </a:cxn>
-              <a:cxn ang="0">
-                <a:pos x="connsiteX14" y="connsiteY14"/>
-              </a:cxn>
-              <a:cxn ang="0">
-                <a:pos x="connsiteX15" y="connsiteY15"/>
-              </a:cxn>
-              <a:cxn ang="0">
-                <a:pos x="connsiteX16" y="connsiteY16"/>
-              </a:cxn>
-              <a:cxn ang="0">
-                <a:pos x="connsiteX17" y="connsiteY17"/>
-              </a:cxn>
-              <a:cxn ang="0">
-                <a:pos x="connsiteX18" y="connsiteY18"/>
-              </a:cxn>
-              <a:cxn ang="0">
-                <a:pos x="connsiteX19" y="connsiteY19"/>
-              </a:cxn>
-              <a:cxn ang="0">
-                <a:pos x="connsiteX20" y="connsiteY20"/>
-              </a:cxn>
-              <a:cxn ang="0">
-                <a:pos x="connsiteX21" y="connsiteY21"/>
-              </a:cxn>
-              <a:cxn ang="0">
-                <a:pos x="connsiteX22" y="connsiteY22"/>
-              </a:cxn>
-              <a:cxn ang="0">
-                <a:pos x="connsiteX23" y="connsiteY23"/>
-              </a:cxn>
-              <a:cxn ang="0">
-                <a:pos x="connsiteX24" y="connsiteY24"/>
-              </a:cxn>
-              <a:cxn ang="0">
-                <a:pos x="connsiteX25" y="connsiteY25"/>
-              </a:cxn>
-              <a:cxn ang="0">
-                <a:pos x="connsiteX26" y="connsiteY26"/>
-              </a:cxn>
-              <a:cxn ang="0">
-                <a:pos x="connsiteX27" y="connsiteY27"/>
-              </a:cxn>
-              <a:cxn ang="0">
-                <a:pos x="connsiteX28" y="connsiteY28"/>
-              </a:cxn>
-              <a:cxn ang="0">
-                <a:pos x="connsiteX29" y="connsiteY29"/>
-              </a:cxn>
-              <a:cxn ang="0">
-                <a:pos x="connsiteX30" y="connsiteY30"/>
-              </a:cxn>
-              <a:cxn ang="0">
-                <a:pos x="connsiteX31" y="connsiteY31"/>
-              </a:cxn>
-              <a:cxn ang="0">
-                <a:pos x="connsiteX32" y="connsiteY32"/>
-              </a:cxn>
-              <a:cxn ang="0">
-                <a:pos x="connsiteX33" y="connsiteY33"/>
-              </a:cxn>
-              <a:cxn ang="0">
-                <a:pos x="connsiteX34" y="connsiteY34"/>
-              </a:cxn>
-              <a:cxn ang="0">
-                <a:pos x="connsiteX35" y="connsiteY35"/>
-              </a:cxn>
-              <a:cxn ang="0">
-                <a:pos x="connsiteX36" y="connsiteY36"/>
-              </a:cxn>
-              <a:cxn ang="0">
-                <a:pos x="connsiteX37" y="connsiteY37"/>
-              </a:cxn>
-              <a:cxn ang="0">
-                <a:pos x="connsiteX38" y="connsiteY38"/>
-              </a:cxn>
-              <a:cxn ang="0">
-                <a:pos x="connsiteX39" y="connsiteY39"/>
-              </a:cxn>
-              <a:cxn ang="0">
-                <a:pos x="connsiteX40" y="connsiteY40"/>
-              </a:cxn>
-              <a:cxn ang="0">
-                <a:pos x="connsiteX41" y="connsiteY41"/>
-              </a:cxn>
-              <a:cxn ang="0">
-                <a:pos x="connsiteX42" y="connsiteY42"/>
-              </a:cxn>
-              <a:cxn ang="0">
-                <a:pos x="connsiteX43" y="connsiteY43"/>
-              </a:cxn>
-              <a:cxn ang="0">
-                <a:pos x="connsiteX44" y="connsiteY44"/>
-              </a:cxn>
-              <a:cxn ang="0">
-                <a:pos x="connsiteX45" y="connsiteY45"/>
-              </a:cxn>
-              <a:cxn ang="0">
-                <a:pos x="connsiteX46" y="connsiteY46"/>
-              </a:cxn>
-              <a:cxn ang="0">
-                <a:pos x="connsiteX47" y="connsiteY47"/>
-              </a:cxn>
-              <a:cxn ang="0">
-                <a:pos x="connsiteX48" y="connsiteY48"/>
-              </a:cxn>
-              <a:cxn ang="0">
-                <a:pos x="connsiteX49" y="connsiteY49"/>
-              </a:cxn>
-              <a:cxn ang="0">
-                <a:pos x="connsiteX50" y="connsiteY50"/>
-              </a:cxn>
-              <a:cxn ang="0">
-                <a:pos x="connsiteX51" y="connsiteY51"/>
-              </a:cxn>
-              <a:cxn ang="0">
-                <a:pos x="connsiteX52" y="connsiteY52"/>
-              </a:cxn>
-              <a:cxn ang="0">
-                <a:pos x="connsiteX53" y="connsiteY53"/>
-              </a:cxn>
-              <a:cxn ang="0">
-                <a:pos x="connsiteX54" y="connsiteY54"/>
-              </a:cxn>
-              <a:cxn ang="0">
-                <a:pos x="connsiteX55" y="connsiteY55"/>
-              </a:cxn>
-              <a:cxn ang="0">
-                <a:pos x="connsiteX56" y="connsiteY56"/>
-              </a:cxn>
-              <a:cxn ang="0">
-                <a:pos x="connsiteX57" y="connsiteY57"/>
-              </a:cxn>
-              <a:cxn ang="0">
-                <a:pos x="connsiteX58" y="connsiteY58"/>
-              </a:cxn>
-              <a:cxn ang="0">
-                <a:pos x="connsiteX59" y="connsiteY59"/>
-              </a:cxn>
-              <a:cxn ang="0">
-                <a:pos x="connsiteX60" y="connsiteY60"/>
-              </a:cxn>
-              <a:cxn ang="0">
-                <a:pos x="connsiteX61" y="connsiteY61"/>
-              </a:cxn>
-              <a:cxn ang="0">
-                <a:pos x="connsiteX62" y="connsiteY62"/>
-              </a:cxn>
-              <a:cxn ang="0">
-                <a:pos x="connsiteX63" y="connsiteY63"/>
-              </a:cxn>
-              <a:cxn ang="0">
-                <a:pos x="connsiteX64" y="connsiteY64"/>
-              </a:cxn>
-              <a:cxn ang="0">
-                <a:pos x="connsiteX65" y="connsiteY65"/>
-              </a:cxn>
-              <a:cxn ang="0">
-                <a:pos x="connsiteX66" y="connsiteY66"/>
-              </a:cxn>
-              <a:cxn ang="0">
-                <a:pos x="connsiteX67" y="connsiteY67"/>
-              </a:cxn>
-              <a:cxn ang="0">
-                <a:pos x="connsiteX68" y="connsiteY68"/>
-              </a:cxn>
-              <a:cxn ang="0">
-                <a:pos x="connsiteX69" y="connsiteY69"/>
-              </a:cxn>
-              <a:cxn ang="0">
-                <a:pos x="connsiteX70" y="connsiteY70"/>
-              </a:cxn>
-              <a:cxn ang="0">
-                <a:pos x="connsiteX71" y="connsiteY71"/>
-              </a:cxn>
-              <a:cxn ang="0">
-                <a:pos x="connsiteX72" y="connsiteY72"/>
-              </a:cxn>
-              <a:cxn ang="0">
-                <a:pos x="connsiteX73" y="connsiteY73"/>
-              </a:cxn>
-              <a:cxn ang="0">
-                <a:pos x="connsiteX74" y="connsiteY74"/>
-              </a:cxn>
-              <a:cxn ang="0">
-                <a:pos x="connsiteX75" y="connsiteY75"/>
-              </a:cxn>
-              <a:cxn ang="0">
-                <a:pos x="connsiteX76" y="connsiteY76"/>
-              </a:cxn>
-              <a:cxn ang="0">
-                <a:pos x="connsiteX77" y="connsiteY77"/>
-              </a:cxn>
-              <a:cxn ang="0">
-                <a:pos x="connsiteX78" y="connsiteY78"/>
-              </a:cxn>
-              <a:cxn ang="0">
-                <a:pos x="connsiteX79" y="connsiteY79"/>
-              </a:cxn>
-              <a:cxn ang="0">
-                <a:pos x="connsiteX80" y="connsiteY80"/>
-              </a:cxn>
-              <a:cxn ang="0">
-                <a:pos x="connsiteX81" y="connsiteY81"/>
-              </a:cxn>
-              <a:cxn ang="0">
-                <a:pos x="connsiteX82" y="connsiteY82"/>
-              </a:cxn>
-              <a:cxn ang="0">
-                <a:pos x="connsiteX83" y="connsiteY83"/>
-              </a:cxn>
-              <a:cxn ang="0">
-                <a:pos x="connsiteX84" y="connsiteY84"/>
-              </a:cxn>
-              <a:cxn ang="0">
-                <a:pos x="connsiteX85" y="connsiteY85"/>
-              </a:cxn>
-              <a:cxn ang="0">
-                <a:pos x="connsiteX86" y="connsiteY86"/>
-              </a:cxn>
-              <a:cxn ang="0">
-                <a:pos x="connsiteX87" y="connsiteY87"/>
-              </a:cxn>
-              <a:cxn ang="0">
-                <a:pos x="connsiteX88" y="connsiteY88"/>
-              </a:cxn>
-              <a:cxn ang="0">
-                <a:pos x="connsiteX89" y="connsiteY89"/>
-              </a:cxn>
-              <a:cxn ang="0">
-                <a:pos x="connsiteX90" y="connsiteY90"/>
-              </a:cxn>
-              <a:cxn ang="0">
-                <a:pos x="connsiteX91" y="connsiteY91"/>
-              </a:cxn>
-              <a:cxn ang="0">
-                <a:pos x="connsiteX92" y="connsiteY92"/>
-              </a:cxn>
-              <a:cxn ang="0">
-                <a:pos x="connsiteX93" y="connsiteY93"/>
-              </a:cxn>
-            </a:cxnLst>
-            <a:rect l="l" t="t" r="r" b="b"/>
-            <a:pathLst>
-              <a:path w="23534016" h="11328207">
-                <a:moveTo>
-                  <a:pt x="11264585" y="9912566"/>
-                </a:moveTo>
-                <a:cubicBezTo>
-                  <a:pt x="11470444" y="10051642"/>
-                  <a:pt x="11605793" y="10287166"/>
-                  <a:pt x="11605793" y="10554301"/>
-                </a:cubicBezTo>
-                <a:cubicBezTo>
-                  <a:pt x="11605792" y="10981717"/>
-                  <a:pt x="11259303" y="11328207"/>
-                  <a:pt x="10831887" y="11328207"/>
-                </a:cubicBezTo>
-                <a:lnTo>
-                  <a:pt x="10736635" y="11328207"/>
-                </a:lnTo>
-                <a:cubicBezTo>
-                  <a:pt x="10309219" y="11328207"/>
-                  <a:pt x="9962730" y="10981717"/>
-                  <a:pt x="9962731" y="10554301"/>
-                </a:cubicBezTo>
-                <a:cubicBezTo>
-                  <a:pt x="9962730" y="10126885"/>
-                  <a:pt x="10309219" y="9780395"/>
-                  <a:pt x="10736635" y="9780395"/>
-                </a:cubicBezTo>
-                <a:lnTo>
-                  <a:pt x="10831887" y="9780395"/>
-                </a:lnTo>
-                <a:cubicBezTo>
-                  <a:pt x="10992167" y="9780394"/>
-                  <a:pt x="11141068" y="9829120"/>
-                  <a:pt x="11264585" y="9912566"/>
-                </a:cubicBezTo>
-                <a:close/>
-                <a:moveTo>
-                  <a:pt x="1179542" y="3328153"/>
-                </a:moveTo>
-                <a:cubicBezTo>
-                  <a:pt x="1313615" y="3418731"/>
-                  <a:pt x="1401765" y="3572123"/>
-                  <a:pt x="1401765" y="3746104"/>
-                </a:cubicBezTo>
-                <a:lnTo>
-                  <a:pt x="1401764" y="3746104"/>
-                </a:lnTo>
-                <a:cubicBezTo>
-                  <a:pt x="1401764" y="4024473"/>
-                  <a:pt x="1176101" y="4250136"/>
-                  <a:pt x="897732" y="4250136"/>
-                </a:cubicBezTo>
-                <a:lnTo>
-                  <a:pt x="504033" y="4250135"/>
-                </a:lnTo>
-                <a:cubicBezTo>
-                  <a:pt x="225664" y="4250135"/>
-                  <a:pt x="1" y="4024472"/>
-                  <a:pt x="1" y="3746103"/>
-                </a:cubicBezTo>
-                <a:lnTo>
-                  <a:pt x="0" y="3746103"/>
-                </a:lnTo>
-                <a:cubicBezTo>
-                  <a:pt x="1" y="3467734"/>
-                  <a:pt x="225664" y="3242072"/>
-                  <a:pt x="504032" y="3242072"/>
-                </a:cubicBezTo>
-                <a:lnTo>
-                  <a:pt x="897733" y="3242072"/>
-                </a:lnTo>
-                <a:cubicBezTo>
-                  <a:pt x="1002122" y="3242072"/>
-                  <a:pt x="1099098" y="3273806"/>
-                  <a:pt x="1179542" y="3328153"/>
-                </a:cubicBezTo>
-                <a:close/>
-                <a:moveTo>
-                  <a:pt x="9733515" y="6613367"/>
-                </a:moveTo>
-                <a:cubicBezTo>
-                  <a:pt x="9867590" y="6703946"/>
-                  <a:pt x="9955739" y="6857338"/>
-                  <a:pt x="9955739" y="7031319"/>
-                </a:cubicBezTo>
-                <a:lnTo>
-                  <a:pt x="9955739" y="7031319"/>
-                </a:lnTo>
-                <a:cubicBezTo>
-                  <a:pt x="9955739" y="7309688"/>
-                  <a:pt x="9730075" y="7535351"/>
-                  <a:pt x="9451707" y="7535351"/>
-                </a:cubicBezTo>
-                <a:lnTo>
-                  <a:pt x="9058008" y="7535350"/>
-                </a:lnTo>
-                <a:cubicBezTo>
-                  <a:pt x="8779637" y="7535349"/>
-                  <a:pt x="8553975" y="7309687"/>
-                  <a:pt x="8553975" y="7031318"/>
-                </a:cubicBezTo>
-                <a:lnTo>
-                  <a:pt x="8553975" y="7031318"/>
-                </a:lnTo>
-                <a:cubicBezTo>
-                  <a:pt x="8553975" y="6752949"/>
-                  <a:pt x="8779638" y="6527287"/>
-                  <a:pt x="9058007" y="6527286"/>
-                </a:cubicBezTo>
-                <a:lnTo>
-                  <a:pt x="9451706" y="6527286"/>
-                </a:lnTo>
-                <a:cubicBezTo>
-                  <a:pt x="9556095" y="6527286"/>
-                  <a:pt x="9653072" y="6559021"/>
-                  <a:pt x="9733515" y="6613367"/>
-                </a:cubicBezTo>
-                <a:close/>
-                <a:moveTo>
-                  <a:pt x="8928022" y="3340367"/>
-                </a:moveTo>
-                <a:cubicBezTo>
-                  <a:pt x="9062095" y="3430945"/>
-                  <a:pt x="9150244" y="3584337"/>
-                  <a:pt x="9150244" y="3758318"/>
-                </a:cubicBezTo>
-                <a:lnTo>
-                  <a:pt x="9150244" y="3758318"/>
-                </a:lnTo>
-                <a:cubicBezTo>
-                  <a:pt x="9150244" y="4036688"/>
-                  <a:pt x="8924581" y="4262349"/>
-                  <a:pt x="8646212" y="4262350"/>
-                </a:cubicBezTo>
-                <a:lnTo>
-                  <a:pt x="2350189" y="4262349"/>
-                </a:lnTo>
-                <a:cubicBezTo>
-                  <a:pt x="2071819" y="4262349"/>
-                  <a:pt x="1846156" y="4036685"/>
-                  <a:pt x="1846156" y="3758316"/>
-                </a:cubicBezTo>
-                <a:lnTo>
-                  <a:pt x="1846157" y="3758317"/>
-                </a:lnTo>
-                <a:cubicBezTo>
-                  <a:pt x="1846157" y="3479948"/>
-                  <a:pt x="2071820" y="3254286"/>
-                  <a:pt x="2350189" y="3254285"/>
-                </a:cubicBezTo>
-                <a:lnTo>
-                  <a:pt x="8646213" y="3254286"/>
-                </a:lnTo>
-                <a:cubicBezTo>
-                  <a:pt x="8750602" y="3254287"/>
-                  <a:pt x="8847579" y="3286021"/>
-                  <a:pt x="8928022" y="3340367"/>
-                </a:cubicBezTo>
-                <a:close/>
-                <a:moveTo>
-                  <a:pt x="15324339" y="6624950"/>
-                </a:moveTo>
-                <a:cubicBezTo>
-                  <a:pt x="15458413" y="6715527"/>
-                  <a:pt x="15546561" y="6868919"/>
-                  <a:pt x="15546562" y="7042900"/>
-                </a:cubicBezTo>
-                <a:cubicBezTo>
-                  <a:pt x="15546561" y="7321269"/>
-                  <a:pt x="15320899" y="7546930"/>
-                  <a:pt x="15042530" y="7546931"/>
-                </a:cubicBezTo>
-                <a:lnTo>
-                  <a:pt x="10905505" y="7546930"/>
-                </a:lnTo>
-                <a:cubicBezTo>
-                  <a:pt x="10627136" y="7546930"/>
-                  <a:pt x="10401474" y="7321268"/>
-                  <a:pt x="10401474" y="7042899"/>
-                </a:cubicBezTo>
-                <a:cubicBezTo>
-                  <a:pt x="10401474" y="6764530"/>
-                  <a:pt x="10627137" y="6538868"/>
-                  <a:pt x="10905505" y="6538868"/>
-                </a:cubicBezTo>
-                <a:lnTo>
-                  <a:pt x="15042530" y="6538869"/>
-                </a:lnTo>
-                <a:cubicBezTo>
-                  <a:pt x="15146919" y="6538869"/>
-                  <a:pt x="15243896" y="6570603"/>
-                  <a:pt x="15324339" y="6624950"/>
-                </a:cubicBezTo>
-                <a:close/>
-                <a:moveTo>
-                  <a:pt x="23192458" y="8064785"/>
-                </a:moveTo>
-                <a:cubicBezTo>
-                  <a:pt x="23398529" y="8204003"/>
-                  <a:pt x="23534016" y="8439769"/>
-                  <a:pt x="23534016" y="8707179"/>
-                </a:cubicBezTo>
-                <a:cubicBezTo>
-                  <a:pt x="23534016" y="9135034"/>
-                  <a:pt x="23187171" y="9481878"/>
-                  <a:pt x="22759316" y="9481878"/>
-                </a:cubicBezTo>
-                <a:lnTo>
-                  <a:pt x="8228929" y="9481877"/>
-                </a:lnTo>
-                <a:cubicBezTo>
-                  <a:pt x="7801074" y="9481877"/>
-                  <a:pt x="7454229" y="9135032"/>
-                  <a:pt x="7454228" y="8707176"/>
-                </a:cubicBezTo>
-                <a:cubicBezTo>
-                  <a:pt x="7454228" y="8279322"/>
-                  <a:pt x="7801073" y="7932477"/>
-                  <a:pt x="8228928" y="7932477"/>
-                </a:cubicBezTo>
-                <a:lnTo>
-                  <a:pt x="22759315" y="7932478"/>
-                </a:lnTo>
-                <a:cubicBezTo>
-                  <a:pt x="22919760" y="7932478"/>
-                  <a:pt x="23068815" y="7981253"/>
-                  <a:pt x="23192458" y="8064785"/>
-                </a:cubicBezTo>
-                <a:close/>
-                <a:moveTo>
-                  <a:pt x="9947589" y="86081"/>
-                </a:moveTo>
-                <a:cubicBezTo>
-                  <a:pt x="10081663" y="176659"/>
-                  <a:pt x="10169811" y="330051"/>
-                  <a:pt x="10169812" y="504032"/>
-                </a:cubicBezTo>
-                <a:lnTo>
-                  <a:pt x="10169811" y="504032"/>
-                </a:lnTo>
-                <a:cubicBezTo>
-                  <a:pt x="10169811" y="782401"/>
-                  <a:pt x="9944148" y="1008064"/>
-                  <a:pt x="9665779" y="1008064"/>
-                </a:cubicBezTo>
-                <a:lnTo>
-                  <a:pt x="2447418" y="1008063"/>
-                </a:lnTo>
-                <a:cubicBezTo>
-                  <a:pt x="2169048" y="1008062"/>
-                  <a:pt x="1943386" y="782400"/>
-                  <a:pt x="1943386" y="504031"/>
-                </a:cubicBezTo>
-                <a:lnTo>
-                  <a:pt x="1943385" y="504031"/>
-                </a:lnTo>
-                <a:cubicBezTo>
-                  <a:pt x="1943386" y="225663"/>
-                  <a:pt x="2169048" y="0"/>
-                  <a:pt x="2447417" y="0"/>
-                </a:cubicBezTo>
-                <a:lnTo>
-                  <a:pt x="9665780" y="0"/>
-                </a:lnTo>
-                <a:cubicBezTo>
-                  <a:pt x="9770169" y="0"/>
-                  <a:pt x="9867145" y="31734"/>
-                  <a:pt x="9947589" y="86081"/>
-                </a:cubicBezTo>
-                <a:close/>
-                <a:moveTo>
-                  <a:pt x="16576520" y="3400992"/>
-                </a:moveTo>
-                <a:cubicBezTo>
-                  <a:pt x="16710593" y="3491570"/>
-                  <a:pt x="16798742" y="3644962"/>
-                  <a:pt x="16798742" y="3818943"/>
-                </a:cubicBezTo>
-                <a:lnTo>
-                  <a:pt x="16798742" y="3818943"/>
-                </a:lnTo>
-                <a:cubicBezTo>
-                  <a:pt x="16798742" y="4097312"/>
-                  <a:pt x="16573079" y="4322975"/>
-                  <a:pt x="16294710" y="4322975"/>
-                </a:cubicBezTo>
-                <a:lnTo>
-                  <a:pt x="9998686" y="4322974"/>
-                </a:lnTo>
-                <a:cubicBezTo>
-                  <a:pt x="9720318" y="4322974"/>
-                  <a:pt x="9494655" y="4097311"/>
-                  <a:pt x="9494655" y="3818942"/>
-                </a:cubicBezTo>
-                <a:lnTo>
-                  <a:pt x="9494655" y="3818943"/>
-                </a:lnTo>
-                <a:cubicBezTo>
-                  <a:pt x="9494654" y="3540574"/>
-                  <a:pt x="9720318" y="3314911"/>
-                  <a:pt x="9998687" y="3314911"/>
-                </a:cubicBezTo>
-                <a:lnTo>
-                  <a:pt x="16294711" y="3314911"/>
-                </a:lnTo>
-                <a:cubicBezTo>
-                  <a:pt x="16399100" y="3314912"/>
-                  <a:pt x="16496075" y="3346645"/>
-                  <a:pt x="16576520" y="3400992"/>
-                </a:cubicBezTo>
-                <a:close/>
-                <a:moveTo>
-                  <a:pt x="20515471" y="4777198"/>
-                </a:moveTo>
-                <a:cubicBezTo>
-                  <a:pt x="20721332" y="4916275"/>
-                  <a:pt x="20856681" y="5151799"/>
-                  <a:pt x="20856681" y="5418935"/>
-                </a:cubicBezTo>
-                <a:lnTo>
-                  <a:pt x="20856679" y="5418934"/>
-                </a:lnTo>
-                <a:cubicBezTo>
-                  <a:pt x="20856679" y="5846352"/>
-                  <a:pt x="20510189" y="6192842"/>
-                  <a:pt x="20082773" y="6192842"/>
-                </a:cubicBezTo>
-                <a:lnTo>
-                  <a:pt x="3780736" y="6192840"/>
-                </a:lnTo>
-                <a:cubicBezTo>
-                  <a:pt x="3353319" y="6192840"/>
-                  <a:pt x="3006829" y="5846350"/>
-                  <a:pt x="3006829" y="5418932"/>
-                </a:cubicBezTo>
-                <a:lnTo>
-                  <a:pt x="3006829" y="5418933"/>
-                </a:lnTo>
-                <a:cubicBezTo>
-                  <a:pt x="3006829" y="4991516"/>
-                  <a:pt x="3353318" y="4645026"/>
-                  <a:pt x="3780735" y="4645026"/>
-                </a:cubicBezTo>
-                <a:lnTo>
-                  <a:pt x="20082772" y="4645027"/>
-                </a:lnTo>
-                <a:cubicBezTo>
-                  <a:pt x="20243053" y="4645027"/>
-                  <a:pt x="20391954" y="4693752"/>
-                  <a:pt x="20515471" y="4777198"/>
-                </a:cubicBezTo>
-                <a:close/>
-                <a:moveTo>
-                  <a:pt x="15080250" y="1483266"/>
-                </a:moveTo>
-                <a:cubicBezTo>
-                  <a:pt x="15286109" y="1622342"/>
-                  <a:pt x="15421458" y="1857867"/>
-                  <a:pt x="15421458" y="2125002"/>
-                </a:cubicBezTo>
-                <a:lnTo>
-                  <a:pt x="15421458" y="2125003"/>
-                </a:lnTo>
-                <a:cubicBezTo>
-                  <a:pt x="15421458" y="2552420"/>
-                  <a:pt x="15074966" y="2898909"/>
-                  <a:pt x="14647550" y="2898909"/>
-                </a:cubicBezTo>
-                <a:lnTo>
-                  <a:pt x="5471802" y="2898908"/>
-                </a:lnTo>
-                <a:cubicBezTo>
-                  <a:pt x="5044384" y="2898908"/>
-                  <a:pt x="4697895" y="2552418"/>
-                  <a:pt x="4697895" y="2125001"/>
-                </a:cubicBezTo>
-                <a:lnTo>
-                  <a:pt x="4697895" y="2125002"/>
-                </a:lnTo>
-                <a:cubicBezTo>
-                  <a:pt x="4697894" y="1697585"/>
-                  <a:pt x="5044385" y="1351096"/>
-                  <a:pt x="5471802" y="1351096"/>
-                </a:cubicBezTo>
-                <a:lnTo>
-                  <a:pt x="14647551" y="1351096"/>
-                </a:lnTo>
-                <a:cubicBezTo>
-                  <a:pt x="14807834" y="1351096"/>
-                  <a:pt x="14956733" y="1399820"/>
-                  <a:pt x="15080250" y="1483266"/>
-                </a:cubicBezTo>
-                <a:close/>
-              </a:path>
-            </a:pathLst>
-          </a:custGeom>
-          <a:gradFill flip="none" rotWithShape="1">
-            <a:gsLst>
-              <a:gs pos="0">
-                <a:schemeClr val="accent2">
-                  <a:alpha val="27000"/>
-                  <a:lumMod val="0"/>
-                  <a:lumOff val="100000"/>
-                </a:schemeClr>
-              </a:gs>
-              <a:gs pos="100000">
-                <a:schemeClr val="accent2">
-                  <a:lumMod val="52000"/>
-                  <a:lumOff val="48000"/>
-                </a:schemeClr>
-              </a:gs>
-              <a:gs pos="100000">
-                <a:schemeClr val="accent2">
-                  <a:lumMod val="60000"/>
-                </a:schemeClr>
-              </a:gs>
-            </a:gsLst>
-            <a:path path="circle">
-              <a:fillToRect l="50000" t="130000" r="50000" b="-30000"/>
-            </a:path>
-            <a:tileRect/>
-          </a:gradFill>
-          <a:ln>
-            <a:noFill/>
-          </a:ln>
-        </p:spPr>
-        <p:txBody>
-          <a:bodyPr wrap="square" lIns="19050" tIns="19050" rIns="19050" bIns="19050" anchor="ctr">
-            <a:noAutofit/>
-          </a:bodyPr>
-          <a:lstStyle/>
-          <a:p>
-            <a:pPr eaLnBrk="1"/>
-            <a:endParaRPr lang="en-US" altLang="x-none" sz="900"/>
-          </a:p>
-        </p:txBody>
-      </p:sp>
-      <p:sp>
-        <p:nvSpPr>
-          <p:cNvPr id="9" name="Rectangle 8">
-            <a:extLst>
-              <a:ext uri="{FF2B5EF4-FFF2-40B4-BE49-F238E27FC236}">
-                <a16:creationId xmlns:a16="http://schemas.microsoft.com/office/drawing/2014/main" id="{7A07C604-7812-4E42-B549-1375235E6F95}"/>
-              </a:ext>
-            </a:extLst>
-          </p:cNvPr>
-          <p:cNvSpPr/>
-          <p:nvPr/>
-        </p:nvSpPr>
-        <p:spPr>
-          <a:xfrm>
-            <a:off x="2237291" y="2508906"/>
-            <a:ext cx="7161301" cy="2070100"/>
-          </a:xfrm>
-          <a:prstGeom prst="rect">
-            <a:avLst/>
-          </a:prstGeom>
-          <a:noFill/>
-          <a:ln>
-            <a:noFill/>
-          </a:ln>
-        </p:spPr>
-        <p:style>
-          <a:lnRef idx="2">
-            <a:schemeClr val="accent1">
-              <a:shade val="50000"/>
-            </a:schemeClr>
-          </a:lnRef>
-          <a:fillRef idx="1">
-            <a:schemeClr val="accent1"/>
-          </a:fillRef>
-          <a:effectRef idx="0">
-            <a:schemeClr val="accent1"/>
-          </a:effectRef>
-          <a:fontRef idx="minor">
-            <a:schemeClr val="lt1"/>
-          </a:fontRef>
-        </p:style>
-        <p:txBody>
-          <a:bodyPr rtlCol="0" anchor="ctr"/>
-          <a:lstStyle/>
-          <a:p>
-            <a:pPr algn="ctr" rtl="1"/>
-            <a:r>
-              <a:rPr lang="ar-SA" sz="3600" dirty="0">
-                <a:solidFill>
-                  <a:srgbClr val="218A3C"/>
-                </a:solidFill>
-                <a:latin typeface="GE SS Text Light" panose="020A0503020102020204" pitchFamily="18" charset="-78"/>
-                <a:ea typeface="GE SS Text Light" panose="020A0503020102020204" pitchFamily="18" charset="-78"/>
-                <a:cs typeface="GE SS Text Light" panose="020A0503020102020204" pitchFamily="18" charset="-78"/>
-              </a:rPr>
-              <a:t>برنامج يستخدم منهجية تشابه الكلمات والجمل والآيات في القران ليسهل ضبط المتشابه لمساعدة حفاظ كتاب الله </a:t>
-            </a:r>
-            <a:r>
-              <a:rPr lang="ar-SA" sz="3600" dirty="0" err="1">
-                <a:solidFill>
-                  <a:srgbClr val="218A3C"/>
-                </a:solidFill>
-                <a:latin typeface="GE SS Text Light" panose="020A0503020102020204" pitchFamily="18" charset="-78"/>
-                <a:ea typeface="GE SS Text Light" panose="020A0503020102020204" pitchFamily="18" charset="-78"/>
-                <a:cs typeface="GE SS Text Light" panose="020A0503020102020204" pitchFamily="18" charset="-78"/>
-              </a:rPr>
-              <a:t>للاتقان</a:t>
-            </a:r>
-            <a:r>
-              <a:rPr lang="ar-SA" sz="3600" dirty="0">
-                <a:solidFill>
-                  <a:srgbClr val="218A3C"/>
-                </a:solidFill>
-                <a:latin typeface="GE SS Text Light" panose="020A0503020102020204" pitchFamily="18" charset="-78"/>
-                <a:ea typeface="GE SS Text Light" panose="020A0503020102020204" pitchFamily="18" charset="-78"/>
-                <a:cs typeface="GE SS Text Light" panose="020A0503020102020204" pitchFamily="18" charset="-78"/>
-              </a:rPr>
-              <a:t> بدرجة عالية</a:t>
-            </a:r>
-          </a:p>
-        </p:txBody>
-      </p:sp>
-      <p:sp>
-        <p:nvSpPr>
-          <p:cNvPr id="19" name="Rectangle 18">
-            <a:extLst>
-              <a:ext uri="{FF2B5EF4-FFF2-40B4-BE49-F238E27FC236}">
-                <a16:creationId xmlns:a16="http://schemas.microsoft.com/office/drawing/2014/main" id="{9E756055-48DE-894C-A32E-582C46A6FE43}"/>
-              </a:ext>
-            </a:extLst>
-          </p:cNvPr>
-          <p:cNvSpPr/>
-          <p:nvPr/>
-        </p:nvSpPr>
-        <p:spPr>
-          <a:xfrm>
-            <a:off x="3923348" y="6044909"/>
-            <a:ext cx="3606800" cy="647700"/>
-          </a:xfrm>
-          <a:prstGeom prst="rect">
-            <a:avLst/>
-          </a:prstGeom>
-          <a:noFill/>
-          <a:ln>
-            <a:noFill/>
-          </a:ln>
-        </p:spPr>
-        <p:style>
-          <a:lnRef idx="2">
-            <a:schemeClr val="accent1">
-              <a:shade val="50000"/>
-            </a:schemeClr>
-          </a:lnRef>
-          <a:fillRef idx="1">
-            <a:schemeClr val="accent1"/>
-          </a:fillRef>
-          <a:effectRef idx="0">
-            <a:schemeClr val="accent1"/>
-          </a:effectRef>
-          <a:fontRef idx="minor">
-            <a:schemeClr val="lt1"/>
-          </a:fontRef>
-        </p:style>
-        <p:txBody>
-          <a:bodyPr rtlCol="0" anchor="ctr"/>
-          <a:lstStyle/>
-          <a:p>
-            <a:pPr algn="ctr" rtl="1"/>
-            <a:r>
-              <a:rPr lang="en-US" dirty="0">
+              <a:rPr lang="en-US" sz="2800" dirty="0">
                 <a:solidFill>
                   <a:schemeClr val="tx1"/>
                 </a:solidFill>
@@ -11839,7 +15051,7 @@
               </a:rPr>
               <a:t>https://quranthon.demo4.dev/</a:t>
             </a:r>
-            <a:endParaRPr lang="ar-SA" dirty="0">
+            <a:endParaRPr lang="ar-SA" sz="2800" dirty="0">
               <a:solidFill>
                 <a:schemeClr val="tx1"/>
               </a:solidFill>
@@ -11847,7 +15059,7 @@
           </a:p>
           <a:p>
             <a:pPr algn="ctr" rtl="1"/>
-            <a:endParaRPr lang="ar-SA" dirty="0">
+            <a:endParaRPr lang="ar-SA" sz="2800" dirty="0">
               <a:solidFill>
                 <a:schemeClr val="tx1"/>
               </a:solidFill>
@@ -11861,7 +15073,7 @@
             <a:hlinkClick r:id="rId3"/>
             <a:extLst>
               <a:ext uri="{FF2B5EF4-FFF2-40B4-BE49-F238E27FC236}">
-                <a16:creationId xmlns:a16="http://schemas.microsoft.com/office/drawing/2014/main" id="{C13B4939-BE17-4203-9B81-D599F739EC38}"/>
+                <a16:creationId xmlns:a16="http://schemas.microsoft.com/office/drawing/2014/main" id="{BE300DF1-8967-4035-AEA8-6FD8E9478823}"/>
               </a:ext>
             </a:extLst>
           </p:cNvPr>
@@ -11891,7 +15103,7 @@
           <p:cNvPr id="23" name="Picture 22" descr="Logo, company name&#10;&#10;Description automatically generated">
             <a:extLst>
               <a:ext uri="{FF2B5EF4-FFF2-40B4-BE49-F238E27FC236}">
-                <a16:creationId xmlns:a16="http://schemas.microsoft.com/office/drawing/2014/main" id="{54FD7CF1-C864-47F8-B48E-BBF51E8A1C59}"/>
+                <a16:creationId xmlns:a16="http://schemas.microsoft.com/office/drawing/2014/main" id="{B0BCBD49-7A16-49E6-AE4E-1F63C07E1D48}"/>
               </a:ext>
             </a:extLst>
           </p:cNvPr>
@@ -11921,7 +15133,7 @@
           <p:cNvPr id="24" name="Picture 23" descr="Logo&#10;&#10;Description automatically generated">
             <a:extLst>
               <a:ext uri="{FF2B5EF4-FFF2-40B4-BE49-F238E27FC236}">
-                <a16:creationId xmlns:a16="http://schemas.microsoft.com/office/drawing/2014/main" id="{761FB2D6-E6FE-4459-842B-5BD9D74E6E77}"/>
+                <a16:creationId xmlns:a16="http://schemas.microsoft.com/office/drawing/2014/main" id="{877270C0-5140-4011-AF31-8D282D374EF9}"/>
               </a:ext>
             </a:extLst>
           </p:cNvPr>
@@ -11951,7 +15163,7 @@
           <p:cNvPr id="25" name="Picture 24" descr="Logo&#10;&#10;Description automatically generated">
             <a:extLst>
               <a:ext uri="{FF2B5EF4-FFF2-40B4-BE49-F238E27FC236}">
-                <a16:creationId xmlns:a16="http://schemas.microsoft.com/office/drawing/2014/main" id="{FF12DBF6-A820-4AED-8016-EB0E962B6140}"/>
+                <a16:creationId xmlns:a16="http://schemas.microsoft.com/office/drawing/2014/main" id="{9896B85A-0178-4BA4-8993-E4B7974E631E}"/>
               </a:ext>
             </a:extLst>
           </p:cNvPr>
@@ -11980,7 +15192,7 @@
           <p:cNvPr id="26" name="Rectangle 25">
             <a:extLst>
               <a:ext uri="{FF2B5EF4-FFF2-40B4-BE49-F238E27FC236}">
-                <a16:creationId xmlns:a16="http://schemas.microsoft.com/office/drawing/2014/main" id="{0F726DDE-8B73-443E-9D17-F6C7D4EEC465}"/>
+                <a16:creationId xmlns:a16="http://schemas.microsoft.com/office/drawing/2014/main" id="{26DD3226-586A-4700-8A7E-8533B8F846CF}"/>
               </a:ext>
             </a:extLst>
           </p:cNvPr>
@@ -12040,7 +15252,7 @@
           <p:cNvPr id="27" name="Straight Connector 26">
             <a:extLst>
               <a:ext uri="{FF2B5EF4-FFF2-40B4-BE49-F238E27FC236}">
-                <a16:creationId xmlns:a16="http://schemas.microsoft.com/office/drawing/2014/main" id="{6B6F2A09-0D11-493D-9A79-3FF6FE13426F}"/>
+                <a16:creationId xmlns:a16="http://schemas.microsoft.com/office/drawing/2014/main" id="{F34E47CE-0F3B-4C25-8E7B-8FE19492280D}"/>
               </a:ext>
             </a:extLst>
           </p:cNvPr>
@@ -12075,7 +15287,7 @@
     </p:spTree>
     <p:extLst>
       <p:ext uri="{BB962C8B-B14F-4D97-AF65-F5344CB8AC3E}">
-        <p14:creationId xmlns:p14="http://schemas.microsoft.com/office/powerpoint/2010/main" val="325397313"/>
+        <p14:creationId xmlns:p14="http://schemas.microsoft.com/office/powerpoint/2010/main" val="181274509"/>
       </p:ext>
     </p:extLst>
   </p:cSld>
@@ -12085,7 +15297,7 @@
 </p:sld>
 </file>
 
-<file path=ppt/slides/slide6.xml><?xml version="1.0" encoding="utf-8"?>
+<file path=ppt/slides/slide7.xml><?xml version="1.0" encoding="utf-8"?>
 <p:sld xmlns:a="http://schemas.openxmlformats.org/drawingml/2006/main" xmlns:r="http://schemas.openxmlformats.org/officeDocument/2006/relationships" xmlns:p="http://schemas.openxmlformats.org/presentationml/2006/main">
   <p:cSld>
     <p:bg>
@@ -13525,7 +16737,7 @@
 </p:sld>
 </file>
 
-<file path=ppt/slides/slide7.xml><?xml version="1.0" encoding="utf-8"?>
+<file path=ppt/slides/slide8.xml><?xml version="1.0" encoding="utf-8"?>
 <p:sld xmlns:a="http://schemas.openxmlformats.org/drawingml/2006/main" xmlns:r="http://schemas.openxmlformats.org/officeDocument/2006/relationships" xmlns:p="http://schemas.openxmlformats.org/presentationml/2006/main">
   <p:cSld>
     <p:bg>
@@ -15892,8 +19104,8 @@
         </p:nvSpPr>
         <p:spPr>
           <a:xfrm>
-            <a:off x="3917950" y="-117088"/>
-            <a:ext cx="4356100" cy="1701800"/>
+            <a:off x="5908870" y="346444"/>
+            <a:ext cx="3594010" cy="674437"/>
           </a:xfrm>
           <a:prstGeom prst="rect">
             <a:avLst/>
@@ -15933,7 +19145,7 @@
                 <a:ea typeface="GE SS Text Light" panose="020A0503020102020204" pitchFamily="18" charset="-78"/>
                 <a:cs typeface="GE SS Text Light" panose="020A0503020102020204" pitchFamily="18" charset="-78"/>
               </a:rPr>
-              <a:t>النموذج الاولى</a:t>
+              <a:t>النموذج الأولي</a:t>
             </a:r>
           </a:p>
         </p:txBody>
@@ -16058,6 +19270,73 @@
           </a:prstGeom>
         </p:spPr>
       </p:pic>
+      <p:sp>
+        <p:nvSpPr>
+          <p:cNvPr id="56" name="Rectangle 55">
+            <a:extLst>
+              <a:ext uri="{FF2B5EF4-FFF2-40B4-BE49-F238E27FC236}">
+                <a16:creationId xmlns:a16="http://schemas.microsoft.com/office/drawing/2014/main" id="{B2719B5D-17A7-4564-B7DF-14C10049F73D}"/>
+              </a:ext>
+            </a:extLst>
+          </p:cNvPr>
+          <p:cNvSpPr/>
+          <p:nvPr/>
+        </p:nvSpPr>
+        <p:spPr>
+          <a:xfrm>
+            <a:off x="2178439" y="346444"/>
+            <a:ext cx="3594010" cy="674437"/>
+          </a:xfrm>
+          <a:prstGeom prst="rect">
+            <a:avLst/>
+          </a:prstGeom>
+          <a:noFill/>
+          <a:ln>
+            <a:noFill/>
+          </a:ln>
+        </p:spPr>
+        <p:style>
+          <a:lnRef idx="2">
+            <a:schemeClr val="accent1">
+              <a:shade val="50000"/>
+            </a:schemeClr>
+          </a:lnRef>
+          <a:fillRef idx="1">
+            <a:schemeClr val="accent1"/>
+          </a:fillRef>
+          <a:effectRef idx="0">
+            <a:schemeClr val="accent1"/>
+          </a:effectRef>
+          <a:fontRef idx="minor">
+            <a:schemeClr val="lt1"/>
+          </a:fontRef>
+        </p:style>
+        <p:txBody>
+          <a:bodyPr rtlCol="0" anchor="ctr"/>
+          <a:lstStyle/>
+          <a:p>
+            <a:pPr marL="0" algn="ctr" defTabSz="457200" rtl="1" eaLnBrk="1" latinLnBrk="0" hangingPunct="1"/>
+            <a:r>
+              <a:rPr lang="en-US" sz="3600" b="0" i="0" dirty="0">
+                <a:solidFill>
+                  <a:srgbClr val="000000"/>
+                </a:solidFill>
+                <a:effectLst/>
+                <a:latin typeface="Roboto" panose="02000000000000000000" pitchFamily="2" charset="0"/>
+              </a:rPr>
+              <a:t>The prototype </a:t>
+            </a:r>
+            <a:endParaRPr lang="ar-SA" sz="3600" dirty="0">
+              <a:solidFill>
+                <a:schemeClr val="tx1"/>
+              </a:solidFill>
+              <a:latin typeface="GE SS Text Light" panose="020A0503020102020204" pitchFamily="18" charset="-78"/>
+              <a:ea typeface="GE SS Text Light" panose="020A0503020102020204" pitchFamily="18" charset="-78"/>
+              <a:cs typeface="GE SS Text Light" panose="020A0503020102020204" pitchFamily="18" charset="-78"/>
+            </a:endParaRPr>
+          </a:p>
+        </p:txBody>
+      </p:sp>
     </p:spTree>
     <p:extLst>
       <p:ext uri="{BB962C8B-B14F-4D97-AF65-F5344CB8AC3E}">
@@ -16071,7 +19350,7 @@
 </p:sld>
 </file>
 
-<file path=ppt/slides/slide8.xml><?xml version="1.0" encoding="utf-8"?>
+<file path=ppt/slides/slide9.xml><?xml version="1.0" encoding="utf-8"?>
 <p:sld xmlns:a="http://schemas.openxmlformats.org/drawingml/2006/main" xmlns:r="http://schemas.openxmlformats.org/officeDocument/2006/relationships" xmlns:p="http://schemas.openxmlformats.org/presentationml/2006/main">
   <p:cSld>
     <p:bg>
@@ -18095,1623 +21374,6 @@
 </p:sld>
 </file>
 
-<file path=ppt/slides/slide9.xml><?xml version="1.0" encoding="utf-8"?>
-<p:sld xmlns:a="http://schemas.openxmlformats.org/drawingml/2006/main" xmlns:r="http://schemas.openxmlformats.org/officeDocument/2006/relationships" xmlns:p="http://schemas.openxmlformats.org/presentationml/2006/main">
-  <p:cSld>
-    <p:bg>
-      <p:bgPr>
-        <a:solidFill>
-          <a:schemeClr val="bg1">
-            <a:lumMod val="85000"/>
-          </a:schemeClr>
-        </a:solidFill>
-        <a:effectLst/>
-      </p:bgPr>
-    </p:bg>
-    <p:spTree>
-      <p:nvGrpSpPr>
-        <p:cNvPr id="1" name=""/>
-        <p:cNvGrpSpPr/>
-        <p:nvPr/>
-      </p:nvGrpSpPr>
-      <p:grpSpPr>
-        <a:xfrm>
-          <a:off x="0" y="0"/>
-          <a:ext cx="0" cy="0"/>
-          <a:chOff x="0" y="0"/>
-          <a:chExt cx="0" cy="0"/>
-        </a:xfrm>
-      </p:grpSpPr>
-      <p:sp>
-        <p:nvSpPr>
-          <p:cNvPr id="24" name="Freeform 40">
-            <a:extLst>
-              <a:ext uri="{FF2B5EF4-FFF2-40B4-BE49-F238E27FC236}">
-                <a16:creationId xmlns:a16="http://schemas.microsoft.com/office/drawing/2014/main" id="{6C004D75-AD95-4212-8D17-0F7CA6914C4A}"/>
-              </a:ext>
-            </a:extLst>
-          </p:cNvPr>
-          <p:cNvSpPr>
-            <a:spLocks noChangeArrowheads="1"/>
-          </p:cNvSpPr>
-          <p:nvPr/>
-        </p:nvSpPr>
-        <p:spPr bwMode="auto">
-          <a:xfrm rot="11825610">
-            <a:off x="-4873768" y="-208990"/>
-            <a:ext cx="11767008" cy="5664104"/>
-          </a:xfrm>
-          <a:custGeom>
-            <a:avLst/>
-            <a:gdLst>
-              <a:gd name="connsiteX0" fmla="*/ 11264585 w 23534016"/>
-              <a:gd name="connsiteY0" fmla="*/ 9912566 h 11328207"/>
-              <a:gd name="connsiteX1" fmla="*/ 11605793 w 23534016"/>
-              <a:gd name="connsiteY1" fmla="*/ 10554301 h 11328207"/>
-              <a:gd name="connsiteX2" fmla="*/ 10831887 w 23534016"/>
-              <a:gd name="connsiteY2" fmla="*/ 11328207 h 11328207"/>
-              <a:gd name="connsiteX3" fmla="*/ 10736635 w 23534016"/>
-              <a:gd name="connsiteY3" fmla="*/ 11328207 h 11328207"/>
-              <a:gd name="connsiteX4" fmla="*/ 9962731 w 23534016"/>
-              <a:gd name="connsiteY4" fmla="*/ 10554301 h 11328207"/>
-              <a:gd name="connsiteX5" fmla="*/ 10736635 w 23534016"/>
-              <a:gd name="connsiteY5" fmla="*/ 9780395 h 11328207"/>
-              <a:gd name="connsiteX6" fmla="*/ 10831887 w 23534016"/>
-              <a:gd name="connsiteY6" fmla="*/ 9780395 h 11328207"/>
-              <a:gd name="connsiteX7" fmla="*/ 11264585 w 23534016"/>
-              <a:gd name="connsiteY7" fmla="*/ 9912566 h 11328207"/>
-              <a:gd name="connsiteX8" fmla="*/ 1179542 w 23534016"/>
-              <a:gd name="connsiteY8" fmla="*/ 3328153 h 11328207"/>
-              <a:gd name="connsiteX9" fmla="*/ 1401765 w 23534016"/>
-              <a:gd name="connsiteY9" fmla="*/ 3746104 h 11328207"/>
-              <a:gd name="connsiteX10" fmla="*/ 1401764 w 23534016"/>
-              <a:gd name="connsiteY10" fmla="*/ 3746104 h 11328207"/>
-              <a:gd name="connsiteX11" fmla="*/ 897732 w 23534016"/>
-              <a:gd name="connsiteY11" fmla="*/ 4250136 h 11328207"/>
-              <a:gd name="connsiteX12" fmla="*/ 504033 w 23534016"/>
-              <a:gd name="connsiteY12" fmla="*/ 4250135 h 11328207"/>
-              <a:gd name="connsiteX13" fmla="*/ 1 w 23534016"/>
-              <a:gd name="connsiteY13" fmla="*/ 3746103 h 11328207"/>
-              <a:gd name="connsiteX14" fmla="*/ 0 w 23534016"/>
-              <a:gd name="connsiteY14" fmla="*/ 3746103 h 11328207"/>
-              <a:gd name="connsiteX15" fmla="*/ 504032 w 23534016"/>
-              <a:gd name="connsiteY15" fmla="*/ 3242072 h 11328207"/>
-              <a:gd name="connsiteX16" fmla="*/ 897733 w 23534016"/>
-              <a:gd name="connsiteY16" fmla="*/ 3242072 h 11328207"/>
-              <a:gd name="connsiteX17" fmla="*/ 1179542 w 23534016"/>
-              <a:gd name="connsiteY17" fmla="*/ 3328153 h 11328207"/>
-              <a:gd name="connsiteX18" fmla="*/ 9733515 w 23534016"/>
-              <a:gd name="connsiteY18" fmla="*/ 6613367 h 11328207"/>
-              <a:gd name="connsiteX19" fmla="*/ 9955739 w 23534016"/>
-              <a:gd name="connsiteY19" fmla="*/ 7031319 h 11328207"/>
-              <a:gd name="connsiteX20" fmla="*/ 9955739 w 23534016"/>
-              <a:gd name="connsiteY20" fmla="*/ 7031319 h 11328207"/>
-              <a:gd name="connsiteX21" fmla="*/ 9451707 w 23534016"/>
-              <a:gd name="connsiteY21" fmla="*/ 7535351 h 11328207"/>
-              <a:gd name="connsiteX22" fmla="*/ 9058008 w 23534016"/>
-              <a:gd name="connsiteY22" fmla="*/ 7535350 h 11328207"/>
-              <a:gd name="connsiteX23" fmla="*/ 8553975 w 23534016"/>
-              <a:gd name="connsiteY23" fmla="*/ 7031318 h 11328207"/>
-              <a:gd name="connsiteX24" fmla="*/ 8553975 w 23534016"/>
-              <a:gd name="connsiteY24" fmla="*/ 7031318 h 11328207"/>
-              <a:gd name="connsiteX25" fmla="*/ 9058007 w 23534016"/>
-              <a:gd name="connsiteY25" fmla="*/ 6527286 h 11328207"/>
-              <a:gd name="connsiteX26" fmla="*/ 9451706 w 23534016"/>
-              <a:gd name="connsiteY26" fmla="*/ 6527286 h 11328207"/>
-              <a:gd name="connsiteX27" fmla="*/ 9733515 w 23534016"/>
-              <a:gd name="connsiteY27" fmla="*/ 6613367 h 11328207"/>
-              <a:gd name="connsiteX28" fmla="*/ 8928022 w 23534016"/>
-              <a:gd name="connsiteY28" fmla="*/ 3340367 h 11328207"/>
-              <a:gd name="connsiteX29" fmla="*/ 9150244 w 23534016"/>
-              <a:gd name="connsiteY29" fmla="*/ 3758318 h 11328207"/>
-              <a:gd name="connsiteX30" fmla="*/ 9150244 w 23534016"/>
-              <a:gd name="connsiteY30" fmla="*/ 3758318 h 11328207"/>
-              <a:gd name="connsiteX31" fmla="*/ 8646212 w 23534016"/>
-              <a:gd name="connsiteY31" fmla="*/ 4262350 h 11328207"/>
-              <a:gd name="connsiteX32" fmla="*/ 2350189 w 23534016"/>
-              <a:gd name="connsiteY32" fmla="*/ 4262349 h 11328207"/>
-              <a:gd name="connsiteX33" fmla="*/ 1846156 w 23534016"/>
-              <a:gd name="connsiteY33" fmla="*/ 3758316 h 11328207"/>
-              <a:gd name="connsiteX34" fmla="*/ 1846157 w 23534016"/>
-              <a:gd name="connsiteY34" fmla="*/ 3758317 h 11328207"/>
-              <a:gd name="connsiteX35" fmla="*/ 2350189 w 23534016"/>
-              <a:gd name="connsiteY35" fmla="*/ 3254285 h 11328207"/>
-              <a:gd name="connsiteX36" fmla="*/ 8646213 w 23534016"/>
-              <a:gd name="connsiteY36" fmla="*/ 3254286 h 11328207"/>
-              <a:gd name="connsiteX37" fmla="*/ 8928022 w 23534016"/>
-              <a:gd name="connsiteY37" fmla="*/ 3340367 h 11328207"/>
-              <a:gd name="connsiteX38" fmla="*/ 15324339 w 23534016"/>
-              <a:gd name="connsiteY38" fmla="*/ 6624950 h 11328207"/>
-              <a:gd name="connsiteX39" fmla="*/ 15546562 w 23534016"/>
-              <a:gd name="connsiteY39" fmla="*/ 7042900 h 11328207"/>
-              <a:gd name="connsiteX40" fmla="*/ 15042530 w 23534016"/>
-              <a:gd name="connsiteY40" fmla="*/ 7546931 h 11328207"/>
-              <a:gd name="connsiteX41" fmla="*/ 10905505 w 23534016"/>
-              <a:gd name="connsiteY41" fmla="*/ 7546930 h 11328207"/>
-              <a:gd name="connsiteX42" fmla="*/ 10401474 w 23534016"/>
-              <a:gd name="connsiteY42" fmla="*/ 7042899 h 11328207"/>
-              <a:gd name="connsiteX43" fmla="*/ 10905505 w 23534016"/>
-              <a:gd name="connsiteY43" fmla="*/ 6538868 h 11328207"/>
-              <a:gd name="connsiteX44" fmla="*/ 15042530 w 23534016"/>
-              <a:gd name="connsiteY44" fmla="*/ 6538869 h 11328207"/>
-              <a:gd name="connsiteX45" fmla="*/ 15324339 w 23534016"/>
-              <a:gd name="connsiteY45" fmla="*/ 6624950 h 11328207"/>
-              <a:gd name="connsiteX46" fmla="*/ 23192458 w 23534016"/>
-              <a:gd name="connsiteY46" fmla="*/ 8064785 h 11328207"/>
-              <a:gd name="connsiteX47" fmla="*/ 23534016 w 23534016"/>
-              <a:gd name="connsiteY47" fmla="*/ 8707179 h 11328207"/>
-              <a:gd name="connsiteX48" fmla="*/ 22759316 w 23534016"/>
-              <a:gd name="connsiteY48" fmla="*/ 9481878 h 11328207"/>
-              <a:gd name="connsiteX49" fmla="*/ 8228929 w 23534016"/>
-              <a:gd name="connsiteY49" fmla="*/ 9481877 h 11328207"/>
-              <a:gd name="connsiteX50" fmla="*/ 7454228 w 23534016"/>
-              <a:gd name="connsiteY50" fmla="*/ 8707176 h 11328207"/>
-              <a:gd name="connsiteX51" fmla="*/ 8228928 w 23534016"/>
-              <a:gd name="connsiteY51" fmla="*/ 7932477 h 11328207"/>
-              <a:gd name="connsiteX52" fmla="*/ 22759315 w 23534016"/>
-              <a:gd name="connsiteY52" fmla="*/ 7932478 h 11328207"/>
-              <a:gd name="connsiteX53" fmla="*/ 23192458 w 23534016"/>
-              <a:gd name="connsiteY53" fmla="*/ 8064785 h 11328207"/>
-              <a:gd name="connsiteX54" fmla="*/ 9947589 w 23534016"/>
-              <a:gd name="connsiteY54" fmla="*/ 86081 h 11328207"/>
-              <a:gd name="connsiteX55" fmla="*/ 10169812 w 23534016"/>
-              <a:gd name="connsiteY55" fmla="*/ 504032 h 11328207"/>
-              <a:gd name="connsiteX56" fmla="*/ 10169811 w 23534016"/>
-              <a:gd name="connsiteY56" fmla="*/ 504032 h 11328207"/>
-              <a:gd name="connsiteX57" fmla="*/ 9665779 w 23534016"/>
-              <a:gd name="connsiteY57" fmla="*/ 1008064 h 11328207"/>
-              <a:gd name="connsiteX58" fmla="*/ 2447418 w 23534016"/>
-              <a:gd name="connsiteY58" fmla="*/ 1008063 h 11328207"/>
-              <a:gd name="connsiteX59" fmla="*/ 1943386 w 23534016"/>
-              <a:gd name="connsiteY59" fmla="*/ 504031 h 11328207"/>
-              <a:gd name="connsiteX60" fmla="*/ 1943385 w 23534016"/>
-              <a:gd name="connsiteY60" fmla="*/ 504031 h 11328207"/>
-              <a:gd name="connsiteX61" fmla="*/ 2447417 w 23534016"/>
-              <a:gd name="connsiteY61" fmla="*/ 0 h 11328207"/>
-              <a:gd name="connsiteX62" fmla="*/ 9665780 w 23534016"/>
-              <a:gd name="connsiteY62" fmla="*/ 0 h 11328207"/>
-              <a:gd name="connsiteX63" fmla="*/ 9947589 w 23534016"/>
-              <a:gd name="connsiteY63" fmla="*/ 86081 h 11328207"/>
-              <a:gd name="connsiteX64" fmla="*/ 16576520 w 23534016"/>
-              <a:gd name="connsiteY64" fmla="*/ 3400992 h 11328207"/>
-              <a:gd name="connsiteX65" fmla="*/ 16798742 w 23534016"/>
-              <a:gd name="connsiteY65" fmla="*/ 3818943 h 11328207"/>
-              <a:gd name="connsiteX66" fmla="*/ 16798742 w 23534016"/>
-              <a:gd name="connsiteY66" fmla="*/ 3818943 h 11328207"/>
-              <a:gd name="connsiteX67" fmla="*/ 16294710 w 23534016"/>
-              <a:gd name="connsiteY67" fmla="*/ 4322975 h 11328207"/>
-              <a:gd name="connsiteX68" fmla="*/ 9998686 w 23534016"/>
-              <a:gd name="connsiteY68" fmla="*/ 4322974 h 11328207"/>
-              <a:gd name="connsiteX69" fmla="*/ 9494655 w 23534016"/>
-              <a:gd name="connsiteY69" fmla="*/ 3818942 h 11328207"/>
-              <a:gd name="connsiteX70" fmla="*/ 9494655 w 23534016"/>
-              <a:gd name="connsiteY70" fmla="*/ 3818943 h 11328207"/>
-              <a:gd name="connsiteX71" fmla="*/ 9998687 w 23534016"/>
-              <a:gd name="connsiteY71" fmla="*/ 3314911 h 11328207"/>
-              <a:gd name="connsiteX72" fmla="*/ 16294711 w 23534016"/>
-              <a:gd name="connsiteY72" fmla="*/ 3314911 h 11328207"/>
-              <a:gd name="connsiteX73" fmla="*/ 16576520 w 23534016"/>
-              <a:gd name="connsiteY73" fmla="*/ 3400992 h 11328207"/>
-              <a:gd name="connsiteX74" fmla="*/ 20515471 w 23534016"/>
-              <a:gd name="connsiteY74" fmla="*/ 4777198 h 11328207"/>
-              <a:gd name="connsiteX75" fmla="*/ 20856681 w 23534016"/>
-              <a:gd name="connsiteY75" fmla="*/ 5418935 h 11328207"/>
-              <a:gd name="connsiteX76" fmla="*/ 20856679 w 23534016"/>
-              <a:gd name="connsiteY76" fmla="*/ 5418934 h 11328207"/>
-              <a:gd name="connsiteX77" fmla="*/ 20082773 w 23534016"/>
-              <a:gd name="connsiteY77" fmla="*/ 6192842 h 11328207"/>
-              <a:gd name="connsiteX78" fmla="*/ 3780736 w 23534016"/>
-              <a:gd name="connsiteY78" fmla="*/ 6192840 h 11328207"/>
-              <a:gd name="connsiteX79" fmla="*/ 3006829 w 23534016"/>
-              <a:gd name="connsiteY79" fmla="*/ 5418932 h 11328207"/>
-              <a:gd name="connsiteX80" fmla="*/ 3006829 w 23534016"/>
-              <a:gd name="connsiteY80" fmla="*/ 5418933 h 11328207"/>
-              <a:gd name="connsiteX81" fmla="*/ 3780735 w 23534016"/>
-              <a:gd name="connsiteY81" fmla="*/ 4645026 h 11328207"/>
-              <a:gd name="connsiteX82" fmla="*/ 20082772 w 23534016"/>
-              <a:gd name="connsiteY82" fmla="*/ 4645027 h 11328207"/>
-              <a:gd name="connsiteX83" fmla="*/ 20515471 w 23534016"/>
-              <a:gd name="connsiteY83" fmla="*/ 4777198 h 11328207"/>
-              <a:gd name="connsiteX84" fmla="*/ 15080250 w 23534016"/>
-              <a:gd name="connsiteY84" fmla="*/ 1483266 h 11328207"/>
-              <a:gd name="connsiteX85" fmla="*/ 15421458 w 23534016"/>
-              <a:gd name="connsiteY85" fmla="*/ 2125002 h 11328207"/>
-              <a:gd name="connsiteX86" fmla="*/ 15421458 w 23534016"/>
-              <a:gd name="connsiteY86" fmla="*/ 2125003 h 11328207"/>
-              <a:gd name="connsiteX87" fmla="*/ 14647550 w 23534016"/>
-              <a:gd name="connsiteY87" fmla="*/ 2898909 h 11328207"/>
-              <a:gd name="connsiteX88" fmla="*/ 5471802 w 23534016"/>
-              <a:gd name="connsiteY88" fmla="*/ 2898908 h 11328207"/>
-              <a:gd name="connsiteX89" fmla="*/ 4697895 w 23534016"/>
-              <a:gd name="connsiteY89" fmla="*/ 2125001 h 11328207"/>
-              <a:gd name="connsiteX90" fmla="*/ 4697895 w 23534016"/>
-              <a:gd name="connsiteY90" fmla="*/ 2125002 h 11328207"/>
-              <a:gd name="connsiteX91" fmla="*/ 5471802 w 23534016"/>
-              <a:gd name="connsiteY91" fmla="*/ 1351096 h 11328207"/>
-              <a:gd name="connsiteX92" fmla="*/ 14647551 w 23534016"/>
-              <a:gd name="connsiteY92" fmla="*/ 1351096 h 11328207"/>
-              <a:gd name="connsiteX93" fmla="*/ 15080250 w 23534016"/>
-              <a:gd name="connsiteY93" fmla="*/ 1483266 h 11328207"/>
-            </a:gdLst>
-            <a:ahLst/>
-            <a:cxnLst>
-              <a:cxn ang="0">
-                <a:pos x="connsiteX0" y="connsiteY0"/>
-              </a:cxn>
-              <a:cxn ang="0">
-                <a:pos x="connsiteX1" y="connsiteY1"/>
-              </a:cxn>
-              <a:cxn ang="0">
-                <a:pos x="connsiteX2" y="connsiteY2"/>
-              </a:cxn>
-              <a:cxn ang="0">
-                <a:pos x="connsiteX3" y="connsiteY3"/>
-              </a:cxn>
-              <a:cxn ang="0">
-                <a:pos x="connsiteX4" y="connsiteY4"/>
-              </a:cxn>
-              <a:cxn ang="0">
-                <a:pos x="connsiteX5" y="connsiteY5"/>
-              </a:cxn>
-              <a:cxn ang="0">
-                <a:pos x="connsiteX6" y="connsiteY6"/>
-              </a:cxn>
-              <a:cxn ang="0">
-                <a:pos x="connsiteX7" y="connsiteY7"/>
-              </a:cxn>
-              <a:cxn ang="0">
-                <a:pos x="connsiteX8" y="connsiteY8"/>
-              </a:cxn>
-              <a:cxn ang="0">
-                <a:pos x="connsiteX9" y="connsiteY9"/>
-              </a:cxn>
-              <a:cxn ang="0">
-                <a:pos x="connsiteX10" y="connsiteY10"/>
-              </a:cxn>
-              <a:cxn ang="0">
-                <a:pos x="connsiteX11" y="connsiteY11"/>
-              </a:cxn>
-              <a:cxn ang="0">
-                <a:pos x="connsiteX12" y="connsiteY12"/>
-              </a:cxn>
-              <a:cxn ang="0">
-                <a:pos x="connsiteX13" y="connsiteY13"/>
-              </a:cxn>
-              <a:cxn ang="0">
-                <a:pos x="connsiteX14" y="connsiteY14"/>
-              </a:cxn>
-              <a:cxn ang="0">
-                <a:pos x="connsiteX15" y="connsiteY15"/>
-              </a:cxn>
-              <a:cxn ang="0">
-                <a:pos x="connsiteX16" y="connsiteY16"/>
-              </a:cxn>
-              <a:cxn ang="0">
-                <a:pos x="connsiteX17" y="connsiteY17"/>
-              </a:cxn>
-              <a:cxn ang="0">
-                <a:pos x="connsiteX18" y="connsiteY18"/>
-              </a:cxn>
-              <a:cxn ang="0">
-                <a:pos x="connsiteX19" y="connsiteY19"/>
-              </a:cxn>
-              <a:cxn ang="0">
-                <a:pos x="connsiteX20" y="connsiteY20"/>
-              </a:cxn>
-              <a:cxn ang="0">
-                <a:pos x="connsiteX21" y="connsiteY21"/>
-              </a:cxn>
-              <a:cxn ang="0">
-                <a:pos x="connsiteX22" y="connsiteY22"/>
-              </a:cxn>
-              <a:cxn ang="0">
-                <a:pos x="connsiteX23" y="connsiteY23"/>
-              </a:cxn>
-              <a:cxn ang="0">
-                <a:pos x="connsiteX24" y="connsiteY24"/>
-              </a:cxn>
-              <a:cxn ang="0">
-                <a:pos x="connsiteX25" y="connsiteY25"/>
-              </a:cxn>
-              <a:cxn ang="0">
-                <a:pos x="connsiteX26" y="connsiteY26"/>
-              </a:cxn>
-              <a:cxn ang="0">
-                <a:pos x="connsiteX27" y="connsiteY27"/>
-              </a:cxn>
-              <a:cxn ang="0">
-                <a:pos x="connsiteX28" y="connsiteY28"/>
-              </a:cxn>
-              <a:cxn ang="0">
-                <a:pos x="connsiteX29" y="connsiteY29"/>
-              </a:cxn>
-              <a:cxn ang="0">
-                <a:pos x="connsiteX30" y="connsiteY30"/>
-              </a:cxn>
-              <a:cxn ang="0">
-                <a:pos x="connsiteX31" y="connsiteY31"/>
-              </a:cxn>
-              <a:cxn ang="0">
-                <a:pos x="connsiteX32" y="connsiteY32"/>
-              </a:cxn>
-              <a:cxn ang="0">
-                <a:pos x="connsiteX33" y="connsiteY33"/>
-              </a:cxn>
-              <a:cxn ang="0">
-                <a:pos x="connsiteX34" y="connsiteY34"/>
-              </a:cxn>
-              <a:cxn ang="0">
-                <a:pos x="connsiteX35" y="connsiteY35"/>
-              </a:cxn>
-              <a:cxn ang="0">
-                <a:pos x="connsiteX36" y="connsiteY36"/>
-              </a:cxn>
-              <a:cxn ang="0">
-                <a:pos x="connsiteX37" y="connsiteY37"/>
-              </a:cxn>
-              <a:cxn ang="0">
-                <a:pos x="connsiteX38" y="connsiteY38"/>
-              </a:cxn>
-              <a:cxn ang="0">
-                <a:pos x="connsiteX39" y="connsiteY39"/>
-              </a:cxn>
-              <a:cxn ang="0">
-                <a:pos x="connsiteX40" y="connsiteY40"/>
-              </a:cxn>
-              <a:cxn ang="0">
-                <a:pos x="connsiteX41" y="connsiteY41"/>
-              </a:cxn>
-              <a:cxn ang="0">
-                <a:pos x="connsiteX42" y="connsiteY42"/>
-              </a:cxn>
-              <a:cxn ang="0">
-                <a:pos x="connsiteX43" y="connsiteY43"/>
-              </a:cxn>
-              <a:cxn ang="0">
-                <a:pos x="connsiteX44" y="connsiteY44"/>
-              </a:cxn>
-              <a:cxn ang="0">
-                <a:pos x="connsiteX45" y="connsiteY45"/>
-              </a:cxn>
-              <a:cxn ang="0">
-                <a:pos x="connsiteX46" y="connsiteY46"/>
-              </a:cxn>
-              <a:cxn ang="0">
-                <a:pos x="connsiteX47" y="connsiteY47"/>
-              </a:cxn>
-              <a:cxn ang="0">
-                <a:pos x="connsiteX48" y="connsiteY48"/>
-              </a:cxn>
-              <a:cxn ang="0">
-                <a:pos x="connsiteX49" y="connsiteY49"/>
-              </a:cxn>
-              <a:cxn ang="0">
-                <a:pos x="connsiteX50" y="connsiteY50"/>
-              </a:cxn>
-              <a:cxn ang="0">
-                <a:pos x="connsiteX51" y="connsiteY51"/>
-              </a:cxn>
-              <a:cxn ang="0">
-                <a:pos x="connsiteX52" y="connsiteY52"/>
-              </a:cxn>
-              <a:cxn ang="0">
-                <a:pos x="connsiteX53" y="connsiteY53"/>
-              </a:cxn>
-              <a:cxn ang="0">
-                <a:pos x="connsiteX54" y="connsiteY54"/>
-              </a:cxn>
-              <a:cxn ang="0">
-                <a:pos x="connsiteX55" y="connsiteY55"/>
-              </a:cxn>
-              <a:cxn ang="0">
-                <a:pos x="connsiteX56" y="connsiteY56"/>
-              </a:cxn>
-              <a:cxn ang="0">
-                <a:pos x="connsiteX57" y="connsiteY57"/>
-              </a:cxn>
-              <a:cxn ang="0">
-                <a:pos x="connsiteX58" y="connsiteY58"/>
-              </a:cxn>
-              <a:cxn ang="0">
-                <a:pos x="connsiteX59" y="connsiteY59"/>
-              </a:cxn>
-              <a:cxn ang="0">
-                <a:pos x="connsiteX60" y="connsiteY60"/>
-              </a:cxn>
-              <a:cxn ang="0">
-                <a:pos x="connsiteX61" y="connsiteY61"/>
-              </a:cxn>
-              <a:cxn ang="0">
-                <a:pos x="connsiteX62" y="connsiteY62"/>
-              </a:cxn>
-              <a:cxn ang="0">
-                <a:pos x="connsiteX63" y="connsiteY63"/>
-              </a:cxn>
-              <a:cxn ang="0">
-                <a:pos x="connsiteX64" y="connsiteY64"/>
-              </a:cxn>
-              <a:cxn ang="0">
-                <a:pos x="connsiteX65" y="connsiteY65"/>
-              </a:cxn>
-              <a:cxn ang="0">
-                <a:pos x="connsiteX66" y="connsiteY66"/>
-              </a:cxn>
-              <a:cxn ang="0">
-                <a:pos x="connsiteX67" y="connsiteY67"/>
-              </a:cxn>
-              <a:cxn ang="0">
-                <a:pos x="connsiteX68" y="connsiteY68"/>
-              </a:cxn>
-              <a:cxn ang="0">
-                <a:pos x="connsiteX69" y="connsiteY69"/>
-              </a:cxn>
-              <a:cxn ang="0">
-                <a:pos x="connsiteX70" y="connsiteY70"/>
-              </a:cxn>
-              <a:cxn ang="0">
-                <a:pos x="connsiteX71" y="connsiteY71"/>
-              </a:cxn>
-              <a:cxn ang="0">
-                <a:pos x="connsiteX72" y="connsiteY72"/>
-              </a:cxn>
-              <a:cxn ang="0">
-                <a:pos x="connsiteX73" y="connsiteY73"/>
-              </a:cxn>
-              <a:cxn ang="0">
-                <a:pos x="connsiteX74" y="connsiteY74"/>
-              </a:cxn>
-              <a:cxn ang="0">
-                <a:pos x="connsiteX75" y="connsiteY75"/>
-              </a:cxn>
-              <a:cxn ang="0">
-                <a:pos x="connsiteX76" y="connsiteY76"/>
-              </a:cxn>
-              <a:cxn ang="0">
-                <a:pos x="connsiteX77" y="connsiteY77"/>
-              </a:cxn>
-              <a:cxn ang="0">
-                <a:pos x="connsiteX78" y="connsiteY78"/>
-              </a:cxn>
-              <a:cxn ang="0">
-                <a:pos x="connsiteX79" y="connsiteY79"/>
-              </a:cxn>
-              <a:cxn ang="0">
-                <a:pos x="connsiteX80" y="connsiteY80"/>
-              </a:cxn>
-              <a:cxn ang="0">
-                <a:pos x="connsiteX81" y="connsiteY81"/>
-              </a:cxn>
-              <a:cxn ang="0">
-                <a:pos x="connsiteX82" y="connsiteY82"/>
-              </a:cxn>
-              <a:cxn ang="0">
-                <a:pos x="connsiteX83" y="connsiteY83"/>
-              </a:cxn>
-              <a:cxn ang="0">
-                <a:pos x="connsiteX84" y="connsiteY84"/>
-              </a:cxn>
-              <a:cxn ang="0">
-                <a:pos x="connsiteX85" y="connsiteY85"/>
-              </a:cxn>
-              <a:cxn ang="0">
-                <a:pos x="connsiteX86" y="connsiteY86"/>
-              </a:cxn>
-              <a:cxn ang="0">
-                <a:pos x="connsiteX87" y="connsiteY87"/>
-              </a:cxn>
-              <a:cxn ang="0">
-                <a:pos x="connsiteX88" y="connsiteY88"/>
-              </a:cxn>
-              <a:cxn ang="0">
-                <a:pos x="connsiteX89" y="connsiteY89"/>
-              </a:cxn>
-              <a:cxn ang="0">
-                <a:pos x="connsiteX90" y="connsiteY90"/>
-              </a:cxn>
-              <a:cxn ang="0">
-                <a:pos x="connsiteX91" y="connsiteY91"/>
-              </a:cxn>
-              <a:cxn ang="0">
-                <a:pos x="connsiteX92" y="connsiteY92"/>
-              </a:cxn>
-              <a:cxn ang="0">
-                <a:pos x="connsiteX93" y="connsiteY93"/>
-              </a:cxn>
-            </a:cxnLst>
-            <a:rect l="l" t="t" r="r" b="b"/>
-            <a:pathLst>
-              <a:path w="23534016" h="11328207">
-                <a:moveTo>
-                  <a:pt x="11264585" y="9912566"/>
-                </a:moveTo>
-                <a:cubicBezTo>
-                  <a:pt x="11470444" y="10051642"/>
-                  <a:pt x="11605793" y="10287166"/>
-                  <a:pt x="11605793" y="10554301"/>
-                </a:cubicBezTo>
-                <a:cubicBezTo>
-                  <a:pt x="11605792" y="10981717"/>
-                  <a:pt x="11259303" y="11328207"/>
-                  <a:pt x="10831887" y="11328207"/>
-                </a:cubicBezTo>
-                <a:lnTo>
-                  <a:pt x="10736635" y="11328207"/>
-                </a:lnTo>
-                <a:cubicBezTo>
-                  <a:pt x="10309219" y="11328207"/>
-                  <a:pt x="9962730" y="10981717"/>
-                  <a:pt x="9962731" y="10554301"/>
-                </a:cubicBezTo>
-                <a:cubicBezTo>
-                  <a:pt x="9962730" y="10126885"/>
-                  <a:pt x="10309219" y="9780395"/>
-                  <a:pt x="10736635" y="9780395"/>
-                </a:cubicBezTo>
-                <a:lnTo>
-                  <a:pt x="10831887" y="9780395"/>
-                </a:lnTo>
-                <a:cubicBezTo>
-                  <a:pt x="10992167" y="9780394"/>
-                  <a:pt x="11141068" y="9829120"/>
-                  <a:pt x="11264585" y="9912566"/>
-                </a:cubicBezTo>
-                <a:close/>
-                <a:moveTo>
-                  <a:pt x="1179542" y="3328153"/>
-                </a:moveTo>
-                <a:cubicBezTo>
-                  <a:pt x="1313615" y="3418731"/>
-                  <a:pt x="1401765" y="3572123"/>
-                  <a:pt x="1401765" y="3746104"/>
-                </a:cubicBezTo>
-                <a:lnTo>
-                  <a:pt x="1401764" y="3746104"/>
-                </a:lnTo>
-                <a:cubicBezTo>
-                  <a:pt x="1401764" y="4024473"/>
-                  <a:pt x="1176101" y="4250136"/>
-                  <a:pt x="897732" y="4250136"/>
-                </a:cubicBezTo>
-                <a:lnTo>
-                  <a:pt x="504033" y="4250135"/>
-                </a:lnTo>
-                <a:cubicBezTo>
-                  <a:pt x="225664" y="4250135"/>
-                  <a:pt x="1" y="4024472"/>
-                  <a:pt x="1" y="3746103"/>
-                </a:cubicBezTo>
-                <a:lnTo>
-                  <a:pt x="0" y="3746103"/>
-                </a:lnTo>
-                <a:cubicBezTo>
-                  <a:pt x="1" y="3467734"/>
-                  <a:pt x="225664" y="3242072"/>
-                  <a:pt x="504032" y="3242072"/>
-                </a:cubicBezTo>
-                <a:lnTo>
-                  <a:pt x="897733" y="3242072"/>
-                </a:lnTo>
-                <a:cubicBezTo>
-                  <a:pt x="1002122" y="3242072"/>
-                  <a:pt x="1099098" y="3273806"/>
-                  <a:pt x="1179542" y="3328153"/>
-                </a:cubicBezTo>
-                <a:close/>
-                <a:moveTo>
-                  <a:pt x="9733515" y="6613367"/>
-                </a:moveTo>
-                <a:cubicBezTo>
-                  <a:pt x="9867590" y="6703946"/>
-                  <a:pt x="9955739" y="6857338"/>
-                  <a:pt x="9955739" y="7031319"/>
-                </a:cubicBezTo>
-                <a:lnTo>
-                  <a:pt x="9955739" y="7031319"/>
-                </a:lnTo>
-                <a:cubicBezTo>
-                  <a:pt x="9955739" y="7309688"/>
-                  <a:pt x="9730075" y="7535351"/>
-                  <a:pt x="9451707" y="7535351"/>
-                </a:cubicBezTo>
-                <a:lnTo>
-                  <a:pt x="9058008" y="7535350"/>
-                </a:lnTo>
-                <a:cubicBezTo>
-                  <a:pt x="8779637" y="7535349"/>
-                  <a:pt x="8553975" y="7309687"/>
-                  <a:pt x="8553975" y="7031318"/>
-                </a:cubicBezTo>
-                <a:lnTo>
-                  <a:pt x="8553975" y="7031318"/>
-                </a:lnTo>
-                <a:cubicBezTo>
-                  <a:pt x="8553975" y="6752949"/>
-                  <a:pt x="8779638" y="6527287"/>
-                  <a:pt x="9058007" y="6527286"/>
-                </a:cubicBezTo>
-                <a:lnTo>
-                  <a:pt x="9451706" y="6527286"/>
-                </a:lnTo>
-                <a:cubicBezTo>
-                  <a:pt x="9556095" y="6527286"/>
-                  <a:pt x="9653072" y="6559021"/>
-                  <a:pt x="9733515" y="6613367"/>
-                </a:cubicBezTo>
-                <a:close/>
-                <a:moveTo>
-                  <a:pt x="8928022" y="3340367"/>
-                </a:moveTo>
-                <a:cubicBezTo>
-                  <a:pt x="9062095" y="3430945"/>
-                  <a:pt x="9150244" y="3584337"/>
-                  <a:pt x="9150244" y="3758318"/>
-                </a:cubicBezTo>
-                <a:lnTo>
-                  <a:pt x="9150244" y="3758318"/>
-                </a:lnTo>
-                <a:cubicBezTo>
-                  <a:pt x="9150244" y="4036688"/>
-                  <a:pt x="8924581" y="4262349"/>
-                  <a:pt x="8646212" y="4262350"/>
-                </a:cubicBezTo>
-                <a:lnTo>
-                  <a:pt x="2350189" y="4262349"/>
-                </a:lnTo>
-                <a:cubicBezTo>
-                  <a:pt x="2071819" y="4262349"/>
-                  <a:pt x="1846156" y="4036685"/>
-                  <a:pt x="1846156" y="3758316"/>
-                </a:cubicBezTo>
-                <a:lnTo>
-                  <a:pt x="1846157" y="3758317"/>
-                </a:lnTo>
-                <a:cubicBezTo>
-                  <a:pt x="1846157" y="3479948"/>
-                  <a:pt x="2071820" y="3254286"/>
-                  <a:pt x="2350189" y="3254285"/>
-                </a:cubicBezTo>
-                <a:lnTo>
-                  <a:pt x="8646213" y="3254286"/>
-                </a:lnTo>
-                <a:cubicBezTo>
-                  <a:pt x="8750602" y="3254287"/>
-                  <a:pt x="8847579" y="3286021"/>
-                  <a:pt x="8928022" y="3340367"/>
-                </a:cubicBezTo>
-                <a:close/>
-                <a:moveTo>
-                  <a:pt x="15324339" y="6624950"/>
-                </a:moveTo>
-                <a:cubicBezTo>
-                  <a:pt x="15458413" y="6715527"/>
-                  <a:pt x="15546561" y="6868919"/>
-                  <a:pt x="15546562" y="7042900"/>
-                </a:cubicBezTo>
-                <a:cubicBezTo>
-                  <a:pt x="15546561" y="7321269"/>
-                  <a:pt x="15320899" y="7546930"/>
-                  <a:pt x="15042530" y="7546931"/>
-                </a:cubicBezTo>
-                <a:lnTo>
-                  <a:pt x="10905505" y="7546930"/>
-                </a:lnTo>
-                <a:cubicBezTo>
-                  <a:pt x="10627136" y="7546930"/>
-                  <a:pt x="10401474" y="7321268"/>
-                  <a:pt x="10401474" y="7042899"/>
-                </a:cubicBezTo>
-                <a:cubicBezTo>
-                  <a:pt x="10401474" y="6764530"/>
-                  <a:pt x="10627137" y="6538868"/>
-                  <a:pt x="10905505" y="6538868"/>
-                </a:cubicBezTo>
-                <a:lnTo>
-                  <a:pt x="15042530" y="6538869"/>
-                </a:lnTo>
-                <a:cubicBezTo>
-                  <a:pt x="15146919" y="6538869"/>
-                  <a:pt x="15243896" y="6570603"/>
-                  <a:pt x="15324339" y="6624950"/>
-                </a:cubicBezTo>
-                <a:close/>
-                <a:moveTo>
-                  <a:pt x="23192458" y="8064785"/>
-                </a:moveTo>
-                <a:cubicBezTo>
-                  <a:pt x="23398529" y="8204003"/>
-                  <a:pt x="23534016" y="8439769"/>
-                  <a:pt x="23534016" y="8707179"/>
-                </a:cubicBezTo>
-                <a:cubicBezTo>
-                  <a:pt x="23534016" y="9135034"/>
-                  <a:pt x="23187171" y="9481878"/>
-                  <a:pt x="22759316" y="9481878"/>
-                </a:cubicBezTo>
-                <a:lnTo>
-                  <a:pt x="8228929" y="9481877"/>
-                </a:lnTo>
-                <a:cubicBezTo>
-                  <a:pt x="7801074" y="9481877"/>
-                  <a:pt x="7454229" y="9135032"/>
-                  <a:pt x="7454228" y="8707176"/>
-                </a:cubicBezTo>
-                <a:cubicBezTo>
-                  <a:pt x="7454228" y="8279322"/>
-                  <a:pt x="7801073" y="7932477"/>
-                  <a:pt x="8228928" y="7932477"/>
-                </a:cubicBezTo>
-                <a:lnTo>
-                  <a:pt x="22759315" y="7932478"/>
-                </a:lnTo>
-                <a:cubicBezTo>
-                  <a:pt x="22919760" y="7932478"/>
-                  <a:pt x="23068815" y="7981253"/>
-                  <a:pt x="23192458" y="8064785"/>
-                </a:cubicBezTo>
-                <a:close/>
-                <a:moveTo>
-                  <a:pt x="9947589" y="86081"/>
-                </a:moveTo>
-                <a:cubicBezTo>
-                  <a:pt x="10081663" y="176659"/>
-                  <a:pt x="10169811" y="330051"/>
-                  <a:pt x="10169812" y="504032"/>
-                </a:cubicBezTo>
-                <a:lnTo>
-                  <a:pt x="10169811" y="504032"/>
-                </a:lnTo>
-                <a:cubicBezTo>
-                  <a:pt x="10169811" y="782401"/>
-                  <a:pt x="9944148" y="1008064"/>
-                  <a:pt x="9665779" y="1008064"/>
-                </a:cubicBezTo>
-                <a:lnTo>
-                  <a:pt x="2447418" y="1008063"/>
-                </a:lnTo>
-                <a:cubicBezTo>
-                  <a:pt x="2169048" y="1008062"/>
-                  <a:pt x="1943386" y="782400"/>
-                  <a:pt x="1943386" y="504031"/>
-                </a:cubicBezTo>
-                <a:lnTo>
-                  <a:pt x="1943385" y="504031"/>
-                </a:lnTo>
-                <a:cubicBezTo>
-                  <a:pt x="1943386" y="225663"/>
-                  <a:pt x="2169048" y="0"/>
-                  <a:pt x="2447417" y="0"/>
-                </a:cubicBezTo>
-                <a:lnTo>
-                  <a:pt x="9665780" y="0"/>
-                </a:lnTo>
-                <a:cubicBezTo>
-                  <a:pt x="9770169" y="0"/>
-                  <a:pt x="9867145" y="31734"/>
-                  <a:pt x="9947589" y="86081"/>
-                </a:cubicBezTo>
-                <a:close/>
-                <a:moveTo>
-                  <a:pt x="16576520" y="3400992"/>
-                </a:moveTo>
-                <a:cubicBezTo>
-                  <a:pt x="16710593" y="3491570"/>
-                  <a:pt x="16798742" y="3644962"/>
-                  <a:pt x="16798742" y="3818943"/>
-                </a:cubicBezTo>
-                <a:lnTo>
-                  <a:pt x="16798742" y="3818943"/>
-                </a:lnTo>
-                <a:cubicBezTo>
-                  <a:pt x="16798742" y="4097312"/>
-                  <a:pt x="16573079" y="4322975"/>
-                  <a:pt x="16294710" y="4322975"/>
-                </a:cubicBezTo>
-                <a:lnTo>
-                  <a:pt x="9998686" y="4322974"/>
-                </a:lnTo>
-                <a:cubicBezTo>
-                  <a:pt x="9720318" y="4322974"/>
-                  <a:pt x="9494655" y="4097311"/>
-                  <a:pt x="9494655" y="3818942"/>
-                </a:cubicBezTo>
-                <a:lnTo>
-                  <a:pt x="9494655" y="3818943"/>
-                </a:lnTo>
-                <a:cubicBezTo>
-                  <a:pt x="9494654" y="3540574"/>
-                  <a:pt x="9720318" y="3314911"/>
-                  <a:pt x="9998687" y="3314911"/>
-                </a:cubicBezTo>
-                <a:lnTo>
-                  <a:pt x="16294711" y="3314911"/>
-                </a:lnTo>
-                <a:cubicBezTo>
-                  <a:pt x="16399100" y="3314912"/>
-                  <a:pt x="16496075" y="3346645"/>
-                  <a:pt x="16576520" y="3400992"/>
-                </a:cubicBezTo>
-                <a:close/>
-                <a:moveTo>
-                  <a:pt x="20515471" y="4777198"/>
-                </a:moveTo>
-                <a:cubicBezTo>
-                  <a:pt x="20721332" y="4916275"/>
-                  <a:pt x="20856681" y="5151799"/>
-                  <a:pt x="20856681" y="5418935"/>
-                </a:cubicBezTo>
-                <a:lnTo>
-                  <a:pt x="20856679" y="5418934"/>
-                </a:lnTo>
-                <a:cubicBezTo>
-                  <a:pt x="20856679" y="5846352"/>
-                  <a:pt x="20510189" y="6192842"/>
-                  <a:pt x="20082773" y="6192842"/>
-                </a:cubicBezTo>
-                <a:lnTo>
-                  <a:pt x="3780736" y="6192840"/>
-                </a:lnTo>
-                <a:cubicBezTo>
-                  <a:pt x="3353319" y="6192840"/>
-                  <a:pt x="3006829" y="5846350"/>
-                  <a:pt x="3006829" y="5418932"/>
-                </a:cubicBezTo>
-                <a:lnTo>
-                  <a:pt x="3006829" y="5418933"/>
-                </a:lnTo>
-                <a:cubicBezTo>
-                  <a:pt x="3006829" y="4991516"/>
-                  <a:pt x="3353318" y="4645026"/>
-                  <a:pt x="3780735" y="4645026"/>
-                </a:cubicBezTo>
-                <a:lnTo>
-                  <a:pt x="20082772" y="4645027"/>
-                </a:lnTo>
-                <a:cubicBezTo>
-                  <a:pt x="20243053" y="4645027"/>
-                  <a:pt x="20391954" y="4693752"/>
-                  <a:pt x="20515471" y="4777198"/>
-                </a:cubicBezTo>
-                <a:close/>
-                <a:moveTo>
-                  <a:pt x="15080250" y="1483266"/>
-                </a:moveTo>
-                <a:cubicBezTo>
-                  <a:pt x="15286109" y="1622342"/>
-                  <a:pt x="15421458" y="1857867"/>
-                  <a:pt x="15421458" y="2125002"/>
-                </a:cubicBezTo>
-                <a:lnTo>
-                  <a:pt x="15421458" y="2125003"/>
-                </a:lnTo>
-                <a:cubicBezTo>
-                  <a:pt x="15421458" y="2552420"/>
-                  <a:pt x="15074966" y="2898909"/>
-                  <a:pt x="14647550" y="2898909"/>
-                </a:cubicBezTo>
-                <a:lnTo>
-                  <a:pt x="5471802" y="2898908"/>
-                </a:lnTo>
-                <a:cubicBezTo>
-                  <a:pt x="5044384" y="2898908"/>
-                  <a:pt x="4697895" y="2552418"/>
-                  <a:pt x="4697895" y="2125001"/>
-                </a:cubicBezTo>
-                <a:lnTo>
-                  <a:pt x="4697895" y="2125002"/>
-                </a:lnTo>
-                <a:cubicBezTo>
-                  <a:pt x="4697894" y="1697585"/>
-                  <a:pt x="5044385" y="1351096"/>
-                  <a:pt x="5471802" y="1351096"/>
-                </a:cubicBezTo>
-                <a:lnTo>
-                  <a:pt x="14647551" y="1351096"/>
-                </a:lnTo>
-                <a:cubicBezTo>
-                  <a:pt x="14807834" y="1351096"/>
-                  <a:pt x="14956733" y="1399820"/>
-                  <a:pt x="15080250" y="1483266"/>
-                </a:cubicBezTo>
-                <a:close/>
-              </a:path>
-            </a:pathLst>
-          </a:custGeom>
-          <a:gradFill flip="none" rotWithShape="1">
-            <a:gsLst>
-              <a:gs pos="0">
-                <a:schemeClr val="accent2">
-                  <a:alpha val="27000"/>
-                  <a:lumMod val="0"/>
-                  <a:lumOff val="100000"/>
-                </a:schemeClr>
-              </a:gs>
-              <a:gs pos="100000">
-                <a:schemeClr val="accent2">
-                  <a:lumMod val="52000"/>
-                  <a:lumOff val="48000"/>
-                </a:schemeClr>
-              </a:gs>
-              <a:gs pos="100000">
-                <a:schemeClr val="accent2">
-                  <a:lumMod val="60000"/>
-                </a:schemeClr>
-              </a:gs>
-            </a:gsLst>
-            <a:path path="circle">
-              <a:fillToRect l="50000" t="130000" r="50000" b="-30000"/>
-            </a:path>
-            <a:tileRect/>
-          </a:gradFill>
-          <a:ln>
-            <a:noFill/>
-          </a:ln>
-        </p:spPr>
-        <p:txBody>
-          <a:bodyPr wrap="square" lIns="19050" tIns="19050" rIns="19050" bIns="19050" anchor="ctr">
-            <a:noAutofit/>
-          </a:bodyPr>
-          <a:lstStyle/>
-          <a:p>
-            <a:pPr eaLnBrk="1"/>
-            <a:endParaRPr lang="en-US" altLang="x-none" sz="900"/>
-          </a:p>
-        </p:txBody>
-      </p:sp>
-      <p:sp>
-        <p:nvSpPr>
-          <p:cNvPr id="2" name="Rectangle 1">
-            <a:extLst>
-              <a:ext uri="{FF2B5EF4-FFF2-40B4-BE49-F238E27FC236}">
-                <a16:creationId xmlns:a16="http://schemas.microsoft.com/office/drawing/2014/main" id="{B381628A-A9B8-7344-961D-B6605A2C1300}"/>
-              </a:ext>
-            </a:extLst>
-          </p:cNvPr>
-          <p:cNvSpPr/>
-          <p:nvPr/>
-        </p:nvSpPr>
-        <p:spPr>
-          <a:xfrm>
-            <a:off x="4127500" y="-190624"/>
-            <a:ext cx="3937000" cy="1441163"/>
-          </a:xfrm>
-          <a:prstGeom prst="rect">
-            <a:avLst/>
-          </a:prstGeom>
-          <a:noFill/>
-          <a:ln>
-            <a:noFill/>
-          </a:ln>
-        </p:spPr>
-        <p:style>
-          <a:lnRef idx="2">
-            <a:schemeClr val="accent1">
-              <a:shade val="50000"/>
-            </a:schemeClr>
-          </a:lnRef>
-          <a:fillRef idx="1">
-            <a:schemeClr val="accent1"/>
-          </a:fillRef>
-          <a:effectRef idx="0">
-            <a:schemeClr val="accent1"/>
-          </a:effectRef>
-          <a:fontRef idx="minor">
-            <a:schemeClr val="lt1"/>
-          </a:fontRef>
-        </p:style>
-        <p:txBody>
-          <a:bodyPr rtlCol="0" anchor="ctr"/>
-          <a:lstStyle/>
-          <a:p>
-            <a:pPr algn="ctr" rtl="1"/>
-            <a:r>
-              <a:rPr lang="ar-SA" sz="4800" dirty="0">
-                <a:solidFill>
-                  <a:srgbClr val="218A3C"/>
-                </a:solidFill>
-                <a:latin typeface="GE SS Text Light" panose="020A0503020102020204" pitchFamily="18" charset="-78"/>
-                <a:ea typeface="GE SS Text Light" panose="020A0503020102020204" pitchFamily="18" charset="-78"/>
-                <a:cs typeface="GE SS Text Light" panose="020A0503020102020204" pitchFamily="18" charset="-78"/>
-              </a:rPr>
-              <a:t>فريق العمل </a:t>
-            </a:r>
-          </a:p>
-        </p:txBody>
-      </p:sp>
-      <p:pic>
-        <p:nvPicPr>
-          <p:cNvPr id="4" name="Graphic 3" descr="Female Profile with solid fill">
-            <a:extLst>
-              <a:ext uri="{FF2B5EF4-FFF2-40B4-BE49-F238E27FC236}">
-                <a16:creationId xmlns:a16="http://schemas.microsoft.com/office/drawing/2014/main" id="{D292C0FF-19F9-104B-8AB1-0E87AB3BDF3B}"/>
-              </a:ext>
-            </a:extLst>
-          </p:cNvPr>
-          <p:cNvPicPr>
-            <a:picLocks noChangeAspect="1"/>
-          </p:cNvPicPr>
-          <p:nvPr/>
-        </p:nvPicPr>
-        <p:blipFill>
-          <a:blip r:embed="rId3">
-            <a:extLst>
-              <a:ext uri="{96DAC541-7B7A-43D3-8B79-37D633B846F1}">
-                <asvg:svgBlip xmlns:asvg="http://schemas.microsoft.com/office/drawing/2016/SVG/main" r:embed="rId4"/>
-              </a:ext>
-            </a:extLst>
-          </a:blip>
-          <a:stretch>
-            <a:fillRect/>
-          </a:stretch>
-        </p:blipFill>
-        <p:spPr>
-          <a:xfrm>
-            <a:off x="8118473" y="5309743"/>
-            <a:ext cx="914400" cy="914400"/>
-          </a:xfrm>
-          <a:prstGeom prst="rect">
-            <a:avLst/>
-          </a:prstGeom>
-        </p:spPr>
-      </p:pic>
-      <p:pic>
-        <p:nvPicPr>
-          <p:cNvPr id="11" name="Graphic 10" descr="Female Profile with solid fill">
-            <a:extLst>
-              <a:ext uri="{FF2B5EF4-FFF2-40B4-BE49-F238E27FC236}">
-                <a16:creationId xmlns:a16="http://schemas.microsoft.com/office/drawing/2014/main" id="{DB599DA2-ECAE-C047-81AD-AF847F299E81}"/>
-              </a:ext>
-            </a:extLst>
-          </p:cNvPr>
-          <p:cNvPicPr>
-            <a:picLocks noChangeAspect="1"/>
-          </p:cNvPicPr>
-          <p:nvPr/>
-        </p:nvPicPr>
-        <p:blipFill>
-          <a:blip r:embed="rId3">
-            <a:extLst>
-              <a:ext uri="{96DAC541-7B7A-43D3-8B79-37D633B846F1}">
-                <asvg:svgBlip xmlns:asvg="http://schemas.microsoft.com/office/drawing/2016/SVG/main" r:embed="rId4"/>
-              </a:ext>
-            </a:extLst>
-          </a:blip>
-          <a:stretch>
-            <a:fillRect/>
-          </a:stretch>
-        </p:blipFill>
-        <p:spPr>
-          <a:xfrm>
-            <a:off x="8118473" y="3927496"/>
-            <a:ext cx="914400" cy="914400"/>
-          </a:xfrm>
-          <a:prstGeom prst="rect">
-            <a:avLst/>
-          </a:prstGeom>
-        </p:spPr>
-      </p:pic>
-      <p:pic>
-        <p:nvPicPr>
-          <p:cNvPr id="6" name="Graphic 5" descr="Male profile with solid fill">
-            <a:extLst>
-              <a:ext uri="{FF2B5EF4-FFF2-40B4-BE49-F238E27FC236}">
-                <a16:creationId xmlns:a16="http://schemas.microsoft.com/office/drawing/2014/main" id="{E63C1429-F3B0-BA42-8193-BD399FD9AB1D}"/>
-              </a:ext>
-            </a:extLst>
-          </p:cNvPr>
-          <p:cNvPicPr>
-            <a:picLocks noChangeAspect="1"/>
-          </p:cNvPicPr>
-          <p:nvPr/>
-        </p:nvPicPr>
-        <p:blipFill>
-          <a:blip r:embed="rId5">
-            <a:extLst>
-              <a:ext uri="{96DAC541-7B7A-43D3-8B79-37D633B846F1}">
-                <asvg:svgBlip xmlns:asvg="http://schemas.microsoft.com/office/drawing/2016/SVG/main" r:embed="rId6"/>
-              </a:ext>
-            </a:extLst>
-          </a:blip>
-          <a:stretch>
-            <a:fillRect/>
-          </a:stretch>
-        </p:blipFill>
-        <p:spPr>
-          <a:xfrm>
-            <a:off x="8118473" y="1163004"/>
-            <a:ext cx="914400" cy="914400"/>
-          </a:xfrm>
-          <a:prstGeom prst="rect">
-            <a:avLst/>
-          </a:prstGeom>
-        </p:spPr>
-      </p:pic>
-      <p:sp>
-        <p:nvSpPr>
-          <p:cNvPr id="8" name="Rectangle 7">
-            <a:extLst>
-              <a:ext uri="{FF2B5EF4-FFF2-40B4-BE49-F238E27FC236}">
-                <a16:creationId xmlns:a16="http://schemas.microsoft.com/office/drawing/2014/main" id="{3B626386-ADD5-7F4B-B084-32066E069146}"/>
-              </a:ext>
-            </a:extLst>
-          </p:cNvPr>
-          <p:cNvSpPr/>
-          <p:nvPr/>
-        </p:nvSpPr>
-        <p:spPr>
-          <a:xfrm>
-            <a:off x="3622808" y="1136850"/>
-            <a:ext cx="4381500" cy="1136293"/>
-          </a:xfrm>
-          <a:prstGeom prst="rect">
-            <a:avLst/>
-          </a:prstGeom>
-          <a:noFill/>
-          <a:ln>
-            <a:noFill/>
-          </a:ln>
-        </p:spPr>
-        <p:style>
-          <a:lnRef idx="2">
-            <a:schemeClr val="accent1">
-              <a:shade val="50000"/>
-            </a:schemeClr>
-          </a:lnRef>
-          <a:fillRef idx="1">
-            <a:schemeClr val="accent1"/>
-          </a:fillRef>
-          <a:effectRef idx="0">
-            <a:schemeClr val="accent1"/>
-          </a:effectRef>
-          <a:fontRef idx="minor">
-            <a:schemeClr val="lt1"/>
-          </a:fontRef>
-        </p:style>
-        <p:txBody>
-          <a:bodyPr rtlCol="0" anchor="ctr"/>
-          <a:lstStyle/>
-          <a:p>
-            <a:pPr algn="ctr" rtl="1"/>
-            <a:r>
-              <a:rPr lang="ar-SA" dirty="0">
-                <a:solidFill>
-                  <a:schemeClr val="tx1"/>
-                </a:solidFill>
-                <a:latin typeface="GE SS Text Light" panose="020A0503020102020204" pitchFamily="18" charset="-78"/>
-                <a:ea typeface="GE SS Text Light" panose="020A0503020102020204" pitchFamily="18" charset="-78"/>
-                <a:cs typeface="GE SS Text Light" panose="020A0503020102020204" pitchFamily="18" charset="-78"/>
-              </a:rPr>
-              <a:t>م. عبدالعزيز الصفدي</a:t>
-            </a:r>
-          </a:p>
-          <a:p>
-            <a:pPr algn="ctr" rtl="1"/>
-            <a:r>
-              <a:rPr lang="ar-SA" dirty="0">
-                <a:solidFill>
-                  <a:schemeClr val="tx1"/>
-                </a:solidFill>
-                <a:latin typeface="GE SS Text Light" panose="020A0503020102020204" pitchFamily="18" charset="-78"/>
-                <a:ea typeface="GE SS Text Light" panose="020A0503020102020204" pitchFamily="18" charset="-78"/>
-                <a:cs typeface="GE SS Text Light" panose="020A0503020102020204" pitchFamily="18" charset="-78"/>
-              </a:rPr>
-              <a:t>تقنية معلومات – مطور حلول وأنظمة</a:t>
-            </a:r>
-          </a:p>
-          <a:p>
-            <a:pPr algn="ctr" rtl="1"/>
-            <a:r>
-              <a:rPr lang="ar-SA" dirty="0">
-                <a:solidFill>
-                  <a:schemeClr val="tx1"/>
-                </a:solidFill>
-                <a:latin typeface="GE SS Text Light" panose="020A0503020102020204" pitchFamily="18" charset="-78"/>
-                <a:ea typeface="GE SS Text Light" panose="020A0503020102020204" pitchFamily="18" charset="-78"/>
-                <a:cs typeface="GE SS Text Light" panose="020A0503020102020204" pitchFamily="18" charset="-78"/>
-              </a:rPr>
-              <a:t>المؤسس/ تقنية</a:t>
-            </a:r>
-            <a:endParaRPr lang="en-US" dirty="0">
-              <a:solidFill>
-                <a:schemeClr val="tx1"/>
-              </a:solidFill>
-              <a:latin typeface="GE SS Text Light" panose="020A0503020102020204" pitchFamily="18" charset="-78"/>
-              <a:ea typeface="GE SS Text Light" panose="020A0503020102020204" pitchFamily="18" charset="-78"/>
-              <a:cs typeface="GE SS Text Light" panose="020A0503020102020204" pitchFamily="18" charset="-78"/>
-            </a:endParaRPr>
-          </a:p>
-        </p:txBody>
-      </p:sp>
-      <p:sp>
-        <p:nvSpPr>
-          <p:cNvPr id="18" name="Rectangle 17">
-            <a:extLst>
-              <a:ext uri="{FF2B5EF4-FFF2-40B4-BE49-F238E27FC236}">
-                <a16:creationId xmlns:a16="http://schemas.microsoft.com/office/drawing/2014/main" id="{822B1093-D0FE-E84B-98B6-D0AC1E479E73}"/>
-              </a:ext>
-            </a:extLst>
-          </p:cNvPr>
-          <p:cNvSpPr/>
-          <p:nvPr/>
-        </p:nvSpPr>
-        <p:spPr>
-          <a:xfrm>
-            <a:off x="3683000" y="5362507"/>
-            <a:ext cx="4381500" cy="808871"/>
-          </a:xfrm>
-          <a:prstGeom prst="rect">
-            <a:avLst/>
-          </a:prstGeom>
-          <a:noFill/>
-          <a:ln>
-            <a:noFill/>
-          </a:ln>
-        </p:spPr>
-        <p:style>
-          <a:lnRef idx="2">
-            <a:schemeClr val="accent1">
-              <a:shade val="50000"/>
-            </a:schemeClr>
-          </a:lnRef>
-          <a:fillRef idx="1">
-            <a:schemeClr val="accent1"/>
-          </a:fillRef>
-          <a:effectRef idx="0">
-            <a:schemeClr val="accent1"/>
-          </a:effectRef>
-          <a:fontRef idx="minor">
-            <a:schemeClr val="lt1"/>
-          </a:fontRef>
-        </p:style>
-        <p:txBody>
-          <a:bodyPr rtlCol="0" anchor="ctr"/>
-          <a:lstStyle/>
-          <a:p>
-            <a:pPr algn="ctr" rtl="1"/>
-            <a:r>
-              <a:rPr lang="ar-SA" dirty="0">
-                <a:solidFill>
-                  <a:schemeClr val="tx1"/>
-                </a:solidFill>
-                <a:latin typeface="GE SS Text Light" panose="020A0503020102020204" pitchFamily="18" charset="-78"/>
-                <a:ea typeface="GE SS Text Light" panose="020A0503020102020204" pitchFamily="18" charset="-78"/>
-                <a:cs typeface="GE SS Text Light" panose="020A0503020102020204" pitchFamily="18" charset="-78"/>
-              </a:rPr>
-              <a:t>سارة الخميس</a:t>
-            </a:r>
-          </a:p>
-          <a:p>
-            <a:pPr algn="ctr" rtl="1"/>
-            <a:r>
-              <a:rPr lang="ar-SA" dirty="0">
-                <a:solidFill>
-                  <a:schemeClr val="tx1"/>
-                </a:solidFill>
-                <a:latin typeface="GE SS Text Light" panose="020A0503020102020204" pitchFamily="18" charset="-78"/>
-                <a:ea typeface="GE SS Text Light" panose="020A0503020102020204" pitchFamily="18" charset="-78"/>
-                <a:cs typeface="GE SS Text Light" panose="020A0503020102020204" pitchFamily="18" charset="-78"/>
-              </a:rPr>
-              <a:t>شريك مؤسس/ التصميم " موشن جرافيك "  </a:t>
-            </a:r>
-          </a:p>
-        </p:txBody>
-      </p:sp>
-      <p:sp>
-        <p:nvSpPr>
-          <p:cNvPr id="19" name="Rectangle 18">
-            <a:extLst>
-              <a:ext uri="{FF2B5EF4-FFF2-40B4-BE49-F238E27FC236}">
-                <a16:creationId xmlns:a16="http://schemas.microsoft.com/office/drawing/2014/main" id="{AE0E7B3F-36EC-6649-8F75-EB73EE34F95E}"/>
-              </a:ext>
-            </a:extLst>
-          </p:cNvPr>
-          <p:cNvSpPr/>
-          <p:nvPr/>
-        </p:nvSpPr>
-        <p:spPr>
-          <a:xfrm>
-            <a:off x="3736973" y="4003914"/>
-            <a:ext cx="4381500" cy="808871"/>
-          </a:xfrm>
-          <a:prstGeom prst="rect">
-            <a:avLst/>
-          </a:prstGeom>
-          <a:noFill/>
-          <a:ln>
-            <a:noFill/>
-          </a:ln>
-        </p:spPr>
-        <p:style>
-          <a:lnRef idx="2">
-            <a:schemeClr val="accent1">
-              <a:shade val="50000"/>
-            </a:schemeClr>
-          </a:lnRef>
-          <a:fillRef idx="1">
-            <a:schemeClr val="accent1"/>
-          </a:fillRef>
-          <a:effectRef idx="0">
-            <a:schemeClr val="accent1"/>
-          </a:effectRef>
-          <a:fontRef idx="minor">
-            <a:schemeClr val="lt1"/>
-          </a:fontRef>
-        </p:style>
-        <p:txBody>
-          <a:bodyPr rtlCol="0" anchor="ctr"/>
-          <a:lstStyle/>
-          <a:p>
-            <a:pPr algn="ctr" rtl="1"/>
-            <a:r>
-              <a:rPr lang="ar-SA" dirty="0">
-                <a:solidFill>
-                  <a:schemeClr val="tx1"/>
-                </a:solidFill>
-                <a:latin typeface="GE SS Text Light" panose="020A0503020102020204" pitchFamily="18" charset="-78"/>
-                <a:ea typeface="GE SS Text Light" panose="020A0503020102020204" pitchFamily="18" charset="-78"/>
-                <a:cs typeface="GE SS Text Light" panose="020A0503020102020204" pitchFamily="18" charset="-78"/>
-              </a:rPr>
-              <a:t>خيريه إبراهيم </a:t>
-            </a:r>
-          </a:p>
-          <a:p>
-            <a:pPr algn="ctr" rtl="1"/>
-            <a:r>
-              <a:rPr lang="ar-SA" dirty="0">
-                <a:solidFill>
-                  <a:schemeClr val="tx1"/>
-                </a:solidFill>
-                <a:latin typeface="GE SS Text Light" panose="020A0503020102020204" pitchFamily="18" charset="-78"/>
-                <a:ea typeface="GE SS Text Light" panose="020A0503020102020204" pitchFamily="18" charset="-78"/>
-                <a:cs typeface="GE SS Text Light" panose="020A0503020102020204" pitchFamily="18" charset="-78"/>
-              </a:rPr>
-              <a:t>شريك مؤسس/ ريادة اعمال</a:t>
-            </a:r>
-          </a:p>
-        </p:txBody>
-      </p:sp>
-      <p:pic>
-        <p:nvPicPr>
-          <p:cNvPr id="25" name="Picture 24" descr="Shape&#10;&#10;Description automatically generated">
-            <a:hlinkClick r:id="rId7"/>
-            <a:extLst>
-              <a:ext uri="{FF2B5EF4-FFF2-40B4-BE49-F238E27FC236}">
-                <a16:creationId xmlns:a16="http://schemas.microsoft.com/office/drawing/2014/main" id="{1982952C-FB6A-4EC2-AC6F-961226B7C26E}"/>
-              </a:ext>
-            </a:extLst>
-          </p:cNvPr>
-          <p:cNvPicPr>
-            <a:picLocks noChangeAspect="1"/>
-          </p:cNvPicPr>
-          <p:nvPr/>
-        </p:nvPicPr>
-        <p:blipFill>
-          <a:blip r:embed="rId8"/>
-          <a:stretch>
-            <a:fillRect/>
-          </a:stretch>
-        </p:blipFill>
-        <p:spPr>
-          <a:xfrm>
-            <a:off x="11053116" y="5718127"/>
-            <a:ext cx="711200" cy="711200"/>
-          </a:xfrm>
-          <a:prstGeom prst="rect">
-            <a:avLst/>
-          </a:prstGeom>
-        </p:spPr>
-      </p:pic>
-      <p:pic>
-        <p:nvPicPr>
-          <p:cNvPr id="26" name="Picture 25" descr="Logo, company name&#10;&#10;Description automatically generated">
-            <a:extLst>
-              <a:ext uri="{FF2B5EF4-FFF2-40B4-BE49-F238E27FC236}">
-                <a16:creationId xmlns:a16="http://schemas.microsoft.com/office/drawing/2014/main" id="{91E33B0F-E38B-4625-A401-2FAAC740F81E}"/>
-              </a:ext>
-            </a:extLst>
-          </p:cNvPr>
-          <p:cNvPicPr>
-            <a:picLocks noChangeAspect="1"/>
-          </p:cNvPicPr>
-          <p:nvPr/>
-        </p:nvPicPr>
-        <p:blipFill>
-          <a:blip r:embed="rId9"/>
-          <a:stretch>
-            <a:fillRect/>
-          </a:stretch>
-        </p:blipFill>
-        <p:spPr>
-          <a:xfrm>
-            <a:off x="10959858" y="2100631"/>
-            <a:ext cx="897716" cy="897716"/>
-          </a:xfrm>
-          <a:prstGeom prst="rect">
-            <a:avLst/>
-          </a:prstGeom>
-        </p:spPr>
-      </p:pic>
-      <p:pic>
-        <p:nvPicPr>
-          <p:cNvPr id="27" name="Picture 26" descr="Logo&#10;&#10;Description automatically generated">
-            <a:extLst>
-              <a:ext uri="{FF2B5EF4-FFF2-40B4-BE49-F238E27FC236}">
-                <a16:creationId xmlns:a16="http://schemas.microsoft.com/office/drawing/2014/main" id="{72185245-AFD0-4F91-B3FA-E1F1E46D9276}"/>
-              </a:ext>
-            </a:extLst>
-          </p:cNvPr>
-          <p:cNvPicPr>
-            <a:picLocks noChangeAspect="1"/>
-          </p:cNvPicPr>
-          <p:nvPr/>
-        </p:nvPicPr>
-        <p:blipFill>
-          <a:blip r:embed="rId10"/>
-          <a:stretch>
-            <a:fillRect/>
-          </a:stretch>
-        </p:blipFill>
-        <p:spPr>
-          <a:xfrm>
-            <a:off x="11055958" y="385312"/>
-            <a:ext cx="705516" cy="897716"/>
-          </a:xfrm>
-          <a:prstGeom prst="rect">
-            <a:avLst/>
-          </a:prstGeom>
-        </p:spPr>
-      </p:pic>
-      <p:pic>
-        <p:nvPicPr>
-          <p:cNvPr id="28" name="Picture 27" descr="Logo&#10;&#10;Description automatically generated">
-            <a:extLst>
-              <a:ext uri="{FF2B5EF4-FFF2-40B4-BE49-F238E27FC236}">
-                <a16:creationId xmlns:a16="http://schemas.microsoft.com/office/drawing/2014/main" id="{D1B7951D-0375-49D1-98D7-B91F37F8FCA8}"/>
-              </a:ext>
-            </a:extLst>
-          </p:cNvPr>
-          <p:cNvPicPr>
-            <a:picLocks noChangeAspect="1"/>
-          </p:cNvPicPr>
-          <p:nvPr/>
-        </p:nvPicPr>
-        <p:blipFill rotWithShape="1">
-          <a:blip r:embed="rId11"/>
-          <a:srcRect l="9468" t="10171" r="10072" b="16940"/>
-          <a:stretch/>
-        </p:blipFill>
-        <p:spPr>
-          <a:xfrm>
-            <a:off x="10810102" y="3815950"/>
-            <a:ext cx="1197228" cy="1084574"/>
-          </a:xfrm>
-          <a:prstGeom prst="rect">
-            <a:avLst/>
-          </a:prstGeom>
-        </p:spPr>
-      </p:pic>
-      <p:sp>
-        <p:nvSpPr>
-          <p:cNvPr id="29" name="Rectangle 28">
-            <a:extLst>
-              <a:ext uri="{FF2B5EF4-FFF2-40B4-BE49-F238E27FC236}">
-                <a16:creationId xmlns:a16="http://schemas.microsoft.com/office/drawing/2014/main" id="{145C720C-3130-4A8C-9447-5018B426D5F5}"/>
-              </a:ext>
-            </a:extLst>
-          </p:cNvPr>
-          <p:cNvSpPr/>
-          <p:nvPr/>
-        </p:nvSpPr>
-        <p:spPr>
-          <a:xfrm>
-            <a:off x="3465806" y="2502146"/>
-            <a:ext cx="4381500" cy="1136293"/>
-          </a:xfrm>
-          <a:prstGeom prst="rect">
-            <a:avLst/>
-          </a:prstGeom>
-          <a:noFill/>
-          <a:ln>
-            <a:noFill/>
-          </a:ln>
-        </p:spPr>
-        <p:style>
-          <a:lnRef idx="2">
-            <a:schemeClr val="accent1">
-              <a:shade val="50000"/>
-            </a:schemeClr>
-          </a:lnRef>
-          <a:fillRef idx="1">
-            <a:schemeClr val="accent1"/>
-          </a:fillRef>
-          <a:effectRef idx="0">
-            <a:schemeClr val="accent1"/>
-          </a:effectRef>
-          <a:fontRef idx="minor">
-            <a:schemeClr val="lt1"/>
-          </a:fontRef>
-        </p:style>
-        <p:txBody>
-          <a:bodyPr rtlCol="0" anchor="ctr"/>
-          <a:lstStyle/>
-          <a:p>
-            <a:pPr algn="ctr" rtl="1"/>
-            <a:r>
-              <a:rPr lang="ar-SA" dirty="0">
-                <a:solidFill>
-                  <a:schemeClr val="tx1"/>
-                </a:solidFill>
-                <a:latin typeface="GE SS Text Light" panose="020A0503020102020204" pitchFamily="18" charset="-78"/>
-                <a:ea typeface="GE SS Text Light" panose="020A0503020102020204" pitchFamily="18" charset="-78"/>
-                <a:cs typeface="GE SS Text Light" panose="020A0503020102020204" pitchFamily="18" charset="-78"/>
-              </a:rPr>
-              <a:t>أ. سعيد علي الشهري</a:t>
-            </a:r>
-          </a:p>
-          <a:p>
-            <a:pPr algn="ctr" rtl="1"/>
-            <a:r>
-              <a:rPr lang="ar-SA" dirty="0">
-                <a:solidFill>
-                  <a:schemeClr val="tx1"/>
-                </a:solidFill>
-                <a:latin typeface="GE SS Text Light" panose="020A0503020102020204" pitchFamily="18" charset="-78"/>
-                <a:ea typeface="GE SS Text Light" panose="020A0503020102020204" pitchFamily="18" charset="-78"/>
-                <a:cs typeface="GE SS Text Light" panose="020A0503020102020204" pitchFamily="18" charset="-78"/>
-              </a:rPr>
-              <a:t>مترجم ومطور أعمال</a:t>
-            </a:r>
-          </a:p>
-        </p:txBody>
-      </p:sp>
-      <p:pic>
-        <p:nvPicPr>
-          <p:cNvPr id="30" name="Graphic 29" descr="Male profile with solid fill">
-            <a:extLst>
-              <a:ext uri="{FF2B5EF4-FFF2-40B4-BE49-F238E27FC236}">
-                <a16:creationId xmlns:a16="http://schemas.microsoft.com/office/drawing/2014/main" id="{8019F2E7-0A7D-489E-B88B-BABA1E8945A5}"/>
-              </a:ext>
-            </a:extLst>
-          </p:cNvPr>
-          <p:cNvPicPr>
-            <a:picLocks noChangeAspect="1"/>
-          </p:cNvPicPr>
-          <p:nvPr/>
-        </p:nvPicPr>
-        <p:blipFill>
-          <a:blip r:embed="rId5">
-            <a:extLst>
-              <a:ext uri="{96DAC541-7B7A-43D3-8B79-37D633B846F1}">
-                <asvg:svgBlip xmlns:asvg="http://schemas.microsoft.com/office/drawing/2016/SVG/main" r:embed="rId6"/>
-              </a:ext>
-            </a:extLst>
-          </a:blip>
-          <a:stretch>
-            <a:fillRect/>
-          </a:stretch>
-        </p:blipFill>
-        <p:spPr>
-          <a:xfrm>
-            <a:off x="8118473" y="2545250"/>
-            <a:ext cx="914400" cy="914400"/>
-          </a:xfrm>
-          <a:prstGeom prst="rect">
-            <a:avLst/>
-          </a:prstGeom>
-        </p:spPr>
-      </p:pic>
-    </p:spTree>
-    <p:extLst>
-      <p:ext uri="{BB962C8B-B14F-4D97-AF65-F5344CB8AC3E}">
-        <p14:creationId xmlns:p14="http://schemas.microsoft.com/office/powerpoint/2010/main" val="3598293439"/>
-      </p:ext>
-    </p:extLst>
-  </p:cSld>
-  <p:clrMapOvr>
-    <a:masterClrMapping/>
-  </p:clrMapOvr>
-</p:sld>
-</file>
-
 <file path=ppt/theme/theme1.xml><?xml version="1.0" encoding="utf-8"?>
 <a:theme xmlns:a="http://schemas.openxmlformats.org/drawingml/2006/main" name="Office Theme">
   <a:themeElements>

--- a/Quran_Similarities.pptx
+++ b/Quran_Similarities.pptx
@@ -6667,6 +6667,27 @@
               </a:rPr>
               <a:t>تقنية معلومات – مطور حلول وأنظمة</a:t>
             </a:r>
+            <a:br>
+              <a:rPr lang="ar-SA" dirty="0">
+                <a:solidFill>
+                  <a:schemeClr val="tx1"/>
+                </a:solidFill>
+                <a:latin typeface="GE SS Text Light" panose="020A0503020102020204" pitchFamily="18" charset="-78"/>
+                <a:ea typeface="GE SS Text Light" panose="020A0503020102020204" pitchFamily="18" charset="-78"/>
+                <a:cs typeface="GE SS Text Light" panose="020A0503020102020204" pitchFamily="18" charset="-78"/>
+              </a:rPr>
+            </a:br>
+            <a:r>
+              <a:rPr lang="ar-SA" dirty="0">
+                <a:solidFill>
+                  <a:schemeClr val="tx1"/>
+                </a:solidFill>
+                <a:latin typeface="GE SS Text Light" panose="020A0503020102020204" pitchFamily="18" charset="-78"/>
+                <a:ea typeface="GE SS Text Light" panose="020A0503020102020204" pitchFamily="18" charset="-78"/>
+                <a:cs typeface="GE SS Text Light" panose="020A0503020102020204" pitchFamily="18" charset="-78"/>
+              </a:rPr>
+              <a:t>مختص بالقرآن وعلومه</a:t>
+            </a:r>
           </a:p>
           <a:p>
             <a:pPr algn="ctr" rtl="1"/>
@@ -6679,7 +6700,7 @@
                 <a:ea typeface="GE SS Text Light" panose="020A0503020102020204" pitchFamily="18" charset="-78"/>
                 <a:cs typeface="GE SS Text Light" panose="020A0503020102020204" pitchFamily="18" charset="-78"/>
               </a:rPr>
-              <a:t>المؤسس/ تقنية</a:t>
+              <a:t>المؤسس</a:t>
             </a:r>
             <a:endParaRPr lang="en-US" dirty="0">
               <a:solidFill>

--- a/Quran_Similarities.pptx
+++ b/Quran_Similarities.pptx
@@ -5,7 +5,7 @@
     <p:sldMasterId id="2147483672" r:id="rId1"/>
   </p:sldMasterIdLst>
   <p:notesMasterIdLst>
-    <p:notesMasterId r:id="rId13"/>
+    <p:notesMasterId r:id="rId14"/>
   </p:notesMasterIdLst>
   <p:sldIdLst>
     <p:sldId id="266" r:id="rId2"/>
@@ -15,10 +15,11 @@
     <p:sldId id="270" r:id="rId6"/>
     <p:sldId id="272" r:id="rId7"/>
     <p:sldId id="267" r:id="rId8"/>
-    <p:sldId id="264" r:id="rId9"/>
-    <p:sldId id="258" r:id="rId10"/>
-    <p:sldId id="259" r:id="rId11"/>
-    <p:sldId id="269" r:id="rId12"/>
+    <p:sldId id="273" r:id="rId9"/>
+    <p:sldId id="264" r:id="rId10"/>
+    <p:sldId id="258" r:id="rId11"/>
+    <p:sldId id="259" r:id="rId12"/>
+    <p:sldId id="269" r:id="rId13"/>
   </p:sldIdLst>
   <p:sldSz cx="12192000" cy="6858000"/>
   <p:notesSz cx="6858000" cy="9144000"/>
@@ -631,6 +632,99 @@
           <a:p>
             <a:pPr marL="0" algn="r" defTabSz="914400" rtl="1" eaLnBrk="1" latinLnBrk="0" hangingPunct="1"/>
             <a:r>
+              <a:rPr lang="ar-SA" dirty="0"/>
+              <a:t>النموذج الاولي </a:t>
+            </a:r>
+          </a:p>
+        </p:txBody>
+      </p:sp>
+      <p:sp>
+        <p:nvSpPr>
+          <p:cNvPr id="4" name="Slide Number Placeholder 3"/>
+          <p:cNvSpPr>
+            <a:spLocks noGrp="1"/>
+          </p:cNvSpPr>
+          <p:nvPr>
+            <p:ph type="sldNum" sz="quarter" idx="5"/>
+          </p:nvPr>
+        </p:nvSpPr>
+        <p:spPr/>
+        <p:txBody>
+          <a:bodyPr/>
+          <a:lstStyle/>
+          <a:p>
+            <a:fld id="{0692D3F7-FCD5-A14E-9C11-336F5F8127B8}" type="slidenum">
+              <a:rPr lang="ar-SA" smtClean="0"/>
+              <a:t>11</a:t>
+            </a:fld>
+            <a:endParaRPr lang="ar-SA"/>
+          </a:p>
+        </p:txBody>
+      </p:sp>
+    </p:spTree>
+    <p:extLst>
+      <p:ext uri="{BB962C8B-B14F-4D97-AF65-F5344CB8AC3E}">
+        <p14:creationId xmlns:p14="http://schemas.microsoft.com/office/powerpoint/2010/main" val="4185975224"/>
+      </p:ext>
+    </p:extLst>
+  </p:cSld>
+  <p:clrMapOvr>
+    <a:masterClrMapping/>
+  </p:clrMapOvr>
+</p:notes>
+</file>
+
+<file path=ppt/notesSlides/notesSlide11.xml><?xml version="1.0" encoding="utf-8"?>
+<p:notes xmlns:a="http://schemas.openxmlformats.org/drawingml/2006/main" xmlns:r="http://schemas.openxmlformats.org/officeDocument/2006/relationships" xmlns:p="http://schemas.openxmlformats.org/presentationml/2006/main">
+  <p:cSld>
+    <p:spTree>
+      <p:nvGrpSpPr>
+        <p:cNvPr id="1" name=""/>
+        <p:cNvGrpSpPr/>
+        <p:nvPr/>
+      </p:nvGrpSpPr>
+      <p:grpSpPr>
+        <a:xfrm>
+          <a:off x="0" y="0"/>
+          <a:ext cx="0" cy="0"/>
+          <a:chOff x="0" y="0"/>
+          <a:chExt cx="0" cy="0"/>
+        </a:xfrm>
+      </p:grpSpPr>
+      <p:sp>
+        <p:nvSpPr>
+          <p:cNvPr id="2" name="Slide Image Placeholder 1"/>
+          <p:cNvSpPr>
+            <a:spLocks noGrp="1" noRot="1" noChangeAspect="1"/>
+          </p:cNvSpPr>
+          <p:nvPr>
+            <p:ph type="sldImg"/>
+          </p:nvPr>
+        </p:nvSpPr>
+        <p:spPr>
+          <a:xfrm>
+            <a:off x="685800" y="1143000"/>
+            <a:ext cx="5486400" cy="3086100"/>
+          </a:xfrm>
+        </p:spPr>
+      </p:sp>
+      <p:sp>
+        <p:nvSpPr>
+          <p:cNvPr id="3" name="Notes Placeholder 2"/>
+          <p:cNvSpPr>
+            <a:spLocks noGrp="1"/>
+          </p:cNvSpPr>
+          <p:nvPr>
+            <p:ph type="body" idx="1"/>
+          </p:nvPr>
+        </p:nvSpPr>
+        <p:spPr/>
+        <p:txBody>
+          <a:bodyPr/>
+          <a:lstStyle/>
+          <a:p>
+            <a:pPr marL="0" algn="r" defTabSz="914400" rtl="1" eaLnBrk="1" latinLnBrk="0" hangingPunct="1"/>
+            <a:r>
               <a:rPr lang="ar-SA" dirty="0" err="1"/>
               <a:t>ماهو</a:t>
             </a:r>
@@ -666,7 +760,7 @@
           <a:p>
             <a:fld id="{0692D3F7-FCD5-A14E-9C11-336F5F8127B8}" type="slidenum">
               <a:rPr lang="ar-SA" smtClean="0"/>
-              <a:t>11</a:t>
+              <a:t>12</a:t>
             </a:fld>
             <a:endParaRPr lang="ar-SA"/>
           </a:p>
@@ -1365,7 +1459,22 @@
           <a:lstStyle/>
           <a:p>
             <a:pPr marL="0" algn="r" defTabSz="914400" rtl="1" eaLnBrk="1" latinLnBrk="0" hangingPunct="1"/>
-            <a:endParaRPr lang="ar-SA" dirty="0"/>
+            <a:r>
+              <a:rPr lang="ar-SA" dirty="0" err="1"/>
+              <a:t>ماهو</a:t>
+            </a:r>
+            <a:r>
+              <a:rPr lang="ar-SA" dirty="0"/>
+              <a:t> تطبيق </a:t>
+            </a:r>
+            <a:r>
+              <a:rPr lang="ar-SA" dirty="0" err="1"/>
+              <a:t>متشابة</a:t>
+            </a:r>
+            <a:r>
+              <a:rPr lang="ar-SA" dirty="0"/>
+              <a:t> القران </a:t>
+            </a:r>
           </a:p>
         </p:txBody>
       </p:sp>
@@ -1395,7 +1504,7 @@
     </p:spTree>
     <p:extLst>
       <p:ext uri="{BB962C8B-B14F-4D97-AF65-F5344CB8AC3E}">
-        <p14:creationId xmlns:p14="http://schemas.microsoft.com/office/powerpoint/2010/main" val="3213354857"/>
+        <p14:creationId xmlns:p14="http://schemas.microsoft.com/office/powerpoint/2010/main" val="1465814848"/>
       </p:ext>
     </p:extLst>
   </p:cSld>
@@ -1455,10 +1564,7 @@
           <a:lstStyle/>
           <a:p>
             <a:pPr marL="0" algn="r" defTabSz="914400" rtl="1" eaLnBrk="1" latinLnBrk="0" hangingPunct="1"/>
-            <a:r>
-              <a:rPr lang="ar-SA" dirty="0"/>
-              <a:t>النموذج الاولي </a:t>
-            </a:r>
+            <a:endParaRPr lang="ar-SA" dirty="0"/>
           </a:p>
         </p:txBody>
       </p:sp>
@@ -1479,7 +1585,7 @@
           <a:p>
             <a:fld id="{0692D3F7-FCD5-A14E-9C11-336F5F8127B8}" type="slidenum">
               <a:rPr lang="ar-SA" smtClean="0"/>
-              <a:t>10</a:t>
+              <a:t>9</a:t>
             </a:fld>
             <a:endParaRPr lang="ar-SA"/>
           </a:p>
@@ -1488,7 +1594,7 @@
     </p:spTree>
     <p:extLst>
       <p:ext uri="{BB962C8B-B14F-4D97-AF65-F5344CB8AC3E}">
-        <p14:creationId xmlns:p14="http://schemas.microsoft.com/office/powerpoint/2010/main" val="4185975224"/>
+        <p14:creationId xmlns:p14="http://schemas.microsoft.com/office/powerpoint/2010/main" val="3213354857"/>
       </p:ext>
     </p:extLst>
   </p:cSld>
@@ -5495,6 +5601,2030 @@
       </p:grpSpPr>
       <p:sp>
         <p:nvSpPr>
+          <p:cNvPr id="43" name="Freeform 40">
+            <a:extLst>
+              <a:ext uri="{FF2B5EF4-FFF2-40B4-BE49-F238E27FC236}">
+                <a16:creationId xmlns:a16="http://schemas.microsoft.com/office/drawing/2014/main" id="{9391B291-BA20-47C9-9007-2EF12089BA27}"/>
+              </a:ext>
+            </a:extLst>
+          </p:cNvPr>
+          <p:cNvSpPr>
+            <a:spLocks noChangeArrowheads="1"/>
+          </p:cNvSpPr>
+          <p:nvPr/>
+        </p:nvSpPr>
+        <p:spPr bwMode="auto">
+          <a:xfrm rot="11825610">
+            <a:off x="-4873768" y="-208990"/>
+            <a:ext cx="11767008" cy="5664104"/>
+          </a:xfrm>
+          <a:custGeom>
+            <a:avLst/>
+            <a:gdLst>
+              <a:gd name="connsiteX0" fmla="*/ 11264585 w 23534016"/>
+              <a:gd name="connsiteY0" fmla="*/ 9912566 h 11328207"/>
+              <a:gd name="connsiteX1" fmla="*/ 11605793 w 23534016"/>
+              <a:gd name="connsiteY1" fmla="*/ 10554301 h 11328207"/>
+              <a:gd name="connsiteX2" fmla="*/ 10831887 w 23534016"/>
+              <a:gd name="connsiteY2" fmla="*/ 11328207 h 11328207"/>
+              <a:gd name="connsiteX3" fmla="*/ 10736635 w 23534016"/>
+              <a:gd name="connsiteY3" fmla="*/ 11328207 h 11328207"/>
+              <a:gd name="connsiteX4" fmla="*/ 9962731 w 23534016"/>
+              <a:gd name="connsiteY4" fmla="*/ 10554301 h 11328207"/>
+              <a:gd name="connsiteX5" fmla="*/ 10736635 w 23534016"/>
+              <a:gd name="connsiteY5" fmla="*/ 9780395 h 11328207"/>
+              <a:gd name="connsiteX6" fmla="*/ 10831887 w 23534016"/>
+              <a:gd name="connsiteY6" fmla="*/ 9780395 h 11328207"/>
+              <a:gd name="connsiteX7" fmla="*/ 11264585 w 23534016"/>
+              <a:gd name="connsiteY7" fmla="*/ 9912566 h 11328207"/>
+              <a:gd name="connsiteX8" fmla="*/ 1179542 w 23534016"/>
+              <a:gd name="connsiteY8" fmla="*/ 3328153 h 11328207"/>
+              <a:gd name="connsiteX9" fmla="*/ 1401765 w 23534016"/>
+              <a:gd name="connsiteY9" fmla="*/ 3746104 h 11328207"/>
+              <a:gd name="connsiteX10" fmla="*/ 1401764 w 23534016"/>
+              <a:gd name="connsiteY10" fmla="*/ 3746104 h 11328207"/>
+              <a:gd name="connsiteX11" fmla="*/ 897732 w 23534016"/>
+              <a:gd name="connsiteY11" fmla="*/ 4250136 h 11328207"/>
+              <a:gd name="connsiteX12" fmla="*/ 504033 w 23534016"/>
+              <a:gd name="connsiteY12" fmla="*/ 4250135 h 11328207"/>
+              <a:gd name="connsiteX13" fmla="*/ 1 w 23534016"/>
+              <a:gd name="connsiteY13" fmla="*/ 3746103 h 11328207"/>
+              <a:gd name="connsiteX14" fmla="*/ 0 w 23534016"/>
+              <a:gd name="connsiteY14" fmla="*/ 3746103 h 11328207"/>
+              <a:gd name="connsiteX15" fmla="*/ 504032 w 23534016"/>
+              <a:gd name="connsiteY15" fmla="*/ 3242072 h 11328207"/>
+              <a:gd name="connsiteX16" fmla="*/ 897733 w 23534016"/>
+              <a:gd name="connsiteY16" fmla="*/ 3242072 h 11328207"/>
+              <a:gd name="connsiteX17" fmla="*/ 1179542 w 23534016"/>
+              <a:gd name="connsiteY17" fmla="*/ 3328153 h 11328207"/>
+              <a:gd name="connsiteX18" fmla="*/ 9733515 w 23534016"/>
+              <a:gd name="connsiteY18" fmla="*/ 6613367 h 11328207"/>
+              <a:gd name="connsiteX19" fmla="*/ 9955739 w 23534016"/>
+              <a:gd name="connsiteY19" fmla="*/ 7031319 h 11328207"/>
+              <a:gd name="connsiteX20" fmla="*/ 9955739 w 23534016"/>
+              <a:gd name="connsiteY20" fmla="*/ 7031319 h 11328207"/>
+              <a:gd name="connsiteX21" fmla="*/ 9451707 w 23534016"/>
+              <a:gd name="connsiteY21" fmla="*/ 7535351 h 11328207"/>
+              <a:gd name="connsiteX22" fmla="*/ 9058008 w 23534016"/>
+              <a:gd name="connsiteY22" fmla="*/ 7535350 h 11328207"/>
+              <a:gd name="connsiteX23" fmla="*/ 8553975 w 23534016"/>
+              <a:gd name="connsiteY23" fmla="*/ 7031318 h 11328207"/>
+              <a:gd name="connsiteX24" fmla="*/ 8553975 w 23534016"/>
+              <a:gd name="connsiteY24" fmla="*/ 7031318 h 11328207"/>
+              <a:gd name="connsiteX25" fmla="*/ 9058007 w 23534016"/>
+              <a:gd name="connsiteY25" fmla="*/ 6527286 h 11328207"/>
+              <a:gd name="connsiteX26" fmla="*/ 9451706 w 23534016"/>
+              <a:gd name="connsiteY26" fmla="*/ 6527286 h 11328207"/>
+              <a:gd name="connsiteX27" fmla="*/ 9733515 w 23534016"/>
+              <a:gd name="connsiteY27" fmla="*/ 6613367 h 11328207"/>
+              <a:gd name="connsiteX28" fmla="*/ 8928022 w 23534016"/>
+              <a:gd name="connsiteY28" fmla="*/ 3340367 h 11328207"/>
+              <a:gd name="connsiteX29" fmla="*/ 9150244 w 23534016"/>
+              <a:gd name="connsiteY29" fmla="*/ 3758318 h 11328207"/>
+              <a:gd name="connsiteX30" fmla="*/ 9150244 w 23534016"/>
+              <a:gd name="connsiteY30" fmla="*/ 3758318 h 11328207"/>
+              <a:gd name="connsiteX31" fmla="*/ 8646212 w 23534016"/>
+              <a:gd name="connsiteY31" fmla="*/ 4262350 h 11328207"/>
+              <a:gd name="connsiteX32" fmla="*/ 2350189 w 23534016"/>
+              <a:gd name="connsiteY32" fmla="*/ 4262349 h 11328207"/>
+              <a:gd name="connsiteX33" fmla="*/ 1846156 w 23534016"/>
+              <a:gd name="connsiteY33" fmla="*/ 3758316 h 11328207"/>
+              <a:gd name="connsiteX34" fmla="*/ 1846157 w 23534016"/>
+              <a:gd name="connsiteY34" fmla="*/ 3758317 h 11328207"/>
+              <a:gd name="connsiteX35" fmla="*/ 2350189 w 23534016"/>
+              <a:gd name="connsiteY35" fmla="*/ 3254285 h 11328207"/>
+              <a:gd name="connsiteX36" fmla="*/ 8646213 w 23534016"/>
+              <a:gd name="connsiteY36" fmla="*/ 3254286 h 11328207"/>
+              <a:gd name="connsiteX37" fmla="*/ 8928022 w 23534016"/>
+              <a:gd name="connsiteY37" fmla="*/ 3340367 h 11328207"/>
+              <a:gd name="connsiteX38" fmla="*/ 15324339 w 23534016"/>
+              <a:gd name="connsiteY38" fmla="*/ 6624950 h 11328207"/>
+              <a:gd name="connsiteX39" fmla="*/ 15546562 w 23534016"/>
+              <a:gd name="connsiteY39" fmla="*/ 7042900 h 11328207"/>
+              <a:gd name="connsiteX40" fmla="*/ 15042530 w 23534016"/>
+              <a:gd name="connsiteY40" fmla="*/ 7546931 h 11328207"/>
+              <a:gd name="connsiteX41" fmla="*/ 10905505 w 23534016"/>
+              <a:gd name="connsiteY41" fmla="*/ 7546930 h 11328207"/>
+              <a:gd name="connsiteX42" fmla="*/ 10401474 w 23534016"/>
+              <a:gd name="connsiteY42" fmla="*/ 7042899 h 11328207"/>
+              <a:gd name="connsiteX43" fmla="*/ 10905505 w 23534016"/>
+              <a:gd name="connsiteY43" fmla="*/ 6538868 h 11328207"/>
+              <a:gd name="connsiteX44" fmla="*/ 15042530 w 23534016"/>
+              <a:gd name="connsiteY44" fmla="*/ 6538869 h 11328207"/>
+              <a:gd name="connsiteX45" fmla="*/ 15324339 w 23534016"/>
+              <a:gd name="connsiteY45" fmla="*/ 6624950 h 11328207"/>
+              <a:gd name="connsiteX46" fmla="*/ 23192458 w 23534016"/>
+              <a:gd name="connsiteY46" fmla="*/ 8064785 h 11328207"/>
+              <a:gd name="connsiteX47" fmla="*/ 23534016 w 23534016"/>
+              <a:gd name="connsiteY47" fmla="*/ 8707179 h 11328207"/>
+              <a:gd name="connsiteX48" fmla="*/ 22759316 w 23534016"/>
+              <a:gd name="connsiteY48" fmla="*/ 9481878 h 11328207"/>
+              <a:gd name="connsiteX49" fmla="*/ 8228929 w 23534016"/>
+              <a:gd name="connsiteY49" fmla="*/ 9481877 h 11328207"/>
+              <a:gd name="connsiteX50" fmla="*/ 7454228 w 23534016"/>
+              <a:gd name="connsiteY50" fmla="*/ 8707176 h 11328207"/>
+              <a:gd name="connsiteX51" fmla="*/ 8228928 w 23534016"/>
+              <a:gd name="connsiteY51" fmla="*/ 7932477 h 11328207"/>
+              <a:gd name="connsiteX52" fmla="*/ 22759315 w 23534016"/>
+              <a:gd name="connsiteY52" fmla="*/ 7932478 h 11328207"/>
+              <a:gd name="connsiteX53" fmla="*/ 23192458 w 23534016"/>
+              <a:gd name="connsiteY53" fmla="*/ 8064785 h 11328207"/>
+              <a:gd name="connsiteX54" fmla="*/ 9947589 w 23534016"/>
+              <a:gd name="connsiteY54" fmla="*/ 86081 h 11328207"/>
+              <a:gd name="connsiteX55" fmla="*/ 10169812 w 23534016"/>
+              <a:gd name="connsiteY55" fmla="*/ 504032 h 11328207"/>
+              <a:gd name="connsiteX56" fmla="*/ 10169811 w 23534016"/>
+              <a:gd name="connsiteY56" fmla="*/ 504032 h 11328207"/>
+              <a:gd name="connsiteX57" fmla="*/ 9665779 w 23534016"/>
+              <a:gd name="connsiteY57" fmla="*/ 1008064 h 11328207"/>
+              <a:gd name="connsiteX58" fmla="*/ 2447418 w 23534016"/>
+              <a:gd name="connsiteY58" fmla="*/ 1008063 h 11328207"/>
+              <a:gd name="connsiteX59" fmla="*/ 1943386 w 23534016"/>
+              <a:gd name="connsiteY59" fmla="*/ 504031 h 11328207"/>
+              <a:gd name="connsiteX60" fmla="*/ 1943385 w 23534016"/>
+              <a:gd name="connsiteY60" fmla="*/ 504031 h 11328207"/>
+              <a:gd name="connsiteX61" fmla="*/ 2447417 w 23534016"/>
+              <a:gd name="connsiteY61" fmla="*/ 0 h 11328207"/>
+              <a:gd name="connsiteX62" fmla="*/ 9665780 w 23534016"/>
+              <a:gd name="connsiteY62" fmla="*/ 0 h 11328207"/>
+              <a:gd name="connsiteX63" fmla="*/ 9947589 w 23534016"/>
+              <a:gd name="connsiteY63" fmla="*/ 86081 h 11328207"/>
+              <a:gd name="connsiteX64" fmla="*/ 16576520 w 23534016"/>
+              <a:gd name="connsiteY64" fmla="*/ 3400992 h 11328207"/>
+              <a:gd name="connsiteX65" fmla="*/ 16798742 w 23534016"/>
+              <a:gd name="connsiteY65" fmla="*/ 3818943 h 11328207"/>
+              <a:gd name="connsiteX66" fmla="*/ 16798742 w 23534016"/>
+              <a:gd name="connsiteY66" fmla="*/ 3818943 h 11328207"/>
+              <a:gd name="connsiteX67" fmla="*/ 16294710 w 23534016"/>
+              <a:gd name="connsiteY67" fmla="*/ 4322975 h 11328207"/>
+              <a:gd name="connsiteX68" fmla="*/ 9998686 w 23534016"/>
+              <a:gd name="connsiteY68" fmla="*/ 4322974 h 11328207"/>
+              <a:gd name="connsiteX69" fmla="*/ 9494655 w 23534016"/>
+              <a:gd name="connsiteY69" fmla="*/ 3818942 h 11328207"/>
+              <a:gd name="connsiteX70" fmla="*/ 9494655 w 23534016"/>
+              <a:gd name="connsiteY70" fmla="*/ 3818943 h 11328207"/>
+              <a:gd name="connsiteX71" fmla="*/ 9998687 w 23534016"/>
+              <a:gd name="connsiteY71" fmla="*/ 3314911 h 11328207"/>
+              <a:gd name="connsiteX72" fmla="*/ 16294711 w 23534016"/>
+              <a:gd name="connsiteY72" fmla="*/ 3314911 h 11328207"/>
+              <a:gd name="connsiteX73" fmla="*/ 16576520 w 23534016"/>
+              <a:gd name="connsiteY73" fmla="*/ 3400992 h 11328207"/>
+              <a:gd name="connsiteX74" fmla="*/ 20515471 w 23534016"/>
+              <a:gd name="connsiteY74" fmla="*/ 4777198 h 11328207"/>
+              <a:gd name="connsiteX75" fmla="*/ 20856681 w 23534016"/>
+              <a:gd name="connsiteY75" fmla="*/ 5418935 h 11328207"/>
+              <a:gd name="connsiteX76" fmla="*/ 20856679 w 23534016"/>
+              <a:gd name="connsiteY76" fmla="*/ 5418934 h 11328207"/>
+              <a:gd name="connsiteX77" fmla="*/ 20082773 w 23534016"/>
+              <a:gd name="connsiteY77" fmla="*/ 6192842 h 11328207"/>
+              <a:gd name="connsiteX78" fmla="*/ 3780736 w 23534016"/>
+              <a:gd name="connsiteY78" fmla="*/ 6192840 h 11328207"/>
+              <a:gd name="connsiteX79" fmla="*/ 3006829 w 23534016"/>
+              <a:gd name="connsiteY79" fmla="*/ 5418932 h 11328207"/>
+              <a:gd name="connsiteX80" fmla="*/ 3006829 w 23534016"/>
+              <a:gd name="connsiteY80" fmla="*/ 5418933 h 11328207"/>
+              <a:gd name="connsiteX81" fmla="*/ 3780735 w 23534016"/>
+              <a:gd name="connsiteY81" fmla="*/ 4645026 h 11328207"/>
+              <a:gd name="connsiteX82" fmla="*/ 20082772 w 23534016"/>
+              <a:gd name="connsiteY82" fmla="*/ 4645027 h 11328207"/>
+              <a:gd name="connsiteX83" fmla="*/ 20515471 w 23534016"/>
+              <a:gd name="connsiteY83" fmla="*/ 4777198 h 11328207"/>
+              <a:gd name="connsiteX84" fmla="*/ 15080250 w 23534016"/>
+              <a:gd name="connsiteY84" fmla="*/ 1483266 h 11328207"/>
+              <a:gd name="connsiteX85" fmla="*/ 15421458 w 23534016"/>
+              <a:gd name="connsiteY85" fmla="*/ 2125002 h 11328207"/>
+              <a:gd name="connsiteX86" fmla="*/ 15421458 w 23534016"/>
+              <a:gd name="connsiteY86" fmla="*/ 2125003 h 11328207"/>
+              <a:gd name="connsiteX87" fmla="*/ 14647550 w 23534016"/>
+              <a:gd name="connsiteY87" fmla="*/ 2898909 h 11328207"/>
+              <a:gd name="connsiteX88" fmla="*/ 5471802 w 23534016"/>
+              <a:gd name="connsiteY88" fmla="*/ 2898908 h 11328207"/>
+              <a:gd name="connsiteX89" fmla="*/ 4697895 w 23534016"/>
+              <a:gd name="connsiteY89" fmla="*/ 2125001 h 11328207"/>
+              <a:gd name="connsiteX90" fmla="*/ 4697895 w 23534016"/>
+              <a:gd name="connsiteY90" fmla="*/ 2125002 h 11328207"/>
+              <a:gd name="connsiteX91" fmla="*/ 5471802 w 23534016"/>
+              <a:gd name="connsiteY91" fmla="*/ 1351096 h 11328207"/>
+              <a:gd name="connsiteX92" fmla="*/ 14647551 w 23534016"/>
+              <a:gd name="connsiteY92" fmla="*/ 1351096 h 11328207"/>
+              <a:gd name="connsiteX93" fmla="*/ 15080250 w 23534016"/>
+              <a:gd name="connsiteY93" fmla="*/ 1483266 h 11328207"/>
+            </a:gdLst>
+            <a:ahLst/>
+            <a:cxnLst>
+              <a:cxn ang="0">
+                <a:pos x="connsiteX0" y="connsiteY0"/>
+              </a:cxn>
+              <a:cxn ang="0">
+                <a:pos x="connsiteX1" y="connsiteY1"/>
+              </a:cxn>
+              <a:cxn ang="0">
+                <a:pos x="connsiteX2" y="connsiteY2"/>
+              </a:cxn>
+              <a:cxn ang="0">
+                <a:pos x="connsiteX3" y="connsiteY3"/>
+              </a:cxn>
+              <a:cxn ang="0">
+                <a:pos x="connsiteX4" y="connsiteY4"/>
+              </a:cxn>
+              <a:cxn ang="0">
+                <a:pos x="connsiteX5" y="connsiteY5"/>
+              </a:cxn>
+              <a:cxn ang="0">
+                <a:pos x="connsiteX6" y="connsiteY6"/>
+              </a:cxn>
+              <a:cxn ang="0">
+                <a:pos x="connsiteX7" y="connsiteY7"/>
+              </a:cxn>
+              <a:cxn ang="0">
+                <a:pos x="connsiteX8" y="connsiteY8"/>
+              </a:cxn>
+              <a:cxn ang="0">
+                <a:pos x="connsiteX9" y="connsiteY9"/>
+              </a:cxn>
+              <a:cxn ang="0">
+                <a:pos x="connsiteX10" y="connsiteY10"/>
+              </a:cxn>
+              <a:cxn ang="0">
+                <a:pos x="connsiteX11" y="connsiteY11"/>
+              </a:cxn>
+              <a:cxn ang="0">
+                <a:pos x="connsiteX12" y="connsiteY12"/>
+              </a:cxn>
+              <a:cxn ang="0">
+                <a:pos x="connsiteX13" y="connsiteY13"/>
+              </a:cxn>
+              <a:cxn ang="0">
+                <a:pos x="connsiteX14" y="connsiteY14"/>
+              </a:cxn>
+              <a:cxn ang="0">
+                <a:pos x="connsiteX15" y="connsiteY15"/>
+              </a:cxn>
+              <a:cxn ang="0">
+                <a:pos x="connsiteX16" y="connsiteY16"/>
+              </a:cxn>
+              <a:cxn ang="0">
+                <a:pos x="connsiteX17" y="connsiteY17"/>
+              </a:cxn>
+              <a:cxn ang="0">
+                <a:pos x="connsiteX18" y="connsiteY18"/>
+              </a:cxn>
+              <a:cxn ang="0">
+                <a:pos x="connsiteX19" y="connsiteY19"/>
+              </a:cxn>
+              <a:cxn ang="0">
+                <a:pos x="connsiteX20" y="connsiteY20"/>
+              </a:cxn>
+              <a:cxn ang="0">
+                <a:pos x="connsiteX21" y="connsiteY21"/>
+              </a:cxn>
+              <a:cxn ang="0">
+                <a:pos x="connsiteX22" y="connsiteY22"/>
+              </a:cxn>
+              <a:cxn ang="0">
+                <a:pos x="connsiteX23" y="connsiteY23"/>
+              </a:cxn>
+              <a:cxn ang="0">
+                <a:pos x="connsiteX24" y="connsiteY24"/>
+              </a:cxn>
+              <a:cxn ang="0">
+                <a:pos x="connsiteX25" y="connsiteY25"/>
+              </a:cxn>
+              <a:cxn ang="0">
+                <a:pos x="connsiteX26" y="connsiteY26"/>
+              </a:cxn>
+              <a:cxn ang="0">
+                <a:pos x="connsiteX27" y="connsiteY27"/>
+              </a:cxn>
+              <a:cxn ang="0">
+                <a:pos x="connsiteX28" y="connsiteY28"/>
+              </a:cxn>
+              <a:cxn ang="0">
+                <a:pos x="connsiteX29" y="connsiteY29"/>
+              </a:cxn>
+              <a:cxn ang="0">
+                <a:pos x="connsiteX30" y="connsiteY30"/>
+              </a:cxn>
+              <a:cxn ang="0">
+                <a:pos x="connsiteX31" y="connsiteY31"/>
+              </a:cxn>
+              <a:cxn ang="0">
+                <a:pos x="connsiteX32" y="connsiteY32"/>
+              </a:cxn>
+              <a:cxn ang="0">
+                <a:pos x="connsiteX33" y="connsiteY33"/>
+              </a:cxn>
+              <a:cxn ang="0">
+                <a:pos x="connsiteX34" y="connsiteY34"/>
+              </a:cxn>
+              <a:cxn ang="0">
+                <a:pos x="connsiteX35" y="connsiteY35"/>
+              </a:cxn>
+              <a:cxn ang="0">
+                <a:pos x="connsiteX36" y="connsiteY36"/>
+              </a:cxn>
+              <a:cxn ang="0">
+                <a:pos x="connsiteX37" y="connsiteY37"/>
+              </a:cxn>
+              <a:cxn ang="0">
+                <a:pos x="connsiteX38" y="connsiteY38"/>
+              </a:cxn>
+              <a:cxn ang="0">
+                <a:pos x="connsiteX39" y="connsiteY39"/>
+              </a:cxn>
+              <a:cxn ang="0">
+                <a:pos x="connsiteX40" y="connsiteY40"/>
+              </a:cxn>
+              <a:cxn ang="0">
+                <a:pos x="connsiteX41" y="connsiteY41"/>
+              </a:cxn>
+              <a:cxn ang="0">
+                <a:pos x="connsiteX42" y="connsiteY42"/>
+              </a:cxn>
+              <a:cxn ang="0">
+                <a:pos x="connsiteX43" y="connsiteY43"/>
+              </a:cxn>
+              <a:cxn ang="0">
+                <a:pos x="connsiteX44" y="connsiteY44"/>
+              </a:cxn>
+              <a:cxn ang="0">
+                <a:pos x="connsiteX45" y="connsiteY45"/>
+              </a:cxn>
+              <a:cxn ang="0">
+                <a:pos x="connsiteX46" y="connsiteY46"/>
+              </a:cxn>
+              <a:cxn ang="0">
+                <a:pos x="connsiteX47" y="connsiteY47"/>
+              </a:cxn>
+              <a:cxn ang="0">
+                <a:pos x="connsiteX48" y="connsiteY48"/>
+              </a:cxn>
+              <a:cxn ang="0">
+                <a:pos x="connsiteX49" y="connsiteY49"/>
+              </a:cxn>
+              <a:cxn ang="0">
+                <a:pos x="connsiteX50" y="connsiteY50"/>
+              </a:cxn>
+              <a:cxn ang="0">
+                <a:pos x="connsiteX51" y="connsiteY51"/>
+              </a:cxn>
+              <a:cxn ang="0">
+                <a:pos x="connsiteX52" y="connsiteY52"/>
+              </a:cxn>
+              <a:cxn ang="0">
+                <a:pos x="connsiteX53" y="connsiteY53"/>
+              </a:cxn>
+              <a:cxn ang="0">
+                <a:pos x="connsiteX54" y="connsiteY54"/>
+              </a:cxn>
+              <a:cxn ang="0">
+                <a:pos x="connsiteX55" y="connsiteY55"/>
+              </a:cxn>
+              <a:cxn ang="0">
+                <a:pos x="connsiteX56" y="connsiteY56"/>
+              </a:cxn>
+              <a:cxn ang="0">
+                <a:pos x="connsiteX57" y="connsiteY57"/>
+              </a:cxn>
+              <a:cxn ang="0">
+                <a:pos x="connsiteX58" y="connsiteY58"/>
+              </a:cxn>
+              <a:cxn ang="0">
+                <a:pos x="connsiteX59" y="connsiteY59"/>
+              </a:cxn>
+              <a:cxn ang="0">
+                <a:pos x="connsiteX60" y="connsiteY60"/>
+              </a:cxn>
+              <a:cxn ang="0">
+                <a:pos x="connsiteX61" y="connsiteY61"/>
+              </a:cxn>
+              <a:cxn ang="0">
+                <a:pos x="connsiteX62" y="connsiteY62"/>
+              </a:cxn>
+              <a:cxn ang="0">
+                <a:pos x="connsiteX63" y="connsiteY63"/>
+              </a:cxn>
+              <a:cxn ang="0">
+                <a:pos x="connsiteX64" y="connsiteY64"/>
+              </a:cxn>
+              <a:cxn ang="0">
+                <a:pos x="connsiteX65" y="connsiteY65"/>
+              </a:cxn>
+              <a:cxn ang="0">
+                <a:pos x="connsiteX66" y="connsiteY66"/>
+              </a:cxn>
+              <a:cxn ang="0">
+                <a:pos x="connsiteX67" y="connsiteY67"/>
+              </a:cxn>
+              <a:cxn ang="0">
+                <a:pos x="connsiteX68" y="connsiteY68"/>
+              </a:cxn>
+              <a:cxn ang="0">
+                <a:pos x="connsiteX69" y="connsiteY69"/>
+              </a:cxn>
+              <a:cxn ang="0">
+                <a:pos x="connsiteX70" y="connsiteY70"/>
+              </a:cxn>
+              <a:cxn ang="0">
+                <a:pos x="connsiteX71" y="connsiteY71"/>
+              </a:cxn>
+              <a:cxn ang="0">
+                <a:pos x="connsiteX72" y="connsiteY72"/>
+              </a:cxn>
+              <a:cxn ang="0">
+                <a:pos x="connsiteX73" y="connsiteY73"/>
+              </a:cxn>
+              <a:cxn ang="0">
+                <a:pos x="connsiteX74" y="connsiteY74"/>
+              </a:cxn>
+              <a:cxn ang="0">
+                <a:pos x="connsiteX75" y="connsiteY75"/>
+              </a:cxn>
+              <a:cxn ang="0">
+                <a:pos x="connsiteX76" y="connsiteY76"/>
+              </a:cxn>
+              <a:cxn ang="0">
+                <a:pos x="connsiteX77" y="connsiteY77"/>
+              </a:cxn>
+              <a:cxn ang="0">
+                <a:pos x="connsiteX78" y="connsiteY78"/>
+              </a:cxn>
+              <a:cxn ang="0">
+                <a:pos x="connsiteX79" y="connsiteY79"/>
+              </a:cxn>
+              <a:cxn ang="0">
+                <a:pos x="connsiteX80" y="connsiteY80"/>
+              </a:cxn>
+              <a:cxn ang="0">
+                <a:pos x="connsiteX81" y="connsiteY81"/>
+              </a:cxn>
+              <a:cxn ang="0">
+                <a:pos x="connsiteX82" y="connsiteY82"/>
+              </a:cxn>
+              <a:cxn ang="0">
+                <a:pos x="connsiteX83" y="connsiteY83"/>
+              </a:cxn>
+              <a:cxn ang="0">
+                <a:pos x="connsiteX84" y="connsiteY84"/>
+              </a:cxn>
+              <a:cxn ang="0">
+                <a:pos x="connsiteX85" y="connsiteY85"/>
+              </a:cxn>
+              <a:cxn ang="0">
+                <a:pos x="connsiteX86" y="connsiteY86"/>
+              </a:cxn>
+              <a:cxn ang="0">
+                <a:pos x="connsiteX87" y="connsiteY87"/>
+              </a:cxn>
+              <a:cxn ang="0">
+                <a:pos x="connsiteX88" y="connsiteY88"/>
+              </a:cxn>
+              <a:cxn ang="0">
+                <a:pos x="connsiteX89" y="connsiteY89"/>
+              </a:cxn>
+              <a:cxn ang="0">
+                <a:pos x="connsiteX90" y="connsiteY90"/>
+              </a:cxn>
+              <a:cxn ang="0">
+                <a:pos x="connsiteX91" y="connsiteY91"/>
+              </a:cxn>
+              <a:cxn ang="0">
+                <a:pos x="connsiteX92" y="connsiteY92"/>
+              </a:cxn>
+              <a:cxn ang="0">
+                <a:pos x="connsiteX93" y="connsiteY93"/>
+              </a:cxn>
+            </a:cxnLst>
+            <a:rect l="l" t="t" r="r" b="b"/>
+            <a:pathLst>
+              <a:path w="23534016" h="11328207">
+                <a:moveTo>
+                  <a:pt x="11264585" y="9912566"/>
+                </a:moveTo>
+                <a:cubicBezTo>
+                  <a:pt x="11470444" y="10051642"/>
+                  <a:pt x="11605793" y="10287166"/>
+                  <a:pt x="11605793" y="10554301"/>
+                </a:cubicBezTo>
+                <a:cubicBezTo>
+                  <a:pt x="11605792" y="10981717"/>
+                  <a:pt x="11259303" y="11328207"/>
+                  <a:pt x="10831887" y="11328207"/>
+                </a:cubicBezTo>
+                <a:lnTo>
+                  <a:pt x="10736635" y="11328207"/>
+                </a:lnTo>
+                <a:cubicBezTo>
+                  <a:pt x="10309219" y="11328207"/>
+                  <a:pt x="9962730" y="10981717"/>
+                  <a:pt x="9962731" y="10554301"/>
+                </a:cubicBezTo>
+                <a:cubicBezTo>
+                  <a:pt x="9962730" y="10126885"/>
+                  <a:pt x="10309219" y="9780395"/>
+                  <a:pt x="10736635" y="9780395"/>
+                </a:cubicBezTo>
+                <a:lnTo>
+                  <a:pt x="10831887" y="9780395"/>
+                </a:lnTo>
+                <a:cubicBezTo>
+                  <a:pt x="10992167" y="9780394"/>
+                  <a:pt x="11141068" y="9829120"/>
+                  <a:pt x="11264585" y="9912566"/>
+                </a:cubicBezTo>
+                <a:close/>
+                <a:moveTo>
+                  <a:pt x="1179542" y="3328153"/>
+                </a:moveTo>
+                <a:cubicBezTo>
+                  <a:pt x="1313615" y="3418731"/>
+                  <a:pt x="1401765" y="3572123"/>
+                  <a:pt x="1401765" y="3746104"/>
+                </a:cubicBezTo>
+                <a:lnTo>
+                  <a:pt x="1401764" y="3746104"/>
+                </a:lnTo>
+                <a:cubicBezTo>
+                  <a:pt x="1401764" y="4024473"/>
+                  <a:pt x="1176101" y="4250136"/>
+                  <a:pt x="897732" y="4250136"/>
+                </a:cubicBezTo>
+                <a:lnTo>
+                  <a:pt x="504033" y="4250135"/>
+                </a:lnTo>
+                <a:cubicBezTo>
+                  <a:pt x="225664" y="4250135"/>
+                  <a:pt x="1" y="4024472"/>
+                  <a:pt x="1" y="3746103"/>
+                </a:cubicBezTo>
+                <a:lnTo>
+                  <a:pt x="0" y="3746103"/>
+                </a:lnTo>
+                <a:cubicBezTo>
+                  <a:pt x="1" y="3467734"/>
+                  <a:pt x="225664" y="3242072"/>
+                  <a:pt x="504032" y="3242072"/>
+                </a:cubicBezTo>
+                <a:lnTo>
+                  <a:pt x="897733" y="3242072"/>
+                </a:lnTo>
+                <a:cubicBezTo>
+                  <a:pt x="1002122" y="3242072"/>
+                  <a:pt x="1099098" y="3273806"/>
+                  <a:pt x="1179542" y="3328153"/>
+                </a:cubicBezTo>
+                <a:close/>
+                <a:moveTo>
+                  <a:pt x="9733515" y="6613367"/>
+                </a:moveTo>
+                <a:cubicBezTo>
+                  <a:pt x="9867590" y="6703946"/>
+                  <a:pt x="9955739" y="6857338"/>
+                  <a:pt x="9955739" y="7031319"/>
+                </a:cubicBezTo>
+                <a:lnTo>
+                  <a:pt x="9955739" y="7031319"/>
+                </a:lnTo>
+                <a:cubicBezTo>
+                  <a:pt x="9955739" y="7309688"/>
+                  <a:pt x="9730075" y="7535351"/>
+                  <a:pt x="9451707" y="7535351"/>
+                </a:cubicBezTo>
+                <a:lnTo>
+                  <a:pt x="9058008" y="7535350"/>
+                </a:lnTo>
+                <a:cubicBezTo>
+                  <a:pt x="8779637" y="7535349"/>
+                  <a:pt x="8553975" y="7309687"/>
+                  <a:pt x="8553975" y="7031318"/>
+                </a:cubicBezTo>
+                <a:lnTo>
+                  <a:pt x="8553975" y="7031318"/>
+                </a:lnTo>
+                <a:cubicBezTo>
+                  <a:pt x="8553975" y="6752949"/>
+                  <a:pt x="8779638" y="6527287"/>
+                  <a:pt x="9058007" y="6527286"/>
+                </a:cubicBezTo>
+                <a:lnTo>
+                  <a:pt x="9451706" y="6527286"/>
+                </a:lnTo>
+                <a:cubicBezTo>
+                  <a:pt x="9556095" y="6527286"/>
+                  <a:pt x="9653072" y="6559021"/>
+                  <a:pt x="9733515" y="6613367"/>
+                </a:cubicBezTo>
+                <a:close/>
+                <a:moveTo>
+                  <a:pt x="8928022" y="3340367"/>
+                </a:moveTo>
+                <a:cubicBezTo>
+                  <a:pt x="9062095" y="3430945"/>
+                  <a:pt x="9150244" y="3584337"/>
+                  <a:pt x="9150244" y="3758318"/>
+                </a:cubicBezTo>
+                <a:lnTo>
+                  <a:pt x="9150244" y="3758318"/>
+                </a:lnTo>
+                <a:cubicBezTo>
+                  <a:pt x="9150244" y="4036688"/>
+                  <a:pt x="8924581" y="4262349"/>
+                  <a:pt x="8646212" y="4262350"/>
+                </a:cubicBezTo>
+                <a:lnTo>
+                  <a:pt x="2350189" y="4262349"/>
+                </a:lnTo>
+                <a:cubicBezTo>
+                  <a:pt x="2071819" y="4262349"/>
+                  <a:pt x="1846156" y="4036685"/>
+                  <a:pt x="1846156" y="3758316"/>
+                </a:cubicBezTo>
+                <a:lnTo>
+                  <a:pt x="1846157" y="3758317"/>
+                </a:lnTo>
+                <a:cubicBezTo>
+                  <a:pt x="1846157" y="3479948"/>
+                  <a:pt x="2071820" y="3254286"/>
+                  <a:pt x="2350189" y="3254285"/>
+                </a:cubicBezTo>
+                <a:lnTo>
+                  <a:pt x="8646213" y="3254286"/>
+                </a:lnTo>
+                <a:cubicBezTo>
+                  <a:pt x="8750602" y="3254287"/>
+                  <a:pt x="8847579" y="3286021"/>
+                  <a:pt x="8928022" y="3340367"/>
+                </a:cubicBezTo>
+                <a:close/>
+                <a:moveTo>
+                  <a:pt x="15324339" y="6624950"/>
+                </a:moveTo>
+                <a:cubicBezTo>
+                  <a:pt x="15458413" y="6715527"/>
+                  <a:pt x="15546561" y="6868919"/>
+                  <a:pt x="15546562" y="7042900"/>
+                </a:cubicBezTo>
+                <a:cubicBezTo>
+                  <a:pt x="15546561" y="7321269"/>
+                  <a:pt x="15320899" y="7546930"/>
+                  <a:pt x="15042530" y="7546931"/>
+                </a:cubicBezTo>
+                <a:lnTo>
+                  <a:pt x="10905505" y="7546930"/>
+                </a:lnTo>
+                <a:cubicBezTo>
+                  <a:pt x="10627136" y="7546930"/>
+                  <a:pt x="10401474" y="7321268"/>
+                  <a:pt x="10401474" y="7042899"/>
+                </a:cubicBezTo>
+                <a:cubicBezTo>
+                  <a:pt x="10401474" y="6764530"/>
+                  <a:pt x="10627137" y="6538868"/>
+                  <a:pt x="10905505" y="6538868"/>
+                </a:cubicBezTo>
+                <a:lnTo>
+                  <a:pt x="15042530" y="6538869"/>
+                </a:lnTo>
+                <a:cubicBezTo>
+                  <a:pt x="15146919" y="6538869"/>
+                  <a:pt x="15243896" y="6570603"/>
+                  <a:pt x="15324339" y="6624950"/>
+                </a:cubicBezTo>
+                <a:close/>
+                <a:moveTo>
+                  <a:pt x="23192458" y="8064785"/>
+                </a:moveTo>
+                <a:cubicBezTo>
+                  <a:pt x="23398529" y="8204003"/>
+                  <a:pt x="23534016" y="8439769"/>
+                  <a:pt x="23534016" y="8707179"/>
+                </a:cubicBezTo>
+                <a:cubicBezTo>
+                  <a:pt x="23534016" y="9135034"/>
+                  <a:pt x="23187171" y="9481878"/>
+                  <a:pt x="22759316" y="9481878"/>
+                </a:cubicBezTo>
+                <a:lnTo>
+                  <a:pt x="8228929" y="9481877"/>
+                </a:lnTo>
+                <a:cubicBezTo>
+                  <a:pt x="7801074" y="9481877"/>
+                  <a:pt x="7454229" y="9135032"/>
+                  <a:pt x="7454228" y="8707176"/>
+                </a:cubicBezTo>
+                <a:cubicBezTo>
+                  <a:pt x="7454228" y="8279322"/>
+                  <a:pt x="7801073" y="7932477"/>
+                  <a:pt x="8228928" y="7932477"/>
+                </a:cubicBezTo>
+                <a:lnTo>
+                  <a:pt x="22759315" y="7932478"/>
+                </a:lnTo>
+                <a:cubicBezTo>
+                  <a:pt x="22919760" y="7932478"/>
+                  <a:pt x="23068815" y="7981253"/>
+                  <a:pt x="23192458" y="8064785"/>
+                </a:cubicBezTo>
+                <a:close/>
+                <a:moveTo>
+                  <a:pt x="9947589" y="86081"/>
+                </a:moveTo>
+                <a:cubicBezTo>
+                  <a:pt x="10081663" y="176659"/>
+                  <a:pt x="10169811" y="330051"/>
+                  <a:pt x="10169812" y="504032"/>
+                </a:cubicBezTo>
+                <a:lnTo>
+                  <a:pt x="10169811" y="504032"/>
+                </a:lnTo>
+                <a:cubicBezTo>
+                  <a:pt x="10169811" y="782401"/>
+                  <a:pt x="9944148" y="1008064"/>
+                  <a:pt x="9665779" y="1008064"/>
+                </a:cubicBezTo>
+                <a:lnTo>
+                  <a:pt x="2447418" y="1008063"/>
+                </a:lnTo>
+                <a:cubicBezTo>
+                  <a:pt x="2169048" y="1008062"/>
+                  <a:pt x="1943386" y="782400"/>
+                  <a:pt x="1943386" y="504031"/>
+                </a:cubicBezTo>
+                <a:lnTo>
+                  <a:pt x="1943385" y="504031"/>
+                </a:lnTo>
+                <a:cubicBezTo>
+                  <a:pt x="1943386" y="225663"/>
+                  <a:pt x="2169048" y="0"/>
+                  <a:pt x="2447417" y="0"/>
+                </a:cubicBezTo>
+                <a:lnTo>
+                  <a:pt x="9665780" y="0"/>
+                </a:lnTo>
+                <a:cubicBezTo>
+                  <a:pt x="9770169" y="0"/>
+                  <a:pt x="9867145" y="31734"/>
+                  <a:pt x="9947589" y="86081"/>
+                </a:cubicBezTo>
+                <a:close/>
+                <a:moveTo>
+                  <a:pt x="16576520" y="3400992"/>
+                </a:moveTo>
+                <a:cubicBezTo>
+                  <a:pt x="16710593" y="3491570"/>
+                  <a:pt x="16798742" y="3644962"/>
+                  <a:pt x="16798742" y="3818943"/>
+                </a:cubicBezTo>
+                <a:lnTo>
+                  <a:pt x="16798742" y="3818943"/>
+                </a:lnTo>
+                <a:cubicBezTo>
+                  <a:pt x="16798742" y="4097312"/>
+                  <a:pt x="16573079" y="4322975"/>
+                  <a:pt x="16294710" y="4322975"/>
+                </a:cubicBezTo>
+                <a:lnTo>
+                  <a:pt x="9998686" y="4322974"/>
+                </a:lnTo>
+                <a:cubicBezTo>
+                  <a:pt x="9720318" y="4322974"/>
+                  <a:pt x="9494655" y="4097311"/>
+                  <a:pt x="9494655" y="3818942"/>
+                </a:cubicBezTo>
+                <a:lnTo>
+                  <a:pt x="9494655" y="3818943"/>
+                </a:lnTo>
+                <a:cubicBezTo>
+                  <a:pt x="9494654" y="3540574"/>
+                  <a:pt x="9720318" y="3314911"/>
+                  <a:pt x="9998687" y="3314911"/>
+                </a:cubicBezTo>
+                <a:lnTo>
+                  <a:pt x="16294711" y="3314911"/>
+                </a:lnTo>
+                <a:cubicBezTo>
+                  <a:pt x="16399100" y="3314912"/>
+                  <a:pt x="16496075" y="3346645"/>
+                  <a:pt x="16576520" y="3400992"/>
+                </a:cubicBezTo>
+                <a:close/>
+                <a:moveTo>
+                  <a:pt x="20515471" y="4777198"/>
+                </a:moveTo>
+                <a:cubicBezTo>
+                  <a:pt x="20721332" y="4916275"/>
+                  <a:pt x="20856681" y="5151799"/>
+                  <a:pt x="20856681" y="5418935"/>
+                </a:cubicBezTo>
+                <a:lnTo>
+                  <a:pt x="20856679" y="5418934"/>
+                </a:lnTo>
+                <a:cubicBezTo>
+                  <a:pt x="20856679" y="5846352"/>
+                  <a:pt x="20510189" y="6192842"/>
+                  <a:pt x="20082773" y="6192842"/>
+                </a:cubicBezTo>
+                <a:lnTo>
+                  <a:pt x="3780736" y="6192840"/>
+                </a:lnTo>
+                <a:cubicBezTo>
+                  <a:pt x="3353319" y="6192840"/>
+                  <a:pt x="3006829" y="5846350"/>
+                  <a:pt x="3006829" y="5418932"/>
+                </a:cubicBezTo>
+                <a:lnTo>
+                  <a:pt x="3006829" y="5418933"/>
+                </a:lnTo>
+                <a:cubicBezTo>
+                  <a:pt x="3006829" y="4991516"/>
+                  <a:pt x="3353318" y="4645026"/>
+                  <a:pt x="3780735" y="4645026"/>
+                </a:cubicBezTo>
+                <a:lnTo>
+                  <a:pt x="20082772" y="4645027"/>
+                </a:lnTo>
+                <a:cubicBezTo>
+                  <a:pt x="20243053" y="4645027"/>
+                  <a:pt x="20391954" y="4693752"/>
+                  <a:pt x="20515471" y="4777198"/>
+                </a:cubicBezTo>
+                <a:close/>
+                <a:moveTo>
+                  <a:pt x="15080250" y="1483266"/>
+                </a:moveTo>
+                <a:cubicBezTo>
+                  <a:pt x="15286109" y="1622342"/>
+                  <a:pt x="15421458" y="1857867"/>
+                  <a:pt x="15421458" y="2125002"/>
+                </a:cubicBezTo>
+                <a:lnTo>
+                  <a:pt x="15421458" y="2125003"/>
+                </a:lnTo>
+                <a:cubicBezTo>
+                  <a:pt x="15421458" y="2552420"/>
+                  <a:pt x="15074966" y="2898909"/>
+                  <a:pt x="14647550" y="2898909"/>
+                </a:cubicBezTo>
+                <a:lnTo>
+                  <a:pt x="5471802" y="2898908"/>
+                </a:lnTo>
+                <a:cubicBezTo>
+                  <a:pt x="5044384" y="2898908"/>
+                  <a:pt x="4697895" y="2552418"/>
+                  <a:pt x="4697895" y="2125001"/>
+                </a:cubicBezTo>
+                <a:lnTo>
+                  <a:pt x="4697895" y="2125002"/>
+                </a:lnTo>
+                <a:cubicBezTo>
+                  <a:pt x="4697894" y="1697585"/>
+                  <a:pt x="5044385" y="1351096"/>
+                  <a:pt x="5471802" y="1351096"/>
+                </a:cubicBezTo>
+                <a:lnTo>
+                  <a:pt x="14647551" y="1351096"/>
+                </a:lnTo>
+                <a:cubicBezTo>
+                  <a:pt x="14807834" y="1351096"/>
+                  <a:pt x="14956733" y="1399820"/>
+                  <a:pt x="15080250" y="1483266"/>
+                </a:cubicBezTo>
+                <a:close/>
+              </a:path>
+            </a:pathLst>
+          </a:custGeom>
+          <a:gradFill flip="none" rotWithShape="1">
+            <a:gsLst>
+              <a:gs pos="0">
+                <a:schemeClr val="accent2">
+                  <a:alpha val="27000"/>
+                  <a:lumMod val="0"/>
+                  <a:lumOff val="100000"/>
+                </a:schemeClr>
+              </a:gs>
+              <a:gs pos="100000">
+                <a:schemeClr val="accent2">
+                  <a:lumMod val="52000"/>
+                  <a:lumOff val="48000"/>
+                </a:schemeClr>
+              </a:gs>
+              <a:gs pos="100000">
+                <a:schemeClr val="accent2">
+                  <a:lumMod val="60000"/>
+                </a:schemeClr>
+              </a:gs>
+            </a:gsLst>
+            <a:path path="circle">
+              <a:fillToRect l="50000" t="130000" r="50000" b="-30000"/>
+            </a:path>
+            <a:tileRect/>
+          </a:gradFill>
+          <a:ln>
+            <a:noFill/>
+          </a:ln>
+        </p:spPr>
+        <p:txBody>
+          <a:bodyPr wrap="square" lIns="19050" tIns="19050" rIns="19050" bIns="19050" anchor="ctr">
+            <a:noAutofit/>
+          </a:bodyPr>
+          <a:lstStyle/>
+          <a:p>
+            <a:pPr eaLnBrk="1"/>
+            <a:endParaRPr lang="en-US" altLang="x-none" sz="900"/>
+          </a:p>
+        </p:txBody>
+      </p:sp>
+      <p:pic>
+        <p:nvPicPr>
+          <p:cNvPr id="9" name="Picture 8" descr="A close-up of a machine&#10;&#10;Description automatically generated with low confidence">
+            <a:extLst>
+              <a:ext uri="{FF2B5EF4-FFF2-40B4-BE49-F238E27FC236}">
+                <a16:creationId xmlns:a16="http://schemas.microsoft.com/office/drawing/2014/main" id="{AF391CE8-74B3-F441-978C-5C4AD00E5B1C}"/>
+              </a:ext>
+            </a:extLst>
+          </p:cNvPr>
+          <p:cNvPicPr>
+            <a:picLocks noChangeAspect="1"/>
+          </p:cNvPicPr>
+          <p:nvPr/>
+        </p:nvPicPr>
+        <p:blipFill>
+          <a:blip r:embed="rId2"/>
+          <a:stretch>
+            <a:fillRect/>
+          </a:stretch>
+        </p:blipFill>
+        <p:spPr>
+          <a:xfrm>
+            <a:off x="2630104" y="1691718"/>
+            <a:ext cx="5423338" cy="3578666"/>
+          </a:xfrm>
+          <a:prstGeom prst="rect">
+            <a:avLst/>
+          </a:prstGeom>
+        </p:spPr>
+      </p:pic>
+      <p:grpSp>
+        <p:nvGrpSpPr>
+          <p:cNvPr id="24" name="Group 23">
+            <a:extLst>
+              <a:ext uri="{FF2B5EF4-FFF2-40B4-BE49-F238E27FC236}">
+                <a16:creationId xmlns:a16="http://schemas.microsoft.com/office/drawing/2014/main" id="{F546ECDA-0BB2-DA40-8ACF-71ADB7659413}"/>
+              </a:ext>
+            </a:extLst>
+          </p:cNvPr>
+          <p:cNvGrpSpPr/>
+          <p:nvPr/>
+        </p:nvGrpSpPr>
+        <p:grpSpPr>
+          <a:xfrm>
+            <a:off x="7498133" y="2765083"/>
+            <a:ext cx="2141170" cy="1031829"/>
+            <a:chOff x="6188786" y="2260586"/>
+            <a:chExt cx="2141170" cy="1031829"/>
+          </a:xfrm>
+        </p:grpSpPr>
+        <p:cxnSp>
+          <p:nvCxnSpPr>
+            <p:cNvPr id="21" name="موصل: على شكل مرفق 9">
+              <a:extLst>
+                <a:ext uri="{FF2B5EF4-FFF2-40B4-BE49-F238E27FC236}">
+                  <a16:creationId xmlns:a16="http://schemas.microsoft.com/office/drawing/2014/main" id="{556FC689-739A-7B4C-A723-869509B58656}"/>
+                </a:ext>
+              </a:extLst>
+            </p:cNvPr>
+            <p:cNvCxnSpPr>
+              <a:cxnSpLocks/>
+            </p:cNvCxnSpPr>
+            <p:nvPr/>
+          </p:nvCxnSpPr>
+          <p:spPr>
+            <a:xfrm rot="10800000" flipV="1">
+              <a:off x="6188786" y="2660696"/>
+              <a:ext cx="2110956" cy="631719"/>
+            </a:xfrm>
+            <a:prstGeom prst="bentConnector3">
+              <a:avLst>
+                <a:gd name="adj1" fmla="val 67597"/>
+              </a:avLst>
+            </a:prstGeom>
+            <a:ln>
+              <a:solidFill>
+                <a:schemeClr val="tx1">
+                  <a:lumMod val="95000"/>
+                  <a:lumOff val="5000"/>
+                </a:schemeClr>
+              </a:solidFill>
+              <a:tailEnd type="triangle"/>
+            </a:ln>
+          </p:spPr>
+          <p:style>
+            <a:lnRef idx="1">
+              <a:schemeClr val="accent1"/>
+            </a:lnRef>
+            <a:fillRef idx="0">
+              <a:schemeClr val="accent1"/>
+            </a:fillRef>
+            <a:effectRef idx="0">
+              <a:schemeClr val="accent1"/>
+            </a:effectRef>
+            <a:fontRef idx="minor">
+              <a:schemeClr val="tx1"/>
+            </a:fontRef>
+          </p:style>
+        </p:cxnSp>
+        <p:sp>
+          <p:nvSpPr>
+            <p:cNvPr id="22" name="مستطيل 37">
+              <a:extLst>
+                <a:ext uri="{FF2B5EF4-FFF2-40B4-BE49-F238E27FC236}">
+                  <a16:creationId xmlns:a16="http://schemas.microsoft.com/office/drawing/2014/main" id="{FA27FC11-61E6-3F41-9BBD-43F5900AE2AF}"/>
+                </a:ext>
+              </a:extLst>
+            </p:cNvPr>
+            <p:cNvSpPr/>
+            <p:nvPr/>
+          </p:nvSpPr>
+          <p:spPr>
+            <a:xfrm>
+              <a:off x="6633337" y="2260586"/>
+              <a:ext cx="1696619" cy="400110"/>
+            </a:xfrm>
+            <a:prstGeom prst="rect">
+              <a:avLst/>
+            </a:prstGeom>
+            <a:noFill/>
+          </p:spPr>
+          <p:txBody>
+            <a:bodyPr wrap="square" lIns="91440" tIns="45720" rIns="91440" bIns="45720">
+              <a:spAutoFit/>
+            </a:bodyPr>
+            <a:lstStyle/>
+            <a:p>
+              <a:pPr algn="r" rtl="1"/>
+              <a:r>
+                <a:rPr lang="ar-SA" sz="2000" dirty="0">
+                  <a:ln w="0"/>
+                  <a:effectLst>
+                    <a:outerShdw blurRad="38100" dist="19050" dir="2700000" algn="tl" rotWithShape="0">
+                      <a:schemeClr val="dk1">
+                        <a:alpha val="40000"/>
+                      </a:schemeClr>
+                    </a:outerShdw>
+                  </a:effectLst>
+                  <a:latin typeface="GE SS Text Light" panose="020A0503020102020204" pitchFamily="18" charset="-78"/>
+                  <a:ea typeface="GE SS Text Light" panose="020A0503020102020204" pitchFamily="18" charset="-78"/>
+                  <a:cs typeface="GE SS Text Light" panose="020A0503020102020204" pitchFamily="18" charset="-78"/>
+                </a:rPr>
+                <a:t>شرائح العملاء</a:t>
+              </a:r>
+              <a:endParaRPr lang="en-US" sz="2000" dirty="0">
+                <a:ln w="0"/>
+                <a:effectLst>
+                  <a:outerShdw blurRad="38100" dist="19050" dir="2700000" algn="tl" rotWithShape="0">
+                    <a:schemeClr val="dk1">
+                      <a:alpha val="40000"/>
+                    </a:schemeClr>
+                  </a:outerShdw>
+                </a:effectLst>
+                <a:latin typeface="GE SS Text Light" panose="020A0503020102020204" pitchFamily="18" charset="-78"/>
+                <a:ea typeface="GE SS Text Light" panose="020A0503020102020204" pitchFamily="18" charset="-78"/>
+                <a:cs typeface="GE SS Text Light" panose="020A0503020102020204" pitchFamily="18" charset="-78"/>
+              </a:endParaRPr>
+            </a:p>
+          </p:txBody>
+        </p:sp>
+      </p:grpSp>
+      <p:grpSp>
+        <p:nvGrpSpPr>
+          <p:cNvPr id="28" name="Group 27">
+            <a:extLst>
+              <a:ext uri="{FF2B5EF4-FFF2-40B4-BE49-F238E27FC236}">
+                <a16:creationId xmlns:a16="http://schemas.microsoft.com/office/drawing/2014/main" id="{C5FA978E-3487-8D40-A143-36FC9DEACCEA}"/>
+              </a:ext>
+            </a:extLst>
+          </p:cNvPr>
+          <p:cNvGrpSpPr/>
+          <p:nvPr/>
+        </p:nvGrpSpPr>
+        <p:grpSpPr>
+          <a:xfrm>
+            <a:off x="5055641" y="420243"/>
+            <a:ext cx="2442493" cy="1690872"/>
+            <a:chOff x="4555901" y="746230"/>
+            <a:chExt cx="2442493" cy="1690872"/>
+          </a:xfrm>
+        </p:grpSpPr>
+        <p:cxnSp>
+          <p:nvCxnSpPr>
+            <p:cNvPr id="25" name="موصل: على شكل مرفق 51">
+              <a:extLst>
+                <a:ext uri="{FF2B5EF4-FFF2-40B4-BE49-F238E27FC236}">
+                  <a16:creationId xmlns:a16="http://schemas.microsoft.com/office/drawing/2014/main" id="{A224C9AC-EB07-D948-B2E7-2DCF71B6B345}"/>
+                </a:ext>
+              </a:extLst>
+            </p:cNvPr>
+            <p:cNvCxnSpPr>
+              <a:cxnSpLocks/>
+            </p:cNvCxnSpPr>
+            <p:nvPr/>
+          </p:nvCxnSpPr>
+          <p:spPr>
+            <a:xfrm rot="10800000" flipV="1">
+              <a:off x="4798879" y="1144254"/>
+              <a:ext cx="2199515" cy="1292848"/>
+            </a:xfrm>
+            <a:prstGeom prst="bentConnector2">
+              <a:avLst/>
+            </a:prstGeom>
+            <a:ln>
+              <a:solidFill>
+                <a:schemeClr val="tx1">
+                  <a:lumMod val="95000"/>
+                  <a:lumOff val="5000"/>
+                </a:schemeClr>
+              </a:solidFill>
+              <a:tailEnd type="triangle"/>
+            </a:ln>
+          </p:spPr>
+          <p:style>
+            <a:lnRef idx="1">
+              <a:schemeClr val="accent1"/>
+            </a:lnRef>
+            <a:fillRef idx="0">
+              <a:schemeClr val="accent1"/>
+            </a:fillRef>
+            <a:effectRef idx="0">
+              <a:schemeClr val="accent1"/>
+            </a:effectRef>
+            <a:fontRef idx="minor">
+              <a:schemeClr val="tx1"/>
+            </a:fontRef>
+          </p:style>
+        </p:cxnSp>
+        <p:sp>
+          <p:nvSpPr>
+            <p:cNvPr id="26" name="مستطيل 52">
+              <a:extLst>
+                <a:ext uri="{FF2B5EF4-FFF2-40B4-BE49-F238E27FC236}">
+                  <a16:creationId xmlns:a16="http://schemas.microsoft.com/office/drawing/2014/main" id="{9F211488-73A9-3F44-8426-2D3A071E6D14}"/>
+                </a:ext>
+              </a:extLst>
+            </p:cNvPr>
+            <p:cNvSpPr/>
+            <p:nvPr/>
+          </p:nvSpPr>
+          <p:spPr>
+            <a:xfrm>
+              <a:off x="4555901" y="746230"/>
+              <a:ext cx="2080720" cy="400110"/>
+            </a:xfrm>
+            <a:prstGeom prst="rect">
+              <a:avLst/>
+            </a:prstGeom>
+            <a:noFill/>
+          </p:spPr>
+          <p:txBody>
+            <a:bodyPr wrap="square" lIns="91440" tIns="45720" rIns="91440" bIns="45720">
+              <a:spAutoFit/>
+            </a:bodyPr>
+            <a:lstStyle/>
+            <a:p>
+              <a:pPr algn="r" rtl="1"/>
+              <a:r>
+                <a:rPr lang="ar-SA" sz="2000" dirty="0">
+                  <a:ln w="0"/>
+                  <a:effectLst>
+                    <a:outerShdw blurRad="38100" dist="19050" dir="2700000" algn="tl" rotWithShape="0">
+                      <a:schemeClr val="dk1">
+                        <a:alpha val="40000"/>
+                      </a:schemeClr>
+                    </a:outerShdw>
+                  </a:effectLst>
+                  <a:latin typeface="GE SS Text Light" panose="020A0503020102020204" pitchFamily="18" charset="-78"/>
+                  <a:ea typeface="GE SS Text Light" panose="020A0503020102020204" pitchFamily="18" charset="-78"/>
+                  <a:cs typeface="GE SS Text Light" panose="020A0503020102020204" pitchFamily="18" charset="-78"/>
+                </a:rPr>
+                <a:t>الميزة التنافسية</a:t>
+              </a:r>
+              <a:endParaRPr lang="en-US" sz="2000" dirty="0">
+                <a:ln w="0"/>
+                <a:effectLst>
+                  <a:outerShdw blurRad="38100" dist="19050" dir="2700000" algn="tl" rotWithShape="0">
+                    <a:schemeClr val="dk1">
+                      <a:alpha val="40000"/>
+                    </a:schemeClr>
+                  </a:outerShdw>
+                </a:effectLst>
+                <a:latin typeface="GE SS Text Light" panose="020A0503020102020204" pitchFamily="18" charset="-78"/>
+                <a:ea typeface="GE SS Text Light" panose="020A0503020102020204" pitchFamily="18" charset="-78"/>
+                <a:cs typeface="GE SS Text Light" panose="020A0503020102020204" pitchFamily="18" charset="-78"/>
+              </a:endParaRPr>
+            </a:p>
+          </p:txBody>
+        </p:sp>
+      </p:grpSp>
+      <p:grpSp>
+        <p:nvGrpSpPr>
+          <p:cNvPr id="33" name="Group 32">
+            <a:extLst>
+              <a:ext uri="{FF2B5EF4-FFF2-40B4-BE49-F238E27FC236}">
+                <a16:creationId xmlns:a16="http://schemas.microsoft.com/office/drawing/2014/main" id="{850DADAE-3D40-334C-973E-86B6D9B57294}"/>
+              </a:ext>
+            </a:extLst>
+          </p:cNvPr>
+          <p:cNvGrpSpPr/>
+          <p:nvPr/>
+        </p:nvGrpSpPr>
+        <p:grpSpPr>
+          <a:xfrm>
+            <a:off x="5596759" y="5166282"/>
+            <a:ext cx="2136339" cy="1249984"/>
+            <a:chOff x="4072758" y="5166282"/>
+            <a:chExt cx="2136339" cy="1249984"/>
+          </a:xfrm>
+        </p:grpSpPr>
+        <p:cxnSp>
+          <p:nvCxnSpPr>
+            <p:cNvPr id="31" name="موصل: على شكل مرفق 54">
+              <a:extLst>
+                <a:ext uri="{FF2B5EF4-FFF2-40B4-BE49-F238E27FC236}">
+                  <a16:creationId xmlns:a16="http://schemas.microsoft.com/office/drawing/2014/main" id="{76DD8F7A-CDB1-B24E-B142-9C2485694316}"/>
+                </a:ext>
+              </a:extLst>
+            </p:cNvPr>
+            <p:cNvCxnSpPr>
+              <a:cxnSpLocks/>
+            </p:cNvCxnSpPr>
+            <p:nvPr/>
+          </p:nvCxnSpPr>
+          <p:spPr>
+            <a:xfrm flipV="1">
+              <a:off x="4340484" y="5166282"/>
+              <a:ext cx="1868613" cy="811425"/>
+            </a:xfrm>
+            <a:prstGeom prst="bentConnector3">
+              <a:avLst>
+                <a:gd name="adj1" fmla="val 99954"/>
+              </a:avLst>
+            </a:prstGeom>
+            <a:ln>
+              <a:solidFill>
+                <a:schemeClr val="tx1">
+                  <a:lumMod val="95000"/>
+                  <a:lumOff val="5000"/>
+                </a:schemeClr>
+              </a:solidFill>
+              <a:tailEnd type="triangle"/>
+            </a:ln>
+          </p:spPr>
+          <p:style>
+            <a:lnRef idx="1">
+              <a:schemeClr val="accent1"/>
+            </a:lnRef>
+            <a:fillRef idx="0">
+              <a:schemeClr val="accent1"/>
+            </a:fillRef>
+            <a:effectRef idx="0">
+              <a:schemeClr val="accent1"/>
+            </a:effectRef>
+            <a:fontRef idx="minor">
+              <a:schemeClr val="tx1"/>
+            </a:fontRef>
+          </p:style>
+        </p:cxnSp>
+        <p:sp>
+          <p:nvSpPr>
+            <p:cNvPr id="32" name="مستطيل 61">
+              <a:extLst>
+                <a:ext uri="{FF2B5EF4-FFF2-40B4-BE49-F238E27FC236}">
+                  <a16:creationId xmlns:a16="http://schemas.microsoft.com/office/drawing/2014/main" id="{199730AB-AB0E-664C-B13B-1659833A6846}"/>
+                </a:ext>
+              </a:extLst>
+            </p:cNvPr>
+            <p:cNvSpPr/>
+            <p:nvPr/>
+          </p:nvSpPr>
+          <p:spPr>
+            <a:xfrm>
+              <a:off x="4072758" y="6016156"/>
+              <a:ext cx="1976887" cy="400110"/>
+            </a:xfrm>
+            <a:prstGeom prst="rect">
+              <a:avLst/>
+            </a:prstGeom>
+            <a:noFill/>
+          </p:spPr>
+          <p:txBody>
+            <a:bodyPr wrap="square" lIns="91440" tIns="45720" rIns="91440" bIns="45720">
+              <a:spAutoFit/>
+            </a:bodyPr>
+            <a:lstStyle/>
+            <a:p>
+              <a:pPr algn="r" rtl="1"/>
+              <a:r>
+                <a:rPr lang="ar-SA" sz="2000" dirty="0">
+                  <a:ln w="0"/>
+                  <a:effectLst>
+                    <a:outerShdw blurRad="38100" dist="19050" dir="2700000" algn="tl" rotWithShape="0">
+                      <a:schemeClr val="dk1">
+                        <a:alpha val="40000"/>
+                      </a:schemeClr>
+                    </a:outerShdw>
+                  </a:effectLst>
+                  <a:latin typeface="GE SS Text Light" panose="020A0503020102020204" pitchFamily="18" charset="-78"/>
+                  <a:ea typeface="GE SS Text Light" panose="020A0503020102020204" pitchFamily="18" charset="-78"/>
+                  <a:cs typeface="GE SS Text Light" panose="020A0503020102020204" pitchFamily="18" charset="-78"/>
+                </a:rPr>
+                <a:t>مصادر الإيرادات</a:t>
+              </a:r>
+              <a:endParaRPr lang="en-US" sz="2000" dirty="0">
+                <a:ln w="0"/>
+                <a:effectLst>
+                  <a:outerShdw blurRad="38100" dist="19050" dir="2700000" algn="tl" rotWithShape="0">
+                    <a:schemeClr val="dk1">
+                      <a:alpha val="40000"/>
+                    </a:schemeClr>
+                  </a:outerShdw>
+                </a:effectLst>
+                <a:latin typeface="GE SS Text Light" panose="020A0503020102020204" pitchFamily="18" charset="-78"/>
+                <a:ea typeface="GE SS Text Light" panose="020A0503020102020204" pitchFamily="18" charset="-78"/>
+                <a:cs typeface="GE SS Text Light" panose="020A0503020102020204" pitchFamily="18" charset="-78"/>
+              </a:endParaRPr>
+            </a:p>
+          </p:txBody>
+        </p:sp>
+      </p:grpSp>
+      <p:grpSp>
+        <p:nvGrpSpPr>
+          <p:cNvPr id="2" name="Group 1">
+            <a:extLst>
+              <a:ext uri="{FF2B5EF4-FFF2-40B4-BE49-F238E27FC236}">
+                <a16:creationId xmlns:a16="http://schemas.microsoft.com/office/drawing/2014/main" id="{A00AB630-938D-344C-836B-3DFB7D76952C}"/>
+              </a:ext>
+            </a:extLst>
+          </p:cNvPr>
+          <p:cNvGrpSpPr/>
+          <p:nvPr/>
+        </p:nvGrpSpPr>
+        <p:grpSpPr>
+          <a:xfrm>
+            <a:off x="2630104" y="5218334"/>
+            <a:ext cx="1995270" cy="1197933"/>
+            <a:chOff x="1106104" y="5218333"/>
+            <a:chExt cx="1995270" cy="1197933"/>
+          </a:xfrm>
+        </p:grpSpPr>
+        <p:sp>
+          <p:nvSpPr>
+            <p:cNvPr id="30" name="مستطيل 68">
+              <a:extLst>
+                <a:ext uri="{FF2B5EF4-FFF2-40B4-BE49-F238E27FC236}">
+                  <a16:creationId xmlns:a16="http://schemas.microsoft.com/office/drawing/2014/main" id="{49E49420-6EDC-BC41-9663-7EB3BB2D82B6}"/>
+                </a:ext>
+              </a:extLst>
+            </p:cNvPr>
+            <p:cNvSpPr/>
+            <p:nvPr/>
+          </p:nvSpPr>
+          <p:spPr>
+            <a:xfrm>
+              <a:off x="1106104" y="6016156"/>
+              <a:ext cx="1793731" cy="400110"/>
+            </a:xfrm>
+            <a:prstGeom prst="rect">
+              <a:avLst/>
+            </a:prstGeom>
+            <a:noFill/>
+          </p:spPr>
+          <p:txBody>
+            <a:bodyPr wrap="square" lIns="91440" tIns="45720" rIns="91440" bIns="45720">
+              <a:spAutoFit/>
+            </a:bodyPr>
+            <a:lstStyle/>
+            <a:p>
+              <a:pPr algn="r" rtl="1"/>
+              <a:r>
+                <a:rPr lang="ar-SA" sz="2000" dirty="0">
+                  <a:ln w="0"/>
+                  <a:effectLst>
+                    <a:outerShdw blurRad="38100" dist="19050" dir="2700000" algn="tl" rotWithShape="0">
+                      <a:schemeClr val="dk1">
+                        <a:alpha val="40000"/>
+                      </a:schemeClr>
+                    </a:outerShdw>
+                  </a:effectLst>
+                  <a:latin typeface="GE SS Text Light" panose="020A0503020102020204" pitchFamily="18" charset="-78"/>
+                  <a:ea typeface="GE SS Text Light" panose="020A0503020102020204" pitchFamily="18" charset="-78"/>
+                  <a:cs typeface="GE SS Text Light" panose="020A0503020102020204" pitchFamily="18" charset="-78"/>
+                </a:rPr>
+                <a:t>هيكل التكاليف</a:t>
+              </a:r>
+              <a:endParaRPr lang="en-US" sz="2000" dirty="0">
+                <a:ln w="0"/>
+                <a:effectLst>
+                  <a:outerShdw blurRad="38100" dist="19050" dir="2700000" algn="tl" rotWithShape="0">
+                    <a:schemeClr val="dk1">
+                      <a:alpha val="40000"/>
+                    </a:schemeClr>
+                  </a:outerShdw>
+                </a:effectLst>
+                <a:latin typeface="GE SS Text Light" panose="020A0503020102020204" pitchFamily="18" charset="-78"/>
+                <a:ea typeface="GE SS Text Light" panose="020A0503020102020204" pitchFamily="18" charset="-78"/>
+                <a:cs typeface="GE SS Text Light" panose="020A0503020102020204" pitchFamily="18" charset="-78"/>
+              </a:endParaRPr>
+            </a:p>
+          </p:txBody>
+        </p:sp>
+        <p:grpSp>
+          <p:nvGrpSpPr>
+            <p:cNvPr id="42" name="Group 41">
+              <a:extLst>
+                <a:ext uri="{FF2B5EF4-FFF2-40B4-BE49-F238E27FC236}">
+                  <a16:creationId xmlns:a16="http://schemas.microsoft.com/office/drawing/2014/main" id="{4582FAB4-EE64-EE4D-96B2-5467675118D7}"/>
+                </a:ext>
+              </a:extLst>
+            </p:cNvPr>
+            <p:cNvGrpSpPr/>
+            <p:nvPr/>
+          </p:nvGrpSpPr>
+          <p:grpSpPr>
+            <a:xfrm>
+              <a:off x="1232761" y="5218333"/>
+              <a:ext cx="1868613" cy="759374"/>
+              <a:chOff x="1232761" y="5218333"/>
+              <a:chExt cx="1868613" cy="759374"/>
+            </a:xfrm>
+          </p:grpSpPr>
+          <p:cxnSp>
+            <p:nvCxnSpPr>
+              <p:cNvPr id="39" name="Straight Arrow Connector 38">
+                <a:extLst>
+                  <a:ext uri="{FF2B5EF4-FFF2-40B4-BE49-F238E27FC236}">
+                    <a16:creationId xmlns:a16="http://schemas.microsoft.com/office/drawing/2014/main" id="{1E28B8AB-3FD9-D342-8800-E41B2E868896}"/>
+                  </a:ext>
+                </a:extLst>
+              </p:cNvPr>
+              <p:cNvCxnSpPr/>
+              <p:nvPr/>
+            </p:nvCxnSpPr>
+            <p:spPr>
+              <a:xfrm flipV="1">
+                <a:off x="1235936" y="5218333"/>
+                <a:ext cx="0" cy="759374"/>
+              </a:xfrm>
+              <a:prstGeom prst="straightConnector1">
+                <a:avLst/>
+              </a:prstGeom>
+              <a:ln>
+                <a:tailEnd type="triangle"/>
+              </a:ln>
+            </p:spPr>
+            <p:style>
+              <a:lnRef idx="1">
+                <a:schemeClr val="dk1"/>
+              </a:lnRef>
+              <a:fillRef idx="0">
+                <a:schemeClr val="dk1"/>
+              </a:fillRef>
+              <a:effectRef idx="0">
+                <a:schemeClr val="dk1"/>
+              </a:effectRef>
+              <a:fontRef idx="minor">
+                <a:schemeClr val="tx1"/>
+              </a:fontRef>
+            </p:style>
+          </p:cxnSp>
+          <p:cxnSp>
+            <p:nvCxnSpPr>
+              <p:cNvPr id="41" name="Straight Connector 40">
+                <a:extLst>
+                  <a:ext uri="{FF2B5EF4-FFF2-40B4-BE49-F238E27FC236}">
+                    <a16:creationId xmlns:a16="http://schemas.microsoft.com/office/drawing/2014/main" id="{881563C9-A83D-6F44-B0A2-573DF40B739B}"/>
+                  </a:ext>
+                </a:extLst>
+              </p:cNvPr>
+              <p:cNvCxnSpPr/>
+              <p:nvPr/>
+            </p:nvCxnSpPr>
+            <p:spPr>
+              <a:xfrm>
+                <a:off x="1232761" y="5974532"/>
+                <a:ext cx="1868613" cy="0"/>
+              </a:xfrm>
+              <a:prstGeom prst="line">
+                <a:avLst/>
+              </a:prstGeom>
+            </p:spPr>
+            <p:style>
+              <a:lnRef idx="1">
+                <a:schemeClr val="dk1"/>
+              </a:lnRef>
+              <a:fillRef idx="0">
+                <a:schemeClr val="dk1"/>
+              </a:fillRef>
+              <a:effectRef idx="0">
+                <a:schemeClr val="dk1"/>
+              </a:effectRef>
+              <a:fontRef idx="minor">
+                <a:schemeClr val="tx1"/>
+              </a:fontRef>
+            </p:style>
+          </p:cxnSp>
+        </p:grpSp>
+      </p:grpSp>
+      <p:sp>
+        <p:nvSpPr>
+          <p:cNvPr id="3" name="Rectangle 2">
+            <a:extLst>
+              <a:ext uri="{FF2B5EF4-FFF2-40B4-BE49-F238E27FC236}">
+                <a16:creationId xmlns:a16="http://schemas.microsoft.com/office/drawing/2014/main" id="{045F62C6-CA1A-1F4F-9E5B-183A2A453919}"/>
+              </a:ext>
+            </a:extLst>
+          </p:cNvPr>
+          <p:cNvSpPr/>
+          <p:nvPr/>
+        </p:nvSpPr>
+        <p:spPr>
+          <a:xfrm>
+            <a:off x="5000552" y="841446"/>
+            <a:ext cx="3970728" cy="873452"/>
+          </a:xfrm>
+          <a:prstGeom prst="rect">
+            <a:avLst/>
+          </a:prstGeom>
+          <a:noFill/>
+          <a:ln>
+            <a:noFill/>
+          </a:ln>
+        </p:spPr>
+        <p:style>
+          <a:lnRef idx="2">
+            <a:schemeClr val="accent1">
+              <a:shade val="50000"/>
+            </a:schemeClr>
+          </a:lnRef>
+          <a:fillRef idx="1">
+            <a:schemeClr val="accent1"/>
+          </a:fillRef>
+          <a:effectRef idx="0">
+            <a:schemeClr val="accent1"/>
+          </a:effectRef>
+          <a:fontRef idx="minor">
+            <a:schemeClr val="lt1"/>
+          </a:fontRef>
+        </p:style>
+        <p:txBody>
+          <a:bodyPr rtlCol="0" anchor="ctr"/>
+          <a:lstStyle/>
+          <a:p>
+            <a:pPr marL="285750" indent="-285750" algn="r" rtl="1">
+              <a:buFontTx/>
+              <a:buChar char="-"/>
+            </a:pPr>
+            <a:r>
+              <a:rPr lang="ar-SA" dirty="0">
+                <a:solidFill>
+                  <a:srgbClr val="218A3C"/>
+                </a:solidFill>
+                <a:latin typeface="GE SS Text Light" panose="020A0503020102020204" pitchFamily="18" charset="-78"/>
+                <a:ea typeface="GE SS Text Light" panose="020A0503020102020204" pitchFamily="18" charset="-78"/>
+                <a:cs typeface="GE SS Text Light" panose="020A0503020102020204" pitchFamily="18" charset="-78"/>
+              </a:rPr>
+              <a:t>متعدد اللغات </a:t>
+            </a:r>
+          </a:p>
+          <a:p>
+            <a:pPr marL="285750" indent="-285750" algn="r" rtl="1">
+              <a:buFontTx/>
+              <a:buChar char="-"/>
+            </a:pPr>
+            <a:r>
+              <a:rPr lang="ar-SA" dirty="0">
+                <a:solidFill>
+                  <a:srgbClr val="218A3C"/>
+                </a:solidFill>
+                <a:latin typeface="GE SS Text Light" panose="020A0503020102020204" pitchFamily="18" charset="-78"/>
+                <a:ea typeface="GE SS Text Light" panose="020A0503020102020204" pitchFamily="18" charset="-78"/>
+                <a:cs typeface="GE SS Text Light" panose="020A0503020102020204" pitchFamily="18" charset="-78"/>
+              </a:rPr>
+              <a:t>ضبط واتقان الحفظ بالآيات المتشابهة</a:t>
+            </a:r>
+          </a:p>
+          <a:p>
+            <a:pPr marL="285750" indent="-285750" algn="r" rtl="1">
+              <a:buFontTx/>
+              <a:buChar char="-"/>
+            </a:pPr>
+            <a:r>
+              <a:rPr lang="ar-SA" dirty="0">
+                <a:solidFill>
+                  <a:srgbClr val="218A3C"/>
+                </a:solidFill>
+                <a:latin typeface="GE SS Text Light" panose="020A0503020102020204" pitchFamily="18" charset="-78"/>
+                <a:ea typeface="GE SS Text Light" panose="020A0503020102020204" pitchFamily="18" charset="-78"/>
+                <a:cs typeface="GE SS Text Light" panose="020A0503020102020204" pitchFamily="18" charset="-78"/>
+              </a:rPr>
+              <a:t>مكافئة عند إضافة متشابهات</a:t>
+            </a:r>
+          </a:p>
+        </p:txBody>
+      </p:sp>
+      <p:sp>
+        <p:nvSpPr>
+          <p:cNvPr id="27" name="Rectangle 26">
+            <a:extLst>
+              <a:ext uri="{FF2B5EF4-FFF2-40B4-BE49-F238E27FC236}">
+                <a16:creationId xmlns:a16="http://schemas.microsoft.com/office/drawing/2014/main" id="{763D563E-1BF6-BC48-A35B-D80283896E33}"/>
+              </a:ext>
+            </a:extLst>
+          </p:cNvPr>
+          <p:cNvSpPr/>
+          <p:nvPr/>
+        </p:nvSpPr>
+        <p:spPr>
+          <a:xfrm>
+            <a:off x="8161078" y="2829287"/>
+            <a:ext cx="1952991" cy="1454187"/>
+          </a:xfrm>
+          <a:prstGeom prst="rect">
+            <a:avLst/>
+          </a:prstGeom>
+          <a:noFill/>
+          <a:ln>
+            <a:noFill/>
+          </a:ln>
+        </p:spPr>
+        <p:style>
+          <a:lnRef idx="2">
+            <a:schemeClr val="accent1">
+              <a:shade val="50000"/>
+            </a:schemeClr>
+          </a:lnRef>
+          <a:fillRef idx="1">
+            <a:schemeClr val="accent1"/>
+          </a:fillRef>
+          <a:effectRef idx="0">
+            <a:schemeClr val="accent1"/>
+          </a:effectRef>
+          <a:fontRef idx="minor">
+            <a:schemeClr val="lt1"/>
+          </a:fontRef>
+        </p:style>
+        <p:txBody>
+          <a:bodyPr rtlCol="0" anchor="ctr"/>
+          <a:lstStyle/>
+          <a:p>
+            <a:pPr algn="ctr" rtl="1"/>
+            <a:r>
+              <a:rPr lang="ar-SA" dirty="0">
+                <a:solidFill>
+                  <a:srgbClr val="218A3C"/>
+                </a:solidFill>
+                <a:latin typeface="GE SS Text Light" panose="020A0503020102020204" pitchFamily="18" charset="-78"/>
+                <a:ea typeface="GE SS Text Light" panose="020A0503020102020204" pitchFamily="18" charset="-78"/>
+                <a:cs typeface="GE SS Text Light" panose="020A0503020102020204" pitchFamily="18" charset="-78"/>
+              </a:rPr>
+              <a:t>- حافظي القرآن الكريم </a:t>
+            </a:r>
+          </a:p>
+        </p:txBody>
+      </p:sp>
+      <p:sp>
+        <p:nvSpPr>
+          <p:cNvPr id="29" name="Rectangle 28">
+            <a:extLst>
+              <a:ext uri="{FF2B5EF4-FFF2-40B4-BE49-F238E27FC236}">
+                <a16:creationId xmlns:a16="http://schemas.microsoft.com/office/drawing/2014/main" id="{EF420E1C-F60E-434D-B0D8-77AE443A5FFD}"/>
+              </a:ext>
+            </a:extLst>
+          </p:cNvPr>
+          <p:cNvSpPr/>
+          <p:nvPr/>
+        </p:nvSpPr>
+        <p:spPr>
+          <a:xfrm>
+            <a:off x="5839084" y="5140534"/>
+            <a:ext cx="1868613" cy="811425"/>
+          </a:xfrm>
+          <a:prstGeom prst="rect">
+            <a:avLst/>
+          </a:prstGeom>
+          <a:noFill/>
+          <a:ln>
+            <a:noFill/>
+          </a:ln>
+        </p:spPr>
+        <p:style>
+          <a:lnRef idx="2">
+            <a:schemeClr val="accent1">
+              <a:shade val="50000"/>
+            </a:schemeClr>
+          </a:lnRef>
+          <a:fillRef idx="1">
+            <a:schemeClr val="accent1"/>
+          </a:fillRef>
+          <a:effectRef idx="0">
+            <a:schemeClr val="accent1"/>
+          </a:effectRef>
+          <a:fontRef idx="minor">
+            <a:schemeClr val="lt1"/>
+          </a:fontRef>
+        </p:style>
+        <p:txBody>
+          <a:bodyPr rtlCol="0" anchor="ctr"/>
+          <a:lstStyle/>
+          <a:p>
+            <a:pPr algn="ctr" rtl="1"/>
+            <a:r>
+              <a:rPr lang="ar-SA" dirty="0">
+                <a:solidFill>
+                  <a:srgbClr val="218A3C"/>
+                </a:solidFill>
+              </a:rPr>
+              <a:t>- </a:t>
+            </a:r>
+            <a:r>
+              <a:rPr lang="ar-SA" dirty="0">
+                <a:solidFill>
+                  <a:srgbClr val="218A3C"/>
+                </a:solidFill>
+                <a:latin typeface="GE SS Text Light" panose="020A0503020102020204" pitchFamily="18" charset="-78"/>
+                <a:ea typeface="GE SS Text Light" panose="020A0503020102020204" pitchFamily="18" charset="-78"/>
+                <a:cs typeface="GE SS Text Light" panose="020A0503020102020204" pitchFamily="18" charset="-78"/>
+              </a:rPr>
+              <a:t>الاشتراكات</a:t>
+            </a:r>
+            <a:r>
+              <a:rPr lang="ar-SA" dirty="0">
+                <a:solidFill>
+                  <a:srgbClr val="218A3C"/>
+                </a:solidFill>
+              </a:rPr>
+              <a:t> </a:t>
+            </a:r>
+          </a:p>
+        </p:txBody>
+      </p:sp>
+      <p:sp>
+        <p:nvSpPr>
+          <p:cNvPr id="34" name="Rectangle 33">
+            <a:extLst>
+              <a:ext uri="{FF2B5EF4-FFF2-40B4-BE49-F238E27FC236}">
+                <a16:creationId xmlns:a16="http://schemas.microsoft.com/office/drawing/2014/main" id="{2753DA91-B778-E342-B5A9-8D5E073B1564}"/>
+              </a:ext>
+            </a:extLst>
+          </p:cNvPr>
+          <p:cNvSpPr/>
+          <p:nvPr/>
+        </p:nvSpPr>
+        <p:spPr>
+          <a:xfrm>
+            <a:off x="2781946" y="5134185"/>
+            <a:ext cx="1868613" cy="811425"/>
+          </a:xfrm>
+          <a:prstGeom prst="rect">
+            <a:avLst/>
+          </a:prstGeom>
+          <a:noFill/>
+          <a:ln>
+            <a:noFill/>
+          </a:ln>
+        </p:spPr>
+        <p:style>
+          <a:lnRef idx="2">
+            <a:schemeClr val="accent1">
+              <a:shade val="50000"/>
+            </a:schemeClr>
+          </a:lnRef>
+          <a:fillRef idx="1">
+            <a:schemeClr val="accent1"/>
+          </a:fillRef>
+          <a:effectRef idx="0">
+            <a:schemeClr val="accent1"/>
+          </a:effectRef>
+          <a:fontRef idx="minor">
+            <a:schemeClr val="lt1"/>
+          </a:fontRef>
+        </p:style>
+        <p:txBody>
+          <a:bodyPr rtlCol="0" anchor="ctr"/>
+          <a:lstStyle/>
+          <a:p>
+            <a:pPr marL="285750" indent="-285750" algn="r" rtl="1">
+              <a:buFontTx/>
+              <a:buChar char="-"/>
+            </a:pPr>
+            <a:r>
+              <a:rPr lang="ar-SA" sz="1600" dirty="0">
+                <a:solidFill>
+                  <a:srgbClr val="218A3C"/>
+                </a:solidFill>
+                <a:latin typeface="GE SS Text Light" panose="020A0503020102020204" pitchFamily="18" charset="-78"/>
+                <a:ea typeface="GE SS Text Light" panose="020A0503020102020204" pitchFamily="18" charset="-78"/>
+                <a:cs typeface="GE SS Text Light" panose="020A0503020102020204" pitchFamily="18" charset="-78"/>
+              </a:rPr>
+              <a:t>التسويق </a:t>
+            </a:r>
+          </a:p>
+          <a:p>
+            <a:pPr marL="285750" indent="-285750" algn="r" rtl="1">
+              <a:buFontTx/>
+              <a:buChar char="-"/>
+            </a:pPr>
+            <a:r>
+              <a:rPr lang="ar-SA" sz="1600" dirty="0">
+                <a:solidFill>
+                  <a:srgbClr val="218A3C"/>
+                </a:solidFill>
+                <a:latin typeface="GE SS Text Light" panose="020A0503020102020204" pitchFamily="18" charset="-78"/>
+                <a:ea typeface="GE SS Text Light" panose="020A0503020102020204" pitchFamily="18" charset="-78"/>
+                <a:cs typeface="GE SS Text Light" panose="020A0503020102020204" pitchFamily="18" charset="-78"/>
+              </a:rPr>
+              <a:t>الرواتب </a:t>
+            </a:r>
+          </a:p>
+          <a:p>
+            <a:pPr marL="285750" indent="-285750" algn="r" rtl="1">
+              <a:buFontTx/>
+              <a:buChar char="-"/>
+            </a:pPr>
+            <a:r>
+              <a:rPr lang="ar-SA" sz="1600" dirty="0">
+                <a:solidFill>
+                  <a:srgbClr val="218A3C"/>
+                </a:solidFill>
+                <a:latin typeface="GE SS Text Light" panose="020A0503020102020204" pitchFamily="18" charset="-78"/>
+                <a:ea typeface="GE SS Text Light" panose="020A0503020102020204" pitchFamily="18" charset="-78"/>
+                <a:cs typeface="GE SS Text Light" panose="020A0503020102020204" pitchFamily="18" charset="-78"/>
+              </a:rPr>
+              <a:t>تطوير البرنامج </a:t>
+            </a:r>
+          </a:p>
+        </p:txBody>
+      </p:sp>
+      <p:pic>
+        <p:nvPicPr>
+          <p:cNvPr id="44" name="Picture 43" descr="Shape&#10;&#10;Description automatically generated">
+            <a:hlinkClick r:id="rId3"/>
+            <a:extLst>
+              <a:ext uri="{FF2B5EF4-FFF2-40B4-BE49-F238E27FC236}">
+                <a16:creationId xmlns:a16="http://schemas.microsoft.com/office/drawing/2014/main" id="{08E29EAA-3E92-44AD-A799-D63E36FF4E79}"/>
+              </a:ext>
+            </a:extLst>
+          </p:cNvPr>
+          <p:cNvPicPr>
+            <a:picLocks noChangeAspect="1"/>
+          </p:cNvPicPr>
+          <p:nvPr/>
+        </p:nvPicPr>
+        <p:blipFill>
+          <a:blip r:embed="rId4"/>
+          <a:stretch>
+            <a:fillRect/>
+          </a:stretch>
+        </p:blipFill>
+        <p:spPr>
+          <a:xfrm>
+            <a:off x="11053116" y="5718127"/>
+            <a:ext cx="711200" cy="711200"/>
+          </a:xfrm>
+          <a:prstGeom prst="rect">
+            <a:avLst/>
+          </a:prstGeom>
+        </p:spPr>
+      </p:pic>
+      <p:pic>
+        <p:nvPicPr>
+          <p:cNvPr id="45" name="Picture 44" descr="Logo, company name&#10;&#10;Description automatically generated">
+            <a:extLst>
+              <a:ext uri="{FF2B5EF4-FFF2-40B4-BE49-F238E27FC236}">
+                <a16:creationId xmlns:a16="http://schemas.microsoft.com/office/drawing/2014/main" id="{82CF0C23-44D0-43FF-A356-203F86E8E3D2}"/>
+              </a:ext>
+            </a:extLst>
+          </p:cNvPr>
+          <p:cNvPicPr>
+            <a:picLocks noChangeAspect="1"/>
+          </p:cNvPicPr>
+          <p:nvPr/>
+        </p:nvPicPr>
+        <p:blipFill>
+          <a:blip r:embed="rId5"/>
+          <a:stretch>
+            <a:fillRect/>
+          </a:stretch>
+        </p:blipFill>
+        <p:spPr>
+          <a:xfrm>
+            <a:off x="10959858" y="2100631"/>
+            <a:ext cx="897716" cy="897716"/>
+          </a:xfrm>
+          <a:prstGeom prst="rect">
+            <a:avLst/>
+          </a:prstGeom>
+        </p:spPr>
+      </p:pic>
+      <p:pic>
+        <p:nvPicPr>
+          <p:cNvPr id="46" name="Picture 45" descr="Logo&#10;&#10;Description automatically generated">
+            <a:extLst>
+              <a:ext uri="{FF2B5EF4-FFF2-40B4-BE49-F238E27FC236}">
+                <a16:creationId xmlns:a16="http://schemas.microsoft.com/office/drawing/2014/main" id="{F0217301-8D6D-407B-A8B9-8E592224C5A7}"/>
+              </a:ext>
+            </a:extLst>
+          </p:cNvPr>
+          <p:cNvPicPr>
+            <a:picLocks noChangeAspect="1"/>
+          </p:cNvPicPr>
+          <p:nvPr/>
+        </p:nvPicPr>
+        <p:blipFill>
+          <a:blip r:embed="rId6"/>
+          <a:stretch>
+            <a:fillRect/>
+          </a:stretch>
+        </p:blipFill>
+        <p:spPr>
+          <a:xfrm>
+            <a:off x="11055958" y="385312"/>
+            <a:ext cx="705516" cy="897716"/>
+          </a:xfrm>
+          <a:prstGeom prst="rect">
+            <a:avLst/>
+          </a:prstGeom>
+        </p:spPr>
+      </p:pic>
+      <p:pic>
+        <p:nvPicPr>
+          <p:cNvPr id="47" name="Picture 46" descr="Logo&#10;&#10;Description automatically generated">
+            <a:extLst>
+              <a:ext uri="{FF2B5EF4-FFF2-40B4-BE49-F238E27FC236}">
+                <a16:creationId xmlns:a16="http://schemas.microsoft.com/office/drawing/2014/main" id="{427E3A1C-3E22-4CEA-8A7D-3AA6C1703DAD}"/>
+              </a:ext>
+            </a:extLst>
+          </p:cNvPr>
+          <p:cNvPicPr>
+            <a:picLocks noChangeAspect="1"/>
+          </p:cNvPicPr>
+          <p:nvPr/>
+        </p:nvPicPr>
+        <p:blipFill rotWithShape="1">
+          <a:blip r:embed="rId7"/>
+          <a:srcRect l="9468" t="10171" r="10072" b="16940"/>
+          <a:stretch/>
+        </p:blipFill>
+        <p:spPr>
+          <a:xfrm>
+            <a:off x="10810102" y="3815950"/>
+            <a:ext cx="1197228" cy="1084574"/>
+          </a:xfrm>
+          <a:prstGeom prst="rect">
+            <a:avLst/>
+          </a:prstGeom>
+        </p:spPr>
+      </p:pic>
+    </p:spTree>
+    <p:extLst>
+      <p:ext uri="{BB962C8B-B14F-4D97-AF65-F5344CB8AC3E}">
+        <p14:creationId xmlns:p14="http://schemas.microsoft.com/office/powerpoint/2010/main" val="80219256"/>
+      </p:ext>
+    </p:extLst>
+  </p:cSld>
+  <p:clrMapOvr>
+    <a:masterClrMapping/>
+  </p:clrMapOvr>
+</p:sld>
+</file>
+
+<file path=ppt/slides/slide11.xml><?xml version="1.0" encoding="utf-8"?>
+<p:sld xmlns:a="http://schemas.openxmlformats.org/drawingml/2006/main" xmlns:r="http://schemas.openxmlformats.org/officeDocument/2006/relationships" xmlns:p="http://schemas.openxmlformats.org/presentationml/2006/main">
+  <p:cSld>
+    <p:bg>
+      <p:bgPr>
+        <a:solidFill>
+          <a:schemeClr val="bg1">
+            <a:lumMod val="85000"/>
+          </a:schemeClr>
+        </a:solidFill>
+        <a:effectLst/>
+      </p:bgPr>
+    </p:bg>
+    <p:spTree>
+      <p:nvGrpSpPr>
+        <p:cNvPr id="1" name=""/>
+        <p:cNvGrpSpPr/>
+        <p:nvPr/>
+      </p:nvGrpSpPr>
+      <p:grpSpPr>
+        <a:xfrm>
+          <a:off x="0" y="0"/>
+          <a:ext cx="0" cy="0"/>
+          <a:chOff x="0" y="0"/>
+          <a:chExt cx="0" cy="0"/>
+        </a:xfrm>
+      </p:grpSpPr>
+      <p:sp>
+        <p:nvSpPr>
           <p:cNvPr id="24" name="Freeform 40">
             <a:extLst>
               <a:ext uri="{FF2B5EF4-FFF2-40B4-BE49-F238E27FC236}">
@@ -7104,7 +9234,7 @@
 </p:sld>
 </file>
 
-<file path=ppt/slides/slide11.xml><?xml version="1.0" encoding="utf-8"?>
+<file path=ppt/slides/slide12.xml><?xml version="1.0" encoding="utf-8"?>
 <p:sld xmlns:a="http://schemas.openxmlformats.org/drawingml/2006/main" xmlns:r="http://schemas.openxmlformats.org/officeDocument/2006/relationships" xmlns:p="http://schemas.openxmlformats.org/presentationml/2006/main">
   <p:cSld>
     <p:bg>
@@ -16759,6 +18889,1393 @@
 </file>
 
 <file path=ppt/slides/slide8.xml><?xml version="1.0" encoding="utf-8"?>
+<p:sld xmlns:a="http://schemas.openxmlformats.org/drawingml/2006/main" xmlns:r="http://schemas.openxmlformats.org/officeDocument/2006/relationships" xmlns:p="http://schemas.openxmlformats.org/presentationml/2006/main">
+  <p:cSld>
+    <p:bg>
+      <p:bgPr>
+        <a:solidFill>
+          <a:schemeClr val="bg1">
+            <a:lumMod val="85000"/>
+          </a:schemeClr>
+        </a:solidFill>
+        <a:effectLst/>
+      </p:bgPr>
+    </p:bg>
+    <p:spTree>
+      <p:nvGrpSpPr>
+        <p:cNvPr id="1" name=""/>
+        <p:cNvGrpSpPr/>
+        <p:nvPr/>
+      </p:nvGrpSpPr>
+      <p:grpSpPr>
+        <a:xfrm>
+          <a:off x="0" y="0"/>
+          <a:ext cx="0" cy="0"/>
+          <a:chOff x="0" y="0"/>
+          <a:chExt cx="0" cy="0"/>
+        </a:xfrm>
+      </p:grpSpPr>
+      <p:sp>
+        <p:nvSpPr>
+          <p:cNvPr id="14" name="Freeform 40">
+            <a:extLst>
+              <a:ext uri="{FF2B5EF4-FFF2-40B4-BE49-F238E27FC236}">
+                <a16:creationId xmlns:a16="http://schemas.microsoft.com/office/drawing/2014/main" id="{FFD50579-129E-4700-AF1D-BD7F086D7EA8}"/>
+              </a:ext>
+            </a:extLst>
+          </p:cNvPr>
+          <p:cNvSpPr>
+            <a:spLocks noChangeArrowheads="1"/>
+          </p:cNvSpPr>
+          <p:nvPr/>
+        </p:nvSpPr>
+        <p:spPr bwMode="auto">
+          <a:xfrm rot="11825610">
+            <a:off x="-4873768" y="-208990"/>
+            <a:ext cx="11767008" cy="5664104"/>
+          </a:xfrm>
+          <a:custGeom>
+            <a:avLst/>
+            <a:gdLst>
+              <a:gd name="connsiteX0" fmla="*/ 11264585 w 23534016"/>
+              <a:gd name="connsiteY0" fmla="*/ 9912566 h 11328207"/>
+              <a:gd name="connsiteX1" fmla="*/ 11605793 w 23534016"/>
+              <a:gd name="connsiteY1" fmla="*/ 10554301 h 11328207"/>
+              <a:gd name="connsiteX2" fmla="*/ 10831887 w 23534016"/>
+              <a:gd name="connsiteY2" fmla="*/ 11328207 h 11328207"/>
+              <a:gd name="connsiteX3" fmla="*/ 10736635 w 23534016"/>
+              <a:gd name="connsiteY3" fmla="*/ 11328207 h 11328207"/>
+              <a:gd name="connsiteX4" fmla="*/ 9962731 w 23534016"/>
+              <a:gd name="connsiteY4" fmla="*/ 10554301 h 11328207"/>
+              <a:gd name="connsiteX5" fmla="*/ 10736635 w 23534016"/>
+              <a:gd name="connsiteY5" fmla="*/ 9780395 h 11328207"/>
+              <a:gd name="connsiteX6" fmla="*/ 10831887 w 23534016"/>
+              <a:gd name="connsiteY6" fmla="*/ 9780395 h 11328207"/>
+              <a:gd name="connsiteX7" fmla="*/ 11264585 w 23534016"/>
+              <a:gd name="connsiteY7" fmla="*/ 9912566 h 11328207"/>
+              <a:gd name="connsiteX8" fmla="*/ 1179542 w 23534016"/>
+              <a:gd name="connsiteY8" fmla="*/ 3328153 h 11328207"/>
+              <a:gd name="connsiteX9" fmla="*/ 1401765 w 23534016"/>
+              <a:gd name="connsiteY9" fmla="*/ 3746104 h 11328207"/>
+              <a:gd name="connsiteX10" fmla="*/ 1401764 w 23534016"/>
+              <a:gd name="connsiteY10" fmla="*/ 3746104 h 11328207"/>
+              <a:gd name="connsiteX11" fmla="*/ 897732 w 23534016"/>
+              <a:gd name="connsiteY11" fmla="*/ 4250136 h 11328207"/>
+              <a:gd name="connsiteX12" fmla="*/ 504033 w 23534016"/>
+              <a:gd name="connsiteY12" fmla="*/ 4250135 h 11328207"/>
+              <a:gd name="connsiteX13" fmla="*/ 1 w 23534016"/>
+              <a:gd name="connsiteY13" fmla="*/ 3746103 h 11328207"/>
+              <a:gd name="connsiteX14" fmla="*/ 0 w 23534016"/>
+              <a:gd name="connsiteY14" fmla="*/ 3746103 h 11328207"/>
+              <a:gd name="connsiteX15" fmla="*/ 504032 w 23534016"/>
+              <a:gd name="connsiteY15" fmla="*/ 3242072 h 11328207"/>
+              <a:gd name="connsiteX16" fmla="*/ 897733 w 23534016"/>
+              <a:gd name="connsiteY16" fmla="*/ 3242072 h 11328207"/>
+              <a:gd name="connsiteX17" fmla="*/ 1179542 w 23534016"/>
+              <a:gd name="connsiteY17" fmla="*/ 3328153 h 11328207"/>
+              <a:gd name="connsiteX18" fmla="*/ 9733515 w 23534016"/>
+              <a:gd name="connsiteY18" fmla="*/ 6613367 h 11328207"/>
+              <a:gd name="connsiteX19" fmla="*/ 9955739 w 23534016"/>
+              <a:gd name="connsiteY19" fmla="*/ 7031319 h 11328207"/>
+              <a:gd name="connsiteX20" fmla="*/ 9955739 w 23534016"/>
+              <a:gd name="connsiteY20" fmla="*/ 7031319 h 11328207"/>
+              <a:gd name="connsiteX21" fmla="*/ 9451707 w 23534016"/>
+              <a:gd name="connsiteY21" fmla="*/ 7535351 h 11328207"/>
+              <a:gd name="connsiteX22" fmla="*/ 9058008 w 23534016"/>
+              <a:gd name="connsiteY22" fmla="*/ 7535350 h 11328207"/>
+              <a:gd name="connsiteX23" fmla="*/ 8553975 w 23534016"/>
+              <a:gd name="connsiteY23" fmla="*/ 7031318 h 11328207"/>
+              <a:gd name="connsiteX24" fmla="*/ 8553975 w 23534016"/>
+              <a:gd name="connsiteY24" fmla="*/ 7031318 h 11328207"/>
+              <a:gd name="connsiteX25" fmla="*/ 9058007 w 23534016"/>
+              <a:gd name="connsiteY25" fmla="*/ 6527286 h 11328207"/>
+              <a:gd name="connsiteX26" fmla="*/ 9451706 w 23534016"/>
+              <a:gd name="connsiteY26" fmla="*/ 6527286 h 11328207"/>
+              <a:gd name="connsiteX27" fmla="*/ 9733515 w 23534016"/>
+              <a:gd name="connsiteY27" fmla="*/ 6613367 h 11328207"/>
+              <a:gd name="connsiteX28" fmla="*/ 8928022 w 23534016"/>
+              <a:gd name="connsiteY28" fmla="*/ 3340367 h 11328207"/>
+              <a:gd name="connsiteX29" fmla="*/ 9150244 w 23534016"/>
+              <a:gd name="connsiteY29" fmla="*/ 3758318 h 11328207"/>
+              <a:gd name="connsiteX30" fmla="*/ 9150244 w 23534016"/>
+              <a:gd name="connsiteY30" fmla="*/ 3758318 h 11328207"/>
+              <a:gd name="connsiteX31" fmla="*/ 8646212 w 23534016"/>
+              <a:gd name="connsiteY31" fmla="*/ 4262350 h 11328207"/>
+              <a:gd name="connsiteX32" fmla="*/ 2350189 w 23534016"/>
+              <a:gd name="connsiteY32" fmla="*/ 4262349 h 11328207"/>
+              <a:gd name="connsiteX33" fmla="*/ 1846156 w 23534016"/>
+              <a:gd name="connsiteY33" fmla="*/ 3758316 h 11328207"/>
+              <a:gd name="connsiteX34" fmla="*/ 1846157 w 23534016"/>
+              <a:gd name="connsiteY34" fmla="*/ 3758317 h 11328207"/>
+              <a:gd name="connsiteX35" fmla="*/ 2350189 w 23534016"/>
+              <a:gd name="connsiteY35" fmla="*/ 3254285 h 11328207"/>
+              <a:gd name="connsiteX36" fmla="*/ 8646213 w 23534016"/>
+              <a:gd name="connsiteY36" fmla="*/ 3254286 h 11328207"/>
+              <a:gd name="connsiteX37" fmla="*/ 8928022 w 23534016"/>
+              <a:gd name="connsiteY37" fmla="*/ 3340367 h 11328207"/>
+              <a:gd name="connsiteX38" fmla="*/ 15324339 w 23534016"/>
+              <a:gd name="connsiteY38" fmla="*/ 6624950 h 11328207"/>
+              <a:gd name="connsiteX39" fmla="*/ 15546562 w 23534016"/>
+              <a:gd name="connsiteY39" fmla="*/ 7042900 h 11328207"/>
+              <a:gd name="connsiteX40" fmla="*/ 15042530 w 23534016"/>
+              <a:gd name="connsiteY40" fmla="*/ 7546931 h 11328207"/>
+              <a:gd name="connsiteX41" fmla="*/ 10905505 w 23534016"/>
+              <a:gd name="connsiteY41" fmla="*/ 7546930 h 11328207"/>
+              <a:gd name="connsiteX42" fmla="*/ 10401474 w 23534016"/>
+              <a:gd name="connsiteY42" fmla="*/ 7042899 h 11328207"/>
+              <a:gd name="connsiteX43" fmla="*/ 10905505 w 23534016"/>
+              <a:gd name="connsiteY43" fmla="*/ 6538868 h 11328207"/>
+              <a:gd name="connsiteX44" fmla="*/ 15042530 w 23534016"/>
+              <a:gd name="connsiteY44" fmla="*/ 6538869 h 11328207"/>
+              <a:gd name="connsiteX45" fmla="*/ 15324339 w 23534016"/>
+              <a:gd name="connsiteY45" fmla="*/ 6624950 h 11328207"/>
+              <a:gd name="connsiteX46" fmla="*/ 23192458 w 23534016"/>
+              <a:gd name="connsiteY46" fmla="*/ 8064785 h 11328207"/>
+              <a:gd name="connsiteX47" fmla="*/ 23534016 w 23534016"/>
+              <a:gd name="connsiteY47" fmla="*/ 8707179 h 11328207"/>
+              <a:gd name="connsiteX48" fmla="*/ 22759316 w 23534016"/>
+              <a:gd name="connsiteY48" fmla="*/ 9481878 h 11328207"/>
+              <a:gd name="connsiteX49" fmla="*/ 8228929 w 23534016"/>
+              <a:gd name="connsiteY49" fmla="*/ 9481877 h 11328207"/>
+              <a:gd name="connsiteX50" fmla="*/ 7454228 w 23534016"/>
+              <a:gd name="connsiteY50" fmla="*/ 8707176 h 11328207"/>
+              <a:gd name="connsiteX51" fmla="*/ 8228928 w 23534016"/>
+              <a:gd name="connsiteY51" fmla="*/ 7932477 h 11328207"/>
+              <a:gd name="connsiteX52" fmla="*/ 22759315 w 23534016"/>
+              <a:gd name="connsiteY52" fmla="*/ 7932478 h 11328207"/>
+              <a:gd name="connsiteX53" fmla="*/ 23192458 w 23534016"/>
+              <a:gd name="connsiteY53" fmla="*/ 8064785 h 11328207"/>
+              <a:gd name="connsiteX54" fmla="*/ 9947589 w 23534016"/>
+              <a:gd name="connsiteY54" fmla="*/ 86081 h 11328207"/>
+              <a:gd name="connsiteX55" fmla="*/ 10169812 w 23534016"/>
+              <a:gd name="connsiteY55" fmla="*/ 504032 h 11328207"/>
+              <a:gd name="connsiteX56" fmla="*/ 10169811 w 23534016"/>
+              <a:gd name="connsiteY56" fmla="*/ 504032 h 11328207"/>
+              <a:gd name="connsiteX57" fmla="*/ 9665779 w 23534016"/>
+              <a:gd name="connsiteY57" fmla="*/ 1008064 h 11328207"/>
+              <a:gd name="connsiteX58" fmla="*/ 2447418 w 23534016"/>
+              <a:gd name="connsiteY58" fmla="*/ 1008063 h 11328207"/>
+              <a:gd name="connsiteX59" fmla="*/ 1943386 w 23534016"/>
+              <a:gd name="connsiteY59" fmla="*/ 504031 h 11328207"/>
+              <a:gd name="connsiteX60" fmla="*/ 1943385 w 23534016"/>
+              <a:gd name="connsiteY60" fmla="*/ 504031 h 11328207"/>
+              <a:gd name="connsiteX61" fmla="*/ 2447417 w 23534016"/>
+              <a:gd name="connsiteY61" fmla="*/ 0 h 11328207"/>
+              <a:gd name="connsiteX62" fmla="*/ 9665780 w 23534016"/>
+              <a:gd name="connsiteY62" fmla="*/ 0 h 11328207"/>
+              <a:gd name="connsiteX63" fmla="*/ 9947589 w 23534016"/>
+              <a:gd name="connsiteY63" fmla="*/ 86081 h 11328207"/>
+              <a:gd name="connsiteX64" fmla="*/ 16576520 w 23534016"/>
+              <a:gd name="connsiteY64" fmla="*/ 3400992 h 11328207"/>
+              <a:gd name="connsiteX65" fmla="*/ 16798742 w 23534016"/>
+              <a:gd name="connsiteY65" fmla="*/ 3818943 h 11328207"/>
+              <a:gd name="connsiteX66" fmla="*/ 16798742 w 23534016"/>
+              <a:gd name="connsiteY66" fmla="*/ 3818943 h 11328207"/>
+              <a:gd name="connsiteX67" fmla="*/ 16294710 w 23534016"/>
+              <a:gd name="connsiteY67" fmla="*/ 4322975 h 11328207"/>
+              <a:gd name="connsiteX68" fmla="*/ 9998686 w 23534016"/>
+              <a:gd name="connsiteY68" fmla="*/ 4322974 h 11328207"/>
+              <a:gd name="connsiteX69" fmla="*/ 9494655 w 23534016"/>
+              <a:gd name="connsiteY69" fmla="*/ 3818942 h 11328207"/>
+              <a:gd name="connsiteX70" fmla="*/ 9494655 w 23534016"/>
+              <a:gd name="connsiteY70" fmla="*/ 3818943 h 11328207"/>
+              <a:gd name="connsiteX71" fmla="*/ 9998687 w 23534016"/>
+              <a:gd name="connsiteY71" fmla="*/ 3314911 h 11328207"/>
+              <a:gd name="connsiteX72" fmla="*/ 16294711 w 23534016"/>
+              <a:gd name="connsiteY72" fmla="*/ 3314911 h 11328207"/>
+              <a:gd name="connsiteX73" fmla="*/ 16576520 w 23534016"/>
+              <a:gd name="connsiteY73" fmla="*/ 3400992 h 11328207"/>
+              <a:gd name="connsiteX74" fmla="*/ 20515471 w 23534016"/>
+              <a:gd name="connsiteY74" fmla="*/ 4777198 h 11328207"/>
+              <a:gd name="connsiteX75" fmla="*/ 20856681 w 23534016"/>
+              <a:gd name="connsiteY75" fmla="*/ 5418935 h 11328207"/>
+              <a:gd name="connsiteX76" fmla="*/ 20856679 w 23534016"/>
+              <a:gd name="connsiteY76" fmla="*/ 5418934 h 11328207"/>
+              <a:gd name="connsiteX77" fmla="*/ 20082773 w 23534016"/>
+              <a:gd name="connsiteY77" fmla="*/ 6192842 h 11328207"/>
+              <a:gd name="connsiteX78" fmla="*/ 3780736 w 23534016"/>
+              <a:gd name="connsiteY78" fmla="*/ 6192840 h 11328207"/>
+              <a:gd name="connsiteX79" fmla="*/ 3006829 w 23534016"/>
+              <a:gd name="connsiteY79" fmla="*/ 5418932 h 11328207"/>
+              <a:gd name="connsiteX80" fmla="*/ 3006829 w 23534016"/>
+              <a:gd name="connsiteY80" fmla="*/ 5418933 h 11328207"/>
+              <a:gd name="connsiteX81" fmla="*/ 3780735 w 23534016"/>
+              <a:gd name="connsiteY81" fmla="*/ 4645026 h 11328207"/>
+              <a:gd name="connsiteX82" fmla="*/ 20082772 w 23534016"/>
+              <a:gd name="connsiteY82" fmla="*/ 4645027 h 11328207"/>
+              <a:gd name="connsiteX83" fmla="*/ 20515471 w 23534016"/>
+              <a:gd name="connsiteY83" fmla="*/ 4777198 h 11328207"/>
+              <a:gd name="connsiteX84" fmla="*/ 15080250 w 23534016"/>
+              <a:gd name="connsiteY84" fmla="*/ 1483266 h 11328207"/>
+              <a:gd name="connsiteX85" fmla="*/ 15421458 w 23534016"/>
+              <a:gd name="connsiteY85" fmla="*/ 2125002 h 11328207"/>
+              <a:gd name="connsiteX86" fmla="*/ 15421458 w 23534016"/>
+              <a:gd name="connsiteY86" fmla="*/ 2125003 h 11328207"/>
+              <a:gd name="connsiteX87" fmla="*/ 14647550 w 23534016"/>
+              <a:gd name="connsiteY87" fmla="*/ 2898909 h 11328207"/>
+              <a:gd name="connsiteX88" fmla="*/ 5471802 w 23534016"/>
+              <a:gd name="connsiteY88" fmla="*/ 2898908 h 11328207"/>
+              <a:gd name="connsiteX89" fmla="*/ 4697895 w 23534016"/>
+              <a:gd name="connsiteY89" fmla="*/ 2125001 h 11328207"/>
+              <a:gd name="connsiteX90" fmla="*/ 4697895 w 23534016"/>
+              <a:gd name="connsiteY90" fmla="*/ 2125002 h 11328207"/>
+              <a:gd name="connsiteX91" fmla="*/ 5471802 w 23534016"/>
+              <a:gd name="connsiteY91" fmla="*/ 1351096 h 11328207"/>
+              <a:gd name="connsiteX92" fmla="*/ 14647551 w 23534016"/>
+              <a:gd name="connsiteY92" fmla="*/ 1351096 h 11328207"/>
+              <a:gd name="connsiteX93" fmla="*/ 15080250 w 23534016"/>
+              <a:gd name="connsiteY93" fmla="*/ 1483266 h 11328207"/>
+            </a:gdLst>
+            <a:ahLst/>
+            <a:cxnLst>
+              <a:cxn ang="0">
+                <a:pos x="connsiteX0" y="connsiteY0"/>
+              </a:cxn>
+              <a:cxn ang="0">
+                <a:pos x="connsiteX1" y="connsiteY1"/>
+              </a:cxn>
+              <a:cxn ang="0">
+                <a:pos x="connsiteX2" y="connsiteY2"/>
+              </a:cxn>
+              <a:cxn ang="0">
+                <a:pos x="connsiteX3" y="connsiteY3"/>
+              </a:cxn>
+              <a:cxn ang="0">
+                <a:pos x="connsiteX4" y="connsiteY4"/>
+              </a:cxn>
+              <a:cxn ang="0">
+                <a:pos x="connsiteX5" y="connsiteY5"/>
+              </a:cxn>
+              <a:cxn ang="0">
+                <a:pos x="connsiteX6" y="connsiteY6"/>
+              </a:cxn>
+              <a:cxn ang="0">
+                <a:pos x="connsiteX7" y="connsiteY7"/>
+              </a:cxn>
+              <a:cxn ang="0">
+                <a:pos x="connsiteX8" y="connsiteY8"/>
+              </a:cxn>
+              <a:cxn ang="0">
+                <a:pos x="connsiteX9" y="connsiteY9"/>
+              </a:cxn>
+              <a:cxn ang="0">
+                <a:pos x="connsiteX10" y="connsiteY10"/>
+              </a:cxn>
+              <a:cxn ang="0">
+                <a:pos x="connsiteX11" y="connsiteY11"/>
+              </a:cxn>
+              <a:cxn ang="0">
+                <a:pos x="connsiteX12" y="connsiteY12"/>
+              </a:cxn>
+              <a:cxn ang="0">
+                <a:pos x="connsiteX13" y="connsiteY13"/>
+              </a:cxn>
+              <a:cxn ang="0">
+                <a:pos x="connsiteX14" y="connsiteY14"/>
+              </a:cxn>
+              <a:cxn ang="0">
+                <a:pos x="connsiteX15" y="connsiteY15"/>
+              </a:cxn>
+              <a:cxn ang="0">
+                <a:pos x="connsiteX16" y="connsiteY16"/>
+              </a:cxn>
+              <a:cxn ang="0">
+                <a:pos x="connsiteX17" y="connsiteY17"/>
+              </a:cxn>
+              <a:cxn ang="0">
+                <a:pos x="connsiteX18" y="connsiteY18"/>
+              </a:cxn>
+              <a:cxn ang="0">
+                <a:pos x="connsiteX19" y="connsiteY19"/>
+              </a:cxn>
+              <a:cxn ang="0">
+                <a:pos x="connsiteX20" y="connsiteY20"/>
+              </a:cxn>
+              <a:cxn ang="0">
+                <a:pos x="connsiteX21" y="connsiteY21"/>
+              </a:cxn>
+              <a:cxn ang="0">
+                <a:pos x="connsiteX22" y="connsiteY22"/>
+              </a:cxn>
+              <a:cxn ang="0">
+                <a:pos x="connsiteX23" y="connsiteY23"/>
+              </a:cxn>
+              <a:cxn ang="0">
+                <a:pos x="connsiteX24" y="connsiteY24"/>
+              </a:cxn>
+              <a:cxn ang="0">
+                <a:pos x="connsiteX25" y="connsiteY25"/>
+              </a:cxn>
+              <a:cxn ang="0">
+                <a:pos x="connsiteX26" y="connsiteY26"/>
+              </a:cxn>
+              <a:cxn ang="0">
+                <a:pos x="connsiteX27" y="connsiteY27"/>
+              </a:cxn>
+              <a:cxn ang="0">
+                <a:pos x="connsiteX28" y="connsiteY28"/>
+              </a:cxn>
+              <a:cxn ang="0">
+                <a:pos x="connsiteX29" y="connsiteY29"/>
+              </a:cxn>
+              <a:cxn ang="0">
+                <a:pos x="connsiteX30" y="connsiteY30"/>
+              </a:cxn>
+              <a:cxn ang="0">
+                <a:pos x="connsiteX31" y="connsiteY31"/>
+              </a:cxn>
+              <a:cxn ang="0">
+                <a:pos x="connsiteX32" y="connsiteY32"/>
+              </a:cxn>
+              <a:cxn ang="0">
+                <a:pos x="connsiteX33" y="connsiteY33"/>
+              </a:cxn>
+              <a:cxn ang="0">
+                <a:pos x="connsiteX34" y="connsiteY34"/>
+              </a:cxn>
+              <a:cxn ang="0">
+                <a:pos x="connsiteX35" y="connsiteY35"/>
+              </a:cxn>
+              <a:cxn ang="0">
+                <a:pos x="connsiteX36" y="connsiteY36"/>
+              </a:cxn>
+              <a:cxn ang="0">
+                <a:pos x="connsiteX37" y="connsiteY37"/>
+              </a:cxn>
+              <a:cxn ang="0">
+                <a:pos x="connsiteX38" y="connsiteY38"/>
+              </a:cxn>
+              <a:cxn ang="0">
+                <a:pos x="connsiteX39" y="connsiteY39"/>
+              </a:cxn>
+              <a:cxn ang="0">
+                <a:pos x="connsiteX40" y="connsiteY40"/>
+              </a:cxn>
+              <a:cxn ang="0">
+                <a:pos x="connsiteX41" y="connsiteY41"/>
+              </a:cxn>
+              <a:cxn ang="0">
+                <a:pos x="connsiteX42" y="connsiteY42"/>
+              </a:cxn>
+              <a:cxn ang="0">
+                <a:pos x="connsiteX43" y="connsiteY43"/>
+              </a:cxn>
+              <a:cxn ang="0">
+                <a:pos x="connsiteX44" y="connsiteY44"/>
+              </a:cxn>
+              <a:cxn ang="0">
+                <a:pos x="connsiteX45" y="connsiteY45"/>
+              </a:cxn>
+              <a:cxn ang="0">
+                <a:pos x="connsiteX46" y="connsiteY46"/>
+              </a:cxn>
+              <a:cxn ang="0">
+                <a:pos x="connsiteX47" y="connsiteY47"/>
+              </a:cxn>
+              <a:cxn ang="0">
+                <a:pos x="connsiteX48" y="connsiteY48"/>
+              </a:cxn>
+              <a:cxn ang="0">
+                <a:pos x="connsiteX49" y="connsiteY49"/>
+              </a:cxn>
+              <a:cxn ang="0">
+                <a:pos x="connsiteX50" y="connsiteY50"/>
+              </a:cxn>
+              <a:cxn ang="0">
+                <a:pos x="connsiteX51" y="connsiteY51"/>
+              </a:cxn>
+              <a:cxn ang="0">
+                <a:pos x="connsiteX52" y="connsiteY52"/>
+              </a:cxn>
+              <a:cxn ang="0">
+                <a:pos x="connsiteX53" y="connsiteY53"/>
+              </a:cxn>
+              <a:cxn ang="0">
+                <a:pos x="connsiteX54" y="connsiteY54"/>
+              </a:cxn>
+              <a:cxn ang="0">
+                <a:pos x="connsiteX55" y="connsiteY55"/>
+              </a:cxn>
+              <a:cxn ang="0">
+                <a:pos x="connsiteX56" y="connsiteY56"/>
+              </a:cxn>
+              <a:cxn ang="0">
+                <a:pos x="connsiteX57" y="connsiteY57"/>
+              </a:cxn>
+              <a:cxn ang="0">
+                <a:pos x="connsiteX58" y="connsiteY58"/>
+              </a:cxn>
+              <a:cxn ang="0">
+                <a:pos x="connsiteX59" y="connsiteY59"/>
+              </a:cxn>
+              <a:cxn ang="0">
+                <a:pos x="connsiteX60" y="connsiteY60"/>
+              </a:cxn>
+              <a:cxn ang="0">
+                <a:pos x="connsiteX61" y="connsiteY61"/>
+              </a:cxn>
+              <a:cxn ang="0">
+                <a:pos x="connsiteX62" y="connsiteY62"/>
+              </a:cxn>
+              <a:cxn ang="0">
+                <a:pos x="connsiteX63" y="connsiteY63"/>
+              </a:cxn>
+              <a:cxn ang="0">
+                <a:pos x="connsiteX64" y="connsiteY64"/>
+              </a:cxn>
+              <a:cxn ang="0">
+                <a:pos x="connsiteX65" y="connsiteY65"/>
+              </a:cxn>
+              <a:cxn ang="0">
+                <a:pos x="connsiteX66" y="connsiteY66"/>
+              </a:cxn>
+              <a:cxn ang="0">
+                <a:pos x="connsiteX67" y="connsiteY67"/>
+              </a:cxn>
+              <a:cxn ang="0">
+                <a:pos x="connsiteX68" y="connsiteY68"/>
+              </a:cxn>
+              <a:cxn ang="0">
+                <a:pos x="connsiteX69" y="connsiteY69"/>
+              </a:cxn>
+              <a:cxn ang="0">
+                <a:pos x="connsiteX70" y="connsiteY70"/>
+              </a:cxn>
+              <a:cxn ang="0">
+                <a:pos x="connsiteX71" y="connsiteY71"/>
+              </a:cxn>
+              <a:cxn ang="0">
+                <a:pos x="connsiteX72" y="connsiteY72"/>
+              </a:cxn>
+              <a:cxn ang="0">
+                <a:pos x="connsiteX73" y="connsiteY73"/>
+              </a:cxn>
+              <a:cxn ang="0">
+                <a:pos x="connsiteX74" y="connsiteY74"/>
+              </a:cxn>
+              <a:cxn ang="0">
+                <a:pos x="connsiteX75" y="connsiteY75"/>
+              </a:cxn>
+              <a:cxn ang="0">
+                <a:pos x="connsiteX76" y="connsiteY76"/>
+              </a:cxn>
+              <a:cxn ang="0">
+                <a:pos x="connsiteX77" y="connsiteY77"/>
+              </a:cxn>
+              <a:cxn ang="0">
+                <a:pos x="connsiteX78" y="connsiteY78"/>
+              </a:cxn>
+              <a:cxn ang="0">
+                <a:pos x="connsiteX79" y="connsiteY79"/>
+              </a:cxn>
+              <a:cxn ang="0">
+                <a:pos x="connsiteX80" y="connsiteY80"/>
+              </a:cxn>
+              <a:cxn ang="0">
+                <a:pos x="connsiteX81" y="connsiteY81"/>
+              </a:cxn>
+              <a:cxn ang="0">
+                <a:pos x="connsiteX82" y="connsiteY82"/>
+              </a:cxn>
+              <a:cxn ang="0">
+                <a:pos x="connsiteX83" y="connsiteY83"/>
+              </a:cxn>
+              <a:cxn ang="0">
+                <a:pos x="connsiteX84" y="connsiteY84"/>
+              </a:cxn>
+              <a:cxn ang="0">
+                <a:pos x="connsiteX85" y="connsiteY85"/>
+              </a:cxn>
+              <a:cxn ang="0">
+                <a:pos x="connsiteX86" y="connsiteY86"/>
+              </a:cxn>
+              <a:cxn ang="0">
+                <a:pos x="connsiteX87" y="connsiteY87"/>
+              </a:cxn>
+              <a:cxn ang="0">
+                <a:pos x="connsiteX88" y="connsiteY88"/>
+              </a:cxn>
+              <a:cxn ang="0">
+                <a:pos x="connsiteX89" y="connsiteY89"/>
+              </a:cxn>
+              <a:cxn ang="0">
+                <a:pos x="connsiteX90" y="connsiteY90"/>
+              </a:cxn>
+              <a:cxn ang="0">
+                <a:pos x="connsiteX91" y="connsiteY91"/>
+              </a:cxn>
+              <a:cxn ang="0">
+                <a:pos x="connsiteX92" y="connsiteY92"/>
+              </a:cxn>
+              <a:cxn ang="0">
+                <a:pos x="connsiteX93" y="connsiteY93"/>
+              </a:cxn>
+            </a:cxnLst>
+            <a:rect l="l" t="t" r="r" b="b"/>
+            <a:pathLst>
+              <a:path w="23534016" h="11328207">
+                <a:moveTo>
+                  <a:pt x="11264585" y="9912566"/>
+                </a:moveTo>
+                <a:cubicBezTo>
+                  <a:pt x="11470444" y="10051642"/>
+                  <a:pt x="11605793" y="10287166"/>
+                  <a:pt x="11605793" y="10554301"/>
+                </a:cubicBezTo>
+                <a:cubicBezTo>
+                  <a:pt x="11605792" y="10981717"/>
+                  <a:pt x="11259303" y="11328207"/>
+                  <a:pt x="10831887" y="11328207"/>
+                </a:cubicBezTo>
+                <a:lnTo>
+                  <a:pt x="10736635" y="11328207"/>
+                </a:lnTo>
+                <a:cubicBezTo>
+                  <a:pt x="10309219" y="11328207"/>
+                  <a:pt x="9962730" y="10981717"/>
+                  <a:pt x="9962731" y="10554301"/>
+                </a:cubicBezTo>
+                <a:cubicBezTo>
+                  <a:pt x="9962730" y="10126885"/>
+                  <a:pt x="10309219" y="9780395"/>
+                  <a:pt x="10736635" y="9780395"/>
+                </a:cubicBezTo>
+                <a:lnTo>
+                  <a:pt x="10831887" y="9780395"/>
+                </a:lnTo>
+                <a:cubicBezTo>
+                  <a:pt x="10992167" y="9780394"/>
+                  <a:pt x="11141068" y="9829120"/>
+                  <a:pt x="11264585" y="9912566"/>
+                </a:cubicBezTo>
+                <a:close/>
+                <a:moveTo>
+                  <a:pt x="1179542" y="3328153"/>
+                </a:moveTo>
+                <a:cubicBezTo>
+                  <a:pt x="1313615" y="3418731"/>
+                  <a:pt x="1401765" y="3572123"/>
+                  <a:pt x="1401765" y="3746104"/>
+                </a:cubicBezTo>
+                <a:lnTo>
+                  <a:pt x="1401764" y="3746104"/>
+                </a:lnTo>
+                <a:cubicBezTo>
+                  <a:pt x="1401764" y="4024473"/>
+                  <a:pt x="1176101" y="4250136"/>
+                  <a:pt x="897732" y="4250136"/>
+                </a:cubicBezTo>
+                <a:lnTo>
+                  <a:pt x="504033" y="4250135"/>
+                </a:lnTo>
+                <a:cubicBezTo>
+                  <a:pt x="225664" y="4250135"/>
+                  <a:pt x="1" y="4024472"/>
+                  <a:pt x="1" y="3746103"/>
+                </a:cubicBezTo>
+                <a:lnTo>
+                  <a:pt x="0" y="3746103"/>
+                </a:lnTo>
+                <a:cubicBezTo>
+                  <a:pt x="1" y="3467734"/>
+                  <a:pt x="225664" y="3242072"/>
+                  <a:pt x="504032" y="3242072"/>
+                </a:cubicBezTo>
+                <a:lnTo>
+                  <a:pt x="897733" y="3242072"/>
+                </a:lnTo>
+                <a:cubicBezTo>
+                  <a:pt x="1002122" y="3242072"/>
+                  <a:pt x="1099098" y="3273806"/>
+                  <a:pt x="1179542" y="3328153"/>
+                </a:cubicBezTo>
+                <a:close/>
+                <a:moveTo>
+                  <a:pt x="9733515" y="6613367"/>
+                </a:moveTo>
+                <a:cubicBezTo>
+                  <a:pt x="9867590" y="6703946"/>
+                  <a:pt x="9955739" y="6857338"/>
+                  <a:pt x="9955739" y="7031319"/>
+                </a:cubicBezTo>
+                <a:lnTo>
+                  <a:pt x="9955739" y="7031319"/>
+                </a:lnTo>
+                <a:cubicBezTo>
+                  <a:pt x="9955739" y="7309688"/>
+                  <a:pt x="9730075" y="7535351"/>
+                  <a:pt x="9451707" y="7535351"/>
+                </a:cubicBezTo>
+                <a:lnTo>
+                  <a:pt x="9058008" y="7535350"/>
+                </a:lnTo>
+                <a:cubicBezTo>
+                  <a:pt x="8779637" y="7535349"/>
+                  <a:pt x="8553975" y="7309687"/>
+                  <a:pt x="8553975" y="7031318"/>
+                </a:cubicBezTo>
+                <a:lnTo>
+                  <a:pt x="8553975" y="7031318"/>
+                </a:lnTo>
+                <a:cubicBezTo>
+                  <a:pt x="8553975" y="6752949"/>
+                  <a:pt x="8779638" y="6527287"/>
+                  <a:pt x="9058007" y="6527286"/>
+                </a:cubicBezTo>
+                <a:lnTo>
+                  <a:pt x="9451706" y="6527286"/>
+                </a:lnTo>
+                <a:cubicBezTo>
+                  <a:pt x="9556095" y="6527286"/>
+                  <a:pt x="9653072" y="6559021"/>
+                  <a:pt x="9733515" y="6613367"/>
+                </a:cubicBezTo>
+                <a:close/>
+                <a:moveTo>
+                  <a:pt x="8928022" y="3340367"/>
+                </a:moveTo>
+                <a:cubicBezTo>
+                  <a:pt x="9062095" y="3430945"/>
+                  <a:pt x="9150244" y="3584337"/>
+                  <a:pt x="9150244" y="3758318"/>
+                </a:cubicBezTo>
+                <a:lnTo>
+                  <a:pt x="9150244" y="3758318"/>
+                </a:lnTo>
+                <a:cubicBezTo>
+                  <a:pt x="9150244" y="4036688"/>
+                  <a:pt x="8924581" y="4262349"/>
+                  <a:pt x="8646212" y="4262350"/>
+                </a:cubicBezTo>
+                <a:lnTo>
+                  <a:pt x="2350189" y="4262349"/>
+                </a:lnTo>
+                <a:cubicBezTo>
+                  <a:pt x="2071819" y="4262349"/>
+                  <a:pt x="1846156" y="4036685"/>
+                  <a:pt x="1846156" y="3758316"/>
+                </a:cubicBezTo>
+                <a:lnTo>
+                  <a:pt x="1846157" y="3758317"/>
+                </a:lnTo>
+                <a:cubicBezTo>
+                  <a:pt x="1846157" y="3479948"/>
+                  <a:pt x="2071820" y="3254286"/>
+                  <a:pt x="2350189" y="3254285"/>
+                </a:cubicBezTo>
+                <a:lnTo>
+                  <a:pt x="8646213" y="3254286"/>
+                </a:lnTo>
+                <a:cubicBezTo>
+                  <a:pt x="8750602" y="3254287"/>
+                  <a:pt x="8847579" y="3286021"/>
+                  <a:pt x="8928022" y="3340367"/>
+                </a:cubicBezTo>
+                <a:close/>
+                <a:moveTo>
+                  <a:pt x="15324339" y="6624950"/>
+                </a:moveTo>
+                <a:cubicBezTo>
+                  <a:pt x="15458413" y="6715527"/>
+                  <a:pt x="15546561" y="6868919"/>
+                  <a:pt x="15546562" y="7042900"/>
+                </a:cubicBezTo>
+                <a:cubicBezTo>
+                  <a:pt x="15546561" y="7321269"/>
+                  <a:pt x="15320899" y="7546930"/>
+                  <a:pt x="15042530" y="7546931"/>
+                </a:cubicBezTo>
+                <a:lnTo>
+                  <a:pt x="10905505" y="7546930"/>
+                </a:lnTo>
+                <a:cubicBezTo>
+                  <a:pt x="10627136" y="7546930"/>
+                  <a:pt x="10401474" y="7321268"/>
+                  <a:pt x="10401474" y="7042899"/>
+                </a:cubicBezTo>
+                <a:cubicBezTo>
+                  <a:pt x="10401474" y="6764530"/>
+                  <a:pt x="10627137" y="6538868"/>
+                  <a:pt x="10905505" y="6538868"/>
+                </a:cubicBezTo>
+                <a:lnTo>
+                  <a:pt x="15042530" y="6538869"/>
+                </a:lnTo>
+                <a:cubicBezTo>
+                  <a:pt x="15146919" y="6538869"/>
+                  <a:pt x="15243896" y="6570603"/>
+                  <a:pt x="15324339" y="6624950"/>
+                </a:cubicBezTo>
+                <a:close/>
+                <a:moveTo>
+                  <a:pt x="23192458" y="8064785"/>
+                </a:moveTo>
+                <a:cubicBezTo>
+                  <a:pt x="23398529" y="8204003"/>
+                  <a:pt x="23534016" y="8439769"/>
+                  <a:pt x="23534016" y="8707179"/>
+                </a:cubicBezTo>
+                <a:cubicBezTo>
+                  <a:pt x="23534016" y="9135034"/>
+                  <a:pt x="23187171" y="9481878"/>
+                  <a:pt x="22759316" y="9481878"/>
+                </a:cubicBezTo>
+                <a:lnTo>
+                  <a:pt x="8228929" y="9481877"/>
+                </a:lnTo>
+                <a:cubicBezTo>
+                  <a:pt x="7801074" y="9481877"/>
+                  <a:pt x="7454229" y="9135032"/>
+                  <a:pt x="7454228" y="8707176"/>
+                </a:cubicBezTo>
+                <a:cubicBezTo>
+                  <a:pt x="7454228" y="8279322"/>
+                  <a:pt x="7801073" y="7932477"/>
+                  <a:pt x="8228928" y="7932477"/>
+                </a:cubicBezTo>
+                <a:lnTo>
+                  <a:pt x="22759315" y="7932478"/>
+                </a:lnTo>
+                <a:cubicBezTo>
+                  <a:pt x="22919760" y="7932478"/>
+                  <a:pt x="23068815" y="7981253"/>
+                  <a:pt x="23192458" y="8064785"/>
+                </a:cubicBezTo>
+                <a:close/>
+                <a:moveTo>
+                  <a:pt x="9947589" y="86081"/>
+                </a:moveTo>
+                <a:cubicBezTo>
+                  <a:pt x="10081663" y="176659"/>
+                  <a:pt x="10169811" y="330051"/>
+                  <a:pt x="10169812" y="504032"/>
+                </a:cubicBezTo>
+                <a:lnTo>
+                  <a:pt x="10169811" y="504032"/>
+                </a:lnTo>
+                <a:cubicBezTo>
+                  <a:pt x="10169811" y="782401"/>
+                  <a:pt x="9944148" y="1008064"/>
+                  <a:pt x="9665779" y="1008064"/>
+                </a:cubicBezTo>
+                <a:lnTo>
+                  <a:pt x="2447418" y="1008063"/>
+                </a:lnTo>
+                <a:cubicBezTo>
+                  <a:pt x="2169048" y="1008062"/>
+                  <a:pt x="1943386" y="782400"/>
+                  <a:pt x="1943386" y="504031"/>
+                </a:cubicBezTo>
+                <a:lnTo>
+                  <a:pt x="1943385" y="504031"/>
+                </a:lnTo>
+                <a:cubicBezTo>
+                  <a:pt x="1943386" y="225663"/>
+                  <a:pt x="2169048" y="0"/>
+                  <a:pt x="2447417" y="0"/>
+                </a:cubicBezTo>
+                <a:lnTo>
+                  <a:pt x="9665780" y="0"/>
+                </a:lnTo>
+                <a:cubicBezTo>
+                  <a:pt x="9770169" y="0"/>
+                  <a:pt x="9867145" y="31734"/>
+                  <a:pt x="9947589" y="86081"/>
+                </a:cubicBezTo>
+                <a:close/>
+                <a:moveTo>
+                  <a:pt x="16576520" y="3400992"/>
+                </a:moveTo>
+                <a:cubicBezTo>
+                  <a:pt x="16710593" y="3491570"/>
+                  <a:pt x="16798742" y="3644962"/>
+                  <a:pt x="16798742" y="3818943"/>
+                </a:cubicBezTo>
+                <a:lnTo>
+                  <a:pt x="16798742" y="3818943"/>
+                </a:lnTo>
+                <a:cubicBezTo>
+                  <a:pt x="16798742" y="4097312"/>
+                  <a:pt x="16573079" y="4322975"/>
+                  <a:pt x="16294710" y="4322975"/>
+                </a:cubicBezTo>
+                <a:lnTo>
+                  <a:pt x="9998686" y="4322974"/>
+                </a:lnTo>
+                <a:cubicBezTo>
+                  <a:pt x="9720318" y="4322974"/>
+                  <a:pt x="9494655" y="4097311"/>
+                  <a:pt x="9494655" y="3818942"/>
+                </a:cubicBezTo>
+                <a:lnTo>
+                  <a:pt x="9494655" y="3818943"/>
+                </a:lnTo>
+                <a:cubicBezTo>
+                  <a:pt x="9494654" y="3540574"/>
+                  <a:pt x="9720318" y="3314911"/>
+                  <a:pt x="9998687" y="3314911"/>
+                </a:cubicBezTo>
+                <a:lnTo>
+                  <a:pt x="16294711" y="3314911"/>
+                </a:lnTo>
+                <a:cubicBezTo>
+                  <a:pt x="16399100" y="3314912"/>
+                  <a:pt x="16496075" y="3346645"/>
+                  <a:pt x="16576520" y="3400992"/>
+                </a:cubicBezTo>
+                <a:close/>
+                <a:moveTo>
+                  <a:pt x="20515471" y="4777198"/>
+                </a:moveTo>
+                <a:cubicBezTo>
+                  <a:pt x="20721332" y="4916275"/>
+                  <a:pt x="20856681" y="5151799"/>
+                  <a:pt x="20856681" y="5418935"/>
+                </a:cubicBezTo>
+                <a:lnTo>
+                  <a:pt x="20856679" y="5418934"/>
+                </a:lnTo>
+                <a:cubicBezTo>
+                  <a:pt x="20856679" y="5846352"/>
+                  <a:pt x="20510189" y="6192842"/>
+                  <a:pt x="20082773" y="6192842"/>
+                </a:cubicBezTo>
+                <a:lnTo>
+                  <a:pt x="3780736" y="6192840"/>
+                </a:lnTo>
+                <a:cubicBezTo>
+                  <a:pt x="3353319" y="6192840"/>
+                  <a:pt x="3006829" y="5846350"/>
+                  <a:pt x="3006829" y="5418932"/>
+                </a:cubicBezTo>
+                <a:lnTo>
+                  <a:pt x="3006829" y="5418933"/>
+                </a:lnTo>
+                <a:cubicBezTo>
+                  <a:pt x="3006829" y="4991516"/>
+                  <a:pt x="3353318" y="4645026"/>
+                  <a:pt x="3780735" y="4645026"/>
+                </a:cubicBezTo>
+                <a:lnTo>
+                  <a:pt x="20082772" y="4645027"/>
+                </a:lnTo>
+                <a:cubicBezTo>
+                  <a:pt x="20243053" y="4645027"/>
+                  <a:pt x="20391954" y="4693752"/>
+                  <a:pt x="20515471" y="4777198"/>
+                </a:cubicBezTo>
+                <a:close/>
+                <a:moveTo>
+                  <a:pt x="15080250" y="1483266"/>
+                </a:moveTo>
+                <a:cubicBezTo>
+                  <a:pt x="15286109" y="1622342"/>
+                  <a:pt x="15421458" y="1857867"/>
+                  <a:pt x="15421458" y="2125002"/>
+                </a:cubicBezTo>
+                <a:lnTo>
+                  <a:pt x="15421458" y="2125003"/>
+                </a:lnTo>
+                <a:cubicBezTo>
+                  <a:pt x="15421458" y="2552420"/>
+                  <a:pt x="15074966" y="2898909"/>
+                  <a:pt x="14647550" y="2898909"/>
+                </a:cubicBezTo>
+                <a:lnTo>
+                  <a:pt x="5471802" y="2898908"/>
+                </a:lnTo>
+                <a:cubicBezTo>
+                  <a:pt x="5044384" y="2898908"/>
+                  <a:pt x="4697895" y="2552418"/>
+                  <a:pt x="4697895" y="2125001"/>
+                </a:cubicBezTo>
+                <a:lnTo>
+                  <a:pt x="4697895" y="2125002"/>
+                </a:lnTo>
+                <a:cubicBezTo>
+                  <a:pt x="4697894" y="1697585"/>
+                  <a:pt x="5044385" y="1351096"/>
+                  <a:pt x="5471802" y="1351096"/>
+                </a:cubicBezTo>
+                <a:lnTo>
+                  <a:pt x="14647551" y="1351096"/>
+                </a:lnTo>
+                <a:cubicBezTo>
+                  <a:pt x="14807834" y="1351096"/>
+                  <a:pt x="14956733" y="1399820"/>
+                  <a:pt x="15080250" y="1483266"/>
+                </a:cubicBezTo>
+                <a:close/>
+              </a:path>
+            </a:pathLst>
+          </a:custGeom>
+          <a:gradFill flip="none" rotWithShape="1">
+            <a:gsLst>
+              <a:gs pos="0">
+                <a:schemeClr val="accent2">
+                  <a:alpha val="27000"/>
+                  <a:lumMod val="0"/>
+                  <a:lumOff val="100000"/>
+                </a:schemeClr>
+              </a:gs>
+              <a:gs pos="100000">
+                <a:schemeClr val="accent2">
+                  <a:lumMod val="52000"/>
+                  <a:lumOff val="48000"/>
+                </a:schemeClr>
+              </a:gs>
+              <a:gs pos="100000">
+                <a:schemeClr val="accent2">
+                  <a:lumMod val="60000"/>
+                </a:schemeClr>
+              </a:gs>
+            </a:gsLst>
+            <a:path path="circle">
+              <a:fillToRect l="50000" t="130000" r="50000" b="-30000"/>
+            </a:path>
+            <a:tileRect/>
+          </a:gradFill>
+          <a:ln>
+            <a:noFill/>
+          </a:ln>
+        </p:spPr>
+        <p:txBody>
+          <a:bodyPr wrap="square" lIns="19050" tIns="19050" rIns="19050" bIns="19050" anchor="ctr">
+            <a:noAutofit/>
+          </a:bodyPr>
+          <a:lstStyle/>
+          <a:p>
+            <a:pPr eaLnBrk="1"/>
+            <a:endParaRPr lang="en-US" altLang="x-none" sz="900"/>
+          </a:p>
+        </p:txBody>
+      </p:sp>
+      <p:sp>
+        <p:nvSpPr>
+          <p:cNvPr id="9" name="Rectangle 8">
+            <a:extLst>
+              <a:ext uri="{FF2B5EF4-FFF2-40B4-BE49-F238E27FC236}">
+                <a16:creationId xmlns:a16="http://schemas.microsoft.com/office/drawing/2014/main" id="{7A07C604-7812-4E42-B549-1375235E6F95}"/>
+              </a:ext>
+            </a:extLst>
+          </p:cNvPr>
+          <p:cNvSpPr/>
+          <p:nvPr/>
+        </p:nvSpPr>
+        <p:spPr>
+          <a:xfrm>
+            <a:off x="861848" y="1686561"/>
+            <a:ext cx="9948254" cy="4167155"/>
+          </a:xfrm>
+          <a:prstGeom prst="rect">
+            <a:avLst/>
+          </a:prstGeom>
+          <a:noFill/>
+          <a:ln>
+            <a:noFill/>
+          </a:ln>
+        </p:spPr>
+        <p:style>
+          <a:lnRef idx="2">
+            <a:schemeClr val="accent1">
+              <a:shade val="50000"/>
+            </a:schemeClr>
+          </a:lnRef>
+          <a:fillRef idx="1">
+            <a:schemeClr val="accent1"/>
+          </a:fillRef>
+          <a:effectRef idx="0">
+            <a:schemeClr val="accent1"/>
+          </a:effectRef>
+          <a:fontRef idx="minor">
+            <a:schemeClr val="lt1"/>
+          </a:fontRef>
+        </p:style>
+        <p:txBody>
+          <a:bodyPr rtlCol="0" anchor="ctr"/>
+          <a:lstStyle/>
+          <a:p>
+            <a:pPr algn="r" rtl="1">
+              <a:lnSpc>
+                <a:spcPct val="150000"/>
+              </a:lnSpc>
+            </a:pPr>
+            <a:r>
+              <a:rPr lang="ar-SA" sz="3600" b="1" dirty="0">
+                <a:solidFill>
+                  <a:srgbClr val="218A3C"/>
+                </a:solidFill>
+                <a:latin typeface="GE SS Text Light" panose="020A0503020102020204" pitchFamily="18" charset="-78"/>
+                <a:ea typeface="GE SS Text Light" panose="020A0503020102020204" pitchFamily="18" charset="-78"/>
+                <a:cs typeface="GE SS Text Light" panose="020A0503020102020204" pitchFamily="18" charset="-78"/>
+              </a:rPr>
+              <a:t>التحفيز:</a:t>
+            </a:r>
+          </a:p>
+          <a:p>
+            <a:pPr marL="457200" indent="-457200" algn="r" rtl="1">
+              <a:lnSpc>
+                <a:spcPct val="150000"/>
+              </a:lnSpc>
+              <a:buFont typeface="Arial" panose="020B0604020202020204" pitchFamily="34" charset="0"/>
+              <a:buChar char="•"/>
+            </a:pPr>
+            <a:r>
+              <a:rPr lang="ar-SA" sz="2800" dirty="0">
+                <a:solidFill>
+                  <a:srgbClr val="218A3C"/>
+                </a:solidFill>
+                <a:latin typeface="GE SS Text Light" panose="020A0503020102020204" pitchFamily="18" charset="-78"/>
+                <a:ea typeface="GE SS Text Light" panose="020A0503020102020204" pitchFamily="18" charset="-78"/>
+                <a:cs typeface="GE SS Text Light" panose="020A0503020102020204" pitchFamily="18" charset="-78"/>
+              </a:rPr>
+              <a:t>تمكن البوابة للمستخدمين إضافة المتشابهات ومنح العضو نقطتين عند إضافة متشابهة جديدة للنظام.</a:t>
+            </a:r>
+          </a:p>
+          <a:p>
+            <a:pPr marL="457200" indent="-457200" algn="r" rtl="1">
+              <a:lnSpc>
+                <a:spcPct val="150000"/>
+              </a:lnSpc>
+              <a:buFont typeface="Arial" panose="020B0604020202020204" pitchFamily="34" charset="0"/>
+              <a:buChar char="•"/>
+            </a:pPr>
+            <a:r>
+              <a:rPr lang="ar-SA" sz="2800" dirty="0">
+                <a:solidFill>
+                  <a:srgbClr val="218A3C"/>
+                </a:solidFill>
+                <a:latin typeface="GE SS Text Light" panose="020A0503020102020204" pitchFamily="18" charset="-78"/>
+                <a:ea typeface="GE SS Text Light" panose="020A0503020102020204" pitchFamily="18" charset="-78"/>
+                <a:cs typeface="GE SS Text Light" panose="020A0503020102020204" pitchFamily="18" charset="-78"/>
+              </a:rPr>
+              <a:t>يحصل المستخدم على نقطة واحدة عند تأشير المتشابهة بالاجتياز</a:t>
+            </a:r>
+          </a:p>
+          <a:p>
+            <a:pPr marL="457200" indent="-457200" algn="r" rtl="1">
+              <a:lnSpc>
+                <a:spcPct val="150000"/>
+              </a:lnSpc>
+              <a:buFont typeface="Arial" panose="020B0604020202020204" pitchFamily="34" charset="0"/>
+              <a:buChar char="•"/>
+            </a:pPr>
+            <a:r>
+              <a:rPr lang="ar-SA" sz="2800" dirty="0">
+                <a:solidFill>
+                  <a:srgbClr val="218A3C"/>
+                </a:solidFill>
+                <a:latin typeface="GE SS Text Light" panose="020A0503020102020204" pitchFamily="18" charset="-78"/>
+                <a:ea typeface="GE SS Text Light" panose="020A0503020102020204" pitchFamily="18" charset="-78"/>
+                <a:cs typeface="GE SS Text Light" panose="020A0503020102020204" pitchFamily="18" charset="-78"/>
+              </a:rPr>
+              <a:t>المسابقات والتحديات للمنافسة بين أعضاء البوابة في كشف ستار المتشابهات الموجودة بالمنصة.</a:t>
+            </a:r>
+          </a:p>
+        </p:txBody>
+      </p:sp>
+      <p:sp>
+        <p:nvSpPr>
+          <p:cNvPr id="19" name="Rectangle 18">
+            <a:extLst>
+              <a:ext uri="{FF2B5EF4-FFF2-40B4-BE49-F238E27FC236}">
+                <a16:creationId xmlns:a16="http://schemas.microsoft.com/office/drawing/2014/main" id="{9E756055-48DE-894C-A32E-582C46A6FE43}"/>
+              </a:ext>
+            </a:extLst>
+          </p:cNvPr>
+          <p:cNvSpPr/>
+          <p:nvPr/>
+        </p:nvSpPr>
+        <p:spPr>
+          <a:xfrm>
+            <a:off x="3793358" y="6078108"/>
+            <a:ext cx="3606800" cy="647700"/>
+          </a:xfrm>
+          <a:prstGeom prst="rect">
+            <a:avLst/>
+          </a:prstGeom>
+          <a:noFill/>
+          <a:ln>
+            <a:noFill/>
+          </a:ln>
+        </p:spPr>
+        <p:style>
+          <a:lnRef idx="2">
+            <a:schemeClr val="accent1">
+              <a:shade val="50000"/>
+            </a:schemeClr>
+          </a:lnRef>
+          <a:fillRef idx="1">
+            <a:schemeClr val="accent1"/>
+          </a:fillRef>
+          <a:effectRef idx="0">
+            <a:schemeClr val="accent1"/>
+          </a:effectRef>
+          <a:fontRef idx="minor">
+            <a:schemeClr val="lt1"/>
+          </a:fontRef>
+        </p:style>
+        <p:txBody>
+          <a:bodyPr rtlCol="0" anchor="ctr"/>
+          <a:lstStyle/>
+          <a:p>
+            <a:pPr algn="ctr" rtl="1"/>
+            <a:r>
+              <a:rPr lang="en-US" dirty="0">
+                <a:solidFill>
+                  <a:schemeClr val="tx1"/>
+                </a:solidFill>
+                <a:hlinkClick r:id="rId3"/>
+              </a:rPr>
+              <a:t>https://quranthon.demo4.dev/</a:t>
+            </a:r>
+            <a:endParaRPr lang="ar-SA" dirty="0">
+              <a:solidFill>
+                <a:schemeClr val="tx1"/>
+              </a:solidFill>
+            </a:endParaRPr>
+          </a:p>
+          <a:p>
+            <a:pPr algn="ctr" rtl="1"/>
+            <a:endParaRPr lang="ar-SA" dirty="0">
+              <a:solidFill>
+                <a:schemeClr val="tx1"/>
+              </a:solidFill>
+            </a:endParaRPr>
+          </a:p>
+        </p:txBody>
+      </p:sp>
+      <p:pic>
+        <p:nvPicPr>
+          <p:cNvPr id="20" name="Picture 19" descr="Shape&#10;&#10;Description automatically generated">
+            <a:hlinkClick r:id="rId3"/>
+            <a:extLst>
+              <a:ext uri="{FF2B5EF4-FFF2-40B4-BE49-F238E27FC236}">
+                <a16:creationId xmlns:a16="http://schemas.microsoft.com/office/drawing/2014/main" id="{B044874D-D269-4E09-B5DC-34DA212D0D4F}"/>
+              </a:ext>
+            </a:extLst>
+          </p:cNvPr>
+          <p:cNvPicPr>
+            <a:picLocks noChangeAspect="1"/>
+          </p:cNvPicPr>
+          <p:nvPr/>
+        </p:nvPicPr>
+        <p:blipFill>
+          <a:blip r:embed="rId4"/>
+          <a:stretch>
+            <a:fillRect/>
+          </a:stretch>
+        </p:blipFill>
+        <p:spPr>
+          <a:xfrm>
+            <a:off x="11053116" y="5718127"/>
+            <a:ext cx="711200" cy="711200"/>
+          </a:xfrm>
+          <a:prstGeom prst="rect">
+            <a:avLst/>
+          </a:prstGeom>
+        </p:spPr>
+      </p:pic>
+      <p:pic>
+        <p:nvPicPr>
+          <p:cNvPr id="21" name="Picture 20" descr="Logo, company name&#10;&#10;Description automatically generated">
+            <a:extLst>
+              <a:ext uri="{FF2B5EF4-FFF2-40B4-BE49-F238E27FC236}">
+                <a16:creationId xmlns:a16="http://schemas.microsoft.com/office/drawing/2014/main" id="{28CD2105-97C5-418B-90BE-289C1BA4A7A8}"/>
+              </a:ext>
+            </a:extLst>
+          </p:cNvPr>
+          <p:cNvPicPr>
+            <a:picLocks noChangeAspect="1"/>
+          </p:cNvPicPr>
+          <p:nvPr/>
+        </p:nvPicPr>
+        <p:blipFill>
+          <a:blip r:embed="rId5"/>
+          <a:stretch>
+            <a:fillRect/>
+          </a:stretch>
+        </p:blipFill>
+        <p:spPr>
+          <a:xfrm>
+            <a:off x="10959858" y="2100631"/>
+            <a:ext cx="897716" cy="897716"/>
+          </a:xfrm>
+          <a:prstGeom prst="rect">
+            <a:avLst/>
+          </a:prstGeom>
+        </p:spPr>
+      </p:pic>
+      <p:pic>
+        <p:nvPicPr>
+          <p:cNvPr id="22" name="Picture 21" descr="Logo&#10;&#10;Description automatically generated">
+            <a:extLst>
+              <a:ext uri="{FF2B5EF4-FFF2-40B4-BE49-F238E27FC236}">
+                <a16:creationId xmlns:a16="http://schemas.microsoft.com/office/drawing/2014/main" id="{B9C41762-CA03-43B3-AFA3-82A2367CBDD6}"/>
+              </a:ext>
+            </a:extLst>
+          </p:cNvPr>
+          <p:cNvPicPr>
+            <a:picLocks noChangeAspect="1"/>
+          </p:cNvPicPr>
+          <p:nvPr/>
+        </p:nvPicPr>
+        <p:blipFill>
+          <a:blip r:embed="rId6"/>
+          <a:stretch>
+            <a:fillRect/>
+          </a:stretch>
+        </p:blipFill>
+        <p:spPr>
+          <a:xfrm>
+            <a:off x="11055958" y="385312"/>
+            <a:ext cx="705516" cy="897716"/>
+          </a:xfrm>
+          <a:prstGeom prst="rect">
+            <a:avLst/>
+          </a:prstGeom>
+        </p:spPr>
+      </p:pic>
+      <p:pic>
+        <p:nvPicPr>
+          <p:cNvPr id="23" name="Picture 22" descr="Logo&#10;&#10;Description automatically generated">
+            <a:extLst>
+              <a:ext uri="{FF2B5EF4-FFF2-40B4-BE49-F238E27FC236}">
+                <a16:creationId xmlns:a16="http://schemas.microsoft.com/office/drawing/2014/main" id="{2B0E58F1-91E8-45E6-9CCB-369CE35B7845}"/>
+              </a:ext>
+            </a:extLst>
+          </p:cNvPr>
+          <p:cNvPicPr>
+            <a:picLocks noChangeAspect="1"/>
+          </p:cNvPicPr>
+          <p:nvPr/>
+        </p:nvPicPr>
+        <p:blipFill rotWithShape="1">
+          <a:blip r:embed="rId7"/>
+          <a:srcRect l="9468" t="10171" r="10072" b="16940"/>
+          <a:stretch/>
+        </p:blipFill>
+        <p:spPr>
+          <a:xfrm>
+            <a:off x="10810102" y="3815950"/>
+            <a:ext cx="1197228" cy="1084574"/>
+          </a:xfrm>
+          <a:prstGeom prst="rect">
+            <a:avLst/>
+          </a:prstGeom>
+        </p:spPr>
+      </p:pic>
+      <p:sp>
+        <p:nvSpPr>
+          <p:cNvPr id="24" name="Rectangle 23">
+            <a:extLst>
+              <a:ext uri="{FF2B5EF4-FFF2-40B4-BE49-F238E27FC236}">
+                <a16:creationId xmlns:a16="http://schemas.microsoft.com/office/drawing/2014/main" id="{CC0F4BDD-F1B9-4523-BC3E-29CB3ABAFD86}"/>
+              </a:ext>
+            </a:extLst>
+          </p:cNvPr>
+          <p:cNvSpPr/>
+          <p:nvPr/>
+        </p:nvSpPr>
+        <p:spPr>
+          <a:xfrm>
+            <a:off x="2676016" y="385312"/>
+            <a:ext cx="6590916" cy="897716"/>
+          </a:xfrm>
+          <a:prstGeom prst="rect">
+            <a:avLst/>
+          </a:prstGeom>
+          <a:noFill/>
+          <a:ln>
+            <a:noFill/>
+          </a:ln>
+        </p:spPr>
+        <p:style>
+          <a:lnRef idx="2">
+            <a:schemeClr val="accent1">
+              <a:shade val="50000"/>
+            </a:schemeClr>
+          </a:lnRef>
+          <a:fillRef idx="1">
+            <a:schemeClr val="accent1"/>
+          </a:fillRef>
+          <a:effectRef idx="0">
+            <a:schemeClr val="accent1"/>
+          </a:effectRef>
+          <a:fontRef idx="minor">
+            <a:schemeClr val="lt1"/>
+          </a:fontRef>
+        </p:style>
+        <p:txBody>
+          <a:bodyPr rtlCol="0" anchor="ctr"/>
+          <a:lstStyle/>
+          <a:p>
+            <a:pPr algn="ctr" rtl="1"/>
+            <a:r>
+              <a:rPr lang="ar-SA" sz="6000" dirty="0">
+                <a:solidFill>
+                  <a:schemeClr val="tx1"/>
+                </a:solidFill>
+                <a:latin typeface="GE SS Text Light" panose="020A0503020102020204" pitchFamily="18" charset="-78"/>
+                <a:ea typeface="GE SS Text Light" panose="020A0503020102020204" pitchFamily="18" charset="-78"/>
+                <a:cs typeface="GE SS Text Light" panose="020A0503020102020204" pitchFamily="18" charset="-78"/>
+              </a:rPr>
+              <a:t>نظام متشابه القران </a:t>
+            </a:r>
+          </a:p>
+        </p:txBody>
+      </p:sp>
+      <p:cxnSp>
+        <p:nvCxnSpPr>
+          <p:cNvPr id="25" name="Straight Connector 24">
+            <a:extLst>
+              <a:ext uri="{FF2B5EF4-FFF2-40B4-BE49-F238E27FC236}">
+                <a16:creationId xmlns:a16="http://schemas.microsoft.com/office/drawing/2014/main" id="{630D18BB-127C-4C44-A83C-7011014082D3}"/>
+              </a:ext>
+            </a:extLst>
+          </p:cNvPr>
+          <p:cNvCxnSpPr/>
+          <p:nvPr/>
+        </p:nvCxnSpPr>
+        <p:spPr>
+          <a:xfrm flipH="1">
+            <a:off x="4064175" y="1394775"/>
+            <a:ext cx="4213992" cy="0"/>
+          </a:xfrm>
+          <a:prstGeom prst="line">
+            <a:avLst/>
+          </a:prstGeom>
+          <a:ln w="38100"/>
+        </p:spPr>
+        <p:style>
+          <a:lnRef idx="1">
+            <a:schemeClr val="dk1"/>
+          </a:lnRef>
+          <a:fillRef idx="0">
+            <a:schemeClr val="dk1"/>
+          </a:fillRef>
+          <a:effectRef idx="0">
+            <a:schemeClr val="dk1"/>
+          </a:effectRef>
+          <a:fontRef idx="minor">
+            <a:schemeClr val="tx1"/>
+          </a:fontRef>
+        </p:style>
+      </p:cxnSp>
+    </p:spTree>
+    <p:extLst>
+      <p:ext uri="{BB962C8B-B14F-4D97-AF65-F5344CB8AC3E}">
+        <p14:creationId xmlns:p14="http://schemas.microsoft.com/office/powerpoint/2010/main" val="4086455078"/>
+      </p:ext>
+    </p:extLst>
+  </p:cSld>
+  <p:clrMapOvr>
+    <a:masterClrMapping/>
+  </p:clrMapOvr>
+</p:sld>
+</file>
+
+<file path=ppt/slides/slide9.xml><?xml version="1.0" encoding="utf-8"?>
 <p:sld xmlns:a="http://schemas.openxmlformats.org/drawingml/2006/main" xmlns:r="http://schemas.openxmlformats.org/officeDocument/2006/relationships" xmlns:p="http://schemas.openxmlformats.org/presentationml/2006/main">
   <p:cSld>
     <p:bg>
@@ -19371,2030 +22888,6 @@
 </p:sld>
 </file>
 
-<file path=ppt/slides/slide9.xml><?xml version="1.0" encoding="utf-8"?>
-<p:sld xmlns:a="http://schemas.openxmlformats.org/drawingml/2006/main" xmlns:r="http://schemas.openxmlformats.org/officeDocument/2006/relationships" xmlns:p="http://schemas.openxmlformats.org/presentationml/2006/main">
-  <p:cSld>
-    <p:bg>
-      <p:bgPr>
-        <a:solidFill>
-          <a:schemeClr val="bg1">
-            <a:lumMod val="85000"/>
-          </a:schemeClr>
-        </a:solidFill>
-        <a:effectLst/>
-      </p:bgPr>
-    </p:bg>
-    <p:spTree>
-      <p:nvGrpSpPr>
-        <p:cNvPr id="1" name=""/>
-        <p:cNvGrpSpPr/>
-        <p:nvPr/>
-      </p:nvGrpSpPr>
-      <p:grpSpPr>
-        <a:xfrm>
-          <a:off x="0" y="0"/>
-          <a:ext cx="0" cy="0"/>
-          <a:chOff x="0" y="0"/>
-          <a:chExt cx="0" cy="0"/>
-        </a:xfrm>
-      </p:grpSpPr>
-      <p:sp>
-        <p:nvSpPr>
-          <p:cNvPr id="43" name="Freeform 40">
-            <a:extLst>
-              <a:ext uri="{FF2B5EF4-FFF2-40B4-BE49-F238E27FC236}">
-                <a16:creationId xmlns:a16="http://schemas.microsoft.com/office/drawing/2014/main" id="{9391B291-BA20-47C9-9007-2EF12089BA27}"/>
-              </a:ext>
-            </a:extLst>
-          </p:cNvPr>
-          <p:cNvSpPr>
-            <a:spLocks noChangeArrowheads="1"/>
-          </p:cNvSpPr>
-          <p:nvPr/>
-        </p:nvSpPr>
-        <p:spPr bwMode="auto">
-          <a:xfrm rot="11825610">
-            <a:off x="-4873768" y="-208990"/>
-            <a:ext cx="11767008" cy="5664104"/>
-          </a:xfrm>
-          <a:custGeom>
-            <a:avLst/>
-            <a:gdLst>
-              <a:gd name="connsiteX0" fmla="*/ 11264585 w 23534016"/>
-              <a:gd name="connsiteY0" fmla="*/ 9912566 h 11328207"/>
-              <a:gd name="connsiteX1" fmla="*/ 11605793 w 23534016"/>
-              <a:gd name="connsiteY1" fmla="*/ 10554301 h 11328207"/>
-              <a:gd name="connsiteX2" fmla="*/ 10831887 w 23534016"/>
-              <a:gd name="connsiteY2" fmla="*/ 11328207 h 11328207"/>
-              <a:gd name="connsiteX3" fmla="*/ 10736635 w 23534016"/>
-              <a:gd name="connsiteY3" fmla="*/ 11328207 h 11328207"/>
-              <a:gd name="connsiteX4" fmla="*/ 9962731 w 23534016"/>
-              <a:gd name="connsiteY4" fmla="*/ 10554301 h 11328207"/>
-              <a:gd name="connsiteX5" fmla="*/ 10736635 w 23534016"/>
-              <a:gd name="connsiteY5" fmla="*/ 9780395 h 11328207"/>
-              <a:gd name="connsiteX6" fmla="*/ 10831887 w 23534016"/>
-              <a:gd name="connsiteY6" fmla="*/ 9780395 h 11328207"/>
-              <a:gd name="connsiteX7" fmla="*/ 11264585 w 23534016"/>
-              <a:gd name="connsiteY7" fmla="*/ 9912566 h 11328207"/>
-              <a:gd name="connsiteX8" fmla="*/ 1179542 w 23534016"/>
-              <a:gd name="connsiteY8" fmla="*/ 3328153 h 11328207"/>
-              <a:gd name="connsiteX9" fmla="*/ 1401765 w 23534016"/>
-              <a:gd name="connsiteY9" fmla="*/ 3746104 h 11328207"/>
-              <a:gd name="connsiteX10" fmla="*/ 1401764 w 23534016"/>
-              <a:gd name="connsiteY10" fmla="*/ 3746104 h 11328207"/>
-              <a:gd name="connsiteX11" fmla="*/ 897732 w 23534016"/>
-              <a:gd name="connsiteY11" fmla="*/ 4250136 h 11328207"/>
-              <a:gd name="connsiteX12" fmla="*/ 504033 w 23534016"/>
-              <a:gd name="connsiteY12" fmla="*/ 4250135 h 11328207"/>
-              <a:gd name="connsiteX13" fmla="*/ 1 w 23534016"/>
-              <a:gd name="connsiteY13" fmla="*/ 3746103 h 11328207"/>
-              <a:gd name="connsiteX14" fmla="*/ 0 w 23534016"/>
-              <a:gd name="connsiteY14" fmla="*/ 3746103 h 11328207"/>
-              <a:gd name="connsiteX15" fmla="*/ 504032 w 23534016"/>
-              <a:gd name="connsiteY15" fmla="*/ 3242072 h 11328207"/>
-              <a:gd name="connsiteX16" fmla="*/ 897733 w 23534016"/>
-              <a:gd name="connsiteY16" fmla="*/ 3242072 h 11328207"/>
-              <a:gd name="connsiteX17" fmla="*/ 1179542 w 23534016"/>
-              <a:gd name="connsiteY17" fmla="*/ 3328153 h 11328207"/>
-              <a:gd name="connsiteX18" fmla="*/ 9733515 w 23534016"/>
-              <a:gd name="connsiteY18" fmla="*/ 6613367 h 11328207"/>
-              <a:gd name="connsiteX19" fmla="*/ 9955739 w 23534016"/>
-              <a:gd name="connsiteY19" fmla="*/ 7031319 h 11328207"/>
-              <a:gd name="connsiteX20" fmla="*/ 9955739 w 23534016"/>
-              <a:gd name="connsiteY20" fmla="*/ 7031319 h 11328207"/>
-              <a:gd name="connsiteX21" fmla="*/ 9451707 w 23534016"/>
-              <a:gd name="connsiteY21" fmla="*/ 7535351 h 11328207"/>
-              <a:gd name="connsiteX22" fmla="*/ 9058008 w 23534016"/>
-              <a:gd name="connsiteY22" fmla="*/ 7535350 h 11328207"/>
-              <a:gd name="connsiteX23" fmla="*/ 8553975 w 23534016"/>
-              <a:gd name="connsiteY23" fmla="*/ 7031318 h 11328207"/>
-              <a:gd name="connsiteX24" fmla="*/ 8553975 w 23534016"/>
-              <a:gd name="connsiteY24" fmla="*/ 7031318 h 11328207"/>
-              <a:gd name="connsiteX25" fmla="*/ 9058007 w 23534016"/>
-              <a:gd name="connsiteY25" fmla="*/ 6527286 h 11328207"/>
-              <a:gd name="connsiteX26" fmla="*/ 9451706 w 23534016"/>
-              <a:gd name="connsiteY26" fmla="*/ 6527286 h 11328207"/>
-              <a:gd name="connsiteX27" fmla="*/ 9733515 w 23534016"/>
-              <a:gd name="connsiteY27" fmla="*/ 6613367 h 11328207"/>
-              <a:gd name="connsiteX28" fmla="*/ 8928022 w 23534016"/>
-              <a:gd name="connsiteY28" fmla="*/ 3340367 h 11328207"/>
-              <a:gd name="connsiteX29" fmla="*/ 9150244 w 23534016"/>
-              <a:gd name="connsiteY29" fmla="*/ 3758318 h 11328207"/>
-              <a:gd name="connsiteX30" fmla="*/ 9150244 w 23534016"/>
-              <a:gd name="connsiteY30" fmla="*/ 3758318 h 11328207"/>
-              <a:gd name="connsiteX31" fmla="*/ 8646212 w 23534016"/>
-              <a:gd name="connsiteY31" fmla="*/ 4262350 h 11328207"/>
-              <a:gd name="connsiteX32" fmla="*/ 2350189 w 23534016"/>
-              <a:gd name="connsiteY32" fmla="*/ 4262349 h 11328207"/>
-              <a:gd name="connsiteX33" fmla="*/ 1846156 w 23534016"/>
-              <a:gd name="connsiteY33" fmla="*/ 3758316 h 11328207"/>
-              <a:gd name="connsiteX34" fmla="*/ 1846157 w 23534016"/>
-              <a:gd name="connsiteY34" fmla="*/ 3758317 h 11328207"/>
-              <a:gd name="connsiteX35" fmla="*/ 2350189 w 23534016"/>
-              <a:gd name="connsiteY35" fmla="*/ 3254285 h 11328207"/>
-              <a:gd name="connsiteX36" fmla="*/ 8646213 w 23534016"/>
-              <a:gd name="connsiteY36" fmla="*/ 3254286 h 11328207"/>
-              <a:gd name="connsiteX37" fmla="*/ 8928022 w 23534016"/>
-              <a:gd name="connsiteY37" fmla="*/ 3340367 h 11328207"/>
-              <a:gd name="connsiteX38" fmla="*/ 15324339 w 23534016"/>
-              <a:gd name="connsiteY38" fmla="*/ 6624950 h 11328207"/>
-              <a:gd name="connsiteX39" fmla="*/ 15546562 w 23534016"/>
-              <a:gd name="connsiteY39" fmla="*/ 7042900 h 11328207"/>
-              <a:gd name="connsiteX40" fmla="*/ 15042530 w 23534016"/>
-              <a:gd name="connsiteY40" fmla="*/ 7546931 h 11328207"/>
-              <a:gd name="connsiteX41" fmla="*/ 10905505 w 23534016"/>
-              <a:gd name="connsiteY41" fmla="*/ 7546930 h 11328207"/>
-              <a:gd name="connsiteX42" fmla="*/ 10401474 w 23534016"/>
-              <a:gd name="connsiteY42" fmla="*/ 7042899 h 11328207"/>
-              <a:gd name="connsiteX43" fmla="*/ 10905505 w 23534016"/>
-              <a:gd name="connsiteY43" fmla="*/ 6538868 h 11328207"/>
-              <a:gd name="connsiteX44" fmla="*/ 15042530 w 23534016"/>
-              <a:gd name="connsiteY44" fmla="*/ 6538869 h 11328207"/>
-              <a:gd name="connsiteX45" fmla="*/ 15324339 w 23534016"/>
-              <a:gd name="connsiteY45" fmla="*/ 6624950 h 11328207"/>
-              <a:gd name="connsiteX46" fmla="*/ 23192458 w 23534016"/>
-              <a:gd name="connsiteY46" fmla="*/ 8064785 h 11328207"/>
-              <a:gd name="connsiteX47" fmla="*/ 23534016 w 23534016"/>
-              <a:gd name="connsiteY47" fmla="*/ 8707179 h 11328207"/>
-              <a:gd name="connsiteX48" fmla="*/ 22759316 w 23534016"/>
-              <a:gd name="connsiteY48" fmla="*/ 9481878 h 11328207"/>
-              <a:gd name="connsiteX49" fmla="*/ 8228929 w 23534016"/>
-              <a:gd name="connsiteY49" fmla="*/ 9481877 h 11328207"/>
-              <a:gd name="connsiteX50" fmla="*/ 7454228 w 23534016"/>
-              <a:gd name="connsiteY50" fmla="*/ 8707176 h 11328207"/>
-              <a:gd name="connsiteX51" fmla="*/ 8228928 w 23534016"/>
-              <a:gd name="connsiteY51" fmla="*/ 7932477 h 11328207"/>
-              <a:gd name="connsiteX52" fmla="*/ 22759315 w 23534016"/>
-              <a:gd name="connsiteY52" fmla="*/ 7932478 h 11328207"/>
-              <a:gd name="connsiteX53" fmla="*/ 23192458 w 23534016"/>
-              <a:gd name="connsiteY53" fmla="*/ 8064785 h 11328207"/>
-              <a:gd name="connsiteX54" fmla="*/ 9947589 w 23534016"/>
-              <a:gd name="connsiteY54" fmla="*/ 86081 h 11328207"/>
-              <a:gd name="connsiteX55" fmla="*/ 10169812 w 23534016"/>
-              <a:gd name="connsiteY55" fmla="*/ 504032 h 11328207"/>
-              <a:gd name="connsiteX56" fmla="*/ 10169811 w 23534016"/>
-              <a:gd name="connsiteY56" fmla="*/ 504032 h 11328207"/>
-              <a:gd name="connsiteX57" fmla="*/ 9665779 w 23534016"/>
-              <a:gd name="connsiteY57" fmla="*/ 1008064 h 11328207"/>
-              <a:gd name="connsiteX58" fmla="*/ 2447418 w 23534016"/>
-              <a:gd name="connsiteY58" fmla="*/ 1008063 h 11328207"/>
-              <a:gd name="connsiteX59" fmla="*/ 1943386 w 23534016"/>
-              <a:gd name="connsiteY59" fmla="*/ 504031 h 11328207"/>
-              <a:gd name="connsiteX60" fmla="*/ 1943385 w 23534016"/>
-              <a:gd name="connsiteY60" fmla="*/ 504031 h 11328207"/>
-              <a:gd name="connsiteX61" fmla="*/ 2447417 w 23534016"/>
-              <a:gd name="connsiteY61" fmla="*/ 0 h 11328207"/>
-              <a:gd name="connsiteX62" fmla="*/ 9665780 w 23534016"/>
-              <a:gd name="connsiteY62" fmla="*/ 0 h 11328207"/>
-              <a:gd name="connsiteX63" fmla="*/ 9947589 w 23534016"/>
-              <a:gd name="connsiteY63" fmla="*/ 86081 h 11328207"/>
-              <a:gd name="connsiteX64" fmla="*/ 16576520 w 23534016"/>
-              <a:gd name="connsiteY64" fmla="*/ 3400992 h 11328207"/>
-              <a:gd name="connsiteX65" fmla="*/ 16798742 w 23534016"/>
-              <a:gd name="connsiteY65" fmla="*/ 3818943 h 11328207"/>
-              <a:gd name="connsiteX66" fmla="*/ 16798742 w 23534016"/>
-              <a:gd name="connsiteY66" fmla="*/ 3818943 h 11328207"/>
-              <a:gd name="connsiteX67" fmla="*/ 16294710 w 23534016"/>
-              <a:gd name="connsiteY67" fmla="*/ 4322975 h 11328207"/>
-              <a:gd name="connsiteX68" fmla="*/ 9998686 w 23534016"/>
-              <a:gd name="connsiteY68" fmla="*/ 4322974 h 11328207"/>
-              <a:gd name="connsiteX69" fmla="*/ 9494655 w 23534016"/>
-              <a:gd name="connsiteY69" fmla="*/ 3818942 h 11328207"/>
-              <a:gd name="connsiteX70" fmla="*/ 9494655 w 23534016"/>
-              <a:gd name="connsiteY70" fmla="*/ 3818943 h 11328207"/>
-              <a:gd name="connsiteX71" fmla="*/ 9998687 w 23534016"/>
-              <a:gd name="connsiteY71" fmla="*/ 3314911 h 11328207"/>
-              <a:gd name="connsiteX72" fmla="*/ 16294711 w 23534016"/>
-              <a:gd name="connsiteY72" fmla="*/ 3314911 h 11328207"/>
-              <a:gd name="connsiteX73" fmla="*/ 16576520 w 23534016"/>
-              <a:gd name="connsiteY73" fmla="*/ 3400992 h 11328207"/>
-              <a:gd name="connsiteX74" fmla="*/ 20515471 w 23534016"/>
-              <a:gd name="connsiteY74" fmla="*/ 4777198 h 11328207"/>
-              <a:gd name="connsiteX75" fmla="*/ 20856681 w 23534016"/>
-              <a:gd name="connsiteY75" fmla="*/ 5418935 h 11328207"/>
-              <a:gd name="connsiteX76" fmla="*/ 20856679 w 23534016"/>
-              <a:gd name="connsiteY76" fmla="*/ 5418934 h 11328207"/>
-              <a:gd name="connsiteX77" fmla="*/ 20082773 w 23534016"/>
-              <a:gd name="connsiteY77" fmla="*/ 6192842 h 11328207"/>
-              <a:gd name="connsiteX78" fmla="*/ 3780736 w 23534016"/>
-              <a:gd name="connsiteY78" fmla="*/ 6192840 h 11328207"/>
-              <a:gd name="connsiteX79" fmla="*/ 3006829 w 23534016"/>
-              <a:gd name="connsiteY79" fmla="*/ 5418932 h 11328207"/>
-              <a:gd name="connsiteX80" fmla="*/ 3006829 w 23534016"/>
-              <a:gd name="connsiteY80" fmla="*/ 5418933 h 11328207"/>
-              <a:gd name="connsiteX81" fmla="*/ 3780735 w 23534016"/>
-              <a:gd name="connsiteY81" fmla="*/ 4645026 h 11328207"/>
-              <a:gd name="connsiteX82" fmla="*/ 20082772 w 23534016"/>
-              <a:gd name="connsiteY82" fmla="*/ 4645027 h 11328207"/>
-              <a:gd name="connsiteX83" fmla="*/ 20515471 w 23534016"/>
-              <a:gd name="connsiteY83" fmla="*/ 4777198 h 11328207"/>
-              <a:gd name="connsiteX84" fmla="*/ 15080250 w 23534016"/>
-              <a:gd name="connsiteY84" fmla="*/ 1483266 h 11328207"/>
-              <a:gd name="connsiteX85" fmla="*/ 15421458 w 23534016"/>
-              <a:gd name="connsiteY85" fmla="*/ 2125002 h 11328207"/>
-              <a:gd name="connsiteX86" fmla="*/ 15421458 w 23534016"/>
-              <a:gd name="connsiteY86" fmla="*/ 2125003 h 11328207"/>
-              <a:gd name="connsiteX87" fmla="*/ 14647550 w 23534016"/>
-              <a:gd name="connsiteY87" fmla="*/ 2898909 h 11328207"/>
-              <a:gd name="connsiteX88" fmla="*/ 5471802 w 23534016"/>
-              <a:gd name="connsiteY88" fmla="*/ 2898908 h 11328207"/>
-              <a:gd name="connsiteX89" fmla="*/ 4697895 w 23534016"/>
-              <a:gd name="connsiteY89" fmla="*/ 2125001 h 11328207"/>
-              <a:gd name="connsiteX90" fmla="*/ 4697895 w 23534016"/>
-              <a:gd name="connsiteY90" fmla="*/ 2125002 h 11328207"/>
-              <a:gd name="connsiteX91" fmla="*/ 5471802 w 23534016"/>
-              <a:gd name="connsiteY91" fmla="*/ 1351096 h 11328207"/>
-              <a:gd name="connsiteX92" fmla="*/ 14647551 w 23534016"/>
-              <a:gd name="connsiteY92" fmla="*/ 1351096 h 11328207"/>
-              <a:gd name="connsiteX93" fmla="*/ 15080250 w 23534016"/>
-              <a:gd name="connsiteY93" fmla="*/ 1483266 h 11328207"/>
-            </a:gdLst>
-            <a:ahLst/>
-            <a:cxnLst>
-              <a:cxn ang="0">
-                <a:pos x="connsiteX0" y="connsiteY0"/>
-              </a:cxn>
-              <a:cxn ang="0">
-                <a:pos x="connsiteX1" y="connsiteY1"/>
-              </a:cxn>
-              <a:cxn ang="0">
-                <a:pos x="connsiteX2" y="connsiteY2"/>
-              </a:cxn>
-              <a:cxn ang="0">
-                <a:pos x="connsiteX3" y="connsiteY3"/>
-              </a:cxn>
-              <a:cxn ang="0">
-                <a:pos x="connsiteX4" y="connsiteY4"/>
-              </a:cxn>
-              <a:cxn ang="0">
-                <a:pos x="connsiteX5" y="connsiteY5"/>
-              </a:cxn>
-              <a:cxn ang="0">
-                <a:pos x="connsiteX6" y="connsiteY6"/>
-              </a:cxn>
-              <a:cxn ang="0">
-                <a:pos x="connsiteX7" y="connsiteY7"/>
-              </a:cxn>
-              <a:cxn ang="0">
-                <a:pos x="connsiteX8" y="connsiteY8"/>
-              </a:cxn>
-              <a:cxn ang="0">
-                <a:pos x="connsiteX9" y="connsiteY9"/>
-              </a:cxn>
-              <a:cxn ang="0">
-                <a:pos x="connsiteX10" y="connsiteY10"/>
-              </a:cxn>
-              <a:cxn ang="0">
-                <a:pos x="connsiteX11" y="connsiteY11"/>
-              </a:cxn>
-              <a:cxn ang="0">
-                <a:pos x="connsiteX12" y="connsiteY12"/>
-              </a:cxn>
-              <a:cxn ang="0">
-                <a:pos x="connsiteX13" y="connsiteY13"/>
-              </a:cxn>
-              <a:cxn ang="0">
-                <a:pos x="connsiteX14" y="connsiteY14"/>
-              </a:cxn>
-              <a:cxn ang="0">
-                <a:pos x="connsiteX15" y="connsiteY15"/>
-              </a:cxn>
-              <a:cxn ang="0">
-                <a:pos x="connsiteX16" y="connsiteY16"/>
-              </a:cxn>
-              <a:cxn ang="0">
-                <a:pos x="connsiteX17" y="connsiteY17"/>
-              </a:cxn>
-              <a:cxn ang="0">
-                <a:pos x="connsiteX18" y="connsiteY18"/>
-              </a:cxn>
-              <a:cxn ang="0">
-                <a:pos x="connsiteX19" y="connsiteY19"/>
-              </a:cxn>
-              <a:cxn ang="0">
-                <a:pos x="connsiteX20" y="connsiteY20"/>
-              </a:cxn>
-              <a:cxn ang="0">
-                <a:pos x="connsiteX21" y="connsiteY21"/>
-              </a:cxn>
-              <a:cxn ang="0">
-                <a:pos x="connsiteX22" y="connsiteY22"/>
-              </a:cxn>
-              <a:cxn ang="0">
-                <a:pos x="connsiteX23" y="connsiteY23"/>
-              </a:cxn>
-              <a:cxn ang="0">
-                <a:pos x="connsiteX24" y="connsiteY24"/>
-              </a:cxn>
-              <a:cxn ang="0">
-                <a:pos x="connsiteX25" y="connsiteY25"/>
-              </a:cxn>
-              <a:cxn ang="0">
-                <a:pos x="connsiteX26" y="connsiteY26"/>
-              </a:cxn>
-              <a:cxn ang="0">
-                <a:pos x="connsiteX27" y="connsiteY27"/>
-              </a:cxn>
-              <a:cxn ang="0">
-                <a:pos x="connsiteX28" y="connsiteY28"/>
-              </a:cxn>
-              <a:cxn ang="0">
-                <a:pos x="connsiteX29" y="connsiteY29"/>
-              </a:cxn>
-              <a:cxn ang="0">
-                <a:pos x="connsiteX30" y="connsiteY30"/>
-              </a:cxn>
-              <a:cxn ang="0">
-                <a:pos x="connsiteX31" y="connsiteY31"/>
-              </a:cxn>
-              <a:cxn ang="0">
-                <a:pos x="connsiteX32" y="connsiteY32"/>
-              </a:cxn>
-              <a:cxn ang="0">
-                <a:pos x="connsiteX33" y="connsiteY33"/>
-              </a:cxn>
-              <a:cxn ang="0">
-                <a:pos x="connsiteX34" y="connsiteY34"/>
-              </a:cxn>
-              <a:cxn ang="0">
-                <a:pos x="connsiteX35" y="connsiteY35"/>
-              </a:cxn>
-              <a:cxn ang="0">
-                <a:pos x="connsiteX36" y="connsiteY36"/>
-              </a:cxn>
-              <a:cxn ang="0">
-                <a:pos x="connsiteX37" y="connsiteY37"/>
-              </a:cxn>
-              <a:cxn ang="0">
-                <a:pos x="connsiteX38" y="connsiteY38"/>
-              </a:cxn>
-              <a:cxn ang="0">
-                <a:pos x="connsiteX39" y="connsiteY39"/>
-              </a:cxn>
-              <a:cxn ang="0">
-                <a:pos x="connsiteX40" y="connsiteY40"/>
-              </a:cxn>
-              <a:cxn ang="0">
-                <a:pos x="connsiteX41" y="connsiteY41"/>
-              </a:cxn>
-              <a:cxn ang="0">
-                <a:pos x="connsiteX42" y="connsiteY42"/>
-              </a:cxn>
-              <a:cxn ang="0">
-                <a:pos x="connsiteX43" y="connsiteY43"/>
-              </a:cxn>
-              <a:cxn ang="0">
-                <a:pos x="connsiteX44" y="connsiteY44"/>
-              </a:cxn>
-              <a:cxn ang="0">
-                <a:pos x="connsiteX45" y="connsiteY45"/>
-              </a:cxn>
-              <a:cxn ang="0">
-                <a:pos x="connsiteX46" y="connsiteY46"/>
-              </a:cxn>
-              <a:cxn ang="0">
-                <a:pos x="connsiteX47" y="connsiteY47"/>
-              </a:cxn>
-              <a:cxn ang="0">
-                <a:pos x="connsiteX48" y="connsiteY48"/>
-              </a:cxn>
-              <a:cxn ang="0">
-                <a:pos x="connsiteX49" y="connsiteY49"/>
-              </a:cxn>
-              <a:cxn ang="0">
-                <a:pos x="connsiteX50" y="connsiteY50"/>
-              </a:cxn>
-              <a:cxn ang="0">
-                <a:pos x="connsiteX51" y="connsiteY51"/>
-              </a:cxn>
-              <a:cxn ang="0">
-                <a:pos x="connsiteX52" y="connsiteY52"/>
-              </a:cxn>
-              <a:cxn ang="0">
-                <a:pos x="connsiteX53" y="connsiteY53"/>
-              </a:cxn>
-              <a:cxn ang="0">
-                <a:pos x="connsiteX54" y="connsiteY54"/>
-              </a:cxn>
-              <a:cxn ang="0">
-                <a:pos x="connsiteX55" y="connsiteY55"/>
-              </a:cxn>
-              <a:cxn ang="0">
-                <a:pos x="connsiteX56" y="connsiteY56"/>
-              </a:cxn>
-              <a:cxn ang="0">
-                <a:pos x="connsiteX57" y="connsiteY57"/>
-              </a:cxn>
-              <a:cxn ang="0">
-                <a:pos x="connsiteX58" y="connsiteY58"/>
-              </a:cxn>
-              <a:cxn ang="0">
-                <a:pos x="connsiteX59" y="connsiteY59"/>
-              </a:cxn>
-              <a:cxn ang="0">
-                <a:pos x="connsiteX60" y="connsiteY60"/>
-              </a:cxn>
-              <a:cxn ang="0">
-                <a:pos x="connsiteX61" y="connsiteY61"/>
-              </a:cxn>
-              <a:cxn ang="0">
-                <a:pos x="connsiteX62" y="connsiteY62"/>
-              </a:cxn>
-              <a:cxn ang="0">
-                <a:pos x="connsiteX63" y="connsiteY63"/>
-              </a:cxn>
-              <a:cxn ang="0">
-                <a:pos x="connsiteX64" y="connsiteY64"/>
-              </a:cxn>
-              <a:cxn ang="0">
-                <a:pos x="connsiteX65" y="connsiteY65"/>
-              </a:cxn>
-              <a:cxn ang="0">
-                <a:pos x="connsiteX66" y="connsiteY66"/>
-              </a:cxn>
-              <a:cxn ang="0">
-                <a:pos x="connsiteX67" y="connsiteY67"/>
-              </a:cxn>
-              <a:cxn ang="0">
-                <a:pos x="connsiteX68" y="connsiteY68"/>
-              </a:cxn>
-              <a:cxn ang="0">
-                <a:pos x="connsiteX69" y="connsiteY69"/>
-              </a:cxn>
-              <a:cxn ang="0">
-                <a:pos x="connsiteX70" y="connsiteY70"/>
-              </a:cxn>
-              <a:cxn ang="0">
-                <a:pos x="connsiteX71" y="connsiteY71"/>
-              </a:cxn>
-              <a:cxn ang="0">
-                <a:pos x="connsiteX72" y="connsiteY72"/>
-              </a:cxn>
-              <a:cxn ang="0">
-                <a:pos x="connsiteX73" y="connsiteY73"/>
-              </a:cxn>
-              <a:cxn ang="0">
-                <a:pos x="connsiteX74" y="connsiteY74"/>
-              </a:cxn>
-              <a:cxn ang="0">
-                <a:pos x="connsiteX75" y="connsiteY75"/>
-              </a:cxn>
-              <a:cxn ang="0">
-                <a:pos x="connsiteX76" y="connsiteY76"/>
-              </a:cxn>
-              <a:cxn ang="0">
-                <a:pos x="connsiteX77" y="connsiteY77"/>
-              </a:cxn>
-              <a:cxn ang="0">
-                <a:pos x="connsiteX78" y="connsiteY78"/>
-              </a:cxn>
-              <a:cxn ang="0">
-                <a:pos x="connsiteX79" y="connsiteY79"/>
-              </a:cxn>
-              <a:cxn ang="0">
-                <a:pos x="connsiteX80" y="connsiteY80"/>
-              </a:cxn>
-              <a:cxn ang="0">
-                <a:pos x="connsiteX81" y="connsiteY81"/>
-              </a:cxn>
-              <a:cxn ang="0">
-                <a:pos x="connsiteX82" y="connsiteY82"/>
-              </a:cxn>
-              <a:cxn ang="0">
-                <a:pos x="connsiteX83" y="connsiteY83"/>
-              </a:cxn>
-              <a:cxn ang="0">
-                <a:pos x="connsiteX84" y="connsiteY84"/>
-              </a:cxn>
-              <a:cxn ang="0">
-                <a:pos x="connsiteX85" y="connsiteY85"/>
-              </a:cxn>
-              <a:cxn ang="0">
-                <a:pos x="connsiteX86" y="connsiteY86"/>
-              </a:cxn>
-              <a:cxn ang="0">
-                <a:pos x="connsiteX87" y="connsiteY87"/>
-              </a:cxn>
-              <a:cxn ang="0">
-                <a:pos x="connsiteX88" y="connsiteY88"/>
-              </a:cxn>
-              <a:cxn ang="0">
-                <a:pos x="connsiteX89" y="connsiteY89"/>
-              </a:cxn>
-              <a:cxn ang="0">
-                <a:pos x="connsiteX90" y="connsiteY90"/>
-              </a:cxn>
-              <a:cxn ang="0">
-                <a:pos x="connsiteX91" y="connsiteY91"/>
-              </a:cxn>
-              <a:cxn ang="0">
-                <a:pos x="connsiteX92" y="connsiteY92"/>
-              </a:cxn>
-              <a:cxn ang="0">
-                <a:pos x="connsiteX93" y="connsiteY93"/>
-              </a:cxn>
-            </a:cxnLst>
-            <a:rect l="l" t="t" r="r" b="b"/>
-            <a:pathLst>
-              <a:path w="23534016" h="11328207">
-                <a:moveTo>
-                  <a:pt x="11264585" y="9912566"/>
-                </a:moveTo>
-                <a:cubicBezTo>
-                  <a:pt x="11470444" y="10051642"/>
-                  <a:pt x="11605793" y="10287166"/>
-                  <a:pt x="11605793" y="10554301"/>
-                </a:cubicBezTo>
-                <a:cubicBezTo>
-                  <a:pt x="11605792" y="10981717"/>
-                  <a:pt x="11259303" y="11328207"/>
-                  <a:pt x="10831887" y="11328207"/>
-                </a:cubicBezTo>
-                <a:lnTo>
-                  <a:pt x="10736635" y="11328207"/>
-                </a:lnTo>
-                <a:cubicBezTo>
-                  <a:pt x="10309219" y="11328207"/>
-                  <a:pt x="9962730" y="10981717"/>
-                  <a:pt x="9962731" y="10554301"/>
-                </a:cubicBezTo>
-                <a:cubicBezTo>
-                  <a:pt x="9962730" y="10126885"/>
-                  <a:pt x="10309219" y="9780395"/>
-                  <a:pt x="10736635" y="9780395"/>
-                </a:cubicBezTo>
-                <a:lnTo>
-                  <a:pt x="10831887" y="9780395"/>
-                </a:lnTo>
-                <a:cubicBezTo>
-                  <a:pt x="10992167" y="9780394"/>
-                  <a:pt x="11141068" y="9829120"/>
-                  <a:pt x="11264585" y="9912566"/>
-                </a:cubicBezTo>
-                <a:close/>
-                <a:moveTo>
-                  <a:pt x="1179542" y="3328153"/>
-                </a:moveTo>
-                <a:cubicBezTo>
-                  <a:pt x="1313615" y="3418731"/>
-                  <a:pt x="1401765" y="3572123"/>
-                  <a:pt x="1401765" y="3746104"/>
-                </a:cubicBezTo>
-                <a:lnTo>
-                  <a:pt x="1401764" y="3746104"/>
-                </a:lnTo>
-                <a:cubicBezTo>
-                  <a:pt x="1401764" y="4024473"/>
-                  <a:pt x="1176101" y="4250136"/>
-                  <a:pt x="897732" y="4250136"/>
-                </a:cubicBezTo>
-                <a:lnTo>
-                  <a:pt x="504033" y="4250135"/>
-                </a:lnTo>
-                <a:cubicBezTo>
-                  <a:pt x="225664" y="4250135"/>
-                  <a:pt x="1" y="4024472"/>
-                  <a:pt x="1" y="3746103"/>
-                </a:cubicBezTo>
-                <a:lnTo>
-                  <a:pt x="0" y="3746103"/>
-                </a:lnTo>
-                <a:cubicBezTo>
-                  <a:pt x="1" y="3467734"/>
-                  <a:pt x="225664" y="3242072"/>
-                  <a:pt x="504032" y="3242072"/>
-                </a:cubicBezTo>
-                <a:lnTo>
-                  <a:pt x="897733" y="3242072"/>
-                </a:lnTo>
-                <a:cubicBezTo>
-                  <a:pt x="1002122" y="3242072"/>
-                  <a:pt x="1099098" y="3273806"/>
-                  <a:pt x="1179542" y="3328153"/>
-                </a:cubicBezTo>
-                <a:close/>
-                <a:moveTo>
-                  <a:pt x="9733515" y="6613367"/>
-                </a:moveTo>
-                <a:cubicBezTo>
-                  <a:pt x="9867590" y="6703946"/>
-                  <a:pt x="9955739" y="6857338"/>
-                  <a:pt x="9955739" y="7031319"/>
-                </a:cubicBezTo>
-                <a:lnTo>
-                  <a:pt x="9955739" y="7031319"/>
-                </a:lnTo>
-                <a:cubicBezTo>
-                  <a:pt x="9955739" y="7309688"/>
-                  <a:pt x="9730075" y="7535351"/>
-                  <a:pt x="9451707" y="7535351"/>
-                </a:cubicBezTo>
-                <a:lnTo>
-                  <a:pt x="9058008" y="7535350"/>
-                </a:lnTo>
-                <a:cubicBezTo>
-                  <a:pt x="8779637" y="7535349"/>
-                  <a:pt x="8553975" y="7309687"/>
-                  <a:pt x="8553975" y="7031318"/>
-                </a:cubicBezTo>
-                <a:lnTo>
-                  <a:pt x="8553975" y="7031318"/>
-                </a:lnTo>
-                <a:cubicBezTo>
-                  <a:pt x="8553975" y="6752949"/>
-                  <a:pt x="8779638" y="6527287"/>
-                  <a:pt x="9058007" y="6527286"/>
-                </a:cubicBezTo>
-                <a:lnTo>
-                  <a:pt x="9451706" y="6527286"/>
-                </a:lnTo>
-                <a:cubicBezTo>
-                  <a:pt x="9556095" y="6527286"/>
-                  <a:pt x="9653072" y="6559021"/>
-                  <a:pt x="9733515" y="6613367"/>
-                </a:cubicBezTo>
-                <a:close/>
-                <a:moveTo>
-                  <a:pt x="8928022" y="3340367"/>
-                </a:moveTo>
-                <a:cubicBezTo>
-                  <a:pt x="9062095" y="3430945"/>
-                  <a:pt x="9150244" y="3584337"/>
-                  <a:pt x="9150244" y="3758318"/>
-                </a:cubicBezTo>
-                <a:lnTo>
-                  <a:pt x="9150244" y="3758318"/>
-                </a:lnTo>
-                <a:cubicBezTo>
-                  <a:pt x="9150244" y="4036688"/>
-                  <a:pt x="8924581" y="4262349"/>
-                  <a:pt x="8646212" y="4262350"/>
-                </a:cubicBezTo>
-                <a:lnTo>
-                  <a:pt x="2350189" y="4262349"/>
-                </a:lnTo>
-                <a:cubicBezTo>
-                  <a:pt x="2071819" y="4262349"/>
-                  <a:pt x="1846156" y="4036685"/>
-                  <a:pt x="1846156" y="3758316"/>
-                </a:cubicBezTo>
-                <a:lnTo>
-                  <a:pt x="1846157" y="3758317"/>
-                </a:lnTo>
-                <a:cubicBezTo>
-                  <a:pt x="1846157" y="3479948"/>
-                  <a:pt x="2071820" y="3254286"/>
-                  <a:pt x="2350189" y="3254285"/>
-                </a:cubicBezTo>
-                <a:lnTo>
-                  <a:pt x="8646213" y="3254286"/>
-                </a:lnTo>
-                <a:cubicBezTo>
-                  <a:pt x="8750602" y="3254287"/>
-                  <a:pt x="8847579" y="3286021"/>
-                  <a:pt x="8928022" y="3340367"/>
-                </a:cubicBezTo>
-                <a:close/>
-                <a:moveTo>
-                  <a:pt x="15324339" y="6624950"/>
-                </a:moveTo>
-                <a:cubicBezTo>
-                  <a:pt x="15458413" y="6715527"/>
-                  <a:pt x="15546561" y="6868919"/>
-                  <a:pt x="15546562" y="7042900"/>
-                </a:cubicBezTo>
-                <a:cubicBezTo>
-                  <a:pt x="15546561" y="7321269"/>
-                  <a:pt x="15320899" y="7546930"/>
-                  <a:pt x="15042530" y="7546931"/>
-                </a:cubicBezTo>
-                <a:lnTo>
-                  <a:pt x="10905505" y="7546930"/>
-                </a:lnTo>
-                <a:cubicBezTo>
-                  <a:pt x="10627136" y="7546930"/>
-                  <a:pt x="10401474" y="7321268"/>
-                  <a:pt x="10401474" y="7042899"/>
-                </a:cubicBezTo>
-                <a:cubicBezTo>
-                  <a:pt x="10401474" y="6764530"/>
-                  <a:pt x="10627137" y="6538868"/>
-                  <a:pt x="10905505" y="6538868"/>
-                </a:cubicBezTo>
-                <a:lnTo>
-                  <a:pt x="15042530" y="6538869"/>
-                </a:lnTo>
-                <a:cubicBezTo>
-                  <a:pt x="15146919" y="6538869"/>
-                  <a:pt x="15243896" y="6570603"/>
-                  <a:pt x="15324339" y="6624950"/>
-                </a:cubicBezTo>
-                <a:close/>
-                <a:moveTo>
-                  <a:pt x="23192458" y="8064785"/>
-                </a:moveTo>
-                <a:cubicBezTo>
-                  <a:pt x="23398529" y="8204003"/>
-                  <a:pt x="23534016" y="8439769"/>
-                  <a:pt x="23534016" y="8707179"/>
-                </a:cubicBezTo>
-                <a:cubicBezTo>
-                  <a:pt x="23534016" y="9135034"/>
-                  <a:pt x="23187171" y="9481878"/>
-                  <a:pt x="22759316" y="9481878"/>
-                </a:cubicBezTo>
-                <a:lnTo>
-                  <a:pt x="8228929" y="9481877"/>
-                </a:lnTo>
-                <a:cubicBezTo>
-                  <a:pt x="7801074" y="9481877"/>
-                  <a:pt x="7454229" y="9135032"/>
-                  <a:pt x="7454228" y="8707176"/>
-                </a:cubicBezTo>
-                <a:cubicBezTo>
-                  <a:pt x="7454228" y="8279322"/>
-                  <a:pt x="7801073" y="7932477"/>
-                  <a:pt x="8228928" y="7932477"/>
-                </a:cubicBezTo>
-                <a:lnTo>
-                  <a:pt x="22759315" y="7932478"/>
-                </a:lnTo>
-                <a:cubicBezTo>
-                  <a:pt x="22919760" y="7932478"/>
-                  <a:pt x="23068815" y="7981253"/>
-                  <a:pt x="23192458" y="8064785"/>
-                </a:cubicBezTo>
-                <a:close/>
-                <a:moveTo>
-                  <a:pt x="9947589" y="86081"/>
-                </a:moveTo>
-                <a:cubicBezTo>
-                  <a:pt x="10081663" y="176659"/>
-                  <a:pt x="10169811" y="330051"/>
-                  <a:pt x="10169812" y="504032"/>
-                </a:cubicBezTo>
-                <a:lnTo>
-                  <a:pt x="10169811" y="504032"/>
-                </a:lnTo>
-                <a:cubicBezTo>
-                  <a:pt x="10169811" y="782401"/>
-                  <a:pt x="9944148" y="1008064"/>
-                  <a:pt x="9665779" y="1008064"/>
-                </a:cubicBezTo>
-                <a:lnTo>
-                  <a:pt x="2447418" y="1008063"/>
-                </a:lnTo>
-                <a:cubicBezTo>
-                  <a:pt x="2169048" y="1008062"/>
-                  <a:pt x="1943386" y="782400"/>
-                  <a:pt x="1943386" y="504031"/>
-                </a:cubicBezTo>
-                <a:lnTo>
-                  <a:pt x="1943385" y="504031"/>
-                </a:lnTo>
-                <a:cubicBezTo>
-                  <a:pt x="1943386" y="225663"/>
-                  <a:pt x="2169048" y="0"/>
-                  <a:pt x="2447417" y="0"/>
-                </a:cubicBezTo>
-                <a:lnTo>
-                  <a:pt x="9665780" y="0"/>
-                </a:lnTo>
-                <a:cubicBezTo>
-                  <a:pt x="9770169" y="0"/>
-                  <a:pt x="9867145" y="31734"/>
-                  <a:pt x="9947589" y="86081"/>
-                </a:cubicBezTo>
-                <a:close/>
-                <a:moveTo>
-                  <a:pt x="16576520" y="3400992"/>
-                </a:moveTo>
-                <a:cubicBezTo>
-                  <a:pt x="16710593" y="3491570"/>
-                  <a:pt x="16798742" y="3644962"/>
-                  <a:pt x="16798742" y="3818943"/>
-                </a:cubicBezTo>
-                <a:lnTo>
-                  <a:pt x="16798742" y="3818943"/>
-                </a:lnTo>
-                <a:cubicBezTo>
-                  <a:pt x="16798742" y="4097312"/>
-                  <a:pt x="16573079" y="4322975"/>
-                  <a:pt x="16294710" y="4322975"/>
-                </a:cubicBezTo>
-                <a:lnTo>
-                  <a:pt x="9998686" y="4322974"/>
-                </a:lnTo>
-                <a:cubicBezTo>
-                  <a:pt x="9720318" y="4322974"/>
-                  <a:pt x="9494655" y="4097311"/>
-                  <a:pt x="9494655" y="3818942"/>
-                </a:cubicBezTo>
-                <a:lnTo>
-                  <a:pt x="9494655" y="3818943"/>
-                </a:lnTo>
-                <a:cubicBezTo>
-                  <a:pt x="9494654" y="3540574"/>
-                  <a:pt x="9720318" y="3314911"/>
-                  <a:pt x="9998687" y="3314911"/>
-                </a:cubicBezTo>
-                <a:lnTo>
-                  <a:pt x="16294711" y="3314911"/>
-                </a:lnTo>
-                <a:cubicBezTo>
-                  <a:pt x="16399100" y="3314912"/>
-                  <a:pt x="16496075" y="3346645"/>
-                  <a:pt x="16576520" y="3400992"/>
-                </a:cubicBezTo>
-                <a:close/>
-                <a:moveTo>
-                  <a:pt x="20515471" y="4777198"/>
-                </a:moveTo>
-                <a:cubicBezTo>
-                  <a:pt x="20721332" y="4916275"/>
-                  <a:pt x="20856681" y="5151799"/>
-                  <a:pt x="20856681" y="5418935"/>
-                </a:cubicBezTo>
-                <a:lnTo>
-                  <a:pt x="20856679" y="5418934"/>
-                </a:lnTo>
-                <a:cubicBezTo>
-                  <a:pt x="20856679" y="5846352"/>
-                  <a:pt x="20510189" y="6192842"/>
-                  <a:pt x="20082773" y="6192842"/>
-                </a:cubicBezTo>
-                <a:lnTo>
-                  <a:pt x="3780736" y="6192840"/>
-                </a:lnTo>
-                <a:cubicBezTo>
-                  <a:pt x="3353319" y="6192840"/>
-                  <a:pt x="3006829" y="5846350"/>
-                  <a:pt x="3006829" y="5418932"/>
-                </a:cubicBezTo>
-                <a:lnTo>
-                  <a:pt x="3006829" y="5418933"/>
-                </a:lnTo>
-                <a:cubicBezTo>
-                  <a:pt x="3006829" y="4991516"/>
-                  <a:pt x="3353318" y="4645026"/>
-                  <a:pt x="3780735" y="4645026"/>
-                </a:cubicBezTo>
-                <a:lnTo>
-                  <a:pt x="20082772" y="4645027"/>
-                </a:lnTo>
-                <a:cubicBezTo>
-                  <a:pt x="20243053" y="4645027"/>
-                  <a:pt x="20391954" y="4693752"/>
-                  <a:pt x="20515471" y="4777198"/>
-                </a:cubicBezTo>
-                <a:close/>
-                <a:moveTo>
-                  <a:pt x="15080250" y="1483266"/>
-                </a:moveTo>
-                <a:cubicBezTo>
-                  <a:pt x="15286109" y="1622342"/>
-                  <a:pt x="15421458" y="1857867"/>
-                  <a:pt x="15421458" y="2125002"/>
-                </a:cubicBezTo>
-                <a:lnTo>
-                  <a:pt x="15421458" y="2125003"/>
-                </a:lnTo>
-                <a:cubicBezTo>
-                  <a:pt x="15421458" y="2552420"/>
-                  <a:pt x="15074966" y="2898909"/>
-                  <a:pt x="14647550" y="2898909"/>
-                </a:cubicBezTo>
-                <a:lnTo>
-                  <a:pt x="5471802" y="2898908"/>
-                </a:lnTo>
-                <a:cubicBezTo>
-                  <a:pt x="5044384" y="2898908"/>
-                  <a:pt x="4697895" y="2552418"/>
-                  <a:pt x="4697895" y="2125001"/>
-                </a:cubicBezTo>
-                <a:lnTo>
-                  <a:pt x="4697895" y="2125002"/>
-                </a:lnTo>
-                <a:cubicBezTo>
-                  <a:pt x="4697894" y="1697585"/>
-                  <a:pt x="5044385" y="1351096"/>
-                  <a:pt x="5471802" y="1351096"/>
-                </a:cubicBezTo>
-                <a:lnTo>
-                  <a:pt x="14647551" y="1351096"/>
-                </a:lnTo>
-                <a:cubicBezTo>
-                  <a:pt x="14807834" y="1351096"/>
-                  <a:pt x="14956733" y="1399820"/>
-                  <a:pt x="15080250" y="1483266"/>
-                </a:cubicBezTo>
-                <a:close/>
-              </a:path>
-            </a:pathLst>
-          </a:custGeom>
-          <a:gradFill flip="none" rotWithShape="1">
-            <a:gsLst>
-              <a:gs pos="0">
-                <a:schemeClr val="accent2">
-                  <a:alpha val="27000"/>
-                  <a:lumMod val="0"/>
-                  <a:lumOff val="100000"/>
-                </a:schemeClr>
-              </a:gs>
-              <a:gs pos="100000">
-                <a:schemeClr val="accent2">
-                  <a:lumMod val="52000"/>
-                  <a:lumOff val="48000"/>
-                </a:schemeClr>
-              </a:gs>
-              <a:gs pos="100000">
-                <a:schemeClr val="accent2">
-                  <a:lumMod val="60000"/>
-                </a:schemeClr>
-              </a:gs>
-            </a:gsLst>
-            <a:path path="circle">
-              <a:fillToRect l="50000" t="130000" r="50000" b="-30000"/>
-            </a:path>
-            <a:tileRect/>
-          </a:gradFill>
-          <a:ln>
-            <a:noFill/>
-          </a:ln>
-        </p:spPr>
-        <p:txBody>
-          <a:bodyPr wrap="square" lIns="19050" tIns="19050" rIns="19050" bIns="19050" anchor="ctr">
-            <a:noAutofit/>
-          </a:bodyPr>
-          <a:lstStyle/>
-          <a:p>
-            <a:pPr eaLnBrk="1"/>
-            <a:endParaRPr lang="en-US" altLang="x-none" sz="900"/>
-          </a:p>
-        </p:txBody>
-      </p:sp>
-      <p:pic>
-        <p:nvPicPr>
-          <p:cNvPr id="9" name="Picture 8" descr="A close-up of a machine&#10;&#10;Description automatically generated with low confidence">
-            <a:extLst>
-              <a:ext uri="{FF2B5EF4-FFF2-40B4-BE49-F238E27FC236}">
-                <a16:creationId xmlns:a16="http://schemas.microsoft.com/office/drawing/2014/main" id="{AF391CE8-74B3-F441-978C-5C4AD00E5B1C}"/>
-              </a:ext>
-            </a:extLst>
-          </p:cNvPr>
-          <p:cNvPicPr>
-            <a:picLocks noChangeAspect="1"/>
-          </p:cNvPicPr>
-          <p:nvPr/>
-        </p:nvPicPr>
-        <p:blipFill>
-          <a:blip r:embed="rId2"/>
-          <a:stretch>
-            <a:fillRect/>
-          </a:stretch>
-        </p:blipFill>
-        <p:spPr>
-          <a:xfrm>
-            <a:off x="2630104" y="1691718"/>
-            <a:ext cx="5423338" cy="3578666"/>
-          </a:xfrm>
-          <a:prstGeom prst="rect">
-            <a:avLst/>
-          </a:prstGeom>
-        </p:spPr>
-      </p:pic>
-      <p:grpSp>
-        <p:nvGrpSpPr>
-          <p:cNvPr id="24" name="Group 23">
-            <a:extLst>
-              <a:ext uri="{FF2B5EF4-FFF2-40B4-BE49-F238E27FC236}">
-                <a16:creationId xmlns:a16="http://schemas.microsoft.com/office/drawing/2014/main" id="{F546ECDA-0BB2-DA40-8ACF-71ADB7659413}"/>
-              </a:ext>
-            </a:extLst>
-          </p:cNvPr>
-          <p:cNvGrpSpPr/>
-          <p:nvPr/>
-        </p:nvGrpSpPr>
-        <p:grpSpPr>
-          <a:xfrm>
-            <a:off x="7498133" y="2765083"/>
-            <a:ext cx="2141170" cy="1031829"/>
-            <a:chOff x="6188786" y="2260586"/>
-            <a:chExt cx="2141170" cy="1031829"/>
-          </a:xfrm>
-        </p:grpSpPr>
-        <p:cxnSp>
-          <p:nvCxnSpPr>
-            <p:cNvPr id="21" name="موصل: على شكل مرفق 9">
-              <a:extLst>
-                <a:ext uri="{FF2B5EF4-FFF2-40B4-BE49-F238E27FC236}">
-                  <a16:creationId xmlns:a16="http://schemas.microsoft.com/office/drawing/2014/main" id="{556FC689-739A-7B4C-A723-869509B58656}"/>
-                </a:ext>
-              </a:extLst>
-            </p:cNvPr>
-            <p:cNvCxnSpPr>
-              <a:cxnSpLocks/>
-            </p:cNvCxnSpPr>
-            <p:nvPr/>
-          </p:nvCxnSpPr>
-          <p:spPr>
-            <a:xfrm rot="10800000" flipV="1">
-              <a:off x="6188786" y="2660696"/>
-              <a:ext cx="2110956" cy="631719"/>
-            </a:xfrm>
-            <a:prstGeom prst="bentConnector3">
-              <a:avLst>
-                <a:gd name="adj1" fmla="val 67597"/>
-              </a:avLst>
-            </a:prstGeom>
-            <a:ln>
-              <a:solidFill>
-                <a:schemeClr val="tx1">
-                  <a:lumMod val="95000"/>
-                  <a:lumOff val="5000"/>
-                </a:schemeClr>
-              </a:solidFill>
-              <a:tailEnd type="triangle"/>
-            </a:ln>
-          </p:spPr>
-          <p:style>
-            <a:lnRef idx="1">
-              <a:schemeClr val="accent1"/>
-            </a:lnRef>
-            <a:fillRef idx="0">
-              <a:schemeClr val="accent1"/>
-            </a:fillRef>
-            <a:effectRef idx="0">
-              <a:schemeClr val="accent1"/>
-            </a:effectRef>
-            <a:fontRef idx="minor">
-              <a:schemeClr val="tx1"/>
-            </a:fontRef>
-          </p:style>
-        </p:cxnSp>
-        <p:sp>
-          <p:nvSpPr>
-            <p:cNvPr id="22" name="مستطيل 37">
-              <a:extLst>
-                <a:ext uri="{FF2B5EF4-FFF2-40B4-BE49-F238E27FC236}">
-                  <a16:creationId xmlns:a16="http://schemas.microsoft.com/office/drawing/2014/main" id="{FA27FC11-61E6-3F41-9BBD-43F5900AE2AF}"/>
-                </a:ext>
-              </a:extLst>
-            </p:cNvPr>
-            <p:cNvSpPr/>
-            <p:nvPr/>
-          </p:nvSpPr>
-          <p:spPr>
-            <a:xfrm>
-              <a:off x="6633337" y="2260586"/>
-              <a:ext cx="1696619" cy="400110"/>
-            </a:xfrm>
-            <a:prstGeom prst="rect">
-              <a:avLst/>
-            </a:prstGeom>
-            <a:noFill/>
-          </p:spPr>
-          <p:txBody>
-            <a:bodyPr wrap="square" lIns="91440" tIns="45720" rIns="91440" bIns="45720">
-              <a:spAutoFit/>
-            </a:bodyPr>
-            <a:lstStyle/>
-            <a:p>
-              <a:pPr algn="r" rtl="1"/>
-              <a:r>
-                <a:rPr lang="ar-SA" sz="2000" dirty="0">
-                  <a:ln w="0"/>
-                  <a:effectLst>
-                    <a:outerShdw blurRad="38100" dist="19050" dir="2700000" algn="tl" rotWithShape="0">
-                      <a:schemeClr val="dk1">
-                        <a:alpha val="40000"/>
-                      </a:schemeClr>
-                    </a:outerShdw>
-                  </a:effectLst>
-                  <a:latin typeface="GE SS Text Light" panose="020A0503020102020204" pitchFamily="18" charset="-78"/>
-                  <a:ea typeface="GE SS Text Light" panose="020A0503020102020204" pitchFamily="18" charset="-78"/>
-                  <a:cs typeface="GE SS Text Light" panose="020A0503020102020204" pitchFamily="18" charset="-78"/>
-                </a:rPr>
-                <a:t>شرائح العملاء</a:t>
-              </a:r>
-              <a:endParaRPr lang="en-US" sz="2000" dirty="0">
-                <a:ln w="0"/>
-                <a:effectLst>
-                  <a:outerShdw blurRad="38100" dist="19050" dir="2700000" algn="tl" rotWithShape="0">
-                    <a:schemeClr val="dk1">
-                      <a:alpha val="40000"/>
-                    </a:schemeClr>
-                  </a:outerShdw>
-                </a:effectLst>
-                <a:latin typeface="GE SS Text Light" panose="020A0503020102020204" pitchFamily="18" charset="-78"/>
-                <a:ea typeface="GE SS Text Light" panose="020A0503020102020204" pitchFamily="18" charset="-78"/>
-                <a:cs typeface="GE SS Text Light" panose="020A0503020102020204" pitchFamily="18" charset="-78"/>
-              </a:endParaRPr>
-            </a:p>
-          </p:txBody>
-        </p:sp>
-      </p:grpSp>
-      <p:grpSp>
-        <p:nvGrpSpPr>
-          <p:cNvPr id="28" name="Group 27">
-            <a:extLst>
-              <a:ext uri="{FF2B5EF4-FFF2-40B4-BE49-F238E27FC236}">
-                <a16:creationId xmlns:a16="http://schemas.microsoft.com/office/drawing/2014/main" id="{C5FA978E-3487-8D40-A143-36FC9DEACCEA}"/>
-              </a:ext>
-            </a:extLst>
-          </p:cNvPr>
-          <p:cNvGrpSpPr/>
-          <p:nvPr/>
-        </p:nvGrpSpPr>
-        <p:grpSpPr>
-          <a:xfrm>
-            <a:off x="5055641" y="420243"/>
-            <a:ext cx="2442493" cy="1690872"/>
-            <a:chOff x="4555901" y="746230"/>
-            <a:chExt cx="2442493" cy="1690872"/>
-          </a:xfrm>
-        </p:grpSpPr>
-        <p:cxnSp>
-          <p:nvCxnSpPr>
-            <p:cNvPr id="25" name="موصل: على شكل مرفق 51">
-              <a:extLst>
-                <a:ext uri="{FF2B5EF4-FFF2-40B4-BE49-F238E27FC236}">
-                  <a16:creationId xmlns:a16="http://schemas.microsoft.com/office/drawing/2014/main" id="{A224C9AC-EB07-D948-B2E7-2DCF71B6B345}"/>
-                </a:ext>
-              </a:extLst>
-            </p:cNvPr>
-            <p:cNvCxnSpPr>
-              <a:cxnSpLocks/>
-            </p:cNvCxnSpPr>
-            <p:nvPr/>
-          </p:nvCxnSpPr>
-          <p:spPr>
-            <a:xfrm rot="10800000" flipV="1">
-              <a:off x="4798879" y="1144254"/>
-              <a:ext cx="2199515" cy="1292848"/>
-            </a:xfrm>
-            <a:prstGeom prst="bentConnector2">
-              <a:avLst/>
-            </a:prstGeom>
-            <a:ln>
-              <a:solidFill>
-                <a:schemeClr val="tx1">
-                  <a:lumMod val="95000"/>
-                  <a:lumOff val="5000"/>
-                </a:schemeClr>
-              </a:solidFill>
-              <a:tailEnd type="triangle"/>
-            </a:ln>
-          </p:spPr>
-          <p:style>
-            <a:lnRef idx="1">
-              <a:schemeClr val="accent1"/>
-            </a:lnRef>
-            <a:fillRef idx="0">
-              <a:schemeClr val="accent1"/>
-            </a:fillRef>
-            <a:effectRef idx="0">
-              <a:schemeClr val="accent1"/>
-            </a:effectRef>
-            <a:fontRef idx="minor">
-              <a:schemeClr val="tx1"/>
-            </a:fontRef>
-          </p:style>
-        </p:cxnSp>
-        <p:sp>
-          <p:nvSpPr>
-            <p:cNvPr id="26" name="مستطيل 52">
-              <a:extLst>
-                <a:ext uri="{FF2B5EF4-FFF2-40B4-BE49-F238E27FC236}">
-                  <a16:creationId xmlns:a16="http://schemas.microsoft.com/office/drawing/2014/main" id="{9F211488-73A9-3F44-8426-2D3A071E6D14}"/>
-                </a:ext>
-              </a:extLst>
-            </p:cNvPr>
-            <p:cNvSpPr/>
-            <p:nvPr/>
-          </p:nvSpPr>
-          <p:spPr>
-            <a:xfrm>
-              <a:off x="4555901" y="746230"/>
-              <a:ext cx="2080720" cy="400110"/>
-            </a:xfrm>
-            <a:prstGeom prst="rect">
-              <a:avLst/>
-            </a:prstGeom>
-            <a:noFill/>
-          </p:spPr>
-          <p:txBody>
-            <a:bodyPr wrap="square" lIns="91440" tIns="45720" rIns="91440" bIns="45720">
-              <a:spAutoFit/>
-            </a:bodyPr>
-            <a:lstStyle/>
-            <a:p>
-              <a:pPr algn="r" rtl="1"/>
-              <a:r>
-                <a:rPr lang="ar-SA" sz="2000" dirty="0">
-                  <a:ln w="0"/>
-                  <a:effectLst>
-                    <a:outerShdw blurRad="38100" dist="19050" dir="2700000" algn="tl" rotWithShape="0">
-                      <a:schemeClr val="dk1">
-                        <a:alpha val="40000"/>
-                      </a:schemeClr>
-                    </a:outerShdw>
-                  </a:effectLst>
-                  <a:latin typeface="GE SS Text Light" panose="020A0503020102020204" pitchFamily="18" charset="-78"/>
-                  <a:ea typeface="GE SS Text Light" panose="020A0503020102020204" pitchFamily="18" charset="-78"/>
-                  <a:cs typeface="GE SS Text Light" panose="020A0503020102020204" pitchFamily="18" charset="-78"/>
-                </a:rPr>
-                <a:t>الميزة التنافسية</a:t>
-              </a:r>
-              <a:endParaRPr lang="en-US" sz="2000" dirty="0">
-                <a:ln w="0"/>
-                <a:effectLst>
-                  <a:outerShdw blurRad="38100" dist="19050" dir="2700000" algn="tl" rotWithShape="0">
-                    <a:schemeClr val="dk1">
-                      <a:alpha val="40000"/>
-                    </a:schemeClr>
-                  </a:outerShdw>
-                </a:effectLst>
-                <a:latin typeface="GE SS Text Light" panose="020A0503020102020204" pitchFamily="18" charset="-78"/>
-                <a:ea typeface="GE SS Text Light" panose="020A0503020102020204" pitchFamily="18" charset="-78"/>
-                <a:cs typeface="GE SS Text Light" panose="020A0503020102020204" pitchFamily="18" charset="-78"/>
-              </a:endParaRPr>
-            </a:p>
-          </p:txBody>
-        </p:sp>
-      </p:grpSp>
-      <p:grpSp>
-        <p:nvGrpSpPr>
-          <p:cNvPr id="33" name="Group 32">
-            <a:extLst>
-              <a:ext uri="{FF2B5EF4-FFF2-40B4-BE49-F238E27FC236}">
-                <a16:creationId xmlns:a16="http://schemas.microsoft.com/office/drawing/2014/main" id="{850DADAE-3D40-334C-973E-86B6D9B57294}"/>
-              </a:ext>
-            </a:extLst>
-          </p:cNvPr>
-          <p:cNvGrpSpPr/>
-          <p:nvPr/>
-        </p:nvGrpSpPr>
-        <p:grpSpPr>
-          <a:xfrm>
-            <a:off x="5596759" y="5166282"/>
-            <a:ext cx="2136339" cy="1249984"/>
-            <a:chOff x="4072758" y="5166282"/>
-            <a:chExt cx="2136339" cy="1249984"/>
-          </a:xfrm>
-        </p:grpSpPr>
-        <p:cxnSp>
-          <p:nvCxnSpPr>
-            <p:cNvPr id="31" name="موصل: على شكل مرفق 54">
-              <a:extLst>
-                <a:ext uri="{FF2B5EF4-FFF2-40B4-BE49-F238E27FC236}">
-                  <a16:creationId xmlns:a16="http://schemas.microsoft.com/office/drawing/2014/main" id="{76DD8F7A-CDB1-B24E-B142-9C2485694316}"/>
-                </a:ext>
-              </a:extLst>
-            </p:cNvPr>
-            <p:cNvCxnSpPr>
-              <a:cxnSpLocks/>
-            </p:cNvCxnSpPr>
-            <p:nvPr/>
-          </p:nvCxnSpPr>
-          <p:spPr>
-            <a:xfrm flipV="1">
-              <a:off x="4340484" y="5166282"/>
-              <a:ext cx="1868613" cy="811425"/>
-            </a:xfrm>
-            <a:prstGeom prst="bentConnector3">
-              <a:avLst>
-                <a:gd name="adj1" fmla="val 99954"/>
-              </a:avLst>
-            </a:prstGeom>
-            <a:ln>
-              <a:solidFill>
-                <a:schemeClr val="tx1">
-                  <a:lumMod val="95000"/>
-                  <a:lumOff val="5000"/>
-                </a:schemeClr>
-              </a:solidFill>
-              <a:tailEnd type="triangle"/>
-            </a:ln>
-          </p:spPr>
-          <p:style>
-            <a:lnRef idx="1">
-              <a:schemeClr val="accent1"/>
-            </a:lnRef>
-            <a:fillRef idx="0">
-              <a:schemeClr val="accent1"/>
-            </a:fillRef>
-            <a:effectRef idx="0">
-              <a:schemeClr val="accent1"/>
-            </a:effectRef>
-            <a:fontRef idx="minor">
-              <a:schemeClr val="tx1"/>
-            </a:fontRef>
-          </p:style>
-        </p:cxnSp>
-        <p:sp>
-          <p:nvSpPr>
-            <p:cNvPr id="32" name="مستطيل 61">
-              <a:extLst>
-                <a:ext uri="{FF2B5EF4-FFF2-40B4-BE49-F238E27FC236}">
-                  <a16:creationId xmlns:a16="http://schemas.microsoft.com/office/drawing/2014/main" id="{199730AB-AB0E-664C-B13B-1659833A6846}"/>
-                </a:ext>
-              </a:extLst>
-            </p:cNvPr>
-            <p:cNvSpPr/>
-            <p:nvPr/>
-          </p:nvSpPr>
-          <p:spPr>
-            <a:xfrm>
-              <a:off x="4072758" y="6016156"/>
-              <a:ext cx="1976887" cy="400110"/>
-            </a:xfrm>
-            <a:prstGeom prst="rect">
-              <a:avLst/>
-            </a:prstGeom>
-            <a:noFill/>
-          </p:spPr>
-          <p:txBody>
-            <a:bodyPr wrap="square" lIns="91440" tIns="45720" rIns="91440" bIns="45720">
-              <a:spAutoFit/>
-            </a:bodyPr>
-            <a:lstStyle/>
-            <a:p>
-              <a:pPr algn="r" rtl="1"/>
-              <a:r>
-                <a:rPr lang="ar-SA" sz="2000" dirty="0">
-                  <a:ln w="0"/>
-                  <a:effectLst>
-                    <a:outerShdw blurRad="38100" dist="19050" dir="2700000" algn="tl" rotWithShape="0">
-                      <a:schemeClr val="dk1">
-                        <a:alpha val="40000"/>
-                      </a:schemeClr>
-                    </a:outerShdw>
-                  </a:effectLst>
-                  <a:latin typeface="GE SS Text Light" panose="020A0503020102020204" pitchFamily="18" charset="-78"/>
-                  <a:ea typeface="GE SS Text Light" panose="020A0503020102020204" pitchFamily="18" charset="-78"/>
-                  <a:cs typeface="GE SS Text Light" panose="020A0503020102020204" pitchFamily="18" charset="-78"/>
-                </a:rPr>
-                <a:t>مصادر الإيرادات</a:t>
-              </a:r>
-              <a:endParaRPr lang="en-US" sz="2000" dirty="0">
-                <a:ln w="0"/>
-                <a:effectLst>
-                  <a:outerShdw blurRad="38100" dist="19050" dir="2700000" algn="tl" rotWithShape="0">
-                    <a:schemeClr val="dk1">
-                      <a:alpha val="40000"/>
-                    </a:schemeClr>
-                  </a:outerShdw>
-                </a:effectLst>
-                <a:latin typeface="GE SS Text Light" panose="020A0503020102020204" pitchFamily="18" charset="-78"/>
-                <a:ea typeface="GE SS Text Light" panose="020A0503020102020204" pitchFamily="18" charset="-78"/>
-                <a:cs typeface="GE SS Text Light" panose="020A0503020102020204" pitchFamily="18" charset="-78"/>
-              </a:endParaRPr>
-            </a:p>
-          </p:txBody>
-        </p:sp>
-      </p:grpSp>
-      <p:grpSp>
-        <p:nvGrpSpPr>
-          <p:cNvPr id="2" name="Group 1">
-            <a:extLst>
-              <a:ext uri="{FF2B5EF4-FFF2-40B4-BE49-F238E27FC236}">
-                <a16:creationId xmlns:a16="http://schemas.microsoft.com/office/drawing/2014/main" id="{A00AB630-938D-344C-836B-3DFB7D76952C}"/>
-              </a:ext>
-            </a:extLst>
-          </p:cNvPr>
-          <p:cNvGrpSpPr/>
-          <p:nvPr/>
-        </p:nvGrpSpPr>
-        <p:grpSpPr>
-          <a:xfrm>
-            <a:off x="2630104" y="5218334"/>
-            <a:ext cx="1995270" cy="1197933"/>
-            <a:chOff x="1106104" y="5218333"/>
-            <a:chExt cx="1995270" cy="1197933"/>
-          </a:xfrm>
-        </p:grpSpPr>
-        <p:sp>
-          <p:nvSpPr>
-            <p:cNvPr id="30" name="مستطيل 68">
-              <a:extLst>
-                <a:ext uri="{FF2B5EF4-FFF2-40B4-BE49-F238E27FC236}">
-                  <a16:creationId xmlns:a16="http://schemas.microsoft.com/office/drawing/2014/main" id="{49E49420-6EDC-BC41-9663-7EB3BB2D82B6}"/>
-                </a:ext>
-              </a:extLst>
-            </p:cNvPr>
-            <p:cNvSpPr/>
-            <p:nvPr/>
-          </p:nvSpPr>
-          <p:spPr>
-            <a:xfrm>
-              <a:off x="1106104" y="6016156"/>
-              <a:ext cx="1793731" cy="400110"/>
-            </a:xfrm>
-            <a:prstGeom prst="rect">
-              <a:avLst/>
-            </a:prstGeom>
-            <a:noFill/>
-          </p:spPr>
-          <p:txBody>
-            <a:bodyPr wrap="square" lIns="91440" tIns="45720" rIns="91440" bIns="45720">
-              <a:spAutoFit/>
-            </a:bodyPr>
-            <a:lstStyle/>
-            <a:p>
-              <a:pPr algn="r" rtl="1"/>
-              <a:r>
-                <a:rPr lang="ar-SA" sz="2000" dirty="0">
-                  <a:ln w="0"/>
-                  <a:effectLst>
-                    <a:outerShdw blurRad="38100" dist="19050" dir="2700000" algn="tl" rotWithShape="0">
-                      <a:schemeClr val="dk1">
-                        <a:alpha val="40000"/>
-                      </a:schemeClr>
-                    </a:outerShdw>
-                  </a:effectLst>
-                  <a:latin typeface="GE SS Text Light" panose="020A0503020102020204" pitchFamily="18" charset="-78"/>
-                  <a:ea typeface="GE SS Text Light" panose="020A0503020102020204" pitchFamily="18" charset="-78"/>
-                  <a:cs typeface="GE SS Text Light" panose="020A0503020102020204" pitchFamily="18" charset="-78"/>
-                </a:rPr>
-                <a:t>هيكل التكاليف</a:t>
-              </a:r>
-              <a:endParaRPr lang="en-US" sz="2000" dirty="0">
-                <a:ln w="0"/>
-                <a:effectLst>
-                  <a:outerShdw blurRad="38100" dist="19050" dir="2700000" algn="tl" rotWithShape="0">
-                    <a:schemeClr val="dk1">
-                      <a:alpha val="40000"/>
-                    </a:schemeClr>
-                  </a:outerShdw>
-                </a:effectLst>
-                <a:latin typeface="GE SS Text Light" panose="020A0503020102020204" pitchFamily="18" charset="-78"/>
-                <a:ea typeface="GE SS Text Light" panose="020A0503020102020204" pitchFamily="18" charset="-78"/>
-                <a:cs typeface="GE SS Text Light" panose="020A0503020102020204" pitchFamily="18" charset="-78"/>
-              </a:endParaRPr>
-            </a:p>
-          </p:txBody>
-        </p:sp>
-        <p:grpSp>
-          <p:nvGrpSpPr>
-            <p:cNvPr id="42" name="Group 41">
-              <a:extLst>
-                <a:ext uri="{FF2B5EF4-FFF2-40B4-BE49-F238E27FC236}">
-                  <a16:creationId xmlns:a16="http://schemas.microsoft.com/office/drawing/2014/main" id="{4582FAB4-EE64-EE4D-96B2-5467675118D7}"/>
-                </a:ext>
-              </a:extLst>
-            </p:cNvPr>
-            <p:cNvGrpSpPr/>
-            <p:nvPr/>
-          </p:nvGrpSpPr>
-          <p:grpSpPr>
-            <a:xfrm>
-              <a:off x="1232761" y="5218333"/>
-              <a:ext cx="1868613" cy="759374"/>
-              <a:chOff x="1232761" y="5218333"/>
-              <a:chExt cx="1868613" cy="759374"/>
-            </a:xfrm>
-          </p:grpSpPr>
-          <p:cxnSp>
-            <p:nvCxnSpPr>
-              <p:cNvPr id="39" name="Straight Arrow Connector 38">
-                <a:extLst>
-                  <a:ext uri="{FF2B5EF4-FFF2-40B4-BE49-F238E27FC236}">
-                    <a16:creationId xmlns:a16="http://schemas.microsoft.com/office/drawing/2014/main" id="{1E28B8AB-3FD9-D342-8800-E41B2E868896}"/>
-                  </a:ext>
-                </a:extLst>
-              </p:cNvPr>
-              <p:cNvCxnSpPr/>
-              <p:nvPr/>
-            </p:nvCxnSpPr>
-            <p:spPr>
-              <a:xfrm flipV="1">
-                <a:off x="1235936" y="5218333"/>
-                <a:ext cx="0" cy="759374"/>
-              </a:xfrm>
-              <a:prstGeom prst="straightConnector1">
-                <a:avLst/>
-              </a:prstGeom>
-              <a:ln>
-                <a:tailEnd type="triangle"/>
-              </a:ln>
-            </p:spPr>
-            <p:style>
-              <a:lnRef idx="1">
-                <a:schemeClr val="dk1"/>
-              </a:lnRef>
-              <a:fillRef idx="0">
-                <a:schemeClr val="dk1"/>
-              </a:fillRef>
-              <a:effectRef idx="0">
-                <a:schemeClr val="dk1"/>
-              </a:effectRef>
-              <a:fontRef idx="minor">
-                <a:schemeClr val="tx1"/>
-              </a:fontRef>
-            </p:style>
-          </p:cxnSp>
-          <p:cxnSp>
-            <p:nvCxnSpPr>
-              <p:cNvPr id="41" name="Straight Connector 40">
-                <a:extLst>
-                  <a:ext uri="{FF2B5EF4-FFF2-40B4-BE49-F238E27FC236}">
-                    <a16:creationId xmlns:a16="http://schemas.microsoft.com/office/drawing/2014/main" id="{881563C9-A83D-6F44-B0A2-573DF40B739B}"/>
-                  </a:ext>
-                </a:extLst>
-              </p:cNvPr>
-              <p:cNvCxnSpPr/>
-              <p:nvPr/>
-            </p:nvCxnSpPr>
-            <p:spPr>
-              <a:xfrm>
-                <a:off x="1232761" y="5974532"/>
-                <a:ext cx="1868613" cy="0"/>
-              </a:xfrm>
-              <a:prstGeom prst="line">
-                <a:avLst/>
-              </a:prstGeom>
-            </p:spPr>
-            <p:style>
-              <a:lnRef idx="1">
-                <a:schemeClr val="dk1"/>
-              </a:lnRef>
-              <a:fillRef idx="0">
-                <a:schemeClr val="dk1"/>
-              </a:fillRef>
-              <a:effectRef idx="0">
-                <a:schemeClr val="dk1"/>
-              </a:effectRef>
-              <a:fontRef idx="minor">
-                <a:schemeClr val="tx1"/>
-              </a:fontRef>
-            </p:style>
-          </p:cxnSp>
-        </p:grpSp>
-      </p:grpSp>
-      <p:sp>
-        <p:nvSpPr>
-          <p:cNvPr id="3" name="Rectangle 2">
-            <a:extLst>
-              <a:ext uri="{FF2B5EF4-FFF2-40B4-BE49-F238E27FC236}">
-                <a16:creationId xmlns:a16="http://schemas.microsoft.com/office/drawing/2014/main" id="{045F62C6-CA1A-1F4F-9E5B-183A2A453919}"/>
-              </a:ext>
-            </a:extLst>
-          </p:cNvPr>
-          <p:cNvSpPr/>
-          <p:nvPr/>
-        </p:nvSpPr>
-        <p:spPr>
-          <a:xfrm>
-            <a:off x="5000552" y="841446"/>
-            <a:ext cx="3970728" cy="873452"/>
-          </a:xfrm>
-          <a:prstGeom prst="rect">
-            <a:avLst/>
-          </a:prstGeom>
-          <a:noFill/>
-          <a:ln>
-            <a:noFill/>
-          </a:ln>
-        </p:spPr>
-        <p:style>
-          <a:lnRef idx="2">
-            <a:schemeClr val="accent1">
-              <a:shade val="50000"/>
-            </a:schemeClr>
-          </a:lnRef>
-          <a:fillRef idx="1">
-            <a:schemeClr val="accent1"/>
-          </a:fillRef>
-          <a:effectRef idx="0">
-            <a:schemeClr val="accent1"/>
-          </a:effectRef>
-          <a:fontRef idx="minor">
-            <a:schemeClr val="lt1"/>
-          </a:fontRef>
-        </p:style>
-        <p:txBody>
-          <a:bodyPr rtlCol="0" anchor="ctr"/>
-          <a:lstStyle/>
-          <a:p>
-            <a:pPr marL="285750" indent="-285750" algn="r" rtl="1">
-              <a:buFontTx/>
-              <a:buChar char="-"/>
-            </a:pPr>
-            <a:r>
-              <a:rPr lang="ar-SA" dirty="0">
-                <a:solidFill>
-                  <a:srgbClr val="218A3C"/>
-                </a:solidFill>
-                <a:latin typeface="GE SS Text Light" panose="020A0503020102020204" pitchFamily="18" charset="-78"/>
-                <a:ea typeface="GE SS Text Light" panose="020A0503020102020204" pitchFamily="18" charset="-78"/>
-                <a:cs typeface="GE SS Text Light" panose="020A0503020102020204" pitchFamily="18" charset="-78"/>
-              </a:rPr>
-              <a:t>متعدد اللغات </a:t>
-            </a:r>
-          </a:p>
-          <a:p>
-            <a:pPr marL="285750" indent="-285750" algn="r" rtl="1">
-              <a:buFontTx/>
-              <a:buChar char="-"/>
-            </a:pPr>
-            <a:r>
-              <a:rPr lang="ar-SA" dirty="0">
-                <a:solidFill>
-                  <a:srgbClr val="218A3C"/>
-                </a:solidFill>
-                <a:latin typeface="GE SS Text Light" panose="020A0503020102020204" pitchFamily="18" charset="-78"/>
-                <a:ea typeface="GE SS Text Light" panose="020A0503020102020204" pitchFamily="18" charset="-78"/>
-                <a:cs typeface="GE SS Text Light" panose="020A0503020102020204" pitchFamily="18" charset="-78"/>
-              </a:rPr>
-              <a:t>ضبط واتقان الحفظ بالآيات المتشابهة</a:t>
-            </a:r>
-          </a:p>
-          <a:p>
-            <a:pPr marL="285750" indent="-285750" algn="r" rtl="1">
-              <a:buFontTx/>
-              <a:buChar char="-"/>
-            </a:pPr>
-            <a:r>
-              <a:rPr lang="ar-SA" dirty="0">
-                <a:solidFill>
-                  <a:srgbClr val="218A3C"/>
-                </a:solidFill>
-                <a:latin typeface="GE SS Text Light" panose="020A0503020102020204" pitchFamily="18" charset="-78"/>
-                <a:ea typeface="GE SS Text Light" panose="020A0503020102020204" pitchFamily="18" charset="-78"/>
-                <a:cs typeface="GE SS Text Light" panose="020A0503020102020204" pitchFamily="18" charset="-78"/>
-              </a:rPr>
-              <a:t>مكافئة عند إضافة متشابهات</a:t>
-            </a:r>
-          </a:p>
-        </p:txBody>
-      </p:sp>
-      <p:sp>
-        <p:nvSpPr>
-          <p:cNvPr id="27" name="Rectangle 26">
-            <a:extLst>
-              <a:ext uri="{FF2B5EF4-FFF2-40B4-BE49-F238E27FC236}">
-                <a16:creationId xmlns:a16="http://schemas.microsoft.com/office/drawing/2014/main" id="{763D563E-1BF6-BC48-A35B-D80283896E33}"/>
-              </a:ext>
-            </a:extLst>
-          </p:cNvPr>
-          <p:cNvSpPr/>
-          <p:nvPr/>
-        </p:nvSpPr>
-        <p:spPr>
-          <a:xfrm>
-            <a:off x="8161078" y="2829287"/>
-            <a:ext cx="1952991" cy="1454187"/>
-          </a:xfrm>
-          <a:prstGeom prst="rect">
-            <a:avLst/>
-          </a:prstGeom>
-          <a:noFill/>
-          <a:ln>
-            <a:noFill/>
-          </a:ln>
-        </p:spPr>
-        <p:style>
-          <a:lnRef idx="2">
-            <a:schemeClr val="accent1">
-              <a:shade val="50000"/>
-            </a:schemeClr>
-          </a:lnRef>
-          <a:fillRef idx="1">
-            <a:schemeClr val="accent1"/>
-          </a:fillRef>
-          <a:effectRef idx="0">
-            <a:schemeClr val="accent1"/>
-          </a:effectRef>
-          <a:fontRef idx="minor">
-            <a:schemeClr val="lt1"/>
-          </a:fontRef>
-        </p:style>
-        <p:txBody>
-          <a:bodyPr rtlCol="0" anchor="ctr"/>
-          <a:lstStyle/>
-          <a:p>
-            <a:pPr algn="ctr" rtl="1"/>
-            <a:r>
-              <a:rPr lang="ar-SA" dirty="0">
-                <a:solidFill>
-                  <a:srgbClr val="218A3C"/>
-                </a:solidFill>
-                <a:latin typeface="GE SS Text Light" panose="020A0503020102020204" pitchFamily="18" charset="-78"/>
-                <a:ea typeface="GE SS Text Light" panose="020A0503020102020204" pitchFamily="18" charset="-78"/>
-                <a:cs typeface="GE SS Text Light" panose="020A0503020102020204" pitchFamily="18" charset="-78"/>
-              </a:rPr>
-              <a:t>- حافظي القرآن الكريم </a:t>
-            </a:r>
-          </a:p>
-        </p:txBody>
-      </p:sp>
-      <p:sp>
-        <p:nvSpPr>
-          <p:cNvPr id="29" name="Rectangle 28">
-            <a:extLst>
-              <a:ext uri="{FF2B5EF4-FFF2-40B4-BE49-F238E27FC236}">
-                <a16:creationId xmlns:a16="http://schemas.microsoft.com/office/drawing/2014/main" id="{EF420E1C-F60E-434D-B0D8-77AE443A5FFD}"/>
-              </a:ext>
-            </a:extLst>
-          </p:cNvPr>
-          <p:cNvSpPr/>
-          <p:nvPr/>
-        </p:nvSpPr>
-        <p:spPr>
-          <a:xfrm>
-            <a:off x="5839084" y="5140534"/>
-            <a:ext cx="1868613" cy="811425"/>
-          </a:xfrm>
-          <a:prstGeom prst="rect">
-            <a:avLst/>
-          </a:prstGeom>
-          <a:noFill/>
-          <a:ln>
-            <a:noFill/>
-          </a:ln>
-        </p:spPr>
-        <p:style>
-          <a:lnRef idx="2">
-            <a:schemeClr val="accent1">
-              <a:shade val="50000"/>
-            </a:schemeClr>
-          </a:lnRef>
-          <a:fillRef idx="1">
-            <a:schemeClr val="accent1"/>
-          </a:fillRef>
-          <a:effectRef idx="0">
-            <a:schemeClr val="accent1"/>
-          </a:effectRef>
-          <a:fontRef idx="minor">
-            <a:schemeClr val="lt1"/>
-          </a:fontRef>
-        </p:style>
-        <p:txBody>
-          <a:bodyPr rtlCol="0" anchor="ctr"/>
-          <a:lstStyle/>
-          <a:p>
-            <a:pPr algn="ctr" rtl="1"/>
-            <a:r>
-              <a:rPr lang="ar-SA" dirty="0">
-                <a:solidFill>
-                  <a:srgbClr val="218A3C"/>
-                </a:solidFill>
-              </a:rPr>
-              <a:t>- </a:t>
-            </a:r>
-            <a:r>
-              <a:rPr lang="ar-SA" dirty="0">
-                <a:solidFill>
-                  <a:srgbClr val="218A3C"/>
-                </a:solidFill>
-                <a:latin typeface="GE SS Text Light" panose="020A0503020102020204" pitchFamily="18" charset="-78"/>
-                <a:ea typeface="GE SS Text Light" panose="020A0503020102020204" pitchFamily="18" charset="-78"/>
-                <a:cs typeface="GE SS Text Light" panose="020A0503020102020204" pitchFamily="18" charset="-78"/>
-              </a:rPr>
-              <a:t>الاشتراكات</a:t>
-            </a:r>
-            <a:r>
-              <a:rPr lang="ar-SA" dirty="0">
-                <a:solidFill>
-                  <a:srgbClr val="218A3C"/>
-                </a:solidFill>
-              </a:rPr>
-              <a:t> </a:t>
-            </a:r>
-          </a:p>
-        </p:txBody>
-      </p:sp>
-      <p:sp>
-        <p:nvSpPr>
-          <p:cNvPr id="34" name="Rectangle 33">
-            <a:extLst>
-              <a:ext uri="{FF2B5EF4-FFF2-40B4-BE49-F238E27FC236}">
-                <a16:creationId xmlns:a16="http://schemas.microsoft.com/office/drawing/2014/main" id="{2753DA91-B778-E342-B5A9-8D5E073B1564}"/>
-              </a:ext>
-            </a:extLst>
-          </p:cNvPr>
-          <p:cNvSpPr/>
-          <p:nvPr/>
-        </p:nvSpPr>
-        <p:spPr>
-          <a:xfrm>
-            <a:off x="2781946" y="5134185"/>
-            <a:ext cx="1868613" cy="811425"/>
-          </a:xfrm>
-          <a:prstGeom prst="rect">
-            <a:avLst/>
-          </a:prstGeom>
-          <a:noFill/>
-          <a:ln>
-            <a:noFill/>
-          </a:ln>
-        </p:spPr>
-        <p:style>
-          <a:lnRef idx="2">
-            <a:schemeClr val="accent1">
-              <a:shade val="50000"/>
-            </a:schemeClr>
-          </a:lnRef>
-          <a:fillRef idx="1">
-            <a:schemeClr val="accent1"/>
-          </a:fillRef>
-          <a:effectRef idx="0">
-            <a:schemeClr val="accent1"/>
-          </a:effectRef>
-          <a:fontRef idx="minor">
-            <a:schemeClr val="lt1"/>
-          </a:fontRef>
-        </p:style>
-        <p:txBody>
-          <a:bodyPr rtlCol="0" anchor="ctr"/>
-          <a:lstStyle/>
-          <a:p>
-            <a:pPr marL="285750" indent="-285750" algn="r" rtl="1">
-              <a:buFontTx/>
-              <a:buChar char="-"/>
-            </a:pPr>
-            <a:r>
-              <a:rPr lang="ar-SA" sz="1600" dirty="0">
-                <a:solidFill>
-                  <a:srgbClr val="218A3C"/>
-                </a:solidFill>
-                <a:latin typeface="GE SS Text Light" panose="020A0503020102020204" pitchFamily="18" charset="-78"/>
-                <a:ea typeface="GE SS Text Light" panose="020A0503020102020204" pitchFamily="18" charset="-78"/>
-                <a:cs typeface="GE SS Text Light" panose="020A0503020102020204" pitchFamily="18" charset="-78"/>
-              </a:rPr>
-              <a:t>التسويق </a:t>
-            </a:r>
-          </a:p>
-          <a:p>
-            <a:pPr marL="285750" indent="-285750" algn="r" rtl="1">
-              <a:buFontTx/>
-              <a:buChar char="-"/>
-            </a:pPr>
-            <a:r>
-              <a:rPr lang="ar-SA" sz="1600" dirty="0">
-                <a:solidFill>
-                  <a:srgbClr val="218A3C"/>
-                </a:solidFill>
-                <a:latin typeface="GE SS Text Light" panose="020A0503020102020204" pitchFamily="18" charset="-78"/>
-                <a:ea typeface="GE SS Text Light" panose="020A0503020102020204" pitchFamily="18" charset="-78"/>
-                <a:cs typeface="GE SS Text Light" panose="020A0503020102020204" pitchFamily="18" charset="-78"/>
-              </a:rPr>
-              <a:t>الرواتب </a:t>
-            </a:r>
-          </a:p>
-          <a:p>
-            <a:pPr marL="285750" indent="-285750" algn="r" rtl="1">
-              <a:buFontTx/>
-              <a:buChar char="-"/>
-            </a:pPr>
-            <a:r>
-              <a:rPr lang="ar-SA" sz="1600" dirty="0">
-                <a:solidFill>
-                  <a:srgbClr val="218A3C"/>
-                </a:solidFill>
-                <a:latin typeface="GE SS Text Light" panose="020A0503020102020204" pitchFamily="18" charset="-78"/>
-                <a:ea typeface="GE SS Text Light" panose="020A0503020102020204" pitchFamily="18" charset="-78"/>
-                <a:cs typeface="GE SS Text Light" panose="020A0503020102020204" pitchFamily="18" charset="-78"/>
-              </a:rPr>
-              <a:t>تطوير البرنامج </a:t>
-            </a:r>
-          </a:p>
-        </p:txBody>
-      </p:sp>
-      <p:pic>
-        <p:nvPicPr>
-          <p:cNvPr id="44" name="Picture 43" descr="Shape&#10;&#10;Description automatically generated">
-            <a:hlinkClick r:id="rId3"/>
-            <a:extLst>
-              <a:ext uri="{FF2B5EF4-FFF2-40B4-BE49-F238E27FC236}">
-                <a16:creationId xmlns:a16="http://schemas.microsoft.com/office/drawing/2014/main" id="{08E29EAA-3E92-44AD-A799-D63E36FF4E79}"/>
-              </a:ext>
-            </a:extLst>
-          </p:cNvPr>
-          <p:cNvPicPr>
-            <a:picLocks noChangeAspect="1"/>
-          </p:cNvPicPr>
-          <p:nvPr/>
-        </p:nvPicPr>
-        <p:blipFill>
-          <a:blip r:embed="rId4"/>
-          <a:stretch>
-            <a:fillRect/>
-          </a:stretch>
-        </p:blipFill>
-        <p:spPr>
-          <a:xfrm>
-            <a:off x="11053116" y="5718127"/>
-            <a:ext cx="711200" cy="711200"/>
-          </a:xfrm>
-          <a:prstGeom prst="rect">
-            <a:avLst/>
-          </a:prstGeom>
-        </p:spPr>
-      </p:pic>
-      <p:pic>
-        <p:nvPicPr>
-          <p:cNvPr id="45" name="Picture 44" descr="Logo, company name&#10;&#10;Description automatically generated">
-            <a:extLst>
-              <a:ext uri="{FF2B5EF4-FFF2-40B4-BE49-F238E27FC236}">
-                <a16:creationId xmlns:a16="http://schemas.microsoft.com/office/drawing/2014/main" id="{82CF0C23-44D0-43FF-A356-203F86E8E3D2}"/>
-              </a:ext>
-            </a:extLst>
-          </p:cNvPr>
-          <p:cNvPicPr>
-            <a:picLocks noChangeAspect="1"/>
-          </p:cNvPicPr>
-          <p:nvPr/>
-        </p:nvPicPr>
-        <p:blipFill>
-          <a:blip r:embed="rId5"/>
-          <a:stretch>
-            <a:fillRect/>
-          </a:stretch>
-        </p:blipFill>
-        <p:spPr>
-          <a:xfrm>
-            <a:off x="10959858" y="2100631"/>
-            <a:ext cx="897716" cy="897716"/>
-          </a:xfrm>
-          <a:prstGeom prst="rect">
-            <a:avLst/>
-          </a:prstGeom>
-        </p:spPr>
-      </p:pic>
-      <p:pic>
-        <p:nvPicPr>
-          <p:cNvPr id="46" name="Picture 45" descr="Logo&#10;&#10;Description automatically generated">
-            <a:extLst>
-              <a:ext uri="{FF2B5EF4-FFF2-40B4-BE49-F238E27FC236}">
-                <a16:creationId xmlns:a16="http://schemas.microsoft.com/office/drawing/2014/main" id="{F0217301-8D6D-407B-A8B9-8E592224C5A7}"/>
-              </a:ext>
-            </a:extLst>
-          </p:cNvPr>
-          <p:cNvPicPr>
-            <a:picLocks noChangeAspect="1"/>
-          </p:cNvPicPr>
-          <p:nvPr/>
-        </p:nvPicPr>
-        <p:blipFill>
-          <a:blip r:embed="rId6"/>
-          <a:stretch>
-            <a:fillRect/>
-          </a:stretch>
-        </p:blipFill>
-        <p:spPr>
-          <a:xfrm>
-            <a:off x="11055958" y="385312"/>
-            <a:ext cx="705516" cy="897716"/>
-          </a:xfrm>
-          <a:prstGeom prst="rect">
-            <a:avLst/>
-          </a:prstGeom>
-        </p:spPr>
-      </p:pic>
-      <p:pic>
-        <p:nvPicPr>
-          <p:cNvPr id="47" name="Picture 46" descr="Logo&#10;&#10;Description automatically generated">
-            <a:extLst>
-              <a:ext uri="{FF2B5EF4-FFF2-40B4-BE49-F238E27FC236}">
-                <a16:creationId xmlns:a16="http://schemas.microsoft.com/office/drawing/2014/main" id="{427E3A1C-3E22-4CEA-8A7D-3AA6C1703DAD}"/>
-              </a:ext>
-            </a:extLst>
-          </p:cNvPr>
-          <p:cNvPicPr>
-            <a:picLocks noChangeAspect="1"/>
-          </p:cNvPicPr>
-          <p:nvPr/>
-        </p:nvPicPr>
-        <p:blipFill rotWithShape="1">
-          <a:blip r:embed="rId7"/>
-          <a:srcRect l="9468" t="10171" r="10072" b="16940"/>
-          <a:stretch/>
-        </p:blipFill>
-        <p:spPr>
-          <a:xfrm>
-            <a:off x="10810102" y="3815950"/>
-            <a:ext cx="1197228" cy="1084574"/>
-          </a:xfrm>
-          <a:prstGeom prst="rect">
-            <a:avLst/>
-          </a:prstGeom>
-        </p:spPr>
-      </p:pic>
-    </p:spTree>
-    <p:extLst>
-      <p:ext uri="{BB962C8B-B14F-4D97-AF65-F5344CB8AC3E}">
-        <p14:creationId xmlns:p14="http://schemas.microsoft.com/office/powerpoint/2010/main" val="80219256"/>
-      </p:ext>
-    </p:extLst>
-  </p:cSld>
-  <p:clrMapOvr>
-    <a:masterClrMapping/>
-  </p:clrMapOvr>
-</p:sld>
-</file>
-
 <file path=ppt/theme/theme1.xml><?xml version="1.0" encoding="utf-8"?>
 <a:theme xmlns:a="http://schemas.openxmlformats.org/drawingml/2006/main" name="Office Theme">
   <a:themeElements>

--- a/Quran_Similarities.pptx
+++ b/Quran_Similarities.pptx
@@ -18461,7 +18461,7 @@
               </a:lnSpc>
             </a:pPr>
             <a:r>
-              <a:rPr lang="en-US" sz="2000" dirty="0">
+              <a:rPr lang="en-US" sz="2400" dirty="0">
                 <a:solidFill>
                   <a:srgbClr val="218A3C"/>
                 </a:solidFill>
@@ -18478,7 +18478,7 @@
                 <a:spcPct val="150000"/>
               </a:lnSpc>
             </a:pPr>
-            <a:endParaRPr lang="en-US" sz="2000" dirty="0">
+            <a:endParaRPr lang="en-US" sz="2400" dirty="0">
               <a:solidFill>
                 <a:srgbClr val="218A3C"/>
               </a:solidFill>
@@ -18494,7 +18494,7 @@
               </a:lnSpc>
             </a:pPr>
             <a:r>
-              <a:rPr lang="en-US" sz="2000" dirty="0">
+              <a:rPr lang="en-US" sz="2400" dirty="0">
                 <a:solidFill>
                   <a:srgbClr val="218A3C"/>
                 </a:solidFill>
@@ -18512,7 +18512,7 @@
               </a:lnSpc>
             </a:pPr>
             <a:r>
-              <a:rPr lang="en-US" sz="2000" dirty="0">
+              <a:rPr lang="en-US" sz="2400" dirty="0">
                 <a:solidFill>
                   <a:srgbClr val="218A3C"/>
                 </a:solidFill>
@@ -18530,7 +18530,7 @@
               </a:lnSpc>
             </a:pPr>
             <a:r>
-              <a:rPr lang="en-US" sz="2000" dirty="0">
+              <a:rPr lang="en-US" sz="2400" dirty="0">
                 <a:solidFill>
                   <a:srgbClr val="218A3C"/>
                 </a:solidFill>
@@ -18548,7 +18548,7 @@
               </a:lnSpc>
             </a:pPr>
             <a:r>
-              <a:rPr lang="en-US" sz="2000" dirty="0">
+              <a:rPr lang="en-US" sz="2400" dirty="0">
                 <a:solidFill>
                   <a:srgbClr val="218A3C"/>
                 </a:solidFill>
@@ -18566,7 +18566,7 @@
               </a:lnSpc>
             </a:pPr>
             <a:r>
-              <a:rPr lang="en-US" sz="2000" dirty="0">
+              <a:rPr lang="en-US" sz="2400" dirty="0">
                 <a:solidFill>
                   <a:srgbClr val="218A3C"/>
                 </a:solidFill>
@@ -18576,7 +18576,7 @@
               </a:rPr>
               <a:t>- Flag passed Similarity </a:t>
             </a:r>
-            <a:endParaRPr lang="ar-SA" sz="2000" dirty="0">
+            <a:endParaRPr lang="ar-SA" sz="2400" dirty="0">
               <a:solidFill>
                 <a:srgbClr val="218A3C"/>
               </a:solidFill>

--- a/Quran_Similarities.pptx
+++ b/Quran_Similarities.pptx
@@ -208,7 +208,7 @@
           <a:p>
             <a:fld id="{2DF635B7-640B-E142-A6F7-792DB632594E}" type="datetimeFigureOut">
               <a:rPr lang="ar-SA" smtClean="0"/>
-              <a:t>18/10/1442</a:t>
+              <a:t>19/10/1442</a:t>
             </a:fld>
             <a:endParaRPr lang="ar-SA"/>
           </a:p>
@@ -1735,7 +1735,7 @@
           <a:p>
             <a:fld id="{A4B6F47A-8A81-BC4E-92B7-71DAC1AA9124}" type="datetimeFigureOut">
               <a:rPr lang="ar-SA" smtClean="0"/>
-              <a:t>18/10/1442</a:t>
+              <a:t>19/10/1442</a:t>
             </a:fld>
             <a:endParaRPr lang="ar-SA"/>
           </a:p>
@@ -1905,7 +1905,7 @@
           <a:p>
             <a:fld id="{A4B6F47A-8A81-BC4E-92B7-71DAC1AA9124}" type="datetimeFigureOut">
               <a:rPr lang="ar-SA" smtClean="0"/>
-              <a:t>18/10/1442</a:t>
+              <a:t>19/10/1442</a:t>
             </a:fld>
             <a:endParaRPr lang="ar-SA"/>
           </a:p>
@@ -2085,7 +2085,7 @@
           <a:p>
             <a:fld id="{A4B6F47A-8A81-BC4E-92B7-71DAC1AA9124}" type="datetimeFigureOut">
               <a:rPr lang="ar-SA" smtClean="0"/>
-              <a:t>18/10/1442</a:t>
+              <a:t>19/10/1442</a:t>
             </a:fld>
             <a:endParaRPr lang="ar-SA"/>
           </a:p>
@@ -2255,7 +2255,7 @@
           <a:p>
             <a:fld id="{A4B6F47A-8A81-BC4E-92B7-71DAC1AA9124}" type="datetimeFigureOut">
               <a:rPr lang="ar-SA" smtClean="0"/>
-              <a:t>18/10/1442</a:t>
+              <a:t>19/10/1442</a:t>
             </a:fld>
             <a:endParaRPr lang="ar-SA"/>
           </a:p>
@@ -2501,7 +2501,7 @@
           <a:p>
             <a:fld id="{A4B6F47A-8A81-BC4E-92B7-71DAC1AA9124}" type="datetimeFigureOut">
               <a:rPr lang="ar-SA" smtClean="0"/>
-              <a:t>18/10/1442</a:t>
+              <a:t>19/10/1442</a:t>
             </a:fld>
             <a:endParaRPr lang="ar-SA"/>
           </a:p>
@@ -2733,7 +2733,7 @@
           <a:p>
             <a:fld id="{A4B6F47A-8A81-BC4E-92B7-71DAC1AA9124}" type="datetimeFigureOut">
               <a:rPr lang="ar-SA" smtClean="0"/>
-              <a:t>18/10/1442</a:t>
+              <a:t>19/10/1442</a:t>
             </a:fld>
             <a:endParaRPr lang="ar-SA"/>
           </a:p>
@@ -3100,7 +3100,7 @@
           <a:p>
             <a:fld id="{A4B6F47A-8A81-BC4E-92B7-71DAC1AA9124}" type="datetimeFigureOut">
               <a:rPr lang="ar-SA" smtClean="0"/>
-              <a:t>18/10/1442</a:t>
+              <a:t>19/10/1442</a:t>
             </a:fld>
             <a:endParaRPr lang="ar-SA"/>
           </a:p>
@@ -3218,7 +3218,7 @@
           <a:p>
             <a:fld id="{A4B6F47A-8A81-BC4E-92B7-71DAC1AA9124}" type="datetimeFigureOut">
               <a:rPr lang="ar-SA" smtClean="0"/>
-              <a:t>18/10/1442</a:t>
+              <a:t>19/10/1442</a:t>
             </a:fld>
             <a:endParaRPr lang="ar-SA"/>
           </a:p>
@@ -3313,7 +3313,7 @@
           <a:p>
             <a:fld id="{A4B6F47A-8A81-BC4E-92B7-71DAC1AA9124}" type="datetimeFigureOut">
               <a:rPr lang="ar-SA" smtClean="0"/>
-              <a:t>18/10/1442</a:t>
+              <a:t>19/10/1442</a:t>
             </a:fld>
             <a:endParaRPr lang="ar-SA"/>
           </a:p>
@@ -3590,7 +3590,7 @@
           <a:p>
             <a:fld id="{A4B6F47A-8A81-BC4E-92B7-71DAC1AA9124}" type="datetimeFigureOut">
               <a:rPr lang="ar-SA" smtClean="0"/>
-              <a:t>18/10/1442</a:t>
+              <a:t>19/10/1442</a:t>
             </a:fld>
             <a:endParaRPr lang="ar-SA"/>
           </a:p>
@@ -3847,7 +3847,7 @@
           <a:p>
             <a:fld id="{A4B6F47A-8A81-BC4E-92B7-71DAC1AA9124}" type="datetimeFigureOut">
               <a:rPr lang="ar-SA" smtClean="0"/>
-              <a:t>18/10/1442</a:t>
+              <a:t>19/10/1442</a:t>
             </a:fld>
             <a:endParaRPr lang="ar-SA"/>
           </a:p>
@@ -4060,7 +4060,7 @@
           <a:p>
             <a:fld id="{A4B6F47A-8A81-BC4E-92B7-71DAC1AA9124}" type="datetimeFigureOut">
               <a:rPr lang="ar-SA" smtClean="0"/>
-              <a:t>18/10/1442</a:t>
+              <a:t>19/10/1442</a:t>
             </a:fld>
             <a:endParaRPr lang="ar-SA"/>
           </a:p>
@@ -11412,7 +11412,7 @@
           <a:p>
             <a:pPr marL="0" algn="ctr" defTabSz="457200" rtl="1" eaLnBrk="1" latinLnBrk="0" hangingPunct="1"/>
             <a:r>
-              <a:rPr lang="en-US" sz="3600" dirty="0">
+              <a:rPr lang="en-US" sz="4800" dirty="0">
                 <a:solidFill>
                   <a:srgbClr val="218A3C"/>
                 </a:solidFill>
@@ -11422,7 +11422,7 @@
               </a:rPr>
               <a:t>Similar Quran verses system</a:t>
             </a:r>
-            <a:endParaRPr lang="ar-SA" sz="3600" dirty="0">
+            <a:endParaRPr lang="ar-SA" sz="4800" dirty="0">
               <a:solidFill>
                 <a:srgbClr val="218A3C"/>
               </a:solidFill>
@@ -15694,8 +15694,8 @@
         </p:nvSpPr>
         <p:spPr>
           <a:xfrm>
-            <a:off x="833304" y="2100631"/>
-            <a:ext cx="9969274" cy="3048125"/>
+            <a:off x="1086684" y="1709244"/>
+            <a:ext cx="9969274" cy="1631830"/>
           </a:xfrm>
           <a:prstGeom prst="rect">
             <a:avLst/>
@@ -15734,7 +15734,9 @@
                   </a:schemeClr>
                 </a:solidFill>
                 <a:effectLst/>
-                <a:latin typeface="Circular"/>
+                <a:latin typeface="GE SS Text Light" panose="020A0503020102020204" pitchFamily="18" charset="-78"/>
+                <a:ea typeface="GE SS Text Light" panose="020A0503020102020204" pitchFamily="18" charset="-78"/>
+                <a:cs typeface="GE SS Text Light" panose="020A0503020102020204" pitchFamily="18" charset="-78"/>
               </a:rPr>
               <a:t>ما الذي الهمك لعمل المشروع متشابه القرآن</a:t>
             </a:r>
@@ -15746,7 +15748,9 @@
                   </a:schemeClr>
                 </a:solidFill>
                 <a:effectLst/>
-                <a:latin typeface="Circular"/>
+                <a:latin typeface="GE SS Text Light" panose="020A0503020102020204" pitchFamily="18" charset="-78"/>
+                <a:ea typeface="GE SS Text Light" panose="020A0503020102020204" pitchFamily="18" charset="-78"/>
+                <a:cs typeface="GE SS Text Light" panose="020A0503020102020204" pitchFamily="18" charset="-78"/>
               </a:rPr>
             </a:br>
             <a:br>
@@ -15757,7 +15761,9 @@
                   </a:schemeClr>
                 </a:solidFill>
                 <a:effectLst/>
-                <a:latin typeface="Circular"/>
+                <a:latin typeface="GE SS Text Light" panose="020A0503020102020204" pitchFamily="18" charset="-78"/>
+                <a:ea typeface="GE SS Text Light" panose="020A0503020102020204" pitchFamily="18" charset="-78"/>
+                <a:cs typeface="GE SS Text Light" panose="020A0503020102020204" pitchFamily="18" charset="-78"/>
               </a:rPr>
             </a:br>
             <a:r>
@@ -15768,45 +15774,23 @@
                   </a:schemeClr>
                 </a:solidFill>
                 <a:effectLst/>
-                <a:latin typeface="Circular"/>
+                <a:latin typeface="GE SS Text Light" panose="020A0503020102020204" pitchFamily="18" charset="-78"/>
+                <a:ea typeface="GE SS Text Light" panose="020A0503020102020204" pitchFamily="18" charset="-78"/>
+                <a:cs typeface="GE SS Text Light" panose="020A0503020102020204" pitchFamily="18" charset="-78"/>
               </a:rPr>
               <a:t> كان ولا زال من الإشكالات التي تواجه أيحافظ أيًّا كان عمره أو مستوى حفظه، ولم أرَ في حياتي حل تقني يساعد في حل تجاوز هذا الإشكال</a:t>
             </a:r>
-            <a:br>
-              <a:rPr lang="ar-SA" sz="2400" b="0" i="0" dirty="0">
-                <a:solidFill>
-                  <a:schemeClr val="accent3">
-                    <a:lumMod val="75000"/>
-                  </a:schemeClr>
-                </a:solidFill>
-                <a:effectLst/>
-                <a:latin typeface="Circular"/>
-              </a:rPr>
-            </a:br>
-            <a:endParaRPr lang="ar-SA" sz="2400" b="0" i="0" dirty="0">
+            <a:endParaRPr lang="en-US" sz="2400" b="0" i="0" dirty="0">
               <a:solidFill>
                 <a:schemeClr val="accent3">
                   <a:lumMod val="75000"/>
                 </a:schemeClr>
               </a:solidFill>
               <a:effectLst/>
-              <a:latin typeface="Circular"/>
+              <a:latin typeface="GE SS Text Light" panose="020A0503020102020204" pitchFamily="18" charset="-78"/>
+              <a:ea typeface="GE SS Text Light" panose="020A0503020102020204" pitchFamily="18" charset="-78"/>
+              <a:cs typeface="GE SS Text Light" panose="020A0503020102020204" pitchFamily="18" charset="-78"/>
             </a:endParaRPr>
-          </a:p>
-          <a:p>
-            <a:pPr algn="ctr" rtl="0"/>
-            <a:r>
-              <a:rPr lang="en-US" sz="2400" b="0" i="0" dirty="0">
-                <a:solidFill>
-                  <a:schemeClr val="accent3">
-                    <a:lumMod val="75000"/>
-                  </a:schemeClr>
-                </a:solidFill>
-                <a:effectLst/>
-                <a:latin typeface="Circular"/>
-              </a:rPr>
-              <a:t>Similar verses in Quran are one of the biggest problems for the anyone who wants to memorize Quran. And I have not seen I technical solution for it.</a:t>
-            </a:r>
           </a:p>
         </p:txBody>
       </p:sp>
@@ -16098,6 +16082,79 @@
           </a:prstGeom>
         </p:spPr>
       </p:pic>
+      <p:sp>
+        <p:nvSpPr>
+          <p:cNvPr id="11" name="Rectangle 10">
+            <a:extLst>
+              <a:ext uri="{FF2B5EF4-FFF2-40B4-BE49-F238E27FC236}">
+                <a16:creationId xmlns:a16="http://schemas.microsoft.com/office/drawing/2014/main" id="{083AC143-57E5-400C-B078-C367E2B7011F}"/>
+              </a:ext>
+            </a:extLst>
+          </p:cNvPr>
+          <p:cNvSpPr/>
+          <p:nvPr/>
+        </p:nvSpPr>
+        <p:spPr>
+          <a:xfrm>
+            <a:off x="1186534" y="3492088"/>
+            <a:ext cx="9969274" cy="1257327"/>
+          </a:xfrm>
+          <a:prstGeom prst="rect">
+            <a:avLst/>
+          </a:prstGeom>
+          <a:noFill/>
+          <a:ln>
+            <a:noFill/>
+          </a:ln>
+        </p:spPr>
+        <p:style>
+          <a:lnRef idx="2">
+            <a:schemeClr val="accent1">
+              <a:shade val="50000"/>
+            </a:schemeClr>
+          </a:lnRef>
+          <a:fillRef idx="1">
+            <a:schemeClr val="accent1"/>
+          </a:fillRef>
+          <a:effectRef idx="0">
+            <a:schemeClr val="accent1"/>
+          </a:effectRef>
+          <a:fontRef idx="minor">
+            <a:schemeClr val="lt1"/>
+          </a:fontRef>
+        </p:style>
+        <p:txBody>
+          <a:bodyPr rtlCol="0" anchor="ctr"/>
+          <a:lstStyle/>
+          <a:p>
+            <a:pPr algn="ctr" rtl="0"/>
+            <a:endParaRPr lang="ar-SA" sz="2400" b="0" i="0" dirty="0">
+              <a:solidFill>
+                <a:schemeClr val="accent3">
+                  <a:lumMod val="75000"/>
+                </a:schemeClr>
+              </a:solidFill>
+              <a:effectLst/>
+              <a:latin typeface="Circular"/>
+            </a:endParaRPr>
+          </a:p>
+          <a:p>
+            <a:pPr algn="ctr" rtl="0"/>
+            <a:r>
+              <a:rPr lang="en-US" sz="2400" b="0" i="0" dirty="0">
+                <a:solidFill>
+                  <a:schemeClr val="accent3">
+                    <a:lumMod val="75000"/>
+                  </a:schemeClr>
+                </a:solidFill>
+                <a:effectLst/>
+                <a:latin typeface="Circular"/>
+              </a:rPr>
+              <a:t>Similar verses in Quran are one of the biggest problems for the anyone who wants to memorize Quran. And I have not seen I technical solution for it.</a:t>
+            </a:r>
+          </a:p>
+        </p:txBody>
+      </p:sp>
     </p:spTree>
     <p:extLst>
       <p:ext uri="{BB962C8B-B14F-4D97-AF65-F5344CB8AC3E}">

--- a/Quran_Similarities.pptx
+++ b/Quran_Similarities.pptx
@@ -11638,7 +11638,7 @@
         </p:nvSpPr>
         <p:spPr>
           <a:xfrm>
-            <a:off x="2676016" y="385312"/>
+            <a:off x="2800541" y="343023"/>
             <a:ext cx="6590916" cy="897716"/>
           </a:xfrm>
           <a:prstGeom prst="rect">
@@ -11698,7 +11698,7 @@
         </p:nvCxnSpPr>
         <p:spPr>
           <a:xfrm flipH="1">
-            <a:off x="4064175" y="1394775"/>
+            <a:off x="4077324" y="1240739"/>
             <a:ext cx="4213992" cy="0"/>
           </a:xfrm>
           <a:prstGeom prst="line">
@@ -12710,7 +12710,7 @@
         </p:nvSpPr>
         <p:spPr>
           <a:xfrm>
-            <a:off x="3548698" y="257160"/>
+            <a:off x="3917949" y="114498"/>
             <a:ext cx="4356100" cy="1106519"/>
           </a:xfrm>
           <a:prstGeom prst="rect">
@@ -12770,8 +12770,8 @@
         </p:nvSpPr>
         <p:spPr>
           <a:xfrm>
-            <a:off x="2416721" y="825107"/>
-            <a:ext cx="6880091" cy="2329004"/>
+            <a:off x="3275953" y="1078964"/>
+            <a:ext cx="5782200" cy="1293779"/>
           </a:xfrm>
           <a:prstGeom prst="rect">
             <a:avLst/>
@@ -12803,7 +12803,7 @@
           <a:p>
             <a:pPr algn="ctr" rtl="1"/>
             <a:r>
-              <a:rPr lang="ar-SA" sz="3600" dirty="0">
+              <a:rPr lang="ar-SA" sz="2800" dirty="0">
                 <a:solidFill>
                   <a:srgbClr val="218A3C"/>
                 </a:solidFill>
@@ -12811,7 +12811,7 @@
                 <a:ea typeface="GE SS Text Light" panose="020A0503020102020204" pitchFamily="18" charset="-78"/>
                 <a:cs typeface="GE SS Text Light" panose="020A0503020102020204" pitchFamily="18" charset="-78"/>
               </a:rPr>
-              <a:t>وجود لبس عند تسميع آيات لها آيات مشابهة في القران الكريم </a:t>
+              <a:t>وجود لبس عند تلاوة آيات تتشابه مع آيات أخرى في القران الكريم </a:t>
             </a:r>
           </a:p>
         </p:txBody>
@@ -12830,7 +12830,7 @@
         </p:nvCxnSpPr>
         <p:spPr>
           <a:xfrm flipH="1">
-            <a:off x="3581652" y="1163551"/>
+            <a:off x="4285845" y="1026916"/>
             <a:ext cx="4213992" cy="0"/>
           </a:xfrm>
           <a:prstGeom prst="line">
@@ -12867,7 +12867,7 @@
         </p:nvSpPr>
         <p:spPr>
           <a:xfrm>
-            <a:off x="3158825" y="3427551"/>
+            <a:off x="3385968" y="4559491"/>
             <a:ext cx="5420062" cy="972439"/>
           </a:xfrm>
           <a:prstGeom prst="rect">
@@ -12935,7 +12935,7 @@
         </p:nvCxnSpPr>
         <p:spPr>
           <a:xfrm flipH="1">
-            <a:off x="3690806" y="4436944"/>
+            <a:off x="4060057" y="5583324"/>
             <a:ext cx="4213992" cy="0"/>
           </a:xfrm>
           <a:prstGeom prst="line">
@@ -13029,8 +13029,8 @@
         </p:nvSpPr>
         <p:spPr>
           <a:xfrm>
-            <a:off x="2103120" y="4363036"/>
-            <a:ext cx="7272228" cy="2094711"/>
+            <a:off x="2530939" y="5534845"/>
+            <a:ext cx="7272228" cy="1150023"/>
           </a:xfrm>
           <a:prstGeom prst="rect">
             <a:avLst/>
@@ -13062,7 +13062,7 @@
           <a:p>
             <a:pPr marL="0" algn="ctr" defTabSz="457200" rtl="1" eaLnBrk="1" latinLnBrk="0" hangingPunct="1"/>
             <a:r>
-              <a:rPr lang="en-US" sz="3600" dirty="0">
+              <a:rPr lang="en-US" sz="2800" dirty="0">
                 <a:solidFill>
                   <a:srgbClr val="218A3C"/>
                 </a:solidFill>
@@ -13071,7 +13071,7 @@
               </a:rPr>
               <a:t>The confusion the Quran memorizers face when memorizing similar verses</a:t>
             </a:r>
-            <a:endParaRPr lang="ar-SA" sz="3600" dirty="0">
+            <a:endParaRPr lang="ar-SA" sz="2800" dirty="0">
               <a:solidFill>
                 <a:srgbClr val="218A3C"/>
               </a:solidFill>
@@ -13201,6 +13201,122 @@
           </a:prstGeom>
         </p:spPr>
       </p:pic>
+      <p:pic>
+        <p:nvPicPr>
+          <p:cNvPr id="5" name="Picture 4" descr="Graphical user interface, application&#10;&#10;Description automatically generated">
+            <a:extLst>
+              <a:ext uri="{FF2B5EF4-FFF2-40B4-BE49-F238E27FC236}">
+                <a16:creationId xmlns:a16="http://schemas.microsoft.com/office/drawing/2014/main" id="{0D1EB32F-4F24-4B66-9764-97FBDF8FDA19}"/>
+              </a:ext>
+            </a:extLst>
+          </p:cNvPr>
+          <p:cNvPicPr>
+            <a:picLocks noChangeAspect="1"/>
+          </p:cNvPicPr>
+          <p:nvPr/>
+        </p:nvPicPr>
+        <p:blipFill>
+          <a:blip r:embed="rId8"/>
+          <a:stretch>
+            <a:fillRect/>
+          </a:stretch>
+        </p:blipFill>
+        <p:spPr>
+          <a:xfrm>
+            <a:off x="2858079" y="2623062"/>
+            <a:ext cx="7069521" cy="1730065"/>
+          </a:xfrm>
+          <a:prstGeom prst="rect">
+            <a:avLst/>
+          </a:prstGeom>
+        </p:spPr>
+      </p:pic>
+      <p:sp>
+        <p:nvSpPr>
+          <p:cNvPr id="17" name="Thought Bubble: Cloud 16">
+            <a:extLst>
+              <a:ext uri="{FF2B5EF4-FFF2-40B4-BE49-F238E27FC236}">
+                <a16:creationId xmlns:a16="http://schemas.microsoft.com/office/drawing/2014/main" id="{DFDAF597-A6AE-4D1C-BECC-1F684BB34FDF}"/>
+              </a:ext>
+            </a:extLst>
+          </p:cNvPr>
+          <p:cNvSpPr/>
+          <p:nvPr/>
+        </p:nvSpPr>
+        <p:spPr>
+          <a:xfrm flipH="1">
+            <a:off x="705092" y="1235598"/>
+            <a:ext cx="2730280" cy="1730065"/>
+          </a:xfrm>
+          <a:prstGeom prst="cloudCallout">
+            <a:avLst/>
+          </a:prstGeom>
+          <a:solidFill>
+            <a:schemeClr val="bg1">
+              <a:alpha val="77000"/>
+            </a:schemeClr>
+          </a:solidFill>
+          <a:ln w="9525" cap="flat" cmpd="sng" algn="ctr">
+            <a:solidFill>
+              <a:schemeClr val="accent3"/>
+            </a:solidFill>
+            <a:prstDash val="solid"/>
+            <a:round/>
+            <a:headEnd type="none" w="med" len="med"/>
+            <a:tailEnd type="none" w="med" len="med"/>
+          </a:ln>
+        </p:spPr>
+        <p:style>
+          <a:lnRef idx="0">
+            <a:scrgbClr r="0" g="0" b="0"/>
+          </a:lnRef>
+          <a:fillRef idx="0">
+            <a:scrgbClr r="0" g="0" b="0"/>
+          </a:fillRef>
+          <a:effectRef idx="0">
+            <a:scrgbClr r="0" g="0" b="0"/>
+          </a:effectRef>
+          <a:fontRef idx="minor">
+            <a:schemeClr val="accent3"/>
+          </a:fontRef>
+        </p:style>
+        <p:txBody>
+          <a:bodyPr rtlCol="0" anchor="ctr"/>
+          <a:lstStyle/>
+          <a:p>
+            <a:pPr algn="ctr"/>
+            <a:r>
+              <a:rPr lang="ar-SA" dirty="0">
+                <a:latin typeface="GE SS Text Light" panose="020A0503020102020204" pitchFamily="18" charset="-78"/>
+                <a:ea typeface="GE SS Text Light" panose="020A0503020102020204" pitchFamily="18" charset="-78"/>
+                <a:cs typeface="GE SS Text Light" panose="020A0503020102020204" pitchFamily="18" charset="-78"/>
+              </a:rPr>
+              <a:t>مثال </a:t>
+            </a:r>
+            <a:r>
+              <a:rPr lang="ar-SA" dirty="0" err="1">
+                <a:latin typeface="GE SS Text Light" panose="020A0503020102020204" pitchFamily="18" charset="-78"/>
+                <a:ea typeface="GE SS Text Light" panose="020A0503020102020204" pitchFamily="18" charset="-78"/>
+                <a:cs typeface="GE SS Text Light" panose="020A0503020102020204" pitchFamily="18" charset="-78"/>
+              </a:rPr>
+              <a:t>لآياتين</a:t>
+            </a:r>
+            <a:r>
+              <a:rPr lang="ar-SA" dirty="0">
+                <a:latin typeface="GE SS Text Light" panose="020A0503020102020204" pitchFamily="18" charset="-78"/>
+                <a:ea typeface="GE SS Text Light" panose="020A0503020102020204" pitchFamily="18" charset="-78"/>
+                <a:cs typeface="GE SS Text Light" panose="020A0503020102020204" pitchFamily="18" charset="-78"/>
+              </a:rPr>
+              <a:t> متشابهتين في سورتين مختلفتين</a:t>
+            </a:r>
+            <a:endParaRPr lang="en-US" dirty="0">
+              <a:latin typeface="GE SS Text Light" panose="020A0503020102020204" pitchFamily="18" charset="-78"/>
+              <a:ea typeface="GE SS Text Light" panose="020A0503020102020204" pitchFamily="18" charset="-78"/>
+              <a:cs typeface="GE SS Text Light" panose="020A0503020102020204" pitchFamily="18" charset="-78"/>
+            </a:endParaRPr>
+          </a:p>
+        </p:txBody>
+      </p:sp>
     </p:spTree>
     <p:extLst>
       <p:ext uri="{BB962C8B-B14F-4D97-AF65-F5344CB8AC3E}">
@@ -14190,7 +14306,7 @@
         </p:nvSpPr>
         <p:spPr>
           <a:xfrm>
-            <a:off x="3619752" y="118651"/>
+            <a:off x="3917949" y="73845"/>
             <a:ext cx="4356100" cy="1106519"/>
           </a:xfrm>
           <a:prstGeom prst="rect">
@@ -14250,7 +14366,7 @@
         </p:nvSpPr>
         <p:spPr>
           <a:xfrm>
-            <a:off x="1762904" y="1060642"/>
+            <a:off x="1762903" y="946050"/>
             <a:ext cx="8666191" cy="2329004"/>
           </a:xfrm>
           <a:prstGeom prst="rect">
@@ -14331,7 +14447,7 @@
         </p:nvCxnSpPr>
         <p:spPr>
           <a:xfrm flipH="1">
-            <a:off x="3581652" y="1163551"/>
+            <a:off x="4143955" y="1060642"/>
             <a:ext cx="4213992" cy="0"/>
           </a:xfrm>
           <a:prstGeom prst="line">
@@ -14368,7 +14484,7 @@
         </p:nvSpPr>
         <p:spPr>
           <a:xfrm>
-            <a:off x="3628486" y="3495961"/>
+            <a:off x="3917949" y="4078273"/>
             <a:ext cx="4356100" cy="972439"/>
           </a:xfrm>
           <a:prstGeom prst="rect">
@@ -14437,7 +14553,7 @@
         </p:nvCxnSpPr>
         <p:spPr>
           <a:xfrm flipH="1">
-            <a:off x="3690806" y="4436944"/>
+            <a:off x="3917949" y="4902103"/>
             <a:ext cx="4213992" cy="0"/>
           </a:xfrm>
           <a:prstGeom prst="line">
@@ -14462,63 +14578,6 @@
       </p:cxnSp>
       <p:sp>
         <p:nvSpPr>
-          <p:cNvPr id="21" name="Rectangle 20">
-            <a:extLst>
-              <a:ext uri="{FF2B5EF4-FFF2-40B4-BE49-F238E27FC236}">
-                <a16:creationId xmlns:a16="http://schemas.microsoft.com/office/drawing/2014/main" id="{E850945D-78FA-8C4A-9C03-99A901B5EA8A}"/>
-              </a:ext>
-            </a:extLst>
-          </p:cNvPr>
-          <p:cNvSpPr/>
-          <p:nvPr/>
-        </p:nvSpPr>
-        <p:spPr>
-          <a:xfrm>
-            <a:off x="3690806" y="3708591"/>
-            <a:ext cx="4356100" cy="1701800"/>
-          </a:xfrm>
-          <a:prstGeom prst="rect">
-            <a:avLst/>
-          </a:prstGeom>
-          <a:noFill/>
-          <a:ln>
-            <a:noFill/>
-          </a:ln>
-        </p:spPr>
-        <p:style>
-          <a:lnRef idx="2">
-            <a:schemeClr val="accent1">
-              <a:shade val="50000"/>
-            </a:schemeClr>
-          </a:lnRef>
-          <a:fillRef idx="1">
-            <a:schemeClr val="accent1"/>
-          </a:fillRef>
-          <a:effectRef idx="0">
-            <a:schemeClr val="accent1"/>
-          </a:effectRef>
-          <a:fontRef idx="minor">
-            <a:schemeClr val="lt1"/>
-          </a:fontRef>
-        </p:style>
-        <p:txBody>
-          <a:bodyPr rtlCol="0" anchor="ctr"/>
-          <a:lstStyle/>
-          <a:p>
-            <a:pPr algn="ctr" rtl="1"/>
-            <a:endParaRPr lang="ar-SA" sz="3600" dirty="0">
-              <a:solidFill>
-                <a:srgbClr val="218A3C"/>
-              </a:solidFill>
-              <a:latin typeface="Khmer MN" pitchFamily="2" charset="0"/>
-              <a:ea typeface="Ayuthaya" pitchFamily="2" charset="-34"/>
-              <a:cs typeface="Mishafi Gold" pitchFamily="2" charset="-78"/>
-            </a:endParaRPr>
-          </a:p>
-        </p:txBody>
-      </p:sp>
-      <p:sp>
-        <p:nvSpPr>
           <p:cNvPr id="22" name="Rectangle 21">
             <a:extLst>
               <a:ext uri="{FF2B5EF4-FFF2-40B4-BE49-F238E27FC236}">
@@ -14531,8 +14590,8 @@
         </p:nvSpPr>
         <p:spPr>
           <a:xfrm>
-            <a:off x="1135117" y="4363036"/>
-            <a:ext cx="9175531" cy="2216440"/>
+            <a:off x="1135117" y="5140309"/>
+            <a:ext cx="9175531" cy="1289018"/>
           </a:xfrm>
           <a:prstGeom prst="rect">
             <a:avLst/>
@@ -14564,7 +14623,7 @@
           <a:p>
             <a:pPr marL="0" algn="ctr" defTabSz="457200" rtl="1" eaLnBrk="1" latinLnBrk="0" hangingPunct="1"/>
             <a:r>
-              <a:rPr lang="en-US" sz="3600" dirty="0">
+              <a:rPr lang="en-US" sz="2800" dirty="0">
                 <a:solidFill>
                   <a:srgbClr val="218A3C"/>
                 </a:solidFill>
@@ -14574,7 +14633,7 @@
               </a:rPr>
               <a:t>Confining all the similarities in the Holy Quran with artificial intelligence or by Quran memorizers to try to achieve perfection</a:t>
             </a:r>
-            <a:endParaRPr lang="ar-SA" sz="3600" dirty="0">
+            <a:endParaRPr lang="ar-SA" sz="2800" dirty="0">
               <a:solidFill>
                 <a:srgbClr val="218A3C"/>
               </a:solidFill>
@@ -15778,7 +15837,34 @@
                 <a:ea typeface="GE SS Text Light" panose="020A0503020102020204" pitchFamily="18" charset="-78"/>
                 <a:cs typeface="GE SS Text Light" panose="020A0503020102020204" pitchFamily="18" charset="-78"/>
               </a:rPr>
-              <a:t> كان ولا زال من الإشكالات التي تواجه أيحافظ أيًّا كان عمره أو مستوى حفظه، ولم أرَ في حياتي حل تقني يساعد في حل تجاوز هذا الإشكال</a:t>
+              <a:t> كان ولا زال من الإشكالات التي تواجه </a:t>
+            </a:r>
+            <a:r>
+              <a:rPr lang="ar-SA" sz="2400" dirty="0">
+                <a:solidFill>
+                  <a:schemeClr val="accent3">
+                    <a:lumMod val="75000"/>
+                  </a:schemeClr>
+                </a:solidFill>
+                <a:latin typeface="GE SS Text Light" panose="020A0503020102020204" pitchFamily="18" charset="-78"/>
+                <a:ea typeface="GE SS Text Light" panose="020A0503020102020204" pitchFamily="18" charset="-78"/>
+                <a:cs typeface="GE SS Text Light" panose="020A0503020102020204" pitchFamily="18" charset="-78"/>
+              </a:rPr>
+              <a:t>ال</a:t>
+            </a:r>
+            <a:r>
+              <a:rPr lang="ar-SA" sz="2400" b="0" i="0" dirty="0">
+                <a:solidFill>
+                  <a:schemeClr val="accent3">
+                    <a:lumMod val="75000"/>
+                  </a:schemeClr>
+                </a:solidFill>
+                <a:effectLst/>
+                <a:latin typeface="GE SS Text Light" panose="020A0503020102020204" pitchFamily="18" charset="-78"/>
+                <a:ea typeface="GE SS Text Light" panose="020A0503020102020204" pitchFamily="18" charset="-78"/>
+                <a:cs typeface="GE SS Text Light" panose="020A0503020102020204" pitchFamily="18" charset="-78"/>
+              </a:rPr>
+              <a:t>حافظ أيًّا كان عمره أو مستوى حفظه، ولم أرَ في حياتي حل تقني يساعد في حل تجاوز هذا الإشكال</a:t>
             </a:r>
             <a:endParaRPr lang="en-US" sz="2400" b="0" i="0" dirty="0">
               <a:solidFill>
@@ -15808,7 +15894,7 @@
         </p:nvSpPr>
         <p:spPr>
           <a:xfrm>
-            <a:off x="3679508" y="5175250"/>
+            <a:off x="4292600" y="6300920"/>
             <a:ext cx="3606800" cy="647700"/>
           </a:xfrm>
           <a:prstGeom prst="rect">
@@ -15865,103 +15951,6 @@
           </a:p>
         </p:txBody>
       </p:sp>
-      <p:sp>
-        <p:nvSpPr>
-          <p:cNvPr id="14" name="Rectangle 13">
-            <a:extLst>
-              <a:ext uri="{FF2B5EF4-FFF2-40B4-BE49-F238E27FC236}">
-                <a16:creationId xmlns:a16="http://schemas.microsoft.com/office/drawing/2014/main" id="{9171BD26-0011-4D3D-A1A3-81A4D690E6DC}"/>
-              </a:ext>
-            </a:extLst>
-          </p:cNvPr>
-          <p:cNvSpPr/>
-          <p:nvPr/>
-        </p:nvSpPr>
-        <p:spPr>
-          <a:xfrm>
-            <a:off x="2676016" y="385312"/>
-            <a:ext cx="6590916" cy="897716"/>
-          </a:xfrm>
-          <a:prstGeom prst="rect">
-            <a:avLst/>
-          </a:prstGeom>
-          <a:noFill/>
-          <a:ln>
-            <a:noFill/>
-          </a:ln>
-        </p:spPr>
-        <p:style>
-          <a:lnRef idx="2">
-            <a:schemeClr val="accent1">
-              <a:shade val="50000"/>
-            </a:schemeClr>
-          </a:lnRef>
-          <a:fillRef idx="1">
-            <a:schemeClr val="accent1"/>
-          </a:fillRef>
-          <a:effectRef idx="0">
-            <a:schemeClr val="accent1"/>
-          </a:effectRef>
-          <a:fontRef idx="minor">
-            <a:schemeClr val="lt1"/>
-          </a:fontRef>
-        </p:style>
-        <p:txBody>
-          <a:bodyPr rtlCol="0" anchor="ctr"/>
-          <a:lstStyle/>
-          <a:p>
-            <a:pPr algn="ctr" rtl="1"/>
-            <a:r>
-              <a:rPr lang="ar-SA" sz="6000" dirty="0">
-                <a:solidFill>
-                  <a:schemeClr val="tx1"/>
-                </a:solidFill>
-                <a:latin typeface="GE SS Text Light" panose="020A0503020102020204" pitchFamily="18" charset="-78"/>
-                <a:ea typeface="GE SS Text Light" panose="020A0503020102020204" pitchFamily="18" charset="-78"/>
-                <a:cs typeface="GE SS Text Light" panose="020A0503020102020204" pitchFamily="18" charset="-78"/>
-              </a:rPr>
-              <a:t>نظام متشابه القران </a:t>
-            </a:r>
-          </a:p>
-        </p:txBody>
-      </p:sp>
-      <p:cxnSp>
-        <p:nvCxnSpPr>
-          <p:cNvPr id="20" name="Straight Connector 19">
-            <a:extLst>
-              <a:ext uri="{FF2B5EF4-FFF2-40B4-BE49-F238E27FC236}">
-                <a16:creationId xmlns:a16="http://schemas.microsoft.com/office/drawing/2014/main" id="{B0780520-A06E-45E6-955E-0B34ED8F0CF9}"/>
-              </a:ext>
-            </a:extLst>
-          </p:cNvPr>
-          <p:cNvCxnSpPr/>
-          <p:nvPr/>
-        </p:nvCxnSpPr>
-        <p:spPr>
-          <a:xfrm flipH="1">
-            <a:off x="4064175" y="1394775"/>
-            <a:ext cx="4213992" cy="0"/>
-          </a:xfrm>
-          <a:prstGeom prst="line">
-            <a:avLst/>
-          </a:prstGeom>
-          <a:ln w="38100"/>
-        </p:spPr>
-        <p:style>
-          <a:lnRef idx="1">
-            <a:schemeClr val="dk1"/>
-          </a:lnRef>
-          <a:fillRef idx="0">
-            <a:schemeClr val="dk1"/>
-          </a:fillRef>
-          <a:effectRef idx="0">
-            <a:schemeClr val="dk1"/>
-          </a:effectRef>
-          <a:fontRef idx="minor">
-            <a:schemeClr val="tx1"/>
-          </a:fontRef>
-        </p:style>
-      </p:cxnSp>
       <p:pic>
         <p:nvPicPr>
           <p:cNvPr id="22" name="Picture 21" descr="Shape&#10;&#10;Description automatically generated">
@@ -16155,6 +16144,103 @@
           </a:p>
         </p:txBody>
       </p:sp>
+      <p:sp>
+        <p:nvSpPr>
+          <p:cNvPr id="12" name="Rectangle 11">
+            <a:extLst>
+              <a:ext uri="{FF2B5EF4-FFF2-40B4-BE49-F238E27FC236}">
+                <a16:creationId xmlns:a16="http://schemas.microsoft.com/office/drawing/2014/main" id="{5B6B8A02-8412-4A81-899C-F2BAD49F6125}"/>
+              </a:ext>
+            </a:extLst>
+          </p:cNvPr>
+          <p:cNvSpPr/>
+          <p:nvPr/>
+        </p:nvSpPr>
+        <p:spPr>
+          <a:xfrm>
+            <a:off x="2800541" y="343023"/>
+            <a:ext cx="6590916" cy="897716"/>
+          </a:xfrm>
+          <a:prstGeom prst="rect">
+            <a:avLst/>
+          </a:prstGeom>
+          <a:noFill/>
+          <a:ln>
+            <a:noFill/>
+          </a:ln>
+        </p:spPr>
+        <p:style>
+          <a:lnRef idx="2">
+            <a:schemeClr val="accent1">
+              <a:shade val="50000"/>
+            </a:schemeClr>
+          </a:lnRef>
+          <a:fillRef idx="1">
+            <a:schemeClr val="accent1"/>
+          </a:fillRef>
+          <a:effectRef idx="0">
+            <a:schemeClr val="accent1"/>
+          </a:effectRef>
+          <a:fontRef idx="minor">
+            <a:schemeClr val="lt1"/>
+          </a:fontRef>
+        </p:style>
+        <p:txBody>
+          <a:bodyPr rtlCol="0" anchor="ctr"/>
+          <a:lstStyle/>
+          <a:p>
+            <a:pPr algn="ctr" rtl="1"/>
+            <a:r>
+              <a:rPr lang="ar-SA" sz="6000" dirty="0">
+                <a:solidFill>
+                  <a:schemeClr val="tx1"/>
+                </a:solidFill>
+                <a:latin typeface="GE SS Text Light" panose="020A0503020102020204" pitchFamily="18" charset="-78"/>
+                <a:ea typeface="GE SS Text Light" panose="020A0503020102020204" pitchFamily="18" charset="-78"/>
+                <a:cs typeface="GE SS Text Light" panose="020A0503020102020204" pitchFamily="18" charset="-78"/>
+              </a:rPr>
+              <a:t>نظام متشابه القران </a:t>
+            </a:r>
+          </a:p>
+        </p:txBody>
+      </p:sp>
+      <p:cxnSp>
+        <p:nvCxnSpPr>
+          <p:cNvPr id="13" name="Straight Connector 12">
+            <a:extLst>
+              <a:ext uri="{FF2B5EF4-FFF2-40B4-BE49-F238E27FC236}">
+                <a16:creationId xmlns:a16="http://schemas.microsoft.com/office/drawing/2014/main" id="{52824979-0D94-440E-B0F5-EBC543AD3ACC}"/>
+              </a:ext>
+            </a:extLst>
+          </p:cNvPr>
+          <p:cNvCxnSpPr/>
+          <p:nvPr/>
+        </p:nvCxnSpPr>
+        <p:spPr>
+          <a:xfrm flipH="1">
+            <a:off x="4077324" y="1240739"/>
+            <a:ext cx="4213992" cy="0"/>
+          </a:xfrm>
+          <a:prstGeom prst="line">
+            <a:avLst/>
+          </a:prstGeom>
+          <a:ln w="38100"/>
+        </p:spPr>
+        <p:style>
+          <a:lnRef idx="1">
+            <a:schemeClr val="dk1"/>
+          </a:lnRef>
+          <a:fillRef idx="0">
+            <a:schemeClr val="dk1"/>
+          </a:fillRef>
+          <a:effectRef idx="0">
+            <a:schemeClr val="dk1"/>
+          </a:effectRef>
+          <a:fontRef idx="minor">
+            <a:schemeClr val="tx1"/>
+          </a:fontRef>
+        </p:style>
+      </p:cxnSp>
     </p:spTree>
     <p:extLst>
       <p:ext uri="{BB962C8B-B14F-4D97-AF65-F5344CB8AC3E}">
@@ -17144,7 +17230,7 @@
         </p:nvSpPr>
         <p:spPr>
           <a:xfrm>
-            <a:off x="1305778" y="2103057"/>
+            <a:off x="1467439" y="2391958"/>
             <a:ext cx="9257119" cy="2532006"/>
           </a:xfrm>
           <a:prstGeom prst="rect">
@@ -17218,8 +17304,8 @@
         </p:nvSpPr>
         <p:spPr>
           <a:xfrm>
-            <a:off x="3345278" y="5463225"/>
-            <a:ext cx="5501443" cy="647700"/>
+            <a:off x="3629555" y="6105477"/>
+            <a:ext cx="4932889" cy="647700"/>
           </a:xfrm>
           <a:prstGeom prst="rect">
             <a:avLst/>
@@ -17397,10 +17483,10 @@
       </p:pic>
       <p:sp>
         <p:nvSpPr>
-          <p:cNvPr id="26" name="Rectangle 25">
+          <p:cNvPr id="11" name="Rectangle 10">
             <a:extLst>
               <a:ext uri="{FF2B5EF4-FFF2-40B4-BE49-F238E27FC236}">
-                <a16:creationId xmlns:a16="http://schemas.microsoft.com/office/drawing/2014/main" id="{26DD3226-586A-4700-8A7E-8533B8F846CF}"/>
+                <a16:creationId xmlns:a16="http://schemas.microsoft.com/office/drawing/2014/main" id="{1C073BBE-089E-458F-974C-40624968BF3F}"/>
               </a:ext>
             </a:extLst>
           </p:cNvPr>
@@ -17409,7 +17495,7 @@
         </p:nvSpPr>
         <p:spPr>
           <a:xfrm>
-            <a:off x="2676016" y="385312"/>
+            <a:off x="2800541" y="343023"/>
             <a:ext cx="6590916" cy="897716"/>
           </a:xfrm>
           <a:prstGeom prst="rect">
@@ -17457,10 +17543,10 @@
       </p:sp>
       <p:cxnSp>
         <p:nvCxnSpPr>
-          <p:cNvPr id="27" name="Straight Connector 26">
+          <p:cNvPr id="12" name="Straight Connector 11">
             <a:extLst>
               <a:ext uri="{FF2B5EF4-FFF2-40B4-BE49-F238E27FC236}">
-                <a16:creationId xmlns:a16="http://schemas.microsoft.com/office/drawing/2014/main" id="{F34E47CE-0F3B-4C25-8E7B-8FE19492280D}"/>
+                <a16:creationId xmlns:a16="http://schemas.microsoft.com/office/drawing/2014/main" id="{A0657BA6-4E26-439E-B09B-0202CF7B476F}"/>
               </a:ext>
             </a:extLst>
           </p:cNvPr>
@@ -17469,7 +17555,7 @@
         </p:nvCxnSpPr>
         <p:spPr>
           <a:xfrm flipH="1">
-            <a:off x="4064175" y="1394775"/>
+            <a:off x="4077324" y="1240739"/>
             <a:ext cx="4213992" cy="0"/>
           </a:xfrm>
           <a:prstGeom prst="line">
@@ -18631,7 +18717,7 @@
                 <a:ea typeface="GE SS Text Light" panose="020A0503020102020204" pitchFamily="18" charset="-78"/>
                 <a:cs typeface="Arial" panose="020B0604020202020204" pitchFamily="34" charset="0"/>
               </a:rPr>
-              <a:t>- Flag passed Similarity </a:t>
+              <a:t>- Bookmark and Flag passed Similarity </a:t>
             </a:r>
             <a:endParaRPr lang="ar-SA" sz="2400" dirty="0">
               <a:solidFill>
@@ -18837,10 +18923,10 @@
       </p:pic>
       <p:sp>
         <p:nvSpPr>
-          <p:cNvPr id="24" name="Rectangle 23">
+          <p:cNvPr id="11" name="Rectangle 10">
             <a:extLst>
               <a:ext uri="{FF2B5EF4-FFF2-40B4-BE49-F238E27FC236}">
-                <a16:creationId xmlns:a16="http://schemas.microsoft.com/office/drawing/2014/main" id="{CC0F4BDD-F1B9-4523-BC3E-29CB3ABAFD86}"/>
+                <a16:creationId xmlns:a16="http://schemas.microsoft.com/office/drawing/2014/main" id="{EBEF8415-C5AE-46C5-BB56-924D4C3AC552}"/>
               </a:ext>
             </a:extLst>
           </p:cNvPr>
@@ -18849,7 +18935,7 @@
         </p:nvSpPr>
         <p:spPr>
           <a:xfrm>
-            <a:off x="2676016" y="385312"/>
+            <a:off x="2800541" y="343023"/>
             <a:ext cx="6590916" cy="897716"/>
           </a:xfrm>
           <a:prstGeom prst="rect">
@@ -18897,10 +18983,10 @@
       </p:sp>
       <p:cxnSp>
         <p:nvCxnSpPr>
-          <p:cNvPr id="25" name="Straight Connector 24">
+          <p:cNvPr id="12" name="Straight Connector 11">
             <a:extLst>
               <a:ext uri="{FF2B5EF4-FFF2-40B4-BE49-F238E27FC236}">
-                <a16:creationId xmlns:a16="http://schemas.microsoft.com/office/drawing/2014/main" id="{630D18BB-127C-4C44-A83C-7011014082D3}"/>
+                <a16:creationId xmlns:a16="http://schemas.microsoft.com/office/drawing/2014/main" id="{EA1A957A-2059-4A24-BE1F-013B11EEF724}"/>
               </a:ext>
             </a:extLst>
           </p:cNvPr>
@@ -18909,7 +18995,7 @@
         </p:nvCxnSpPr>
         <p:spPr>
           <a:xfrm flipH="1">
-            <a:off x="4064175" y="1394775"/>
+            <a:off x="4077324" y="1240739"/>
             <a:ext cx="4213992" cy="0"/>
           </a:xfrm>
           <a:prstGeom prst="line">
@@ -19921,8 +20007,8 @@
         </p:nvSpPr>
         <p:spPr>
           <a:xfrm>
-            <a:off x="861848" y="1686561"/>
-            <a:ext cx="9948254" cy="4167155"/>
+            <a:off x="746234" y="1578983"/>
+            <a:ext cx="9948254" cy="3636033"/>
           </a:xfrm>
           <a:prstGeom prst="rect">
             <a:avLst/>
@@ -20045,7 +20131,7 @@
         </p:nvSpPr>
         <p:spPr>
           <a:xfrm>
-            <a:off x="3793358" y="6078108"/>
+            <a:off x="4292599" y="5737895"/>
             <a:ext cx="3606800" cy="647700"/>
           </a:xfrm>
           <a:prstGeom prst="rect">
@@ -20224,10 +20310,10 @@
       </p:pic>
       <p:sp>
         <p:nvSpPr>
-          <p:cNvPr id="24" name="Rectangle 23">
+          <p:cNvPr id="11" name="Rectangle 10">
             <a:extLst>
               <a:ext uri="{FF2B5EF4-FFF2-40B4-BE49-F238E27FC236}">
-                <a16:creationId xmlns:a16="http://schemas.microsoft.com/office/drawing/2014/main" id="{CC0F4BDD-F1B9-4523-BC3E-29CB3ABAFD86}"/>
+                <a16:creationId xmlns:a16="http://schemas.microsoft.com/office/drawing/2014/main" id="{FD187F19-3747-4878-B8D5-F20094D6D364}"/>
               </a:ext>
             </a:extLst>
           </p:cNvPr>
@@ -20236,7 +20322,7 @@
         </p:nvSpPr>
         <p:spPr>
           <a:xfrm>
-            <a:off x="2676016" y="385312"/>
+            <a:off x="2800541" y="343023"/>
             <a:ext cx="6590916" cy="897716"/>
           </a:xfrm>
           <a:prstGeom prst="rect">
@@ -20284,10 +20370,10 @@
       </p:sp>
       <p:cxnSp>
         <p:nvCxnSpPr>
-          <p:cNvPr id="25" name="Straight Connector 24">
+          <p:cNvPr id="12" name="Straight Connector 11">
             <a:extLst>
               <a:ext uri="{FF2B5EF4-FFF2-40B4-BE49-F238E27FC236}">
-                <a16:creationId xmlns:a16="http://schemas.microsoft.com/office/drawing/2014/main" id="{630D18BB-127C-4C44-A83C-7011014082D3}"/>
+                <a16:creationId xmlns:a16="http://schemas.microsoft.com/office/drawing/2014/main" id="{06F4C152-6CF8-44C4-99D0-2DADE76D2558}"/>
               </a:ext>
             </a:extLst>
           </p:cNvPr>
@@ -20296,7 +20382,7 @@
         </p:nvCxnSpPr>
         <p:spPr>
           <a:xfrm flipH="1">
-            <a:off x="4064175" y="1394775"/>
+            <a:off x="4077324" y="1240739"/>
             <a:ext cx="4213992" cy="0"/>
           </a:xfrm>
           <a:prstGeom prst="line">

--- a/Quran_Similarities.pptx
+++ b/Quran_Similarities.pptx
@@ -208,7 +208,7 @@
           <a:p>
             <a:fld id="{2DF635B7-640B-E142-A6F7-792DB632594E}" type="datetimeFigureOut">
               <a:rPr lang="ar-SA" smtClean="0"/>
-              <a:t>19/10/1442</a:t>
+              <a:t>21/10/1442</a:t>
             </a:fld>
             <a:endParaRPr lang="ar-SA"/>
           </a:p>
@@ -1735,7 +1735,7 @@
           <a:p>
             <a:fld id="{A4B6F47A-8A81-BC4E-92B7-71DAC1AA9124}" type="datetimeFigureOut">
               <a:rPr lang="ar-SA" smtClean="0"/>
-              <a:t>19/10/1442</a:t>
+              <a:t>21/10/1442</a:t>
             </a:fld>
             <a:endParaRPr lang="ar-SA"/>
           </a:p>
@@ -1905,7 +1905,7 @@
           <a:p>
             <a:fld id="{A4B6F47A-8A81-BC4E-92B7-71DAC1AA9124}" type="datetimeFigureOut">
               <a:rPr lang="ar-SA" smtClean="0"/>
-              <a:t>19/10/1442</a:t>
+              <a:t>21/10/1442</a:t>
             </a:fld>
             <a:endParaRPr lang="ar-SA"/>
           </a:p>
@@ -2085,7 +2085,7 @@
           <a:p>
             <a:fld id="{A4B6F47A-8A81-BC4E-92B7-71DAC1AA9124}" type="datetimeFigureOut">
               <a:rPr lang="ar-SA" smtClean="0"/>
-              <a:t>19/10/1442</a:t>
+              <a:t>21/10/1442</a:t>
             </a:fld>
             <a:endParaRPr lang="ar-SA"/>
           </a:p>
@@ -2255,7 +2255,7 @@
           <a:p>
             <a:fld id="{A4B6F47A-8A81-BC4E-92B7-71DAC1AA9124}" type="datetimeFigureOut">
               <a:rPr lang="ar-SA" smtClean="0"/>
-              <a:t>19/10/1442</a:t>
+              <a:t>21/10/1442</a:t>
             </a:fld>
             <a:endParaRPr lang="ar-SA"/>
           </a:p>
@@ -2501,7 +2501,7 @@
           <a:p>
             <a:fld id="{A4B6F47A-8A81-BC4E-92B7-71DAC1AA9124}" type="datetimeFigureOut">
               <a:rPr lang="ar-SA" smtClean="0"/>
-              <a:t>19/10/1442</a:t>
+              <a:t>21/10/1442</a:t>
             </a:fld>
             <a:endParaRPr lang="ar-SA"/>
           </a:p>
@@ -2733,7 +2733,7 @@
           <a:p>
             <a:fld id="{A4B6F47A-8A81-BC4E-92B7-71DAC1AA9124}" type="datetimeFigureOut">
               <a:rPr lang="ar-SA" smtClean="0"/>
-              <a:t>19/10/1442</a:t>
+              <a:t>21/10/1442</a:t>
             </a:fld>
             <a:endParaRPr lang="ar-SA"/>
           </a:p>
@@ -3100,7 +3100,7 @@
           <a:p>
             <a:fld id="{A4B6F47A-8A81-BC4E-92B7-71DAC1AA9124}" type="datetimeFigureOut">
               <a:rPr lang="ar-SA" smtClean="0"/>
-              <a:t>19/10/1442</a:t>
+              <a:t>21/10/1442</a:t>
             </a:fld>
             <a:endParaRPr lang="ar-SA"/>
           </a:p>
@@ -3218,7 +3218,7 @@
           <a:p>
             <a:fld id="{A4B6F47A-8A81-BC4E-92B7-71DAC1AA9124}" type="datetimeFigureOut">
               <a:rPr lang="ar-SA" smtClean="0"/>
-              <a:t>19/10/1442</a:t>
+              <a:t>21/10/1442</a:t>
             </a:fld>
             <a:endParaRPr lang="ar-SA"/>
           </a:p>
@@ -3313,7 +3313,7 @@
           <a:p>
             <a:fld id="{A4B6F47A-8A81-BC4E-92B7-71DAC1AA9124}" type="datetimeFigureOut">
               <a:rPr lang="ar-SA" smtClean="0"/>
-              <a:t>19/10/1442</a:t>
+              <a:t>21/10/1442</a:t>
             </a:fld>
             <a:endParaRPr lang="ar-SA"/>
           </a:p>
@@ -3590,7 +3590,7 @@
           <a:p>
             <a:fld id="{A4B6F47A-8A81-BC4E-92B7-71DAC1AA9124}" type="datetimeFigureOut">
               <a:rPr lang="ar-SA" smtClean="0"/>
-              <a:t>19/10/1442</a:t>
+              <a:t>21/10/1442</a:t>
             </a:fld>
             <a:endParaRPr lang="ar-SA"/>
           </a:p>
@@ -3847,7 +3847,7 @@
           <a:p>
             <a:fld id="{A4B6F47A-8A81-BC4E-92B7-71DAC1AA9124}" type="datetimeFigureOut">
               <a:rPr lang="ar-SA" smtClean="0"/>
-              <a:t>19/10/1442</a:t>
+              <a:t>21/10/1442</a:t>
             </a:fld>
             <a:endParaRPr lang="ar-SA"/>
           </a:p>
@@ -4060,7 +4060,7 @@
           <a:p>
             <a:fld id="{A4B6F47A-8A81-BC4E-92B7-71DAC1AA9124}" type="datetimeFigureOut">
               <a:rPr lang="ar-SA" smtClean="0"/>
-              <a:t>19/10/1442</a:t>
+              <a:t>21/10/1442</a:t>
             </a:fld>
             <a:endParaRPr lang="ar-SA"/>
           </a:p>
@@ -8781,7 +8781,7 @@
                 <a:ea typeface="GE SS Text Light" panose="020A0503020102020204" pitchFamily="18" charset="-78"/>
                 <a:cs typeface="GE SS Text Light" panose="020A0503020102020204" pitchFamily="18" charset="-78"/>
               </a:rPr>
-              <a:t>م. عبدالعزيز الصفدي</a:t>
+              <a:t>عبدالعزيز الصفدي</a:t>
             </a:r>
           </a:p>
           <a:p>
@@ -8818,28 +8818,6 @@
               </a:rPr>
               <a:t>مختص بالقرآن وعلومه</a:t>
             </a:r>
-          </a:p>
-          <a:p>
-            <a:pPr algn="ctr" rtl="1"/>
-            <a:r>
-              <a:rPr lang="ar-SA" dirty="0">
-                <a:solidFill>
-                  <a:schemeClr val="tx1"/>
-                </a:solidFill>
-                <a:latin typeface="GE SS Text Light" panose="020A0503020102020204" pitchFamily="18" charset="-78"/>
-                <a:ea typeface="GE SS Text Light" panose="020A0503020102020204" pitchFamily="18" charset="-78"/>
-                <a:cs typeface="GE SS Text Light" panose="020A0503020102020204" pitchFamily="18" charset="-78"/>
-              </a:rPr>
-              <a:t>المؤسس</a:t>
-            </a:r>
-            <a:endParaRPr lang="en-US" dirty="0">
-              <a:solidFill>
-                <a:schemeClr val="tx1"/>
-              </a:solidFill>
-              <a:latin typeface="GE SS Text Light" panose="020A0503020102020204" pitchFamily="18" charset="-78"/>
-              <a:ea typeface="GE SS Text Light" panose="020A0503020102020204" pitchFamily="18" charset="-78"/>
-              <a:cs typeface="GE SS Text Light" panose="020A0503020102020204" pitchFamily="18" charset="-78"/>
-            </a:endParaRPr>
           </a:p>
         </p:txBody>
       </p:sp>
@@ -8912,7 +8890,7 @@
                 <a:ea typeface="GE SS Text Light" panose="020A0503020102020204" pitchFamily="18" charset="-78"/>
                 <a:cs typeface="GE SS Text Light" panose="020A0503020102020204" pitchFamily="18" charset="-78"/>
               </a:rPr>
-              <a:t>شريك مؤسس/ التصميم " موشن جرافيك "  </a:t>
+              <a:t>التصميم " موشن جرافيك "  </a:t>
             </a:r>
           </a:p>
         </p:txBody>
@@ -8986,7 +8964,7 @@
                 <a:ea typeface="GE SS Text Light" panose="020A0503020102020204" pitchFamily="18" charset="-78"/>
                 <a:cs typeface="GE SS Text Light" panose="020A0503020102020204" pitchFamily="18" charset="-78"/>
               </a:rPr>
-              <a:t>شريك مؤسس/ ريادة اعمال</a:t>
+              <a:t>ريادة اعمال</a:t>
             </a:r>
           </a:p>
         </p:txBody>
@@ -12751,7 +12729,7 @@
                 <a:ea typeface="GE SS Text Light" panose="020A0503020102020204" pitchFamily="18" charset="-78"/>
                 <a:cs typeface="GE SS Text Light" panose="020A0503020102020204" pitchFamily="18" charset="-78"/>
               </a:rPr>
-              <a:t>المشكلة </a:t>
+              <a:t>مثال </a:t>
             </a:r>
           </a:p>
         </p:txBody>
@@ -12811,7 +12789,7 @@
                 <a:ea typeface="GE SS Text Light" panose="020A0503020102020204" pitchFamily="18" charset="-78"/>
                 <a:cs typeface="GE SS Text Light" panose="020A0503020102020204" pitchFamily="18" charset="-78"/>
               </a:rPr>
-              <a:t>وجود لبس عند تلاوة آيات تتشابه مع آيات أخرى في القران الكريم </a:t>
+              <a:t>وجود لبس عند تسميع آيات تتشابه مع آيات أخرى في القران الكريم </a:t>
             </a:r>
           </a:p>
         </p:txBody>
@@ -12900,15 +12878,15 @@
           <a:p>
             <a:pPr marL="0" algn="ctr" defTabSz="457200" rtl="1" eaLnBrk="1" latinLnBrk="0" hangingPunct="1"/>
             <a:r>
-              <a:rPr lang="en-US" sz="6000" dirty="0">
+              <a:rPr lang="ar-SA" sz="6000">
                 <a:solidFill>
                   <a:schemeClr val="tx1"/>
                 </a:solidFill>
-                <a:latin typeface="Arial" panose="020B0604020202020204" pitchFamily="34" charset="0"/>
+                <a:latin typeface="GE SS Text Light" panose="020A0503020102020204" pitchFamily="18" charset="-78"/>
                 <a:ea typeface="GE SS Text Light" panose="020A0503020102020204" pitchFamily="18" charset="-78"/>
-                <a:cs typeface="Arial" panose="020B0604020202020204" pitchFamily="34" charset="0"/>
+                <a:cs typeface="GE SS Text Light" panose="020A0503020102020204" pitchFamily="18" charset="-78"/>
               </a:rPr>
-              <a:t>The problem</a:t>
+              <a:t>مثال</a:t>
             </a:r>
             <a:endParaRPr lang="ar-SA" sz="6000" dirty="0">
               <a:solidFill>
